--- a/Presentations/Supervisor Meetings/2024/20240209.pptx
+++ b/Presentations/Supervisor Meetings/2024/20240209.pptx
@@ -6,6 +6,7 @@
   </p:sldMasterIdLst>
   <p:sldIdLst>
     <p:sldId id="256" r:id="rId2"/>
+    <p:sldId id="257" r:id="rId3"/>
   </p:sldIdLst>
   <p:sldSz cx="12192000" cy="6858000"/>
   <p:notesSz cx="6858000" cy="9144000"/>
@@ -104,6 +105,11 @@
       </a:defRPr>
     </a:lvl9pPr>
   </p:defaultTextStyle>
+  <p:extLst>
+    <p:ext uri="{EFAFB233-063F-42B5-8137-9DF3F51BA10A}">
+      <p15:sldGuideLst xmlns:p15="http://schemas.microsoft.com/office/powerpoint/2012/main"/>
+    </p:ext>
+  </p:extLst>
 </p:presentation>
 </file>
 
@@ -111,17 +117,56 @@
 <pc:chgInfo xmlns:a="http://schemas.openxmlformats.org/drawingml/2006/main" xmlns:r="http://schemas.openxmlformats.org/officeDocument/2006/relationships" xmlns:ac="http://schemas.microsoft.com/office/drawing/2013/main/command" xmlns:pc="http://schemas.microsoft.com/office/powerpoint/2013/main/command">
   <pc:docChgLst>
     <pc:chgData name="Sean" userId="47659c31-a575-4792-8be3-61268c4ee0d6" providerId="ADAL" clId="{CA64B30F-511C-45F5-B991-1BF90300E7E0}"/>
-    <pc:docChg chg="addSld">
-      <pc:chgData name="Sean" userId="47659c31-a575-4792-8be3-61268c4ee0d6" providerId="ADAL" clId="{CA64B30F-511C-45F5-B991-1BF90300E7E0}" dt="2024-02-03T13:41:44.067" v="0" actId="680"/>
+    <pc:docChg chg="custSel addSld modSld">
+      <pc:chgData name="Sean" userId="47659c31-a575-4792-8be3-61268c4ee0d6" providerId="ADAL" clId="{CA64B30F-511C-45F5-B991-1BF90300E7E0}" dt="2024-02-03T15:45:02.204" v="112" actId="313"/>
       <pc:docMkLst>
         <pc:docMk/>
       </pc:docMkLst>
-      <pc:sldChg chg="new">
-        <pc:chgData name="Sean" userId="47659c31-a575-4792-8be3-61268c4ee0d6" providerId="ADAL" clId="{CA64B30F-511C-45F5-B991-1BF90300E7E0}" dt="2024-02-03T13:41:44.067" v="0" actId="680"/>
+      <pc:sldChg chg="modSp new mod">
+        <pc:chgData name="Sean" userId="47659c31-a575-4792-8be3-61268c4ee0d6" providerId="ADAL" clId="{CA64B30F-511C-45F5-B991-1BF90300E7E0}" dt="2024-02-03T15:42:24.809" v="27" actId="20577"/>
         <pc:sldMkLst>
           <pc:docMk/>
           <pc:sldMk cId="905190482" sldId="256"/>
         </pc:sldMkLst>
+        <pc:spChg chg="mod">
+          <ac:chgData name="Sean" userId="47659c31-a575-4792-8be3-61268c4ee0d6" providerId="ADAL" clId="{CA64B30F-511C-45F5-B991-1BF90300E7E0}" dt="2024-02-03T15:42:12.450" v="19" actId="20577"/>
+          <ac:spMkLst>
+            <pc:docMk/>
+            <pc:sldMk cId="905190482" sldId="256"/>
+            <ac:spMk id="2" creationId="{9D26D2D5-D30F-4BA4-BE2B-908BEB7AA9C6}"/>
+          </ac:spMkLst>
+        </pc:spChg>
+        <pc:spChg chg="mod">
+          <ac:chgData name="Sean" userId="47659c31-a575-4792-8be3-61268c4ee0d6" providerId="ADAL" clId="{CA64B30F-511C-45F5-B991-1BF90300E7E0}" dt="2024-02-03T15:42:24.809" v="27" actId="20577"/>
+          <ac:spMkLst>
+            <pc:docMk/>
+            <pc:sldMk cId="905190482" sldId="256"/>
+            <ac:spMk id="3" creationId="{678D1CD4-AABC-4B3E-A2CC-37ACEEC74568}"/>
+          </ac:spMkLst>
+        </pc:spChg>
+      </pc:sldChg>
+      <pc:sldChg chg="modSp new mod">
+        <pc:chgData name="Sean" userId="47659c31-a575-4792-8be3-61268c4ee0d6" providerId="ADAL" clId="{CA64B30F-511C-45F5-B991-1BF90300E7E0}" dt="2024-02-03T15:45:02.204" v="112" actId="313"/>
+        <pc:sldMkLst>
+          <pc:docMk/>
+          <pc:sldMk cId="3126834720" sldId="257"/>
+        </pc:sldMkLst>
+        <pc:spChg chg="mod">
+          <ac:chgData name="Sean" userId="47659c31-a575-4792-8be3-61268c4ee0d6" providerId="ADAL" clId="{CA64B30F-511C-45F5-B991-1BF90300E7E0}" dt="2024-02-03T15:42:56.628" v="37" actId="20577"/>
+          <ac:spMkLst>
+            <pc:docMk/>
+            <pc:sldMk cId="3126834720" sldId="257"/>
+            <ac:spMk id="2" creationId="{681D533A-3C45-4858-8E40-47B9F15C47FC}"/>
+          </ac:spMkLst>
+        </pc:spChg>
+        <pc:spChg chg="mod">
+          <ac:chgData name="Sean" userId="47659c31-a575-4792-8be3-61268c4ee0d6" providerId="ADAL" clId="{CA64B30F-511C-45F5-B991-1BF90300E7E0}" dt="2024-02-03T15:45:02.204" v="112" actId="313"/>
+          <ac:spMkLst>
+            <pc:docMk/>
+            <pc:sldMk cId="3126834720" sldId="257"/>
+            <ac:spMk id="3" creationId="{40C9001B-B62A-4D30-84D2-54AF8318DA1F}"/>
+          </ac:spMkLst>
+        </pc:spChg>
       </pc:sldChg>
     </pc:docChg>
   </pc:docChgLst>
@@ -3384,7 +3429,11 @@
           <a:bodyPr/>
           <a:lstStyle/>
           <a:p>
-            <a:endParaRPr lang="en-GB"/>
+            <a:r>
+              <a:rPr lang="en-US" dirty="0"/>
+              <a:t>Supervisory Meeting</a:t>
+            </a:r>
+            <a:endParaRPr lang="en-GB" dirty="0"/>
           </a:p>
         </p:txBody>
       </p:sp>
@@ -3409,7 +3458,11 @@
           <a:bodyPr/>
           <a:lstStyle/>
           <a:p>
-            <a:endParaRPr lang="en-GB"/>
+            <a:r>
+              <a:rPr lang="en-US" dirty="0"/>
+              <a:t>09/02/24</a:t>
+            </a:r>
+            <a:endParaRPr lang="en-GB" dirty="0"/>
           </a:p>
         </p:txBody>
       </p:sp>
@@ -3417,6 +3470,111 @@
     <p:extLst>
       <p:ext uri="{BB962C8B-B14F-4D97-AF65-F5344CB8AC3E}">
         <p14:creationId xmlns:p14="http://schemas.microsoft.com/office/powerpoint/2010/main" val="905190482"/>
+      </p:ext>
+    </p:extLst>
+  </p:cSld>
+  <p:clrMapOvr>
+    <a:masterClrMapping/>
+  </p:clrMapOvr>
+</p:sld>
+</file>
+
+<file path=ppt/slides/slide2.xml><?xml version="1.0" encoding="utf-8"?>
+<p:sld xmlns:a="http://schemas.openxmlformats.org/drawingml/2006/main" xmlns:r="http://schemas.openxmlformats.org/officeDocument/2006/relationships" xmlns:p="http://schemas.openxmlformats.org/presentationml/2006/main">
+  <p:cSld>
+    <p:spTree>
+      <p:nvGrpSpPr>
+        <p:cNvPr id="1" name=""/>
+        <p:cNvGrpSpPr/>
+        <p:nvPr/>
+      </p:nvGrpSpPr>
+      <p:grpSpPr>
+        <a:xfrm>
+          <a:off x="0" y="0"/>
+          <a:ext cx="0" cy="0"/>
+          <a:chOff x="0" y="0"/>
+          <a:chExt cx="0" cy="0"/>
+        </a:xfrm>
+      </p:grpSpPr>
+      <p:sp>
+        <p:nvSpPr>
+          <p:cNvPr id="2" name="Title 1">
+            <a:extLst>
+              <a:ext uri="{FF2B5EF4-FFF2-40B4-BE49-F238E27FC236}">
+                <a16:creationId xmlns:a16="http://schemas.microsoft.com/office/drawing/2014/main" id="{681D533A-3C45-4858-8E40-47B9F15C47FC}"/>
+              </a:ext>
+            </a:extLst>
+          </p:cNvPr>
+          <p:cNvSpPr>
+            <a:spLocks noGrp="1"/>
+          </p:cNvSpPr>
+          <p:nvPr>
+            <p:ph type="title"/>
+          </p:nvPr>
+        </p:nvSpPr>
+        <p:spPr/>
+        <p:txBody>
+          <a:bodyPr/>
+          <a:lstStyle/>
+          <a:p>
+            <a:r>
+              <a:rPr lang="en-US" dirty="0"/>
+              <a:t>Agenda	</a:t>
+            </a:r>
+            <a:endParaRPr lang="en-GB" dirty="0"/>
+          </a:p>
+        </p:txBody>
+      </p:sp>
+      <p:sp>
+        <p:nvSpPr>
+          <p:cNvPr id="3" name="Content Placeholder 2">
+            <a:extLst>
+              <a:ext uri="{FF2B5EF4-FFF2-40B4-BE49-F238E27FC236}">
+                <a16:creationId xmlns:a16="http://schemas.microsoft.com/office/drawing/2014/main" id="{40C9001B-B62A-4D30-84D2-54AF8318DA1F}"/>
+              </a:ext>
+            </a:extLst>
+          </p:cNvPr>
+          <p:cNvSpPr>
+            <a:spLocks noGrp="1"/>
+          </p:cNvSpPr>
+          <p:nvPr>
+            <p:ph idx="1"/>
+          </p:nvPr>
+        </p:nvSpPr>
+        <p:spPr/>
+        <p:txBody>
+          <a:bodyPr/>
+          <a:lstStyle/>
+          <a:p>
+            <a:r>
+              <a:rPr lang="en-US" dirty="0"/>
+              <a:t>Elevator Pitch</a:t>
+            </a:r>
+          </a:p>
+          <a:p>
+            <a:r>
+              <a:rPr lang="en-GB" dirty="0"/>
+              <a:t>Keywords Search</a:t>
+            </a:r>
+          </a:p>
+          <a:p>
+            <a:r>
+              <a:rPr lang="en-GB" dirty="0"/>
+              <a:t>Search Results	</a:t>
+            </a:r>
+          </a:p>
+          <a:p>
+            <a:pPr marL="0" indent="0">
+              <a:buNone/>
+            </a:pPr>
+            <a:endParaRPr lang="en-GB" dirty="0"/>
+          </a:p>
+        </p:txBody>
+      </p:sp>
+    </p:spTree>
+    <p:extLst>
+      <p:ext uri="{BB962C8B-B14F-4D97-AF65-F5344CB8AC3E}">
+        <p14:creationId xmlns:p14="http://schemas.microsoft.com/office/powerpoint/2010/main" val="3126834720"/>
       </p:ext>
     </p:extLst>
   </p:cSld>

--- a/Presentations/Supervisor Meetings/2024/20240209.pptx
+++ b/Presentations/Supervisor Meetings/2024/20240209.pptx
@@ -7,6 +7,7 @@
   <p:sldIdLst>
     <p:sldId id="256" r:id="rId2"/>
     <p:sldId id="257" r:id="rId3"/>
+    <p:sldId id="258" r:id="rId4"/>
   </p:sldIdLst>
   <p:sldSz cx="12192000" cy="6858000"/>
   <p:notesSz cx="6858000" cy="9144000"/>
@@ -113,8 +114,64 @@
 </p:presentation>
 </file>
 
+<file path=ppt/revisionInfo.xml><?xml version="1.0" encoding="utf-8"?>
+<p1510:revInfo xmlns:a="http://schemas.openxmlformats.org/drawingml/2006/main" xmlns:r="http://schemas.openxmlformats.org/officeDocument/2006/relationships" xmlns:p1510="http://schemas.microsoft.com/office/powerpoint/2015/10/main">
+  <p1510:revLst>
+    <p1510:client id="{CA64B30F-511C-45F5-B991-1BF90300E7E0}" v="2" dt="2024-02-05T19:50:47.589"/>
+  </p1510:revLst>
+</p1510:revInfo>
+</file>
+
 <file path=ppt/changesInfos/changesInfo1.xml><?xml version="1.0" encoding="utf-8"?>
 <pc:chgInfo xmlns:a="http://schemas.openxmlformats.org/drawingml/2006/main" xmlns:r="http://schemas.openxmlformats.org/officeDocument/2006/relationships" xmlns:ac="http://schemas.microsoft.com/office/drawing/2013/main/command" xmlns:pc="http://schemas.microsoft.com/office/powerpoint/2013/main/command">
+  <pc:docChgLst>
+    <pc:chgData name="Sean O Fithcheallaigh" userId="47659c31-a575-4792-8be3-61268c4ee0d6" providerId="ADAL" clId="{CA64B30F-511C-45F5-B991-1BF90300E7E0}"/>
+    <pc:docChg chg="custSel addSld modSld">
+      <pc:chgData name="Sean O Fithcheallaigh" userId="47659c31-a575-4792-8be3-61268c4ee0d6" providerId="ADAL" clId="{CA64B30F-511C-45F5-B991-1BF90300E7E0}" dt="2024-02-05T19:51:45.846" v="230" actId="1076"/>
+      <pc:docMkLst>
+        <pc:docMk/>
+      </pc:docMkLst>
+      <pc:sldChg chg="addSp delSp modSp new mod">
+        <pc:chgData name="Sean O Fithcheallaigh" userId="47659c31-a575-4792-8be3-61268c4ee0d6" providerId="ADAL" clId="{CA64B30F-511C-45F5-B991-1BF90300E7E0}" dt="2024-02-05T19:51:45.846" v="230" actId="1076"/>
+        <pc:sldMkLst>
+          <pc:docMk/>
+          <pc:sldMk cId="3874078205" sldId="258"/>
+        </pc:sldMkLst>
+        <pc:spChg chg="mod">
+          <ac:chgData name="Sean O Fithcheallaigh" userId="47659c31-a575-4792-8be3-61268c4ee0d6" providerId="ADAL" clId="{CA64B30F-511C-45F5-B991-1BF90300E7E0}" dt="2024-02-05T19:27:23.127" v="26" actId="20577"/>
+          <ac:spMkLst>
+            <pc:docMk/>
+            <pc:sldMk cId="3874078205" sldId="258"/>
+            <ac:spMk id="2" creationId="{781896B6-E7E5-4F41-B664-DC12C7499495}"/>
+          </ac:spMkLst>
+        </pc:spChg>
+        <pc:spChg chg="mod">
+          <ac:chgData name="Sean O Fithcheallaigh" userId="47659c31-a575-4792-8be3-61268c4ee0d6" providerId="ADAL" clId="{CA64B30F-511C-45F5-B991-1BF90300E7E0}" dt="2024-02-05T19:50:23.273" v="216" actId="20577"/>
+          <ac:spMkLst>
+            <pc:docMk/>
+            <pc:sldMk cId="3874078205" sldId="258"/>
+            <ac:spMk id="3" creationId="{F3BFD49E-147C-48F2-94FE-B635D761F52A}"/>
+          </ac:spMkLst>
+        </pc:spChg>
+        <pc:spChg chg="add del mod">
+          <ac:chgData name="Sean O Fithcheallaigh" userId="47659c31-a575-4792-8be3-61268c4ee0d6" providerId="ADAL" clId="{CA64B30F-511C-45F5-B991-1BF90300E7E0}" dt="2024-02-05T19:50:37.861" v="220"/>
+          <ac:spMkLst>
+            <pc:docMk/>
+            <pc:sldMk cId="3874078205" sldId="258"/>
+            <ac:spMk id="4" creationId="{0B2E7288-4B36-4D82-906C-029565AA1F25}"/>
+          </ac:spMkLst>
+        </pc:spChg>
+        <pc:spChg chg="add mod">
+          <ac:chgData name="Sean O Fithcheallaigh" userId="47659c31-a575-4792-8be3-61268c4ee0d6" providerId="ADAL" clId="{CA64B30F-511C-45F5-B991-1BF90300E7E0}" dt="2024-02-05T19:51:45.846" v="230" actId="1076"/>
+          <ac:spMkLst>
+            <pc:docMk/>
+            <pc:sldMk cId="3874078205" sldId="258"/>
+            <ac:spMk id="5" creationId="{FB4FD9FC-751B-4BD0-BE9C-133545251952}"/>
+          </ac:spMkLst>
+        </pc:spChg>
+      </pc:sldChg>
+    </pc:docChg>
+  </pc:docChgLst>
   <pc:docChgLst>
     <pc:chgData name="Sean" userId="47659c31-a575-4792-8be3-61268c4ee0d6" providerId="ADAL" clId="{CA64B30F-511C-45F5-B991-1BF90300E7E0}"/>
     <pc:docChg chg="custSel addSld modSld">
@@ -322,7 +379,7 @@
           <a:p>
             <a:fld id="{0CD94E99-FA29-4EFF-88BE-3447E30E8C4D}" type="datetimeFigureOut">
               <a:rPr lang="en-GB" smtClean="0"/>
-              <a:t>03/02/2024</a:t>
+              <a:t>05/02/2024</a:t>
             </a:fld>
             <a:endParaRPr lang="en-GB"/>
           </a:p>
@@ -522,7 +579,7 @@
           <a:p>
             <a:fld id="{0CD94E99-FA29-4EFF-88BE-3447E30E8C4D}" type="datetimeFigureOut">
               <a:rPr lang="en-GB" smtClean="0"/>
-              <a:t>03/02/2024</a:t>
+              <a:t>05/02/2024</a:t>
             </a:fld>
             <a:endParaRPr lang="en-GB"/>
           </a:p>
@@ -732,7 +789,7 @@
           <a:p>
             <a:fld id="{0CD94E99-FA29-4EFF-88BE-3447E30E8C4D}" type="datetimeFigureOut">
               <a:rPr lang="en-GB" smtClean="0"/>
-              <a:t>03/02/2024</a:t>
+              <a:t>05/02/2024</a:t>
             </a:fld>
             <a:endParaRPr lang="en-GB"/>
           </a:p>
@@ -932,7 +989,7 @@
           <a:p>
             <a:fld id="{0CD94E99-FA29-4EFF-88BE-3447E30E8C4D}" type="datetimeFigureOut">
               <a:rPr lang="en-GB" smtClean="0"/>
-              <a:t>03/02/2024</a:t>
+              <a:t>05/02/2024</a:t>
             </a:fld>
             <a:endParaRPr lang="en-GB"/>
           </a:p>
@@ -1208,7 +1265,7 @@
           <a:p>
             <a:fld id="{0CD94E99-FA29-4EFF-88BE-3447E30E8C4D}" type="datetimeFigureOut">
               <a:rPr lang="en-GB" smtClean="0"/>
-              <a:t>03/02/2024</a:t>
+              <a:t>05/02/2024</a:t>
             </a:fld>
             <a:endParaRPr lang="en-GB"/>
           </a:p>
@@ -1476,7 +1533,7 @@
           <a:p>
             <a:fld id="{0CD94E99-FA29-4EFF-88BE-3447E30E8C4D}" type="datetimeFigureOut">
               <a:rPr lang="en-GB" smtClean="0"/>
-              <a:t>03/02/2024</a:t>
+              <a:t>05/02/2024</a:t>
             </a:fld>
             <a:endParaRPr lang="en-GB"/>
           </a:p>
@@ -1891,7 +1948,7 @@
           <a:p>
             <a:fld id="{0CD94E99-FA29-4EFF-88BE-3447E30E8C4D}" type="datetimeFigureOut">
               <a:rPr lang="en-GB" smtClean="0"/>
-              <a:t>03/02/2024</a:t>
+              <a:t>05/02/2024</a:t>
             </a:fld>
             <a:endParaRPr lang="en-GB"/>
           </a:p>
@@ -2033,7 +2090,7 @@
           <a:p>
             <a:fld id="{0CD94E99-FA29-4EFF-88BE-3447E30E8C4D}" type="datetimeFigureOut">
               <a:rPr lang="en-GB" smtClean="0"/>
-              <a:t>03/02/2024</a:t>
+              <a:t>05/02/2024</a:t>
             </a:fld>
             <a:endParaRPr lang="en-GB"/>
           </a:p>
@@ -2146,7 +2203,7 @@
           <a:p>
             <a:fld id="{0CD94E99-FA29-4EFF-88BE-3447E30E8C4D}" type="datetimeFigureOut">
               <a:rPr lang="en-GB" smtClean="0"/>
-              <a:t>03/02/2024</a:t>
+              <a:t>05/02/2024</a:t>
             </a:fld>
             <a:endParaRPr lang="en-GB"/>
           </a:p>
@@ -2459,7 +2516,7 @@
           <a:p>
             <a:fld id="{0CD94E99-FA29-4EFF-88BE-3447E30E8C4D}" type="datetimeFigureOut">
               <a:rPr lang="en-GB" smtClean="0"/>
-              <a:t>03/02/2024</a:t>
+              <a:t>05/02/2024</a:t>
             </a:fld>
             <a:endParaRPr lang="en-GB"/>
           </a:p>
@@ -2748,7 +2805,7 @@
           <a:p>
             <a:fld id="{0CD94E99-FA29-4EFF-88BE-3447E30E8C4D}" type="datetimeFigureOut">
               <a:rPr lang="en-GB" smtClean="0"/>
-              <a:t>03/02/2024</a:t>
+              <a:t>05/02/2024</a:t>
             </a:fld>
             <a:endParaRPr lang="en-GB"/>
           </a:p>
@@ -2991,7 +3048,7 @@
           <a:p>
             <a:fld id="{0CD94E99-FA29-4EFF-88BE-3447E30E8C4D}" type="datetimeFigureOut">
               <a:rPr lang="en-GB" smtClean="0"/>
-              <a:t>03/02/2024</a:t>
+              <a:t>05/02/2024</a:t>
             </a:fld>
             <a:endParaRPr lang="en-GB"/>
           </a:p>
@@ -3584,6 +3641,155 @@
 </p:sld>
 </file>
 
+<file path=ppt/slides/slide3.xml><?xml version="1.0" encoding="utf-8"?>
+<p:sld xmlns:a="http://schemas.openxmlformats.org/drawingml/2006/main" xmlns:r="http://schemas.openxmlformats.org/officeDocument/2006/relationships" xmlns:p="http://schemas.openxmlformats.org/presentationml/2006/main">
+  <p:cSld>
+    <p:spTree>
+      <p:nvGrpSpPr>
+        <p:cNvPr id="1" name=""/>
+        <p:cNvGrpSpPr/>
+        <p:nvPr/>
+      </p:nvGrpSpPr>
+      <p:grpSpPr>
+        <a:xfrm>
+          <a:off x="0" y="0"/>
+          <a:ext cx="0" cy="0"/>
+          <a:chOff x="0" y="0"/>
+          <a:chExt cx="0" cy="0"/>
+        </a:xfrm>
+      </p:grpSpPr>
+      <p:sp>
+        <p:nvSpPr>
+          <p:cNvPr id="2" name="Title 1">
+            <a:extLst>
+              <a:ext uri="{FF2B5EF4-FFF2-40B4-BE49-F238E27FC236}">
+                <a16:creationId xmlns:a16="http://schemas.microsoft.com/office/drawing/2014/main" id="{781896B6-E7E5-4F41-B664-DC12C7499495}"/>
+              </a:ext>
+            </a:extLst>
+          </p:cNvPr>
+          <p:cNvSpPr>
+            <a:spLocks noGrp="1"/>
+          </p:cNvSpPr>
+          <p:nvPr>
+            <p:ph type="title"/>
+          </p:nvPr>
+        </p:nvSpPr>
+        <p:spPr/>
+        <p:txBody>
+          <a:bodyPr/>
+          <a:lstStyle/>
+          <a:p>
+            <a:r>
+              <a:rPr lang="en-US" dirty="0"/>
+              <a:t>Research Proposal Review</a:t>
+            </a:r>
+            <a:endParaRPr lang="en-GB" dirty="0"/>
+          </a:p>
+        </p:txBody>
+      </p:sp>
+      <p:sp>
+        <p:nvSpPr>
+          <p:cNvPr id="3" name="Content Placeholder 2">
+            <a:extLst>
+              <a:ext uri="{FF2B5EF4-FFF2-40B4-BE49-F238E27FC236}">
+                <a16:creationId xmlns:a16="http://schemas.microsoft.com/office/drawing/2014/main" id="{F3BFD49E-147C-48F2-94FE-B635D761F52A}"/>
+              </a:ext>
+            </a:extLst>
+          </p:cNvPr>
+          <p:cNvSpPr>
+            <a:spLocks noGrp="1"/>
+          </p:cNvSpPr>
+          <p:nvPr>
+            <p:ph idx="1"/>
+          </p:nvPr>
+        </p:nvSpPr>
+        <p:spPr/>
+        <p:txBody>
+          <a:bodyPr/>
+          <a:lstStyle/>
+          <a:p>
+            <a:r>
+              <a:rPr lang="en-US" dirty="0"/>
+              <a:t>Since the introduction of the IoT, we live in a world where sensors have become common place, and the of devices are projected to nearly double from today’s levels [1] </a:t>
+            </a:r>
+          </a:p>
+          <a:p>
+            <a:endParaRPr lang="en-GB" dirty="0"/>
+          </a:p>
+        </p:txBody>
+      </p:sp>
+      <p:sp>
+        <p:nvSpPr>
+          <p:cNvPr id="5" name="TextBox 4">
+            <a:extLst>
+              <a:ext uri="{FF2B5EF4-FFF2-40B4-BE49-F238E27FC236}">
+                <a16:creationId xmlns:a16="http://schemas.microsoft.com/office/drawing/2014/main" id="{FB4FD9FC-751B-4BD0-BE9C-133545251952}"/>
+              </a:ext>
+            </a:extLst>
+          </p:cNvPr>
+          <p:cNvSpPr txBox="1"/>
+          <p:nvPr/>
+        </p:nvSpPr>
+        <p:spPr>
+          <a:xfrm>
+            <a:off x="838200" y="5530632"/>
+            <a:ext cx="8630293" cy="646331"/>
+          </a:xfrm>
+          <a:prstGeom prst="rect">
+            <a:avLst/>
+          </a:prstGeom>
+          <a:noFill/>
+        </p:spPr>
+        <p:txBody>
+          <a:bodyPr wrap="square" rtlCol="0">
+            <a:spAutoFit/>
+          </a:bodyPr>
+          <a:lstStyle/>
+          <a:p>
+            <a:r>
+              <a:rPr lang="en-US" sz="1200" dirty="0">
+                <a:effectLst/>
+                <a:latin typeface="Calibri" panose="020F0502020204030204" pitchFamily="34" charset="0"/>
+                <a:ea typeface="Calibri" panose="020F0502020204030204" pitchFamily="34" charset="0"/>
+                <a:cs typeface="Times New Roman" panose="02020603050405020304" pitchFamily="18" charset="0"/>
+              </a:rPr>
+              <a:t>[1] L. Sujay </a:t>
+            </a:r>
+            <a:r>
+              <a:rPr lang="en-US" sz="1200" dirty="0" err="1">
+                <a:effectLst/>
+                <a:latin typeface="Calibri" panose="020F0502020204030204" pitchFamily="34" charset="0"/>
+                <a:ea typeface="Calibri" panose="020F0502020204030204" pitchFamily="34" charset="0"/>
+                <a:cs typeface="Times New Roman" panose="02020603050405020304" pitchFamily="18" charset="0"/>
+              </a:rPr>
+              <a:t>Vailshery</a:t>
+            </a:r>
+            <a:r>
+              <a:rPr lang="en-US" sz="1200" dirty="0">
+                <a:effectLst/>
+                <a:latin typeface="Calibri" panose="020F0502020204030204" pitchFamily="34" charset="0"/>
+                <a:ea typeface="Calibri" panose="020F0502020204030204" pitchFamily="34" charset="0"/>
+                <a:cs typeface="Times New Roman" panose="02020603050405020304" pitchFamily="18" charset="0"/>
+              </a:rPr>
+              <a:t>, "Number of Internet of Things (IoT) connected devices worldwide from 2019 to 2023, with forecasts from 2022 to 2030," Statista, July 2023. [Online]. Available: https://www.statista.com/statistics/1183457/iot-connected-devices-worldwide/. [Accessed 23 11 2].</a:t>
+            </a:r>
+            <a:endParaRPr lang="en-GB" sz="1200" dirty="0"/>
+          </a:p>
+        </p:txBody>
+      </p:sp>
+    </p:spTree>
+    <p:extLst>
+      <p:ext uri="{BB962C8B-B14F-4D97-AF65-F5344CB8AC3E}">
+        <p14:creationId xmlns:p14="http://schemas.microsoft.com/office/powerpoint/2010/main" val="3874078205"/>
+      </p:ext>
+    </p:extLst>
+  </p:cSld>
+  <p:clrMapOvr>
+    <a:masterClrMapping/>
+  </p:clrMapOvr>
+</p:sld>
+</file>
+
 <file path=ppt/theme/theme1.xml><?xml version="1.0" encoding="utf-8"?>
 <a:theme xmlns:a="http://schemas.openxmlformats.org/drawingml/2006/main" name="Office Theme">
   <a:themeElements>

--- a/Presentations/Supervisor Meetings/2024/20240209.pptx
+++ b/Presentations/Supervisor Meetings/2024/20240209.pptx
@@ -8,6 +8,7 @@
     <p:sldId id="256" r:id="rId2"/>
     <p:sldId id="257" r:id="rId3"/>
     <p:sldId id="258" r:id="rId4"/>
+    <p:sldId id="259" r:id="rId5"/>
   </p:sldIdLst>
   <p:sldSz cx="12192000" cy="6858000"/>
   <p:notesSz cx="6858000" cy="9144000"/>
@@ -117,7 +118,7 @@
 <file path=ppt/revisionInfo.xml><?xml version="1.0" encoding="utf-8"?>
 <p1510:revInfo xmlns:a="http://schemas.openxmlformats.org/drawingml/2006/main" xmlns:r="http://schemas.openxmlformats.org/officeDocument/2006/relationships" xmlns:p1510="http://schemas.microsoft.com/office/powerpoint/2015/10/main">
   <p1510:revLst>
-    <p1510:client id="{CA64B30F-511C-45F5-B991-1BF90300E7E0}" v="2" dt="2024-02-05T19:50:47.589"/>
+    <p1510:client id="{CA64B30F-511C-45F5-B991-1BF90300E7E0}" v="4" dt="2024-02-05T21:37:45.181"/>
   </p1510:revLst>
 </p1510:revInfo>
 </file>
@@ -126,27 +127,233 @@
 <pc:chgInfo xmlns:a="http://schemas.openxmlformats.org/drawingml/2006/main" xmlns:r="http://schemas.openxmlformats.org/officeDocument/2006/relationships" xmlns:ac="http://schemas.microsoft.com/office/drawing/2013/main/command" xmlns:pc="http://schemas.microsoft.com/office/powerpoint/2013/main/command">
   <pc:docChgLst>
     <pc:chgData name="Sean O Fithcheallaigh" userId="47659c31-a575-4792-8be3-61268c4ee0d6" providerId="ADAL" clId="{CA64B30F-511C-45F5-B991-1BF90300E7E0}"/>
-    <pc:docChg chg="custSel addSld modSld">
-      <pc:chgData name="Sean O Fithcheallaigh" userId="47659c31-a575-4792-8be3-61268c4ee0d6" providerId="ADAL" clId="{CA64B30F-511C-45F5-B991-1BF90300E7E0}" dt="2024-02-05T19:51:45.846" v="230" actId="1076"/>
+    <pc:docChg chg="undo custSel mod addSld modSld">
+      <pc:chgData name="Sean O Fithcheallaigh" userId="47659c31-a575-4792-8be3-61268c4ee0d6" providerId="ADAL" clId="{CA64B30F-511C-45F5-B991-1BF90300E7E0}" dt="2024-02-05T21:54:30.540" v="2604" actId="26606"/>
       <pc:docMkLst>
         <pc:docMk/>
       </pc:docMkLst>
-      <pc:sldChg chg="addSp delSp modSp new mod">
-        <pc:chgData name="Sean O Fithcheallaigh" userId="47659c31-a575-4792-8be3-61268c4ee0d6" providerId="ADAL" clId="{CA64B30F-511C-45F5-B991-1BF90300E7E0}" dt="2024-02-05T19:51:45.846" v="230" actId="1076"/>
+      <pc:sldChg chg="addSp delSp modSp mod setBg">
+        <pc:chgData name="Sean O Fithcheallaigh" userId="47659c31-a575-4792-8be3-61268c4ee0d6" providerId="ADAL" clId="{CA64B30F-511C-45F5-B991-1BF90300E7E0}" dt="2024-02-05T21:53:35.526" v="2562" actId="26606"/>
+        <pc:sldMkLst>
+          <pc:docMk/>
+          <pc:sldMk cId="905190482" sldId="256"/>
+        </pc:sldMkLst>
+        <pc:spChg chg="mod">
+          <ac:chgData name="Sean O Fithcheallaigh" userId="47659c31-a575-4792-8be3-61268c4ee0d6" providerId="ADAL" clId="{CA64B30F-511C-45F5-B991-1BF90300E7E0}" dt="2024-02-05T21:53:35.526" v="2562" actId="26606"/>
+          <ac:spMkLst>
+            <pc:docMk/>
+            <pc:sldMk cId="905190482" sldId="256"/>
+            <ac:spMk id="2" creationId="{9D26D2D5-D30F-4BA4-BE2B-908BEB7AA9C6}"/>
+          </ac:spMkLst>
+        </pc:spChg>
+        <pc:spChg chg="mod">
+          <ac:chgData name="Sean O Fithcheallaigh" userId="47659c31-a575-4792-8be3-61268c4ee0d6" providerId="ADAL" clId="{CA64B30F-511C-45F5-B991-1BF90300E7E0}" dt="2024-02-05T21:53:35.526" v="2562" actId="26606"/>
+          <ac:spMkLst>
+            <pc:docMk/>
+            <pc:sldMk cId="905190482" sldId="256"/>
+            <ac:spMk id="3" creationId="{678D1CD4-AABC-4B3E-A2CC-37ACEEC74568}"/>
+          </ac:spMkLst>
+        </pc:spChg>
+        <pc:spChg chg="add del">
+          <ac:chgData name="Sean O Fithcheallaigh" userId="47659c31-a575-4792-8be3-61268c4ee0d6" providerId="ADAL" clId="{CA64B30F-511C-45F5-B991-1BF90300E7E0}" dt="2024-02-05T21:53:35.526" v="2562" actId="26606"/>
+          <ac:spMkLst>
+            <pc:docMk/>
+            <pc:sldMk cId="905190482" sldId="256"/>
+            <ac:spMk id="10" creationId="{65219498-D544-41AC-98FE-8F956EF66A62}"/>
+          </ac:spMkLst>
+        </pc:spChg>
+        <pc:spChg chg="add del">
+          <ac:chgData name="Sean O Fithcheallaigh" userId="47659c31-a575-4792-8be3-61268c4ee0d6" providerId="ADAL" clId="{CA64B30F-511C-45F5-B991-1BF90300E7E0}" dt="2024-02-05T21:53:35.526" v="2562" actId="26606"/>
+          <ac:spMkLst>
+            <pc:docMk/>
+            <pc:sldMk cId="905190482" sldId="256"/>
+            <ac:spMk id="12" creationId="{F500DBFC-17A9-4E0A-AEE2-A49F9AEEF0FD}"/>
+          </ac:spMkLst>
+        </pc:spChg>
+        <pc:spChg chg="add">
+          <ac:chgData name="Sean O Fithcheallaigh" userId="47659c31-a575-4792-8be3-61268c4ee0d6" providerId="ADAL" clId="{CA64B30F-511C-45F5-B991-1BF90300E7E0}" dt="2024-02-05T21:53:35.526" v="2562" actId="26606"/>
+          <ac:spMkLst>
+            <pc:docMk/>
+            <pc:sldMk cId="905190482" sldId="256"/>
+            <ac:spMk id="23" creationId="{8555C5B3-193A-4749-9AFD-682E53CDDE8F}"/>
+          </ac:spMkLst>
+        </pc:spChg>
+        <pc:spChg chg="add">
+          <ac:chgData name="Sean O Fithcheallaigh" userId="47659c31-a575-4792-8be3-61268c4ee0d6" providerId="ADAL" clId="{CA64B30F-511C-45F5-B991-1BF90300E7E0}" dt="2024-02-05T21:53:35.526" v="2562" actId="26606"/>
+          <ac:spMkLst>
+            <pc:docMk/>
+            <pc:sldMk cId="905190482" sldId="256"/>
+            <ac:spMk id="25" creationId="{2EAE06A6-F76A-41C9-827A-C561B004485C}"/>
+          </ac:spMkLst>
+        </pc:spChg>
+        <pc:spChg chg="add">
+          <ac:chgData name="Sean O Fithcheallaigh" userId="47659c31-a575-4792-8be3-61268c4ee0d6" providerId="ADAL" clId="{CA64B30F-511C-45F5-B991-1BF90300E7E0}" dt="2024-02-05T21:53:35.526" v="2562" actId="26606"/>
+          <ac:spMkLst>
+            <pc:docMk/>
+            <pc:sldMk cId="905190482" sldId="256"/>
+            <ac:spMk id="27" creationId="{89F9D4E8-0639-444B-949B-9518585061AF}"/>
+          </ac:spMkLst>
+        </pc:spChg>
+        <pc:spChg chg="add">
+          <ac:chgData name="Sean O Fithcheallaigh" userId="47659c31-a575-4792-8be3-61268c4ee0d6" providerId="ADAL" clId="{CA64B30F-511C-45F5-B991-1BF90300E7E0}" dt="2024-02-05T21:53:35.526" v="2562" actId="26606"/>
+          <ac:spMkLst>
+            <pc:docMk/>
+            <pc:sldMk cId="905190482" sldId="256"/>
+            <ac:spMk id="29" creationId="{7E3DA7A2-ED70-4BBA-AB72-00AD461FA405}"/>
+          </ac:spMkLst>
+        </pc:spChg>
+        <pc:spChg chg="add">
+          <ac:chgData name="Sean O Fithcheallaigh" userId="47659c31-a575-4792-8be3-61268c4ee0d6" providerId="ADAL" clId="{CA64B30F-511C-45F5-B991-1BF90300E7E0}" dt="2024-02-05T21:53:35.526" v="2562" actId="26606"/>
+          <ac:spMkLst>
+            <pc:docMk/>
+            <pc:sldMk cId="905190482" sldId="256"/>
+            <ac:spMk id="31" creationId="{FC485432-3647-4218-B5D3-15D3FA222B13}"/>
+          </ac:spMkLst>
+        </pc:spChg>
+        <pc:spChg chg="add">
+          <ac:chgData name="Sean O Fithcheallaigh" userId="47659c31-a575-4792-8be3-61268c4ee0d6" providerId="ADAL" clId="{CA64B30F-511C-45F5-B991-1BF90300E7E0}" dt="2024-02-05T21:53:35.526" v="2562" actId="26606"/>
+          <ac:spMkLst>
+            <pc:docMk/>
+            <pc:sldMk cId="905190482" sldId="256"/>
+            <ac:spMk id="33" creationId="{F4AFDDCA-6ABA-4D23-8A5C-1BF0F4308148}"/>
+          </ac:spMkLst>
+        </pc:spChg>
+        <pc:grpChg chg="add del">
+          <ac:chgData name="Sean O Fithcheallaigh" userId="47659c31-a575-4792-8be3-61268c4ee0d6" providerId="ADAL" clId="{CA64B30F-511C-45F5-B991-1BF90300E7E0}" dt="2024-02-05T21:53:35.526" v="2562" actId="26606"/>
+          <ac:grpSpMkLst>
+            <pc:docMk/>
+            <pc:sldMk cId="905190482" sldId="256"/>
+            <ac:grpSpMk id="14" creationId="{D74613BB-817C-4C4F-8A24-4936F2F064C0}"/>
+          </ac:grpSpMkLst>
+        </pc:grpChg>
+        <pc:picChg chg="add mod">
+          <ac:chgData name="Sean O Fithcheallaigh" userId="47659c31-a575-4792-8be3-61268c4ee0d6" providerId="ADAL" clId="{CA64B30F-511C-45F5-B991-1BF90300E7E0}" dt="2024-02-05T21:53:35.526" v="2562" actId="26606"/>
+          <ac:picMkLst>
+            <pc:docMk/>
+            <pc:sldMk cId="905190482" sldId="256"/>
+            <ac:picMk id="7" creationId="{CE993EFB-9571-715A-5DF5-03848A409B21}"/>
+          </ac:picMkLst>
+        </pc:picChg>
+      </pc:sldChg>
+      <pc:sldChg chg="addSp delSp modSp mod setBg">
+        <pc:chgData name="Sean O Fithcheallaigh" userId="47659c31-a575-4792-8be3-61268c4ee0d6" providerId="ADAL" clId="{CA64B30F-511C-45F5-B991-1BF90300E7E0}" dt="2024-02-05T21:54:30.540" v="2604" actId="26606"/>
+        <pc:sldMkLst>
+          <pc:docMk/>
+          <pc:sldMk cId="3126834720" sldId="257"/>
+        </pc:sldMkLst>
+        <pc:spChg chg="mod">
+          <ac:chgData name="Sean O Fithcheallaigh" userId="47659c31-a575-4792-8be3-61268c4ee0d6" providerId="ADAL" clId="{CA64B30F-511C-45F5-B991-1BF90300E7E0}" dt="2024-02-05T21:54:30.540" v="2604" actId="26606"/>
+          <ac:spMkLst>
+            <pc:docMk/>
+            <pc:sldMk cId="3126834720" sldId="257"/>
+            <ac:spMk id="2" creationId="{681D533A-3C45-4858-8E40-47B9F15C47FC}"/>
+          </ac:spMkLst>
+        </pc:spChg>
+        <pc:spChg chg="add del mod">
+          <ac:chgData name="Sean O Fithcheallaigh" userId="47659c31-a575-4792-8be3-61268c4ee0d6" providerId="ADAL" clId="{CA64B30F-511C-45F5-B991-1BF90300E7E0}" dt="2024-02-05T21:54:30.540" v="2604" actId="26606"/>
+          <ac:spMkLst>
+            <pc:docMk/>
+            <pc:sldMk cId="3126834720" sldId="257"/>
+            <ac:spMk id="3" creationId="{40C9001B-B62A-4D30-84D2-54AF8318DA1F}"/>
+          </ac:spMkLst>
+        </pc:spChg>
+        <pc:spChg chg="add">
+          <ac:chgData name="Sean O Fithcheallaigh" userId="47659c31-a575-4792-8be3-61268c4ee0d6" providerId="ADAL" clId="{CA64B30F-511C-45F5-B991-1BF90300E7E0}" dt="2024-02-05T21:54:30.540" v="2604" actId="26606"/>
+          <ac:spMkLst>
+            <pc:docMk/>
+            <pc:sldMk cId="3126834720" sldId="257"/>
+            <ac:spMk id="6" creationId="{BACC6370-2D7E-4714-9D71-7542949D7D5D}"/>
+          </ac:spMkLst>
+        </pc:spChg>
+        <pc:spChg chg="add">
+          <ac:chgData name="Sean O Fithcheallaigh" userId="47659c31-a575-4792-8be3-61268c4ee0d6" providerId="ADAL" clId="{CA64B30F-511C-45F5-B991-1BF90300E7E0}" dt="2024-02-05T21:54:30.540" v="2604" actId="26606"/>
+          <ac:spMkLst>
+            <pc:docMk/>
+            <pc:sldMk cId="3126834720" sldId="257"/>
+            <ac:spMk id="7" creationId="{F68B3F68-107C-434F-AA38-110D5EA91B85}"/>
+          </ac:spMkLst>
+        </pc:spChg>
+        <pc:spChg chg="add">
+          <ac:chgData name="Sean O Fithcheallaigh" userId="47659c31-a575-4792-8be3-61268c4ee0d6" providerId="ADAL" clId="{CA64B30F-511C-45F5-B991-1BF90300E7E0}" dt="2024-02-05T21:54:30.540" v="2604" actId="26606"/>
+          <ac:spMkLst>
+            <pc:docMk/>
+            <pc:sldMk cId="3126834720" sldId="257"/>
+            <ac:spMk id="8" creationId="{AAD0DBB9-1A4B-4391-81D4-CB19F9AB918A}"/>
+          </ac:spMkLst>
+        </pc:spChg>
+        <pc:spChg chg="add del">
+          <ac:chgData name="Sean O Fithcheallaigh" userId="47659c31-a575-4792-8be3-61268c4ee0d6" providerId="ADAL" clId="{CA64B30F-511C-45F5-B991-1BF90300E7E0}" dt="2024-02-05T21:54:04.815" v="2564" actId="26606"/>
+          <ac:spMkLst>
+            <pc:docMk/>
+            <pc:sldMk cId="3126834720" sldId="257"/>
+            <ac:spMk id="9" creationId="{BACC6370-2D7E-4714-9D71-7542949D7D5D}"/>
+          </ac:spMkLst>
+        </pc:spChg>
+        <pc:spChg chg="add">
+          <ac:chgData name="Sean O Fithcheallaigh" userId="47659c31-a575-4792-8be3-61268c4ee0d6" providerId="ADAL" clId="{CA64B30F-511C-45F5-B991-1BF90300E7E0}" dt="2024-02-05T21:54:30.540" v="2604" actId="26606"/>
+          <ac:spMkLst>
+            <pc:docMk/>
+            <pc:sldMk cId="3126834720" sldId="257"/>
+            <ac:spMk id="10" creationId="{063BBA22-50EA-4C4D-BE05-F1CE4E63AA56}"/>
+          </ac:spMkLst>
+        </pc:spChg>
+        <pc:spChg chg="add del">
+          <ac:chgData name="Sean O Fithcheallaigh" userId="47659c31-a575-4792-8be3-61268c4ee0d6" providerId="ADAL" clId="{CA64B30F-511C-45F5-B991-1BF90300E7E0}" dt="2024-02-05T21:54:04.815" v="2564" actId="26606"/>
+          <ac:spMkLst>
+            <pc:docMk/>
+            <pc:sldMk cId="3126834720" sldId="257"/>
+            <ac:spMk id="11" creationId="{F68B3F68-107C-434F-AA38-110D5EA91B85}"/>
+          </ac:spMkLst>
+        </pc:spChg>
+        <pc:spChg chg="add del">
+          <ac:chgData name="Sean O Fithcheallaigh" userId="47659c31-a575-4792-8be3-61268c4ee0d6" providerId="ADAL" clId="{CA64B30F-511C-45F5-B991-1BF90300E7E0}" dt="2024-02-05T21:54:04.815" v="2564" actId="26606"/>
+          <ac:spMkLst>
+            <pc:docMk/>
+            <pc:sldMk cId="3126834720" sldId="257"/>
+            <ac:spMk id="13" creationId="{AAD0DBB9-1A4B-4391-81D4-CB19F9AB918A}"/>
+          </ac:spMkLst>
+        </pc:spChg>
+        <pc:spChg chg="add del">
+          <ac:chgData name="Sean O Fithcheallaigh" userId="47659c31-a575-4792-8be3-61268c4ee0d6" providerId="ADAL" clId="{CA64B30F-511C-45F5-B991-1BF90300E7E0}" dt="2024-02-05T21:54:04.815" v="2564" actId="26606"/>
+          <ac:spMkLst>
+            <pc:docMk/>
+            <pc:sldMk cId="3126834720" sldId="257"/>
+            <ac:spMk id="15" creationId="{063BBA22-50EA-4C4D-BE05-F1CE4E63AA56}"/>
+          </ac:spMkLst>
+        </pc:spChg>
+        <pc:graphicFrameChg chg="add del">
+          <ac:chgData name="Sean O Fithcheallaigh" userId="47659c31-a575-4792-8be3-61268c4ee0d6" providerId="ADAL" clId="{CA64B30F-511C-45F5-B991-1BF90300E7E0}" dt="2024-02-05T21:54:04.815" v="2564" actId="26606"/>
+          <ac:graphicFrameMkLst>
+            <pc:docMk/>
+            <pc:sldMk cId="3126834720" sldId="257"/>
+            <ac:graphicFrameMk id="5" creationId="{33F32A03-E55D-70AE-33FC-C7E25A99C113}"/>
+          </ac:graphicFrameMkLst>
+        </pc:graphicFrameChg>
+        <pc:graphicFrameChg chg="add">
+          <ac:chgData name="Sean O Fithcheallaigh" userId="47659c31-a575-4792-8be3-61268c4ee0d6" providerId="ADAL" clId="{CA64B30F-511C-45F5-B991-1BF90300E7E0}" dt="2024-02-05T21:54:30.540" v="2604" actId="26606"/>
+          <ac:graphicFrameMkLst>
+            <pc:docMk/>
+            <pc:sldMk cId="3126834720" sldId="257"/>
+            <ac:graphicFrameMk id="12" creationId="{A5A4C080-DB32-26A6-3579-42B671D802FD}"/>
+          </ac:graphicFrameMkLst>
+        </pc:graphicFrameChg>
+      </pc:sldChg>
+      <pc:sldChg chg="addSp delSp modSp new mod setBg">
+        <pc:chgData name="Sean O Fithcheallaigh" userId="47659c31-a575-4792-8be3-61268c4ee0d6" providerId="ADAL" clId="{CA64B30F-511C-45F5-B991-1BF90300E7E0}" dt="2024-02-05T21:53:00.647" v="2561" actId="14100"/>
         <pc:sldMkLst>
           <pc:docMk/>
           <pc:sldMk cId="3874078205" sldId="258"/>
         </pc:sldMkLst>
         <pc:spChg chg="mod">
-          <ac:chgData name="Sean O Fithcheallaigh" userId="47659c31-a575-4792-8be3-61268c4ee0d6" providerId="ADAL" clId="{CA64B30F-511C-45F5-B991-1BF90300E7E0}" dt="2024-02-05T19:27:23.127" v="26" actId="20577"/>
+          <ac:chgData name="Sean O Fithcheallaigh" userId="47659c31-a575-4792-8be3-61268c4ee0d6" providerId="ADAL" clId="{CA64B30F-511C-45F5-B991-1BF90300E7E0}" dt="2024-02-05T21:51:51.053" v="2549" actId="26606"/>
           <ac:spMkLst>
             <pc:docMk/>
             <pc:sldMk cId="3874078205" sldId="258"/>
             <ac:spMk id="2" creationId="{781896B6-E7E5-4F41-B664-DC12C7499495}"/>
           </ac:spMkLst>
         </pc:spChg>
-        <pc:spChg chg="mod">
-          <ac:chgData name="Sean O Fithcheallaigh" userId="47659c31-a575-4792-8be3-61268c4ee0d6" providerId="ADAL" clId="{CA64B30F-511C-45F5-B991-1BF90300E7E0}" dt="2024-02-05T19:50:23.273" v="216" actId="20577"/>
+        <pc:spChg chg="add del mod">
+          <ac:chgData name="Sean O Fithcheallaigh" userId="47659c31-a575-4792-8be3-61268c4ee0d6" providerId="ADAL" clId="{CA64B30F-511C-45F5-B991-1BF90300E7E0}" dt="2024-02-05T21:52:36.831" v="2559" actId="14100"/>
           <ac:spMkLst>
             <pc:docMk/>
             <pc:sldMk cId="3874078205" sldId="258"/>
@@ -162,13 +369,324 @@
           </ac:spMkLst>
         </pc:spChg>
         <pc:spChg chg="add mod">
-          <ac:chgData name="Sean O Fithcheallaigh" userId="47659c31-a575-4792-8be3-61268c4ee0d6" providerId="ADAL" clId="{CA64B30F-511C-45F5-B991-1BF90300E7E0}" dt="2024-02-05T19:51:45.846" v="230" actId="1076"/>
+          <ac:chgData name="Sean O Fithcheallaigh" userId="47659c31-a575-4792-8be3-61268c4ee0d6" providerId="ADAL" clId="{CA64B30F-511C-45F5-B991-1BF90300E7E0}" dt="2024-02-05T21:53:00.647" v="2561" actId="14100"/>
           <ac:spMkLst>
             <pc:docMk/>
             <pc:sldMk cId="3874078205" sldId="258"/>
             <ac:spMk id="5" creationId="{FB4FD9FC-751B-4BD0-BE9C-133545251952}"/>
           </ac:spMkLst>
         </pc:spChg>
+        <pc:spChg chg="add del">
+          <ac:chgData name="Sean O Fithcheallaigh" userId="47659c31-a575-4792-8be3-61268c4ee0d6" providerId="ADAL" clId="{CA64B30F-511C-45F5-B991-1BF90300E7E0}" dt="2024-02-05T21:27:58.341" v="874" actId="26606"/>
+          <ac:spMkLst>
+            <pc:docMk/>
+            <pc:sldMk cId="3874078205" sldId="258"/>
+            <ac:spMk id="8" creationId="{345A976A-8DE3-4B67-B94B-2044FDD12899}"/>
+          </ac:spMkLst>
+        </pc:spChg>
+        <pc:spChg chg="add del">
+          <ac:chgData name="Sean O Fithcheallaigh" userId="47659c31-a575-4792-8be3-61268c4ee0d6" providerId="ADAL" clId="{CA64B30F-511C-45F5-B991-1BF90300E7E0}" dt="2024-02-05T21:01:58.603" v="709" actId="26606"/>
+          <ac:spMkLst>
+            <pc:docMk/>
+            <pc:sldMk cId="3874078205" sldId="258"/>
+            <ac:spMk id="10" creationId="{08953E74-D241-4DDF-8508-F0365EA13A92}"/>
+          </ac:spMkLst>
+        </pc:spChg>
+        <pc:spChg chg="add del">
+          <ac:chgData name="Sean O Fithcheallaigh" userId="47659c31-a575-4792-8be3-61268c4ee0d6" providerId="ADAL" clId="{CA64B30F-511C-45F5-B991-1BF90300E7E0}" dt="2024-02-05T21:26:50.796" v="868" actId="26606"/>
+          <ac:spMkLst>
+            <pc:docMk/>
+            <pc:sldMk cId="3874078205" sldId="258"/>
+            <ac:spMk id="11" creationId="{345A976A-8DE3-4B67-B94B-2044FDD12899}"/>
+          </ac:spMkLst>
+        </pc:spChg>
+        <pc:spChg chg="add del">
+          <ac:chgData name="Sean O Fithcheallaigh" userId="47659c31-a575-4792-8be3-61268c4ee0d6" providerId="ADAL" clId="{CA64B30F-511C-45F5-B991-1BF90300E7E0}" dt="2024-02-05T21:01:58.603" v="709" actId="26606"/>
+          <ac:spMkLst>
+            <pc:docMk/>
+            <pc:sldMk cId="3874078205" sldId="258"/>
+            <ac:spMk id="12" creationId="{5C3C901A-B2F4-4A3C-BCDD-7C8D587ECA2E}"/>
+          </ac:spMkLst>
+        </pc:spChg>
+        <pc:spChg chg="add del">
+          <ac:chgData name="Sean O Fithcheallaigh" userId="47659c31-a575-4792-8be3-61268c4ee0d6" providerId="ADAL" clId="{CA64B30F-511C-45F5-B991-1BF90300E7E0}" dt="2024-02-05T21:26:50.796" v="868" actId="26606"/>
+          <ac:spMkLst>
+            <pc:docMk/>
+            <pc:sldMk cId="3874078205" sldId="258"/>
+            <ac:spMk id="13" creationId="{6EAAA1B9-2DDB-49C9-A037-A523D2F13C15}"/>
+          </ac:spMkLst>
+        </pc:spChg>
+        <pc:spChg chg="add">
+          <ac:chgData name="Sean O Fithcheallaigh" userId="47659c31-a575-4792-8be3-61268c4ee0d6" providerId="ADAL" clId="{CA64B30F-511C-45F5-B991-1BF90300E7E0}" dt="2024-02-05T21:51:51.053" v="2549" actId="26606"/>
+          <ac:spMkLst>
+            <pc:docMk/>
+            <pc:sldMk cId="3874078205" sldId="258"/>
+            <ac:spMk id="15" creationId="{BACC6370-2D7E-4714-9D71-7542949D7D5D}"/>
+          </ac:spMkLst>
+        </pc:spChg>
+        <pc:spChg chg="add">
+          <ac:chgData name="Sean O Fithcheallaigh" userId="47659c31-a575-4792-8be3-61268c4ee0d6" providerId="ADAL" clId="{CA64B30F-511C-45F5-B991-1BF90300E7E0}" dt="2024-02-05T21:51:51.053" v="2549" actId="26606"/>
+          <ac:spMkLst>
+            <pc:docMk/>
+            <pc:sldMk cId="3874078205" sldId="258"/>
+            <ac:spMk id="16" creationId="{063BBA22-50EA-4C4D-BE05-F1CE4E63AA56}"/>
+          </ac:spMkLst>
+        </pc:spChg>
+        <pc:spChg chg="add">
+          <ac:chgData name="Sean O Fithcheallaigh" userId="47659c31-a575-4792-8be3-61268c4ee0d6" providerId="ADAL" clId="{CA64B30F-511C-45F5-B991-1BF90300E7E0}" dt="2024-02-05T21:51:51.053" v="2549" actId="26606"/>
+          <ac:spMkLst>
+            <pc:docMk/>
+            <pc:sldMk cId="3874078205" sldId="258"/>
+            <ac:spMk id="17" creationId="{F68B3F68-107C-434F-AA38-110D5EA91B85}"/>
+          </ac:spMkLst>
+        </pc:spChg>
+        <pc:spChg chg="add">
+          <ac:chgData name="Sean O Fithcheallaigh" userId="47659c31-a575-4792-8be3-61268c4ee0d6" providerId="ADAL" clId="{CA64B30F-511C-45F5-B991-1BF90300E7E0}" dt="2024-02-05T21:51:51.053" v="2549" actId="26606"/>
+          <ac:spMkLst>
+            <pc:docMk/>
+            <pc:sldMk cId="3874078205" sldId="258"/>
+            <ac:spMk id="18" creationId="{AAD0DBB9-1A4B-4391-81D4-CB19F9AB918A}"/>
+          </ac:spMkLst>
+        </pc:spChg>
+        <pc:spChg chg="add del">
+          <ac:chgData name="Sean O Fithcheallaigh" userId="47659c31-a575-4792-8be3-61268c4ee0d6" providerId="ADAL" clId="{CA64B30F-511C-45F5-B991-1BF90300E7E0}" dt="2024-02-05T21:26:50.796" v="868" actId="26606"/>
+          <ac:spMkLst>
+            <pc:docMk/>
+            <pc:sldMk cId="3874078205" sldId="258"/>
+            <ac:spMk id="19" creationId="{F3BFD49E-147C-48F2-94FE-B635D761F52A}"/>
+          </ac:spMkLst>
+        </pc:spChg>
+        <pc:spChg chg="add del">
+          <ac:chgData name="Sean O Fithcheallaigh" userId="47659c31-a575-4792-8be3-61268c4ee0d6" providerId="ADAL" clId="{CA64B30F-511C-45F5-B991-1BF90300E7E0}" dt="2024-02-05T21:27:58.341" v="874" actId="26606"/>
+          <ac:spMkLst>
+            <pc:docMk/>
+            <pc:sldMk cId="3874078205" sldId="258"/>
+            <ac:spMk id="25" creationId="{6EAAA1B9-2DDB-49C9-A037-A523D2F13C15}"/>
+          </ac:spMkLst>
+        </pc:spChg>
+        <pc:grpChg chg="add del">
+          <ac:chgData name="Sean O Fithcheallaigh" userId="47659c31-a575-4792-8be3-61268c4ee0d6" providerId="ADAL" clId="{CA64B30F-511C-45F5-B991-1BF90300E7E0}" dt="2024-02-05T21:26:50.796" v="868" actId="26606"/>
+          <ac:grpSpMkLst>
+            <pc:docMk/>
+            <pc:sldMk cId="3874078205" sldId="258"/>
+            <ac:grpSpMk id="14" creationId="{B441F8D5-EBCE-4FB9-91A9-3425971C1F99}"/>
+          </ac:grpSpMkLst>
+        </pc:grpChg>
+        <pc:grpChg chg="add del">
+          <ac:chgData name="Sean O Fithcheallaigh" userId="47659c31-a575-4792-8be3-61268c4ee0d6" providerId="ADAL" clId="{CA64B30F-511C-45F5-B991-1BF90300E7E0}" dt="2024-02-05T21:26:50.796" v="868" actId="26606"/>
+          <ac:grpSpMkLst>
+            <pc:docMk/>
+            <pc:sldMk cId="3874078205" sldId="258"/>
+            <ac:grpSpMk id="20" creationId="{08701F99-7E4C-4B92-A4B5-307CDFB7A4DE}"/>
+          </ac:grpSpMkLst>
+        </pc:grpChg>
+        <pc:grpChg chg="add del">
+          <ac:chgData name="Sean O Fithcheallaigh" userId="47659c31-a575-4792-8be3-61268c4ee0d6" providerId="ADAL" clId="{CA64B30F-511C-45F5-B991-1BF90300E7E0}" dt="2024-02-05T21:27:58.341" v="874" actId="26606"/>
+          <ac:grpSpMkLst>
+            <pc:docMk/>
+            <pc:sldMk cId="3874078205" sldId="258"/>
+            <ac:grpSpMk id="26" creationId="{B441F8D5-EBCE-4FB9-91A9-3425971C1F99}"/>
+          </ac:grpSpMkLst>
+        </pc:grpChg>
+        <pc:grpChg chg="add del">
+          <ac:chgData name="Sean O Fithcheallaigh" userId="47659c31-a575-4792-8be3-61268c4ee0d6" providerId="ADAL" clId="{CA64B30F-511C-45F5-B991-1BF90300E7E0}" dt="2024-02-05T21:27:58.341" v="874" actId="26606"/>
+          <ac:grpSpMkLst>
+            <pc:docMk/>
+            <pc:sldMk cId="3874078205" sldId="258"/>
+            <ac:grpSpMk id="31" creationId="{08701F99-7E4C-4B92-A4B5-307CDFB7A4DE}"/>
+          </ac:grpSpMkLst>
+        </pc:grpChg>
+        <pc:graphicFrameChg chg="add del">
+          <ac:chgData name="Sean O Fithcheallaigh" userId="47659c31-a575-4792-8be3-61268c4ee0d6" providerId="ADAL" clId="{CA64B30F-511C-45F5-B991-1BF90300E7E0}" dt="2024-02-05T21:25:59.050" v="864" actId="26606"/>
+          <ac:graphicFrameMkLst>
+            <pc:docMk/>
+            <pc:sldMk cId="3874078205" sldId="258"/>
+            <ac:graphicFrameMk id="7" creationId="{0DF2678C-9A37-046C-274A-7EE778E7E270}"/>
+          </ac:graphicFrameMkLst>
+        </pc:graphicFrameChg>
+        <pc:graphicFrameChg chg="add del">
+          <ac:chgData name="Sean O Fithcheallaigh" userId="47659c31-a575-4792-8be3-61268c4ee0d6" providerId="ADAL" clId="{CA64B30F-511C-45F5-B991-1BF90300E7E0}" dt="2024-02-05T21:26:38.294" v="866" actId="26606"/>
+          <ac:graphicFrameMkLst>
+            <pc:docMk/>
+            <pc:sldMk cId="3874078205" sldId="258"/>
+            <ac:graphicFrameMk id="9" creationId="{5CA01210-AFFE-096B-A781-E5E9081FE829}"/>
+          </ac:graphicFrameMkLst>
+        </pc:graphicFrameChg>
+      </pc:sldChg>
+      <pc:sldChg chg="addSp delSp modSp add mod setBg">
+        <pc:chgData name="Sean O Fithcheallaigh" userId="47659c31-a575-4792-8be3-61268c4ee0d6" providerId="ADAL" clId="{CA64B30F-511C-45F5-B991-1BF90300E7E0}" dt="2024-02-05T21:50:53.824" v="2548" actId="26606"/>
+        <pc:sldMkLst>
+          <pc:docMk/>
+          <pc:sldMk cId="2143467693" sldId="259"/>
+        </pc:sldMkLst>
+        <pc:spChg chg="mod">
+          <ac:chgData name="Sean O Fithcheallaigh" userId="47659c31-a575-4792-8be3-61268c4ee0d6" providerId="ADAL" clId="{CA64B30F-511C-45F5-B991-1BF90300E7E0}" dt="2024-02-05T21:49:21.595" v="2531" actId="26606"/>
+          <ac:spMkLst>
+            <pc:docMk/>
+            <pc:sldMk cId="2143467693" sldId="259"/>
+            <ac:spMk id="2" creationId="{781896B6-E7E5-4F41-B664-DC12C7499495}"/>
+          </ac:spMkLst>
+        </pc:spChg>
+        <pc:spChg chg="mod">
+          <ac:chgData name="Sean O Fithcheallaigh" userId="47659c31-a575-4792-8be3-61268c4ee0d6" providerId="ADAL" clId="{CA64B30F-511C-45F5-B991-1BF90300E7E0}" dt="2024-02-05T21:50:07.297" v="2542" actId="122"/>
+          <ac:spMkLst>
+            <pc:docMk/>
+            <pc:sldMk cId="2143467693" sldId="259"/>
+            <ac:spMk id="3" creationId="{F3BFD49E-147C-48F2-94FE-B635D761F52A}"/>
+          </ac:spMkLst>
+        </pc:spChg>
+        <pc:spChg chg="del mod">
+          <ac:chgData name="Sean O Fithcheallaigh" userId="47659c31-a575-4792-8be3-61268c4ee0d6" providerId="ADAL" clId="{CA64B30F-511C-45F5-B991-1BF90300E7E0}" dt="2024-02-05T21:37:37.716" v="1342" actId="478"/>
+          <ac:spMkLst>
+            <pc:docMk/>
+            <pc:sldMk cId="2143467693" sldId="259"/>
+            <ac:spMk id="5" creationId="{FB4FD9FC-751B-4BD0-BE9C-133545251952}"/>
+          </ac:spMkLst>
+        </pc:spChg>
+        <pc:spChg chg="add del mod">
+          <ac:chgData name="Sean O Fithcheallaigh" userId="47659c31-a575-4792-8be3-61268c4ee0d6" providerId="ADAL" clId="{CA64B30F-511C-45F5-B991-1BF90300E7E0}" dt="2024-02-05T21:49:21.595" v="2531" actId="26606"/>
+          <ac:spMkLst>
+            <pc:docMk/>
+            <pc:sldMk cId="2143467693" sldId="259"/>
+            <ac:spMk id="7" creationId="{B1BF8FF0-C5F9-44EC-AB52-3D3EA590CDC6}"/>
+          </ac:spMkLst>
+        </pc:spChg>
+        <pc:spChg chg="add del">
+          <ac:chgData name="Sean O Fithcheallaigh" userId="47659c31-a575-4792-8be3-61268c4ee0d6" providerId="ADAL" clId="{CA64B30F-511C-45F5-B991-1BF90300E7E0}" dt="2024-02-05T21:38:41.385" v="1365" actId="478"/>
+          <ac:spMkLst>
+            <pc:docMk/>
+            <pc:sldMk cId="2143467693" sldId="259"/>
+            <ac:spMk id="9" creationId="{4A82ED56-C6BF-46B4-BD61-F66CA317D2C8}"/>
+          </ac:spMkLst>
+        </pc:spChg>
+        <pc:spChg chg="add del">
+          <ac:chgData name="Sean O Fithcheallaigh" userId="47659c31-a575-4792-8be3-61268c4ee0d6" providerId="ADAL" clId="{CA64B30F-511C-45F5-B991-1BF90300E7E0}" dt="2024-02-05T21:37:04.873" v="1339" actId="26606"/>
+          <ac:spMkLst>
+            <pc:docMk/>
+            <pc:sldMk cId="2143467693" sldId="259"/>
+            <ac:spMk id="10" creationId="{4C608BEB-860E-4094-8511-78603564A75E}"/>
+          </ac:spMkLst>
+        </pc:spChg>
+        <pc:spChg chg="add del">
+          <ac:chgData name="Sean O Fithcheallaigh" userId="47659c31-a575-4792-8be3-61268c4ee0d6" providerId="ADAL" clId="{CA64B30F-511C-45F5-B991-1BF90300E7E0}" dt="2024-02-05T21:47:14.925" v="2451" actId="26606"/>
+          <ac:spMkLst>
+            <pc:docMk/>
+            <pc:sldMk cId="2143467693" sldId="259"/>
+            <ac:spMk id="11" creationId="{8CA06CD6-90CA-4C45-856C-6771339E1E22}"/>
+          </ac:spMkLst>
+        </pc:spChg>
+        <pc:spChg chg="add">
+          <ac:chgData name="Sean O Fithcheallaigh" userId="47659c31-a575-4792-8be3-61268c4ee0d6" providerId="ADAL" clId="{CA64B30F-511C-45F5-B991-1BF90300E7E0}" dt="2024-02-05T21:49:21.595" v="2531" actId="26606"/>
+          <ac:spMkLst>
+            <pc:docMk/>
+            <pc:sldMk cId="2143467693" sldId="259"/>
+            <ac:spMk id="16" creationId="{3847E18C-932D-4C95-AABA-FEC7C9499AD7}"/>
+          </ac:spMkLst>
+        </pc:spChg>
+        <pc:spChg chg="add">
+          <ac:chgData name="Sean O Fithcheallaigh" userId="47659c31-a575-4792-8be3-61268c4ee0d6" providerId="ADAL" clId="{CA64B30F-511C-45F5-B991-1BF90300E7E0}" dt="2024-02-05T21:49:21.595" v="2531" actId="26606"/>
+          <ac:spMkLst>
+            <pc:docMk/>
+            <pc:sldMk cId="2143467693" sldId="259"/>
+            <ac:spMk id="17" creationId="{BACC6370-2D7E-4714-9D71-7542949D7D5D}"/>
+          </ac:spMkLst>
+        </pc:spChg>
+        <pc:spChg chg="add">
+          <ac:chgData name="Sean O Fithcheallaigh" userId="47659c31-a575-4792-8be3-61268c4ee0d6" providerId="ADAL" clId="{CA64B30F-511C-45F5-B991-1BF90300E7E0}" dt="2024-02-05T21:49:21.595" v="2531" actId="26606"/>
+          <ac:spMkLst>
+            <pc:docMk/>
+            <pc:sldMk cId="2143467693" sldId="259"/>
+            <ac:spMk id="18" creationId="{3150CB11-0C61-439E-910F-5787759E72A0}"/>
+          </ac:spMkLst>
+        </pc:spChg>
+        <pc:spChg chg="add">
+          <ac:chgData name="Sean O Fithcheallaigh" userId="47659c31-a575-4792-8be3-61268c4ee0d6" providerId="ADAL" clId="{CA64B30F-511C-45F5-B991-1BF90300E7E0}" dt="2024-02-05T21:49:21.595" v="2531" actId="26606"/>
+          <ac:spMkLst>
+            <pc:docMk/>
+            <pc:sldMk cId="2143467693" sldId="259"/>
+            <ac:spMk id="19" creationId="{256B2C21-A230-48C0-8DF1-C46611373C44}"/>
+          </ac:spMkLst>
+        </pc:spChg>
+        <pc:spChg chg="add">
+          <ac:chgData name="Sean O Fithcheallaigh" userId="47659c31-a575-4792-8be3-61268c4ee0d6" providerId="ADAL" clId="{CA64B30F-511C-45F5-B991-1BF90300E7E0}" dt="2024-02-05T21:49:21.595" v="2531" actId="26606"/>
+          <ac:spMkLst>
+            <pc:docMk/>
+            <pc:sldMk cId="2143467693" sldId="259"/>
+            <ac:spMk id="20" creationId="{43F8A58B-5155-44CE-A5FF-7647B47D0A7A}"/>
+          </ac:spMkLst>
+        </pc:spChg>
+        <pc:spChg chg="add del mod">
+          <ac:chgData name="Sean O Fithcheallaigh" userId="47659c31-a575-4792-8be3-61268c4ee0d6" providerId="ADAL" clId="{CA64B30F-511C-45F5-B991-1BF90300E7E0}" dt="2024-02-05T21:50:53.824" v="2548" actId="26606"/>
+          <ac:spMkLst>
+            <pc:docMk/>
+            <pc:sldMk cId="2143467693" sldId="259"/>
+            <ac:spMk id="21" creationId="{B1BF8FF0-C5F9-44EC-AB52-3D3EA590CDC6}"/>
+          </ac:spMkLst>
+        </pc:spChg>
+        <pc:spChg chg="add">
+          <ac:chgData name="Sean O Fithcheallaigh" userId="47659c31-a575-4792-8be3-61268c4ee0d6" providerId="ADAL" clId="{CA64B30F-511C-45F5-B991-1BF90300E7E0}" dt="2024-02-05T21:49:21.595" v="2531" actId="26606"/>
+          <ac:spMkLst>
+            <pc:docMk/>
+            <pc:sldMk cId="2143467693" sldId="259"/>
+            <ac:spMk id="22" creationId="{443F2ACA-E6D6-4028-82DD-F03C262D5DE6}"/>
+          </ac:spMkLst>
+        </pc:spChg>
+        <pc:graphicFrameChg chg="add del">
+          <ac:chgData name="Sean O Fithcheallaigh" userId="47659c31-a575-4792-8be3-61268c4ee0d6" providerId="ADAL" clId="{CA64B30F-511C-45F5-B991-1BF90300E7E0}" dt="2024-02-05T21:48:58.908" v="2528" actId="26606"/>
+          <ac:graphicFrameMkLst>
+            <pc:docMk/>
+            <pc:sldMk cId="2143467693" sldId="259"/>
+            <ac:graphicFrameMk id="13" creationId="{9385E7C2-00F3-A67B-4D94-7C1D077C0385}"/>
+          </ac:graphicFrameMkLst>
+        </pc:graphicFrameChg>
+        <pc:graphicFrameChg chg="add del">
+          <ac:chgData name="Sean O Fithcheallaigh" userId="47659c31-a575-4792-8be3-61268c4ee0d6" providerId="ADAL" clId="{CA64B30F-511C-45F5-B991-1BF90300E7E0}" dt="2024-02-05T21:49:21.576" v="2530" actId="26606"/>
+          <ac:graphicFrameMkLst>
+            <pc:docMk/>
+            <pc:sldMk cId="2143467693" sldId="259"/>
+            <ac:graphicFrameMk id="15" creationId="{2BC97FB1-1622-CB3B-DDBF-49CDB2E5ACF1}"/>
+          </ac:graphicFrameMkLst>
+        </pc:graphicFrameChg>
+        <pc:graphicFrameChg chg="add del">
+          <ac:chgData name="Sean O Fithcheallaigh" userId="47659c31-a575-4792-8be3-61268c4ee0d6" providerId="ADAL" clId="{CA64B30F-511C-45F5-B991-1BF90300E7E0}" dt="2024-02-05T21:50:44.151" v="2544" actId="26606"/>
+          <ac:graphicFrameMkLst>
+            <pc:docMk/>
+            <pc:sldMk cId="2143467693" sldId="259"/>
+            <ac:graphicFrameMk id="24" creationId="{838DA27A-9D0F-30BF-F848-7DF34F97E11E}"/>
+          </ac:graphicFrameMkLst>
+        </pc:graphicFrameChg>
+        <pc:graphicFrameChg chg="add del">
+          <ac:chgData name="Sean O Fithcheallaigh" userId="47659c31-a575-4792-8be3-61268c4ee0d6" providerId="ADAL" clId="{CA64B30F-511C-45F5-B991-1BF90300E7E0}" dt="2024-02-05T21:50:47.915" v="2546" actId="26606"/>
+          <ac:graphicFrameMkLst>
+            <pc:docMk/>
+            <pc:sldMk cId="2143467693" sldId="259"/>
+            <ac:graphicFrameMk id="25" creationId="{6DF6EA35-A360-2901-37BC-97337DEC8B0A}"/>
+          </ac:graphicFrameMkLst>
+        </pc:graphicFrameChg>
+        <pc:graphicFrameChg chg="add del">
+          <ac:chgData name="Sean O Fithcheallaigh" userId="47659c31-a575-4792-8be3-61268c4ee0d6" providerId="ADAL" clId="{CA64B30F-511C-45F5-B991-1BF90300E7E0}" dt="2024-02-05T21:50:53.824" v="2548" actId="26606"/>
+          <ac:graphicFrameMkLst>
+            <pc:docMk/>
+            <pc:sldMk cId="2143467693" sldId="259"/>
+            <ac:graphicFrameMk id="26" creationId="{B40E2130-BDD0-997A-91C5-7B8FD69E0CC7}"/>
+          </ac:graphicFrameMkLst>
+        </pc:graphicFrameChg>
+        <pc:cxnChg chg="add del">
+          <ac:chgData name="Sean O Fithcheallaigh" userId="47659c31-a575-4792-8be3-61268c4ee0d6" providerId="ADAL" clId="{CA64B30F-511C-45F5-B991-1BF90300E7E0}" dt="2024-02-05T21:37:04.873" v="1339" actId="26606"/>
+          <ac:cxnSpMkLst>
+            <pc:docMk/>
+            <pc:sldMk cId="2143467693" sldId="259"/>
+            <ac:cxnSpMk id="12" creationId="{1F16A8D4-FE87-4604-88B2-394B5D1EB437}"/>
+          </ac:cxnSpMkLst>
+        </pc:cxnChg>
+        <pc:cxnChg chg="add del">
+          <ac:chgData name="Sean O Fithcheallaigh" userId="47659c31-a575-4792-8be3-61268c4ee0d6" providerId="ADAL" clId="{CA64B30F-511C-45F5-B991-1BF90300E7E0}" dt="2024-02-05T21:47:14.925" v="2451" actId="26606"/>
+          <ac:cxnSpMkLst>
+            <pc:docMk/>
+            <pc:sldMk cId="2143467693" sldId="259"/>
+            <ac:cxnSpMk id="14" creationId="{5021601D-2758-4B15-A31C-FDA184C51B3A}"/>
+          </ac:cxnSpMkLst>
+        </pc:cxnChg>
       </pc:sldChg>
     </pc:docChg>
   </pc:docChgLst>
@@ -228,6 +746,3056 @@
     </pc:docChg>
   </pc:docChgLst>
 </pc:chgInfo>
+</file>
+
+<file path=ppt/diagrams/colors1.xml><?xml version="1.0" encoding="utf-8"?>
+<dgm:colorsDef xmlns:dgm="http://schemas.openxmlformats.org/drawingml/2006/diagram" xmlns:a="http://schemas.openxmlformats.org/drawingml/2006/main" uniqueId="urn:microsoft.com/office/officeart/2018/5/colors/Iconchunking_neutralicon_accent0_3">
+  <dgm:title val=""/>
+  <dgm:desc val=""/>
+  <dgm:catLst>
+    <dgm:cat type="mainScheme" pri="10300"/>
+  </dgm:catLst>
+  <dgm:styleLbl name="node0">
+    <dgm:fillClrLst meth="repeat">
+      <a:schemeClr val="dk2"/>
+    </dgm:fillClrLst>
+    <dgm:linClrLst meth="repeat">
+      <a:schemeClr val="lt2"/>
+    </dgm:linClrLst>
+    <dgm:effectClrLst/>
+    <dgm:txLinClrLst/>
+    <dgm:txFillClrLst/>
+    <dgm:txEffectClrLst/>
+  </dgm:styleLbl>
+  <dgm:styleLbl name="alignNode1">
+    <dgm:fillClrLst meth="repeat">
+      <a:schemeClr val="dk2"/>
+    </dgm:fillClrLst>
+    <dgm:linClrLst meth="repeat">
+      <a:schemeClr val="dk2"/>
+    </dgm:linClrLst>
+    <dgm:effectClrLst/>
+    <dgm:txLinClrLst/>
+    <dgm:txFillClrLst/>
+    <dgm:txEffectClrLst/>
+  </dgm:styleLbl>
+  <dgm:styleLbl name="node1">
+    <dgm:fillClrLst meth="repeat">
+      <a:schemeClr val="bg1"/>
+    </dgm:fillClrLst>
+    <dgm:linClrLst meth="repeat">
+      <a:schemeClr val="lt2">
+        <a:alpha val="0"/>
+      </a:schemeClr>
+    </dgm:linClrLst>
+    <dgm:effectClrLst/>
+    <dgm:txLinClrLst/>
+    <dgm:txFillClrLst meth="repeat">
+      <a:schemeClr val="dk1"/>
+    </dgm:txFillClrLst>
+    <dgm:txEffectClrLst/>
+  </dgm:styleLbl>
+  <dgm:styleLbl name="lnNode1">
+    <dgm:fillClrLst meth="repeat">
+      <a:schemeClr val="dk2"/>
+    </dgm:fillClrLst>
+    <dgm:linClrLst meth="repeat">
+      <a:schemeClr val="lt2"/>
+    </dgm:linClrLst>
+    <dgm:effectClrLst/>
+    <dgm:txLinClrLst/>
+    <dgm:txFillClrLst/>
+    <dgm:txEffectClrLst/>
+  </dgm:styleLbl>
+  <dgm:styleLbl name="vennNode1">
+    <dgm:fillClrLst meth="repeat">
+      <a:schemeClr val="dk2">
+        <a:alpha val="50000"/>
+      </a:schemeClr>
+    </dgm:fillClrLst>
+    <dgm:linClrLst meth="repeat">
+      <a:schemeClr val="lt2"/>
+    </dgm:linClrLst>
+    <dgm:effectClrLst/>
+    <dgm:txLinClrLst/>
+    <dgm:txFillClrLst/>
+    <dgm:txEffectClrLst/>
+  </dgm:styleLbl>
+  <dgm:styleLbl name="node2">
+    <dgm:fillClrLst meth="repeat">
+      <a:schemeClr val="dk2"/>
+    </dgm:fillClrLst>
+    <dgm:linClrLst meth="repeat">
+      <a:schemeClr val="lt2"/>
+    </dgm:linClrLst>
+    <dgm:effectClrLst/>
+    <dgm:txLinClrLst/>
+    <dgm:txFillClrLst/>
+    <dgm:txEffectClrLst/>
+  </dgm:styleLbl>
+  <dgm:styleLbl name="node3">
+    <dgm:fillClrLst meth="repeat">
+      <a:schemeClr val="dk2"/>
+    </dgm:fillClrLst>
+    <dgm:linClrLst meth="repeat">
+      <a:schemeClr val="lt2"/>
+    </dgm:linClrLst>
+    <dgm:effectClrLst/>
+    <dgm:txLinClrLst/>
+    <dgm:txFillClrLst/>
+    <dgm:txEffectClrLst/>
+  </dgm:styleLbl>
+  <dgm:styleLbl name="node4">
+    <dgm:fillClrLst meth="repeat">
+      <a:schemeClr val="dk2"/>
+    </dgm:fillClrLst>
+    <dgm:linClrLst meth="repeat">
+      <a:schemeClr val="lt2"/>
+    </dgm:linClrLst>
+    <dgm:effectClrLst/>
+    <dgm:txLinClrLst/>
+    <dgm:txFillClrLst/>
+    <dgm:txEffectClrLst/>
+  </dgm:styleLbl>
+  <dgm:styleLbl name="fgImgPlace1">
+    <dgm:fillClrLst meth="repeat">
+      <a:schemeClr val="dk2">
+        <a:tint val="50000"/>
+      </a:schemeClr>
+    </dgm:fillClrLst>
+    <dgm:linClrLst meth="repeat">
+      <a:schemeClr val="lt2"/>
+    </dgm:linClrLst>
+    <dgm:effectClrLst/>
+    <dgm:txLinClrLst/>
+    <dgm:txFillClrLst meth="repeat">
+      <a:schemeClr val="lt2"/>
+    </dgm:txFillClrLst>
+    <dgm:txEffectClrLst/>
+  </dgm:styleLbl>
+  <dgm:styleLbl name="alignImgPlace1">
+    <dgm:fillClrLst meth="repeat">
+      <a:schemeClr val="dk2">
+        <a:tint val="50000"/>
+      </a:schemeClr>
+    </dgm:fillClrLst>
+    <dgm:linClrLst meth="repeat">
+      <a:schemeClr val="dk2">
+        <a:shade val="80000"/>
+      </a:schemeClr>
+    </dgm:linClrLst>
+    <dgm:effectClrLst/>
+    <dgm:txLinClrLst/>
+    <dgm:txFillClrLst meth="repeat">
+      <a:schemeClr val="lt2"/>
+    </dgm:txFillClrLst>
+    <dgm:txEffectClrLst/>
+  </dgm:styleLbl>
+  <dgm:styleLbl name="bgImgPlace1">
+    <dgm:fillClrLst meth="repeat">
+      <a:schemeClr val="dk2">
+        <a:tint val="50000"/>
+      </a:schemeClr>
+    </dgm:fillClrLst>
+    <dgm:linClrLst meth="repeat">
+      <a:schemeClr val="dk2">
+        <a:shade val="80000"/>
+      </a:schemeClr>
+    </dgm:linClrLst>
+    <dgm:effectClrLst/>
+    <dgm:txLinClrLst/>
+    <dgm:txFillClrLst meth="repeat">
+      <a:schemeClr val="lt2"/>
+    </dgm:txFillClrLst>
+    <dgm:txEffectClrLst/>
+  </dgm:styleLbl>
+  <dgm:styleLbl name="sibTrans2D1">
+    <dgm:fillClrLst meth="repeat">
+      <a:schemeClr val="dk2">
+        <a:tint val="60000"/>
+      </a:schemeClr>
+    </dgm:fillClrLst>
+    <dgm:linClrLst meth="repeat">
+      <a:schemeClr val="dk2">
+        <a:tint val="60000"/>
+      </a:schemeClr>
+    </dgm:linClrLst>
+    <dgm:effectClrLst/>
+    <dgm:txLinClrLst/>
+    <dgm:txFillClrLst/>
+    <dgm:txEffectClrLst/>
+  </dgm:styleLbl>
+  <dgm:styleLbl name="fgSibTrans2D1">
+    <dgm:fillClrLst meth="repeat">
+      <a:schemeClr val="dk2">
+        <a:tint val="60000"/>
+      </a:schemeClr>
+    </dgm:fillClrLst>
+    <dgm:linClrLst meth="repeat">
+      <a:schemeClr val="dk2">
+        <a:tint val="60000"/>
+      </a:schemeClr>
+    </dgm:linClrLst>
+    <dgm:effectClrLst/>
+    <dgm:txLinClrLst/>
+    <dgm:txFillClrLst/>
+    <dgm:txEffectClrLst/>
+  </dgm:styleLbl>
+  <dgm:styleLbl name="bgSibTrans2D1">
+    <dgm:fillClrLst meth="repeat">
+      <a:schemeClr val="dk2">
+        <a:tint val="60000"/>
+      </a:schemeClr>
+    </dgm:fillClrLst>
+    <dgm:linClrLst meth="repeat">
+      <a:schemeClr val="dk2">
+        <a:tint val="60000"/>
+      </a:schemeClr>
+    </dgm:linClrLst>
+    <dgm:effectClrLst/>
+    <dgm:txLinClrLst/>
+    <dgm:txFillClrLst/>
+    <dgm:txEffectClrLst/>
+  </dgm:styleLbl>
+  <dgm:styleLbl name="sibTrans1D1">
+    <dgm:fillClrLst meth="repeat">
+      <a:schemeClr val="dk2"/>
+    </dgm:fillClrLst>
+    <dgm:linClrLst meth="repeat">
+      <a:schemeClr val="dk2"/>
+    </dgm:linClrLst>
+    <dgm:effectClrLst/>
+    <dgm:txLinClrLst/>
+    <dgm:txFillClrLst meth="repeat">
+      <a:schemeClr val="lt2"/>
+    </dgm:txFillClrLst>
+    <dgm:txEffectClrLst/>
+  </dgm:styleLbl>
+  <dgm:styleLbl name="callout">
+    <dgm:fillClrLst meth="repeat">
+      <a:schemeClr val="dk2"/>
+    </dgm:fillClrLst>
+    <dgm:linClrLst meth="repeat">
+      <a:schemeClr val="dk2">
+        <a:tint val="50000"/>
+      </a:schemeClr>
+    </dgm:linClrLst>
+    <dgm:effectClrLst/>
+    <dgm:txLinClrLst/>
+    <dgm:txFillClrLst meth="repeat">
+      <a:schemeClr val="lt2"/>
+    </dgm:txFillClrLst>
+    <dgm:txEffectClrLst/>
+  </dgm:styleLbl>
+  <dgm:styleLbl name="asst0">
+    <dgm:fillClrLst meth="repeat">
+      <a:schemeClr val="dk2"/>
+    </dgm:fillClrLst>
+    <dgm:linClrLst meth="repeat">
+      <a:schemeClr val="lt2"/>
+    </dgm:linClrLst>
+    <dgm:effectClrLst/>
+    <dgm:txLinClrLst/>
+    <dgm:txFillClrLst/>
+    <dgm:txEffectClrLst/>
+  </dgm:styleLbl>
+  <dgm:styleLbl name="asst1">
+    <dgm:fillClrLst meth="repeat">
+      <a:schemeClr val="dk2"/>
+    </dgm:fillClrLst>
+    <dgm:linClrLst meth="repeat">
+      <a:schemeClr val="lt2"/>
+    </dgm:linClrLst>
+    <dgm:effectClrLst/>
+    <dgm:txLinClrLst/>
+    <dgm:txFillClrLst/>
+    <dgm:txEffectClrLst/>
+  </dgm:styleLbl>
+  <dgm:styleLbl name="asst2">
+    <dgm:fillClrLst meth="repeat">
+      <a:schemeClr val="dk2"/>
+    </dgm:fillClrLst>
+    <dgm:linClrLst meth="repeat">
+      <a:schemeClr val="lt2"/>
+    </dgm:linClrLst>
+    <dgm:effectClrLst/>
+    <dgm:txLinClrLst/>
+    <dgm:txFillClrLst/>
+    <dgm:txEffectClrLst/>
+  </dgm:styleLbl>
+  <dgm:styleLbl name="asst3">
+    <dgm:fillClrLst meth="repeat">
+      <a:schemeClr val="dk2"/>
+    </dgm:fillClrLst>
+    <dgm:linClrLst meth="repeat">
+      <a:schemeClr val="lt2"/>
+    </dgm:linClrLst>
+    <dgm:effectClrLst/>
+    <dgm:txLinClrLst/>
+    <dgm:txFillClrLst/>
+    <dgm:txEffectClrLst/>
+  </dgm:styleLbl>
+  <dgm:styleLbl name="asst4">
+    <dgm:fillClrLst meth="repeat">
+      <a:schemeClr val="dk2"/>
+    </dgm:fillClrLst>
+    <dgm:linClrLst meth="repeat">
+      <a:schemeClr val="lt2"/>
+    </dgm:linClrLst>
+    <dgm:effectClrLst/>
+    <dgm:txLinClrLst/>
+    <dgm:txFillClrLst/>
+    <dgm:txEffectClrLst/>
+  </dgm:styleLbl>
+  <dgm:styleLbl name="parChTrans2D1">
+    <dgm:fillClrLst meth="repeat">
+      <a:schemeClr val="dk2">
+        <a:tint val="60000"/>
+      </a:schemeClr>
+    </dgm:fillClrLst>
+    <dgm:linClrLst meth="repeat">
+      <a:schemeClr val="dk2">
+        <a:tint val="60000"/>
+      </a:schemeClr>
+    </dgm:linClrLst>
+    <dgm:effectClrLst/>
+    <dgm:txLinClrLst/>
+    <dgm:txFillClrLst meth="repeat">
+      <a:schemeClr val="lt2"/>
+    </dgm:txFillClrLst>
+    <dgm:txEffectClrLst/>
+  </dgm:styleLbl>
+  <dgm:styleLbl name="parChTrans2D2">
+    <dgm:fillClrLst meth="repeat">
+      <a:schemeClr val="dk2"/>
+    </dgm:fillClrLst>
+    <dgm:linClrLst meth="repeat">
+      <a:schemeClr val="dk2"/>
+    </dgm:linClrLst>
+    <dgm:effectClrLst/>
+    <dgm:txLinClrLst/>
+    <dgm:txFillClrLst meth="repeat">
+      <a:schemeClr val="lt2"/>
+    </dgm:txFillClrLst>
+    <dgm:txEffectClrLst/>
+  </dgm:styleLbl>
+  <dgm:styleLbl name="parChTrans2D3">
+    <dgm:fillClrLst meth="repeat">
+      <a:schemeClr val="dk2"/>
+    </dgm:fillClrLst>
+    <dgm:linClrLst meth="repeat">
+      <a:schemeClr val="dk2"/>
+    </dgm:linClrLst>
+    <dgm:effectClrLst/>
+    <dgm:txLinClrLst/>
+    <dgm:txFillClrLst meth="repeat">
+      <a:schemeClr val="lt2"/>
+    </dgm:txFillClrLst>
+    <dgm:txEffectClrLst/>
+  </dgm:styleLbl>
+  <dgm:styleLbl name="parChTrans2D4">
+    <dgm:fillClrLst meth="repeat">
+      <a:schemeClr val="dk2"/>
+    </dgm:fillClrLst>
+    <dgm:linClrLst meth="repeat">
+      <a:schemeClr val="dk2"/>
+    </dgm:linClrLst>
+    <dgm:effectClrLst/>
+    <dgm:txLinClrLst/>
+    <dgm:txFillClrLst meth="repeat">
+      <a:schemeClr val="lt2"/>
+    </dgm:txFillClrLst>
+    <dgm:txEffectClrLst/>
+  </dgm:styleLbl>
+  <dgm:styleLbl name="parChTrans1D1">
+    <dgm:fillClrLst meth="repeat">
+      <a:schemeClr val="dk2"/>
+    </dgm:fillClrLst>
+    <dgm:linClrLst meth="repeat">
+      <a:schemeClr val="dk2">
+        <a:shade val="60000"/>
+      </a:schemeClr>
+    </dgm:linClrLst>
+    <dgm:effectClrLst/>
+    <dgm:txLinClrLst/>
+    <dgm:txFillClrLst meth="repeat">
+      <a:schemeClr val="tx1"/>
+    </dgm:txFillClrLst>
+    <dgm:txEffectClrLst/>
+  </dgm:styleLbl>
+  <dgm:styleLbl name="parChTrans1D2">
+    <dgm:fillClrLst meth="repeat">
+      <a:schemeClr val="dk2"/>
+    </dgm:fillClrLst>
+    <dgm:linClrLst meth="repeat">
+      <a:schemeClr val="dk2">
+        <a:shade val="60000"/>
+      </a:schemeClr>
+    </dgm:linClrLst>
+    <dgm:effectClrLst/>
+    <dgm:txLinClrLst/>
+    <dgm:txFillClrLst meth="repeat">
+      <a:schemeClr val="tx1"/>
+    </dgm:txFillClrLst>
+    <dgm:txEffectClrLst/>
+  </dgm:styleLbl>
+  <dgm:styleLbl name="parChTrans1D3">
+    <dgm:fillClrLst meth="repeat">
+      <a:schemeClr val="dk2"/>
+    </dgm:fillClrLst>
+    <dgm:linClrLst meth="repeat">
+      <a:schemeClr val="dk2">
+        <a:shade val="80000"/>
+      </a:schemeClr>
+    </dgm:linClrLst>
+    <dgm:effectClrLst/>
+    <dgm:txLinClrLst/>
+    <dgm:txFillClrLst meth="repeat">
+      <a:schemeClr val="tx1"/>
+    </dgm:txFillClrLst>
+    <dgm:txEffectClrLst/>
+  </dgm:styleLbl>
+  <dgm:styleLbl name="parChTrans1D4">
+    <dgm:fillClrLst meth="repeat">
+      <a:schemeClr val="dk2"/>
+    </dgm:fillClrLst>
+    <dgm:linClrLst meth="repeat">
+      <a:schemeClr val="dk2">
+        <a:shade val="80000"/>
+      </a:schemeClr>
+    </dgm:linClrLst>
+    <dgm:effectClrLst/>
+    <dgm:txLinClrLst/>
+    <dgm:txFillClrLst meth="repeat">
+      <a:schemeClr val="tx1"/>
+    </dgm:txFillClrLst>
+    <dgm:txEffectClrLst/>
+  </dgm:styleLbl>
+  <dgm:styleLbl name="fgAcc1">
+    <dgm:fillClrLst meth="repeat">
+      <a:schemeClr val="lt2">
+        <a:alpha val="90000"/>
+      </a:schemeClr>
+    </dgm:fillClrLst>
+    <dgm:linClrLst meth="repeat">
+      <a:schemeClr val="dk2"/>
+    </dgm:linClrLst>
+    <dgm:effectClrLst/>
+    <dgm:txLinClrLst/>
+    <dgm:txFillClrLst meth="repeat">
+      <a:schemeClr val="dk1"/>
+    </dgm:txFillClrLst>
+    <dgm:txEffectClrLst/>
+  </dgm:styleLbl>
+  <dgm:styleLbl name="conFgAcc1">
+    <dgm:fillClrLst meth="repeat">
+      <a:schemeClr val="lt2">
+        <a:alpha val="90000"/>
+      </a:schemeClr>
+    </dgm:fillClrLst>
+    <dgm:linClrLst meth="repeat">
+      <a:schemeClr val="dk2"/>
+    </dgm:linClrLst>
+    <dgm:effectClrLst/>
+    <dgm:txLinClrLst/>
+    <dgm:txFillClrLst meth="repeat">
+      <a:schemeClr val="dk1"/>
+    </dgm:txFillClrLst>
+    <dgm:txEffectClrLst/>
+  </dgm:styleLbl>
+  <dgm:styleLbl name="alignAcc1">
+    <dgm:fillClrLst meth="repeat">
+      <a:schemeClr val="lt2">
+        <a:alpha val="90000"/>
+      </a:schemeClr>
+    </dgm:fillClrLst>
+    <dgm:linClrLst meth="repeat">
+      <a:schemeClr val="dk2"/>
+    </dgm:linClrLst>
+    <dgm:effectClrLst/>
+    <dgm:txLinClrLst/>
+    <dgm:txFillClrLst meth="repeat">
+      <a:schemeClr val="dk1"/>
+    </dgm:txFillClrLst>
+    <dgm:txEffectClrLst/>
+  </dgm:styleLbl>
+  <dgm:styleLbl name="trAlignAcc1">
+    <dgm:fillClrLst meth="repeat">
+      <a:schemeClr val="lt2">
+        <a:alpha val="40000"/>
+      </a:schemeClr>
+    </dgm:fillClrLst>
+    <dgm:linClrLst meth="repeat">
+      <a:schemeClr val="dk2"/>
+    </dgm:linClrLst>
+    <dgm:effectClrLst/>
+    <dgm:txLinClrLst/>
+    <dgm:txFillClrLst meth="repeat">
+      <a:schemeClr val="dk1"/>
+    </dgm:txFillClrLst>
+    <dgm:txEffectClrLst/>
+  </dgm:styleLbl>
+  <dgm:styleLbl name="bgAcc1">
+    <dgm:fillClrLst meth="repeat">
+      <a:schemeClr val="lt2">
+        <a:alpha val="90000"/>
+      </a:schemeClr>
+    </dgm:fillClrLst>
+    <dgm:linClrLst meth="repeat">
+      <a:schemeClr val="dk2"/>
+    </dgm:linClrLst>
+    <dgm:effectClrLst/>
+    <dgm:txLinClrLst/>
+    <dgm:txFillClrLst meth="repeat">
+      <a:schemeClr val="dk1"/>
+    </dgm:txFillClrLst>
+    <dgm:txEffectClrLst/>
+  </dgm:styleLbl>
+  <dgm:styleLbl name="solidFgAcc1">
+    <dgm:fillClrLst meth="repeat">
+      <a:schemeClr val="lt2"/>
+    </dgm:fillClrLst>
+    <dgm:linClrLst meth="repeat">
+      <a:schemeClr val="dk2"/>
+    </dgm:linClrLst>
+    <dgm:effectClrLst/>
+    <dgm:txLinClrLst/>
+    <dgm:txFillClrLst meth="repeat">
+      <a:schemeClr val="dk1"/>
+    </dgm:txFillClrLst>
+    <dgm:txEffectClrLst/>
+  </dgm:styleLbl>
+  <dgm:styleLbl name="solidAlignAcc1">
+    <dgm:fillClrLst meth="repeat">
+      <a:schemeClr val="lt2"/>
+    </dgm:fillClrLst>
+    <dgm:linClrLst meth="repeat">
+      <a:schemeClr val="dk2"/>
+    </dgm:linClrLst>
+    <dgm:effectClrLst/>
+    <dgm:txLinClrLst/>
+    <dgm:txFillClrLst meth="repeat">
+      <a:schemeClr val="dk1"/>
+    </dgm:txFillClrLst>
+    <dgm:txEffectClrLst/>
+  </dgm:styleLbl>
+  <dgm:styleLbl name="solidBgAcc1">
+    <dgm:fillClrLst meth="repeat">
+      <a:schemeClr val="lt2"/>
+    </dgm:fillClrLst>
+    <dgm:linClrLst meth="repeat">
+      <a:schemeClr val="dk2"/>
+    </dgm:linClrLst>
+    <dgm:effectClrLst/>
+    <dgm:txLinClrLst/>
+    <dgm:txFillClrLst meth="repeat">
+      <a:schemeClr val="dk1"/>
+    </dgm:txFillClrLst>
+    <dgm:txEffectClrLst/>
+  </dgm:styleLbl>
+  <dgm:styleLbl name="fgAccFollowNode1">
+    <dgm:fillClrLst meth="repeat">
+      <a:schemeClr val="dk2">
+        <a:alpha val="90000"/>
+        <a:tint val="40000"/>
+      </a:schemeClr>
+    </dgm:fillClrLst>
+    <dgm:linClrLst meth="repeat">
+      <a:schemeClr val="dk2">
+        <a:alpha val="90000"/>
+        <a:tint val="40000"/>
+      </a:schemeClr>
+    </dgm:linClrLst>
+    <dgm:effectClrLst/>
+    <dgm:txLinClrLst/>
+    <dgm:txFillClrLst meth="repeat">
+      <a:schemeClr val="dk1"/>
+    </dgm:txFillClrLst>
+    <dgm:txEffectClrLst/>
+  </dgm:styleLbl>
+  <dgm:styleLbl name="alignAccFollowNode1">
+    <dgm:fillClrLst meth="repeat">
+      <a:schemeClr val="dk2">
+        <a:alpha val="90000"/>
+        <a:tint val="40000"/>
+      </a:schemeClr>
+    </dgm:fillClrLst>
+    <dgm:linClrLst meth="repeat">
+      <a:schemeClr val="dk2">
+        <a:alpha val="90000"/>
+        <a:tint val="40000"/>
+      </a:schemeClr>
+    </dgm:linClrLst>
+    <dgm:effectClrLst/>
+    <dgm:txLinClrLst/>
+    <dgm:txFillClrLst meth="repeat">
+      <a:schemeClr val="dk1"/>
+    </dgm:txFillClrLst>
+    <dgm:txEffectClrLst/>
+  </dgm:styleLbl>
+  <dgm:styleLbl name="bgAccFollowNode1">
+    <dgm:fillClrLst meth="repeat">
+      <a:schemeClr val="dk2">
+        <a:alpha val="90000"/>
+        <a:tint val="40000"/>
+      </a:schemeClr>
+    </dgm:fillClrLst>
+    <dgm:linClrLst meth="repeat">
+      <a:schemeClr val="dk2">
+        <a:alpha val="90000"/>
+        <a:tint val="40000"/>
+      </a:schemeClr>
+    </dgm:linClrLst>
+    <dgm:effectClrLst/>
+    <dgm:txLinClrLst/>
+    <dgm:txFillClrLst meth="repeat">
+      <a:schemeClr val="dk1"/>
+    </dgm:txFillClrLst>
+    <dgm:txEffectClrLst/>
+  </dgm:styleLbl>
+  <dgm:styleLbl name="fgAcc0">
+    <dgm:fillClrLst meth="repeat">
+      <a:schemeClr val="lt2">
+        <a:alpha val="90000"/>
+      </a:schemeClr>
+    </dgm:fillClrLst>
+    <dgm:linClrLst meth="repeat">
+      <a:schemeClr val="dk2"/>
+    </dgm:linClrLst>
+    <dgm:effectClrLst/>
+    <dgm:txLinClrLst/>
+    <dgm:txFillClrLst meth="repeat">
+      <a:schemeClr val="dk1"/>
+    </dgm:txFillClrLst>
+    <dgm:txEffectClrLst/>
+  </dgm:styleLbl>
+  <dgm:styleLbl name="fgAcc2">
+    <dgm:fillClrLst meth="repeat">
+      <a:schemeClr val="lt2">
+        <a:alpha val="90000"/>
+      </a:schemeClr>
+    </dgm:fillClrLst>
+    <dgm:linClrLst meth="repeat">
+      <a:schemeClr val="dk2"/>
+    </dgm:linClrLst>
+    <dgm:effectClrLst/>
+    <dgm:txLinClrLst/>
+    <dgm:txFillClrLst meth="repeat">
+      <a:schemeClr val="dk1"/>
+    </dgm:txFillClrLst>
+    <dgm:txEffectClrLst/>
+  </dgm:styleLbl>
+  <dgm:styleLbl name="fgAcc3">
+    <dgm:fillClrLst meth="repeat">
+      <a:schemeClr val="lt2">
+        <a:alpha val="90000"/>
+      </a:schemeClr>
+    </dgm:fillClrLst>
+    <dgm:linClrLst meth="repeat">
+      <a:schemeClr val="dk2"/>
+    </dgm:linClrLst>
+    <dgm:effectClrLst/>
+    <dgm:txLinClrLst/>
+    <dgm:txFillClrLst meth="repeat">
+      <a:schemeClr val="dk1"/>
+    </dgm:txFillClrLst>
+    <dgm:txEffectClrLst/>
+  </dgm:styleLbl>
+  <dgm:styleLbl name="fgAcc4">
+    <dgm:fillClrLst meth="repeat">
+      <a:schemeClr val="lt2">
+        <a:alpha val="90000"/>
+      </a:schemeClr>
+    </dgm:fillClrLst>
+    <dgm:linClrLst meth="repeat">
+      <a:schemeClr val="dk2"/>
+    </dgm:linClrLst>
+    <dgm:effectClrLst/>
+    <dgm:txLinClrLst/>
+    <dgm:txFillClrLst meth="repeat">
+      <a:schemeClr val="dk1"/>
+    </dgm:txFillClrLst>
+    <dgm:txEffectClrLst/>
+  </dgm:styleLbl>
+  <dgm:styleLbl name="bgShp">
+    <dgm:fillClrLst meth="repeat">
+      <a:schemeClr val="dk2"/>
+    </dgm:fillClrLst>
+    <dgm:linClrLst meth="repeat">
+      <a:schemeClr val="lt2">
+        <a:alpha val="0"/>
+      </a:schemeClr>
+    </dgm:linClrLst>
+    <dgm:effectClrLst/>
+    <dgm:txLinClrLst/>
+    <dgm:txFillClrLst/>
+    <dgm:txEffectClrLst/>
+  </dgm:styleLbl>
+  <dgm:styleLbl name="dkBgShp">
+    <dgm:fillClrLst meth="repeat">
+      <a:schemeClr val="dk2">
+        <a:shade val="80000"/>
+      </a:schemeClr>
+    </dgm:fillClrLst>
+    <dgm:linClrLst meth="repeat">
+      <a:schemeClr val="dk2"/>
+    </dgm:linClrLst>
+    <dgm:effectClrLst/>
+    <dgm:txLinClrLst/>
+    <dgm:txFillClrLst meth="repeat">
+      <a:schemeClr val="lt1"/>
+    </dgm:txFillClrLst>
+    <dgm:txEffectClrLst/>
+  </dgm:styleLbl>
+  <dgm:styleLbl name="trBgShp">
+    <dgm:fillClrLst meth="repeat">
+      <a:schemeClr val="dk2">
+        <a:tint val="50000"/>
+        <a:alpha val="40000"/>
+      </a:schemeClr>
+    </dgm:fillClrLst>
+    <dgm:linClrLst meth="repeat">
+      <a:schemeClr val="dk2"/>
+    </dgm:linClrLst>
+    <dgm:effectClrLst/>
+    <dgm:txLinClrLst/>
+    <dgm:txFillClrLst meth="repeat">
+      <a:schemeClr val="lt1"/>
+    </dgm:txFillClrLst>
+    <dgm:txEffectClrLst/>
+  </dgm:styleLbl>
+  <dgm:styleLbl name="fgShp">
+    <dgm:fillClrLst meth="repeat">
+      <a:schemeClr val="dk2">
+        <a:tint val="60000"/>
+      </a:schemeClr>
+    </dgm:fillClrLst>
+    <dgm:linClrLst meth="repeat">
+      <a:schemeClr val="lt2"/>
+    </dgm:linClrLst>
+    <dgm:effectClrLst/>
+    <dgm:txLinClrLst/>
+    <dgm:txFillClrLst meth="repeat">
+      <a:schemeClr val="dk1"/>
+    </dgm:txFillClrLst>
+    <dgm:txEffectClrLst/>
+  </dgm:styleLbl>
+  <dgm:styleLbl name="revTx">
+    <dgm:fillClrLst meth="repeat">
+      <a:schemeClr val="lt2">
+        <a:alpha val="0"/>
+      </a:schemeClr>
+    </dgm:fillClrLst>
+    <dgm:linClrLst meth="repeat">
+      <a:schemeClr val="dk1">
+        <a:alpha val="0"/>
+      </a:schemeClr>
+    </dgm:linClrLst>
+    <dgm:effectClrLst/>
+    <dgm:txLinClrLst/>
+    <dgm:txFillClrLst meth="repeat">
+      <a:schemeClr val="tx1"/>
+    </dgm:txFillClrLst>
+    <dgm:txEffectClrLst/>
+  </dgm:styleLbl>
+</dgm:colorsDef>
+</file>
+
+<file path=ppt/diagrams/data1.xml><?xml version="1.0" encoding="utf-8"?>
+<dgm:dataModel xmlns:dgm="http://schemas.openxmlformats.org/drawingml/2006/diagram" xmlns:a="http://schemas.openxmlformats.org/drawingml/2006/main">
+  <dgm:ptLst>
+    <dgm:pt modelId="{76711620-EBD7-470A-B364-1E2EC967F01A}" type="doc">
+      <dgm:prSet loTypeId="urn:microsoft.com/office/officeart/2018/5/layout/IconCircleLabelList" loCatId="icon" qsTypeId="urn:microsoft.com/office/officeart/2005/8/quickstyle/simple1" qsCatId="simple" csTypeId="urn:microsoft.com/office/officeart/2018/5/colors/Iconchunking_neutralicon_accent0_3" csCatId="mainScheme" phldr="1"/>
+      <dgm:spPr/>
+      <dgm:t>
+        <a:bodyPr/>
+        <a:lstStyle/>
+        <a:p>
+          <a:endParaRPr lang="en-US"/>
+        </a:p>
+      </dgm:t>
+    </dgm:pt>
+    <dgm:pt modelId="{D5A23640-46BF-4391-9191-ED9CF0F7B4C4}">
+      <dgm:prSet/>
+      <dgm:spPr/>
+      <dgm:t>
+        <a:bodyPr/>
+        <a:lstStyle/>
+        <a:p>
+          <a:pPr>
+            <a:defRPr cap="all"/>
+          </a:pPr>
+          <a:r>
+            <a:rPr lang="en-US"/>
+            <a:t>Elevator Pitch</a:t>
+          </a:r>
+        </a:p>
+      </dgm:t>
+    </dgm:pt>
+    <dgm:pt modelId="{0ECD1F44-451D-42FF-BC15-AFA9E959E8BD}" type="parTrans" cxnId="{4B9692CB-DA67-4590-9083-113D364F25B8}">
+      <dgm:prSet/>
+      <dgm:spPr/>
+      <dgm:t>
+        <a:bodyPr/>
+        <a:lstStyle/>
+        <a:p>
+          <a:endParaRPr lang="en-US"/>
+        </a:p>
+      </dgm:t>
+    </dgm:pt>
+    <dgm:pt modelId="{3A8F3A21-2554-490E-B110-B03B4309F55C}" type="sibTrans" cxnId="{4B9692CB-DA67-4590-9083-113D364F25B8}">
+      <dgm:prSet/>
+      <dgm:spPr/>
+      <dgm:t>
+        <a:bodyPr/>
+        <a:lstStyle/>
+        <a:p>
+          <a:endParaRPr lang="en-US"/>
+        </a:p>
+      </dgm:t>
+    </dgm:pt>
+    <dgm:pt modelId="{B5FD7DE2-2D42-4711-BD55-21BB56090194}">
+      <dgm:prSet/>
+      <dgm:spPr/>
+      <dgm:t>
+        <a:bodyPr/>
+        <a:lstStyle/>
+        <a:p>
+          <a:pPr>
+            <a:defRPr cap="all"/>
+          </a:pPr>
+          <a:r>
+            <a:rPr lang="en-US"/>
+            <a:t>Research Proposal Review</a:t>
+          </a:r>
+        </a:p>
+      </dgm:t>
+    </dgm:pt>
+    <dgm:pt modelId="{B2EF460F-FAC8-426D-896D-7002A289BEF3}" type="parTrans" cxnId="{98DEB606-8F87-461E-AB9E-28C8B2CCE852}">
+      <dgm:prSet/>
+      <dgm:spPr/>
+      <dgm:t>
+        <a:bodyPr/>
+        <a:lstStyle/>
+        <a:p>
+          <a:endParaRPr lang="en-US"/>
+        </a:p>
+      </dgm:t>
+    </dgm:pt>
+    <dgm:pt modelId="{683A7181-9139-43B6-847D-1E5E111C9D91}" type="sibTrans" cxnId="{98DEB606-8F87-461E-AB9E-28C8B2CCE852}">
+      <dgm:prSet/>
+      <dgm:spPr/>
+      <dgm:t>
+        <a:bodyPr/>
+        <a:lstStyle/>
+        <a:p>
+          <a:endParaRPr lang="en-US"/>
+        </a:p>
+      </dgm:t>
+    </dgm:pt>
+    <dgm:pt modelId="{2A7E3C0A-D61B-433F-BF33-BB781EF1AA82}">
+      <dgm:prSet/>
+      <dgm:spPr/>
+      <dgm:t>
+        <a:bodyPr/>
+        <a:lstStyle/>
+        <a:p>
+          <a:pPr>
+            <a:defRPr cap="all"/>
+          </a:pPr>
+          <a:r>
+            <a:rPr lang="en-GB"/>
+            <a:t>Keywords Search</a:t>
+          </a:r>
+          <a:endParaRPr lang="en-US"/>
+        </a:p>
+      </dgm:t>
+    </dgm:pt>
+    <dgm:pt modelId="{54B836A1-3665-48F3-95F3-673C9C5CD003}" type="parTrans" cxnId="{3EF33094-FAE1-49A3-8661-C8241FA361A5}">
+      <dgm:prSet/>
+      <dgm:spPr/>
+      <dgm:t>
+        <a:bodyPr/>
+        <a:lstStyle/>
+        <a:p>
+          <a:endParaRPr lang="en-US"/>
+        </a:p>
+      </dgm:t>
+    </dgm:pt>
+    <dgm:pt modelId="{9A7EB952-33B5-4E62-837C-A592D9C94B53}" type="sibTrans" cxnId="{3EF33094-FAE1-49A3-8661-C8241FA361A5}">
+      <dgm:prSet/>
+      <dgm:spPr/>
+      <dgm:t>
+        <a:bodyPr/>
+        <a:lstStyle/>
+        <a:p>
+          <a:endParaRPr lang="en-US"/>
+        </a:p>
+      </dgm:t>
+    </dgm:pt>
+    <dgm:pt modelId="{07ADF82A-3250-4919-B747-F750FA27EF19}">
+      <dgm:prSet/>
+      <dgm:spPr/>
+      <dgm:t>
+        <a:bodyPr/>
+        <a:lstStyle/>
+        <a:p>
+          <a:pPr>
+            <a:defRPr cap="all"/>
+          </a:pPr>
+          <a:r>
+            <a:rPr lang="en-GB"/>
+            <a:t>Search Results	</a:t>
+          </a:r>
+          <a:endParaRPr lang="en-US"/>
+        </a:p>
+      </dgm:t>
+    </dgm:pt>
+    <dgm:pt modelId="{928B218B-F617-416B-8EDC-0B57228DD655}" type="parTrans" cxnId="{57422377-6A11-494A-AC65-320040CA6034}">
+      <dgm:prSet/>
+      <dgm:spPr/>
+      <dgm:t>
+        <a:bodyPr/>
+        <a:lstStyle/>
+        <a:p>
+          <a:endParaRPr lang="en-US"/>
+        </a:p>
+      </dgm:t>
+    </dgm:pt>
+    <dgm:pt modelId="{38A28A41-C689-43FF-96A2-11291EE16D50}" type="sibTrans" cxnId="{57422377-6A11-494A-AC65-320040CA6034}">
+      <dgm:prSet/>
+      <dgm:spPr/>
+      <dgm:t>
+        <a:bodyPr/>
+        <a:lstStyle/>
+        <a:p>
+          <a:endParaRPr lang="en-US"/>
+        </a:p>
+      </dgm:t>
+    </dgm:pt>
+    <dgm:pt modelId="{9AAFE6A1-6C3B-4D37-A085-856D7FC02567}" type="pres">
+      <dgm:prSet presAssocID="{76711620-EBD7-470A-B364-1E2EC967F01A}" presName="root" presStyleCnt="0">
+        <dgm:presLayoutVars>
+          <dgm:dir/>
+          <dgm:resizeHandles val="exact"/>
+        </dgm:presLayoutVars>
+      </dgm:prSet>
+      <dgm:spPr/>
+    </dgm:pt>
+    <dgm:pt modelId="{444582B5-8A58-4DDB-A8F3-E7AEB89347E6}" type="pres">
+      <dgm:prSet presAssocID="{D5A23640-46BF-4391-9191-ED9CF0F7B4C4}" presName="compNode" presStyleCnt="0"/>
+      <dgm:spPr/>
+    </dgm:pt>
+    <dgm:pt modelId="{29F5D29F-4E5C-4A20-8FFF-135807CAF664}" type="pres">
+      <dgm:prSet presAssocID="{D5A23640-46BF-4391-9191-ED9CF0F7B4C4}" presName="iconBgRect" presStyleLbl="bgShp" presStyleIdx="0" presStyleCnt="4"/>
+      <dgm:spPr/>
+    </dgm:pt>
+    <dgm:pt modelId="{E86BB8B3-C152-46F1-A003-90B89C2B8838}" type="pres">
+      <dgm:prSet presAssocID="{D5A23640-46BF-4391-9191-ED9CF0F7B4C4}" presName="iconRect" presStyleLbl="node1" presStyleIdx="0" presStyleCnt="4"/>
+      <dgm:spPr>
+        <a:blipFill>
+          <a:blip xmlns:r="http://schemas.openxmlformats.org/officeDocument/2006/relationships" r:embed="rId1">
+            <a:extLst>
+              <a:ext uri="{28A0092B-C50C-407E-A947-70E740481C1C}">
+                <a14:useLocalDpi xmlns:a14="http://schemas.microsoft.com/office/drawing/2010/main" val="0"/>
+              </a:ext>
+              <a:ext uri="{96DAC541-7B7A-43D3-8B79-37D633B846F1}">
+                <asvg:svgBlip xmlns:asvg="http://schemas.microsoft.com/office/drawing/2016/SVG/main" r:embed="rId2"/>
+              </a:ext>
+            </a:extLst>
+          </a:blip>
+          <a:stretch>
+            <a:fillRect/>
+          </a:stretch>
+        </a:blipFill>
+        <a:ln>
+          <a:noFill/>
+        </a:ln>
+      </dgm:spPr>
+      <dgm:extLst>
+        <a:ext uri="{E40237B7-FDA0-4F09-8148-C483321AD2D9}">
+          <dgm14:cNvPr xmlns:dgm14="http://schemas.microsoft.com/office/drawing/2010/diagram" id="0" name="" descr="Step"/>
+        </a:ext>
+      </dgm:extLst>
+    </dgm:pt>
+    <dgm:pt modelId="{A3526650-2E3F-435F-A4E9-37E6FC6768D0}" type="pres">
+      <dgm:prSet presAssocID="{D5A23640-46BF-4391-9191-ED9CF0F7B4C4}" presName="spaceRect" presStyleCnt="0"/>
+      <dgm:spPr/>
+    </dgm:pt>
+    <dgm:pt modelId="{8EEC54BC-4CA1-4145-8B81-B38B471B3BCA}" type="pres">
+      <dgm:prSet presAssocID="{D5A23640-46BF-4391-9191-ED9CF0F7B4C4}" presName="textRect" presStyleLbl="revTx" presStyleIdx="0" presStyleCnt="4">
+        <dgm:presLayoutVars>
+          <dgm:chMax val="1"/>
+          <dgm:chPref val="1"/>
+        </dgm:presLayoutVars>
+      </dgm:prSet>
+      <dgm:spPr/>
+    </dgm:pt>
+    <dgm:pt modelId="{582B6D13-113F-4267-B9D3-5818E2D4EF4A}" type="pres">
+      <dgm:prSet presAssocID="{3A8F3A21-2554-490E-B110-B03B4309F55C}" presName="sibTrans" presStyleCnt="0"/>
+      <dgm:spPr/>
+    </dgm:pt>
+    <dgm:pt modelId="{65A95556-9EC7-4928-BFAC-64D103F8E5E8}" type="pres">
+      <dgm:prSet presAssocID="{B5FD7DE2-2D42-4711-BD55-21BB56090194}" presName="compNode" presStyleCnt="0"/>
+      <dgm:spPr/>
+    </dgm:pt>
+    <dgm:pt modelId="{447B4303-A014-4513-B772-3CEBB6A55163}" type="pres">
+      <dgm:prSet presAssocID="{B5FD7DE2-2D42-4711-BD55-21BB56090194}" presName="iconBgRect" presStyleLbl="bgShp" presStyleIdx="1" presStyleCnt="4"/>
+      <dgm:spPr/>
+    </dgm:pt>
+    <dgm:pt modelId="{E6B372C6-9A55-4C7D-9867-C3FADAE10DEA}" type="pres">
+      <dgm:prSet presAssocID="{B5FD7DE2-2D42-4711-BD55-21BB56090194}" presName="iconRect" presStyleLbl="node1" presStyleIdx="1" presStyleCnt="4"/>
+      <dgm:spPr>
+        <a:blipFill>
+          <a:blip xmlns:r="http://schemas.openxmlformats.org/officeDocument/2006/relationships" r:embed="rId3">
+            <a:extLst>
+              <a:ext uri="{28A0092B-C50C-407E-A947-70E740481C1C}">
+                <a14:useLocalDpi xmlns:a14="http://schemas.microsoft.com/office/drawing/2010/main" val="0"/>
+              </a:ext>
+              <a:ext uri="{96DAC541-7B7A-43D3-8B79-37D633B846F1}">
+                <asvg:svgBlip xmlns:asvg="http://schemas.microsoft.com/office/drawing/2016/SVG/main" r:embed="rId4"/>
+              </a:ext>
+            </a:extLst>
+          </a:blip>
+          <a:stretch>
+            <a:fillRect/>
+          </a:stretch>
+        </a:blipFill>
+        <a:ln>
+          <a:noFill/>
+        </a:ln>
+      </dgm:spPr>
+      <dgm:extLst>
+        <a:ext uri="{E40237B7-FDA0-4F09-8148-C483321AD2D9}">
+          <dgm14:cNvPr xmlns:dgm14="http://schemas.microsoft.com/office/drawing/2010/diagram" id="0" name="" descr="Fabric Report Library"/>
+        </a:ext>
+      </dgm:extLst>
+    </dgm:pt>
+    <dgm:pt modelId="{4424B280-61AE-48ED-9674-E8DC8E29927E}" type="pres">
+      <dgm:prSet presAssocID="{B5FD7DE2-2D42-4711-BD55-21BB56090194}" presName="spaceRect" presStyleCnt="0"/>
+      <dgm:spPr/>
+    </dgm:pt>
+    <dgm:pt modelId="{5B4D6BF4-B0CD-4E20-90B2-3365988150D3}" type="pres">
+      <dgm:prSet presAssocID="{B5FD7DE2-2D42-4711-BD55-21BB56090194}" presName="textRect" presStyleLbl="revTx" presStyleIdx="1" presStyleCnt="4">
+        <dgm:presLayoutVars>
+          <dgm:chMax val="1"/>
+          <dgm:chPref val="1"/>
+        </dgm:presLayoutVars>
+      </dgm:prSet>
+      <dgm:spPr/>
+    </dgm:pt>
+    <dgm:pt modelId="{358B4BB7-BB4C-41A6-AF63-E17094D021DC}" type="pres">
+      <dgm:prSet presAssocID="{683A7181-9139-43B6-847D-1E5E111C9D91}" presName="sibTrans" presStyleCnt="0"/>
+      <dgm:spPr/>
+    </dgm:pt>
+    <dgm:pt modelId="{CD02D60E-48FE-41A9-BB99-45DD21990773}" type="pres">
+      <dgm:prSet presAssocID="{2A7E3C0A-D61B-433F-BF33-BB781EF1AA82}" presName="compNode" presStyleCnt="0"/>
+      <dgm:spPr/>
+    </dgm:pt>
+    <dgm:pt modelId="{D131B22B-34C5-4BC3-B666-5510AD37B97D}" type="pres">
+      <dgm:prSet presAssocID="{2A7E3C0A-D61B-433F-BF33-BB781EF1AA82}" presName="iconBgRect" presStyleLbl="bgShp" presStyleIdx="2" presStyleCnt="4"/>
+      <dgm:spPr/>
+    </dgm:pt>
+    <dgm:pt modelId="{06B643F7-99F9-4D35-8154-E07D3438E4B2}" type="pres">
+      <dgm:prSet presAssocID="{2A7E3C0A-D61B-433F-BF33-BB781EF1AA82}" presName="iconRect" presStyleLbl="node1" presStyleIdx="2" presStyleCnt="4"/>
+      <dgm:spPr>
+        <a:blipFill>
+          <a:blip xmlns:r="http://schemas.openxmlformats.org/officeDocument/2006/relationships" r:embed="rId5">
+            <a:extLst>
+              <a:ext uri="{28A0092B-C50C-407E-A947-70E740481C1C}">
+                <a14:useLocalDpi xmlns:a14="http://schemas.microsoft.com/office/drawing/2010/main" val="0"/>
+              </a:ext>
+              <a:ext uri="{96DAC541-7B7A-43D3-8B79-37D633B846F1}">
+                <asvg:svgBlip xmlns:asvg="http://schemas.microsoft.com/office/drawing/2016/SVG/main" r:embed="rId6"/>
+              </a:ext>
+            </a:extLst>
+          </a:blip>
+          <a:stretch>
+            <a:fillRect/>
+          </a:stretch>
+        </a:blipFill>
+        <a:ln>
+          <a:noFill/>
+        </a:ln>
+      </dgm:spPr>
+      <dgm:extLst>
+        <a:ext uri="{E40237B7-FDA0-4F09-8148-C483321AD2D9}">
+          <dgm14:cNvPr xmlns:dgm14="http://schemas.microsoft.com/office/drawing/2010/diagram" id="0" name="" descr="Search"/>
+        </a:ext>
+      </dgm:extLst>
+    </dgm:pt>
+    <dgm:pt modelId="{7B881DB7-0053-43CD-AEFA-896B977410A7}" type="pres">
+      <dgm:prSet presAssocID="{2A7E3C0A-D61B-433F-BF33-BB781EF1AA82}" presName="spaceRect" presStyleCnt="0"/>
+      <dgm:spPr/>
+    </dgm:pt>
+    <dgm:pt modelId="{826F9300-E13D-42B1-9B2F-3F24B1598902}" type="pres">
+      <dgm:prSet presAssocID="{2A7E3C0A-D61B-433F-BF33-BB781EF1AA82}" presName="textRect" presStyleLbl="revTx" presStyleIdx="2" presStyleCnt="4">
+        <dgm:presLayoutVars>
+          <dgm:chMax val="1"/>
+          <dgm:chPref val="1"/>
+        </dgm:presLayoutVars>
+      </dgm:prSet>
+      <dgm:spPr/>
+    </dgm:pt>
+    <dgm:pt modelId="{F6AB281E-A6FB-4136-9023-33B1EB14D357}" type="pres">
+      <dgm:prSet presAssocID="{9A7EB952-33B5-4E62-837C-A592D9C94B53}" presName="sibTrans" presStyleCnt="0"/>
+      <dgm:spPr/>
+    </dgm:pt>
+    <dgm:pt modelId="{6780E69C-0860-47DE-B396-29189CE3E0B3}" type="pres">
+      <dgm:prSet presAssocID="{07ADF82A-3250-4919-B747-F750FA27EF19}" presName="compNode" presStyleCnt="0"/>
+      <dgm:spPr/>
+    </dgm:pt>
+    <dgm:pt modelId="{4E0135BC-ED3B-422D-AC5A-A53EE6B423B1}" type="pres">
+      <dgm:prSet presAssocID="{07ADF82A-3250-4919-B747-F750FA27EF19}" presName="iconBgRect" presStyleLbl="bgShp" presStyleIdx="3" presStyleCnt="4"/>
+      <dgm:spPr/>
+    </dgm:pt>
+    <dgm:pt modelId="{6B17AD27-FB49-4550-A2D2-3951A209B89E}" type="pres">
+      <dgm:prSet presAssocID="{07ADF82A-3250-4919-B747-F750FA27EF19}" presName="iconRect" presStyleLbl="node1" presStyleIdx="3" presStyleCnt="4"/>
+      <dgm:spPr>
+        <a:blipFill>
+          <a:blip xmlns:r="http://schemas.openxmlformats.org/officeDocument/2006/relationships" r:embed="rId7">
+            <a:extLst>
+              <a:ext uri="{28A0092B-C50C-407E-A947-70E740481C1C}">
+                <a14:useLocalDpi xmlns:a14="http://schemas.microsoft.com/office/drawing/2010/main" val="0"/>
+              </a:ext>
+              <a:ext uri="{96DAC541-7B7A-43D3-8B79-37D633B846F1}">
+                <asvg:svgBlip xmlns:asvg="http://schemas.microsoft.com/office/drawing/2016/SVG/main" r:embed="rId8"/>
+              </a:ext>
+            </a:extLst>
+          </a:blip>
+          <a:stretch>
+            <a:fillRect/>
+          </a:stretch>
+        </a:blipFill>
+        <a:ln>
+          <a:noFill/>
+        </a:ln>
+      </dgm:spPr>
+      <dgm:extLst>
+        <a:ext uri="{E40237B7-FDA0-4F09-8148-C483321AD2D9}">
+          <dgm14:cNvPr xmlns:dgm14="http://schemas.microsoft.com/office/drawing/2010/diagram" id="0" name="" descr="Document Search"/>
+        </a:ext>
+      </dgm:extLst>
+    </dgm:pt>
+    <dgm:pt modelId="{94F6A08E-F17D-4541-979F-9D6B519C17CA}" type="pres">
+      <dgm:prSet presAssocID="{07ADF82A-3250-4919-B747-F750FA27EF19}" presName="spaceRect" presStyleCnt="0"/>
+      <dgm:spPr/>
+    </dgm:pt>
+    <dgm:pt modelId="{77949F9E-0D9C-4CCF-9FD7-C60A5BB6F787}" type="pres">
+      <dgm:prSet presAssocID="{07ADF82A-3250-4919-B747-F750FA27EF19}" presName="textRect" presStyleLbl="revTx" presStyleIdx="3" presStyleCnt="4">
+        <dgm:presLayoutVars>
+          <dgm:chMax val="1"/>
+          <dgm:chPref val="1"/>
+        </dgm:presLayoutVars>
+      </dgm:prSet>
+      <dgm:spPr/>
+    </dgm:pt>
+  </dgm:ptLst>
+  <dgm:cxnLst>
+    <dgm:cxn modelId="{BD76A302-FFB7-4B80-B741-A0119ED304CC}" type="presOf" srcId="{2A7E3C0A-D61B-433F-BF33-BB781EF1AA82}" destId="{826F9300-E13D-42B1-9B2F-3F24B1598902}" srcOrd="0" destOrd="0" presId="urn:microsoft.com/office/officeart/2018/5/layout/IconCircleLabelList"/>
+    <dgm:cxn modelId="{98DEB606-8F87-461E-AB9E-28C8B2CCE852}" srcId="{76711620-EBD7-470A-B364-1E2EC967F01A}" destId="{B5FD7DE2-2D42-4711-BD55-21BB56090194}" srcOrd="1" destOrd="0" parTransId="{B2EF460F-FAC8-426D-896D-7002A289BEF3}" sibTransId="{683A7181-9139-43B6-847D-1E5E111C9D91}"/>
+    <dgm:cxn modelId="{D086AC4B-5621-445C-90BD-E8F35ED4C676}" type="presOf" srcId="{07ADF82A-3250-4919-B747-F750FA27EF19}" destId="{77949F9E-0D9C-4CCF-9FD7-C60A5BB6F787}" srcOrd="0" destOrd="0" presId="urn:microsoft.com/office/officeart/2018/5/layout/IconCircleLabelList"/>
+    <dgm:cxn modelId="{57422377-6A11-494A-AC65-320040CA6034}" srcId="{76711620-EBD7-470A-B364-1E2EC967F01A}" destId="{07ADF82A-3250-4919-B747-F750FA27EF19}" srcOrd="3" destOrd="0" parTransId="{928B218B-F617-416B-8EDC-0B57228DD655}" sibTransId="{38A28A41-C689-43FF-96A2-11291EE16D50}"/>
+    <dgm:cxn modelId="{2446598B-4FCF-4EB9-BEF2-D9D19D0E68CB}" type="presOf" srcId="{D5A23640-46BF-4391-9191-ED9CF0F7B4C4}" destId="{8EEC54BC-4CA1-4145-8B81-B38B471B3BCA}" srcOrd="0" destOrd="0" presId="urn:microsoft.com/office/officeart/2018/5/layout/IconCircleLabelList"/>
+    <dgm:cxn modelId="{242B8792-8184-43C9-AFEB-80ACC4317CE6}" type="presOf" srcId="{76711620-EBD7-470A-B364-1E2EC967F01A}" destId="{9AAFE6A1-6C3B-4D37-A085-856D7FC02567}" srcOrd="0" destOrd="0" presId="urn:microsoft.com/office/officeart/2018/5/layout/IconCircleLabelList"/>
+    <dgm:cxn modelId="{3EF33094-FAE1-49A3-8661-C8241FA361A5}" srcId="{76711620-EBD7-470A-B364-1E2EC967F01A}" destId="{2A7E3C0A-D61B-433F-BF33-BB781EF1AA82}" srcOrd="2" destOrd="0" parTransId="{54B836A1-3665-48F3-95F3-673C9C5CD003}" sibTransId="{9A7EB952-33B5-4E62-837C-A592D9C94B53}"/>
+    <dgm:cxn modelId="{7AD15A9D-1859-4005-893C-6D6BF2635D29}" type="presOf" srcId="{B5FD7DE2-2D42-4711-BD55-21BB56090194}" destId="{5B4D6BF4-B0CD-4E20-90B2-3365988150D3}" srcOrd="0" destOrd="0" presId="urn:microsoft.com/office/officeart/2018/5/layout/IconCircleLabelList"/>
+    <dgm:cxn modelId="{4B9692CB-DA67-4590-9083-113D364F25B8}" srcId="{76711620-EBD7-470A-B364-1E2EC967F01A}" destId="{D5A23640-46BF-4391-9191-ED9CF0F7B4C4}" srcOrd="0" destOrd="0" parTransId="{0ECD1F44-451D-42FF-BC15-AFA9E959E8BD}" sibTransId="{3A8F3A21-2554-490E-B110-B03B4309F55C}"/>
+    <dgm:cxn modelId="{A0CC2681-098D-41FE-A0D2-F6DE9B1109CF}" type="presParOf" srcId="{9AAFE6A1-6C3B-4D37-A085-856D7FC02567}" destId="{444582B5-8A58-4DDB-A8F3-E7AEB89347E6}" srcOrd="0" destOrd="0" presId="urn:microsoft.com/office/officeart/2018/5/layout/IconCircleLabelList"/>
+    <dgm:cxn modelId="{0B143739-8290-4ABA-AA2C-1BA50530E290}" type="presParOf" srcId="{444582B5-8A58-4DDB-A8F3-E7AEB89347E6}" destId="{29F5D29F-4E5C-4A20-8FFF-135807CAF664}" srcOrd="0" destOrd="0" presId="urn:microsoft.com/office/officeart/2018/5/layout/IconCircleLabelList"/>
+    <dgm:cxn modelId="{F0A25BFA-2E4F-4D44-9336-78CC054AAF66}" type="presParOf" srcId="{444582B5-8A58-4DDB-A8F3-E7AEB89347E6}" destId="{E86BB8B3-C152-46F1-A003-90B89C2B8838}" srcOrd="1" destOrd="0" presId="urn:microsoft.com/office/officeart/2018/5/layout/IconCircleLabelList"/>
+    <dgm:cxn modelId="{9A5040DA-E39C-46C6-9CBF-569F50C6A06A}" type="presParOf" srcId="{444582B5-8A58-4DDB-A8F3-E7AEB89347E6}" destId="{A3526650-2E3F-435F-A4E9-37E6FC6768D0}" srcOrd="2" destOrd="0" presId="urn:microsoft.com/office/officeart/2018/5/layout/IconCircleLabelList"/>
+    <dgm:cxn modelId="{2C72F364-7776-48EE-B561-3EE8C608EF0E}" type="presParOf" srcId="{444582B5-8A58-4DDB-A8F3-E7AEB89347E6}" destId="{8EEC54BC-4CA1-4145-8B81-B38B471B3BCA}" srcOrd="3" destOrd="0" presId="urn:microsoft.com/office/officeart/2018/5/layout/IconCircleLabelList"/>
+    <dgm:cxn modelId="{86E627C9-21C0-487D-B846-A4B6A5CDC87E}" type="presParOf" srcId="{9AAFE6A1-6C3B-4D37-A085-856D7FC02567}" destId="{582B6D13-113F-4267-B9D3-5818E2D4EF4A}" srcOrd="1" destOrd="0" presId="urn:microsoft.com/office/officeart/2018/5/layout/IconCircleLabelList"/>
+    <dgm:cxn modelId="{72CA360A-1CF8-4C14-80F1-797B759B402F}" type="presParOf" srcId="{9AAFE6A1-6C3B-4D37-A085-856D7FC02567}" destId="{65A95556-9EC7-4928-BFAC-64D103F8E5E8}" srcOrd="2" destOrd="0" presId="urn:microsoft.com/office/officeart/2018/5/layout/IconCircleLabelList"/>
+    <dgm:cxn modelId="{A7A193E5-318E-4D9D-85B5-7FCF087B58B3}" type="presParOf" srcId="{65A95556-9EC7-4928-BFAC-64D103F8E5E8}" destId="{447B4303-A014-4513-B772-3CEBB6A55163}" srcOrd="0" destOrd="0" presId="urn:microsoft.com/office/officeart/2018/5/layout/IconCircleLabelList"/>
+    <dgm:cxn modelId="{467AF1B8-A9F5-4C8C-9FEA-51955F22A711}" type="presParOf" srcId="{65A95556-9EC7-4928-BFAC-64D103F8E5E8}" destId="{E6B372C6-9A55-4C7D-9867-C3FADAE10DEA}" srcOrd="1" destOrd="0" presId="urn:microsoft.com/office/officeart/2018/5/layout/IconCircleLabelList"/>
+    <dgm:cxn modelId="{1E12D573-912C-4E1E-8E9D-CB6079127527}" type="presParOf" srcId="{65A95556-9EC7-4928-BFAC-64D103F8E5E8}" destId="{4424B280-61AE-48ED-9674-E8DC8E29927E}" srcOrd="2" destOrd="0" presId="urn:microsoft.com/office/officeart/2018/5/layout/IconCircleLabelList"/>
+    <dgm:cxn modelId="{527BADE3-4729-45DD-9C5D-6C90BF159379}" type="presParOf" srcId="{65A95556-9EC7-4928-BFAC-64D103F8E5E8}" destId="{5B4D6BF4-B0CD-4E20-90B2-3365988150D3}" srcOrd="3" destOrd="0" presId="urn:microsoft.com/office/officeart/2018/5/layout/IconCircleLabelList"/>
+    <dgm:cxn modelId="{A4A8371C-EB75-43A9-BB2D-40FD97282F95}" type="presParOf" srcId="{9AAFE6A1-6C3B-4D37-A085-856D7FC02567}" destId="{358B4BB7-BB4C-41A6-AF63-E17094D021DC}" srcOrd="3" destOrd="0" presId="urn:microsoft.com/office/officeart/2018/5/layout/IconCircleLabelList"/>
+    <dgm:cxn modelId="{27A0F01F-08A6-41AA-80E2-23960BC034D6}" type="presParOf" srcId="{9AAFE6A1-6C3B-4D37-A085-856D7FC02567}" destId="{CD02D60E-48FE-41A9-BB99-45DD21990773}" srcOrd="4" destOrd="0" presId="urn:microsoft.com/office/officeart/2018/5/layout/IconCircleLabelList"/>
+    <dgm:cxn modelId="{ADF52797-6F1C-494C-A6E0-B4B0D3FB6DB8}" type="presParOf" srcId="{CD02D60E-48FE-41A9-BB99-45DD21990773}" destId="{D131B22B-34C5-4BC3-B666-5510AD37B97D}" srcOrd="0" destOrd="0" presId="urn:microsoft.com/office/officeart/2018/5/layout/IconCircleLabelList"/>
+    <dgm:cxn modelId="{70A4E186-4130-463A-B6C7-D8CF12680B8E}" type="presParOf" srcId="{CD02D60E-48FE-41A9-BB99-45DD21990773}" destId="{06B643F7-99F9-4D35-8154-E07D3438E4B2}" srcOrd="1" destOrd="0" presId="urn:microsoft.com/office/officeart/2018/5/layout/IconCircleLabelList"/>
+    <dgm:cxn modelId="{A50986FF-62CC-4DED-89F7-AFFD78FC68B3}" type="presParOf" srcId="{CD02D60E-48FE-41A9-BB99-45DD21990773}" destId="{7B881DB7-0053-43CD-AEFA-896B977410A7}" srcOrd="2" destOrd="0" presId="urn:microsoft.com/office/officeart/2018/5/layout/IconCircleLabelList"/>
+    <dgm:cxn modelId="{ECF22E84-364B-4AB8-ACF6-2FCA13C95CDC}" type="presParOf" srcId="{CD02D60E-48FE-41A9-BB99-45DD21990773}" destId="{826F9300-E13D-42B1-9B2F-3F24B1598902}" srcOrd="3" destOrd="0" presId="urn:microsoft.com/office/officeart/2018/5/layout/IconCircleLabelList"/>
+    <dgm:cxn modelId="{965F5885-D97E-4D70-9AD8-8CBC78437FD9}" type="presParOf" srcId="{9AAFE6A1-6C3B-4D37-A085-856D7FC02567}" destId="{F6AB281E-A6FB-4136-9023-33B1EB14D357}" srcOrd="5" destOrd="0" presId="urn:microsoft.com/office/officeart/2018/5/layout/IconCircleLabelList"/>
+    <dgm:cxn modelId="{EA29072E-EDBD-408F-B0B6-56F8CD7A3390}" type="presParOf" srcId="{9AAFE6A1-6C3B-4D37-A085-856D7FC02567}" destId="{6780E69C-0860-47DE-B396-29189CE3E0B3}" srcOrd="6" destOrd="0" presId="urn:microsoft.com/office/officeart/2018/5/layout/IconCircleLabelList"/>
+    <dgm:cxn modelId="{34DF954B-9D8B-4381-A901-027C79B074A5}" type="presParOf" srcId="{6780E69C-0860-47DE-B396-29189CE3E0B3}" destId="{4E0135BC-ED3B-422D-AC5A-A53EE6B423B1}" srcOrd="0" destOrd="0" presId="urn:microsoft.com/office/officeart/2018/5/layout/IconCircleLabelList"/>
+    <dgm:cxn modelId="{8F6927C1-A9FA-4183-8E13-53B36949D78A}" type="presParOf" srcId="{6780E69C-0860-47DE-B396-29189CE3E0B3}" destId="{6B17AD27-FB49-4550-A2D2-3951A209B89E}" srcOrd="1" destOrd="0" presId="urn:microsoft.com/office/officeart/2018/5/layout/IconCircleLabelList"/>
+    <dgm:cxn modelId="{B452C5A9-AC82-4531-9051-7F1FA39A2806}" type="presParOf" srcId="{6780E69C-0860-47DE-B396-29189CE3E0B3}" destId="{94F6A08E-F17D-4541-979F-9D6B519C17CA}" srcOrd="2" destOrd="0" presId="urn:microsoft.com/office/officeart/2018/5/layout/IconCircleLabelList"/>
+    <dgm:cxn modelId="{792E4C65-AEEE-47C5-8929-F9CA6C90C06C}" type="presParOf" srcId="{6780E69C-0860-47DE-B396-29189CE3E0B3}" destId="{77949F9E-0D9C-4CCF-9FD7-C60A5BB6F787}" srcOrd="3" destOrd="0" presId="urn:microsoft.com/office/officeart/2018/5/layout/IconCircleLabelList"/>
+  </dgm:cxnLst>
+  <dgm:bg/>
+  <dgm:whole/>
+  <dgm:extLst>
+    <a:ext uri="http://schemas.microsoft.com/office/drawing/2008/diagram">
+      <dsp:dataModelExt xmlns:dsp="http://schemas.microsoft.com/office/drawing/2008/diagram" relId="rId6" minVer="http://schemas.openxmlformats.org/drawingml/2006/diagram"/>
+    </a:ext>
+  </dgm:extLst>
+</dgm:dataModel>
+</file>
+
+<file path=ppt/diagrams/drawing1.xml><?xml version="1.0" encoding="utf-8"?>
+<dsp:drawing xmlns:dgm="http://schemas.openxmlformats.org/drawingml/2006/diagram" xmlns:dsp="http://schemas.microsoft.com/office/drawing/2008/diagram" xmlns:a="http://schemas.openxmlformats.org/drawingml/2006/main">
+  <dsp:spTree>
+    <dsp:nvGrpSpPr>
+      <dsp:cNvPr id="0" name=""/>
+      <dsp:cNvGrpSpPr/>
+    </dsp:nvGrpSpPr>
+    <dsp:grpSpPr/>
+    <dsp:sp modelId="{29F5D29F-4E5C-4A20-8FFF-135807CAF664}">
+      <dsp:nvSpPr>
+        <dsp:cNvPr id="0" name=""/>
+        <dsp:cNvSpPr/>
+      </dsp:nvSpPr>
+      <dsp:spPr>
+        <a:xfrm>
+          <a:off x="562927" y="788206"/>
+          <a:ext cx="1445998" cy="1445998"/>
+        </a:xfrm>
+        <a:prstGeom prst="ellipse">
+          <a:avLst/>
+        </a:prstGeom>
+        <a:solidFill>
+          <a:schemeClr val="dk2">
+            <a:hueOff val="0"/>
+            <a:satOff val="0"/>
+            <a:lumOff val="0"/>
+            <a:alphaOff val="0"/>
+          </a:schemeClr>
+        </a:solidFill>
+        <a:ln>
+          <a:noFill/>
+        </a:ln>
+        <a:effectLst/>
+      </dsp:spPr>
+      <dsp:style>
+        <a:lnRef idx="0">
+          <a:scrgbClr r="0" g="0" b="0"/>
+        </a:lnRef>
+        <a:fillRef idx="1">
+          <a:scrgbClr r="0" g="0" b="0"/>
+        </a:fillRef>
+        <a:effectRef idx="0">
+          <a:scrgbClr r="0" g="0" b="0"/>
+        </a:effectRef>
+        <a:fontRef idx="minor"/>
+      </dsp:style>
+    </dsp:sp>
+    <dsp:sp modelId="{E86BB8B3-C152-46F1-A003-90B89C2B8838}">
+      <dsp:nvSpPr>
+        <dsp:cNvPr id="0" name=""/>
+        <dsp:cNvSpPr/>
+      </dsp:nvSpPr>
+      <dsp:spPr>
+        <a:xfrm>
+          <a:off x="871091" y="1096370"/>
+          <a:ext cx="829671" cy="829671"/>
+        </a:xfrm>
+        <a:prstGeom prst="rect">
+          <a:avLst/>
+        </a:prstGeom>
+        <a:blipFill>
+          <a:blip xmlns:r="http://schemas.openxmlformats.org/officeDocument/2006/relationships" r:embed="rId1">
+            <a:extLst>
+              <a:ext uri="{28A0092B-C50C-407E-A947-70E740481C1C}">
+                <a14:useLocalDpi xmlns:a14="http://schemas.microsoft.com/office/drawing/2010/main" val="0"/>
+              </a:ext>
+              <a:ext uri="{96DAC541-7B7A-43D3-8B79-37D633B846F1}">
+                <asvg:svgBlip xmlns:asvg="http://schemas.microsoft.com/office/drawing/2016/SVG/main" r:embed="rId2"/>
+              </a:ext>
+            </a:extLst>
+          </a:blip>
+          <a:stretch>
+            <a:fillRect/>
+          </a:stretch>
+        </a:blipFill>
+        <a:ln w="12700" cap="flat" cmpd="sng" algn="ctr">
+          <a:noFill/>
+          <a:prstDash val="solid"/>
+          <a:miter lim="800000"/>
+        </a:ln>
+        <a:effectLst/>
+      </dsp:spPr>
+      <dsp:style>
+        <a:lnRef idx="2">
+          <a:scrgbClr r="0" g="0" b="0"/>
+        </a:lnRef>
+        <a:fillRef idx="1">
+          <a:scrgbClr r="0" g="0" b="0"/>
+        </a:fillRef>
+        <a:effectRef idx="0">
+          <a:scrgbClr r="0" g="0" b="0"/>
+        </a:effectRef>
+        <a:fontRef idx="minor">
+          <a:schemeClr val="lt1"/>
+        </a:fontRef>
+      </dsp:style>
+    </dsp:sp>
+    <dsp:sp modelId="{8EEC54BC-4CA1-4145-8B81-B38B471B3BCA}">
+      <dsp:nvSpPr>
+        <dsp:cNvPr id="0" name=""/>
+        <dsp:cNvSpPr/>
+      </dsp:nvSpPr>
+      <dsp:spPr>
+        <a:xfrm>
+          <a:off x="100682" y="2684598"/>
+          <a:ext cx="2370489" cy="720000"/>
+        </a:xfrm>
+        <a:prstGeom prst="rect">
+          <a:avLst/>
+        </a:prstGeom>
+        <a:noFill/>
+        <a:ln>
+          <a:noFill/>
+        </a:ln>
+        <a:effectLst/>
+      </dsp:spPr>
+      <dsp:style>
+        <a:lnRef idx="0">
+          <a:scrgbClr r="0" g="0" b="0"/>
+        </a:lnRef>
+        <a:fillRef idx="0">
+          <a:scrgbClr r="0" g="0" b="0"/>
+        </a:fillRef>
+        <a:effectRef idx="0">
+          <a:scrgbClr r="0" g="0" b="0"/>
+        </a:effectRef>
+        <a:fontRef idx="minor"/>
+      </dsp:style>
+      <dsp:txBody>
+        <a:bodyPr spcFirstLastPara="0" vert="horz" wrap="square" lIns="0" tIns="0" rIns="0" bIns="0" numCol="1" spcCol="1270" anchor="t" anchorCtr="0">
+          <a:noAutofit/>
+        </a:bodyPr>
+        <a:lstStyle/>
+        <a:p>
+          <a:pPr marL="0" lvl="0" indent="0" algn="ctr" defTabSz="1022350">
+            <a:lnSpc>
+              <a:spcPct val="90000"/>
+            </a:lnSpc>
+            <a:spcBef>
+              <a:spcPct val="0"/>
+            </a:spcBef>
+            <a:spcAft>
+              <a:spcPct val="35000"/>
+            </a:spcAft>
+            <a:buNone/>
+            <a:defRPr cap="all"/>
+          </a:pPr>
+          <a:r>
+            <a:rPr lang="en-US" sz="2300" kern="1200"/>
+            <a:t>Elevator Pitch</a:t>
+          </a:r>
+        </a:p>
+      </dsp:txBody>
+      <dsp:txXfrm>
+        <a:off x="100682" y="2684598"/>
+        <a:ext cx="2370489" cy="720000"/>
+      </dsp:txXfrm>
+    </dsp:sp>
+    <dsp:sp modelId="{447B4303-A014-4513-B772-3CEBB6A55163}">
+      <dsp:nvSpPr>
+        <dsp:cNvPr id="0" name=""/>
+        <dsp:cNvSpPr/>
+      </dsp:nvSpPr>
+      <dsp:spPr>
+        <a:xfrm>
+          <a:off x="3348252" y="788206"/>
+          <a:ext cx="1445998" cy="1445998"/>
+        </a:xfrm>
+        <a:prstGeom prst="ellipse">
+          <a:avLst/>
+        </a:prstGeom>
+        <a:solidFill>
+          <a:schemeClr val="dk2">
+            <a:hueOff val="0"/>
+            <a:satOff val="0"/>
+            <a:lumOff val="0"/>
+            <a:alphaOff val="0"/>
+          </a:schemeClr>
+        </a:solidFill>
+        <a:ln>
+          <a:noFill/>
+        </a:ln>
+        <a:effectLst/>
+      </dsp:spPr>
+      <dsp:style>
+        <a:lnRef idx="0">
+          <a:scrgbClr r="0" g="0" b="0"/>
+        </a:lnRef>
+        <a:fillRef idx="1">
+          <a:scrgbClr r="0" g="0" b="0"/>
+        </a:fillRef>
+        <a:effectRef idx="0">
+          <a:scrgbClr r="0" g="0" b="0"/>
+        </a:effectRef>
+        <a:fontRef idx="minor"/>
+      </dsp:style>
+    </dsp:sp>
+    <dsp:sp modelId="{E6B372C6-9A55-4C7D-9867-C3FADAE10DEA}">
+      <dsp:nvSpPr>
+        <dsp:cNvPr id="0" name=""/>
+        <dsp:cNvSpPr/>
+      </dsp:nvSpPr>
+      <dsp:spPr>
+        <a:xfrm>
+          <a:off x="3656416" y="1096370"/>
+          <a:ext cx="829671" cy="829671"/>
+        </a:xfrm>
+        <a:prstGeom prst="rect">
+          <a:avLst/>
+        </a:prstGeom>
+        <a:blipFill>
+          <a:blip xmlns:r="http://schemas.openxmlformats.org/officeDocument/2006/relationships" r:embed="rId3">
+            <a:extLst>
+              <a:ext uri="{28A0092B-C50C-407E-A947-70E740481C1C}">
+                <a14:useLocalDpi xmlns:a14="http://schemas.microsoft.com/office/drawing/2010/main" val="0"/>
+              </a:ext>
+              <a:ext uri="{96DAC541-7B7A-43D3-8B79-37D633B846F1}">
+                <asvg:svgBlip xmlns:asvg="http://schemas.microsoft.com/office/drawing/2016/SVG/main" r:embed="rId4"/>
+              </a:ext>
+            </a:extLst>
+          </a:blip>
+          <a:stretch>
+            <a:fillRect/>
+          </a:stretch>
+        </a:blipFill>
+        <a:ln w="12700" cap="flat" cmpd="sng" algn="ctr">
+          <a:noFill/>
+          <a:prstDash val="solid"/>
+          <a:miter lim="800000"/>
+        </a:ln>
+        <a:effectLst/>
+      </dsp:spPr>
+      <dsp:style>
+        <a:lnRef idx="2">
+          <a:scrgbClr r="0" g="0" b="0"/>
+        </a:lnRef>
+        <a:fillRef idx="1">
+          <a:scrgbClr r="0" g="0" b="0"/>
+        </a:fillRef>
+        <a:effectRef idx="0">
+          <a:scrgbClr r="0" g="0" b="0"/>
+        </a:effectRef>
+        <a:fontRef idx="minor">
+          <a:schemeClr val="lt1"/>
+        </a:fontRef>
+      </dsp:style>
+    </dsp:sp>
+    <dsp:sp modelId="{5B4D6BF4-B0CD-4E20-90B2-3365988150D3}">
+      <dsp:nvSpPr>
+        <dsp:cNvPr id="0" name=""/>
+        <dsp:cNvSpPr/>
+      </dsp:nvSpPr>
+      <dsp:spPr>
+        <a:xfrm>
+          <a:off x="2886007" y="2684598"/>
+          <a:ext cx="2370489" cy="720000"/>
+        </a:xfrm>
+        <a:prstGeom prst="rect">
+          <a:avLst/>
+        </a:prstGeom>
+        <a:noFill/>
+        <a:ln>
+          <a:noFill/>
+        </a:ln>
+        <a:effectLst/>
+      </dsp:spPr>
+      <dsp:style>
+        <a:lnRef idx="0">
+          <a:scrgbClr r="0" g="0" b="0"/>
+        </a:lnRef>
+        <a:fillRef idx="0">
+          <a:scrgbClr r="0" g="0" b="0"/>
+        </a:fillRef>
+        <a:effectRef idx="0">
+          <a:scrgbClr r="0" g="0" b="0"/>
+        </a:effectRef>
+        <a:fontRef idx="minor"/>
+      </dsp:style>
+      <dsp:txBody>
+        <a:bodyPr spcFirstLastPara="0" vert="horz" wrap="square" lIns="0" tIns="0" rIns="0" bIns="0" numCol="1" spcCol="1270" anchor="t" anchorCtr="0">
+          <a:noAutofit/>
+        </a:bodyPr>
+        <a:lstStyle/>
+        <a:p>
+          <a:pPr marL="0" lvl="0" indent="0" algn="ctr" defTabSz="1022350">
+            <a:lnSpc>
+              <a:spcPct val="90000"/>
+            </a:lnSpc>
+            <a:spcBef>
+              <a:spcPct val="0"/>
+            </a:spcBef>
+            <a:spcAft>
+              <a:spcPct val="35000"/>
+            </a:spcAft>
+            <a:buNone/>
+            <a:defRPr cap="all"/>
+          </a:pPr>
+          <a:r>
+            <a:rPr lang="en-US" sz="2300" kern="1200"/>
+            <a:t>Research Proposal Review</a:t>
+          </a:r>
+        </a:p>
+      </dsp:txBody>
+      <dsp:txXfrm>
+        <a:off x="2886007" y="2684598"/>
+        <a:ext cx="2370489" cy="720000"/>
+      </dsp:txXfrm>
+    </dsp:sp>
+    <dsp:sp modelId="{D131B22B-34C5-4BC3-B666-5510AD37B97D}">
+      <dsp:nvSpPr>
+        <dsp:cNvPr id="0" name=""/>
+        <dsp:cNvSpPr/>
+      </dsp:nvSpPr>
+      <dsp:spPr>
+        <a:xfrm>
+          <a:off x="6133577" y="788206"/>
+          <a:ext cx="1445998" cy="1445998"/>
+        </a:xfrm>
+        <a:prstGeom prst="ellipse">
+          <a:avLst/>
+        </a:prstGeom>
+        <a:solidFill>
+          <a:schemeClr val="dk2">
+            <a:hueOff val="0"/>
+            <a:satOff val="0"/>
+            <a:lumOff val="0"/>
+            <a:alphaOff val="0"/>
+          </a:schemeClr>
+        </a:solidFill>
+        <a:ln>
+          <a:noFill/>
+        </a:ln>
+        <a:effectLst/>
+      </dsp:spPr>
+      <dsp:style>
+        <a:lnRef idx="0">
+          <a:scrgbClr r="0" g="0" b="0"/>
+        </a:lnRef>
+        <a:fillRef idx="1">
+          <a:scrgbClr r="0" g="0" b="0"/>
+        </a:fillRef>
+        <a:effectRef idx="0">
+          <a:scrgbClr r="0" g="0" b="0"/>
+        </a:effectRef>
+        <a:fontRef idx="minor"/>
+      </dsp:style>
+    </dsp:sp>
+    <dsp:sp modelId="{06B643F7-99F9-4D35-8154-E07D3438E4B2}">
+      <dsp:nvSpPr>
+        <dsp:cNvPr id="0" name=""/>
+        <dsp:cNvSpPr/>
+      </dsp:nvSpPr>
+      <dsp:spPr>
+        <a:xfrm>
+          <a:off x="6441741" y="1096370"/>
+          <a:ext cx="829671" cy="829671"/>
+        </a:xfrm>
+        <a:prstGeom prst="rect">
+          <a:avLst/>
+        </a:prstGeom>
+        <a:blipFill>
+          <a:blip xmlns:r="http://schemas.openxmlformats.org/officeDocument/2006/relationships" r:embed="rId5">
+            <a:extLst>
+              <a:ext uri="{28A0092B-C50C-407E-A947-70E740481C1C}">
+                <a14:useLocalDpi xmlns:a14="http://schemas.microsoft.com/office/drawing/2010/main" val="0"/>
+              </a:ext>
+              <a:ext uri="{96DAC541-7B7A-43D3-8B79-37D633B846F1}">
+                <asvg:svgBlip xmlns:asvg="http://schemas.microsoft.com/office/drawing/2016/SVG/main" r:embed="rId6"/>
+              </a:ext>
+            </a:extLst>
+          </a:blip>
+          <a:stretch>
+            <a:fillRect/>
+          </a:stretch>
+        </a:blipFill>
+        <a:ln w="12700" cap="flat" cmpd="sng" algn="ctr">
+          <a:noFill/>
+          <a:prstDash val="solid"/>
+          <a:miter lim="800000"/>
+        </a:ln>
+        <a:effectLst/>
+      </dsp:spPr>
+      <dsp:style>
+        <a:lnRef idx="2">
+          <a:scrgbClr r="0" g="0" b="0"/>
+        </a:lnRef>
+        <a:fillRef idx="1">
+          <a:scrgbClr r="0" g="0" b="0"/>
+        </a:fillRef>
+        <a:effectRef idx="0">
+          <a:scrgbClr r="0" g="0" b="0"/>
+        </a:effectRef>
+        <a:fontRef idx="minor">
+          <a:schemeClr val="lt1"/>
+        </a:fontRef>
+      </dsp:style>
+    </dsp:sp>
+    <dsp:sp modelId="{826F9300-E13D-42B1-9B2F-3F24B1598902}">
+      <dsp:nvSpPr>
+        <dsp:cNvPr id="0" name=""/>
+        <dsp:cNvSpPr/>
+      </dsp:nvSpPr>
+      <dsp:spPr>
+        <a:xfrm>
+          <a:off x="5671332" y="2684598"/>
+          <a:ext cx="2370489" cy="720000"/>
+        </a:xfrm>
+        <a:prstGeom prst="rect">
+          <a:avLst/>
+        </a:prstGeom>
+        <a:noFill/>
+        <a:ln>
+          <a:noFill/>
+        </a:ln>
+        <a:effectLst/>
+      </dsp:spPr>
+      <dsp:style>
+        <a:lnRef idx="0">
+          <a:scrgbClr r="0" g="0" b="0"/>
+        </a:lnRef>
+        <a:fillRef idx="0">
+          <a:scrgbClr r="0" g="0" b="0"/>
+        </a:fillRef>
+        <a:effectRef idx="0">
+          <a:scrgbClr r="0" g="0" b="0"/>
+        </a:effectRef>
+        <a:fontRef idx="minor"/>
+      </dsp:style>
+      <dsp:txBody>
+        <a:bodyPr spcFirstLastPara="0" vert="horz" wrap="square" lIns="0" tIns="0" rIns="0" bIns="0" numCol="1" spcCol="1270" anchor="t" anchorCtr="0">
+          <a:noAutofit/>
+        </a:bodyPr>
+        <a:lstStyle/>
+        <a:p>
+          <a:pPr marL="0" lvl="0" indent="0" algn="ctr" defTabSz="1022350">
+            <a:lnSpc>
+              <a:spcPct val="90000"/>
+            </a:lnSpc>
+            <a:spcBef>
+              <a:spcPct val="0"/>
+            </a:spcBef>
+            <a:spcAft>
+              <a:spcPct val="35000"/>
+            </a:spcAft>
+            <a:buNone/>
+            <a:defRPr cap="all"/>
+          </a:pPr>
+          <a:r>
+            <a:rPr lang="en-GB" sz="2300" kern="1200"/>
+            <a:t>Keywords Search</a:t>
+          </a:r>
+          <a:endParaRPr lang="en-US" sz="2300" kern="1200"/>
+        </a:p>
+      </dsp:txBody>
+      <dsp:txXfrm>
+        <a:off x="5671332" y="2684598"/>
+        <a:ext cx="2370489" cy="720000"/>
+      </dsp:txXfrm>
+    </dsp:sp>
+    <dsp:sp modelId="{4E0135BC-ED3B-422D-AC5A-A53EE6B423B1}">
+      <dsp:nvSpPr>
+        <dsp:cNvPr id="0" name=""/>
+        <dsp:cNvSpPr/>
+      </dsp:nvSpPr>
+      <dsp:spPr>
+        <a:xfrm>
+          <a:off x="8918902" y="788206"/>
+          <a:ext cx="1445998" cy="1445998"/>
+        </a:xfrm>
+        <a:prstGeom prst="ellipse">
+          <a:avLst/>
+        </a:prstGeom>
+        <a:solidFill>
+          <a:schemeClr val="dk2">
+            <a:hueOff val="0"/>
+            <a:satOff val="0"/>
+            <a:lumOff val="0"/>
+            <a:alphaOff val="0"/>
+          </a:schemeClr>
+        </a:solidFill>
+        <a:ln>
+          <a:noFill/>
+        </a:ln>
+        <a:effectLst/>
+      </dsp:spPr>
+      <dsp:style>
+        <a:lnRef idx="0">
+          <a:scrgbClr r="0" g="0" b="0"/>
+        </a:lnRef>
+        <a:fillRef idx="1">
+          <a:scrgbClr r="0" g="0" b="0"/>
+        </a:fillRef>
+        <a:effectRef idx="0">
+          <a:scrgbClr r="0" g="0" b="0"/>
+        </a:effectRef>
+        <a:fontRef idx="minor"/>
+      </dsp:style>
+    </dsp:sp>
+    <dsp:sp modelId="{6B17AD27-FB49-4550-A2D2-3951A209B89E}">
+      <dsp:nvSpPr>
+        <dsp:cNvPr id="0" name=""/>
+        <dsp:cNvSpPr/>
+      </dsp:nvSpPr>
+      <dsp:spPr>
+        <a:xfrm>
+          <a:off x="9227066" y="1096370"/>
+          <a:ext cx="829671" cy="829671"/>
+        </a:xfrm>
+        <a:prstGeom prst="rect">
+          <a:avLst/>
+        </a:prstGeom>
+        <a:blipFill>
+          <a:blip xmlns:r="http://schemas.openxmlformats.org/officeDocument/2006/relationships" r:embed="rId7">
+            <a:extLst>
+              <a:ext uri="{28A0092B-C50C-407E-A947-70E740481C1C}">
+                <a14:useLocalDpi xmlns:a14="http://schemas.microsoft.com/office/drawing/2010/main" val="0"/>
+              </a:ext>
+              <a:ext uri="{96DAC541-7B7A-43D3-8B79-37D633B846F1}">
+                <asvg:svgBlip xmlns:asvg="http://schemas.microsoft.com/office/drawing/2016/SVG/main" r:embed="rId8"/>
+              </a:ext>
+            </a:extLst>
+          </a:blip>
+          <a:stretch>
+            <a:fillRect/>
+          </a:stretch>
+        </a:blipFill>
+        <a:ln w="12700" cap="flat" cmpd="sng" algn="ctr">
+          <a:noFill/>
+          <a:prstDash val="solid"/>
+          <a:miter lim="800000"/>
+        </a:ln>
+        <a:effectLst/>
+      </dsp:spPr>
+      <dsp:style>
+        <a:lnRef idx="2">
+          <a:scrgbClr r="0" g="0" b="0"/>
+        </a:lnRef>
+        <a:fillRef idx="1">
+          <a:scrgbClr r="0" g="0" b="0"/>
+        </a:fillRef>
+        <a:effectRef idx="0">
+          <a:scrgbClr r="0" g="0" b="0"/>
+        </a:effectRef>
+        <a:fontRef idx="minor">
+          <a:schemeClr val="lt1"/>
+        </a:fontRef>
+      </dsp:style>
+    </dsp:sp>
+    <dsp:sp modelId="{77949F9E-0D9C-4CCF-9FD7-C60A5BB6F787}">
+      <dsp:nvSpPr>
+        <dsp:cNvPr id="0" name=""/>
+        <dsp:cNvSpPr/>
+      </dsp:nvSpPr>
+      <dsp:spPr>
+        <a:xfrm>
+          <a:off x="8456657" y="2684598"/>
+          <a:ext cx="2370489" cy="720000"/>
+        </a:xfrm>
+        <a:prstGeom prst="rect">
+          <a:avLst/>
+        </a:prstGeom>
+        <a:noFill/>
+        <a:ln>
+          <a:noFill/>
+        </a:ln>
+        <a:effectLst/>
+      </dsp:spPr>
+      <dsp:style>
+        <a:lnRef idx="0">
+          <a:scrgbClr r="0" g="0" b="0"/>
+        </a:lnRef>
+        <a:fillRef idx="0">
+          <a:scrgbClr r="0" g="0" b="0"/>
+        </a:fillRef>
+        <a:effectRef idx="0">
+          <a:scrgbClr r="0" g="0" b="0"/>
+        </a:effectRef>
+        <a:fontRef idx="minor"/>
+      </dsp:style>
+      <dsp:txBody>
+        <a:bodyPr spcFirstLastPara="0" vert="horz" wrap="square" lIns="0" tIns="0" rIns="0" bIns="0" numCol="1" spcCol="1270" anchor="t" anchorCtr="0">
+          <a:noAutofit/>
+        </a:bodyPr>
+        <a:lstStyle/>
+        <a:p>
+          <a:pPr marL="0" lvl="0" indent="0" algn="ctr" defTabSz="1022350">
+            <a:lnSpc>
+              <a:spcPct val="90000"/>
+            </a:lnSpc>
+            <a:spcBef>
+              <a:spcPct val="0"/>
+            </a:spcBef>
+            <a:spcAft>
+              <a:spcPct val="35000"/>
+            </a:spcAft>
+            <a:buNone/>
+            <a:defRPr cap="all"/>
+          </a:pPr>
+          <a:r>
+            <a:rPr lang="en-GB" sz="2300" kern="1200"/>
+            <a:t>Search Results	</a:t>
+          </a:r>
+          <a:endParaRPr lang="en-US" sz="2300" kern="1200"/>
+        </a:p>
+      </dsp:txBody>
+      <dsp:txXfrm>
+        <a:off x="8456657" y="2684598"/>
+        <a:ext cx="2370489" cy="720000"/>
+      </dsp:txXfrm>
+    </dsp:sp>
+  </dsp:spTree>
+</dsp:drawing>
+</file>
+
+<file path=ppt/diagrams/layout1.xml><?xml version="1.0" encoding="utf-8"?>
+<dgm:layoutDef xmlns:dgm="http://schemas.openxmlformats.org/drawingml/2006/diagram" xmlns:a="http://schemas.openxmlformats.org/drawingml/2006/main" uniqueId="urn:microsoft.com/office/officeart/2018/5/layout/IconCircleLabelList">
+  <dgm:title val="Icon Circle Label List"/>
+  <dgm:desc val="Use to show non-sequential or grouped chunks of information accompanied by a related visuals. Works best with icons or small pictures with short text captions."/>
+  <dgm:catLst>
+    <dgm:cat type="icon" pri="500"/>
+  </dgm:catLst>
+  <dgm:sampData useDef="1">
+    <dgm:dataModel>
+      <dgm:ptLst/>
+      <dgm:bg/>
+      <dgm:whole/>
+    </dgm:dataModel>
+  </dgm:sampData>
+  <dgm:styleData useDef="1">
+    <dgm:dataModel>
+      <dgm:ptLst/>
+      <dgm:bg/>
+      <dgm:whole/>
+    </dgm:dataModel>
+  </dgm:styleData>
+  <dgm:clrData useDef="1">
+    <dgm:dataModel>
+      <dgm:ptLst/>
+      <dgm:bg/>
+      <dgm:whole/>
+    </dgm:dataModel>
+  </dgm:clrData>
+  <dgm:layoutNode name="root">
+    <dgm:varLst>
+      <dgm:dir/>
+      <dgm:resizeHandles val="exact"/>
+    </dgm:varLst>
+    <dgm:choose name="Name0">
+      <dgm:if name="Name1" axis="self" func="var" arg="dir" op="equ" val="norm">
+        <dgm:alg type="snake">
+          <dgm:param type="grDir" val="tL"/>
+          <dgm:param type="flowDir" val="row"/>
+          <dgm:param type="contDir" val="sameDir"/>
+          <dgm:param type="off" val="ctr"/>
+          <dgm:param type="vertAlign" val="mid"/>
+          <dgm:param type="horzAlign" val="ctr"/>
+        </dgm:alg>
+      </dgm:if>
+      <dgm:else name="Name2">
+        <dgm:alg type="snake">
+          <dgm:param type="grDir" val="tR"/>
+          <dgm:param type="flowDir" val="row"/>
+          <dgm:param type="contDir" val="sameDir"/>
+          <dgm:param type="off" val="ctr"/>
+          <dgm:param type="vertAlign" val="mid"/>
+          <dgm:param type="horzAlign" val="ctr"/>
+        </dgm:alg>
+      </dgm:else>
+    </dgm:choose>
+    <dgm:shape xmlns:r="http://schemas.openxmlformats.org/officeDocument/2006/relationships" r:blip="">
+      <dgm:adjLst/>
+    </dgm:shape>
+    <dgm:presOf/>
+    <dgm:choose name="Name3">
+      <dgm:if name="Name4" axis="ch" ptType="node" func="cnt" op="lte" val="2">
+        <dgm:constrLst>
+          <dgm:constr type="h" for="ch" forName="compNode" refType="h" fact="0.4"/>
+          <dgm:constr type="w" for="ch" forName="compNode" val="100"/>
+          <dgm:constr type="w" for="ch" forName="sibTrans" refType="w" refFor="ch" refForName="compNode" fact="0.175"/>
+          <dgm:constr type="sp" refType="w" refFor="ch" refForName="compNode" op="equ" fact="0.25"/>
+          <dgm:constr type="primFontSz" for="des" ptType="node" op="equ" val="44"/>
+          <dgm:constr type="h" for="des" forName="compNode" op="equ"/>
+          <dgm:constr type="h" for="des" forName="textRect" op="equ"/>
+        </dgm:constrLst>
+      </dgm:if>
+      <dgm:if name="Name5" axis="ch" ptType="node" func="cnt" op="lte" val="3">
+        <dgm:constrLst>
+          <dgm:constr type="h" for="ch" forName="compNode" refType="h" fact="0.4"/>
+          <dgm:constr type="w" for="ch" forName="compNode" val="100"/>
+          <dgm:constr type="w" for="ch" forName="sibTrans" refType="w" refFor="ch" refForName="compNode" fact="0.175"/>
+          <dgm:constr type="sp" refType="w" refFor="ch" refForName="compNode" op="equ" fact="0.25"/>
+          <dgm:constr type="primFontSz" for="des" ptType="node" op="equ" val="40"/>
+          <dgm:constr type="h" for="des" forName="compNode" op="equ"/>
+          <dgm:constr type="h" for="des" forName="textRect" op="equ"/>
+        </dgm:constrLst>
+      </dgm:if>
+      <dgm:if name="Name6" axis="ch" ptType="node" func="cnt" op="lte" val="4">
+        <dgm:constrLst>
+          <dgm:constr type="h" for="ch" forName="compNode" refType="h" fact="0.4"/>
+          <dgm:constr type="w" for="ch" forName="compNode" refType="w"/>
+          <dgm:constr type="w" for="ch" forName="sibTrans" refType="w" refFor="ch" refForName="compNode" fact="0.175"/>
+          <dgm:constr type="sp" refType="w" refFor="ch" refForName="compNode" op="equ" fact="0.25"/>
+          <dgm:constr type="primFontSz" for="des" ptType="node" op="equ" val="32"/>
+          <dgm:constr type="h" for="des" forName="compNode" op="equ"/>
+          <dgm:constr type="h" for="des" forName="textRect" op="equ"/>
+        </dgm:constrLst>
+      </dgm:if>
+      <dgm:else name="Name7">
+        <dgm:constrLst>
+          <dgm:constr type="h" for="ch" forName="compNode" refType="h" fact="0.4"/>
+          <dgm:constr type="w" for="ch" forName="compNode" refType="w"/>
+          <dgm:constr type="w" for="ch" forName="sibTrans" refType="w" refFor="ch" refForName="compNode" fact="0.175"/>
+          <dgm:constr type="sp" refType="w" refFor="ch" refForName="compNode" op="equ" fact="0.25"/>
+          <dgm:constr type="primFontSz" for="des" ptType="node" op="equ" val="24"/>
+          <dgm:constr type="h" for="des" forName="compNode" op="equ"/>
+          <dgm:constr type="h" for="des" forName="textRect" op="equ"/>
+        </dgm:constrLst>
+      </dgm:else>
+    </dgm:choose>
+    <dgm:ruleLst>
+      <dgm:rule type="w" for="ch" forName="compNode" val="50" fact="NaN" max="NaN"/>
+    </dgm:ruleLst>
+    <dgm:forEach name="Name8" axis="ch" ptType="node">
+      <dgm:layoutNode name="compNode">
+        <dgm:alg type="composite"/>
+        <dgm:shape xmlns:r="http://schemas.openxmlformats.org/officeDocument/2006/relationships" r:blip="">
+          <dgm:adjLst/>
+        </dgm:shape>
+        <dgm:presOf axis="self"/>
+        <dgm:constrLst>
+          <dgm:constr type="w" for="ch" forName="iconBgRect" refType="w" fact="0.61"/>
+          <dgm:constr type="h" for="ch" forName="iconBgRect" refType="w" refFor="ch" refForName="iconBgRect"/>
+          <dgm:constr type="t" for="ch" forName="iconBgRect"/>
+          <dgm:constr type="ctrX" for="ch" forName="iconBgRect" refType="w" fact="0.5"/>
+          <dgm:constr type="w" for="ch" forName="iconRect" refType="w" fact="0.35"/>
+          <dgm:constr type="h" for="ch" forName="iconRect" refType="w" refFor="ch" refForName="iconRect"/>
+          <dgm:constr type="ctrX" for="ch" forName="iconRect" refType="ctrX" refFor="ch" refForName="iconBgRect"/>
+          <dgm:constr type="ctrY" for="ch" forName="iconRect" refType="ctrY" refFor="ch" refForName="iconBgRect"/>
+          <dgm:constr type="h" for="ch" forName="spaceRect" refType="w" fact="0.19"/>
+          <dgm:constr type="w" for="ch" forName="spaceRect" refType="w"/>
+          <dgm:constr type="l" for="ch" forName="spaceRect"/>
+          <dgm:constr type="t" for="ch" forName="spaceRect" refType="b" refFor="ch" refForName="iconBgRect"/>
+          <dgm:constr type="h" for="ch" forName="textRect" val="20"/>
+          <dgm:constr type="w" for="ch" forName="textRect" refType="w"/>
+          <dgm:constr type="l" for="ch" forName="textRect"/>
+          <dgm:constr type="t" for="ch" forName="textRect" refType="b" refFor="ch" refForName="spaceRect"/>
+        </dgm:constrLst>
+        <dgm:ruleLst>
+          <dgm:rule type="h" val="INF" fact="NaN" max="NaN"/>
+        </dgm:ruleLst>
+        <dgm:layoutNode name="iconBgRect" styleLbl="bgShp">
+          <dgm:alg type="sp"/>
+          <dgm:shape xmlns:r="http://schemas.openxmlformats.org/officeDocument/2006/relationships" type="ellipse" r:blip="">
+            <dgm:adjLst/>
+          </dgm:shape>
+          <dgm:presOf/>
+          <dgm:constrLst/>
+          <dgm:ruleLst/>
+        </dgm:layoutNode>
+        <dgm:layoutNode name="iconRect" styleLbl="node1">
+          <dgm:alg type="sp"/>
+          <dgm:shape xmlns:r="http://schemas.openxmlformats.org/officeDocument/2006/relationships" type="rect" r:blip="" blipPhldr="1">
+            <dgm:adjLst/>
+          </dgm:shape>
+          <dgm:presOf/>
+          <dgm:constrLst/>
+          <dgm:ruleLst/>
+        </dgm:layoutNode>
+        <dgm:layoutNode name="spaceRect">
+          <dgm:alg type="sp"/>
+          <dgm:shape xmlns:r="http://schemas.openxmlformats.org/officeDocument/2006/relationships" r:blip="">
+            <dgm:adjLst/>
+          </dgm:shape>
+          <dgm:presOf/>
+          <dgm:constrLst/>
+          <dgm:ruleLst/>
+        </dgm:layoutNode>
+        <dgm:layoutNode name="textRect" styleLbl="revTx">
+          <dgm:varLst>
+            <dgm:chMax val="1"/>
+            <dgm:chPref val="1"/>
+          </dgm:varLst>
+          <dgm:alg type="tx">
+            <dgm:param type="txAnchorVert" val="t"/>
+          </dgm:alg>
+          <dgm:shape xmlns:r="http://schemas.openxmlformats.org/officeDocument/2006/relationships" type="rect" r:blip="">
+            <dgm:adjLst/>
+          </dgm:shape>
+          <dgm:presOf axis="self" ptType="node"/>
+          <dgm:constrLst>
+            <dgm:constr type="lMarg"/>
+            <dgm:constr type="rMarg"/>
+            <dgm:constr type="tMarg"/>
+            <dgm:constr type="bMarg"/>
+          </dgm:constrLst>
+          <dgm:ruleLst>
+            <dgm:rule type="primFontSz" val="11" fact="NaN" max="NaN"/>
+            <dgm:rule type="h" val="INF" fact="NaN" max="NaN"/>
+          </dgm:ruleLst>
+        </dgm:layoutNode>
+      </dgm:layoutNode>
+      <dgm:forEach name="Name9" axis="followSib" ptType="sibTrans" cnt="1">
+        <dgm:layoutNode name="sibTrans">
+          <dgm:alg type="sp"/>
+          <dgm:shape xmlns:r="http://schemas.openxmlformats.org/officeDocument/2006/relationships" r:blip="">
+            <dgm:adjLst/>
+          </dgm:shape>
+          <dgm:presOf axis="self"/>
+          <dgm:constrLst/>
+          <dgm:ruleLst/>
+        </dgm:layoutNode>
+      </dgm:forEach>
+    </dgm:forEach>
+  </dgm:layoutNode>
+  <dgm:extLst>
+    <a:ext uri="{68A01E43-0DF5-4B5B-8FA6-DAF915123BFB}">
+      <dgm1612:lstStyle xmlns:dgm1612="http://schemas.microsoft.com/office/drawing/2016/12/diagram">
+        <a:lvl1pPr>
+          <a:lnSpc>
+            <a:spcPct val="100000"/>
+          </a:lnSpc>
+          <a:defRPr cap="all"/>
+        </a:lvl1pPr>
+      </dgm1612:lstStyle>
+    </a:ext>
+  </dgm:extLst>
+</dgm:layoutDef>
+</file>
+
+<file path=ppt/diagrams/quickStyle1.xml><?xml version="1.0" encoding="utf-8"?>
+<dgm:styleDef xmlns:dgm="http://schemas.openxmlformats.org/drawingml/2006/diagram" xmlns:a="http://schemas.openxmlformats.org/drawingml/2006/main" uniqueId="urn:microsoft.com/office/officeart/2005/8/quickstyle/simple1">
+  <dgm:title val=""/>
+  <dgm:desc val=""/>
+  <dgm:catLst>
+    <dgm:cat type="simple" pri="10100"/>
+  </dgm:catLst>
+  <dgm:scene3d>
+    <a:camera prst="orthographicFront"/>
+    <a:lightRig rig="threePt" dir="t"/>
+  </dgm:scene3d>
+  <dgm:styleLbl name="node0">
+    <dgm:scene3d>
+      <a:camera prst="orthographicFront"/>
+      <a:lightRig rig="threePt" dir="t"/>
+    </dgm:scene3d>
+    <dgm:sp3d/>
+    <dgm:txPr/>
+    <dgm:style>
+      <a:lnRef idx="2">
+        <a:scrgbClr r="0" g="0" b="0"/>
+      </a:lnRef>
+      <a:fillRef idx="1">
+        <a:scrgbClr r="0" g="0" b="0"/>
+      </a:fillRef>
+      <a:effectRef idx="0">
+        <a:scrgbClr r="0" g="0" b="0"/>
+      </a:effectRef>
+      <a:fontRef idx="minor">
+        <a:schemeClr val="lt1"/>
+      </a:fontRef>
+    </dgm:style>
+  </dgm:styleLbl>
+  <dgm:styleLbl name="lnNode1">
+    <dgm:scene3d>
+      <a:camera prst="orthographicFront"/>
+      <a:lightRig rig="threePt" dir="t"/>
+    </dgm:scene3d>
+    <dgm:sp3d/>
+    <dgm:txPr/>
+    <dgm:style>
+      <a:lnRef idx="2">
+        <a:scrgbClr r="0" g="0" b="0"/>
+      </a:lnRef>
+      <a:fillRef idx="1">
+        <a:scrgbClr r="0" g="0" b="0"/>
+      </a:fillRef>
+      <a:effectRef idx="0">
+        <a:scrgbClr r="0" g="0" b="0"/>
+      </a:effectRef>
+      <a:fontRef idx="minor">
+        <a:schemeClr val="lt1"/>
+      </a:fontRef>
+    </dgm:style>
+  </dgm:styleLbl>
+  <dgm:styleLbl name="vennNode1">
+    <dgm:scene3d>
+      <a:camera prst="orthographicFront"/>
+      <a:lightRig rig="threePt" dir="t"/>
+    </dgm:scene3d>
+    <dgm:sp3d/>
+    <dgm:txPr/>
+    <dgm:style>
+      <a:lnRef idx="2">
+        <a:scrgbClr r="0" g="0" b="0"/>
+      </a:lnRef>
+      <a:fillRef idx="1">
+        <a:scrgbClr r="0" g="0" b="0"/>
+      </a:fillRef>
+      <a:effectRef idx="0">
+        <a:scrgbClr r="0" g="0" b="0"/>
+      </a:effectRef>
+      <a:fontRef idx="minor">
+        <a:schemeClr val="tx1"/>
+      </a:fontRef>
+    </dgm:style>
+  </dgm:styleLbl>
+  <dgm:styleLbl name="alignNode1">
+    <dgm:scene3d>
+      <a:camera prst="orthographicFront"/>
+      <a:lightRig rig="threePt" dir="t"/>
+    </dgm:scene3d>
+    <dgm:sp3d/>
+    <dgm:txPr/>
+    <dgm:style>
+      <a:lnRef idx="2">
+        <a:scrgbClr r="0" g="0" b="0"/>
+      </a:lnRef>
+      <a:fillRef idx="1">
+        <a:scrgbClr r="0" g="0" b="0"/>
+      </a:fillRef>
+      <a:effectRef idx="0">
+        <a:scrgbClr r="0" g="0" b="0"/>
+      </a:effectRef>
+      <a:fontRef idx="minor">
+        <a:schemeClr val="lt1"/>
+      </a:fontRef>
+    </dgm:style>
+  </dgm:styleLbl>
+  <dgm:styleLbl name="node1">
+    <dgm:scene3d>
+      <a:camera prst="orthographicFront"/>
+      <a:lightRig rig="threePt" dir="t"/>
+    </dgm:scene3d>
+    <dgm:sp3d/>
+    <dgm:txPr/>
+    <dgm:style>
+      <a:lnRef idx="2">
+        <a:scrgbClr r="0" g="0" b="0"/>
+      </a:lnRef>
+      <a:fillRef idx="1">
+        <a:scrgbClr r="0" g="0" b="0"/>
+      </a:fillRef>
+      <a:effectRef idx="0">
+        <a:scrgbClr r="0" g="0" b="0"/>
+      </a:effectRef>
+      <a:fontRef idx="minor">
+        <a:schemeClr val="lt1"/>
+      </a:fontRef>
+    </dgm:style>
+  </dgm:styleLbl>
+  <dgm:styleLbl name="node2">
+    <dgm:scene3d>
+      <a:camera prst="orthographicFront"/>
+      <a:lightRig rig="threePt" dir="t"/>
+    </dgm:scene3d>
+    <dgm:sp3d/>
+    <dgm:txPr/>
+    <dgm:style>
+      <a:lnRef idx="2">
+        <a:scrgbClr r="0" g="0" b="0"/>
+      </a:lnRef>
+      <a:fillRef idx="1">
+        <a:scrgbClr r="0" g="0" b="0"/>
+      </a:fillRef>
+      <a:effectRef idx="0">
+        <a:scrgbClr r="0" g="0" b="0"/>
+      </a:effectRef>
+      <a:fontRef idx="minor">
+        <a:schemeClr val="lt1"/>
+      </a:fontRef>
+    </dgm:style>
+  </dgm:styleLbl>
+  <dgm:styleLbl name="node3">
+    <dgm:scene3d>
+      <a:camera prst="orthographicFront"/>
+      <a:lightRig rig="threePt" dir="t"/>
+    </dgm:scene3d>
+    <dgm:sp3d/>
+    <dgm:txPr/>
+    <dgm:style>
+      <a:lnRef idx="2">
+        <a:scrgbClr r="0" g="0" b="0"/>
+      </a:lnRef>
+      <a:fillRef idx="1">
+        <a:scrgbClr r="0" g="0" b="0"/>
+      </a:fillRef>
+      <a:effectRef idx="0">
+        <a:scrgbClr r="0" g="0" b="0"/>
+      </a:effectRef>
+      <a:fontRef idx="minor">
+        <a:schemeClr val="lt1"/>
+      </a:fontRef>
+    </dgm:style>
+  </dgm:styleLbl>
+  <dgm:styleLbl name="node4">
+    <dgm:scene3d>
+      <a:camera prst="orthographicFront"/>
+      <a:lightRig rig="threePt" dir="t"/>
+    </dgm:scene3d>
+    <dgm:sp3d/>
+    <dgm:txPr/>
+    <dgm:style>
+      <a:lnRef idx="2">
+        <a:scrgbClr r="0" g="0" b="0"/>
+      </a:lnRef>
+      <a:fillRef idx="1">
+        <a:scrgbClr r="0" g="0" b="0"/>
+      </a:fillRef>
+      <a:effectRef idx="0">
+        <a:scrgbClr r="0" g="0" b="0"/>
+      </a:effectRef>
+      <a:fontRef idx="minor">
+        <a:schemeClr val="lt1"/>
+      </a:fontRef>
+    </dgm:style>
+  </dgm:styleLbl>
+  <dgm:styleLbl name="fgImgPlace1">
+    <dgm:scene3d>
+      <a:camera prst="orthographicFront"/>
+      <a:lightRig rig="threePt" dir="t"/>
+    </dgm:scene3d>
+    <dgm:sp3d/>
+    <dgm:txPr/>
+    <dgm:style>
+      <a:lnRef idx="2">
+        <a:scrgbClr r="0" g="0" b="0"/>
+      </a:lnRef>
+      <a:fillRef idx="1">
+        <a:scrgbClr r="0" g="0" b="0"/>
+      </a:fillRef>
+      <a:effectRef idx="0">
+        <a:scrgbClr r="0" g="0" b="0"/>
+      </a:effectRef>
+      <a:fontRef idx="minor"/>
+    </dgm:style>
+  </dgm:styleLbl>
+  <dgm:styleLbl name="alignImgPlace1">
+    <dgm:scene3d>
+      <a:camera prst="orthographicFront"/>
+      <a:lightRig rig="threePt" dir="t"/>
+    </dgm:scene3d>
+    <dgm:sp3d/>
+    <dgm:txPr/>
+    <dgm:style>
+      <a:lnRef idx="2">
+        <a:scrgbClr r="0" g="0" b="0"/>
+      </a:lnRef>
+      <a:fillRef idx="1">
+        <a:scrgbClr r="0" g="0" b="0"/>
+      </a:fillRef>
+      <a:effectRef idx="0">
+        <a:scrgbClr r="0" g="0" b="0"/>
+      </a:effectRef>
+      <a:fontRef idx="minor"/>
+    </dgm:style>
+  </dgm:styleLbl>
+  <dgm:styleLbl name="bgImgPlace1">
+    <dgm:scene3d>
+      <a:camera prst="orthographicFront"/>
+      <a:lightRig rig="threePt" dir="t"/>
+    </dgm:scene3d>
+    <dgm:sp3d/>
+    <dgm:txPr/>
+    <dgm:style>
+      <a:lnRef idx="2">
+        <a:scrgbClr r="0" g="0" b="0"/>
+      </a:lnRef>
+      <a:fillRef idx="1">
+        <a:scrgbClr r="0" g="0" b="0"/>
+      </a:fillRef>
+      <a:effectRef idx="0">
+        <a:scrgbClr r="0" g="0" b="0"/>
+      </a:effectRef>
+      <a:fontRef idx="minor"/>
+    </dgm:style>
+  </dgm:styleLbl>
+  <dgm:styleLbl name="sibTrans2D1">
+    <dgm:scene3d>
+      <a:camera prst="orthographicFront"/>
+      <a:lightRig rig="threePt" dir="t"/>
+    </dgm:scene3d>
+    <dgm:sp3d/>
+    <dgm:txPr/>
+    <dgm:style>
+      <a:lnRef idx="0">
+        <a:scrgbClr r="0" g="0" b="0"/>
+      </a:lnRef>
+      <a:fillRef idx="1">
+        <a:scrgbClr r="0" g="0" b="0"/>
+      </a:fillRef>
+      <a:effectRef idx="0">
+        <a:scrgbClr r="0" g="0" b="0"/>
+      </a:effectRef>
+      <a:fontRef idx="minor">
+        <a:schemeClr val="lt1"/>
+      </a:fontRef>
+    </dgm:style>
+  </dgm:styleLbl>
+  <dgm:styleLbl name="fgSibTrans2D1">
+    <dgm:scene3d>
+      <a:camera prst="orthographicFront"/>
+      <a:lightRig rig="threePt" dir="t"/>
+    </dgm:scene3d>
+    <dgm:sp3d/>
+    <dgm:txPr/>
+    <dgm:style>
+      <a:lnRef idx="0">
+        <a:scrgbClr r="0" g="0" b="0"/>
+      </a:lnRef>
+      <a:fillRef idx="1">
+        <a:scrgbClr r="0" g="0" b="0"/>
+      </a:fillRef>
+      <a:effectRef idx="0">
+        <a:scrgbClr r="0" g="0" b="0"/>
+      </a:effectRef>
+      <a:fontRef idx="minor">
+        <a:schemeClr val="lt1"/>
+      </a:fontRef>
+    </dgm:style>
+  </dgm:styleLbl>
+  <dgm:styleLbl name="bgSibTrans2D1">
+    <dgm:scene3d>
+      <a:camera prst="orthographicFront"/>
+      <a:lightRig rig="threePt" dir="t"/>
+    </dgm:scene3d>
+    <dgm:sp3d/>
+    <dgm:txPr/>
+    <dgm:style>
+      <a:lnRef idx="0">
+        <a:scrgbClr r="0" g="0" b="0"/>
+      </a:lnRef>
+      <a:fillRef idx="1">
+        <a:scrgbClr r="0" g="0" b="0"/>
+      </a:fillRef>
+      <a:effectRef idx="0">
+        <a:scrgbClr r="0" g="0" b="0"/>
+      </a:effectRef>
+      <a:fontRef idx="minor">
+        <a:schemeClr val="lt1"/>
+      </a:fontRef>
+    </dgm:style>
+  </dgm:styleLbl>
+  <dgm:styleLbl name="sibTrans1D1">
+    <dgm:scene3d>
+      <a:camera prst="orthographicFront"/>
+      <a:lightRig rig="threePt" dir="t"/>
+    </dgm:scene3d>
+    <dgm:sp3d/>
+    <dgm:txPr/>
+    <dgm:style>
+      <a:lnRef idx="1">
+        <a:scrgbClr r="0" g="0" b="0"/>
+      </a:lnRef>
+      <a:fillRef idx="0">
+        <a:scrgbClr r="0" g="0" b="0"/>
+      </a:fillRef>
+      <a:effectRef idx="0">
+        <a:scrgbClr r="0" g="0" b="0"/>
+      </a:effectRef>
+      <a:fontRef idx="minor"/>
+    </dgm:style>
+  </dgm:styleLbl>
+  <dgm:styleLbl name="callout">
+    <dgm:scene3d>
+      <a:camera prst="orthographicFront"/>
+      <a:lightRig rig="threePt" dir="t"/>
+    </dgm:scene3d>
+    <dgm:sp3d/>
+    <dgm:txPr/>
+    <dgm:style>
+      <a:lnRef idx="2">
+        <a:scrgbClr r="0" g="0" b="0"/>
+      </a:lnRef>
+      <a:fillRef idx="1">
+        <a:scrgbClr r="0" g="0" b="0"/>
+      </a:fillRef>
+      <a:effectRef idx="0">
+        <a:scrgbClr r="0" g="0" b="0"/>
+      </a:effectRef>
+      <a:fontRef idx="minor"/>
+    </dgm:style>
+  </dgm:styleLbl>
+  <dgm:styleLbl name="asst0">
+    <dgm:scene3d>
+      <a:camera prst="orthographicFront"/>
+      <a:lightRig rig="threePt" dir="t"/>
+    </dgm:scene3d>
+    <dgm:sp3d/>
+    <dgm:txPr/>
+    <dgm:style>
+      <a:lnRef idx="2">
+        <a:scrgbClr r="0" g="0" b="0"/>
+      </a:lnRef>
+      <a:fillRef idx="1">
+        <a:scrgbClr r="0" g="0" b="0"/>
+      </a:fillRef>
+      <a:effectRef idx="0">
+        <a:scrgbClr r="0" g="0" b="0"/>
+      </a:effectRef>
+      <a:fontRef idx="minor">
+        <a:schemeClr val="lt1"/>
+      </a:fontRef>
+    </dgm:style>
+  </dgm:styleLbl>
+  <dgm:styleLbl name="asst1">
+    <dgm:scene3d>
+      <a:camera prst="orthographicFront"/>
+      <a:lightRig rig="threePt" dir="t"/>
+    </dgm:scene3d>
+    <dgm:sp3d/>
+    <dgm:txPr/>
+    <dgm:style>
+      <a:lnRef idx="2">
+        <a:scrgbClr r="0" g="0" b="0"/>
+      </a:lnRef>
+      <a:fillRef idx="1">
+        <a:scrgbClr r="0" g="0" b="0"/>
+      </a:fillRef>
+      <a:effectRef idx="0">
+        <a:scrgbClr r="0" g="0" b="0"/>
+      </a:effectRef>
+      <a:fontRef idx="minor">
+        <a:schemeClr val="lt1"/>
+      </a:fontRef>
+    </dgm:style>
+  </dgm:styleLbl>
+  <dgm:styleLbl name="asst2">
+    <dgm:scene3d>
+      <a:camera prst="orthographicFront"/>
+      <a:lightRig rig="threePt" dir="t"/>
+    </dgm:scene3d>
+    <dgm:sp3d/>
+    <dgm:txPr/>
+    <dgm:style>
+      <a:lnRef idx="2">
+        <a:scrgbClr r="0" g="0" b="0"/>
+      </a:lnRef>
+      <a:fillRef idx="1">
+        <a:scrgbClr r="0" g="0" b="0"/>
+      </a:fillRef>
+      <a:effectRef idx="0">
+        <a:scrgbClr r="0" g="0" b="0"/>
+      </a:effectRef>
+      <a:fontRef idx="minor">
+        <a:schemeClr val="lt1"/>
+      </a:fontRef>
+    </dgm:style>
+  </dgm:styleLbl>
+  <dgm:styleLbl name="asst3">
+    <dgm:scene3d>
+      <a:camera prst="orthographicFront"/>
+      <a:lightRig rig="threePt" dir="t"/>
+    </dgm:scene3d>
+    <dgm:sp3d/>
+    <dgm:txPr/>
+    <dgm:style>
+      <a:lnRef idx="2">
+        <a:scrgbClr r="0" g="0" b="0"/>
+      </a:lnRef>
+      <a:fillRef idx="1">
+        <a:scrgbClr r="0" g="0" b="0"/>
+      </a:fillRef>
+      <a:effectRef idx="0">
+        <a:scrgbClr r="0" g="0" b="0"/>
+      </a:effectRef>
+      <a:fontRef idx="minor">
+        <a:schemeClr val="lt1"/>
+      </a:fontRef>
+    </dgm:style>
+  </dgm:styleLbl>
+  <dgm:styleLbl name="asst4">
+    <dgm:scene3d>
+      <a:camera prst="orthographicFront"/>
+      <a:lightRig rig="threePt" dir="t"/>
+    </dgm:scene3d>
+    <dgm:sp3d/>
+    <dgm:txPr/>
+    <dgm:style>
+      <a:lnRef idx="2">
+        <a:scrgbClr r="0" g="0" b="0"/>
+      </a:lnRef>
+      <a:fillRef idx="1">
+        <a:scrgbClr r="0" g="0" b="0"/>
+      </a:fillRef>
+      <a:effectRef idx="0">
+        <a:scrgbClr r="0" g="0" b="0"/>
+      </a:effectRef>
+      <a:fontRef idx="minor">
+        <a:schemeClr val="lt1"/>
+      </a:fontRef>
+    </dgm:style>
+  </dgm:styleLbl>
+  <dgm:styleLbl name="parChTrans2D1">
+    <dgm:scene3d>
+      <a:camera prst="orthographicFront"/>
+      <a:lightRig rig="threePt" dir="t"/>
+    </dgm:scene3d>
+    <dgm:sp3d/>
+    <dgm:txPr/>
+    <dgm:style>
+      <a:lnRef idx="2">
+        <a:scrgbClr r="0" g="0" b="0"/>
+      </a:lnRef>
+      <a:fillRef idx="1">
+        <a:scrgbClr r="0" g="0" b="0"/>
+      </a:fillRef>
+      <a:effectRef idx="0">
+        <a:scrgbClr r="0" g="0" b="0"/>
+      </a:effectRef>
+      <a:fontRef idx="minor">
+        <a:schemeClr val="lt1"/>
+      </a:fontRef>
+    </dgm:style>
+  </dgm:styleLbl>
+  <dgm:styleLbl name="parChTrans2D2">
+    <dgm:scene3d>
+      <a:camera prst="orthographicFront"/>
+      <a:lightRig rig="threePt" dir="t"/>
+    </dgm:scene3d>
+    <dgm:sp3d/>
+    <dgm:txPr/>
+    <dgm:style>
+      <a:lnRef idx="2">
+        <a:scrgbClr r="0" g="0" b="0"/>
+      </a:lnRef>
+      <a:fillRef idx="1">
+        <a:scrgbClr r="0" g="0" b="0"/>
+      </a:fillRef>
+      <a:effectRef idx="0">
+        <a:scrgbClr r="0" g="0" b="0"/>
+      </a:effectRef>
+      <a:fontRef idx="minor">
+        <a:schemeClr val="lt1"/>
+      </a:fontRef>
+    </dgm:style>
+  </dgm:styleLbl>
+  <dgm:styleLbl name="parChTrans2D3">
+    <dgm:scene3d>
+      <a:camera prst="orthographicFront"/>
+      <a:lightRig rig="threePt" dir="t"/>
+    </dgm:scene3d>
+    <dgm:sp3d/>
+    <dgm:txPr/>
+    <dgm:style>
+      <a:lnRef idx="2">
+        <a:scrgbClr r="0" g="0" b="0"/>
+      </a:lnRef>
+      <a:fillRef idx="1">
+        <a:scrgbClr r="0" g="0" b="0"/>
+      </a:fillRef>
+      <a:effectRef idx="0">
+        <a:scrgbClr r="0" g="0" b="0"/>
+      </a:effectRef>
+      <a:fontRef idx="minor">
+        <a:schemeClr val="lt1"/>
+      </a:fontRef>
+    </dgm:style>
+  </dgm:styleLbl>
+  <dgm:styleLbl name="parChTrans2D4">
+    <dgm:scene3d>
+      <a:camera prst="orthographicFront"/>
+      <a:lightRig rig="threePt" dir="t"/>
+    </dgm:scene3d>
+    <dgm:sp3d/>
+    <dgm:txPr/>
+    <dgm:style>
+      <a:lnRef idx="2">
+        <a:scrgbClr r="0" g="0" b="0"/>
+      </a:lnRef>
+      <a:fillRef idx="1">
+        <a:scrgbClr r="0" g="0" b="0"/>
+      </a:fillRef>
+      <a:effectRef idx="0">
+        <a:scrgbClr r="0" g="0" b="0"/>
+      </a:effectRef>
+      <a:fontRef idx="minor">
+        <a:schemeClr val="lt1"/>
+      </a:fontRef>
+    </dgm:style>
+  </dgm:styleLbl>
+  <dgm:styleLbl name="parChTrans1D1">
+    <dgm:scene3d>
+      <a:camera prst="orthographicFront"/>
+      <a:lightRig rig="threePt" dir="t"/>
+    </dgm:scene3d>
+    <dgm:sp3d/>
+    <dgm:txPr/>
+    <dgm:style>
+      <a:lnRef idx="2">
+        <a:scrgbClr r="0" g="0" b="0"/>
+      </a:lnRef>
+      <a:fillRef idx="0">
+        <a:scrgbClr r="0" g="0" b="0"/>
+      </a:fillRef>
+      <a:effectRef idx="0">
+        <a:scrgbClr r="0" g="0" b="0"/>
+      </a:effectRef>
+      <a:fontRef idx="minor"/>
+    </dgm:style>
+  </dgm:styleLbl>
+  <dgm:styleLbl name="parChTrans1D2">
+    <dgm:scene3d>
+      <a:camera prst="orthographicFront"/>
+      <a:lightRig rig="threePt" dir="t"/>
+    </dgm:scene3d>
+    <dgm:sp3d/>
+    <dgm:txPr/>
+    <dgm:style>
+      <a:lnRef idx="2">
+        <a:scrgbClr r="0" g="0" b="0"/>
+      </a:lnRef>
+      <a:fillRef idx="0">
+        <a:scrgbClr r="0" g="0" b="0"/>
+      </a:fillRef>
+      <a:effectRef idx="0">
+        <a:scrgbClr r="0" g="0" b="0"/>
+      </a:effectRef>
+      <a:fontRef idx="minor"/>
+    </dgm:style>
+  </dgm:styleLbl>
+  <dgm:styleLbl name="parChTrans1D3">
+    <dgm:scene3d>
+      <a:camera prst="orthographicFront"/>
+      <a:lightRig rig="threePt" dir="t"/>
+    </dgm:scene3d>
+    <dgm:sp3d/>
+    <dgm:txPr/>
+    <dgm:style>
+      <a:lnRef idx="2">
+        <a:scrgbClr r="0" g="0" b="0"/>
+      </a:lnRef>
+      <a:fillRef idx="0">
+        <a:scrgbClr r="0" g="0" b="0"/>
+      </a:fillRef>
+      <a:effectRef idx="0">
+        <a:scrgbClr r="0" g="0" b="0"/>
+      </a:effectRef>
+      <a:fontRef idx="minor"/>
+    </dgm:style>
+  </dgm:styleLbl>
+  <dgm:styleLbl name="parChTrans1D4">
+    <dgm:scene3d>
+      <a:camera prst="orthographicFront"/>
+      <a:lightRig rig="threePt" dir="t"/>
+    </dgm:scene3d>
+    <dgm:sp3d/>
+    <dgm:txPr/>
+    <dgm:style>
+      <a:lnRef idx="2">
+        <a:scrgbClr r="0" g="0" b="0"/>
+      </a:lnRef>
+      <a:fillRef idx="0">
+        <a:scrgbClr r="0" g="0" b="0"/>
+      </a:fillRef>
+      <a:effectRef idx="0">
+        <a:scrgbClr r="0" g="0" b="0"/>
+      </a:effectRef>
+      <a:fontRef idx="minor"/>
+    </dgm:style>
+  </dgm:styleLbl>
+  <dgm:styleLbl name="fgAcc1">
+    <dgm:scene3d>
+      <a:camera prst="orthographicFront"/>
+      <a:lightRig rig="threePt" dir="t"/>
+    </dgm:scene3d>
+    <dgm:sp3d/>
+    <dgm:txPr/>
+    <dgm:style>
+      <a:lnRef idx="2">
+        <a:scrgbClr r="0" g="0" b="0"/>
+      </a:lnRef>
+      <a:fillRef idx="1">
+        <a:scrgbClr r="0" g="0" b="0"/>
+      </a:fillRef>
+      <a:effectRef idx="0">
+        <a:scrgbClr r="0" g="0" b="0"/>
+      </a:effectRef>
+      <a:fontRef idx="minor"/>
+    </dgm:style>
+  </dgm:styleLbl>
+  <dgm:styleLbl name="conFgAcc1">
+    <dgm:scene3d>
+      <a:camera prst="orthographicFront"/>
+      <a:lightRig rig="threePt" dir="t"/>
+    </dgm:scene3d>
+    <dgm:sp3d/>
+    <dgm:txPr/>
+    <dgm:style>
+      <a:lnRef idx="2">
+        <a:scrgbClr r="0" g="0" b="0"/>
+      </a:lnRef>
+      <a:fillRef idx="1">
+        <a:scrgbClr r="0" g="0" b="0"/>
+      </a:fillRef>
+      <a:effectRef idx="0">
+        <a:scrgbClr r="0" g="0" b="0"/>
+      </a:effectRef>
+      <a:fontRef idx="minor"/>
+    </dgm:style>
+  </dgm:styleLbl>
+  <dgm:styleLbl name="alignAcc1">
+    <dgm:scene3d>
+      <a:camera prst="orthographicFront"/>
+      <a:lightRig rig="threePt" dir="t"/>
+    </dgm:scene3d>
+    <dgm:sp3d/>
+    <dgm:txPr/>
+    <dgm:style>
+      <a:lnRef idx="2">
+        <a:scrgbClr r="0" g="0" b="0"/>
+      </a:lnRef>
+      <a:fillRef idx="1">
+        <a:scrgbClr r="0" g="0" b="0"/>
+      </a:fillRef>
+      <a:effectRef idx="0">
+        <a:scrgbClr r="0" g="0" b="0"/>
+      </a:effectRef>
+      <a:fontRef idx="minor"/>
+    </dgm:style>
+  </dgm:styleLbl>
+  <dgm:styleLbl name="trAlignAcc1">
+    <dgm:scene3d>
+      <a:camera prst="orthographicFront"/>
+      <a:lightRig rig="threePt" dir="t"/>
+    </dgm:scene3d>
+    <dgm:sp3d/>
+    <dgm:txPr/>
+    <dgm:style>
+      <a:lnRef idx="1">
+        <a:scrgbClr r="0" g="0" b="0"/>
+      </a:lnRef>
+      <a:fillRef idx="1">
+        <a:scrgbClr r="0" g="0" b="0"/>
+      </a:fillRef>
+      <a:effectRef idx="0">
+        <a:scrgbClr r="0" g="0" b="0"/>
+      </a:effectRef>
+      <a:fontRef idx="minor"/>
+    </dgm:style>
+  </dgm:styleLbl>
+  <dgm:styleLbl name="bgAcc1">
+    <dgm:scene3d>
+      <a:camera prst="orthographicFront"/>
+      <a:lightRig rig="threePt" dir="t"/>
+    </dgm:scene3d>
+    <dgm:sp3d/>
+    <dgm:txPr/>
+    <dgm:style>
+      <a:lnRef idx="2">
+        <a:scrgbClr r="0" g="0" b="0"/>
+      </a:lnRef>
+      <a:fillRef idx="1">
+        <a:scrgbClr r="0" g="0" b="0"/>
+      </a:fillRef>
+      <a:effectRef idx="0">
+        <a:scrgbClr r="0" g="0" b="0"/>
+      </a:effectRef>
+      <a:fontRef idx="minor"/>
+    </dgm:style>
+  </dgm:styleLbl>
+  <dgm:styleLbl name="solidFgAcc1">
+    <dgm:scene3d>
+      <a:camera prst="orthographicFront"/>
+      <a:lightRig rig="threePt" dir="t"/>
+    </dgm:scene3d>
+    <dgm:sp3d/>
+    <dgm:txPr/>
+    <dgm:style>
+      <a:lnRef idx="2">
+        <a:scrgbClr r="0" g="0" b="0"/>
+      </a:lnRef>
+      <a:fillRef idx="1">
+        <a:scrgbClr r="0" g="0" b="0"/>
+      </a:fillRef>
+      <a:effectRef idx="0">
+        <a:scrgbClr r="0" g="0" b="0"/>
+      </a:effectRef>
+      <a:fontRef idx="minor"/>
+    </dgm:style>
+  </dgm:styleLbl>
+  <dgm:styleLbl name="solidAlignAcc1">
+    <dgm:scene3d>
+      <a:camera prst="orthographicFront"/>
+      <a:lightRig rig="threePt" dir="t"/>
+    </dgm:scene3d>
+    <dgm:sp3d/>
+    <dgm:txPr/>
+    <dgm:style>
+      <a:lnRef idx="2">
+        <a:scrgbClr r="0" g="0" b="0"/>
+      </a:lnRef>
+      <a:fillRef idx="1">
+        <a:scrgbClr r="0" g="0" b="0"/>
+      </a:fillRef>
+      <a:effectRef idx="0">
+        <a:scrgbClr r="0" g="0" b="0"/>
+      </a:effectRef>
+      <a:fontRef idx="minor"/>
+    </dgm:style>
+  </dgm:styleLbl>
+  <dgm:styleLbl name="solidBgAcc1">
+    <dgm:scene3d>
+      <a:camera prst="orthographicFront"/>
+      <a:lightRig rig="threePt" dir="t"/>
+    </dgm:scene3d>
+    <dgm:sp3d/>
+    <dgm:txPr/>
+    <dgm:style>
+      <a:lnRef idx="2">
+        <a:scrgbClr r="0" g="0" b="0"/>
+      </a:lnRef>
+      <a:fillRef idx="1">
+        <a:scrgbClr r="0" g="0" b="0"/>
+      </a:fillRef>
+      <a:effectRef idx="0">
+        <a:scrgbClr r="0" g="0" b="0"/>
+      </a:effectRef>
+      <a:fontRef idx="minor"/>
+    </dgm:style>
+  </dgm:styleLbl>
+  <dgm:styleLbl name="fgAccFollowNode1">
+    <dgm:scene3d>
+      <a:camera prst="orthographicFront"/>
+      <a:lightRig rig="threePt" dir="t"/>
+    </dgm:scene3d>
+    <dgm:sp3d/>
+    <dgm:txPr/>
+    <dgm:style>
+      <a:lnRef idx="2">
+        <a:scrgbClr r="0" g="0" b="0"/>
+      </a:lnRef>
+      <a:fillRef idx="1">
+        <a:scrgbClr r="0" g="0" b="0"/>
+      </a:fillRef>
+      <a:effectRef idx="0">
+        <a:scrgbClr r="0" g="0" b="0"/>
+      </a:effectRef>
+      <a:fontRef idx="minor"/>
+    </dgm:style>
+  </dgm:styleLbl>
+  <dgm:styleLbl name="alignAccFollowNode1">
+    <dgm:scene3d>
+      <a:camera prst="orthographicFront"/>
+      <a:lightRig rig="threePt" dir="t"/>
+    </dgm:scene3d>
+    <dgm:sp3d/>
+    <dgm:txPr/>
+    <dgm:style>
+      <a:lnRef idx="2">
+        <a:scrgbClr r="0" g="0" b="0"/>
+      </a:lnRef>
+      <a:fillRef idx="1">
+        <a:scrgbClr r="0" g="0" b="0"/>
+      </a:fillRef>
+      <a:effectRef idx="0">
+        <a:scrgbClr r="0" g="0" b="0"/>
+      </a:effectRef>
+      <a:fontRef idx="minor"/>
+    </dgm:style>
+  </dgm:styleLbl>
+  <dgm:styleLbl name="bgAccFollowNode1">
+    <dgm:scene3d>
+      <a:camera prst="orthographicFront"/>
+      <a:lightRig rig="threePt" dir="t"/>
+    </dgm:scene3d>
+    <dgm:sp3d/>
+    <dgm:txPr/>
+    <dgm:style>
+      <a:lnRef idx="2">
+        <a:scrgbClr r="0" g="0" b="0"/>
+      </a:lnRef>
+      <a:fillRef idx="1">
+        <a:scrgbClr r="0" g="0" b="0"/>
+      </a:fillRef>
+      <a:effectRef idx="0">
+        <a:scrgbClr r="0" g="0" b="0"/>
+      </a:effectRef>
+      <a:fontRef idx="minor"/>
+    </dgm:style>
+  </dgm:styleLbl>
+  <dgm:styleLbl name="fgAcc0">
+    <dgm:scene3d>
+      <a:camera prst="orthographicFront"/>
+      <a:lightRig rig="threePt" dir="t"/>
+    </dgm:scene3d>
+    <dgm:sp3d/>
+    <dgm:txPr/>
+    <dgm:style>
+      <a:lnRef idx="2">
+        <a:scrgbClr r="0" g="0" b="0"/>
+      </a:lnRef>
+      <a:fillRef idx="1">
+        <a:scrgbClr r="0" g="0" b="0"/>
+      </a:fillRef>
+      <a:effectRef idx="0">
+        <a:scrgbClr r="0" g="0" b="0"/>
+      </a:effectRef>
+      <a:fontRef idx="minor"/>
+    </dgm:style>
+  </dgm:styleLbl>
+  <dgm:styleLbl name="fgAcc2">
+    <dgm:scene3d>
+      <a:camera prst="orthographicFront"/>
+      <a:lightRig rig="threePt" dir="t"/>
+    </dgm:scene3d>
+    <dgm:sp3d/>
+    <dgm:txPr/>
+    <dgm:style>
+      <a:lnRef idx="2">
+        <a:scrgbClr r="0" g="0" b="0"/>
+      </a:lnRef>
+      <a:fillRef idx="1">
+        <a:scrgbClr r="0" g="0" b="0"/>
+      </a:fillRef>
+      <a:effectRef idx="0">
+        <a:scrgbClr r="0" g="0" b="0"/>
+      </a:effectRef>
+      <a:fontRef idx="minor"/>
+    </dgm:style>
+  </dgm:styleLbl>
+  <dgm:styleLbl name="fgAcc3">
+    <dgm:scene3d>
+      <a:camera prst="orthographicFront"/>
+      <a:lightRig rig="threePt" dir="t"/>
+    </dgm:scene3d>
+    <dgm:sp3d/>
+    <dgm:txPr/>
+    <dgm:style>
+      <a:lnRef idx="2">
+        <a:scrgbClr r="0" g="0" b="0"/>
+      </a:lnRef>
+      <a:fillRef idx="1">
+        <a:scrgbClr r="0" g="0" b="0"/>
+      </a:fillRef>
+      <a:effectRef idx="0">
+        <a:scrgbClr r="0" g="0" b="0"/>
+      </a:effectRef>
+      <a:fontRef idx="minor"/>
+    </dgm:style>
+  </dgm:styleLbl>
+  <dgm:styleLbl name="fgAcc4">
+    <dgm:scene3d>
+      <a:camera prst="orthographicFront"/>
+      <a:lightRig rig="threePt" dir="t"/>
+    </dgm:scene3d>
+    <dgm:sp3d/>
+    <dgm:txPr/>
+    <dgm:style>
+      <a:lnRef idx="2">
+        <a:scrgbClr r="0" g="0" b="0"/>
+      </a:lnRef>
+      <a:fillRef idx="1">
+        <a:scrgbClr r="0" g="0" b="0"/>
+      </a:fillRef>
+      <a:effectRef idx="0">
+        <a:scrgbClr r="0" g="0" b="0"/>
+      </a:effectRef>
+      <a:fontRef idx="minor"/>
+    </dgm:style>
+  </dgm:styleLbl>
+  <dgm:styleLbl name="bgShp">
+    <dgm:scene3d>
+      <a:camera prst="orthographicFront"/>
+      <a:lightRig rig="threePt" dir="t"/>
+    </dgm:scene3d>
+    <dgm:sp3d/>
+    <dgm:txPr/>
+    <dgm:style>
+      <a:lnRef idx="0">
+        <a:scrgbClr r="0" g="0" b="0"/>
+      </a:lnRef>
+      <a:fillRef idx="1">
+        <a:scrgbClr r="0" g="0" b="0"/>
+      </a:fillRef>
+      <a:effectRef idx="0">
+        <a:scrgbClr r="0" g="0" b="0"/>
+      </a:effectRef>
+      <a:fontRef idx="minor"/>
+    </dgm:style>
+  </dgm:styleLbl>
+  <dgm:styleLbl name="dkBgShp">
+    <dgm:scene3d>
+      <a:camera prst="orthographicFront"/>
+      <a:lightRig rig="threePt" dir="t"/>
+    </dgm:scene3d>
+    <dgm:sp3d/>
+    <dgm:txPr/>
+    <dgm:style>
+      <a:lnRef idx="0">
+        <a:scrgbClr r="0" g="0" b="0"/>
+      </a:lnRef>
+      <a:fillRef idx="1">
+        <a:scrgbClr r="0" g="0" b="0"/>
+      </a:fillRef>
+      <a:effectRef idx="0">
+        <a:scrgbClr r="0" g="0" b="0"/>
+      </a:effectRef>
+      <a:fontRef idx="minor"/>
+    </dgm:style>
+  </dgm:styleLbl>
+  <dgm:styleLbl name="trBgShp">
+    <dgm:scene3d>
+      <a:camera prst="orthographicFront"/>
+      <a:lightRig rig="threePt" dir="t"/>
+    </dgm:scene3d>
+    <dgm:sp3d/>
+    <dgm:txPr/>
+    <dgm:style>
+      <a:lnRef idx="0">
+        <a:scrgbClr r="0" g="0" b="0"/>
+      </a:lnRef>
+      <a:fillRef idx="1">
+        <a:scrgbClr r="0" g="0" b="0"/>
+      </a:fillRef>
+      <a:effectRef idx="0">
+        <a:scrgbClr r="0" g="0" b="0"/>
+      </a:effectRef>
+      <a:fontRef idx="minor"/>
+    </dgm:style>
+  </dgm:styleLbl>
+  <dgm:styleLbl name="fgShp">
+    <dgm:scene3d>
+      <a:camera prst="orthographicFront"/>
+      <a:lightRig rig="threePt" dir="t"/>
+    </dgm:scene3d>
+    <dgm:sp3d/>
+    <dgm:txPr/>
+    <dgm:style>
+      <a:lnRef idx="2">
+        <a:scrgbClr r="0" g="0" b="0"/>
+      </a:lnRef>
+      <a:fillRef idx="1">
+        <a:scrgbClr r="0" g="0" b="0"/>
+      </a:fillRef>
+      <a:effectRef idx="0">
+        <a:scrgbClr r="0" g="0" b="0"/>
+      </a:effectRef>
+      <a:fontRef idx="minor"/>
+    </dgm:style>
+  </dgm:styleLbl>
+  <dgm:styleLbl name="revTx">
+    <dgm:scene3d>
+      <a:camera prst="orthographicFront"/>
+      <a:lightRig rig="threePt" dir="t"/>
+    </dgm:scene3d>
+    <dgm:sp3d/>
+    <dgm:txPr/>
+    <dgm:style>
+      <a:lnRef idx="0">
+        <a:scrgbClr r="0" g="0" b="0"/>
+      </a:lnRef>
+      <a:fillRef idx="0">
+        <a:scrgbClr r="0" g="0" b="0"/>
+      </a:fillRef>
+      <a:effectRef idx="0">
+        <a:scrgbClr r="0" g="0" b="0"/>
+      </a:effectRef>
+      <a:fontRef idx="minor"/>
+    </dgm:style>
+  </dgm:styleLbl>
+</dgm:styleDef>
 </file>
 
 <file path=ppt/slideLayouts/slideLayout1.xml><?xml version="1.0" encoding="utf-8"?>
@@ -3451,6 +7019,14 @@
 <file path=ppt/slides/slide1.xml><?xml version="1.0" encoding="utf-8"?>
 <p:sld xmlns:a="http://schemas.openxmlformats.org/drawingml/2006/main" xmlns:r="http://schemas.openxmlformats.org/officeDocument/2006/relationships" xmlns:p="http://schemas.openxmlformats.org/presentationml/2006/main">
   <p:cSld>
+    <p:bg>
+      <p:bgPr>
+        <a:solidFill>
+          <a:schemeClr val="bg1"/>
+        </a:solidFill>
+        <a:effectLst/>
+      </p:bgPr>
+    </p:bg>
     <p:spTree>
       <p:nvGrpSpPr>
         <p:cNvPr id="1" name=""/>
@@ -3465,6 +7041,306 @@
           <a:chExt cx="0" cy="0"/>
         </a:xfrm>
       </p:grpSpPr>
+      <p:sp useBgFill="1">
+        <p:nvSpPr>
+          <p:cNvPr id="23" name="Rectangle 22">
+            <a:extLst>
+              <a:ext uri="{FF2B5EF4-FFF2-40B4-BE49-F238E27FC236}">
+                <a16:creationId xmlns:a16="http://schemas.microsoft.com/office/drawing/2014/main" id="{8555C5B3-193A-4749-9AFD-682E53CDDE8F}"/>
+              </a:ext>
+              <a:ext uri="{C183D7F6-B498-43B3-948B-1728B52AA6E4}">
+                <adec:decorative xmlns:adec="http://schemas.microsoft.com/office/drawing/2017/decorative" val="1"/>
+              </a:ext>
+            </a:extLst>
+          </p:cNvPr>
+          <p:cNvSpPr>
+            <a:spLocks noGrp="1" noRot="1" noChangeAspect="1" noMove="1" noResize="1" noEditPoints="1" noAdjustHandles="1" noChangeArrowheads="1" noChangeShapeType="1" noTextEdit="1"/>
+          </p:cNvSpPr>
+          <p:nvPr>
+            <p:extLst>
+              <p:ext uri="{386F3935-93C4-4BCD-93E2-E3B085C9AB24}">
+                <p16:designElem xmlns:p16="http://schemas.microsoft.com/office/powerpoint/2015/main" val="1"/>
+              </p:ext>
+            </p:extLst>
+          </p:nvPr>
+        </p:nvSpPr>
+        <p:spPr>
+          <a:xfrm>
+            <a:off x="0" y="0"/>
+            <a:ext cx="12192000" cy="6858000"/>
+          </a:xfrm>
+          <a:prstGeom prst="rect">
+            <a:avLst/>
+          </a:prstGeom>
+          <a:ln w="12700" cap="flat" cmpd="sng" algn="ctr">
+            <a:noFill/>
+            <a:prstDash val="solid"/>
+            <a:miter lim="800000"/>
+          </a:ln>
+          <a:effectLst/>
+          <a:extLst>
+            <a:ext uri="{91240B29-F687-4F45-9708-019B960494DF}">
+              <a14:hiddenLine xmlns:a14="http://schemas.microsoft.com/office/drawing/2010/main" w="12700" cap="flat" cmpd="sng" algn="ctr">
+                <a:solidFill>
+                  <a:schemeClr val="accent1">
+                    <a:shade val="50000"/>
+                  </a:schemeClr>
+                </a:solidFill>
+                <a:prstDash val="solid"/>
+                <a:miter lim="800000"/>
+              </a14:hiddenLine>
+            </a:ext>
+          </a:extLst>
+        </p:spPr>
+        <p:style>
+          <a:lnRef idx="2">
+            <a:schemeClr val="accent1">
+              <a:shade val="50000"/>
+            </a:schemeClr>
+          </a:lnRef>
+          <a:fillRef idx="1">
+            <a:schemeClr val="accent1"/>
+          </a:fillRef>
+          <a:effectRef idx="0">
+            <a:schemeClr val="accent1"/>
+          </a:effectRef>
+          <a:fontRef idx="minor">
+            <a:schemeClr val="lt1"/>
+          </a:fontRef>
+        </p:style>
+        <p:txBody>
+          <a:bodyPr rtlCol="0" anchor="ctr"/>
+          <a:lstStyle/>
+          <a:p>
+            <a:pPr algn="ctr"/>
+            <a:endParaRPr lang="en-US" dirty="0"/>
+          </a:p>
+        </p:txBody>
+      </p:sp>
+      <p:sp>
+        <p:nvSpPr>
+          <p:cNvPr id="25" name="Rectangle 24">
+            <a:extLst>
+              <a:ext uri="{FF2B5EF4-FFF2-40B4-BE49-F238E27FC236}">
+                <a16:creationId xmlns:a16="http://schemas.microsoft.com/office/drawing/2014/main" id="{2EAE06A6-F76A-41C9-827A-C561B004485C}"/>
+              </a:ext>
+              <a:ext uri="{C183D7F6-B498-43B3-948B-1728B52AA6E4}">
+                <adec:decorative xmlns:adec="http://schemas.microsoft.com/office/drawing/2017/decorative" val="1"/>
+              </a:ext>
+            </a:extLst>
+          </p:cNvPr>
+          <p:cNvSpPr>
+            <a:spLocks noGrp="1" noRot="1" noChangeAspect="1" noMove="1" noResize="1" noEditPoints="1" noAdjustHandles="1" noChangeArrowheads="1" noChangeShapeType="1" noTextEdit="1"/>
+          </p:cNvSpPr>
+          <p:nvPr>
+            <p:extLst>
+              <p:ext uri="{386F3935-93C4-4BCD-93E2-E3B085C9AB24}">
+                <p16:designElem xmlns:p16="http://schemas.microsoft.com/office/powerpoint/2015/main" val="1"/>
+              </p:ext>
+            </p:extLst>
+          </p:nvPr>
+        </p:nvSpPr>
+        <p:spPr>
+          <a:xfrm flipH="1">
+            <a:off x="0" y="-3"/>
+            <a:ext cx="12192000" cy="6858000"/>
+          </a:xfrm>
+          <a:prstGeom prst="rect">
+            <a:avLst/>
+          </a:prstGeom>
+          <a:gradFill>
+            <a:gsLst>
+              <a:gs pos="0">
+                <a:srgbClr val="000000"/>
+              </a:gs>
+              <a:gs pos="100000">
+                <a:schemeClr val="accent1">
+                  <a:lumMod val="75000"/>
+                </a:schemeClr>
+              </a:gs>
+            </a:gsLst>
+            <a:lin ang="6600000" scaled="0"/>
+          </a:gradFill>
+          <a:ln>
+            <a:noFill/>
+          </a:ln>
+        </p:spPr>
+        <p:style>
+          <a:lnRef idx="2">
+            <a:schemeClr val="accent1">
+              <a:shade val="50000"/>
+            </a:schemeClr>
+          </a:lnRef>
+          <a:fillRef idx="1">
+            <a:schemeClr val="accent1"/>
+          </a:fillRef>
+          <a:effectRef idx="0">
+            <a:schemeClr val="accent1"/>
+          </a:effectRef>
+          <a:fontRef idx="minor">
+            <a:schemeClr val="lt1"/>
+          </a:fontRef>
+        </p:style>
+        <p:txBody>
+          <a:bodyPr rtlCol="0" anchor="ctr"/>
+          <a:lstStyle/>
+          <a:p>
+            <a:pPr algn="ctr"/>
+            <a:endParaRPr lang="en-US" dirty="0"/>
+          </a:p>
+        </p:txBody>
+      </p:sp>
+      <p:sp>
+        <p:nvSpPr>
+          <p:cNvPr id="27" name="Rectangle 26">
+            <a:extLst>
+              <a:ext uri="{FF2B5EF4-FFF2-40B4-BE49-F238E27FC236}">
+                <a16:creationId xmlns:a16="http://schemas.microsoft.com/office/drawing/2014/main" id="{89F9D4E8-0639-444B-949B-9518585061AF}"/>
+              </a:ext>
+              <a:ext uri="{C183D7F6-B498-43B3-948B-1728B52AA6E4}">
+                <adec:decorative xmlns:adec="http://schemas.microsoft.com/office/drawing/2017/decorative" val="1"/>
+              </a:ext>
+            </a:extLst>
+          </p:cNvPr>
+          <p:cNvSpPr>
+            <a:spLocks noGrp="1" noRot="1" noChangeAspect="1" noMove="1" noResize="1" noEditPoints="1" noAdjustHandles="1" noChangeArrowheads="1" noChangeShapeType="1" noTextEdit="1"/>
+          </p:cNvSpPr>
+          <p:nvPr>
+            <p:extLst>
+              <p:ext uri="{386F3935-93C4-4BCD-93E2-E3B085C9AB24}">
+                <p16:designElem xmlns:p16="http://schemas.microsoft.com/office/powerpoint/2015/main" val="1"/>
+              </p:ext>
+            </p:extLst>
+          </p:nvPr>
+        </p:nvSpPr>
+        <p:spPr>
+          <a:xfrm flipH="1">
+            <a:off x="480861" y="0"/>
+            <a:ext cx="7661934" cy="6858000"/>
+          </a:xfrm>
+          <a:prstGeom prst="rect">
+            <a:avLst/>
+          </a:prstGeom>
+          <a:gradFill>
+            <a:gsLst>
+              <a:gs pos="0">
+                <a:schemeClr val="accent1">
+                  <a:lumMod val="75000"/>
+                  <a:alpha val="45000"/>
+                </a:schemeClr>
+              </a:gs>
+              <a:gs pos="100000">
+                <a:srgbClr val="000000">
+                  <a:alpha val="29000"/>
+                </a:srgbClr>
+              </a:gs>
+            </a:gsLst>
+            <a:lin ang="12000000" scaled="0"/>
+          </a:gradFill>
+          <a:ln>
+            <a:noFill/>
+          </a:ln>
+        </p:spPr>
+        <p:style>
+          <a:lnRef idx="2">
+            <a:schemeClr val="accent1">
+              <a:shade val="50000"/>
+            </a:schemeClr>
+          </a:lnRef>
+          <a:fillRef idx="1">
+            <a:schemeClr val="accent1"/>
+          </a:fillRef>
+          <a:effectRef idx="0">
+            <a:schemeClr val="accent1"/>
+          </a:effectRef>
+          <a:fontRef idx="minor">
+            <a:schemeClr val="lt1"/>
+          </a:fontRef>
+        </p:style>
+        <p:txBody>
+          <a:bodyPr rtlCol="0" anchor="ctr"/>
+          <a:lstStyle/>
+          <a:p>
+            <a:pPr algn="ctr"/>
+            <a:endParaRPr lang="en-US" dirty="0"/>
+          </a:p>
+        </p:txBody>
+      </p:sp>
+      <p:sp>
+        <p:nvSpPr>
+          <p:cNvPr id="29" name="Rectangle 28">
+            <a:extLst>
+              <a:ext uri="{FF2B5EF4-FFF2-40B4-BE49-F238E27FC236}">
+                <a16:creationId xmlns:a16="http://schemas.microsoft.com/office/drawing/2014/main" id="{7E3DA7A2-ED70-4BBA-AB72-00AD461FA405}"/>
+              </a:ext>
+              <a:ext uri="{C183D7F6-B498-43B3-948B-1728B52AA6E4}">
+                <adec:decorative xmlns:adec="http://schemas.microsoft.com/office/drawing/2017/decorative" val="1"/>
+              </a:ext>
+            </a:extLst>
+          </p:cNvPr>
+          <p:cNvSpPr>
+            <a:spLocks noGrp="1" noRot="1" noChangeAspect="1" noMove="1" noResize="1" noEditPoints="1" noAdjustHandles="1" noChangeArrowheads="1" noChangeShapeType="1" noTextEdit="1"/>
+          </p:cNvSpPr>
+          <p:nvPr>
+            <p:extLst>
+              <p:ext uri="{386F3935-93C4-4BCD-93E2-E3B085C9AB24}">
+                <p16:designElem xmlns:p16="http://schemas.microsoft.com/office/powerpoint/2015/main" val="1"/>
+              </p:ext>
+            </p:extLst>
+          </p:nvPr>
+        </p:nvSpPr>
+        <p:spPr>
+          <a:xfrm rot="10800000" flipH="1">
+            <a:off x="480862" y="-6"/>
+            <a:ext cx="11711138" cy="6410334"/>
+          </a:xfrm>
+          <a:prstGeom prst="rect">
+            <a:avLst/>
+          </a:prstGeom>
+          <a:gradFill>
+            <a:gsLst>
+              <a:gs pos="0">
+                <a:schemeClr val="accent1">
+                  <a:alpha val="0"/>
+                </a:schemeClr>
+              </a:gs>
+              <a:gs pos="100000">
+                <a:srgbClr val="000000">
+                  <a:alpha val="41000"/>
+                </a:srgbClr>
+              </a:gs>
+            </a:gsLst>
+            <a:lin ang="18000000" scaled="0"/>
+          </a:gradFill>
+          <a:ln>
+            <a:noFill/>
+          </a:ln>
+        </p:spPr>
+        <p:style>
+          <a:lnRef idx="2">
+            <a:schemeClr val="accent1">
+              <a:shade val="50000"/>
+            </a:schemeClr>
+          </a:lnRef>
+          <a:fillRef idx="1">
+            <a:schemeClr val="accent1"/>
+          </a:fillRef>
+          <a:effectRef idx="0">
+            <a:schemeClr val="accent1"/>
+          </a:effectRef>
+          <a:fontRef idx="minor">
+            <a:schemeClr val="lt1"/>
+          </a:fontRef>
+        </p:style>
+        <p:txBody>
+          <a:bodyPr rtlCol="0" anchor="ctr"/>
+          <a:lstStyle/>
+          <a:p>
+            <a:pPr algn="ctr"/>
+            <a:endParaRPr lang="en-US" dirty="0"/>
+          </a:p>
+        </p:txBody>
+      </p:sp>
       <p:sp>
         <p:nvSpPr>
           <p:cNvPr id="2" name="Title 1">
@@ -3481,16 +7357,108 @@
             <p:ph type="ctrTitle"/>
           </p:nvPr>
         </p:nvSpPr>
-        <p:spPr/>
+        <p:spPr>
+          <a:xfrm>
+            <a:off x="1127208" y="857251"/>
+            <a:ext cx="4747280" cy="3098061"/>
+          </a:xfrm>
+        </p:spPr>
         <p:txBody>
-          <a:bodyPr/>
+          <a:bodyPr anchor="b">
+            <a:normAutofit/>
+          </a:bodyPr>
           <a:lstStyle/>
           <a:p>
+            <a:pPr algn="l"/>
             <a:r>
-              <a:rPr lang="en-US" dirty="0"/>
+              <a:rPr lang="en-US" sz="4800">
+                <a:solidFill>
+                  <a:srgbClr val="FFFFFF"/>
+                </a:solidFill>
+              </a:rPr>
               <a:t>Supervisory Meeting</a:t>
             </a:r>
-            <a:endParaRPr lang="en-GB" dirty="0"/>
+            <a:endParaRPr lang="en-GB" sz="4800">
+              <a:solidFill>
+                <a:srgbClr val="FFFFFF"/>
+              </a:solidFill>
+            </a:endParaRPr>
+          </a:p>
+        </p:txBody>
+      </p:sp>
+      <p:sp>
+        <p:nvSpPr>
+          <p:cNvPr id="31" name="Rectangle 30">
+            <a:extLst>
+              <a:ext uri="{FF2B5EF4-FFF2-40B4-BE49-F238E27FC236}">
+                <a16:creationId xmlns:a16="http://schemas.microsoft.com/office/drawing/2014/main" id="{FC485432-3647-4218-B5D3-15D3FA222B13}"/>
+              </a:ext>
+              <a:ext uri="{C183D7F6-B498-43B3-948B-1728B52AA6E4}">
+                <adec:decorative xmlns:adec="http://schemas.microsoft.com/office/drawing/2017/decorative" val="1"/>
+              </a:ext>
+            </a:extLst>
+          </p:cNvPr>
+          <p:cNvSpPr>
+            <a:spLocks noGrp="1" noRot="1" noChangeAspect="1" noMove="1" noResize="1" noEditPoints="1" noAdjustHandles="1" noChangeArrowheads="1" noChangeShapeType="1" noTextEdit="1"/>
+          </p:cNvSpPr>
+          <p:nvPr>
+            <p:extLst>
+              <p:ext uri="{386F3935-93C4-4BCD-93E2-E3B085C9AB24}">
+                <p16:designElem xmlns:p16="http://schemas.microsoft.com/office/powerpoint/2015/main" val="1"/>
+              </p:ext>
+            </p:extLst>
+          </p:nvPr>
+        </p:nvSpPr>
+        <p:spPr>
+          <a:xfrm rot="16200000">
+            <a:off x="4844797" y="-489206"/>
+            <a:ext cx="2502408" cy="12191998"/>
+          </a:xfrm>
+          <a:prstGeom prst="rect">
+            <a:avLst/>
+          </a:prstGeom>
+          <a:gradFill>
+            <a:gsLst>
+              <a:gs pos="0">
+                <a:schemeClr val="accent1">
+                  <a:alpha val="24000"/>
+                </a:schemeClr>
+              </a:gs>
+              <a:gs pos="78000">
+                <a:schemeClr val="accent1">
+                  <a:lumMod val="50000"/>
+                  <a:alpha val="0"/>
+                </a:schemeClr>
+              </a:gs>
+            </a:gsLst>
+            <a:lin ang="10200000" scaled="0"/>
+          </a:gradFill>
+          <a:ln>
+            <a:noFill/>
+          </a:ln>
+        </p:spPr>
+        <p:style>
+          <a:lnRef idx="2">
+            <a:schemeClr val="accent1">
+              <a:shade val="50000"/>
+            </a:schemeClr>
+          </a:lnRef>
+          <a:fillRef idx="1">
+            <a:schemeClr val="accent1"/>
+          </a:fillRef>
+          <a:effectRef idx="0">
+            <a:schemeClr val="accent1"/>
+          </a:effectRef>
+          <a:fontRef idx="minor">
+            <a:schemeClr val="lt1"/>
+          </a:fontRef>
+        </p:style>
+        <p:txBody>
+          <a:bodyPr rtlCol="0" anchor="ctr"/>
+          <a:lstStyle/>
+          <a:p>
+            <a:pPr algn="ctr"/>
+            <a:endParaRPr lang="en-US"/>
           </a:p>
         </p:txBody>
       </p:sp>
@@ -3510,19 +7478,137 @@
             <p:ph type="subTitle" idx="1"/>
           </p:nvPr>
         </p:nvSpPr>
-        <p:spPr/>
+        <p:spPr>
+          <a:xfrm>
+            <a:off x="1127208" y="4756265"/>
+            <a:ext cx="4393278" cy="1244483"/>
+          </a:xfrm>
+        </p:spPr>
         <p:txBody>
-          <a:bodyPr/>
+          <a:bodyPr anchor="t">
+            <a:normAutofit/>
+          </a:bodyPr>
           <a:lstStyle/>
           <a:p>
+            <a:pPr algn="l"/>
             <a:r>
-              <a:rPr lang="en-US" dirty="0"/>
+              <a:rPr lang="en-US">
+                <a:solidFill>
+                  <a:srgbClr val="FFFFFF"/>
+                </a:solidFill>
+              </a:rPr>
               <a:t>09/02/24</a:t>
             </a:r>
-            <a:endParaRPr lang="en-GB" dirty="0"/>
+            <a:endParaRPr lang="en-GB">
+              <a:solidFill>
+                <a:srgbClr val="FFFFFF"/>
+              </a:solidFill>
+            </a:endParaRPr>
           </a:p>
         </p:txBody>
       </p:sp>
+      <p:sp>
+        <p:nvSpPr>
+          <p:cNvPr id="33" name="Oval 32">
+            <a:extLst>
+              <a:ext uri="{FF2B5EF4-FFF2-40B4-BE49-F238E27FC236}">
+                <a16:creationId xmlns:a16="http://schemas.microsoft.com/office/drawing/2014/main" id="{F4AFDDCA-6ABA-4D23-8A5C-1BF0F4308148}"/>
+              </a:ext>
+              <a:ext uri="{C183D7F6-B498-43B3-948B-1728B52AA6E4}">
+                <adec:decorative xmlns:adec="http://schemas.microsoft.com/office/drawing/2017/decorative" val="1"/>
+              </a:ext>
+            </a:extLst>
+          </p:cNvPr>
+          <p:cNvSpPr>
+            <a:spLocks noGrp="1" noRot="1" noChangeAspect="1" noMove="1" noResize="1" noEditPoints="1" noAdjustHandles="1" noChangeArrowheads="1" noChangeShapeType="1" noTextEdit="1"/>
+          </p:cNvSpPr>
+          <p:nvPr>
+            <p:extLst>
+              <p:ext uri="{386F3935-93C4-4BCD-93E2-E3B085C9AB24}">
+                <p16:designElem xmlns:p16="http://schemas.microsoft.com/office/powerpoint/2015/main" val="1"/>
+              </p:ext>
+            </p:extLst>
+          </p:nvPr>
+        </p:nvSpPr>
+        <p:spPr>
+          <a:xfrm>
+            <a:off x="6390589" y="1062544"/>
+            <a:ext cx="4756162" cy="4756162"/>
+          </a:xfrm>
+          <a:prstGeom prst="ellipse">
+            <a:avLst/>
+          </a:prstGeom>
+          <a:solidFill>
+            <a:schemeClr val="bg1"/>
+          </a:solidFill>
+          <a:ln>
+            <a:noFill/>
+          </a:ln>
+        </p:spPr>
+        <p:style>
+          <a:lnRef idx="2">
+            <a:schemeClr val="accent1">
+              <a:shade val="50000"/>
+            </a:schemeClr>
+          </a:lnRef>
+          <a:fillRef idx="1">
+            <a:schemeClr val="accent1"/>
+          </a:fillRef>
+          <a:effectRef idx="0">
+            <a:schemeClr val="accent1"/>
+          </a:effectRef>
+          <a:fontRef idx="minor">
+            <a:schemeClr val="lt1"/>
+          </a:fontRef>
+        </p:style>
+        <p:txBody>
+          <a:bodyPr rtlCol="0" anchor="ctr"/>
+          <a:lstStyle/>
+          <a:p>
+            <a:pPr algn="ctr"/>
+            <a:endParaRPr lang="en-US"/>
+          </a:p>
+        </p:txBody>
+      </p:sp>
+      <p:pic>
+        <p:nvPicPr>
+          <p:cNvPr id="7" name="Graphic 6" descr="Meeting">
+            <a:extLst>
+              <a:ext uri="{FF2B5EF4-FFF2-40B4-BE49-F238E27FC236}">
+                <a16:creationId xmlns:a16="http://schemas.microsoft.com/office/drawing/2014/main" id="{CE993EFB-9571-715A-5DF5-03848A409B21}"/>
+              </a:ext>
+            </a:extLst>
+          </p:cNvPr>
+          <p:cNvPicPr>
+            <a:picLocks noChangeAspect="1"/>
+          </p:cNvPicPr>
+          <p:nvPr/>
+        </p:nvPicPr>
+        <p:blipFill>
+          <a:blip r:embed="rId2">
+            <a:extLst>
+              <a:ext uri="{28A0092B-C50C-407E-A947-70E740481C1C}">
+                <a14:useLocalDpi xmlns:a14="http://schemas.microsoft.com/office/drawing/2010/main" val="0"/>
+              </a:ext>
+              <a:ext uri="{96DAC541-7B7A-43D3-8B79-37D633B846F1}">
+                <asvg:svgBlip xmlns:asvg="http://schemas.microsoft.com/office/drawing/2016/SVG/main" r:embed="rId3"/>
+              </a:ext>
+            </a:extLst>
+          </a:blip>
+          <a:stretch>
+            <a:fillRect/>
+          </a:stretch>
+        </p:blipFill>
+        <p:spPr>
+          <a:xfrm>
+            <a:off x="7461874" y="2108877"/>
+            <a:ext cx="2654533" cy="2654533"/>
+          </a:xfrm>
+          <a:prstGeom prst="rect">
+            <a:avLst/>
+          </a:prstGeom>
+        </p:spPr>
+      </p:pic>
     </p:spTree>
     <p:extLst>
       <p:ext uri="{BB962C8B-B14F-4D97-AF65-F5344CB8AC3E}">
@@ -3539,6 +7625,14 @@
 <file path=ppt/slides/slide2.xml><?xml version="1.0" encoding="utf-8"?>
 <p:sld xmlns:a="http://schemas.openxmlformats.org/drawingml/2006/main" xmlns:r="http://schemas.openxmlformats.org/officeDocument/2006/relationships" xmlns:p="http://schemas.openxmlformats.org/presentationml/2006/main">
   <p:cSld>
+    <p:bg>
+      <p:bgPr>
+        <a:solidFill>
+          <a:schemeClr val="bg1"/>
+        </a:solidFill>
+        <a:effectLst/>
+      </p:bgPr>
+    </p:bg>
     <p:spTree>
       <p:nvGrpSpPr>
         <p:cNvPr id="1" name=""/>
@@ -3553,6 +7647,308 @@
           <a:chExt cx="0" cy="0"/>
         </a:xfrm>
       </p:grpSpPr>
+      <p:sp useBgFill="1">
+        <p:nvSpPr>
+          <p:cNvPr id="6" name="Rectangle 8">
+            <a:extLst>
+              <a:ext uri="{FF2B5EF4-FFF2-40B4-BE49-F238E27FC236}">
+                <a16:creationId xmlns:a16="http://schemas.microsoft.com/office/drawing/2014/main" id="{BACC6370-2D7E-4714-9D71-7542949D7D5D}"/>
+              </a:ext>
+              <a:ext uri="{C183D7F6-B498-43B3-948B-1728B52AA6E4}">
+                <adec:decorative xmlns:adec="http://schemas.microsoft.com/office/drawing/2017/decorative" val="1"/>
+              </a:ext>
+            </a:extLst>
+          </p:cNvPr>
+          <p:cNvSpPr>
+            <a:spLocks noGrp="1" noRot="1" noChangeAspect="1" noMove="1" noResize="1" noEditPoints="1" noAdjustHandles="1" noChangeArrowheads="1" noChangeShapeType="1" noTextEdit="1"/>
+          </p:cNvSpPr>
+          <p:nvPr>
+            <p:extLst>
+              <p:ext uri="{386F3935-93C4-4BCD-93E2-E3B085C9AB24}">
+                <p16:designElem xmlns:p16="http://schemas.microsoft.com/office/powerpoint/2015/main" val="1"/>
+              </p:ext>
+            </p:extLst>
+          </p:nvPr>
+        </p:nvSpPr>
+        <p:spPr>
+          <a:xfrm>
+            <a:off x="0" y="0"/>
+            <a:ext cx="12192000" cy="6858000"/>
+          </a:xfrm>
+          <a:prstGeom prst="rect">
+            <a:avLst/>
+          </a:prstGeom>
+          <a:ln w="12700" cap="flat" cmpd="sng" algn="ctr">
+            <a:noFill/>
+            <a:prstDash val="solid"/>
+            <a:miter lim="800000"/>
+          </a:ln>
+          <a:effectLst/>
+          <a:extLst>
+            <a:ext uri="{91240B29-F687-4F45-9708-019B960494DF}">
+              <a14:hiddenLine xmlns:a14="http://schemas.microsoft.com/office/drawing/2010/main" w="12700" cap="flat" cmpd="sng" algn="ctr">
+                <a:solidFill>
+                  <a:schemeClr val="accent1">
+                    <a:shade val="50000"/>
+                  </a:schemeClr>
+                </a:solidFill>
+                <a:prstDash val="solid"/>
+                <a:miter lim="800000"/>
+              </a14:hiddenLine>
+            </a:ext>
+          </a:extLst>
+        </p:spPr>
+        <p:style>
+          <a:lnRef idx="2">
+            <a:schemeClr val="accent1">
+              <a:shade val="50000"/>
+            </a:schemeClr>
+          </a:lnRef>
+          <a:fillRef idx="1">
+            <a:schemeClr val="accent1"/>
+          </a:fillRef>
+          <a:effectRef idx="0">
+            <a:schemeClr val="accent1"/>
+          </a:effectRef>
+          <a:fontRef idx="minor">
+            <a:schemeClr val="lt1"/>
+          </a:fontRef>
+        </p:style>
+        <p:txBody>
+          <a:bodyPr rtlCol="0" anchor="ctr"/>
+          <a:lstStyle/>
+          <a:p>
+            <a:pPr algn="ctr"/>
+            <a:endParaRPr lang="en-US"/>
+          </a:p>
+        </p:txBody>
+      </p:sp>
+      <p:sp>
+        <p:nvSpPr>
+          <p:cNvPr id="7" name="Rectangle 10">
+            <a:extLst>
+              <a:ext uri="{FF2B5EF4-FFF2-40B4-BE49-F238E27FC236}">
+                <a16:creationId xmlns:a16="http://schemas.microsoft.com/office/drawing/2014/main" id="{F68B3F68-107C-434F-AA38-110D5EA91B85}"/>
+              </a:ext>
+              <a:ext uri="{C183D7F6-B498-43B3-948B-1728B52AA6E4}">
+                <adec:decorative xmlns:adec="http://schemas.microsoft.com/office/drawing/2017/decorative" val="1"/>
+              </a:ext>
+            </a:extLst>
+          </p:cNvPr>
+          <p:cNvSpPr>
+            <a:spLocks noGrp="1" noRot="1" noChangeAspect="1" noMove="1" noResize="1" noEditPoints="1" noAdjustHandles="1" noChangeArrowheads="1" noChangeShapeType="1" noTextEdit="1"/>
+          </p:cNvSpPr>
+          <p:nvPr>
+            <p:extLst>
+              <p:ext uri="{386F3935-93C4-4BCD-93E2-E3B085C9AB24}">
+                <p16:designElem xmlns:p16="http://schemas.microsoft.com/office/powerpoint/2015/main" val="1"/>
+              </p:ext>
+            </p:extLst>
+          </p:nvPr>
+        </p:nvSpPr>
+        <p:spPr>
+          <a:xfrm flipH="1">
+            <a:off x="2" y="0"/>
+            <a:ext cx="12191998" cy="1575955"/>
+          </a:xfrm>
+          <a:prstGeom prst="rect">
+            <a:avLst/>
+          </a:prstGeom>
+          <a:gradFill>
+            <a:gsLst>
+              <a:gs pos="0">
+                <a:srgbClr val="000000">
+                  <a:alpha val="96000"/>
+                </a:srgbClr>
+              </a:gs>
+              <a:gs pos="100000">
+                <a:schemeClr val="accent1">
+                  <a:lumMod val="75000"/>
+                </a:schemeClr>
+              </a:gs>
+            </a:gsLst>
+            <a:lin ang="8400000" scaled="0"/>
+          </a:gradFill>
+          <a:ln>
+            <a:noFill/>
+          </a:ln>
+        </p:spPr>
+        <p:style>
+          <a:lnRef idx="2">
+            <a:schemeClr val="accent1">
+              <a:shade val="50000"/>
+            </a:schemeClr>
+          </a:lnRef>
+          <a:fillRef idx="1">
+            <a:schemeClr val="accent1"/>
+          </a:fillRef>
+          <a:effectRef idx="0">
+            <a:schemeClr val="accent1"/>
+          </a:effectRef>
+          <a:fontRef idx="minor">
+            <a:schemeClr val="lt1"/>
+          </a:fontRef>
+        </p:style>
+        <p:txBody>
+          <a:bodyPr rtlCol="0" anchor="ctr"/>
+          <a:lstStyle/>
+          <a:p>
+            <a:pPr algn="ctr"/>
+            <a:endParaRPr lang="en-US"/>
+          </a:p>
+        </p:txBody>
+      </p:sp>
+      <p:sp>
+        <p:nvSpPr>
+          <p:cNvPr id="8" name="Rectangle 12">
+            <a:extLst>
+              <a:ext uri="{FF2B5EF4-FFF2-40B4-BE49-F238E27FC236}">
+                <a16:creationId xmlns:a16="http://schemas.microsoft.com/office/drawing/2014/main" id="{AAD0DBB9-1A4B-4391-81D4-CB19F9AB918A}"/>
+              </a:ext>
+              <a:ext uri="{C183D7F6-B498-43B3-948B-1728B52AA6E4}">
+                <adec:decorative xmlns:adec="http://schemas.microsoft.com/office/drawing/2017/decorative" val="1"/>
+              </a:ext>
+            </a:extLst>
+          </p:cNvPr>
+          <p:cNvSpPr>
+            <a:spLocks noGrp="1" noRot="1" noChangeAspect="1" noMove="1" noResize="1" noEditPoints="1" noAdjustHandles="1" noChangeArrowheads="1" noChangeShapeType="1" noTextEdit="1"/>
+          </p:cNvSpPr>
+          <p:nvPr>
+            <p:extLst>
+              <p:ext uri="{386F3935-93C4-4BCD-93E2-E3B085C9AB24}">
+                <p16:designElem xmlns:p16="http://schemas.microsoft.com/office/powerpoint/2015/main" val="1"/>
+              </p:ext>
+            </p:extLst>
+          </p:nvPr>
+        </p:nvSpPr>
+        <p:spPr>
+          <a:xfrm rot="10800000" flipH="1">
+            <a:off x="8128857" y="0"/>
+            <a:ext cx="4063143" cy="1576412"/>
+          </a:xfrm>
+          <a:prstGeom prst="rect">
+            <a:avLst/>
+          </a:prstGeom>
+          <a:gradFill>
+            <a:gsLst>
+              <a:gs pos="19000">
+                <a:schemeClr val="accent1">
+                  <a:lumMod val="50000"/>
+                  <a:alpha val="68000"/>
+                </a:schemeClr>
+              </a:gs>
+              <a:gs pos="100000">
+                <a:schemeClr val="accent1">
+                  <a:alpha val="79000"/>
+                </a:schemeClr>
+              </a:gs>
+            </a:gsLst>
+            <a:lin ang="19200000" scaled="0"/>
+          </a:gradFill>
+          <a:ln>
+            <a:noFill/>
+          </a:ln>
+        </p:spPr>
+        <p:style>
+          <a:lnRef idx="2">
+            <a:schemeClr val="accent1">
+              <a:shade val="50000"/>
+            </a:schemeClr>
+          </a:lnRef>
+          <a:fillRef idx="1">
+            <a:schemeClr val="accent1"/>
+          </a:fillRef>
+          <a:effectRef idx="0">
+            <a:schemeClr val="accent1"/>
+          </a:effectRef>
+          <a:fontRef idx="minor">
+            <a:schemeClr val="lt1"/>
+          </a:fontRef>
+        </p:style>
+        <p:txBody>
+          <a:bodyPr rtlCol="0" anchor="ctr"/>
+          <a:lstStyle/>
+          <a:p>
+            <a:pPr algn="ctr"/>
+            <a:endParaRPr lang="en-US"/>
+          </a:p>
+        </p:txBody>
+      </p:sp>
+      <p:sp>
+        <p:nvSpPr>
+          <p:cNvPr id="10" name="Rectangle 14">
+            <a:extLst>
+              <a:ext uri="{FF2B5EF4-FFF2-40B4-BE49-F238E27FC236}">
+                <a16:creationId xmlns:a16="http://schemas.microsoft.com/office/drawing/2014/main" id="{063BBA22-50EA-4C4D-BE05-F1CE4E63AA56}"/>
+              </a:ext>
+              <a:ext uri="{C183D7F6-B498-43B3-948B-1728B52AA6E4}">
+                <adec:decorative xmlns:adec="http://schemas.microsoft.com/office/drawing/2017/decorative" val="1"/>
+              </a:ext>
+            </a:extLst>
+          </p:cNvPr>
+          <p:cNvSpPr>
+            <a:spLocks noGrp="1" noRot="1" noChangeAspect="1" noMove="1" noResize="1" noEditPoints="1" noAdjustHandles="1" noChangeArrowheads="1" noChangeShapeType="1" noTextEdit="1"/>
+          </p:cNvSpPr>
+          <p:nvPr>
+            <p:extLst>
+              <p:ext uri="{386F3935-93C4-4BCD-93E2-E3B085C9AB24}">
+                <p16:designElem xmlns:p16="http://schemas.microsoft.com/office/powerpoint/2015/main" val="1"/>
+              </p:ext>
+            </p:extLst>
+          </p:nvPr>
+        </p:nvSpPr>
+        <p:spPr>
+          <a:xfrm rot="5400000">
+            <a:off x="5307777" y="-5307778"/>
+            <a:ext cx="1576446" cy="12192002"/>
+          </a:xfrm>
+          <a:prstGeom prst="rect">
+            <a:avLst/>
+          </a:prstGeom>
+          <a:gradFill>
+            <a:gsLst>
+              <a:gs pos="23000">
+                <a:schemeClr val="accent1">
+                  <a:alpha val="0"/>
+                </a:schemeClr>
+              </a:gs>
+              <a:gs pos="99000">
+                <a:srgbClr val="000000">
+                  <a:alpha val="74000"/>
+                </a:srgbClr>
+              </a:gs>
+            </a:gsLst>
+            <a:lin ang="20400000" scaled="0"/>
+          </a:gradFill>
+          <a:ln>
+            <a:noFill/>
+          </a:ln>
+        </p:spPr>
+        <p:style>
+          <a:lnRef idx="2">
+            <a:schemeClr val="accent1">
+              <a:shade val="50000"/>
+            </a:schemeClr>
+          </a:lnRef>
+          <a:fillRef idx="1">
+            <a:schemeClr val="accent1"/>
+          </a:fillRef>
+          <a:effectRef idx="0">
+            <a:schemeClr val="accent1"/>
+          </a:effectRef>
+          <a:fontRef idx="minor">
+            <a:schemeClr val="lt1"/>
+          </a:fontRef>
+        </p:style>
+        <p:txBody>
+          <a:bodyPr rtlCol="0" anchor="ctr"/>
+          <a:lstStyle/>
+          <a:p>
+            <a:pPr algn="ctr"/>
+            <a:endParaRPr lang="en-US" dirty="0"/>
+          </a:p>
+        </p:txBody>
+      </p:sp>
       <p:sp>
         <p:nvSpPr>
           <p:cNvPr id="2" name="Title 1">
@@ -3569,65 +7965,65 @@
             <p:ph type="title"/>
           </p:nvPr>
         </p:nvSpPr>
-        <p:spPr/>
+        <p:spPr>
+          <a:xfrm>
+            <a:off x="1371597" y="348865"/>
+            <a:ext cx="10044023" cy="877729"/>
+          </a:xfrm>
+        </p:spPr>
         <p:txBody>
-          <a:bodyPr/>
+          <a:bodyPr anchor="ctr">
+            <a:normAutofit/>
+          </a:bodyPr>
           <a:lstStyle/>
           <a:p>
             <a:r>
-              <a:rPr lang="en-US" dirty="0"/>
+              <a:rPr lang="en-US" sz="4000">
+                <a:solidFill>
+                  <a:srgbClr val="FFFFFF"/>
+                </a:solidFill>
+              </a:rPr>
               <a:t>Agenda	</a:t>
             </a:r>
-            <a:endParaRPr lang="en-GB" dirty="0"/>
+            <a:endParaRPr lang="en-GB" sz="4000">
+              <a:solidFill>
+                <a:srgbClr val="FFFFFF"/>
+              </a:solidFill>
+            </a:endParaRPr>
           </a:p>
         </p:txBody>
       </p:sp>
-      <p:sp>
-        <p:nvSpPr>
-          <p:cNvPr id="3" name="Content Placeholder 2">
+      <p:graphicFrame>
+        <p:nvGraphicFramePr>
+          <p:cNvPr id="12" name="Content Placeholder 2">
             <a:extLst>
               <a:ext uri="{FF2B5EF4-FFF2-40B4-BE49-F238E27FC236}">
-                <a16:creationId xmlns:a16="http://schemas.microsoft.com/office/drawing/2014/main" id="{40C9001B-B62A-4D30-84D2-54AF8318DA1F}"/>
+                <a16:creationId xmlns:a16="http://schemas.microsoft.com/office/drawing/2014/main" id="{A5A4C080-DB32-26A6-3579-42B671D802FD}"/>
               </a:ext>
             </a:extLst>
           </p:cNvPr>
-          <p:cNvSpPr>
-            <a:spLocks noGrp="1"/>
-          </p:cNvSpPr>
+          <p:cNvGraphicFramePr>
+            <a:graphicFrameLocks noGrp="1"/>
+          </p:cNvGraphicFramePr>
           <p:nvPr>
             <p:ph idx="1"/>
+            <p:extLst>
+              <p:ext uri="{D42A27DB-BD31-4B8C-83A1-F6EECF244321}">
+                <p14:modId xmlns:p14="http://schemas.microsoft.com/office/powerpoint/2010/main" val="2199332262"/>
+              </p:ext>
+            </p:extLst>
           </p:nvPr>
-        </p:nvSpPr>
-        <p:spPr/>
-        <p:txBody>
-          <a:bodyPr/>
-          <a:lstStyle/>
-          <a:p>
-            <a:r>
-              <a:rPr lang="en-US" dirty="0"/>
-              <a:t>Elevator Pitch</a:t>
-            </a:r>
-          </a:p>
-          <a:p>
-            <a:r>
-              <a:rPr lang="en-GB" dirty="0"/>
-              <a:t>Keywords Search</a:t>
-            </a:r>
-          </a:p>
-          <a:p>
-            <a:r>
-              <a:rPr lang="en-GB" dirty="0"/>
-              <a:t>Search Results	</a:t>
-            </a:r>
-          </a:p>
-          <a:p>
-            <a:pPr marL="0" indent="0">
-              <a:buNone/>
-            </a:pPr>
-            <a:endParaRPr lang="en-GB" dirty="0"/>
-          </a:p>
-        </p:txBody>
-      </p:sp>
+        </p:nvGraphicFramePr>
+        <p:xfrm>
+          <a:off x="644056" y="2112579"/>
+          <a:ext cx="10927829" cy="4192805"/>
+        </p:xfrm>
+        <a:graphic>
+          <a:graphicData uri="http://schemas.openxmlformats.org/drawingml/2006/diagram">
+            <dgm:relIds xmlns:dgm="http://schemas.openxmlformats.org/drawingml/2006/diagram" xmlns:r="http://schemas.openxmlformats.org/officeDocument/2006/relationships" r:dm="rId2" r:lo="rId3" r:qs="rId4" r:cs="rId5"/>
+          </a:graphicData>
+        </a:graphic>
+      </p:graphicFrame>
     </p:spTree>
     <p:extLst>
       <p:ext uri="{BB962C8B-B14F-4D97-AF65-F5344CB8AC3E}">
@@ -3644,6 +8040,14 @@
 <file path=ppt/slides/slide3.xml><?xml version="1.0" encoding="utf-8"?>
 <p:sld xmlns:a="http://schemas.openxmlformats.org/drawingml/2006/main" xmlns:r="http://schemas.openxmlformats.org/officeDocument/2006/relationships" xmlns:p="http://schemas.openxmlformats.org/presentationml/2006/main">
   <p:cSld>
+    <p:bg>
+      <p:bgPr>
+        <a:solidFill>
+          <a:schemeClr val="bg1"/>
+        </a:solidFill>
+        <a:effectLst/>
+      </p:bgPr>
+    </p:bg>
     <p:spTree>
       <p:nvGrpSpPr>
         <p:cNvPr id="1" name=""/>
@@ -3658,6 +8062,308 @@
           <a:chExt cx="0" cy="0"/>
         </a:xfrm>
       </p:grpSpPr>
+      <p:sp useBgFill="1">
+        <p:nvSpPr>
+          <p:cNvPr id="15" name="Rectangle 9">
+            <a:extLst>
+              <a:ext uri="{FF2B5EF4-FFF2-40B4-BE49-F238E27FC236}">
+                <a16:creationId xmlns:a16="http://schemas.microsoft.com/office/drawing/2014/main" id="{BACC6370-2D7E-4714-9D71-7542949D7D5D}"/>
+              </a:ext>
+              <a:ext uri="{C183D7F6-B498-43B3-948B-1728B52AA6E4}">
+                <adec:decorative xmlns:adec="http://schemas.microsoft.com/office/drawing/2017/decorative" val="1"/>
+              </a:ext>
+            </a:extLst>
+          </p:cNvPr>
+          <p:cNvSpPr>
+            <a:spLocks noGrp="1" noRot="1" noChangeAspect="1" noMove="1" noResize="1" noEditPoints="1" noAdjustHandles="1" noChangeArrowheads="1" noChangeShapeType="1" noTextEdit="1"/>
+          </p:cNvSpPr>
+          <p:nvPr>
+            <p:extLst>
+              <p:ext uri="{386F3935-93C4-4BCD-93E2-E3B085C9AB24}">
+                <p16:designElem xmlns:p16="http://schemas.microsoft.com/office/powerpoint/2015/main" val="1"/>
+              </p:ext>
+            </p:extLst>
+          </p:nvPr>
+        </p:nvSpPr>
+        <p:spPr>
+          <a:xfrm>
+            <a:off x="0" y="0"/>
+            <a:ext cx="12192000" cy="6858000"/>
+          </a:xfrm>
+          <a:prstGeom prst="rect">
+            <a:avLst/>
+          </a:prstGeom>
+          <a:ln w="12700" cap="flat" cmpd="sng" algn="ctr">
+            <a:noFill/>
+            <a:prstDash val="solid"/>
+            <a:miter lim="800000"/>
+          </a:ln>
+          <a:effectLst/>
+          <a:extLst>
+            <a:ext uri="{91240B29-F687-4F45-9708-019B960494DF}">
+              <a14:hiddenLine xmlns:a14="http://schemas.microsoft.com/office/drawing/2010/main" w="12700" cap="flat" cmpd="sng" algn="ctr">
+                <a:solidFill>
+                  <a:schemeClr val="accent1">
+                    <a:shade val="50000"/>
+                  </a:schemeClr>
+                </a:solidFill>
+                <a:prstDash val="solid"/>
+                <a:miter lim="800000"/>
+              </a14:hiddenLine>
+            </a:ext>
+          </a:extLst>
+        </p:spPr>
+        <p:style>
+          <a:lnRef idx="2">
+            <a:schemeClr val="accent1">
+              <a:shade val="50000"/>
+            </a:schemeClr>
+          </a:lnRef>
+          <a:fillRef idx="1">
+            <a:schemeClr val="accent1"/>
+          </a:fillRef>
+          <a:effectRef idx="0">
+            <a:schemeClr val="accent1"/>
+          </a:effectRef>
+          <a:fontRef idx="minor">
+            <a:schemeClr val="lt1"/>
+          </a:fontRef>
+        </p:style>
+        <p:txBody>
+          <a:bodyPr rtlCol="0" anchor="ctr"/>
+          <a:lstStyle/>
+          <a:p>
+            <a:pPr algn="ctr"/>
+            <a:endParaRPr lang="en-US"/>
+          </a:p>
+        </p:txBody>
+      </p:sp>
+      <p:sp>
+        <p:nvSpPr>
+          <p:cNvPr id="17" name="Rectangle 11">
+            <a:extLst>
+              <a:ext uri="{FF2B5EF4-FFF2-40B4-BE49-F238E27FC236}">
+                <a16:creationId xmlns:a16="http://schemas.microsoft.com/office/drawing/2014/main" id="{F68B3F68-107C-434F-AA38-110D5EA91B85}"/>
+              </a:ext>
+              <a:ext uri="{C183D7F6-B498-43B3-948B-1728B52AA6E4}">
+                <adec:decorative xmlns:adec="http://schemas.microsoft.com/office/drawing/2017/decorative" val="1"/>
+              </a:ext>
+            </a:extLst>
+          </p:cNvPr>
+          <p:cNvSpPr>
+            <a:spLocks noGrp="1" noRot="1" noChangeAspect="1" noMove="1" noResize="1" noEditPoints="1" noAdjustHandles="1" noChangeArrowheads="1" noChangeShapeType="1" noTextEdit="1"/>
+          </p:cNvSpPr>
+          <p:nvPr>
+            <p:extLst>
+              <p:ext uri="{386F3935-93C4-4BCD-93E2-E3B085C9AB24}">
+                <p16:designElem xmlns:p16="http://schemas.microsoft.com/office/powerpoint/2015/main" val="1"/>
+              </p:ext>
+            </p:extLst>
+          </p:nvPr>
+        </p:nvSpPr>
+        <p:spPr>
+          <a:xfrm flipH="1">
+            <a:off x="2" y="0"/>
+            <a:ext cx="12191998" cy="1575955"/>
+          </a:xfrm>
+          <a:prstGeom prst="rect">
+            <a:avLst/>
+          </a:prstGeom>
+          <a:gradFill>
+            <a:gsLst>
+              <a:gs pos="0">
+                <a:srgbClr val="000000">
+                  <a:alpha val="96000"/>
+                </a:srgbClr>
+              </a:gs>
+              <a:gs pos="100000">
+                <a:schemeClr val="accent1">
+                  <a:lumMod val="75000"/>
+                </a:schemeClr>
+              </a:gs>
+            </a:gsLst>
+            <a:lin ang="8400000" scaled="0"/>
+          </a:gradFill>
+          <a:ln>
+            <a:noFill/>
+          </a:ln>
+        </p:spPr>
+        <p:style>
+          <a:lnRef idx="2">
+            <a:schemeClr val="accent1">
+              <a:shade val="50000"/>
+            </a:schemeClr>
+          </a:lnRef>
+          <a:fillRef idx="1">
+            <a:schemeClr val="accent1"/>
+          </a:fillRef>
+          <a:effectRef idx="0">
+            <a:schemeClr val="accent1"/>
+          </a:effectRef>
+          <a:fontRef idx="minor">
+            <a:schemeClr val="lt1"/>
+          </a:fontRef>
+        </p:style>
+        <p:txBody>
+          <a:bodyPr rtlCol="0" anchor="ctr"/>
+          <a:lstStyle/>
+          <a:p>
+            <a:pPr algn="ctr"/>
+            <a:endParaRPr lang="en-US"/>
+          </a:p>
+        </p:txBody>
+      </p:sp>
+      <p:sp>
+        <p:nvSpPr>
+          <p:cNvPr id="18" name="Rectangle 13">
+            <a:extLst>
+              <a:ext uri="{FF2B5EF4-FFF2-40B4-BE49-F238E27FC236}">
+                <a16:creationId xmlns:a16="http://schemas.microsoft.com/office/drawing/2014/main" id="{AAD0DBB9-1A4B-4391-81D4-CB19F9AB918A}"/>
+              </a:ext>
+              <a:ext uri="{C183D7F6-B498-43B3-948B-1728B52AA6E4}">
+                <adec:decorative xmlns:adec="http://schemas.microsoft.com/office/drawing/2017/decorative" val="1"/>
+              </a:ext>
+            </a:extLst>
+          </p:cNvPr>
+          <p:cNvSpPr>
+            <a:spLocks noGrp="1" noRot="1" noChangeAspect="1" noMove="1" noResize="1" noEditPoints="1" noAdjustHandles="1" noChangeArrowheads="1" noChangeShapeType="1" noTextEdit="1"/>
+          </p:cNvSpPr>
+          <p:nvPr>
+            <p:extLst>
+              <p:ext uri="{386F3935-93C4-4BCD-93E2-E3B085C9AB24}">
+                <p16:designElem xmlns:p16="http://schemas.microsoft.com/office/powerpoint/2015/main" val="1"/>
+              </p:ext>
+            </p:extLst>
+          </p:nvPr>
+        </p:nvSpPr>
+        <p:spPr>
+          <a:xfrm rot="10800000" flipH="1">
+            <a:off x="8128857" y="0"/>
+            <a:ext cx="4063143" cy="1576412"/>
+          </a:xfrm>
+          <a:prstGeom prst="rect">
+            <a:avLst/>
+          </a:prstGeom>
+          <a:gradFill>
+            <a:gsLst>
+              <a:gs pos="19000">
+                <a:schemeClr val="accent1">
+                  <a:lumMod val="50000"/>
+                  <a:alpha val="68000"/>
+                </a:schemeClr>
+              </a:gs>
+              <a:gs pos="100000">
+                <a:schemeClr val="accent1">
+                  <a:alpha val="79000"/>
+                </a:schemeClr>
+              </a:gs>
+            </a:gsLst>
+            <a:lin ang="19200000" scaled="0"/>
+          </a:gradFill>
+          <a:ln>
+            <a:noFill/>
+          </a:ln>
+        </p:spPr>
+        <p:style>
+          <a:lnRef idx="2">
+            <a:schemeClr val="accent1">
+              <a:shade val="50000"/>
+            </a:schemeClr>
+          </a:lnRef>
+          <a:fillRef idx="1">
+            <a:schemeClr val="accent1"/>
+          </a:fillRef>
+          <a:effectRef idx="0">
+            <a:schemeClr val="accent1"/>
+          </a:effectRef>
+          <a:fontRef idx="minor">
+            <a:schemeClr val="lt1"/>
+          </a:fontRef>
+        </p:style>
+        <p:txBody>
+          <a:bodyPr rtlCol="0" anchor="ctr"/>
+          <a:lstStyle/>
+          <a:p>
+            <a:pPr algn="ctr"/>
+            <a:endParaRPr lang="en-US"/>
+          </a:p>
+        </p:txBody>
+      </p:sp>
+      <p:sp>
+        <p:nvSpPr>
+          <p:cNvPr id="16" name="Rectangle 15">
+            <a:extLst>
+              <a:ext uri="{FF2B5EF4-FFF2-40B4-BE49-F238E27FC236}">
+                <a16:creationId xmlns:a16="http://schemas.microsoft.com/office/drawing/2014/main" id="{063BBA22-50EA-4C4D-BE05-F1CE4E63AA56}"/>
+              </a:ext>
+              <a:ext uri="{C183D7F6-B498-43B3-948B-1728B52AA6E4}">
+                <adec:decorative xmlns:adec="http://schemas.microsoft.com/office/drawing/2017/decorative" val="1"/>
+              </a:ext>
+            </a:extLst>
+          </p:cNvPr>
+          <p:cNvSpPr>
+            <a:spLocks noGrp="1" noRot="1" noChangeAspect="1" noMove="1" noResize="1" noEditPoints="1" noAdjustHandles="1" noChangeArrowheads="1" noChangeShapeType="1" noTextEdit="1"/>
+          </p:cNvSpPr>
+          <p:nvPr>
+            <p:extLst>
+              <p:ext uri="{386F3935-93C4-4BCD-93E2-E3B085C9AB24}">
+                <p16:designElem xmlns:p16="http://schemas.microsoft.com/office/powerpoint/2015/main" val="1"/>
+              </p:ext>
+            </p:extLst>
+          </p:nvPr>
+        </p:nvSpPr>
+        <p:spPr>
+          <a:xfrm rot="5400000">
+            <a:off x="5307777" y="-5307778"/>
+            <a:ext cx="1576446" cy="12192002"/>
+          </a:xfrm>
+          <a:prstGeom prst="rect">
+            <a:avLst/>
+          </a:prstGeom>
+          <a:gradFill>
+            <a:gsLst>
+              <a:gs pos="23000">
+                <a:schemeClr val="accent1">
+                  <a:alpha val="0"/>
+                </a:schemeClr>
+              </a:gs>
+              <a:gs pos="99000">
+                <a:srgbClr val="000000">
+                  <a:alpha val="74000"/>
+                </a:srgbClr>
+              </a:gs>
+            </a:gsLst>
+            <a:lin ang="20400000" scaled="0"/>
+          </a:gradFill>
+          <a:ln>
+            <a:noFill/>
+          </a:ln>
+        </p:spPr>
+        <p:style>
+          <a:lnRef idx="2">
+            <a:schemeClr val="accent1">
+              <a:shade val="50000"/>
+            </a:schemeClr>
+          </a:lnRef>
+          <a:fillRef idx="1">
+            <a:schemeClr val="accent1"/>
+          </a:fillRef>
+          <a:effectRef idx="0">
+            <a:schemeClr val="accent1"/>
+          </a:effectRef>
+          <a:fontRef idx="minor">
+            <a:schemeClr val="lt1"/>
+          </a:fontRef>
+        </p:style>
+        <p:txBody>
+          <a:bodyPr rtlCol="0" anchor="ctr"/>
+          <a:lstStyle/>
+          <a:p>
+            <a:pPr algn="ctr"/>
+            <a:endParaRPr lang="en-US" dirty="0"/>
+          </a:p>
+        </p:txBody>
+      </p:sp>
       <p:sp>
         <p:nvSpPr>
           <p:cNvPr id="2" name="Title 1">
@@ -3674,16 +8380,31 @@
             <p:ph type="title"/>
           </p:nvPr>
         </p:nvSpPr>
-        <p:spPr/>
+        <p:spPr>
+          <a:xfrm>
+            <a:off x="1371597" y="348865"/>
+            <a:ext cx="10044023" cy="877729"/>
+          </a:xfrm>
+        </p:spPr>
         <p:txBody>
-          <a:bodyPr/>
+          <a:bodyPr anchor="ctr">
+            <a:normAutofit/>
+          </a:bodyPr>
           <a:lstStyle/>
           <a:p>
             <a:r>
-              <a:rPr lang="en-US" dirty="0"/>
-              <a:t>Research Proposal Review</a:t>
+              <a:rPr lang="en-US" sz="4000">
+                <a:solidFill>
+                  <a:srgbClr val="FFFFFF"/>
+                </a:solidFill>
+              </a:rPr>
+              <a:t>Research Proposal Review: Background</a:t>
             </a:r>
-            <a:endParaRPr lang="en-GB" dirty="0"/>
+            <a:endParaRPr lang="en-GB" sz="4000">
+              <a:solidFill>
+                <a:srgbClr val="FFFFFF"/>
+              </a:solidFill>
+            </a:endParaRPr>
           </a:p>
         </p:txBody>
       </p:sp>
@@ -3697,23 +8418,121 @@
             </a:extLst>
           </p:cNvPr>
           <p:cNvSpPr>
-            <a:spLocks noGrp="1"/>
+            <a:spLocks/>
           </p:cNvSpPr>
-          <p:nvPr>
-            <p:ph idx="1"/>
-          </p:nvPr>
+          <p:nvPr/>
         </p:nvSpPr>
-        <p:spPr/>
+        <p:spPr>
+          <a:xfrm>
+            <a:off x="811659" y="2112579"/>
+            <a:ext cx="10603962" cy="3743104"/>
+          </a:xfrm>
+          <a:prstGeom prst="rect">
+            <a:avLst/>
+          </a:prstGeom>
+        </p:spPr>
         <p:txBody>
-          <a:bodyPr/>
+          <a:bodyPr>
+            <a:normAutofit/>
+          </a:bodyPr>
           <a:lstStyle/>
           <a:p>
+            <a:pPr marL="285750" indent="-285750" defTabSz="777240">
+              <a:spcAft>
+                <a:spcPts val="600"/>
+              </a:spcAft>
+              <a:buFont typeface="Arial" panose="020B0604020202020204" pitchFamily="34" charset="0"/>
+              <a:buChar char="•"/>
+            </a:pPr>
             <a:r>
-              <a:rPr lang="en-US" dirty="0"/>
+              <a:rPr lang="en-US" sz="2000" kern="1200" dirty="0">
+                <a:solidFill>
+                  <a:schemeClr val="tx1"/>
+                </a:solidFill>
+                <a:latin typeface="+mn-lt"/>
+                <a:ea typeface="+mn-ea"/>
+                <a:cs typeface="+mn-cs"/>
+              </a:rPr>
               <a:t>Since the introduction of the IoT, we live in a world where sensors have become common place, and the of devices are projected to nearly double from today’s levels [1] </a:t>
             </a:r>
           </a:p>
           <a:p>
+            <a:pPr marL="285750" indent="-285750" defTabSz="777240">
+              <a:spcAft>
+                <a:spcPts val="600"/>
+              </a:spcAft>
+              <a:buFont typeface="Arial" panose="020B0604020202020204" pitchFamily="34" charset="0"/>
+              <a:buChar char="•"/>
+            </a:pPr>
+            <a:r>
+              <a:rPr lang="en-US" sz="2000" kern="1200" dirty="0">
+                <a:solidFill>
+                  <a:schemeClr val="tx1"/>
+                </a:solidFill>
+                <a:latin typeface="+mn-lt"/>
+                <a:ea typeface="+mn-ea"/>
+                <a:cs typeface="+mn-cs"/>
+              </a:rPr>
+              <a:t>As these sensors become commonplace, they are generating vast of data from a wide range of systems and devices.</a:t>
+            </a:r>
+          </a:p>
+          <a:p>
+            <a:pPr marL="285750" indent="-285750" defTabSz="777240">
+              <a:spcAft>
+                <a:spcPts val="600"/>
+              </a:spcAft>
+              <a:buFont typeface="Arial" panose="020B0604020202020204" pitchFamily="34" charset="0"/>
+              <a:buChar char="•"/>
+            </a:pPr>
+            <a:r>
+              <a:rPr lang="en-US" sz="2000" kern="1200" dirty="0">
+                <a:solidFill>
+                  <a:schemeClr val="tx1"/>
+                </a:solidFill>
+                <a:latin typeface="+mn-lt"/>
+                <a:ea typeface="+mn-ea"/>
+                <a:cs typeface="+mn-cs"/>
+              </a:rPr>
+              <a:t>As privacy concerns around this data come increasingly into focus, federated learning is seen as a promising approach which allows data to be gathered on an Edge device</a:t>
+            </a:r>
+            <a:r>
+              <a:rPr lang="en-GB" sz="2000" kern="1200" dirty="0">
+                <a:solidFill>
+                  <a:schemeClr val="tx1"/>
+                </a:solidFill>
+                <a:latin typeface="+mn-lt"/>
+                <a:ea typeface="+mn-ea"/>
+                <a:cs typeface="+mn-cs"/>
+              </a:rPr>
+              <a:t>, allowing the data to be trained on that device</a:t>
+            </a:r>
+          </a:p>
+          <a:p>
+            <a:pPr marL="285750" indent="-285750" defTabSz="777240">
+              <a:spcAft>
+                <a:spcPts val="600"/>
+              </a:spcAft>
+              <a:buFont typeface="Arial" panose="020B0604020202020204" pitchFamily="34" charset="0"/>
+              <a:buChar char="•"/>
+            </a:pPr>
+            <a:r>
+              <a:rPr lang="en-GB" sz="2000" kern="1200" dirty="0">
+                <a:solidFill>
+                  <a:schemeClr val="tx1"/>
+                </a:solidFill>
+                <a:latin typeface="+mn-lt"/>
+                <a:ea typeface="+mn-ea"/>
+                <a:cs typeface="+mn-cs"/>
+              </a:rPr>
+              <a:t>Federated learning has several challenges which must be addressed, and these challenges will form the basis of this project</a:t>
+            </a:r>
+          </a:p>
+          <a:p>
+            <a:pPr>
+              <a:spcAft>
+                <a:spcPts val="600"/>
+              </a:spcAft>
+            </a:pPr>
             <a:endParaRPr lang="en-GB" dirty="0"/>
           </a:p>
         </p:txBody>
@@ -3732,8 +8551,8 @@
         </p:nvSpPr>
         <p:spPr>
           <a:xfrm>
-            <a:off x="838200" y="5530632"/>
-            <a:ext cx="8630293" cy="646331"/>
+            <a:off x="811658" y="5699197"/>
+            <a:ext cx="10568683" cy="458587"/>
           </a:xfrm>
           <a:prstGeom prst="rect">
             <a:avLst/>
@@ -3746,34 +8565,45 @@
           </a:bodyPr>
           <a:lstStyle/>
           <a:p>
+            <a:pPr defTabSz="777240">
+              <a:spcAft>
+                <a:spcPts val="600"/>
+              </a:spcAft>
+            </a:pPr>
             <a:r>
-              <a:rPr lang="en-US" sz="1200" dirty="0">
-                <a:effectLst/>
+              <a:rPr lang="en-US" sz="1190" kern="1200" dirty="0">
+                <a:solidFill>
+                  <a:schemeClr val="tx1"/>
+                </a:solidFill>
                 <a:latin typeface="Calibri" panose="020F0502020204030204" pitchFamily="34" charset="0"/>
-                <a:ea typeface="Calibri" panose="020F0502020204030204" pitchFamily="34" charset="0"/>
+                <a:ea typeface="+mn-ea"/>
                 <a:cs typeface="Times New Roman" panose="02020603050405020304" pitchFamily="18" charset="0"/>
               </a:rPr>
               <a:t>[1] L. Sujay </a:t>
             </a:r>
             <a:r>
-              <a:rPr lang="en-US" sz="1200" dirty="0" err="1">
-                <a:effectLst/>
+              <a:rPr lang="en-US" sz="1190" kern="1200" dirty="0" err="1">
+                <a:solidFill>
+                  <a:schemeClr val="tx1"/>
+                </a:solidFill>
                 <a:latin typeface="Calibri" panose="020F0502020204030204" pitchFamily="34" charset="0"/>
-                <a:ea typeface="Calibri" panose="020F0502020204030204" pitchFamily="34" charset="0"/>
+                <a:ea typeface="+mn-ea"/>
                 <a:cs typeface="Times New Roman" panose="02020603050405020304" pitchFamily="18" charset="0"/>
               </a:rPr>
               <a:t>Vailshery</a:t>
             </a:r>
             <a:r>
-              <a:rPr lang="en-US" sz="1200" dirty="0">
-                <a:effectLst/>
+              <a:rPr lang="en-US" sz="1190" kern="1200" dirty="0">
+                <a:solidFill>
+                  <a:schemeClr val="tx1"/>
+                </a:solidFill>
                 <a:latin typeface="Calibri" panose="020F0502020204030204" pitchFamily="34" charset="0"/>
-                <a:ea typeface="Calibri" panose="020F0502020204030204" pitchFamily="34" charset="0"/>
+                <a:ea typeface="+mn-ea"/>
                 <a:cs typeface="Times New Roman" panose="02020603050405020304" pitchFamily="18" charset="0"/>
               </a:rPr>
               <a:t>, "Number of Internet of Things (IoT) connected devices worldwide from 2019 to 2023, with forecasts from 2022 to 2030," Statista, July 2023. [Online]. Available: https://www.statista.com/statistics/1183457/iot-connected-devices-worldwide/. [Accessed 23 11 2].</a:t>
             </a:r>
-            <a:endParaRPr lang="en-GB" sz="1200" dirty="0"/>
+            <a:endParaRPr lang="en-GB" sz="1400" dirty="0"/>
           </a:p>
         </p:txBody>
       </p:sp>
@@ -3781,6 +8611,996 @@
     <p:extLst>
       <p:ext uri="{BB962C8B-B14F-4D97-AF65-F5344CB8AC3E}">
         <p14:creationId xmlns:p14="http://schemas.microsoft.com/office/powerpoint/2010/main" val="3874078205"/>
+      </p:ext>
+    </p:extLst>
+  </p:cSld>
+  <p:clrMapOvr>
+    <a:masterClrMapping/>
+  </p:clrMapOvr>
+</p:sld>
+</file>
+
+<file path=ppt/slides/slide4.xml><?xml version="1.0" encoding="utf-8"?>
+<p:sld xmlns:a="http://schemas.openxmlformats.org/drawingml/2006/main" xmlns:r="http://schemas.openxmlformats.org/officeDocument/2006/relationships" xmlns:p="http://schemas.openxmlformats.org/presentationml/2006/main">
+  <p:cSld>
+    <p:bg>
+      <p:bgPr>
+        <a:solidFill>
+          <a:schemeClr val="bg1"/>
+        </a:solidFill>
+        <a:effectLst/>
+      </p:bgPr>
+    </p:bg>
+    <p:spTree>
+      <p:nvGrpSpPr>
+        <p:cNvPr id="1" name=""/>
+        <p:cNvGrpSpPr/>
+        <p:nvPr/>
+      </p:nvGrpSpPr>
+      <p:grpSpPr>
+        <a:xfrm>
+          <a:off x="0" y="0"/>
+          <a:ext cx="0" cy="0"/>
+          <a:chOff x="0" y="0"/>
+          <a:chExt cx="0" cy="0"/>
+        </a:xfrm>
+      </p:grpSpPr>
+      <p:sp useBgFill="1">
+        <p:nvSpPr>
+          <p:cNvPr id="17" name="Rectangle 11">
+            <a:extLst>
+              <a:ext uri="{FF2B5EF4-FFF2-40B4-BE49-F238E27FC236}">
+                <a16:creationId xmlns:a16="http://schemas.microsoft.com/office/drawing/2014/main" id="{BACC6370-2D7E-4714-9D71-7542949D7D5D}"/>
+              </a:ext>
+              <a:ext uri="{C183D7F6-B498-43B3-948B-1728B52AA6E4}">
+                <adec:decorative xmlns:adec="http://schemas.microsoft.com/office/drawing/2017/decorative" val="1"/>
+              </a:ext>
+            </a:extLst>
+          </p:cNvPr>
+          <p:cNvSpPr>
+            <a:spLocks noGrp="1" noRot="1" noChangeAspect="1" noMove="1" noResize="1" noEditPoints="1" noAdjustHandles="1" noChangeArrowheads="1" noChangeShapeType="1" noTextEdit="1"/>
+          </p:cNvSpPr>
+          <p:nvPr>
+            <p:extLst>
+              <p:ext uri="{386F3935-93C4-4BCD-93E2-E3B085C9AB24}">
+                <p16:designElem xmlns:p16="http://schemas.microsoft.com/office/powerpoint/2015/main" val="1"/>
+              </p:ext>
+            </p:extLst>
+          </p:nvPr>
+        </p:nvSpPr>
+        <p:spPr>
+          <a:xfrm>
+            <a:off x="0" y="0"/>
+            <a:ext cx="12192000" cy="6858000"/>
+          </a:xfrm>
+          <a:prstGeom prst="rect">
+            <a:avLst/>
+          </a:prstGeom>
+          <a:ln w="12700" cap="flat" cmpd="sng" algn="ctr">
+            <a:noFill/>
+            <a:prstDash val="solid"/>
+            <a:miter lim="800000"/>
+          </a:ln>
+          <a:effectLst/>
+          <a:extLst>
+            <a:ext uri="{91240B29-F687-4F45-9708-019B960494DF}">
+              <a14:hiddenLine xmlns:a14="http://schemas.microsoft.com/office/drawing/2010/main" w="12700" cap="flat" cmpd="sng" algn="ctr">
+                <a:solidFill>
+                  <a:schemeClr val="accent1">
+                    <a:shade val="50000"/>
+                  </a:schemeClr>
+                </a:solidFill>
+                <a:prstDash val="solid"/>
+                <a:miter lim="800000"/>
+              </a14:hiddenLine>
+            </a:ext>
+          </a:extLst>
+        </p:spPr>
+        <p:style>
+          <a:lnRef idx="2">
+            <a:schemeClr val="accent1">
+              <a:shade val="50000"/>
+            </a:schemeClr>
+          </a:lnRef>
+          <a:fillRef idx="1">
+            <a:schemeClr val="accent1"/>
+          </a:fillRef>
+          <a:effectRef idx="0">
+            <a:schemeClr val="accent1"/>
+          </a:effectRef>
+          <a:fontRef idx="minor">
+            <a:schemeClr val="lt1"/>
+          </a:fontRef>
+        </p:style>
+        <p:txBody>
+          <a:bodyPr rtlCol="0" anchor="ctr"/>
+          <a:lstStyle/>
+          <a:p>
+            <a:pPr algn="ctr"/>
+            <a:endParaRPr lang="en-US"/>
+          </a:p>
+        </p:txBody>
+      </p:sp>
+      <p:sp>
+        <p:nvSpPr>
+          <p:cNvPr id="19" name="Rectangle 13">
+            <a:extLst>
+              <a:ext uri="{FF2B5EF4-FFF2-40B4-BE49-F238E27FC236}">
+                <a16:creationId xmlns:a16="http://schemas.microsoft.com/office/drawing/2014/main" id="{256B2C21-A230-48C0-8DF1-C46611373C44}"/>
+              </a:ext>
+              <a:ext uri="{C183D7F6-B498-43B3-948B-1728B52AA6E4}">
+                <adec:decorative xmlns:adec="http://schemas.microsoft.com/office/drawing/2017/decorative" val="1"/>
+              </a:ext>
+            </a:extLst>
+          </p:cNvPr>
+          <p:cNvSpPr>
+            <a:spLocks noGrp="1" noRot="1" noChangeAspect="1" noMove="1" noResize="1" noEditPoints="1" noAdjustHandles="1" noChangeArrowheads="1" noChangeShapeType="1" noTextEdit="1"/>
+          </p:cNvSpPr>
+          <p:nvPr>
+            <p:extLst>
+              <p:ext uri="{386F3935-93C4-4BCD-93E2-E3B085C9AB24}">
+                <p16:designElem xmlns:p16="http://schemas.microsoft.com/office/powerpoint/2015/main" val="1"/>
+              </p:ext>
+            </p:extLst>
+          </p:nvPr>
+        </p:nvSpPr>
+        <p:spPr>
+          <a:xfrm rot="5400000" flipH="1">
+            <a:off x="-1410084" y="1410082"/>
+            <a:ext cx="6858000" cy="4037836"/>
+          </a:xfrm>
+          <a:prstGeom prst="rect">
+            <a:avLst/>
+          </a:prstGeom>
+          <a:gradFill>
+            <a:gsLst>
+              <a:gs pos="8000">
+                <a:srgbClr val="000000"/>
+              </a:gs>
+              <a:gs pos="100000">
+                <a:schemeClr val="accent1">
+                  <a:lumMod val="75000"/>
+                </a:schemeClr>
+              </a:gs>
+            </a:gsLst>
+            <a:lin ang="3000000" scaled="0"/>
+          </a:gradFill>
+          <a:ln>
+            <a:noFill/>
+          </a:ln>
+        </p:spPr>
+        <p:style>
+          <a:lnRef idx="2">
+            <a:schemeClr val="accent1">
+              <a:shade val="50000"/>
+            </a:schemeClr>
+          </a:lnRef>
+          <a:fillRef idx="1">
+            <a:schemeClr val="accent1"/>
+          </a:fillRef>
+          <a:effectRef idx="0">
+            <a:schemeClr val="accent1"/>
+          </a:effectRef>
+          <a:fontRef idx="minor">
+            <a:schemeClr val="lt1"/>
+          </a:fontRef>
+        </p:style>
+        <p:txBody>
+          <a:bodyPr rtlCol="0" anchor="ctr"/>
+          <a:lstStyle/>
+          <a:p>
+            <a:pPr algn="ctr"/>
+            <a:endParaRPr lang="en-US"/>
+          </a:p>
+        </p:txBody>
+      </p:sp>
+      <p:sp>
+        <p:nvSpPr>
+          <p:cNvPr id="16" name="Rectangle 15">
+            <a:extLst>
+              <a:ext uri="{FF2B5EF4-FFF2-40B4-BE49-F238E27FC236}">
+                <a16:creationId xmlns:a16="http://schemas.microsoft.com/office/drawing/2014/main" id="{3847E18C-932D-4C95-AABA-FEC7C9499AD7}"/>
+              </a:ext>
+              <a:ext uri="{C183D7F6-B498-43B3-948B-1728B52AA6E4}">
+                <adec:decorative xmlns:adec="http://schemas.microsoft.com/office/drawing/2017/decorative" val="1"/>
+              </a:ext>
+            </a:extLst>
+          </p:cNvPr>
+          <p:cNvSpPr>
+            <a:spLocks noGrp="1" noRot="1" noChangeAspect="1" noMove="1" noResize="1" noEditPoints="1" noAdjustHandles="1" noChangeArrowheads="1" noChangeShapeType="1" noTextEdit="1"/>
+          </p:cNvSpPr>
+          <p:nvPr>
+            <p:extLst>
+              <p:ext uri="{386F3935-93C4-4BCD-93E2-E3B085C9AB24}">
+                <p16:designElem xmlns:p16="http://schemas.microsoft.com/office/powerpoint/2015/main" val="1"/>
+              </p:ext>
+            </p:extLst>
+          </p:nvPr>
+        </p:nvSpPr>
+        <p:spPr>
+          <a:xfrm rot="5400000" flipH="1">
+            <a:off x="-1410085" y="1420219"/>
+            <a:ext cx="6857999" cy="4037839"/>
+          </a:xfrm>
+          <a:prstGeom prst="rect">
+            <a:avLst/>
+          </a:prstGeom>
+          <a:gradFill>
+            <a:gsLst>
+              <a:gs pos="0">
+                <a:srgbClr val="000000">
+                  <a:alpha val="0"/>
+                </a:srgbClr>
+              </a:gs>
+              <a:gs pos="99000">
+                <a:schemeClr val="accent1">
+                  <a:alpha val="46000"/>
+                </a:schemeClr>
+              </a:gs>
+            </a:gsLst>
+            <a:lin ang="1800000" scaled="0"/>
+          </a:gradFill>
+          <a:ln>
+            <a:noFill/>
+          </a:ln>
+        </p:spPr>
+        <p:style>
+          <a:lnRef idx="2">
+            <a:schemeClr val="accent1">
+              <a:shade val="50000"/>
+            </a:schemeClr>
+          </a:lnRef>
+          <a:fillRef idx="1">
+            <a:schemeClr val="accent1"/>
+          </a:fillRef>
+          <a:effectRef idx="0">
+            <a:schemeClr val="accent1"/>
+          </a:effectRef>
+          <a:fontRef idx="minor">
+            <a:schemeClr val="lt1"/>
+          </a:fontRef>
+        </p:style>
+        <p:txBody>
+          <a:bodyPr rtlCol="0" anchor="ctr"/>
+          <a:lstStyle/>
+          <a:p>
+            <a:pPr algn="ctr"/>
+            <a:endParaRPr lang="en-US"/>
+          </a:p>
+        </p:txBody>
+      </p:sp>
+      <p:sp>
+        <p:nvSpPr>
+          <p:cNvPr id="18" name="Rectangle 17">
+            <a:extLst>
+              <a:ext uri="{FF2B5EF4-FFF2-40B4-BE49-F238E27FC236}">
+                <a16:creationId xmlns:a16="http://schemas.microsoft.com/office/drawing/2014/main" id="{3150CB11-0C61-439E-910F-5787759E72A0}"/>
+              </a:ext>
+              <a:ext uri="{C183D7F6-B498-43B3-948B-1728B52AA6E4}">
+                <adec:decorative xmlns:adec="http://schemas.microsoft.com/office/drawing/2017/decorative" val="1"/>
+              </a:ext>
+            </a:extLst>
+          </p:cNvPr>
+          <p:cNvSpPr>
+            <a:spLocks noGrp="1" noRot="1" noChangeAspect="1" noMove="1" noResize="1" noEditPoints="1" noAdjustHandles="1" noChangeArrowheads="1" noChangeShapeType="1" noTextEdit="1"/>
+          </p:cNvSpPr>
+          <p:nvPr>
+            <p:extLst>
+              <p:ext uri="{386F3935-93C4-4BCD-93E2-E3B085C9AB24}">
+                <p16:designElem xmlns:p16="http://schemas.microsoft.com/office/powerpoint/2015/main" val="1"/>
+              </p:ext>
+            </p:extLst>
+          </p:nvPr>
+        </p:nvSpPr>
+        <p:spPr>
+          <a:xfrm rot="5400000" flipH="1">
+            <a:off x="767923" y="3588085"/>
+            <a:ext cx="2501979" cy="4037841"/>
+          </a:xfrm>
+          <a:prstGeom prst="rect">
+            <a:avLst/>
+          </a:prstGeom>
+          <a:gradFill>
+            <a:gsLst>
+              <a:gs pos="2000">
+                <a:schemeClr val="accent1">
+                  <a:alpha val="29000"/>
+                </a:schemeClr>
+              </a:gs>
+              <a:gs pos="100000">
+                <a:srgbClr val="000000">
+                  <a:alpha val="30000"/>
+                </a:srgbClr>
+              </a:gs>
+            </a:gsLst>
+            <a:lin ang="7800000" scaled="0"/>
+          </a:gradFill>
+          <a:ln>
+            <a:noFill/>
+          </a:ln>
+        </p:spPr>
+        <p:style>
+          <a:lnRef idx="2">
+            <a:schemeClr val="accent1">
+              <a:shade val="50000"/>
+            </a:schemeClr>
+          </a:lnRef>
+          <a:fillRef idx="1">
+            <a:schemeClr val="accent1"/>
+          </a:fillRef>
+          <a:effectRef idx="0">
+            <a:schemeClr val="accent1"/>
+          </a:effectRef>
+          <a:fontRef idx="minor">
+            <a:schemeClr val="lt1"/>
+          </a:fontRef>
+        </p:style>
+        <p:txBody>
+          <a:bodyPr rtlCol="0" anchor="ctr"/>
+          <a:lstStyle/>
+          <a:p>
+            <a:pPr algn="ctr"/>
+            <a:endParaRPr lang="en-US" dirty="0"/>
+          </a:p>
+        </p:txBody>
+      </p:sp>
+      <p:sp>
+        <p:nvSpPr>
+          <p:cNvPr id="20" name="Freeform: Shape 19">
+            <a:extLst>
+              <a:ext uri="{FF2B5EF4-FFF2-40B4-BE49-F238E27FC236}">
+                <a16:creationId xmlns:a16="http://schemas.microsoft.com/office/drawing/2014/main" id="{43F8A58B-5155-44CE-A5FF-7647B47D0A7A}"/>
+              </a:ext>
+              <a:ext uri="{C183D7F6-B498-43B3-948B-1728B52AA6E4}">
+                <adec:decorative xmlns:adec="http://schemas.microsoft.com/office/drawing/2017/decorative" val="1"/>
+              </a:ext>
+            </a:extLst>
+          </p:cNvPr>
+          <p:cNvSpPr>
+            <a:spLocks noGrp="1" noRot="1" noChangeAspect="1" noMove="1" noResize="1" noEditPoints="1" noAdjustHandles="1" noChangeArrowheads="1" noChangeShapeType="1" noTextEdit="1"/>
+          </p:cNvSpPr>
+          <p:nvPr>
+            <p:extLst>
+              <p:ext uri="{386F3935-93C4-4BCD-93E2-E3B085C9AB24}">
+                <p16:designElem xmlns:p16="http://schemas.microsoft.com/office/powerpoint/2015/main" val="1"/>
+              </p:ext>
+            </p:extLst>
+          </p:nvPr>
+        </p:nvSpPr>
+        <p:spPr>
+          <a:xfrm rot="20635413">
+            <a:off x="-501737" y="969718"/>
+            <a:ext cx="3900357" cy="4178958"/>
+          </a:xfrm>
+          <a:custGeom>
+            <a:avLst/>
+            <a:gdLst>
+              <a:gd name="connsiteX0" fmla="*/ 2432225 w 3900357"/>
+              <a:gd name="connsiteY0" fmla="*/ 93939 h 4178958"/>
+              <a:gd name="connsiteX1" fmla="*/ 3900357 w 3900357"/>
+              <a:gd name="connsiteY1" fmla="*/ 2089479 h 4178958"/>
+              <a:gd name="connsiteX2" fmla="*/ 1810878 w 3900357"/>
+              <a:gd name="connsiteY2" fmla="*/ 4178958 h 4178958"/>
+              <a:gd name="connsiteX3" fmla="*/ 78249 w 3900357"/>
+              <a:gd name="connsiteY3" fmla="*/ 3257727 h 4178958"/>
+              <a:gd name="connsiteX4" fmla="*/ 0 w 3900357"/>
+              <a:gd name="connsiteY4" fmla="*/ 3128923 h 4178958"/>
+              <a:gd name="connsiteX5" fmla="*/ 831324 w 3900357"/>
+              <a:gd name="connsiteY5" fmla="*/ 244281 h 4178958"/>
+              <a:gd name="connsiteX6" fmla="*/ 997559 w 3900357"/>
+              <a:gd name="connsiteY6" fmla="*/ 164202 h 4178958"/>
+              <a:gd name="connsiteX7" fmla="*/ 1810878 w 3900357"/>
+              <a:gd name="connsiteY7" fmla="*/ 0 h 4178958"/>
+              <a:gd name="connsiteX8" fmla="*/ 2432225 w 3900357"/>
+              <a:gd name="connsiteY8" fmla="*/ 93939 h 4178958"/>
+            </a:gdLst>
+            <a:ahLst/>
+            <a:cxnLst>
+              <a:cxn ang="0">
+                <a:pos x="connsiteX0" y="connsiteY0"/>
+              </a:cxn>
+              <a:cxn ang="0">
+                <a:pos x="connsiteX1" y="connsiteY1"/>
+              </a:cxn>
+              <a:cxn ang="0">
+                <a:pos x="connsiteX2" y="connsiteY2"/>
+              </a:cxn>
+              <a:cxn ang="0">
+                <a:pos x="connsiteX3" y="connsiteY3"/>
+              </a:cxn>
+              <a:cxn ang="0">
+                <a:pos x="connsiteX4" y="connsiteY4"/>
+              </a:cxn>
+              <a:cxn ang="0">
+                <a:pos x="connsiteX5" y="connsiteY5"/>
+              </a:cxn>
+              <a:cxn ang="0">
+                <a:pos x="connsiteX6" y="connsiteY6"/>
+              </a:cxn>
+              <a:cxn ang="0">
+                <a:pos x="connsiteX7" y="connsiteY7"/>
+              </a:cxn>
+              <a:cxn ang="0">
+                <a:pos x="connsiteX8" y="connsiteY8"/>
+              </a:cxn>
+            </a:cxnLst>
+            <a:rect l="l" t="t" r="r" b="b"/>
+            <a:pathLst>
+              <a:path w="3900357" h="4178958">
+                <a:moveTo>
+                  <a:pt x="2432225" y="93939"/>
+                </a:moveTo>
+                <a:cubicBezTo>
+                  <a:pt x="3282786" y="358491"/>
+                  <a:pt x="3900357" y="1151865"/>
+                  <a:pt x="3900357" y="2089479"/>
+                </a:cubicBezTo>
+                <a:cubicBezTo>
+                  <a:pt x="3900357" y="3243466"/>
+                  <a:pt x="2964865" y="4178958"/>
+                  <a:pt x="1810878" y="4178958"/>
+                </a:cubicBezTo>
+                <a:cubicBezTo>
+                  <a:pt x="1089636" y="4178958"/>
+                  <a:pt x="453744" y="3813531"/>
+                  <a:pt x="78249" y="3257727"/>
+                </a:cubicBezTo>
+                <a:lnTo>
+                  <a:pt x="0" y="3128923"/>
+                </a:lnTo>
+                <a:lnTo>
+                  <a:pt x="831324" y="244281"/>
+                </a:lnTo>
+                <a:lnTo>
+                  <a:pt x="997559" y="164202"/>
+                </a:lnTo>
+                <a:cubicBezTo>
+                  <a:pt x="1247540" y="58468"/>
+                  <a:pt x="1522381" y="0"/>
+                  <a:pt x="1810878" y="0"/>
+                </a:cubicBezTo>
+                <a:cubicBezTo>
+                  <a:pt x="2027251" y="0"/>
+                  <a:pt x="2235942" y="32888"/>
+                  <a:pt x="2432225" y="93939"/>
+                </a:cubicBezTo>
+                <a:close/>
+              </a:path>
+            </a:pathLst>
+          </a:custGeom>
+          <a:gradFill>
+            <a:gsLst>
+              <a:gs pos="29000">
+                <a:srgbClr val="000000">
+                  <a:alpha val="0"/>
+                </a:srgbClr>
+              </a:gs>
+              <a:gs pos="100000">
+                <a:schemeClr val="accent1">
+                  <a:alpha val="43000"/>
+                </a:schemeClr>
+              </a:gs>
+            </a:gsLst>
+            <a:lin ang="1800000" scaled="0"/>
+          </a:gradFill>
+          <a:ln>
+            <a:noFill/>
+          </a:ln>
+        </p:spPr>
+        <p:style>
+          <a:lnRef idx="2">
+            <a:schemeClr val="accent1">
+              <a:shade val="50000"/>
+            </a:schemeClr>
+          </a:lnRef>
+          <a:fillRef idx="1">
+            <a:schemeClr val="accent1"/>
+          </a:fillRef>
+          <a:effectRef idx="0">
+            <a:schemeClr val="accent1"/>
+          </a:effectRef>
+          <a:fontRef idx="minor">
+            <a:schemeClr val="lt1"/>
+          </a:fontRef>
+        </p:style>
+        <p:txBody>
+          <a:bodyPr wrap="square" rtlCol="0" anchor="ctr">
+            <a:noAutofit/>
+          </a:bodyPr>
+          <a:lstStyle/>
+          <a:p>
+            <a:pPr algn="ctr"/>
+            <a:endParaRPr lang="en-US" dirty="0"/>
+          </a:p>
+        </p:txBody>
+      </p:sp>
+      <p:sp>
+        <p:nvSpPr>
+          <p:cNvPr id="22" name="Rectangle 21">
+            <a:extLst>
+              <a:ext uri="{FF2B5EF4-FFF2-40B4-BE49-F238E27FC236}">
+                <a16:creationId xmlns:a16="http://schemas.microsoft.com/office/drawing/2014/main" id="{443F2ACA-E6D6-4028-82DD-F03C262D5DE6}"/>
+              </a:ext>
+              <a:ext uri="{C183D7F6-B498-43B3-948B-1728B52AA6E4}">
+                <adec:decorative xmlns:adec="http://schemas.microsoft.com/office/drawing/2017/decorative" val="1"/>
+              </a:ext>
+            </a:extLst>
+          </p:cNvPr>
+          <p:cNvSpPr>
+            <a:spLocks noGrp="1" noRot="1" noChangeAspect="1" noMove="1" noResize="1" noEditPoints="1" noAdjustHandles="1" noChangeArrowheads="1" noChangeShapeType="1" noTextEdit="1"/>
+          </p:cNvSpPr>
+          <p:nvPr>
+            <p:extLst>
+              <p:ext uri="{386F3935-93C4-4BCD-93E2-E3B085C9AB24}">
+                <p16:designElem xmlns:p16="http://schemas.microsoft.com/office/powerpoint/2015/main" val="1"/>
+              </p:ext>
+            </p:extLst>
+          </p:nvPr>
+        </p:nvSpPr>
+        <p:spPr>
+          <a:xfrm rot="5400000" flipH="1">
+            <a:off x="-1410095" y="1410079"/>
+            <a:ext cx="6858003" cy="4037835"/>
+          </a:xfrm>
+          <a:prstGeom prst="rect">
+            <a:avLst/>
+          </a:prstGeom>
+          <a:gradFill>
+            <a:gsLst>
+              <a:gs pos="0">
+                <a:srgbClr val="000000">
+                  <a:alpha val="0"/>
+                </a:srgbClr>
+              </a:gs>
+              <a:gs pos="99000">
+                <a:schemeClr val="accent1">
+                  <a:lumMod val="60000"/>
+                  <a:lumOff val="40000"/>
+                  <a:alpha val="11000"/>
+                </a:schemeClr>
+              </a:gs>
+            </a:gsLst>
+            <a:lin ang="7200000" scaled="0"/>
+          </a:gradFill>
+          <a:ln>
+            <a:noFill/>
+          </a:ln>
+        </p:spPr>
+        <p:style>
+          <a:lnRef idx="2">
+            <a:schemeClr val="accent1">
+              <a:shade val="50000"/>
+            </a:schemeClr>
+          </a:lnRef>
+          <a:fillRef idx="1">
+            <a:schemeClr val="accent1"/>
+          </a:fillRef>
+          <a:effectRef idx="0">
+            <a:schemeClr val="accent1"/>
+          </a:effectRef>
+          <a:fontRef idx="minor">
+            <a:schemeClr val="lt1"/>
+          </a:fontRef>
+        </p:style>
+        <p:txBody>
+          <a:bodyPr rtlCol="0" anchor="ctr"/>
+          <a:lstStyle/>
+          <a:p>
+            <a:pPr algn="ctr"/>
+            <a:endParaRPr lang="en-US"/>
+          </a:p>
+        </p:txBody>
+      </p:sp>
+      <p:sp>
+        <p:nvSpPr>
+          <p:cNvPr id="2" name="Title 1">
+            <a:extLst>
+              <a:ext uri="{FF2B5EF4-FFF2-40B4-BE49-F238E27FC236}">
+                <a16:creationId xmlns:a16="http://schemas.microsoft.com/office/drawing/2014/main" id="{781896B6-E7E5-4F41-B664-DC12C7499495}"/>
+              </a:ext>
+            </a:extLst>
+          </p:cNvPr>
+          <p:cNvSpPr>
+            <a:spLocks noGrp="1"/>
+          </p:cNvSpPr>
+          <p:nvPr>
+            <p:ph type="title"/>
+          </p:nvPr>
+        </p:nvSpPr>
+        <p:spPr>
+          <a:xfrm>
+            <a:off x="586478" y="1683756"/>
+            <a:ext cx="3115265" cy="2396359"/>
+          </a:xfrm>
+        </p:spPr>
+        <p:txBody>
+          <a:bodyPr anchor="b">
+            <a:normAutofit/>
+          </a:bodyPr>
+          <a:lstStyle/>
+          <a:p>
+            <a:pPr algn="r"/>
+            <a:r>
+              <a:rPr lang="en-US" sz="3100">
+                <a:solidFill>
+                  <a:srgbClr val="FFFFFF"/>
+                </a:solidFill>
+              </a:rPr>
+              <a:t>Research Proposal Review: Aims &amp; Research Question</a:t>
+            </a:r>
+            <a:endParaRPr lang="en-GB" sz="3100">
+              <a:solidFill>
+                <a:srgbClr val="FFFFFF"/>
+              </a:solidFill>
+            </a:endParaRPr>
+          </a:p>
+        </p:txBody>
+      </p:sp>
+      <p:sp>
+        <p:nvSpPr>
+          <p:cNvPr id="3" name="Content Placeholder 2">
+            <a:extLst>
+              <a:ext uri="{FF2B5EF4-FFF2-40B4-BE49-F238E27FC236}">
+                <a16:creationId xmlns:a16="http://schemas.microsoft.com/office/drawing/2014/main" id="{F3BFD49E-147C-48F2-94FE-B635D761F52A}"/>
+              </a:ext>
+            </a:extLst>
+          </p:cNvPr>
+          <p:cNvSpPr>
+            <a:spLocks/>
+          </p:cNvSpPr>
+          <p:nvPr/>
+        </p:nvSpPr>
+        <p:spPr>
+          <a:xfrm>
+            <a:off x="4288221" y="1683756"/>
+            <a:ext cx="7283664" cy="1100541"/>
+          </a:xfrm>
+          <a:prstGeom prst="rect">
+            <a:avLst/>
+          </a:prstGeom>
+        </p:spPr>
+        <p:txBody>
+          <a:bodyPr>
+            <a:noAutofit/>
+          </a:bodyPr>
+          <a:lstStyle/>
+          <a:p>
+            <a:pPr algn="ctr" defTabSz="557784">
+              <a:spcAft>
+                <a:spcPts val="600"/>
+              </a:spcAft>
+            </a:pPr>
+            <a:r>
+              <a:rPr lang="en-US" sz="1400" kern="1200" dirty="0">
+                <a:solidFill>
+                  <a:schemeClr val="tx1"/>
+                </a:solidFill>
+                <a:latin typeface="+mn-lt"/>
+                <a:ea typeface="+mn-ea"/>
+                <a:cs typeface="+mn-cs"/>
+              </a:rPr>
+              <a:t>The overreaching aim of this project will be to advance the understanding and application of federated learning in distributed environments, focusing on model efficiency, overall system security, and communication efficiency </a:t>
+            </a:r>
+            <a:endParaRPr lang="en-GB" sz="1400" kern="1200" dirty="0">
+              <a:solidFill>
+                <a:schemeClr val="tx1"/>
+              </a:solidFill>
+              <a:latin typeface="+mn-lt"/>
+              <a:ea typeface="+mn-ea"/>
+              <a:cs typeface="+mn-cs"/>
+            </a:endParaRPr>
+          </a:p>
+          <a:p>
+            <a:pPr algn="ctr" defTabSz="557784">
+              <a:spcAft>
+                <a:spcPts val="600"/>
+              </a:spcAft>
+            </a:pPr>
+            <a:r>
+              <a:rPr lang="en-GB" sz="1400" kern="1200" dirty="0">
+                <a:solidFill>
+                  <a:schemeClr val="tx1"/>
+                </a:solidFill>
+                <a:latin typeface="+mn-lt"/>
+                <a:ea typeface="+mn-ea"/>
+                <a:cs typeface="+mn-cs"/>
+              </a:rPr>
+              <a:t>Focusing on these area, we have some research questions as a starting point</a:t>
+            </a:r>
+            <a:endParaRPr lang="en-US" sz="1400" dirty="0"/>
+          </a:p>
+        </p:txBody>
+      </p:sp>
+      <p:sp>
+        <p:nvSpPr>
+          <p:cNvPr id="21" name="Content Placeholder 2">
+            <a:extLst>
+              <a:ext uri="{FF2B5EF4-FFF2-40B4-BE49-F238E27FC236}">
+                <a16:creationId xmlns:a16="http://schemas.microsoft.com/office/drawing/2014/main" id="{B1BF8FF0-C5F9-44EC-AB52-3D3EA590CDC6}"/>
+              </a:ext>
+            </a:extLst>
+          </p:cNvPr>
+          <p:cNvSpPr txBox="1">
+            <a:spLocks/>
+          </p:cNvSpPr>
+          <p:nvPr/>
+        </p:nvSpPr>
+        <p:spPr>
+          <a:xfrm>
+            <a:off x="4202130" y="3024996"/>
+            <a:ext cx="7695344" cy="2882644"/>
+          </a:xfrm>
+          <a:prstGeom prst="rect">
+            <a:avLst/>
+          </a:prstGeom>
+        </p:spPr>
+        <p:txBody>
+          <a:bodyPr vert="horz" lIns="91440" tIns="45720" rIns="91440" bIns="45720" rtlCol="0">
+            <a:noAutofit/>
+          </a:bodyPr>
+          <a:lstStyle>
+            <a:lvl1pPr marL="228600" indent="-228600" algn="l" defTabSz="914400" rtl="0" eaLnBrk="1" latinLnBrk="0" hangingPunct="1">
+              <a:lnSpc>
+                <a:spcPct val="90000"/>
+              </a:lnSpc>
+              <a:spcBef>
+                <a:spcPts val="1000"/>
+              </a:spcBef>
+              <a:buFont typeface="Arial" panose="020B0604020202020204" pitchFamily="34" charset="0"/>
+              <a:buChar char="•"/>
+              <a:defRPr sz="2800" kern="1200">
+                <a:solidFill>
+                  <a:schemeClr val="tx1"/>
+                </a:solidFill>
+                <a:latin typeface="+mn-lt"/>
+                <a:ea typeface="+mn-ea"/>
+                <a:cs typeface="+mn-cs"/>
+              </a:defRPr>
+            </a:lvl1pPr>
+            <a:lvl2pPr marL="685800" indent="-228600" algn="l" defTabSz="914400" rtl="0" eaLnBrk="1" latinLnBrk="0" hangingPunct="1">
+              <a:lnSpc>
+                <a:spcPct val="90000"/>
+              </a:lnSpc>
+              <a:spcBef>
+                <a:spcPts val="500"/>
+              </a:spcBef>
+              <a:buFont typeface="Arial" panose="020B0604020202020204" pitchFamily="34" charset="0"/>
+              <a:buChar char="•"/>
+              <a:defRPr sz="2400" kern="1200">
+                <a:solidFill>
+                  <a:schemeClr val="tx1"/>
+                </a:solidFill>
+                <a:latin typeface="+mn-lt"/>
+                <a:ea typeface="+mn-ea"/>
+                <a:cs typeface="+mn-cs"/>
+              </a:defRPr>
+            </a:lvl2pPr>
+            <a:lvl3pPr marL="1143000" indent="-228600" algn="l" defTabSz="914400" rtl="0" eaLnBrk="1" latinLnBrk="0" hangingPunct="1">
+              <a:lnSpc>
+                <a:spcPct val="90000"/>
+              </a:lnSpc>
+              <a:spcBef>
+                <a:spcPts val="500"/>
+              </a:spcBef>
+              <a:buFont typeface="Arial" panose="020B0604020202020204" pitchFamily="34" charset="0"/>
+              <a:buChar char="•"/>
+              <a:defRPr sz="2000" kern="1200">
+                <a:solidFill>
+                  <a:schemeClr val="tx1"/>
+                </a:solidFill>
+                <a:latin typeface="+mn-lt"/>
+                <a:ea typeface="+mn-ea"/>
+                <a:cs typeface="+mn-cs"/>
+              </a:defRPr>
+            </a:lvl3pPr>
+            <a:lvl4pPr marL="1600200" indent="-228600" algn="l" defTabSz="914400" rtl="0" eaLnBrk="1" latinLnBrk="0" hangingPunct="1">
+              <a:lnSpc>
+                <a:spcPct val="90000"/>
+              </a:lnSpc>
+              <a:spcBef>
+                <a:spcPts val="500"/>
+              </a:spcBef>
+              <a:buFont typeface="Arial" panose="020B0604020202020204" pitchFamily="34" charset="0"/>
+              <a:buChar char="•"/>
+              <a:defRPr sz="1800" kern="1200">
+                <a:solidFill>
+                  <a:schemeClr val="tx1"/>
+                </a:solidFill>
+                <a:latin typeface="+mn-lt"/>
+                <a:ea typeface="+mn-ea"/>
+                <a:cs typeface="+mn-cs"/>
+              </a:defRPr>
+            </a:lvl4pPr>
+            <a:lvl5pPr marL="2057400" indent="-228600" algn="l" defTabSz="914400" rtl="0" eaLnBrk="1" latinLnBrk="0" hangingPunct="1">
+              <a:lnSpc>
+                <a:spcPct val="90000"/>
+              </a:lnSpc>
+              <a:spcBef>
+                <a:spcPts val="500"/>
+              </a:spcBef>
+              <a:buFont typeface="Arial" panose="020B0604020202020204" pitchFamily="34" charset="0"/>
+              <a:buChar char="•"/>
+              <a:defRPr sz="1800" kern="1200">
+                <a:solidFill>
+                  <a:schemeClr val="tx1"/>
+                </a:solidFill>
+                <a:latin typeface="+mn-lt"/>
+                <a:ea typeface="+mn-ea"/>
+                <a:cs typeface="+mn-cs"/>
+              </a:defRPr>
+            </a:lvl5pPr>
+            <a:lvl6pPr marL="2514600" indent="-228600" algn="l" defTabSz="914400" rtl="0" eaLnBrk="1" latinLnBrk="0" hangingPunct="1">
+              <a:lnSpc>
+                <a:spcPct val="90000"/>
+              </a:lnSpc>
+              <a:spcBef>
+                <a:spcPts val="500"/>
+              </a:spcBef>
+              <a:buFont typeface="Arial" panose="020B0604020202020204" pitchFamily="34" charset="0"/>
+              <a:buChar char="•"/>
+              <a:defRPr sz="1800" kern="1200">
+                <a:solidFill>
+                  <a:schemeClr val="tx1"/>
+                </a:solidFill>
+                <a:latin typeface="+mn-lt"/>
+                <a:ea typeface="+mn-ea"/>
+                <a:cs typeface="+mn-cs"/>
+              </a:defRPr>
+            </a:lvl6pPr>
+            <a:lvl7pPr marL="2971800" indent="-228600" algn="l" defTabSz="914400" rtl="0" eaLnBrk="1" latinLnBrk="0" hangingPunct="1">
+              <a:lnSpc>
+                <a:spcPct val="90000"/>
+              </a:lnSpc>
+              <a:spcBef>
+                <a:spcPts val="500"/>
+              </a:spcBef>
+              <a:buFont typeface="Arial" panose="020B0604020202020204" pitchFamily="34" charset="0"/>
+              <a:buChar char="•"/>
+              <a:defRPr sz="1800" kern="1200">
+                <a:solidFill>
+                  <a:schemeClr val="tx1"/>
+                </a:solidFill>
+                <a:latin typeface="+mn-lt"/>
+                <a:ea typeface="+mn-ea"/>
+                <a:cs typeface="+mn-cs"/>
+              </a:defRPr>
+            </a:lvl7pPr>
+            <a:lvl8pPr marL="3429000" indent="-228600" algn="l" defTabSz="914400" rtl="0" eaLnBrk="1" latinLnBrk="0" hangingPunct="1">
+              <a:lnSpc>
+                <a:spcPct val="90000"/>
+              </a:lnSpc>
+              <a:spcBef>
+                <a:spcPts val="500"/>
+              </a:spcBef>
+              <a:buFont typeface="Arial" panose="020B0604020202020204" pitchFamily="34" charset="0"/>
+              <a:buChar char="•"/>
+              <a:defRPr sz="1800" kern="1200">
+                <a:solidFill>
+                  <a:schemeClr val="tx1"/>
+                </a:solidFill>
+                <a:latin typeface="+mn-lt"/>
+                <a:ea typeface="+mn-ea"/>
+                <a:cs typeface="+mn-cs"/>
+              </a:defRPr>
+            </a:lvl8pPr>
+            <a:lvl9pPr marL="3886200" indent="-228600" algn="l" defTabSz="914400" rtl="0" eaLnBrk="1" latinLnBrk="0" hangingPunct="1">
+              <a:lnSpc>
+                <a:spcPct val="90000"/>
+              </a:lnSpc>
+              <a:spcBef>
+                <a:spcPts val="500"/>
+              </a:spcBef>
+              <a:buFont typeface="Arial" panose="020B0604020202020204" pitchFamily="34" charset="0"/>
+              <a:buChar char="•"/>
+              <a:defRPr sz="1800" kern="1200">
+                <a:solidFill>
+                  <a:schemeClr val="tx1"/>
+                </a:solidFill>
+                <a:latin typeface="+mn-lt"/>
+                <a:ea typeface="+mn-ea"/>
+                <a:cs typeface="+mn-cs"/>
+              </a:defRPr>
+            </a:lvl9pPr>
+          </a:lstStyle>
+          <a:p>
+            <a:pPr marL="139446" indent="-139446" defTabSz="557784">
+              <a:spcBef>
+                <a:spcPts val="610"/>
+              </a:spcBef>
+            </a:pPr>
+            <a:r>
+              <a:rPr lang="en-US" sz="1400" kern="1200" dirty="0">
+                <a:solidFill>
+                  <a:schemeClr val="tx1"/>
+                </a:solidFill>
+                <a:latin typeface="+mn-lt"/>
+                <a:ea typeface="+mn-ea"/>
+                <a:cs typeface="+mn-cs"/>
+              </a:rPr>
+              <a:t>RQ1: With the ever-increasing use of IoT devices, can FL algorithms or tools be designed to operate specifically on resource Edge devices to minimize computational and communication costs</a:t>
+            </a:r>
+          </a:p>
+          <a:p>
+            <a:pPr marL="139446" indent="-139446" defTabSz="557784">
+              <a:spcBef>
+                <a:spcPts val="610"/>
+              </a:spcBef>
+            </a:pPr>
+            <a:r>
+              <a:rPr lang="en-US" sz="1400" kern="1200" dirty="0">
+                <a:solidFill>
+                  <a:schemeClr val="tx1"/>
+                </a:solidFill>
+                <a:latin typeface="+mn-lt"/>
+                <a:ea typeface="+mn-ea"/>
+                <a:cs typeface="+mn-cs"/>
+              </a:rPr>
+              <a:t>RQ2: Real-world data will typically have elements of variability that can reduce the accuracy of any model. Can we develop FL algorithms that are adaptable to non IID data?</a:t>
+            </a:r>
+          </a:p>
+          <a:p>
+            <a:pPr marL="139446" indent="-139446" defTabSz="557784">
+              <a:spcBef>
+                <a:spcPts val="610"/>
+              </a:spcBef>
+            </a:pPr>
+            <a:r>
+              <a:rPr lang="en-US" sz="1400" kern="1200" dirty="0">
+                <a:solidFill>
+                  <a:schemeClr val="tx1"/>
+                </a:solidFill>
+                <a:latin typeface="+mn-lt"/>
+                <a:ea typeface="+mn-ea"/>
+                <a:cs typeface="+mn-cs"/>
+              </a:rPr>
+              <a:t>RQ3: Can adaptive communication strategies for FL be developed that dynamically adjust their transmission frequency and allowable bandwidth based on factors such as model complexity, the type of data, and the transmission network condition?</a:t>
+            </a:r>
+          </a:p>
+          <a:p>
+            <a:pPr marL="139446" indent="-139446" defTabSz="557784">
+              <a:spcBef>
+                <a:spcPts val="610"/>
+              </a:spcBef>
+            </a:pPr>
+            <a:r>
+              <a:rPr lang="en-US" sz="1400" kern="1200" dirty="0">
+                <a:solidFill>
+                  <a:schemeClr val="tx1"/>
+                </a:solidFill>
+                <a:latin typeface="+mn-lt"/>
+                <a:ea typeface="+mn-ea"/>
+                <a:cs typeface="+mn-cs"/>
+              </a:rPr>
+              <a:t>Can FL be resilient to unreliable network conditions introducing latency and packet loss while ensuring that model training is reliable, and updates remain efficient and robust</a:t>
+            </a:r>
+          </a:p>
+          <a:p>
+            <a:pPr marL="139446" indent="-139446" defTabSz="557784">
+              <a:spcBef>
+                <a:spcPts val="610"/>
+              </a:spcBef>
+            </a:pPr>
+            <a:r>
+              <a:rPr lang="en-US" sz="1400" kern="1200" dirty="0">
+                <a:solidFill>
+                  <a:schemeClr val="tx1"/>
+                </a:solidFill>
+                <a:latin typeface="+mn-lt"/>
+                <a:ea typeface="+mn-ea"/>
+                <a:cs typeface="+mn-cs"/>
+              </a:rPr>
+              <a:t>How can we design efficient aggregation algorithms for FL that minimize the data exchange between clients and servers while not reducing the model accuracy?</a:t>
+            </a:r>
+          </a:p>
+          <a:p>
+            <a:endParaRPr lang="en-US" sz="1400" dirty="0"/>
+          </a:p>
+        </p:txBody>
+      </p:sp>
+    </p:spTree>
+    <p:extLst>
+      <p:ext uri="{BB962C8B-B14F-4D97-AF65-F5344CB8AC3E}">
+        <p14:creationId xmlns:p14="http://schemas.microsoft.com/office/powerpoint/2010/main" val="2143467693"/>
       </p:ext>
     </p:extLst>
   </p:cSld>

--- a/Presentations/Supervisor Meetings/2024/20240209.pptx
+++ b/Presentations/Supervisor Meetings/2024/20240209.pptx
@@ -2,13 +2,14 @@
 <file path=ppt/presentation.xml><?xml version="1.0" encoding="utf-8"?>
 <p:presentation xmlns:a="http://schemas.openxmlformats.org/drawingml/2006/main" xmlns:r="http://schemas.openxmlformats.org/officeDocument/2006/relationships" xmlns:p="http://schemas.openxmlformats.org/presentationml/2006/main" saveSubsetFonts="1">
   <p:sldMasterIdLst>
-    <p:sldMasterId id="2147483648" r:id="rId1"/>
+    <p:sldMasterId id="2147483756" r:id="rId1"/>
   </p:sldMasterIdLst>
   <p:sldIdLst>
     <p:sldId id="256" r:id="rId2"/>
     <p:sldId id="257" r:id="rId3"/>
     <p:sldId id="258" r:id="rId4"/>
     <p:sldId id="259" r:id="rId5"/>
+    <p:sldId id="260" r:id="rId6"/>
   </p:sldIdLst>
   <p:sldSz cx="12192000" cy="6858000"/>
   <p:notesSz cx="6858000" cy="9144000"/>
@@ -16,7 +17,7 @@
     <a:defPPr>
       <a:defRPr lang="en-US"/>
     </a:defPPr>
-    <a:lvl1pPr marL="0" algn="l" defTabSz="914400" rtl="0" eaLnBrk="1" latinLnBrk="0" hangingPunct="1">
+    <a:lvl1pPr marL="0" algn="l" defTabSz="457200" rtl="0" eaLnBrk="1" latinLnBrk="0" hangingPunct="1">
       <a:defRPr sz="1800" kern="1200">
         <a:solidFill>
           <a:schemeClr val="tx1"/>
@@ -26,7 +27,7 @@
         <a:cs typeface="+mn-cs"/>
       </a:defRPr>
     </a:lvl1pPr>
-    <a:lvl2pPr marL="457200" algn="l" defTabSz="914400" rtl="0" eaLnBrk="1" latinLnBrk="0" hangingPunct="1">
+    <a:lvl2pPr marL="457200" algn="l" defTabSz="457200" rtl="0" eaLnBrk="1" latinLnBrk="0" hangingPunct="1">
       <a:defRPr sz="1800" kern="1200">
         <a:solidFill>
           <a:schemeClr val="tx1"/>
@@ -36,7 +37,7 @@
         <a:cs typeface="+mn-cs"/>
       </a:defRPr>
     </a:lvl2pPr>
-    <a:lvl3pPr marL="914400" algn="l" defTabSz="914400" rtl="0" eaLnBrk="1" latinLnBrk="0" hangingPunct="1">
+    <a:lvl3pPr marL="914400" algn="l" defTabSz="457200" rtl="0" eaLnBrk="1" latinLnBrk="0" hangingPunct="1">
       <a:defRPr sz="1800" kern="1200">
         <a:solidFill>
           <a:schemeClr val="tx1"/>
@@ -46,7 +47,7 @@
         <a:cs typeface="+mn-cs"/>
       </a:defRPr>
     </a:lvl3pPr>
-    <a:lvl4pPr marL="1371600" algn="l" defTabSz="914400" rtl="0" eaLnBrk="1" latinLnBrk="0" hangingPunct="1">
+    <a:lvl4pPr marL="1371600" algn="l" defTabSz="457200" rtl="0" eaLnBrk="1" latinLnBrk="0" hangingPunct="1">
       <a:defRPr sz="1800" kern="1200">
         <a:solidFill>
           <a:schemeClr val="tx1"/>
@@ -56,7 +57,7 @@
         <a:cs typeface="+mn-cs"/>
       </a:defRPr>
     </a:lvl4pPr>
-    <a:lvl5pPr marL="1828800" algn="l" defTabSz="914400" rtl="0" eaLnBrk="1" latinLnBrk="0" hangingPunct="1">
+    <a:lvl5pPr marL="1828800" algn="l" defTabSz="457200" rtl="0" eaLnBrk="1" latinLnBrk="0" hangingPunct="1">
       <a:defRPr sz="1800" kern="1200">
         <a:solidFill>
           <a:schemeClr val="tx1"/>
@@ -66,7 +67,7 @@
         <a:cs typeface="+mn-cs"/>
       </a:defRPr>
     </a:lvl5pPr>
-    <a:lvl6pPr marL="2286000" algn="l" defTabSz="914400" rtl="0" eaLnBrk="1" latinLnBrk="0" hangingPunct="1">
+    <a:lvl6pPr marL="2286000" algn="l" defTabSz="457200" rtl="0" eaLnBrk="1" latinLnBrk="0" hangingPunct="1">
       <a:defRPr sz="1800" kern="1200">
         <a:solidFill>
           <a:schemeClr val="tx1"/>
@@ -76,7 +77,7 @@
         <a:cs typeface="+mn-cs"/>
       </a:defRPr>
     </a:lvl6pPr>
-    <a:lvl7pPr marL="2743200" algn="l" defTabSz="914400" rtl="0" eaLnBrk="1" latinLnBrk="0" hangingPunct="1">
+    <a:lvl7pPr marL="2743200" algn="l" defTabSz="457200" rtl="0" eaLnBrk="1" latinLnBrk="0" hangingPunct="1">
       <a:defRPr sz="1800" kern="1200">
         <a:solidFill>
           <a:schemeClr val="tx1"/>
@@ -86,7 +87,7 @@
         <a:cs typeface="+mn-cs"/>
       </a:defRPr>
     </a:lvl7pPr>
-    <a:lvl8pPr marL="3200400" algn="l" defTabSz="914400" rtl="0" eaLnBrk="1" latinLnBrk="0" hangingPunct="1">
+    <a:lvl8pPr marL="3200400" algn="l" defTabSz="457200" rtl="0" eaLnBrk="1" latinLnBrk="0" hangingPunct="1">
       <a:defRPr sz="1800" kern="1200">
         <a:solidFill>
           <a:schemeClr val="tx1"/>
@@ -96,7 +97,7 @@
         <a:cs typeface="+mn-cs"/>
       </a:defRPr>
     </a:lvl8pPr>
-    <a:lvl9pPr marL="3657600" algn="l" defTabSz="914400" rtl="0" eaLnBrk="1" latinLnBrk="0" hangingPunct="1">
+    <a:lvl9pPr marL="3657600" algn="l" defTabSz="457200" rtl="0" eaLnBrk="1" latinLnBrk="0" hangingPunct="1">
       <a:defRPr sz="1800" kern="1200">
         <a:solidFill>
           <a:schemeClr val="tx1"/>
@@ -118,7 +119,7 @@
 <file path=ppt/revisionInfo.xml><?xml version="1.0" encoding="utf-8"?>
 <p1510:revInfo xmlns:a="http://schemas.openxmlformats.org/drawingml/2006/main" xmlns:r="http://schemas.openxmlformats.org/officeDocument/2006/relationships" xmlns:p1510="http://schemas.microsoft.com/office/powerpoint/2015/10/main">
   <p1510:revLst>
-    <p1510:client id="{CA64B30F-511C-45F5-B991-1BF90300E7E0}" v="4" dt="2024-02-05T21:37:45.181"/>
+    <p1510:client id="{CA64B30F-511C-45F5-B991-1BF90300E7E0}" v="71" dt="2024-02-07T16:36:06.983"/>
   </p1510:revLst>
 </p1510:revInfo>
 </file>
@@ -127,19 +128,19 @@
 <pc:chgInfo xmlns:a="http://schemas.openxmlformats.org/drawingml/2006/main" xmlns:r="http://schemas.openxmlformats.org/officeDocument/2006/relationships" xmlns:ac="http://schemas.microsoft.com/office/drawing/2013/main/command" xmlns:pc="http://schemas.microsoft.com/office/powerpoint/2013/main/command">
   <pc:docChgLst>
     <pc:chgData name="Sean O Fithcheallaigh" userId="47659c31-a575-4792-8be3-61268c4ee0d6" providerId="ADAL" clId="{CA64B30F-511C-45F5-B991-1BF90300E7E0}"/>
-    <pc:docChg chg="undo custSel mod addSld modSld">
-      <pc:chgData name="Sean O Fithcheallaigh" userId="47659c31-a575-4792-8be3-61268c4ee0d6" providerId="ADAL" clId="{CA64B30F-511C-45F5-B991-1BF90300E7E0}" dt="2024-02-05T21:54:30.540" v="2604" actId="26606"/>
+    <pc:docChg chg="undo custSel mod addSld delSld modSld">
+      <pc:chgData name="Sean O Fithcheallaigh" userId="47659c31-a575-4792-8be3-61268c4ee0d6" providerId="ADAL" clId="{CA64B30F-511C-45F5-B991-1BF90300E7E0}" dt="2024-02-07T16:35:59.230" v="3628"/>
       <pc:docMkLst>
         <pc:docMk/>
       </pc:docMkLst>
-      <pc:sldChg chg="addSp delSp modSp mod setBg">
-        <pc:chgData name="Sean O Fithcheallaigh" userId="47659c31-a575-4792-8be3-61268c4ee0d6" providerId="ADAL" clId="{CA64B30F-511C-45F5-B991-1BF90300E7E0}" dt="2024-02-05T21:53:35.526" v="2562" actId="26606"/>
+      <pc:sldChg chg="addSp delSp modSp mod setBg delDesignElem">
+        <pc:chgData name="Sean O Fithcheallaigh" userId="47659c31-a575-4792-8be3-61268c4ee0d6" providerId="ADAL" clId="{CA64B30F-511C-45F5-B991-1BF90300E7E0}" dt="2024-02-07T16:24:25.963" v="3360"/>
         <pc:sldMkLst>
           <pc:docMk/>
           <pc:sldMk cId="905190482" sldId="256"/>
         </pc:sldMkLst>
         <pc:spChg chg="mod">
-          <ac:chgData name="Sean O Fithcheallaigh" userId="47659c31-a575-4792-8be3-61268c4ee0d6" providerId="ADAL" clId="{CA64B30F-511C-45F5-B991-1BF90300E7E0}" dt="2024-02-05T21:53:35.526" v="2562" actId="26606"/>
+          <ac:chgData name="Sean O Fithcheallaigh" userId="47659c31-a575-4792-8be3-61268c4ee0d6" providerId="ADAL" clId="{CA64B30F-511C-45F5-B991-1BF90300E7E0}" dt="2024-02-07T16:23:34.024" v="3354" actId="26606"/>
           <ac:spMkLst>
             <pc:docMk/>
             <pc:sldMk cId="905190482" sldId="256"/>
@@ -147,7 +148,7 @@
           </ac:spMkLst>
         </pc:spChg>
         <pc:spChg chg="mod">
-          <ac:chgData name="Sean O Fithcheallaigh" userId="47659c31-a575-4792-8be3-61268c4ee0d6" providerId="ADAL" clId="{CA64B30F-511C-45F5-B991-1BF90300E7E0}" dt="2024-02-05T21:53:35.526" v="2562" actId="26606"/>
+          <ac:chgData name="Sean O Fithcheallaigh" userId="47659c31-a575-4792-8be3-61268c4ee0d6" providerId="ADAL" clId="{CA64B30F-511C-45F5-B991-1BF90300E7E0}" dt="2024-02-07T16:23:34.024" v="3354" actId="26606"/>
           <ac:spMkLst>
             <pc:docMk/>
             <pc:sldMk cId="905190482" sldId="256"/>
@@ -155,6 +156,14 @@
           </ac:spMkLst>
         </pc:spChg>
         <pc:spChg chg="add del">
+          <ac:chgData name="Sean O Fithcheallaigh" userId="47659c31-a575-4792-8be3-61268c4ee0d6" providerId="ADAL" clId="{CA64B30F-511C-45F5-B991-1BF90300E7E0}" dt="2024-02-07T16:20:39.568" v="3340" actId="26606"/>
+          <ac:spMkLst>
+            <pc:docMk/>
+            <pc:sldMk cId="905190482" sldId="256"/>
+            <ac:spMk id="9" creationId="{8555C5B3-193A-4749-9AFD-682E53CDDE8F}"/>
+          </ac:spMkLst>
+        </pc:spChg>
+        <pc:spChg chg="add del">
           <ac:chgData name="Sean O Fithcheallaigh" userId="47659c31-a575-4792-8be3-61268c4ee0d6" providerId="ADAL" clId="{CA64B30F-511C-45F5-B991-1BF90300E7E0}" dt="2024-02-05T21:53:35.526" v="2562" actId="26606"/>
           <ac:spMkLst>
             <pc:docMk/>
@@ -163,6 +172,14 @@
           </ac:spMkLst>
         </pc:spChg>
         <pc:spChg chg="add del">
+          <ac:chgData name="Sean O Fithcheallaigh" userId="47659c31-a575-4792-8be3-61268c4ee0d6" providerId="ADAL" clId="{CA64B30F-511C-45F5-B991-1BF90300E7E0}" dt="2024-02-07T16:20:39.568" v="3340" actId="26606"/>
+          <ac:spMkLst>
+            <pc:docMk/>
+            <pc:sldMk cId="905190482" sldId="256"/>
+            <ac:spMk id="11" creationId="{2EAE06A6-F76A-41C9-827A-C561B004485C}"/>
+          </ac:spMkLst>
+        </pc:spChg>
+        <pc:spChg chg="add del">
           <ac:chgData name="Sean O Fithcheallaigh" userId="47659c31-a575-4792-8be3-61268c4ee0d6" providerId="ADAL" clId="{CA64B30F-511C-45F5-B991-1BF90300E7E0}" dt="2024-02-05T21:53:35.526" v="2562" actId="26606"/>
           <ac:spMkLst>
             <pc:docMk/>
@@ -170,52 +187,180 @@
             <ac:spMk id="12" creationId="{F500DBFC-17A9-4E0A-AEE2-A49F9AEEF0FD}"/>
           </ac:spMkLst>
         </pc:spChg>
-        <pc:spChg chg="add">
-          <ac:chgData name="Sean O Fithcheallaigh" userId="47659c31-a575-4792-8be3-61268c4ee0d6" providerId="ADAL" clId="{CA64B30F-511C-45F5-B991-1BF90300E7E0}" dt="2024-02-05T21:53:35.526" v="2562" actId="26606"/>
+        <pc:spChg chg="add del">
+          <ac:chgData name="Sean O Fithcheallaigh" userId="47659c31-a575-4792-8be3-61268c4ee0d6" providerId="ADAL" clId="{CA64B30F-511C-45F5-B991-1BF90300E7E0}" dt="2024-02-07T16:20:39.568" v="3340" actId="26606"/>
+          <ac:spMkLst>
+            <pc:docMk/>
+            <pc:sldMk cId="905190482" sldId="256"/>
+            <ac:spMk id="16" creationId="{89F9D4E8-0639-444B-949B-9518585061AF}"/>
+          </ac:spMkLst>
+        </pc:spChg>
+        <pc:spChg chg="add del">
+          <ac:chgData name="Sean O Fithcheallaigh" userId="47659c31-a575-4792-8be3-61268c4ee0d6" providerId="ADAL" clId="{CA64B30F-511C-45F5-B991-1BF90300E7E0}" dt="2024-02-07T16:20:39.568" v="3340" actId="26606"/>
+          <ac:spMkLst>
+            <pc:docMk/>
+            <pc:sldMk cId="905190482" sldId="256"/>
+            <ac:spMk id="18" creationId="{7E3DA7A2-ED70-4BBA-AB72-00AD461FA405}"/>
+          </ac:spMkLst>
+        </pc:spChg>
+        <pc:spChg chg="add del">
+          <ac:chgData name="Sean O Fithcheallaigh" userId="47659c31-a575-4792-8be3-61268c4ee0d6" providerId="ADAL" clId="{CA64B30F-511C-45F5-B991-1BF90300E7E0}" dt="2024-02-07T16:20:39.568" v="3340" actId="26606"/>
+          <ac:spMkLst>
+            <pc:docMk/>
+            <pc:sldMk cId="905190482" sldId="256"/>
+            <ac:spMk id="20" creationId="{FC485432-3647-4218-B5D3-15D3FA222B13}"/>
+          </ac:spMkLst>
+        </pc:spChg>
+        <pc:spChg chg="add del">
+          <ac:chgData name="Sean O Fithcheallaigh" userId="47659c31-a575-4792-8be3-61268c4ee0d6" providerId="ADAL" clId="{CA64B30F-511C-45F5-B991-1BF90300E7E0}" dt="2024-02-07T16:20:39.568" v="3340" actId="26606"/>
+          <ac:spMkLst>
+            <pc:docMk/>
+            <pc:sldMk cId="905190482" sldId="256"/>
+            <ac:spMk id="22" creationId="{F4AFDDCA-6ABA-4D23-8A5C-1BF0F4308148}"/>
+          </ac:spMkLst>
+        </pc:spChg>
+        <pc:spChg chg="add del">
+          <ac:chgData name="Sean O Fithcheallaigh" userId="47659c31-a575-4792-8be3-61268c4ee0d6" providerId="ADAL" clId="{CA64B30F-511C-45F5-B991-1BF90300E7E0}" dt="2024-02-07T16:23:34.024" v="3354" actId="26606"/>
           <ac:spMkLst>
             <pc:docMk/>
             <pc:sldMk cId="905190482" sldId="256"/>
             <ac:spMk id="23" creationId="{8555C5B3-193A-4749-9AFD-682E53CDDE8F}"/>
           </ac:spMkLst>
         </pc:spChg>
-        <pc:spChg chg="add">
-          <ac:chgData name="Sean O Fithcheallaigh" userId="47659c31-a575-4792-8be3-61268c4ee0d6" providerId="ADAL" clId="{CA64B30F-511C-45F5-B991-1BF90300E7E0}" dt="2024-02-05T21:53:35.526" v="2562" actId="26606"/>
+        <pc:spChg chg="add del">
+          <ac:chgData name="Sean O Fithcheallaigh" userId="47659c31-a575-4792-8be3-61268c4ee0d6" providerId="ADAL" clId="{CA64B30F-511C-45F5-B991-1BF90300E7E0}" dt="2024-02-07T16:23:34.024" v="3354" actId="26606"/>
           <ac:spMkLst>
             <pc:docMk/>
             <pc:sldMk cId="905190482" sldId="256"/>
             <ac:spMk id="25" creationId="{2EAE06A6-F76A-41C9-827A-C561B004485C}"/>
           </ac:spMkLst>
         </pc:spChg>
-        <pc:spChg chg="add">
-          <ac:chgData name="Sean O Fithcheallaigh" userId="47659c31-a575-4792-8be3-61268c4ee0d6" providerId="ADAL" clId="{CA64B30F-511C-45F5-B991-1BF90300E7E0}" dt="2024-02-05T21:53:35.526" v="2562" actId="26606"/>
+        <pc:spChg chg="add del">
+          <ac:chgData name="Sean O Fithcheallaigh" userId="47659c31-a575-4792-8be3-61268c4ee0d6" providerId="ADAL" clId="{CA64B30F-511C-45F5-B991-1BF90300E7E0}" dt="2024-02-07T16:23:34.024" v="3354" actId="26606"/>
           <ac:spMkLst>
             <pc:docMk/>
             <pc:sldMk cId="905190482" sldId="256"/>
             <ac:spMk id="27" creationId="{89F9D4E8-0639-444B-949B-9518585061AF}"/>
           </ac:spMkLst>
         </pc:spChg>
-        <pc:spChg chg="add">
-          <ac:chgData name="Sean O Fithcheallaigh" userId="47659c31-a575-4792-8be3-61268c4ee0d6" providerId="ADAL" clId="{CA64B30F-511C-45F5-B991-1BF90300E7E0}" dt="2024-02-05T21:53:35.526" v="2562" actId="26606"/>
+        <pc:spChg chg="add del">
+          <ac:chgData name="Sean O Fithcheallaigh" userId="47659c31-a575-4792-8be3-61268c4ee0d6" providerId="ADAL" clId="{CA64B30F-511C-45F5-B991-1BF90300E7E0}" dt="2024-02-07T16:23:34.024" v="3354" actId="26606"/>
           <ac:spMkLst>
             <pc:docMk/>
             <pc:sldMk cId="905190482" sldId="256"/>
             <ac:spMk id="29" creationId="{7E3DA7A2-ED70-4BBA-AB72-00AD461FA405}"/>
           </ac:spMkLst>
         </pc:spChg>
-        <pc:spChg chg="add">
-          <ac:chgData name="Sean O Fithcheallaigh" userId="47659c31-a575-4792-8be3-61268c4ee0d6" providerId="ADAL" clId="{CA64B30F-511C-45F5-B991-1BF90300E7E0}" dt="2024-02-05T21:53:35.526" v="2562" actId="26606"/>
+        <pc:spChg chg="add del">
+          <ac:chgData name="Sean O Fithcheallaigh" userId="47659c31-a575-4792-8be3-61268c4ee0d6" providerId="ADAL" clId="{CA64B30F-511C-45F5-B991-1BF90300E7E0}" dt="2024-02-07T16:23:34.024" v="3354" actId="26606"/>
           <ac:spMkLst>
             <pc:docMk/>
             <pc:sldMk cId="905190482" sldId="256"/>
             <ac:spMk id="31" creationId="{FC485432-3647-4218-B5D3-15D3FA222B13}"/>
           </ac:spMkLst>
         </pc:spChg>
-        <pc:spChg chg="add">
-          <ac:chgData name="Sean O Fithcheallaigh" userId="47659c31-a575-4792-8be3-61268c4ee0d6" providerId="ADAL" clId="{CA64B30F-511C-45F5-B991-1BF90300E7E0}" dt="2024-02-05T21:53:35.526" v="2562" actId="26606"/>
+        <pc:spChg chg="add del">
+          <ac:chgData name="Sean O Fithcheallaigh" userId="47659c31-a575-4792-8be3-61268c4ee0d6" providerId="ADAL" clId="{CA64B30F-511C-45F5-B991-1BF90300E7E0}" dt="2024-02-07T16:23:34.024" v="3354" actId="26606"/>
           <ac:spMkLst>
             <pc:docMk/>
             <pc:sldMk cId="905190482" sldId="256"/>
             <ac:spMk id="33" creationId="{F4AFDDCA-6ABA-4D23-8A5C-1BF0F4308148}"/>
+          </ac:spMkLst>
+        </pc:spChg>
+        <pc:spChg chg="add del">
+          <ac:chgData name="Sean O Fithcheallaigh" userId="47659c31-a575-4792-8be3-61268c4ee0d6" providerId="ADAL" clId="{CA64B30F-511C-45F5-B991-1BF90300E7E0}" dt="2024-02-07T16:23:29.857" v="3351" actId="26606"/>
+          <ac:spMkLst>
+            <pc:docMk/>
+            <pc:sldMk cId="905190482" sldId="256"/>
+            <ac:spMk id="38" creationId="{94714483-7072-431F-9DBE-87F44E4D44BC}"/>
+          </ac:spMkLst>
+        </pc:spChg>
+        <pc:spChg chg="add del">
+          <ac:chgData name="Sean O Fithcheallaigh" userId="47659c31-a575-4792-8be3-61268c4ee0d6" providerId="ADAL" clId="{CA64B30F-511C-45F5-B991-1BF90300E7E0}" dt="2024-02-07T16:23:29.857" v="3351" actId="26606"/>
+          <ac:spMkLst>
+            <pc:docMk/>
+            <pc:sldMk cId="905190482" sldId="256"/>
+            <ac:spMk id="40" creationId="{495892E1-F4A5-4991-AC52-4F417B14A2A2}"/>
+          </ac:spMkLst>
+        </pc:spChg>
+        <pc:spChg chg="add del">
+          <ac:chgData name="Sean O Fithcheallaigh" userId="47659c31-a575-4792-8be3-61268c4ee0d6" providerId="ADAL" clId="{CA64B30F-511C-45F5-B991-1BF90300E7E0}" dt="2024-02-07T16:23:29.857" v="3351" actId="26606"/>
+          <ac:spMkLst>
+            <pc:docMk/>
+            <pc:sldMk cId="905190482" sldId="256"/>
+            <ac:spMk id="50" creationId="{E2683E3F-F855-4549-84F8-42064EC0F247}"/>
+          </ac:spMkLst>
+        </pc:spChg>
+        <pc:spChg chg="add del">
+          <ac:chgData name="Sean O Fithcheallaigh" userId="47659c31-a575-4792-8be3-61268c4ee0d6" providerId="ADAL" clId="{CA64B30F-511C-45F5-B991-1BF90300E7E0}" dt="2024-02-07T16:23:29.857" v="3351" actId="26606"/>
+          <ac:spMkLst>
+            <pc:docMk/>
+            <pc:sldMk cId="905190482" sldId="256"/>
+            <ac:spMk id="58" creationId="{832F3179-0CD5-40C8-9939-D8355006F7BA}"/>
+          </ac:spMkLst>
+        </pc:spChg>
+        <pc:spChg chg="add del">
+          <ac:chgData name="Sean O Fithcheallaigh" userId="47659c31-a575-4792-8be3-61268c4ee0d6" providerId="ADAL" clId="{CA64B30F-511C-45F5-B991-1BF90300E7E0}" dt="2024-02-07T16:23:33.996" v="3353" actId="26606"/>
+          <ac:spMkLst>
+            <pc:docMk/>
+            <pc:sldMk cId="905190482" sldId="256"/>
+            <ac:spMk id="66" creationId="{1DF91F20-B96F-4F77-AC3E-2CDD3BAA10C2}"/>
+          </ac:spMkLst>
+        </pc:spChg>
+        <pc:spChg chg="add del">
+          <ac:chgData name="Sean O Fithcheallaigh" userId="47659c31-a575-4792-8be3-61268c4ee0d6" providerId="ADAL" clId="{CA64B30F-511C-45F5-B991-1BF90300E7E0}" dt="2024-02-07T16:23:33.996" v="3353" actId="26606"/>
+          <ac:spMkLst>
+            <pc:docMk/>
+            <pc:sldMk cId="905190482" sldId="256"/>
+            <ac:spMk id="67" creationId="{C3D487F7-9050-4871-B351-34A72ADB296C}"/>
+          </ac:spMkLst>
+        </pc:spChg>
+        <pc:spChg chg="add del">
+          <ac:chgData name="Sean O Fithcheallaigh" userId="47659c31-a575-4792-8be3-61268c4ee0d6" providerId="ADAL" clId="{CA64B30F-511C-45F5-B991-1BF90300E7E0}" dt="2024-02-07T16:23:33.996" v="3353" actId="26606"/>
+          <ac:spMkLst>
+            <pc:docMk/>
+            <pc:sldMk cId="905190482" sldId="256"/>
+            <ac:spMk id="68" creationId="{F43C27DD-EF6A-4C48-9669-C2970E71A814}"/>
+          </ac:spMkLst>
+        </pc:spChg>
+        <pc:spChg chg="add del">
+          <ac:chgData name="Sean O Fithcheallaigh" userId="47659c31-a575-4792-8be3-61268c4ee0d6" providerId="ADAL" clId="{CA64B30F-511C-45F5-B991-1BF90300E7E0}" dt="2024-02-07T16:23:33.996" v="3353" actId="26606"/>
+          <ac:spMkLst>
+            <pc:docMk/>
+            <pc:sldMk cId="905190482" sldId="256"/>
+            <ac:spMk id="69" creationId="{C84384FE-1C88-4CAA-8FB8-2313A3AE734D}"/>
+          </ac:spMkLst>
+        </pc:spChg>
+        <pc:spChg chg="add del">
+          <ac:chgData name="Sean O Fithcheallaigh" userId="47659c31-a575-4792-8be3-61268c4ee0d6" providerId="ADAL" clId="{CA64B30F-511C-45F5-B991-1BF90300E7E0}" dt="2024-02-07T16:23:33.996" v="3353" actId="26606"/>
+          <ac:spMkLst>
+            <pc:docMk/>
+            <pc:sldMk cId="905190482" sldId="256"/>
+            <ac:spMk id="70" creationId="{87B6A113-58CD-406C-BCE4-6E1F1F2BE696}"/>
+          </ac:spMkLst>
+        </pc:spChg>
+        <pc:spChg chg="add del">
+          <ac:chgData name="Sean O Fithcheallaigh" userId="47659c31-a575-4792-8be3-61268c4ee0d6" providerId="ADAL" clId="{CA64B30F-511C-45F5-B991-1BF90300E7E0}" dt="2024-02-07T16:23:33.996" v="3353" actId="26606"/>
+          <ac:spMkLst>
+            <pc:docMk/>
+            <pc:sldMk cId="905190482" sldId="256"/>
+            <ac:spMk id="71" creationId="{05A1AA86-B7E6-4C02-AA34-F1A25CD4CCBD}"/>
+          </ac:spMkLst>
+        </pc:spChg>
+        <pc:spChg chg="add del">
+          <ac:chgData name="Sean O Fithcheallaigh" userId="47659c31-a575-4792-8be3-61268c4ee0d6" providerId="ADAL" clId="{CA64B30F-511C-45F5-B991-1BF90300E7E0}" dt="2024-02-07T16:24:25.963" v="3360"/>
+          <ac:spMkLst>
+            <pc:docMk/>
+            <pc:sldMk cId="905190482" sldId="256"/>
+            <ac:spMk id="73" creationId="{BEBFA723-5A7B-472D-ABD7-1526B8D3A38B}"/>
+          </ac:spMkLst>
+        </pc:spChg>
+        <pc:spChg chg="add del">
+          <ac:chgData name="Sean O Fithcheallaigh" userId="47659c31-a575-4792-8be3-61268c4ee0d6" providerId="ADAL" clId="{CA64B30F-511C-45F5-B991-1BF90300E7E0}" dt="2024-02-07T16:24:25.963" v="3360"/>
+          <ac:spMkLst>
+            <pc:docMk/>
+            <pc:sldMk cId="905190482" sldId="256"/>
+            <ac:spMk id="74" creationId="{A6B27065-399A-4CF7-BF70-CF79B9848FC1}"/>
           </ac:spMkLst>
         </pc:spChg>
         <pc:grpChg chg="add del">
@@ -226,8 +371,40 @@
             <ac:grpSpMk id="14" creationId="{D74613BB-817C-4C4F-8A24-4936F2F064C0}"/>
           </ac:grpSpMkLst>
         </pc:grpChg>
-        <pc:picChg chg="add mod">
-          <ac:chgData name="Sean O Fithcheallaigh" userId="47659c31-a575-4792-8be3-61268c4ee0d6" providerId="ADAL" clId="{CA64B30F-511C-45F5-B991-1BF90300E7E0}" dt="2024-02-05T21:53:35.526" v="2562" actId="26606"/>
+        <pc:grpChg chg="add del">
+          <ac:chgData name="Sean O Fithcheallaigh" userId="47659c31-a575-4792-8be3-61268c4ee0d6" providerId="ADAL" clId="{CA64B30F-511C-45F5-B991-1BF90300E7E0}" dt="2024-02-07T16:23:29.857" v="3351" actId="26606"/>
+          <ac:grpSpMkLst>
+            <pc:docMk/>
+            <pc:sldMk cId="905190482" sldId="256"/>
+            <ac:grpSpMk id="42" creationId="{ACF597F8-76AA-44FA-8E6A-06223B66C0DD}"/>
+          </ac:grpSpMkLst>
+        </pc:grpChg>
+        <pc:grpChg chg="add del">
+          <ac:chgData name="Sean O Fithcheallaigh" userId="47659c31-a575-4792-8be3-61268c4ee0d6" providerId="ADAL" clId="{CA64B30F-511C-45F5-B991-1BF90300E7E0}" dt="2024-02-07T16:23:29.857" v="3351" actId="26606"/>
+          <ac:grpSpMkLst>
+            <pc:docMk/>
+            <pc:sldMk cId="905190482" sldId="256"/>
+            <ac:grpSpMk id="52" creationId="{8FC90B1E-0223-4440-AF22-8F32F6F0C7D2}"/>
+          </ac:grpSpMkLst>
+        </pc:grpChg>
+        <pc:grpChg chg="add del">
+          <ac:chgData name="Sean O Fithcheallaigh" userId="47659c31-a575-4792-8be3-61268c4ee0d6" providerId="ADAL" clId="{CA64B30F-511C-45F5-B991-1BF90300E7E0}" dt="2024-02-07T16:23:29.857" v="3351" actId="26606"/>
+          <ac:grpSpMkLst>
+            <pc:docMk/>
+            <pc:sldMk cId="905190482" sldId="256"/>
+            <ac:grpSpMk id="60" creationId="{11CE155D-684B-4F5E-B835-C52765E310E7}"/>
+          </ac:grpSpMkLst>
+        </pc:grpChg>
+        <pc:grpChg chg="add del">
+          <ac:chgData name="Sean O Fithcheallaigh" userId="47659c31-a575-4792-8be3-61268c4ee0d6" providerId="ADAL" clId="{CA64B30F-511C-45F5-B991-1BF90300E7E0}" dt="2024-02-07T16:24:25.963" v="3360"/>
+          <ac:grpSpMkLst>
+            <pc:docMk/>
+            <pc:sldMk cId="905190482" sldId="256"/>
+            <ac:grpSpMk id="75" creationId="{CF22986C-DDF7-4109-9D6A-006800D6B041}"/>
+          </ac:grpSpMkLst>
+        </pc:grpChg>
+        <pc:picChg chg="add mod ord">
+          <ac:chgData name="Sean O Fithcheallaigh" userId="47659c31-a575-4792-8be3-61268c4ee0d6" providerId="ADAL" clId="{CA64B30F-511C-45F5-B991-1BF90300E7E0}" dt="2024-02-07T16:23:34.024" v="3354" actId="26606"/>
           <ac:picMkLst>
             <pc:docMk/>
             <pc:sldMk cId="905190482" sldId="256"/>
@@ -235,14 +412,14 @@
           </ac:picMkLst>
         </pc:picChg>
       </pc:sldChg>
-      <pc:sldChg chg="addSp delSp modSp mod setBg">
-        <pc:chgData name="Sean O Fithcheallaigh" userId="47659c31-a575-4792-8be3-61268c4ee0d6" providerId="ADAL" clId="{CA64B30F-511C-45F5-B991-1BF90300E7E0}" dt="2024-02-05T21:54:30.540" v="2604" actId="26606"/>
+      <pc:sldChg chg="addSp delSp modSp mod setBg delDesignElem">
+        <pc:chgData name="Sean O Fithcheallaigh" userId="47659c31-a575-4792-8be3-61268c4ee0d6" providerId="ADAL" clId="{CA64B30F-511C-45F5-B991-1BF90300E7E0}" dt="2024-02-07T16:24:58.287" v="3367"/>
         <pc:sldMkLst>
           <pc:docMk/>
           <pc:sldMk cId="3126834720" sldId="257"/>
         </pc:sldMkLst>
         <pc:spChg chg="mod">
-          <ac:chgData name="Sean O Fithcheallaigh" userId="47659c31-a575-4792-8be3-61268c4ee0d6" providerId="ADAL" clId="{CA64B30F-511C-45F5-B991-1BF90300E7E0}" dt="2024-02-05T21:54:30.540" v="2604" actId="26606"/>
+          <ac:chgData name="Sean O Fithcheallaigh" userId="47659c31-a575-4792-8be3-61268c4ee0d6" providerId="ADAL" clId="{CA64B30F-511C-45F5-B991-1BF90300E7E0}" dt="2024-02-07T16:24:47.747" v="3365" actId="26606"/>
           <ac:spMkLst>
             <pc:docMk/>
             <pc:sldMk cId="3126834720" sldId="257"/>
@@ -257,24 +434,24 @@
             <ac:spMk id="3" creationId="{40C9001B-B62A-4D30-84D2-54AF8318DA1F}"/>
           </ac:spMkLst>
         </pc:spChg>
-        <pc:spChg chg="add">
-          <ac:chgData name="Sean O Fithcheallaigh" userId="47659c31-a575-4792-8be3-61268c4ee0d6" providerId="ADAL" clId="{CA64B30F-511C-45F5-B991-1BF90300E7E0}" dt="2024-02-05T21:54:30.540" v="2604" actId="26606"/>
+        <pc:spChg chg="add del">
+          <ac:chgData name="Sean O Fithcheallaigh" userId="47659c31-a575-4792-8be3-61268c4ee0d6" providerId="ADAL" clId="{CA64B30F-511C-45F5-B991-1BF90300E7E0}" dt="2024-02-07T16:22:39.264" v="3349" actId="26606"/>
           <ac:spMkLst>
             <pc:docMk/>
             <pc:sldMk cId="3126834720" sldId="257"/>
             <ac:spMk id="6" creationId="{BACC6370-2D7E-4714-9D71-7542949D7D5D}"/>
           </ac:spMkLst>
         </pc:spChg>
-        <pc:spChg chg="add">
-          <ac:chgData name="Sean O Fithcheallaigh" userId="47659c31-a575-4792-8be3-61268c4ee0d6" providerId="ADAL" clId="{CA64B30F-511C-45F5-B991-1BF90300E7E0}" dt="2024-02-05T21:54:30.540" v="2604" actId="26606"/>
+        <pc:spChg chg="add del">
+          <ac:chgData name="Sean O Fithcheallaigh" userId="47659c31-a575-4792-8be3-61268c4ee0d6" providerId="ADAL" clId="{CA64B30F-511C-45F5-B991-1BF90300E7E0}" dt="2024-02-07T16:22:39.264" v="3349" actId="26606"/>
           <ac:spMkLst>
             <pc:docMk/>
             <pc:sldMk cId="3126834720" sldId="257"/>
             <ac:spMk id="7" creationId="{F68B3F68-107C-434F-AA38-110D5EA91B85}"/>
           </ac:spMkLst>
         </pc:spChg>
-        <pc:spChg chg="add">
-          <ac:chgData name="Sean O Fithcheallaigh" userId="47659c31-a575-4792-8be3-61268c4ee0d6" providerId="ADAL" clId="{CA64B30F-511C-45F5-B991-1BF90300E7E0}" dt="2024-02-05T21:54:30.540" v="2604" actId="26606"/>
+        <pc:spChg chg="add del">
+          <ac:chgData name="Sean O Fithcheallaigh" userId="47659c31-a575-4792-8be3-61268c4ee0d6" providerId="ADAL" clId="{CA64B30F-511C-45F5-B991-1BF90300E7E0}" dt="2024-02-07T16:22:39.264" v="3349" actId="26606"/>
           <ac:spMkLst>
             <pc:docMk/>
             <pc:sldMk cId="3126834720" sldId="257"/>
@@ -289,8 +466,8 @@
             <ac:spMk id="9" creationId="{BACC6370-2D7E-4714-9D71-7542949D7D5D}"/>
           </ac:spMkLst>
         </pc:spChg>
-        <pc:spChg chg="add">
-          <ac:chgData name="Sean O Fithcheallaigh" userId="47659c31-a575-4792-8be3-61268c4ee0d6" providerId="ADAL" clId="{CA64B30F-511C-45F5-B991-1BF90300E7E0}" dt="2024-02-05T21:54:30.540" v="2604" actId="26606"/>
+        <pc:spChg chg="add del">
+          <ac:chgData name="Sean O Fithcheallaigh" userId="47659c31-a575-4792-8be3-61268c4ee0d6" providerId="ADAL" clId="{CA64B30F-511C-45F5-B991-1BF90300E7E0}" dt="2024-02-07T16:22:39.264" v="3349" actId="26606"/>
           <ac:spMkLst>
             <pc:docMk/>
             <pc:sldMk cId="3126834720" sldId="257"/>
@@ -314,11 +491,59 @@
           </ac:spMkLst>
         </pc:spChg>
         <pc:spChg chg="add del">
+          <ac:chgData name="Sean O Fithcheallaigh" userId="47659c31-a575-4792-8be3-61268c4ee0d6" providerId="ADAL" clId="{CA64B30F-511C-45F5-B991-1BF90300E7E0}" dt="2024-02-07T16:24:47.690" v="3364" actId="26606"/>
+          <ac:spMkLst>
+            <pc:docMk/>
+            <pc:sldMk cId="3126834720" sldId="257"/>
+            <ac:spMk id="14" creationId="{3429A099-5CB1-4A20-B64F-4F0562EF3399}"/>
+          </ac:spMkLst>
+        </pc:spChg>
+        <pc:spChg chg="add del">
           <ac:chgData name="Sean O Fithcheallaigh" userId="47659c31-a575-4792-8be3-61268c4ee0d6" providerId="ADAL" clId="{CA64B30F-511C-45F5-B991-1BF90300E7E0}" dt="2024-02-05T21:54:04.815" v="2564" actId="26606"/>
           <ac:spMkLst>
             <pc:docMk/>
             <pc:sldMk cId="3126834720" sldId="257"/>
             <ac:spMk id="15" creationId="{063BBA22-50EA-4C4D-BE05-F1CE4E63AA56}"/>
+          </ac:spMkLst>
+        </pc:spChg>
+        <pc:spChg chg="add del">
+          <ac:chgData name="Sean O Fithcheallaigh" userId="47659c31-a575-4792-8be3-61268c4ee0d6" providerId="ADAL" clId="{CA64B30F-511C-45F5-B991-1BF90300E7E0}" dt="2024-02-07T16:24:47.690" v="3364" actId="26606"/>
+          <ac:spMkLst>
+            <pc:docMk/>
+            <pc:sldMk cId="3126834720" sldId="257"/>
+            <ac:spMk id="16" creationId="{087C0A89-7FB3-43F8-9DE3-0177E3E27B4C}"/>
+          </ac:spMkLst>
+        </pc:spChg>
+        <pc:spChg chg="add del">
+          <ac:chgData name="Sean O Fithcheallaigh" userId="47659c31-a575-4792-8be3-61268c4ee0d6" providerId="ADAL" clId="{CA64B30F-511C-45F5-B991-1BF90300E7E0}" dt="2024-02-07T16:24:25.963" v="3360"/>
+          <ac:spMkLst>
+            <pc:docMk/>
+            <pc:sldMk cId="3126834720" sldId="257"/>
+            <ac:spMk id="17" creationId="{45D37F4E-DDB4-456B-97E0-9937730A039F}"/>
+          </ac:spMkLst>
+        </pc:spChg>
+        <pc:spChg chg="add del">
+          <ac:chgData name="Sean O Fithcheallaigh" userId="47659c31-a575-4792-8be3-61268c4ee0d6" providerId="ADAL" clId="{CA64B30F-511C-45F5-B991-1BF90300E7E0}" dt="2024-02-07T16:24:25.963" v="3360"/>
+          <ac:spMkLst>
+            <pc:docMk/>
+            <pc:sldMk cId="3126834720" sldId="257"/>
+            <ac:spMk id="19" creationId="{B2DD41CD-8F47-4F56-AD12-4E2FF7696987}"/>
+          </ac:spMkLst>
+        </pc:spChg>
+        <pc:spChg chg="add del">
+          <ac:chgData name="Sean O Fithcheallaigh" userId="47659c31-a575-4792-8be3-61268c4ee0d6" providerId="ADAL" clId="{CA64B30F-511C-45F5-B991-1BF90300E7E0}" dt="2024-02-07T16:24:47.690" v="3364" actId="26606"/>
+          <ac:spMkLst>
+            <pc:docMk/>
+            <pc:sldMk cId="3126834720" sldId="257"/>
+            <ac:spMk id="21" creationId="{399F4DD4-CC07-42A8-8AF8-069654F1A9E1}"/>
+          </ac:spMkLst>
+        </pc:spChg>
+        <pc:spChg chg="add del">
+          <ac:chgData name="Sean O Fithcheallaigh" userId="47659c31-a575-4792-8be3-61268c4ee0d6" providerId="ADAL" clId="{CA64B30F-511C-45F5-B991-1BF90300E7E0}" dt="2024-02-07T16:24:58.287" v="3367"/>
+          <ac:spMkLst>
+            <pc:docMk/>
+            <pc:sldMk cId="3126834720" sldId="257"/>
+            <ac:spMk id="23" creationId="{0C2BBC7F-C278-487D-A435-69502F45532A}"/>
           </ac:spMkLst>
         </pc:spChg>
         <pc:graphicFrameChg chg="add del">
@@ -329,8 +554,8 @@
             <ac:graphicFrameMk id="5" creationId="{33F32A03-E55D-70AE-33FC-C7E25A99C113}"/>
           </ac:graphicFrameMkLst>
         </pc:graphicFrameChg>
-        <pc:graphicFrameChg chg="add">
-          <ac:chgData name="Sean O Fithcheallaigh" userId="47659c31-a575-4792-8be3-61268c4ee0d6" providerId="ADAL" clId="{CA64B30F-511C-45F5-B991-1BF90300E7E0}" dt="2024-02-05T21:54:30.540" v="2604" actId="26606"/>
+        <pc:graphicFrameChg chg="add mod modGraphic">
+          <ac:chgData name="Sean O Fithcheallaigh" userId="47659c31-a575-4792-8be3-61268c4ee0d6" providerId="ADAL" clId="{CA64B30F-511C-45F5-B991-1BF90300E7E0}" dt="2024-02-07T16:24:47.747" v="3365" actId="26606"/>
           <ac:graphicFrameMkLst>
             <pc:docMk/>
             <pc:sldMk cId="3126834720" sldId="257"/>
@@ -338,14 +563,14 @@
           </ac:graphicFrameMkLst>
         </pc:graphicFrameChg>
       </pc:sldChg>
-      <pc:sldChg chg="addSp delSp modSp new mod setBg">
-        <pc:chgData name="Sean O Fithcheallaigh" userId="47659c31-a575-4792-8be3-61268c4ee0d6" providerId="ADAL" clId="{CA64B30F-511C-45F5-B991-1BF90300E7E0}" dt="2024-02-05T21:53:00.647" v="2561" actId="14100"/>
+      <pc:sldChg chg="addSp delSp modSp new mod setBg delDesignElem">
+        <pc:chgData name="Sean O Fithcheallaigh" userId="47659c31-a575-4792-8be3-61268c4ee0d6" providerId="ADAL" clId="{CA64B30F-511C-45F5-B991-1BF90300E7E0}" dt="2024-02-07T16:25:38.534" v="3384" actId="313"/>
         <pc:sldMkLst>
           <pc:docMk/>
           <pc:sldMk cId="3874078205" sldId="258"/>
         </pc:sldMkLst>
         <pc:spChg chg="mod">
-          <ac:chgData name="Sean O Fithcheallaigh" userId="47659c31-a575-4792-8be3-61268c4ee0d6" providerId="ADAL" clId="{CA64B30F-511C-45F5-B991-1BF90300E7E0}" dt="2024-02-05T21:51:51.053" v="2549" actId="26606"/>
+          <ac:chgData name="Sean O Fithcheallaigh" userId="47659c31-a575-4792-8be3-61268c4ee0d6" providerId="ADAL" clId="{CA64B30F-511C-45F5-B991-1BF90300E7E0}" dt="2024-02-07T16:25:38.534" v="3384" actId="313"/>
           <ac:spMkLst>
             <pc:docMk/>
             <pc:sldMk cId="3874078205" sldId="258"/>
@@ -416,32 +641,32 @@
             <ac:spMk id="13" creationId="{6EAAA1B9-2DDB-49C9-A037-A523D2F13C15}"/>
           </ac:spMkLst>
         </pc:spChg>
-        <pc:spChg chg="add">
-          <ac:chgData name="Sean O Fithcheallaigh" userId="47659c31-a575-4792-8be3-61268c4ee0d6" providerId="ADAL" clId="{CA64B30F-511C-45F5-B991-1BF90300E7E0}" dt="2024-02-05T21:51:51.053" v="2549" actId="26606"/>
+        <pc:spChg chg="add del">
+          <ac:chgData name="Sean O Fithcheallaigh" userId="47659c31-a575-4792-8be3-61268c4ee0d6" providerId="ADAL" clId="{CA64B30F-511C-45F5-B991-1BF90300E7E0}" dt="2024-02-07T16:24:25.963" v="3360"/>
           <ac:spMkLst>
             <pc:docMk/>
             <pc:sldMk cId="3874078205" sldId="258"/>
             <ac:spMk id="15" creationId="{BACC6370-2D7E-4714-9D71-7542949D7D5D}"/>
           </ac:spMkLst>
         </pc:spChg>
-        <pc:spChg chg="add">
-          <ac:chgData name="Sean O Fithcheallaigh" userId="47659c31-a575-4792-8be3-61268c4ee0d6" providerId="ADAL" clId="{CA64B30F-511C-45F5-B991-1BF90300E7E0}" dt="2024-02-05T21:51:51.053" v="2549" actId="26606"/>
+        <pc:spChg chg="add del">
+          <ac:chgData name="Sean O Fithcheallaigh" userId="47659c31-a575-4792-8be3-61268c4ee0d6" providerId="ADAL" clId="{CA64B30F-511C-45F5-B991-1BF90300E7E0}" dt="2024-02-07T16:24:25.963" v="3360"/>
           <ac:spMkLst>
             <pc:docMk/>
             <pc:sldMk cId="3874078205" sldId="258"/>
             <ac:spMk id="16" creationId="{063BBA22-50EA-4C4D-BE05-F1CE4E63AA56}"/>
           </ac:spMkLst>
         </pc:spChg>
-        <pc:spChg chg="add">
-          <ac:chgData name="Sean O Fithcheallaigh" userId="47659c31-a575-4792-8be3-61268c4ee0d6" providerId="ADAL" clId="{CA64B30F-511C-45F5-B991-1BF90300E7E0}" dt="2024-02-05T21:51:51.053" v="2549" actId="26606"/>
+        <pc:spChg chg="add del">
+          <ac:chgData name="Sean O Fithcheallaigh" userId="47659c31-a575-4792-8be3-61268c4ee0d6" providerId="ADAL" clId="{CA64B30F-511C-45F5-B991-1BF90300E7E0}" dt="2024-02-07T16:24:25.963" v="3360"/>
           <ac:spMkLst>
             <pc:docMk/>
             <pc:sldMk cId="3874078205" sldId="258"/>
             <ac:spMk id="17" creationId="{F68B3F68-107C-434F-AA38-110D5EA91B85}"/>
           </ac:spMkLst>
         </pc:spChg>
-        <pc:spChg chg="add">
-          <ac:chgData name="Sean O Fithcheallaigh" userId="47659c31-a575-4792-8be3-61268c4ee0d6" providerId="ADAL" clId="{CA64B30F-511C-45F5-B991-1BF90300E7E0}" dt="2024-02-05T21:51:51.053" v="2549" actId="26606"/>
+        <pc:spChg chg="add del">
+          <ac:chgData name="Sean O Fithcheallaigh" userId="47659c31-a575-4792-8be3-61268c4ee0d6" providerId="ADAL" clId="{CA64B30F-511C-45F5-B991-1BF90300E7E0}" dt="2024-02-07T16:24:25.963" v="3360"/>
           <ac:spMkLst>
             <pc:docMk/>
             <pc:sldMk cId="3874078205" sldId="258"/>
@@ -513,28 +738,44 @@
           </ac:graphicFrameMkLst>
         </pc:graphicFrameChg>
       </pc:sldChg>
-      <pc:sldChg chg="addSp delSp modSp add mod setBg">
-        <pc:chgData name="Sean O Fithcheallaigh" userId="47659c31-a575-4792-8be3-61268c4ee0d6" providerId="ADAL" clId="{CA64B30F-511C-45F5-B991-1BF90300E7E0}" dt="2024-02-05T21:50:53.824" v="2548" actId="26606"/>
+      <pc:sldChg chg="addSp delSp modSp add mod setBg delDesignElem">
+        <pc:chgData name="Sean O Fithcheallaigh" userId="47659c31-a575-4792-8be3-61268c4ee0d6" providerId="ADAL" clId="{CA64B30F-511C-45F5-B991-1BF90300E7E0}" dt="2024-02-07T16:33:12.352" v="3614" actId="14100"/>
         <pc:sldMkLst>
           <pc:docMk/>
           <pc:sldMk cId="2143467693" sldId="259"/>
         </pc:sldMkLst>
         <pc:spChg chg="mod">
-          <ac:chgData name="Sean O Fithcheallaigh" userId="47659c31-a575-4792-8be3-61268c4ee0d6" providerId="ADAL" clId="{CA64B30F-511C-45F5-B991-1BF90300E7E0}" dt="2024-02-05T21:49:21.595" v="2531" actId="26606"/>
+          <ac:chgData name="Sean O Fithcheallaigh" userId="47659c31-a575-4792-8be3-61268c4ee0d6" providerId="ADAL" clId="{CA64B30F-511C-45F5-B991-1BF90300E7E0}" dt="2024-02-07T16:33:12.352" v="3614" actId="14100"/>
           <ac:spMkLst>
             <pc:docMk/>
             <pc:sldMk cId="2143467693" sldId="259"/>
             <ac:spMk id="2" creationId="{781896B6-E7E5-4F41-B664-DC12C7499495}"/>
           </ac:spMkLst>
         </pc:spChg>
-        <pc:spChg chg="mod">
-          <ac:chgData name="Sean O Fithcheallaigh" userId="47659c31-a575-4792-8be3-61268c4ee0d6" providerId="ADAL" clId="{CA64B30F-511C-45F5-B991-1BF90300E7E0}" dt="2024-02-05T21:50:07.297" v="2542" actId="122"/>
+        <pc:spChg chg="mod ord">
+          <ac:chgData name="Sean O Fithcheallaigh" userId="47659c31-a575-4792-8be3-61268c4ee0d6" providerId="ADAL" clId="{CA64B30F-511C-45F5-B991-1BF90300E7E0}" dt="2024-02-07T16:31:00.357" v="3545" actId="14100"/>
           <ac:spMkLst>
             <pc:docMk/>
             <pc:sldMk cId="2143467693" sldId="259"/>
             <ac:spMk id="3" creationId="{F3BFD49E-147C-48F2-94FE-B635D761F52A}"/>
           </ac:spMkLst>
         </pc:spChg>
+        <pc:spChg chg="add del">
+          <ac:chgData name="Sean O Fithcheallaigh" userId="47659c31-a575-4792-8be3-61268c4ee0d6" providerId="ADAL" clId="{CA64B30F-511C-45F5-B991-1BF90300E7E0}" dt="2024-02-07T15:41:03.986" v="3239" actId="478"/>
+          <ac:spMkLst>
+            <pc:docMk/>
+            <pc:sldMk cId="2143467693" sldId="259"/>
+            <ac:spMk id="4" creationId="{BE461518-0E14-4E2F-A58D-DB1129233685}"/>
+          </ac:spMkLst>
+        </pc:spChg>
+        <pc:spChg chg="add mod">
+          <ac:chgData name="Sean O Fithcheallaigh" userId="47659c31-a575-4792-8be3-61268c4ee0d6" providerId="ADAL" clId="{CA64B30F-511C-45F5-B991-1BF90300E7E0}" dt="2024-02-07T16:31:02.761" v="3546" actId="14100"/>
+          <ac:spMkLst>
+            <pc:docMk/>
+            <pc:sldMk cId="2143467693" sldId="259"/>
+            <ac:spMk id="5" creationId="{98386D18-C179-44AB-9A0E-54B0136025BE}"/>
+          </ac:spMkLst>
+        </pc:spChg>
         <pc:spChg chg="del mod">
           <ac:chgData name="Sean O Fithcheallaigh" userId="47659c31-a575-4792-8be3-61268c4ee0d6" providerId="ADAL" clId="{CA64B30F-511C-45F5-B991-1BF90300E7E0}" dt="2024-02-05T21:37:37.716" v="1342" actId="478"/>
           <ac:spMkLst>
@@ -575,40 +816,56 @@
             <ac:spMk id="11" creationId="{8CA06CD6-90CA-4C45-856C-6771339E1E22}"/>
           </ac:spMkLst>
         </pc:spChg>
-        <pc:spChg chg="add">
-          <ac:chgData name="Sean O Fithcheallaigh" userId="47659c31-a575-4792-8be3-61268c4ee0d6" providerId="ADAL" clId="{CA64B30F-511C-45F5-B991-1BF90300E7E0}" dt="2024-02-05T21:49:21.595" v="2531" actId="26606"/>
+        <pc:spChg chg="add mod">
+          <ac:chgData name="Sean O Fithcheallaigh" userId="47659c31-a575-4792-8be3-61268c4ee0d6" providerId="ADAL" clId="{CA64B30F-511C-45F5-B991-1BF90300E7E0}" dt="2024-02-07T16:32:40.785" v="3579" actId="688"/>
+          <ac:spMkLst>
+            <pc:docMk/>
+            <pc:sldMk cId="2143467693" sldId="259"/>
+            <ac:spMk id="12" creationId="{B5E0D9F7-4059-4AC9-B6F0-FD0340F0BC27}"/>
+          </ac:spMkLst>
+        </pc:spChg>
+        <pc:spChg chg="add mod">
+          <ac:chgData name="Sean O Fithcheallaigh" userId="47659c31-a575-4792-8be3-61268c4ee0d6" providerId="ADAL" clId="{CA64B30F-511C-45F5-B991-1BF90300E7E0}" dt="2024-02-07T16:32:37.164" v="3578" actId="688"/>
+          <ac:spMkLst>
+            <pc:docMk/>
+            <pc:sldMk cId="2143467693" sldId="259"/>
+            <ac:spMk id="13" creationId="{8243B285-2BD0-4E5C-A96C-518F8A18E67B}"/>
+          </ac:spMkLst>
+        </pc:spChg>
+        <pc:spChg chg="add del">
+          <ac:chgData name="Sean O Fithcheallaigh" userId="47659c31-a575-4792-8be3-61268c4ee0d6" providerId="ADAL" clId="{CA64B30F-511C-45F5-B991-1BF90300E7E0}" dt="2024-02-07T16:24:25.963" v="3360"/>
           <ac:spMkLst>
             <pc:docMk/>
             <pc:sldMk cId="2143467693" sldId="259"/>
             <ac:spMk id="16" creationId="{3847E18C-932D-4C95-AABA-FEC7C9499AD7}"/>
           </ac:spMkLst>
         </pc:spChg>
-        <pc:spChg chg="add">
-          <ac:chgData name="Sean O Fithcheallaigh" userId="47659c31-a575-4792-8be3-61268c4ee0d6" providerId="ADAL" clId="{CA64B30F-511C-45F5-B991-1BF90300E7E0}" dt="2024-02-05T21:49:21.595" v="2531" actId="26606"/>
+        <pc:spChg chg="add del">
+          <ac:chgData name="Sean O Fithcheallaigh" userId="47659c31-a575-4792-8be3-61268c4ee0d6" providerId="ADAL" clId="{CA64B30F-511C-45F5-B991-1BF90300E7E0}" dt="2024-02-07T16:24:25.963" v="3360"/>
           <ac:spMkLst>
             <pc:docMk/>
             <pc:sldMk cId="2143467693" sldId="259"/>
             <ac:spMk id="17" creationId="{BACC6370-2D7E-4714-9D71-7542949D7D5D}"/>
           </ac:spMkLst>
         </pc:spChg>
-        <pc:spChg chg="add">
-          <ac:chgData name="Sean O Fithcheallaigh" userId="47659c31-a575-4792-8be3-61268c4ee0d6" providerId="ADAL" clId="{CA64B30F-511C-45F5-B991-1BF90300E7E0}" dt="2024-02-05T21:49:21.595" v="2531" actId="26606"/>
+        <pc:spChg chg="add del">
+          <ac:chgData name="Sean O Fithcheallaigh" userId="47659c31-a575-4792-8be3-61268c4ee0d6" providerId="ADAL" clId="{CA64B30F-511C-45F5-B991-1BF90300E7E0}" dt="2024-02-07T16:24:25.963" v="3360"/>
           <ac:spMkLst>
             <pc:docMk/>
             <pc:sldMk cId="2143467693" sldId="259"/>
             <ac:spMk id="18" creationId="{3150CB11-0C61-439E-910F-5787759E72A0}"/>
           </ac:spMkLst>
         </pc:spChg>
-        <pc:spChg chg="add">
-          <ac:chgData name="Sean O Fithcheallaigh" userId="47659c31-a575-4792-8be3-61268c4ee0d6" providerId="ADAL" clId="{CA64B30F-511C-45F5-B991-1BF90300E7E0}" dt="2024-02-05T21:49:21.595" v="2531" actId="26606"/>
+        <pc:spChg chg="add del">
+          <ac:chgData name="Sean O Fithcheallaigh" userId="47659c31-a575-4792-8be3-61268c4ee0d6" providerId="ADAL" clId="{CA64B30F-511C-45F5-B991-1BF90300E7E0}" dt="2024-02-07T16:24:25.963" v="3360"/>
           <ac:spMkLst>
             <pc:docMk/>
             <pc:sldMk cId="2143467693" sldId="259"/>
             <ac:spMk id="19" creationId="{256B2C21-A230-48C0-8DF1-C46611373C44}"/>
           </ac:spMkLst>
         </pc:spChg>
-        <pc:spChg chg="add">
-          <ac:chgData name="Sean O Fithcheallaigh" userId="47659c31-a575-4792-8be3-61268c4ee0d6" providerId="ADAL" clId="{CA64B30F-511C-45F5-B991-1BF90300E7E0}" dt="2024-02-05T21:49:21.595" v="2531" actId="26606"/>
+        <pc:spChg chg="add del">
+          <ac:chgData name="Sean O Fithcheallaigh" userId="47659c31-a575-4792-8be3-61268c4ee0d6" providerId="ADAL" clId="{CA64B30F-511C-45F5-B991-1BF90300E7E0}" dt="2024-02-07T16:24:25.963" v="3360"/>
           <ac:spMkLst>
             <pc:docMk/>
             <pc:sldMk cId="2143467693" sldId="259"/>
@@ -616,19 +873,35 @@
           </ac:spMkLst>
         </pc:spChg>
         <pc:spChg chg="add del mod">
-          <ac:chgData name="Sean O Fithcheallaigh" userId="47659c31-a575-4792-8be3-61268c4ee0d6" providerId="ADAL" clId="{CA64B30F-511C-45F5-B991-1BF90300E7E0}" dt="2024-02-05T21:50:53.824" v="2548" actId="26606"/>
+          <ac:chgData name="Sean O Fithcheallaigh" userId="47659c31-a575-4792-8be3-61268c4ee0d6" providerId="ADAL" clId="{CA64B30F-511C-45F5-B991-1BF90300E7E0}" dt="2024-02-07T16:32:17.150" v="3574" actId="115"/>
           <ac:spMkLst>
             <pc:docMk/>
             <pc:sldMk cId="2143467693" sldId="259"/>
             <ac:spMk id="21" creationId="{B1BF8FF0-C5F9-44EC-AB52-3D3EA590CDC6}"/>
           </ac:spMkLst>
         </pc:spChg>
-        <pc:spChg chg="add">
-          <ac:chgData name="Sean O Fithcheallaigh" userId="47659c31-a575-4792-8be3-61268c4ee0d6" providerId="ADAL" clId="{CA64B30F-511C-45F5-B991-1BF90300E7E0}" dt="2024-02-05T21:49:21.595" v="2531" actId="26606"/>
+        <pc:spChg chg="add del">
+          <ac:chgData name="Sean O Fithcheallaigh" userId="47659c31-a575-4792-8be3-61268c4ee0d6" providerId="ADAL" clId="{CA64B30F-511C-45F5-B991-1BF90300E7E0}" dt="2024-02-07T16:24:25.963" v="3360"/>
           <ac:spMkLst>
             <pc:docMk/>
             <pc:sldMk cId="2143467693" sldId="259"/>
             <ac:spMk id="22" creationId="{443F2ACA-E6D6-4028-82DD-F03C262D5DE6}"/>
+          </ac:spMkLst>
+        </pc:spChg>
+        <pc:spChg chg="add del">
+          <ac:chgData name="Sean O Fithcheallaigh" userId="47659c31-a575-4792-8be3-61268c4ee0d6" providerId="ADAL" clId="{CA64B30F-511C-45F5-B991-1BF90300E7E0}" dt="2024-02-07T15:40:46.666" v="3237" actId="26606"/>
+          <ac:spMkLst>
+            <pc:docMk/>
+            <pc:sldMk cId="2143467693" sldId="259"/>
+            <ac:spMk id="28" creationId="{0A597D97-203B-498B-95D3-E90DC961039F}"/>
+          </ac:spMkLst>
+        </pc:spChg>
+        <pc:spChg chg="add del">
+          <ac:chgData name="Sean O Fithcheallaigh" userId="47659c31-a575-4792-8be3-61268c4ee0d6" providerId="ADAL" clId="{CA64B30F-511C-45F5-B991-1BF90300E7E0}" dt="2024-02-07T15:40:46.666" v="3237" actId="26606"/>
+          <ac:spMkLst>
+            <pc:docMk/>
+            <pc:sldMk cId="2143467693" sldId="259"/>
+            <ac:spMk id="30" creationId="{6A6EF10E-DF41-4BD3-8EB4-6F646531DC26}"/>
           </ac:spMkLst>
         </pc:spChg>
         <pc:graphicFrameChg chg="add del">
@@ -671,6 +944,14 @@
             <ac:graphicFrameMk id="26" creationId="{B40E2130-BDD0-997A-91C5-7B8FD69E0CC7}"/>
           </ac:graphicFrameMkLst>
         </pc:graphicFrameChg>
+        <pc:picChg chg="add del">
+          <ac:chgData name="Sean O Fithcheallaigh" userId="47659c31-a575-4792-8be3-61268c4ee0d6" providerId="ADAL" clId="{CA64B30F-511C-45F5-B991-1BF90300E7E0}" dt="2024-02-07T15:40:46.666" v="3237" actId="26606"/>
+          <ac:picMkLst>
+            <pc:docMk/>
+            <pc:sldMk cId="2143467693" sldId="259"/>
+            <ac:picMk id="27" creationId="{43EDA9E1-F2A7-55ED-2683-4A5197E29198}"/>
+          </ac:picMkLst>
+        </pc:picChg>
         <pc:cxnChg chg="add del">
           <ac:chgData name="Sean O Fithcheallaigh" userId="47659c31-a575-4792-8be3-61268c4ee0d6" providerId="ADAL" clId="{CA64B30F-511C-45F5-B991-1BF90300E7E0}" dt="2024-02-05T21:37:04.873" v="1339" actId="26606"/>
           <ac:cxnSpMkLst>
@@ -687,6 +968,356 @@
             <ac:cxnSpMk id="14" creationId="{5021601D-2758-4B15-A31C-FDA184C51B3A}"/>
           </ac:cxnSpMkLst>
         </pc:cxnChg>
+      </pc:sldChg>
+      <pc:sldChg chg="addSp delSp modSp new mod setBg setClrOvrMap delDesignElem chgLayout">
+        <pc:chgData name="Sean O Fithcheallaigh" userId="47659c31-a575-4792-8be3-61268c4ee0d6" providerId="ADAL" clId="{CA64B30F-511C-45F5-B991-1BF90300E7E0}" dt="2024-02-07T16:35:59.230" v="3628"/>
+        <pc:sldMkLst>
+          <pc:docMk/>
+          <pc:sldMk cId="164553243" sldId="260"/>
+        </pc:sldMkLst>
+        <pc:spChg chg="mod ord">
+          <ac:chgData name="Sean O Fithcheallaigh" userId="47659c31-a575-4792-8be3-61268c4ee0d6" providerId="ADAL" clId="{CA64B30F-511C-45F5-B991-1BF90300E7E0}" dt="2024-02-07T16:34:32.741" v="3615" actId="26606"/>
+          <ac:spMkLst>
+            <pc:docMk/>
+            <pc:sldMk cId="164553243" sldId="260"/>
+            <ac:spMk id="2" creationId="{73222592-EF99-403F-9F40-ECBD63945B05}"/>
+          </ac:spMkLst>
+        </pc:spChg>
+        <pc:spChg chg="del">
+          <ac:chgData name="Sean O Fithcheallaigh" userId="47659c31-a575-4792-8be3-61268c4ee0d6" providerId="ADAL" clId="{CA64B30F-511C-45F5-B991-1BF90300E7E0}" dt="2024-02-07T15:23:18.005" v="2665"/>
+          <ac:spMkLst>
+            <pc:docMk/>
+            <pc:sldMk cId="164553243" sldId="260"/>
+            <ac:spMk id="3" creationId="{62892FC5-866B-46C6-ACC1-5FEE9A5A42D3}"/>
+          </ac:spMkLst>
+        </pc:spChg>
+        <pc:spChg chg="add mod ord">
+          <ac:chgData name="Sean O Fithcheallaigh" userId="47659c31-a575-4792-8be3-61268c4ee0d6" providerId="ADAL" clId="{CA64B30F-511C-45F5-B991-1BF90300E7E0}" dt="2024-02-07T16:35:19.574" v="3624" actId="12"/>
+          <ac:spMkLst>
+            <pc:docMk/>
+            <pc:sldMk cId="164553243" sldId="260"/>
+            <ac:spMk id="4" creationId="{FF2D577E-CBD9-4A66-AB00-870654181764}"/>
+          </ac:spMkLst>
+        </pc:spChg>
+        <pc:spChg chg="add mod ord">
+          <ac:chgData name="Sean O Fithcheallaigh" userId="47659c31-a575-4792-8be3-61268c4ee0d6" providerId="ADAL" clId="{CA64B30F-511C-45F5-B991-1BF90300E7E0}" dt="2024-02-07T16:35:25.856" v="3626" actId="15"/>
+          <ac:spMkLst>
+            <pc:docMk/>
+            <pc:sldMk cId="164553243" sldId="260"/>
+            <ac:spMk id="5" creationId="{55DC74A5-31C9-4AAD-A110-C2D6894BB4B8}"/>
+          </ac:spMkLst>
+        </pc:spChg>
+        <pc:spChg chg="add del mod">
+          <ac:chgData name="Sean O Fithcheallaigh" userId="47659c31-a575-4792-8be3-61268c4ee0d6" providerId="ADAL" clId="{CA64B30F-511C-45F5-B991-1BF90300E7E0}" dt="2024-02-07T15:46:02.456" v="3279" actId="6264"/>
+          <ac:spMkLst>
+            <pc:docMk/>
+            <pc:sldMk cId="164553243" sldId="260"/>
+            <ac:spMk id="6" creationId="{93E3B198-051E-4677-B327-73842E858ADF}"/>
+          </ac:spMkLst>
+        </pc:spChg>
+        <pc:spChg chg="add del">
+          <ac:chgData name="Sean O Fithcheallaigh" userId="47659c31-a575-4792-8be3-61268c4ee0d6" providerId="ADAL" clId="{CA64B30F-511C-45F5-B991-1BF90300E7E0}" dt="2024-02-07T15:49:53.687" v="3314" actId="6264"/>
+          <ac:spMkLst>
+            <pc:docMk/>
+            <pc:sldMk cId="164553243" sldId="260"/>
+            <ac:spMk id="7" creationId="{2A6B319F-86FE-4754-878E-06F0804D882B}"/>
+          </ac:spMkLst>
+        </pc:spChg>
+        <pc:spChg chg="add del">
+          <ac:chgData name="Sean O Fithcheallaigh" userId="47659c31-a575-4792-8be3-61268c4ee0d6" providerId="ADAL" clId="{CA64B30F-511C-45F5-B991-1BF90300E7E0}" dt="2024-02-07T15:49:53.687" v="3314" actId="6264"/>
+          <ac:spMkLst>
+            <pc:docMk/>
+            <pc:sldMk cId="164553243" sldId="260"/>
+            <ac:spMk id="8" creationId="{DCF7D1B5-3477-499F-ACC5-2C8B07F4EDB3}"/>
+          </ac:spMkLst>
+        </pc:spChg>
+        <pc:spChg chg="add del mod">
+          <ac:chgData name="Sean O Fithcheallaigh" userId="47659c31-a575-4792-8be3-61268c4ee0d6" providerId="ADAL" clId="{CA64B30F-511C-45F5-B991-1BF90300E7E0}" dt="2024-02-07T15:46:02.456" v="3279" actId="6264"/>
+          <ac:spMkLst>
+            <pc:docMk/>
+            <pc:sldMk cId="164553243" sldId="260"/>
+            <ac:spMk id="9" creationId="{9DB11114-D218-4411-A095-271E0BB359A7}"/>
+          </ac:spMkLst>
+        </pc:spChg>
+        <pc:spChg chg="add del">
+          <ac:chgData name="Sean O Fithcheallaigh" userId="47659c31-a575-4792-8be3-61268c4ee0d6" providerId="ADAL" clId="{CA64B30F-511C-45F5-B991-1BF90300E7E0}" dt="2024-02-07T15:32:49.152" v="3209" actId="26606"/>
+          <ac:spMkLst>
+            <pc:docMk/>
+            <pc:sldMk cId="164553243" sldId="260"/>
+            <ac:spMk id="10" creationId="{4C608BEB-860E-4094-8511-78603564A75E}"/>
+          </ac:spMkLst>
+        </pc:spChg>
+        <pc:spChg chg="add del">
+          <ac:chgData name="Sean O Fithcheallaigh" userId="47659c31-a575-4792-8be3-61268c4ee0d6" providerId="ADAL" clId="{CA64B30F-511C-45F5-B991-1BF90300E7E0}" dt="2024-02-07T15:42:57.108" v="3266" actId="26606"/>
+          <ac:spMkLst>
+            <pc:docMk/>
+            <pc:sldMk cId="164553243" sldId="260"/>
+            <ac:spMk id="13" creationId="{8CA06CD6-90CA-4C45-856C-6771339E1E22}"/>
+          </ac:spMkLst>
+        </pc:spChg>
+        <pc:spChg chg="add del">
+          <ac:chgData name="Sean O Fithcheallaigh" userId="47659c31-a575-4792-8be3-61268c4ee0d6" providerId="ADAL" clId="{CA64B30F-511C-45F5-B991-1BF90300E7E0}" dt="2024-02-07T15:40:17.853" v="3234" actId="26606"/>
+          <ac:spMkLst>
+            <pc:docMk/>
+            <pc:sldMk cId="164553243" sldId="260"/>
+            <ac:spMk id="14" creationId="{3847E18C-932D-4C95-AABA-FEC7C9499AD7}"/>
+          </ac:spMkLst>
+        </pc:spChg>
+        <pc:spChg chg="add del">
+          <ac:chgData name="Sean O Fithcheallaigh" userId="47659c31-a575-4792-8be3-61268c4ee0d6" providerId="ADAL" clId="{CA64B30F-511C-45F5-B991-1BF90300E7E0}" dt="2024-02-07T15:40:17.853" v="3234" actId="26606"/>
+          <ac:spMkLst>
+            <pc:docMk/>
+            <pc:sldMk cId="164553243" sldId="260"/>
+            <ac:spMk id="15" creationId="{BACC6370-2D7E-4714-9D71-7542949D7D5D}"/>
+          </ac:spMkLst>
+        </pc:spChg>
+        <pc:spChg chg="add del">
+          <ac:chgData name="Sean O Fithcheallaigh" userId="47659c31-a575-4792-8be3-61268c4ee0d6" providerId="ADAL" clId="{CA64B30F-511C-45F5-B991-1BF90300E7E0}" dt="2024-02-07T15:40:17.853" v="3234" actId="26606"/>
+          <ac:spMkLst>
+            <pc:docMk/>
+            <pc:sldMk cId="164553243" sldId="260"/>
+            <ac:spMk id="16" creationId="{3150CB11-0C61-439E-910F-5787759E72A0}"/>
+          </ac:spMkLst>
+        </pc:spChg>
+        <pc:spChg chg="add del">
+          <ac:chgData name="Sean O Fithcheallaigh" userId="47659c31-a575-4792-8be3-61268c4ee0d6" providerId="ADAL" clId="{CA64B30F-511C-45F5-B991-1BF90300E7E0}" dt="2024-02-07T15:40:17.853" v="3234" actId="26606"/>
+          <ac:spMkLst>
+            <pc:docMk/>
+            <pc:sldMk cId="164553243" sldId="260"/>
+            <ac:spMk id="17" creationId="{256B2C21-A230-48C0-8DF1-C46611373C44}"/>
+          </ac:spMkLst>
+        </pc:spChg>
+        <pc:spChg chg="add del">
+          <ac:chgData name="Sean O Fithcheallaigh" userId="47659c31-a575-4792-8be3-61268c4ee0d6" providerId="ADAL" clId="{CA64B30F-511C-45F5-B991-1BF90300E7E0}" dt="2024-02-07T15:40:17.853" v="3234" actId="26606"/>
+          <ac:spMkLst>
+            <pc:docMk/>
+            <pc:sldMk cId="164553243" sldId="260"/>
+            <ac:spMk id="18" creationId="{43F8A58B-5155-44CE-A5FF-7647B47D0A7A}"/>
+          </ac:spMkLst>
+        </pc:spChg>
+        <pc:spChg chg="add del">
+          <ac:chgData name="Sean O Fithcheallaigh" userId="47659c31-a575-4792-8be3-61268c4ee0d6" providerId="ADAL" clId="{CA64B30F-511C-45F5-B991-1BF90300E7E0}" dt="2024-02-07T15:49:29.421" v="3313" actId="26606"/>
+          <ac:spMkLst>
+            <pc:docMk/>
+            <pc:sldMk cId="164553243" sldId="260"/>
+            <ac:spMk id="19" creationId="{2A6B319F-86FE-4754-878E-06F0804D882B}"/>
+          </ac:spMkLst>
+        </pc:spChg>
+        <pc:spChg chg="add del">
+          <ac:chgData name="Sean O Fithcheallaigh" userId="47659c31-a575-4792-8be3-61268c4ee0d6" providerId="ADAL" clId="{CA64B30F-511C-45F5-B991-1BF90300E7E0}" dt="2024-02-07T15:40:17.853" v="3234" actId="26606"/>
+          <ac:spMkLst>
+            <pc:docMk/>
+            <pc:sldMk cId="164553243" sldId="260"/>
+            <ac:spMk id="20" creationId="{443F2ACA-E6D6-4028-82DD-F03C262D5DE6}"/>
+          </ac:spMkLst>
+        </pc:spChg>
+        <pc:spChg chg="add del">
+          <ac:chgData name="Sean O Fithcheallaigh" userId="47659c31-a575-4792-8be3-61268c4ee0d6" providerId="ADAL" clId="{CA64B30F-511C-45F5-B991-1BF90300E7E0}" dt="2024-02-07T15:49:29.421" v="3313" actId="26606"/>
+          <ac:spMkLst>
+            <pc:docMk/>
+            <pc:sldMk cId="164553243" sldId="260"/>
+            <ac:spMk id="21" creationId="{DCF7D1B5-3477-499F-ACC5-2C8B07F4EDB3}"/>
+          </ac:spMkLst>
+        </pc:spChg>
+        <pc:spChg chg="add del mod">
+          <ac:chgData name="Sean O Fithcheallaigh" userId="47659c31-a575-4792-8be3-61268c4ee0d6" providerId="ADAL" clId="{CA64B30F-511C-45F5-B991-1BF90300E7E0}" dt="2024-02-07T15:46:02.456" v="3279" actId="6264"/>
+          <ac:spMkLst>
+            <pc:docMk/>
+            <pc:sldMk cId="164553243" sldId="260"/>
+            <ac:spMk id="22" creationId="{D07A426E-39B8-49AB-A2C9-B30275DCCDB0}"/>
+          </ac:spMkLst>
+        </pc:spChg>
+        <pc:spChg chg="add del">
+          <ac:chgData name="Sean O Fithcheallaigh" userId="47659c31-a575-4792-8be3-61268c4ee0d6" providerId="ADAL" clId="{CA64B30F-511C-45F5-B991-1BF90300E7E0}" dt="2024-02-07T15:49:05.343" v="3298" actId="26606"/>
+          <ac:spMkLst>
+            <pc:docMk/>
+            <pc:sldMk cId="164553243" sldId="260"/>
+            <ac:spMk id="23" creationId="{BACC6370-2D7E-4714-9D71-7542949D7D5D}"/>
+          </ac:spMkLst>
+        </pc:spChg>
+        <pc:spChg chg="add del">
+          <ac:chgData name="Sean O Fithcheallaigh" userId="47659c31-a575-4792-8be3-61268c4ee0d6" providerId="ADAL" clId="{CA64B30F-511C-45F5-B991-1BF90300E7E0}" dt="2024-02-07T15:49:05.343" v="3298" actId="26606"/>
+          <ac:spMkLst>
+            <pc:docMk/>
+            <pc:sldMk cId="164553243" sldId="260"/>
+            <ac:spMk id="24" creationId="{F68B3F68-107C-434F-AA38-110D5EA91B85}"/>
+          </ac:spMkLst>
+        </pc:spChg>
+        <pc:spChg chg="add del">
+          <ac:chgData name="Sean O Fithcheallaigh" userId="47659c31-a575-4792-8be3-61268c4ee0d6" providerId="ADAL" clId="{CA64B30F-511C-45F5-B991-1BF90300E7E0}" dt="2024-02-07T15:33:24.508" v="3213" actId="26606"/>
+          <ac:spMkLst>
+            <pc:docMk/>
+            <pc:sldMk cId="164553243" sldId="260"/>
+            <ac:spMk id="25" creationId="{02D44074-0B69-4F0C-A7B3-5645CE40D8E3}"/>
+          </ac:spMkLst>
+        </pc:spChg>
+        <pc:spChg chg="add del">
+          <ac:chgData name="Sean O Fithcheallaigh" userId="47659c31-a575-4792-8be3-61268c4ee0d6" providerId="ADAL" clId="{CA64B30F-511C-45F5-B991-1BF90300E7E0}" dt="2024-02-07T15:49:05.343" v="3298" actId="26606"/>
+          <ac:spMkLst>
+            <pc:docMk/>
+            <pc:sldMk cId="164553243" sldId="260"/>
+            <ac:spMk id="26" creationId="{AAD0DBB9-1A4B-4391-81D4-CB19F9AB918A}"/>
+          </ac:spMkLst>
+        </pc:spChg>
+        <pc:spChg chg="add del">
+          <ac:chgData name="Sean O Fithcheallaigh" userId="47659c31-a575-4792-8be3-61268c4ee0d6" providerId="ADAL" clId="{CA64B30F-511C-45F5-B991-1BF90300E7E0}" dt="2024-02-07T15:33:57.188" v="3215" actId="26606"/>
+          <ac:spMkLst>
+            <pc:docMk/>
+            <pc:sldMk cId="164553243" sldId="260"/>
+            <ac:spMk id="28" creationId="{3F24A09B-713F-43FC-AB6E-B88083968522}"/>
+          </ac:spMkLst>
+        </pc:spChg>
+        <pc:spChg chg="add del">
+          <ac:chgData name="Sean O Fithcheallaigh" userId="47659c31-a575-4792-8be3-61268c4ee0d6" providerId="ADAL" clId="{CA64B30F-511C-45F5-B991-1BF90300E7E0}" dt="2024-02-07T15:49:05.343" v="3298" actId="26606"/>
+          <ac:spMkLst>
+            <pc:docMk/>
+            <pc:sldMk cId="164553243" sldId="260"/>
+            <ac:spMk id="29" creationId="{063BBA22-50EA-4C4D-BE05-F1CE4E63AA56}"/>
+          </ac:spMkLst>
+        </pc:spChg>
+        <pc:spChg chg="add del mod">
+          <ac:chgData name="Sean O Fithcheallaigh" userId="47659c31-a575-4792-8be3-61268c4ee0d6" providerId="ADAL" clId="{CA64B30F-511C-45F5-B991-1BF90300E7E0}" dt="2024-02-07T15:49:53.687" v="3314" actId="6264"/>
+          <ac:spMkLst>
+            <pc:docMk/>
+            <pc:sldMk cId="164553243" sldId="260"/>
+            <ac:spMk id="30" creationId="{EF82D3C4-6C83-4017-A5E5-E718A5C2C660}"/>
+          </ac:spMkLst>
+        </pc:spChg>
+        <pc:spChg chg="add del mod">
+          <ac:chgData name="Sean O Fithcheallaigh" userId="47659c31-a575-4792-8be3-61268c4ee0d6" providerId="ADAL" clId="{CA64B30F-511C-45F5-B991-1BF90300E7E0}" dt="2024-02-07T15:49:53.687" v="3314" actId="6264"/>
+          <ac:spMkLst>
+            <pc:docMk/>
+            <pc:sldMk cId="164553243" sldId="260"/>
+            <ac:spMk id="31" creationId="{42CAB2B3-3403-4375-A2E0-4CCF4199697F}"/>
+          </ac:spMkLst>
+        </pc:spChg>
+        <pc:spChg chg="add del mod">
+          <ac:chgData name="Sean O Fithcheallaigh" userId="47659c31-a575-4792-8be3-61268c4ee0d6" providerId="ADAL" clId="{CA64B30F-511C-45F5-B991-1BF90300E7E0}" dt="2024-02-07T15:49:53.687" v="3314" actId="6264"/>
+          <ac:spMkLst>
+            <pc:docMk/>
+            <pc:sldMk cId="164553243" sldId="260"/>
+            <ac:spMk id="32" creationId="{D205FEDA-FF24-4F08-9454-8A05E66FF3A5}"/>
+          </ac:spMkLst>
+        </pc:spChg>
+        <pc:spChg chg="add del">
+          <ac:chgData name="Sean O Fithcheallaigh" userId="47659c31-a575-4792-8be3-61268c4ee0d6" providerId="ADAL" clId="{CA64B30F-511C-45F5-B991-1BF90300E7E0}" dt="2024-02-07T16:21:02.935" v="3345" actId="26606"/>
+          <ac:spMkLst>
+            <pc:docMk/>
+            <pc:sldMk cId="164553243" sldId="260"/>
+            <ac:spMk id="33" creationId="{4C608BEB-860E-4094-8511-78603564A75E}"/>
+          </ac:spMkLst>
+        </pc:spChg>
+        <pc:spChg chg="add del">
+          <ac:chgData name="Sean O Fithcheallaigh" userId="47659c31-a575-4792-8be3-61268c4ee0d6" providerId="ADAL" clId="{CA64B30F-511C-45F5-B991-1BF90300E7E0}" dt="2024-02-07T16:35:59.230" v="3628"/>
+          <ac:spMkLst>
+            <pc:docMk/>
+            <pc:sldMk cId="164553243" sldId="260"/>
+            <ac:spMk id="35" creationId="{397464E8-E6BD-4C4E-BCD4-77B2DCE457A8}"/>
+          </ac:spMkLst>
+        </pc:spChg>
+        <pc:spChg chg="add del">
+          <ac:chgData name="Sean O Fithcheallaigh" userId="47659c31-a575-4792-8be3-61268c4ee0d6" providerId="ADAL" clId="{CA64B30F-511C-45F5-B991-1BF90300E7E0}" dt="2024-02-07T16:35:59.230" v="3628"/>
+          <ac:spMkLst>
+            <pc:docMk/>
+            <pc:sldMk cId="164553243" sldId="260"/>
+            <ac:spMk id="36" creationId="{51A1A102-DC42-48A8-BDDC-250C3317D490}"/>
+          </ac:spMkLst>
+        </pc:spChg>
+        <pc:spChg chg="add del">
+          <ac:chgData name="Sean O Fithcheallaigh" userId="47659c31-a575-4792-8be3-61268c4ee0d6" providerId="ADAL" clId="{CA64B30F-511C-45F5-B991-1BF90300E7E0}" dt="2024-02-07T16:35:59.230" v="3628"/>
+          <ac:spMkLst>
+            <pc:docMk/>
+            <pc:sldMk cId="164553243" sldId="260"/>
+            <ac:spMk id="38" creationId="{3429A099-5CB1-4A20-B64F-4F0562EF3399}"/>
+          </ac:spMkLst>
+        </pc:spChg>
+        <pc:spChg chg="add del">
+          <ac:chgData name="Sean O Fithcheallaigh" userId="47659c31-a575-4792-8be3-61268c4ee0d6" providerId="ADAL" clId="{CA64B30F-511C-45F5-B991-1BF90300E7E0}" dt="2024-02-07T16:24:25.963" v="3360"/>
+          <ac:spMkLst>
+            <pc:docMk/>
+            <pc:sldMk cId="164553243" sldId="260"/>
+            <ac:spMk id="39" creationId="{428D436F-9ACD-4C92-AFC8-C934C527A6A4}"/>
+          </ac:spMkLst>
+        </pc:spChg>
+        <pc:spChg chg="add del">
+          <ac:chgData name="Sean O Fithcheallaigh" userId="47659c31-a575-4792-8be3-61268c4ee0d6" providerId="ADAL" clId="{CA64B30F-511C-45F5-B991-1BF90300E7E0}" dt="2024-02-07T16:35:59.230" v="3628"/>
+          <ac:spMkLst>
+            <pc:docMk/>
+            <pc:sldMk cId="164553243" sldId="260"/>
+            <ac:spMk id="40" creationId="{087C0A89-7FB3-43F8-9DE3-0177E3E27B4C}"/>
+          </ac:spMkLst>
+        </pc:spChg>
+        <pc:spChg chg="add del">
+          <ac:chgData name="Sean O Fithcheallaigh" userId="47659c31-a575-4792-8be3-61268c4ee0d6" providerId="ADAL" clId="{CA64B30F-511C-45F5-B991-1BF90300E7E0}" dt="2024-02-07T16:24:25.963" v="3360"/>
+          <ac:spMkLst>
+            <pc:docMk/>
+            <pc:sldMk cId="164553243" sldId="260"/>
+            <ac:spMk id="41" creationId="{090538E0-A884-4E60-A6AB-77D830E2FCED}"/>
+          </ac:spMkLst>
+        </pc:spChg>
+        <pc:spChg chg="add del">
+          <ac:chgData name="Sean O Fithcheallaigh" userId="47659c31-a575-4792-8be3-61268c4ee0d6" providerId="ADAL" clId="{CA64B30F-511C-45F5-B991-1BF90300E7E0}" dt="2024-02-07T16:35:59.230" v="3628"/>
+          <ac:spMkLst>
+            <pc:docMk/>
+            <pc:sldMk cId="164553243" sldId="260"/>
+            <ac:spMk id="42" creationId="{399F4DD4-CC07-42A8-8AF8-069654F1A9E1}"/>
+          </ac:spMkLst>
+        </pc:spChg>
+        <pc:spChg chg="add del">
+          <ac:chgData name="Sean O Fithcheallaigh" userId="47659c31-a575-4792-8be3-61268c4ee0d6" providerId="ADAL" clId="{CA64B30F-511C-45F5-B991-1BF90300E7E0}" dt="2024-02-07T16:24:25.963" v="3360"/>
+          <ac:spMkLst>
+            <pc:docMk/>
+            <pc:sldMk cId="164553243" sldId="260"/>
+            <ac:spMk id="43" creationId="{DB0D7DD0-1C67-4D4C-9E06-678233DB8468}"/>
+          </ac:spMkLst>
+        </pc:spChg>
+        <pc:cxnChg chg="add del">
+          <ac:chgData name="Sean O Fithcheallaigh" userId="47659c31-a575-4792-8be3-61268c4ee0d6" providerId="ADAL" clId="{CA64B30F-511C-45F5-B991-1BF90300E7E0}" dt="2024-02-07T15:42:57.108" v="3266" actId="26606"/>
+          <ac:cxnSpMkLst>
+            <pc:docMk/>
+            <pc:sldMk cId="164553243" sldId="260"/>
+            <ac:cxnSpMk id="11" creationId="{5021601D-2758-4B15-A31C-FDA184C51B3A}"/>
+          </ac:cxnSpMkLst>
+        </pc:cxnChg>
+        <pc:cxnChg chg="add del">
+          <ac:chgData name="Sean O Fithcheallaigh" userId="47659c31-a575-4792-8be3-61268c4ee0d6" providerId="ADAL" clId="{CA64B30F-511C-45F5-B991-1BF90300E7E0}" dt="2024-02-07T15:32:49.152" v="3209" actId="26606"/>
+          <ac:cxnSpMkLst>
+            <pc:docMk/>
+            <pc:sldMk cId="164553243" sldId="260"/>
+            <ac:cxnSpMk id="12" creationId="{1F16A8D4-FE87-4604-88B2-394B5D1EB437}"/>
+          </ac:cxnSpMkLst>
+        </pc:cxnChg>
+        <pc:cxnChg chg="add del">
+          <ac:chgData name="Sean O Fithcheallaigh" userId="47659c31-a575-4792-8be3-61268c4ee0d6" providerId="ADAL" clId="{CA64B30F-511C-45F5-B991-1BF90300E7E0}" dt="2024-02-07T15:33:57.188" v="3215" actId="26606"/>
+          <ac:cxnSpMkLst>
+            <pc:docMk/>
+            <pc:sldMk cId="164553243" sldId="260"/>
+            <ac:cxnSpMk id="27" creationId="{0B91AB35-C3B4-4B70-B3DD-13D63B7DA23D}"/>
+          </ac:cxnSpMkLst>
+        </pc:cxnChg>
+        <pc:cxnChg chg="add del">
+          <ac:chgData name="Sean O Fithcheallaigh" userId="47659c31-a575-4792-8be3-61268c4ee0d6" providerId="ADAL" clId="{CA64B30F-511C-45F5-B991-1BF90300E7E0}" dt="2024-02-07T16:21:02.935" v="3345" actId="26606"/>
+          <ac:cxnSpMkLst>
+            <pc:docMk/>
+            <pc:sldMk cId="164553243" sldId="260"/>
+            <ac:cxnSpMk id="34" creationId="{1F16A8D4-FE87-4604-88B2-394B5D1EB437}"/>
+          </ac:cxnSpMkLst>
+        </pc:cxnChg>
+        <pc:cxnChg chg="add del">
+          <ac:chgData name="Sean O Fithcheallaigh" userId="47659c31-a575-4792-8be3-61268c4ee0d6" providerId="ADAL" clId="{CA64B30F-511C-45F5-B991-1BF90300E7E0}" dt="2024-02-07T16:35:59.230" v="3628"/>
+          <ac:cxnSpMkLst>
+            <pc:docMk/>
+            <pc:sldMk cId="164553243" sldId="260"/>
+            <ac:cxnSpMk id="37" creationId="{D7A4964E-33C0-4563-92BB-988B2C925F92}"/>
+          </ac:cxnSpMkLst>
+        </pc:cxnChg>
+      </pc:sldChg>
+      <pc:sldChg chg="new del">
+        <pc:chgData name="Sean O Fithcheallaigh" userId="47659c31-a575-4792-8be3-61268c4ee0d6" providerId="ADAL" clId="{CA64B30F-511C-45F5-B991-1BF90300E7E0}" dt="2024-02-07T15:40:14.241" v="3227" actId="680"/>
+        <pc:sldMkLst>
+          <pc:docMk/>
+          <pc:sldMk cId="3489575995" sldId="261"/>
+        </pc:sldMkLst>
       </pc:sldChg>
     </pc:docChg>
   </pc:docChgLst>
@@ -749,30 +1380,18 @@
 </file>
 
 <file path=ppt/diagrams/colors1.xml><?xml version="1.0" encoding="utf-8"?>
-<dgm:colorsDef xmlns:dgm="http://schemas.openxmlformats.org/drawingml/2006/diagram" xmlns:a="http://schemas.openxmlformats.org/drawingml/2006/main" uniqueId="urn:microsoft.com/office/officeart/2018/5/colors/Iconchunking_neutralicon_accent0_3">
+<dgm:colorsDef xmlns:dgm="http://schemas.openxmlformats.org/drawingml/2006/diagram" xmlns:a="http://schemas.openxmlformats.org/drawingml/2006/main" uniqueId="urn:microsoft.com/office/officeart/2018/5/colors/Iconchunking_neutralicon_accent2_2">
   <dgm:title val=""/>
   <dgm:desc val=""/>
   <dgm:catLst>
-    <dgm:cat type="mainScheme" pri="10300"/>
+    <dgm:cat type="accent2" pri="11200"/>
   </dgm:catLst>
   <dgm:styleLbl name="node0">
     <dgm:fillClrLst meth="repeat">
-      <a:schemeClr val="dk2"/>
+      <a:schemeClr val="accent2"/>
     </dgm:fillClrLst>
     <dgm:linClrLst meth="repeat">
-      <a:schemeClr val="lt2"/>
-    </dgm:linClrLst>
-    <dgm:effectClrLst/>
-    <dgm:txLinClrLst/>
-    <dgm:txFillClrLst/>
-    <dgm:txEffectClrLst/>
-  </dgm:styleLbl>
-  <dgm:styleLbl name="alignNode1">
-    <dgm:fillClrLst meth="repeat">
-      <a:schemeClr val="dk2"/>
-    </dgm:fillClrLst>
-    <dgm:linClrLst meth="repeat">
-      <a:schemeClr val="dk2"/>
+      <a:schemeClr val="lt1"/>
     </dgm:linClrLst>
     <dgm:effectClrLst/>
     <dgm:txLinClrLst/>
@@ -784,7 +1403,7 @@
       <a:schemeClr val="bg1"/>
     </dgm:fillClrLst>
     <dgm:linClrLst meth="repeat">
-      <a:schemeClr val="lt2">
+      <a:schemeClr val="lt1">
         <a:alpha val="0"/>
       </a:schemeClr>
     </dgm:linClrLst>
@@ -795,12 +1414,24 @@
     </dgm:txFillClrLst>
     <dgm:txEffectClrLst/>
   </dgm:styleLbl>
+  <dgm:styleLbl name="alignNode1">
+    <dgm:fillClrLst meth="repeat">
+      <a:schemeClr val="accent2"/>
+    </dgm:fillClrLst>
+    <dgm:linClrLst meth="repeat">
+      <a:schemeClr val="accent2"/>
+    </dgm:linClrLst>
+    <dgm:effectClrLst/>
+    <dgm:txLinClrLst/>
+    <dgm:txFillClrLst/>
+    <dgm:txEffectClrLst/>
+  </dgm:styleLbl>
   <dgm:styleLbl name="lnNode1">
     <dgm:fillClrLst meth="repeat">
-      <a:schemeClr val="dk2"/>
+      <a:schemeClr val="accent2"/>
     </dgm:fillClrLst>
     <dgm:linClrLst meth="repeat">
-      <a:schemeClr val="lt2"/>
+      <a:schemeClr val="lt1"/>
     </dgm:linClrLst>
     <dgm:effectClrLst/>
     <dgm:txLinClrLst/>
@@ -809,12 +1440,12 @@
   </dgm:styleLbl>
   <dgm:styleLbl name="vennNode1">
     <dgm:fillClrLst meth="repeat">
-      <a:schemeClr val="dk2">
+      <a:schemeClr val="accent2">
         <a:alpha val="50000"/>
       </a:schemeClr>
     </dgm:fillClrLst>
     <dgm:linClrLst meth="repeat">
-      <a:schemeClr val="lt2"/>
+      <a:schemeClr val="lt1"/>
     </dgm:linClrLst>
     <dgm:effectClrLst/>
     <dgm:txLinClrLst/>
@@ -823,10 +1454,10 @@
   </dgm:styleLbl>
   <dgm:styleLbl name="node2">
     <dgm:fillClrLst meth="repeat">
-      <a:schemeClr val="dk2"/>
+      <a:schemeClr val="accent2"/>
     </dgm:fillClrLst>
     <dgm:linClrLst meth="repeat">
-      <a:schemeClr val="lt2"/>
+      <a:schemeClr val="lt1"/>
     </dgm:linClrLst>
     <dgm:effectClrLst/>
     <dgm:txLinClrLst/>
@@ -835,10 +1466,10 @@
   </dgm:styleLbl>
   <dgm:styleLbl name="node3">
     <dgm:fillClrLst meth="repeat">
-      <a:schemeClr val="dk2"/>
+      <a:schemeClr val="accent2"/>
     </dgm:fillClrLst>
     <dgm:linClrLst meth="repeat">
-      <a:schemeClr val="lt2"/>
+      <a:schemeClr val="lt1"/>
     </dgm:linClrLst>
     <dgm:effectClrLst/>
     <dgm:txLinClrLst/>
@@ -847,10 +1478,10 @@
   </dgm:styleLbl>
   <dgm:styleLbl name="node4">
     <dgm:fillClrLst meth="repeat">
-      <a:schemeClr val="dk2"/>
+      <a:schemeClr val="accent2"/>
     </dgm:fillClrLst>
     <dgm:linClrLst meth="repeat">
-      <a:schemeClr val="lt2"/>
+      <a:schemeClr val="lt1"/>
     </dgm:linClrLst>
     <dgm:effectClrLst/>
     <dgm:txLinClrLst/>
@@ -859,64 +1490,60 @@
   </dgm:styleLbl>
   <dgm:styleLbl name="fgImgPlace1">
     <dgm:fillClrLst meth="repeat">
-      <a:schemeClr val="dk2">
+      <a:schemeClr val="accent2">
         <a:tint val="50000"/>
       </a:schemeClr>
     </dgm:fillClrLst>
     <dgm:linClrLst meth="repeat">
-      <a:schemeClr val="lt2"/>
+      <a:schemeClr val="lt1"/>
     </dgm:linClrLst>
     <dgm:effectClrLst/>
     <dgm:txLinClrLst/>
     <dgm:txFillClrLst meth="repeat">
-      <a:schemeClr val="lt2"/>
+      <a:schemeClr val="lt1"/>
     </dgm:txFillClrLst>
     <dgm:txEffectClrLst/>
   </dgm:styleLbl>
   <dgm:styleLbl name="alignImgPlace1">
     <dgm:fillClrLst meth="repeat">
-      <a:schemeClr val="dk2">
+      <a:schemeClr val="accent2">
         <a:tint val="50000"/>
       </a:schemeClr>
     </dgm:fillClrLst>
     <dgm:linClrLst meth="repeat">
-      <a:schemeClr val="dk2">
-        <a:shade val="80000"/>
-      </a:schemeClr>
+      <a:schemeClr val="lt1"/>
     </dgm:linClrLst>
     <dgm:effectClrLst/>
     <dgm:txLinClrLst/>
     <dgm:txFillClrLst meth="repeat">
-      <a:schemeClr val="lt2"/>
+      <a:schemeClr val="lt1"/>
     </dgm:txFillClrLst>
     <dgm:txEffectClrLst/>
   </dgm:styleLbl>
   <dgm:styleLbl name="bgImgPlace1">
     <dgm:fillClrLst meth="repeat">
-      <a:schemeClr val="dk2">
+      <a:schemeClr val="accent2">
         <a:tint val="50000"/>
       </a:schemeClr>
     </dgm:fillClrLst>
     <dgm:linClrLst meth="repeat">
-      <a:schemeClr val="dk2">
-        <a:shade val="80000"/>
-      </a:schemeClr>
+      <a:schemeClr val="lt1"/>
     </dgm:linClrLst>
     <dgm:effectClrLst/>
     <dgm:txLinClrLst/>
     <dgm:txFillClrLst meth="repeat">
-      <a:schemeClr val="lt2"/>
+      <a:schemeClr val="lt1"/>
     </dgm:txFillClrLst>
     <dgm:txEffectClrLst/>
   </dgm:styleLbl>
   <dgm:styleLbl name="sibTrans2D1">
     <dgm:fillClrLst meth="repeat">
-      <a:schemeClr val="dk2">
+      <a:schemeClr val="accent2">
         <a:tint val="60000"/>
       </a:schemeClr>
     </dgm:fillClrLst>
     <dgm:linClrLst meth="repeat">
-      <a:schemeClr val="dk2">
+      <a:schemeClr val="accent2">
         <a:tint val="60000"/>
       </a:schemeClr>
     </dgm:linClrLst>
@@ -927,12 +1554,12 @@
   </dgm:styleLbl>
   <dgm:styleLbl name="fgSibTrans2D1">
     <dgm:fillClrLst meth="repeat">
-      <a:schemeClr val="dk2">
+      <a:schemeClr val="accent2">
         <a:tint val="60000"/>
       </a:schemeClr>
     </dgm:fillClrLst>
     <dgm:linClrLst meth="repeat">
-      <a:schemeClr val="dk2">
+      <a:schemeClr val="accent2">
         <a:tint val="60000"/>
       </a:schemeClr>
     </dgm:linClrLst>
@@ -943,12 +1570,12 @@
   </dgm:styleLbl>
   <dgm:styleLbl name="bgSibTrans2D1">
     <dgm:fillClrLst meth="repeat">
-      <a:schemeClr val="dk2">
+      <a:schemeClr val="accent2">
         <a:tint val="60000"/>
       </a:schemeClr>
     </dgm:fillClrLst>
     <dgm:linClrLst meth="repeat">
-      <a:schemeClr val="dk2">
+      <a:schemeClr val="accent2">
         <a:tint val="60000"/>
       </a:schemeClr>
     </dgm:linClrLst>
@@ -959,40 +1586,40 @@
   </dgm:styleLbl>
   <dgm:styleLbl name="sibTrans1D1">
     <dgm:fillClrLst meth="repeat">
-      <a:schemeClr val="dk2"/>
+      <a:schemeClr val="accent2"/>
     </dgm:fillClrLst>
     <dgm:linClrLst meth="repeat">
-      <a:schemeClr val="dk2"/>
+      <a:schemeClr val="accent2"/>
     </dgm:linClrLst>
     <dgm:effectClrLst/>
     <dgm:txLinClrLst/>
     <dgm:txFillClrLst meth="repeat">
-      <a:schemeClr val="lt2"/>
+      <a:schemeClr val="tx1"/>
     </dgm:txFillClrLst>
     <dgm:txEffectClrLst/>
   </dgm:styleLbl>
   <dgm:styleLbl name="callout">
     <dgm:fillClrLst meth="repeat">
-      <a:schemeClr val="dk2"/>
+      <a:schemeClr val="accent2"/>
     </dgm:fillClrLst>
     <dgm:linClrLst meth="repeat">
-      <a:schemeClr val="dk2">
+      <a:schemeClr val="accent2">
         <a:tint val="50000"/>
       </a:schemeClr>
     </dgm:linClrLst>
     <dgm:effectClrLst/>
     <dgm:txLinClrLst/>
     <dgm:txFillClrLst meth="repeat">
-      <a:schemeClr val="lt2"/>
+      <a:schemeClr val="tx1"/>
     </dgm:txFillClrLst>
     <dgm:txEffectClrLst/>
   </dgm:styleLbl>
   <dgm:styleLbl name="asst0">
     <dgm:fillClrLst meth="repeat">
-      <a:schemeClr val="dk2"/>
+      <a:schemeClr val="accent2"/>
     </dgm:fillClrLst>
     <dgm:linClrLst meth="repeat">
-      <a:schemeClr val="lt2"/>
+      <a:schemeClr val="lt1"/>
     </dgm:linClrLst>
     <dgm:effectClrLst/>
     <dgm:txLinClrLst/>
@@ -1001,10 +1628,10 @@
   </dgm:styleLbl>
   <dgm:styleLbl name="asst1">
     <dgm:fillClrLst meth="repeat">
-      <a:schemeClr val="dk2"/>
+      <a:schemeClr val="accent2"/>
     </dgm:fillClrLst>
     <dgm:linClrLst meth="repeat">
-      <a:schemeClr val="lt2"/>
+      <a:schemeClr val="lt1"/>
     </dgm:linClrLst>
     <dgm:effectClrLst/>
     <dgm:txLinClrLst/>
@@ -1013,10 +1640,10 @@
   </dgm:styleLbl>
   <dgm:styleLbl name="asst2">
     <dgm:fillClrLst meth="repeat">
-      <a:schemeClr val="dk2"/>
+      <a:schemeClr val="accent2"/>
     </dgm:fillClrLst>
     <dgm:linClrLst meth="repeat">
-      <a:schemeClr val="lt2"/>
+      <a:schemeClr val="lt1"/>
     </dgm:linClrLst>
     <dgm:effectClrLst/>
     <dgm:txLinClrLst/>
@@ -1025,10 +1652,10 @@
   </dgm:styleLbl>
   <dgm:styleLbl name="asst3">
     <dgm:fillClrLst meth="repeat">
-      <a:schemeClr val="dk2"/>
+      <a:schemeClr val="accent2"/>
     </dgm:fillClrLst>
     <dgm:linClrLst meth="repeat">
-      <a:schemeClr val="lt2"/>
+      <a:schemeClr val="lt1"/>
     </dgm:linClrLst>
     <dgm:effectClrLst/>
     <dgm:txLinClrLst/>
@@ -1037,10 +1664,10 @@
   </dgm:styleLbl>
   <dgm:styleLbl name="asst4">
     <dgm:fillClrLst meth="repeat">
-      <a:schemeClr val="dk2"/>
+      <a:schemeClr val="accent2"/>
     </dgm:fillClrLst>
     <dgm:linClrLst meth="repeat">
-      <a:schemeClr val="lt2"/>
+      <a:schemeClr val="lt1"/>
     </dgm:linClrLst>
     <dgm:effectClrLst/>
     <dgm:txLinClrLst/>
@@ -1049,70 +1676,70 @@
   </dgm:styleLbl>
   <dgm:styleLbl name="parChTrans2D1">
     <dgm:fillClrLst meth="repeat">
-      <a:schemeClr val="dk2">
+      <a:schemeClr val="accent2">
         <a:tint val="60000"/>
       </a:schemeClr>
     </dgm:fillClrLst>
     <dgm:linClrLst meth="repeat">
-      <a:schemeClr val="dk2">
+      <a:schemeClr val="accent2">
         <a:tint val="60000"/>
       </a:schemeClr>
     </dgm:linClrLst>
     <dgm:effectClrLst/>
     <dgm:txLinClrLst/>
     <dgm:txFillClrLst meth="repeat">
-      <a:schemeClr val="lt2"/>
+      <a:schemeClr val="lt1"/>
     </dgm:txFillClrLst>
     <dgm:txEffectClrLst/>
   </dgm:styleLbl>
   <dgm:styleLbl name="parChTrans2D2">
     <dgm:fillClrLst meth="repeat">
-      <a:schemeClr val="dk2"/>
+      <a:schemeClr val="accent2"/>
     </dgm:fillClrLst>
     <dgm:linClrLst meth="repeat">
-      <a:schemeClr val="dk2"/>
+      <a:schemeClr val="accent2"/>
     </dgm:linClrLst>
     <dgm:effectClrLst/>
     <dgm:txLinClrLst/>
     <dgm:txFillClrLst meth="repeat">
-      <a:schemeClr val="lt2"/>
+      <a:schemeClr val="lt1"/>
     </dgm:txFillClrLst>
     <dgm:txEffectClrLst/>
   </dgm:styleLbl>
   <dgm:styleLbl name="parChTrans2D3">
     <dgm:fillClrLst meth="repeat">
-      <a:schemeClr val="dk2"/>
+      <a:schemeClr val="accent2"/>
     </dgm:fillClrLst>
     <dgm:linClrLst meth="repeat">
-      <a:schemeClr val="dk2"/>
+      <a:schemeClr val="accent2"/>
     </dgm:linClrLst>
     <dgm:effectClrLst/>
     <dgm:txLinClrLst/>
     <dgm:txFillClrLst meth="repeat">
-      <a:schemeClr val="lt2"/>
+      <a:schemeClr val="lt1"/>
     </dgm:txFillClrLst>
     <dgm:txEffectClrLst/>
   </dgm:styleLbl>
   <dgm:styleLbl name="parChTrans2D4">
     <dgm:fillClrLst meth="repeat">
-      <a:schemeClr val="dk2"/>
+      <a:schemeClr val="accent2"/>
     </dgm:fillClrLst>
     <dgm:linClrLst meth="repeat">
-      <a:schemeClr val="dk2"/>
+      <a:schemeClr val="accent2"/>
     </dgm:linClrLst>
     <dgm:effectClrLst/>
     <dgm:txLinClrLst/>
     <dgm:txFillClrLst meth="repeat">
-      <a:schemeClr val="lt2"/>
+      <a:schemeClr val="lt1"/>
     </dgm:txFillClrLst>
     <dgm:txEffectClrLst/>
   </dgm:styleLbl>
   <dgm:styleLbl name="parChTrans1D1">
     <dgm:fillClrLst meth="repeat">
-      <a:schemeClr val="dk2"/>
+      <a:schemeClr val="accent2"/>
     </dgm:fillClrLst>
     <dgm:linClrLst meth="repeat">
-      <a:schemeClr val="dk2">
+      <a:schemeClr val="accent2">
         <a:shade val="60000"/>
       </a:schemeClr>
     </dgm:linClrLst>
@@ -1125,10 +1752,10 @@
   </dgm:styleLbl>
   <dgm:styleLbl name="parChTrans1D2">
     <dgm:fillClrLst meth="repeat">
-      <a:schemeClr val="dk2"/>
+      <a:schemeClr val="accent2"/>
     </dgm:fillClrLst>
     <dgm:linClrLst meth="repeat">
-      <a:schemeClr val="dk2">
+      <a:schemeClr val="accent2">
         <a:shade val="60000"/>
       </a:schemeClr>
     </dgm:linClrLst>
@@ -1141,10 +1768,10 @@
   </dgm:styleLbl>
   <dgm:styleLbl name="parChTrans1D3">
     <dgm:fillClrLst meth="repeat">
-      <a:schemeClr val="dk2"/>
+      <a:schemeClr val="accent2"/>
     </dgm:fillClrLst>
     <dgm:linClrLst meth="repeat">
-      <a:schemeClr val="dk2">
+      <a:schemeClr val="accent2">
         <a:shade val="80000"/>
       </a:schemeClr>
     </dgm:linClrLst>
@@ -1157,10 +1784,10 @@
   </dgm:styleLbl>
   <dgm:styleLbl name="parChTrans1D4">
     <dgm:fillClrLst meth="repeat">
-      <a:schemeClr val="dk2"/>
+      <a:schemeClr val="accent2"/>
     </dgm:fillClrLst>
     <dgm:linClrLst meth="repeat">
-      <a:schemeClr val="dk2">
+      <a:schemeClr val="accent2">
         <a:shade val="80000"/>
       </a:schemeClr>
     </dgm:linClrLst>
@@ -1173,12 +1800,12 @@
   </dgm:styleLbl>
   <dgm:styleLbl name="fgAcc1">
     <dgm:fillClrLst meth="repeat">
-      <a:schemeClr val="lt2">
+      <a:schemeClr val="lt1">
         <a:alpha val="90000"/>
       </a:schemeClr>
     </dgm:fillClrLst>
     <dgm:linClrLst meth="repeat">
-      <a:schemeClr val="dk2"/>
+      <a:schemeClr val="accent2"/>
     </dgm:linClrLst>
     <dgm:effectClrLst/>
     <dgm:txLinClrLst/>
@@ -1189,12 +1816,12 @@
   </dgm:styleLbl>
   <dgm:styleLbl name="conFgAcc1">
     <dgm:fillClrLst meth="repeat">
-      <a:schemeClr val="lt2">
+      <a:schemeClr val="lt1">
         <a:alpha val="90000"/>
       </a:schemeClr>
     </dgm:fillClrLst>
     <dgm:linClrLst meth="repeat">
-      <a:schemeClr val="dk2"/>
+      <a:schemeClr val="accent2"/>
     </dgm:linClrLst>
     <dgm:effectClrLst/>
     <dgm:txLinClrLst/>
@@ -1205,12 +1832,12 @@
   </dgm:styleLbl>
   <dgm:styleLbl name="alignAcc1">
     <dgm:fillClrLst meth="repeat">
-      <a:schemeClr val="lt2">
+      <a:schemeClr val="lt1">
         <a:alpha val="90000"/>
       </a:schemeClr>
     </dgm:fillClrLst>
     <dgm:linClrLst meth="repeat">
-      <a:schemeClr val="dk2"/>
+      <a:schemeClr val="accent2"/>
     </dgm:linClrLst>
     <dgm:effectClrLst/>
     <dgm:txLinClrLst/>
@@ -1221,12 +1848,12 @@
   </dgm:styleLbl>
   <dgm:styleLbl name="trAlignAcc1">
     <dgm:fillClrLst meth="repeat">
-      <a:schemeClr val="lt2">
+      <a:schemeClr val="lt1">
         <a:alpha val="40000"/>
       </a:schemeClr>
     </dgm:fillClrLst>
     <dgm:linClrLst meth="repeat">
-      <a:schemeClr val="dk2"/>
+      <a:schemeClr val="accent2"/>
     </dgm:linClrLst>
     <dgm:effectClrLst/>
     <dgm:txLinClrLst/>
@@ -1237,12 +1864,12 @@
   </dgm:styleLbl>
   <dgm:styleLbl name="bgAcc1">
     <dgm:fillClrLst meth="repeat">
-      <a:schemeClr val="lt2">
+      <a:schemeClr val="lt1">
         <a:alpha val="90000"/>
       </a:schemeClr>
     </dgm:fillClrLst>
     <dgm:linClrLst meth="repeat">
-      <a:schemeClr val="dk2"/>
+      <a:schemeClr val="accent2"/>
     </dgm:linClrLst>
     <dgm:effectClrLst/>
     <dgm:txLinClrLst/>
@@ -1253,10 +1880,10 @@
   </dgm:styleLbl>
   <dgm:styleLbl name="solidFgAcc1">
     <dgm:fillClrLst meth="repeat">
-      <a:schemeClr val="lt2"/>
+      <a:schemeClr val="lt1"/>
     </dgm:fillClrLst>
     <dgm:linClrLst meth="repeat">
-      <a:schemeClr val="dk2"/>
+      <a:schemeClr val="accent2"/>
     </dgm:linClrLst>
     <dgm:effectClrLst/>
     <dgm:txLinClrLst/>
@@ -1267,10 +1894,10 @@
   </dgm:styleLbl>
   <dgm:styleLbl name="solidAlignAcc1">
     <dgm:fillClrLst meth="repeat">
-      <a:schemeClr val="lt2"/>
+      <a:schemeClr val="lt1"/>
     </dgm:fillClrLst>
     <dgm:linClrLst meth="repeat">
-      <a:schemeClr val="dk2"/>
+      <a:schemeClr val="accent2"/>
     </dgm:linClrLst>
     <dgm:effectClrLst/>
     <dgm:txLinClrLst/>
@@ -1281,10 +1908,10 @@
   </dgm:styleLbl>
   <dgm:styleLbl name="solidBgAcc1">
     <dgm:fillClrLst meth="repeat">
-      <a:schemeClr val="lt2"/>
+      <a:schemeClr val="lt1"/>
     </dgm:fillClrLst>
     <dgm:linClrLst meth="repeat">
-      <a:schemeClr val="dk2"/>
+      <a:schemeClr val="accent2"/>
     </dgm:linClrLst>
     <dgm:effectClrLst/>
     <dgm:txLinClrLst/>
@@ -1295,13 +1922,13 @@
   </dgm:styleLbl>
   <dgm:styleLbl name="fgAccFollowNode1">
     <dgm:fillClrLst meth="repeat">
-      <a:schemeClr val="dk2">
+      <a:schemeClr val="accent2">
         <a:alpha val="90000"/>
         <a:tint val="40000"/>
       </a:schemeClr>
     </dgm:fillClrLst>
     <dgm:linClrLst meth="repeat">
-      <a:schemeClr val="dk2">
+      <a:schemeClr val="accent2">
         <a:alpha val="90000"/>
         <a:tint val="40000"/>
       </a:schemeClr>
@@ -1315,13 +1942,13 @@
   </dgm:styleLbl>
   <dgm:styleLbl name="alignAccFollowNode1">
     <dgm:fillClrLst meth="repeat">
-      <a:schemeClr val="dk2">
+      <a:schemeClr val="accent2">
         <a:alpha val="90000"/>
         <a:tint val="40000"/>
       </a:schemeClr>
     </dgm:fillClrLst>
     <dgm:linClrLst meth="repeat">
-      <a:schemeClr val="dk2">
+      <a:schemeClr val="accent2">
         <a:alpha val="90000"/>
         <a:tint val="40000"/>
       </a:schemeClr>
@@ -1335,13 +1962,13 @@
   </dgm:styleLbl>
   <dgm:styleLbl name="bgAccFollowNode1">
     <dgm:fillClrLst meth="repeat">
-      <a:schemeClr val="dk2">
+      <a:schemeClr val="accent2">
         <a:alpha val="90000"/>
         <a:tint val="40000"/>
       </a:schemeClr>
     </dgm:fillClrLst>
     <dgm:linClrLst meth="repeat">
-      <a:schemeClr val="dk2">
+      <a:schemeClr val="accent2">
         <a:alpha val="90000"/>
         <a:tint val="40000"/>
       </a:schemeClr>
@@ -1355,12 +1982,12 @@
   </dgm:styleLbl>
   <dgm:styleLbl name="fgAcc0">
     <dgm:fillClrLst meth="repeat">
-      <a:schemeClr val="lt2">
+      <a:schemeClr val="lt1">
         <a:alpha val="90000"/>
       </a:schemeClr>
     </dgm:fillClrLst>
     <dgm:linClrLst meth="repeat">
-      <a:schemeClr val="dk2"/>
+      <a:schemeClr val="accent2"/>
     </dgm:linClrLst>
     <dgm:effectClrLst/>
     <dgm:txLinClrLst/>
@@ -1371,12 +1998,12 @@
   </dgm:styleLbl>
   <dgm:styleLbl name="fgAcc2">
     <dgm:fillClrLst meth="repeat">
-      <a:schemeClr val="lt2">
+      <a:schemeClr val="lt1">
         <a:alpha val="90000"/>
       </a:schemeClr>
     </dgm:fillClrLst>
     <dgm:linClrLst meth="repeat">
-      <a:schemeClr val="dk2"/>
+      <a:schemeClr val="accent2"/>
     </dgm:linClrLst>
     <dgm:effectClrLst/>
     <dgm:txLinClrLst/>
@@ -1387,12 +2014,12 @@
   </dgm:styleLbl>
   <dgm:styleLbl name="fgAcc3">
     <dgm:fillClrLst meth="repeat">
-      <a:schemeClr val="lt2">
+      <a:schemeClr val="lt1">
         <a:alpha val="90000"/>
       </a:schemeClr>
     </dgm:fillClrLst>
     <dgm:linClrLst meth="repeat">
-      <a:schemeClr val="dk2"/>
+      <a:schemeClr val="accent2"/>
     </dgm:linClrLst>
     <dgm:effectClrLst/>
     <dgm:txLinClrLst/>
@@ -1403,12 +2030,12 @@
   </dgm:styleLbl>
   <dgm:styleLbl name="fgAcc4">
     <dgm:fillClrLst meth="repeat">
-      <a:schemeClr val="lt2">
+      <a:schemeClr val="lt1">
         <a:alpha val="90000"/>
       </a:schemeClr>
     </dgm:fillClrLst>
     <dgm:linClrLst meth="repeat">
-      <a:schemeClr val="dk2"/>
+      <a:schemeClr val="accent2"/>
     </dgm:linClrLst>
     <dgm:effectClrLst/>
     <dgm:txLinClrLst/>
@@ -1419,10 +2046,10 @@
   </dgm:styleLbl>
   <dgm:styleLbl name="bgShp">
     <dgm:fillClrLst meth="repeat">
-      <a:schemeClr val="dk2"/>
+      <a:schemeClr val="accent2"/>
     </dgm:fillClrLst>
     <dgm:linClrLst meth="repeat">
-      <a:schemeClr val="lt2">
+      <a:schemeClr val="lt1">
         <a:alpha val="0"/>
       </a:schemeClr>
     </dgm:linClrLst>
@@ -1433,12 +2060,12 @@
   </dgm:styleLbl>
   <dgm:styleLbl name="dkBgShp">
     <dgm:fillClrLst meth="repeat">
-      <a:schemeClr val="dk2">
+      <a:schemeClr val="accent2">
         <a:shade val="80000"/>
       </a:schemeClr>
     </dgm:fillClrLst>
     <dgm:linClrLst meth="repeat">
-      <a:schemeClr val="dk2"/>
+      <a:schemeClr val="accent2"/>
     </dgm:linClrLst>
     <dgm:effectClrLst/>
     <dgm:txLinClrLst/>
@@ -1449,13 +2076,13 @@
   </dgm:styleLbl>
   <dgm:styleLbl name="trBgShp">
     <dgm:fillClrLst meth="repeat">
-      <a:schemeClr val="dk2">
+      <a:schemeClr val="accent2">
         <a:tint val="50000"/>
         <a:alpha val="40000"/>
       </a:schemeClr>
     </dgm:fillClrLst>
     <dgm:linClrLst meth="repeat">
-      <a:schemeClr val="dk2"/>
+      <a:schemeClr val="accent2"/>
     </dgm:linClrLst>
     <dgm:effectClrLst/>
     <dgm:txLinClrLst/>
@@ -1466,12 +2093,12 @@
   </dgm:styleLbl>
   <dgm:styleLbl name="fgShp">
     <dgm:fillClrLst meth="repeat">
-      <a:schemeClr val="dk2">
+      <a:schemeClr val="accent2">
         <a:tint val="60000"/>
       </a:schemeClr>
     </dgm:fillClrLst>
     <dgm:linClrLst meth="repeat">
-      <a:schemeClr val="lt2"/>
+      <a:schemeClr val="lt1"/>
     </dgm:linClrLst>
     <dgm:effectClrLst/>
     <dgm:txLinClrLst/>
@@ -1482,7 +2109,7 @@
   </dgm:styleLbl>
   <dgm:styleLbl name="revTx">
     <dgm:fillClrLst meth="repeat">
-      <a:schemeClr val="lt2">
+      <a:schemeClr val="lt1">
         <a:alpha val="0"/>
       </a:schemeClr>
     </dgm:fillClrLst>
@@ -1505,7 +2132,7 @@
 <dgm:dataModel xmlns:dgm="http://schemas.openxmlformats.org/drawingml/2006/diagram" xmlns:a="http://schemas.openxmlformats.org/drawingml/2006/main">
   <dgm:ptLst>
     <dgm:pt modelId="{76711620-EBD7-470A-B364-1E2EC967F01A}" type="doc">
-      <dgm:prSet loTypeId="urn:microsoft.com/office/officeart/2018/5/layout/IconCircleLabelList" loCatId="icon" qsTypeId="urn:microsoft.com/office/officeart/2005/8/quickstyle/simple1" qsCatId="simple" csTypeId="urn:microsoft.com/office/officeart/2018/5/colors/Iconchunking_neutralicon_accent0_3" csCatId="mainScheme" phldr="1"/>
+      <dgm:prSet loTypeId="urn:microsoft.com/office/officeart/2018/5/layout/IconCircleLabelList" loCatId="icon" qsTypeId="urn:microsoft.com/office/officeart/2005/8/quickstyle/simple1" qsCatId="simple" csTypeId="urn:microsoft.com/office/officeart/2018/5/colors/Iconchunking_neutralicon_accent2_2" csCatId="accent2" phldr="1"/>
       <dgm:spPr/>
       <dgm:t>
         <a:bodyPr/>
@@ -1892,38 +2519,38 @@
     </dgm:pt>
   </dgm:ptLst>
   <dgm:cxnLst>
-    <dgm:cxn modelId="{BD76A302-FFB7-4B80-B741-A0119ED304CC}" type="presOf" srcId="{2A7E3C0A-D61B-433F-BF33-BB781EF1AA82}" destId="{826F9300-E13D-42B1-9B2F-3F24B1598902}" srcOrd="0" destOrd="0" presId="urn:microsoft.com/office/officeart/2018/5/layout/IconCircleLabelList"/>
     <dgm:cxn modelId="{98DEB606-8F87-461E-AB9E-28C8B2CCE852}" srcId="{76711620-EBD7-470A-B364-1E2EC967F01A}" destId="{B5FD7DE2-2D42-4711-BD55-21BB56090194}" srcOrd="1" destOrd="0" parTransId="{B2EF460F-FAC8-426D-896D-7002A289BEF3}" sibTransId="{683A7181-9139-43B6-847D-1E5E111C9D91}"/>
-    <dgm:cxn modelId="{D086AC4B-5621-445C-90BD-E8F35ED4C676}" type="presOf" srcId="{07ADF82A-3250-4919-B747-F750FA27EF19}" destId="{77949F9E-0D9C-4CCF-9FD7-C60A5BB6F787}" srcOrd="0" destOrd="0" presId="urn:microsoft.com/office/officeart/2018/5/layout/IconCircleLabelList"/>
+    <dgm:cxn modelId="{9260A00A-1B22-4782-981B-48A32E005F6B}" type="presOf" srcId="{2A7E3C0A-D61B-433F-BF33-BB781EF1AA82}" destId="{826F9300-E13D-42B1-9B2F-3F24B1598902}" srcOrd="0" destOrd="0" presId="urn:microsoft.com/office/officeart/2018/5/layout/IconCircleLabelList"/>
+    <dgm:cxn modelId="{9C21FA37-0833-4A40-A64A-C48AC21FECA6}" type="presOf" srcId="{07ADF82A-3250-4919-B747-F750FA27EF19}" destId="{77949F9E-0D9C-4CCF-9FD7-C60A5BB6F787}" srcOrd="0" destOrd="0" presId="urn:microsoft.com/office/officeart/2018/5/layout/IconCircleLabelList"/>
+    <dgm:cxn modelId="{5AE37839-E187-41E6-973C-FBDF3F0519F4}" type="presOf" srcId="{76711620-EBD7-470A-B364-1E2EC967F01A}" destId="{9AAFE6A1-6C3B-4D37-A085-856D7FC02567}" srcOrd="0" destOrd="0" presId="urn:microsoft.com/office/officeart/2018/5/layout/IconCircleLabelList"/>
     <dgm:cxn modelId="{57422377-6A11-494A-AC65-320040CA6034}" srcId="{76711620-EBD7-470A-B364-1E2EC967F01A}" destId="{07ADF82A-3250-4919-B747-F750FA27EF19}" srcOrd="3" destOrd="0" parTransId="{928B218B-F617-416B-8EDC-0B57228DD655}" sibTransId="{38A28A41-C689-43FF-96A2-11291EE16D50}"/>
-    <dgm:cxn modelId="{2446598B-4FCF-4EB9-BEF2-D9D19D0E68CB}" type="presOf" srcId="{D5A23640-46BF-4391-9191-ED9CF0F7B4C4}" destId="{8EEC54BC-4CA1-4145-8B81-B38B471B3BCA}" srcOrd="0" destOrd="0" presId="urn:microsoft.com/office/officeart/2018/5/layout/IconCircleLabelList"/>
-    <dgm:cxn modelId="{242B8792-8184-43C9-AFEB-80ACC4317CE6}" type="presOf" srcId="{76711620-EBD7-470A-B364-1E2EC967F01A}" destId="{9AAFE6A1-6C3B-4D37-A085-856D7FC02567}" srcOrd="0" destOrd="0" presId="urn:microsoft.com/office/officeart/2018/5/layout/IconCircleLabelList"/>
+    <dgm:cxn modelId="{D6C6007E-2DE3-4845-A098-27085A534665}" type="presOf" srcId="{B5FD7DE2-2D42-4711-BD55-21BB56090194}" destId="{5B4D6BF4-B0CD-4E20-90B2-3365988150D3}" srcOrd="0" destOrd="0" presId="urn:microsoft.com/office/officeart/2018/5/layout/IconCircleLabelList"/>
     <dgm:cxn modelId="{3EF33094-FAE1-49A3-8661-C8241FA361A5}" srcId="{76711620-EBD7-470A-B364-1E2EC967F01A}" destId="{2A7E3C0A-D61B-433F-BF33-BB781EF1AA82}" srcOrd="2" destOrd="0" parTransId="{54B836A1-3665-48F3-95F3-673C9C5CD003}" sibTransId="{9A7EB952-33B5-4E62-837C-A592D9C94B53}"/>
-    <dgm:cxn modelId="{7AD15A9D-1859-4005-893C-6D6BF2635D29}" type="presOf" srcId="{B5FD7DE2-2D42-4711-BD55-21BB56090194}" destId="{5B4D6BF4-B0CD-4E20-90B2-3365988150D3}" srcOrd="0" destOrd="0" presId="urn:microsoft.com/office/officeart/2018/5/layout/IconCircleLabelList"/>
     <dgm:cxn modelId="{4B9692CB-DA67-4590-9083-113D364F25B8}" srcId="{76711620-EBD7-470A-B364-1E2EC967F01A}" destId="{D5A23640-46BF-4391-9191-ED9CF0F7B4C4}" srcOrd="0" destOrd="0" parTransId="{0ECD1F44-451D-42FF-BC15-AFA9E959E8BD}" sibTransId="{3A8F3A21-2554-490E-B110-B03B4309F55C}"/>
-    <dgm:cxn modelId="{A0CC2681-098D-41FE-A0D2-F6DE9B1109CF}" type="presParOf" srcId="{9AAFE6A1-6C3B-4D37-A085-856D7FC02567}" destId="{444582B5-8A58-4DDB-A8F3-E7AEB89347E6}" srcOrd="0" destOrd="0" presId="urn:microsoft.com/office/officeart/2018/5/layout/IconCircleLabelList"/>
-    <dgm:cxn modelId="{0B143739-8290-4ABA-AA2C-1BA50530E290}" type="presParOf" srcId="{444582B5-8A58-4DDB-A8F3-E7AEB89347E6}" destId="{29F5D29F-4E5C-4A20-8FFF-135807CAF664}" srcOrd="0" destOrd="0" presId="urn:microsoft.com/office/officeart/2018/5/layout/IconCircleLabelList"/>
-    <dgm:cxn modelId="{F0A25BFA-2E4F-4D44-9336-78CC054AAF66}" type="presParOf" srcId="{444582B5-8A58-4DDB-A8F3-E7AEB89347E6}" destId="{E86BB8B3-C152-46F1-A003-90B89C2B8838}" srcOrd="1" destOrd="0" presId="urn:microsoft.com/office/officeart/2018/5/layout/IconCircleLabelList"/>
-    <dgm:cxn modelId="{9A5040DA-E39C-46C6-9CBF-569F50C6A06A}" type="presParOf" srcId="{444582B5-8A58-4DDB-A8F3-E7AEB89347E6}" destId="{A3526650-2E3F-435F-A4E9-37E6FC6768D0}" srcOrd="2" destOrd="0" presId="urn:microsoft.com/office/officeart/2018/5/layout/IconCircleLabelList"/>
-    <dgm:cxn modelId="{2C72F364-7776-48EE-B561-3EE8C608EF0E}" type="presParOf" srcId="{444582B5-8A58-4DDB-A8F3-E7AEB89347E6}" destId="{8EEC54BC-4CA1-4145-8B81-B38B471B3BCA}" srcOrd="3" destOrd="0" presId="urn:microsoft.com/office/officeart/2018/5/layout/IconCircleLabelList"/>
-    <dgm:cxn modelId="{86E627C9-21C0-487D-B846-A4B6A5CDC87E}" type="presParOf" srcId="{9AAFE6A1-6C3B-4D37-A085-856D7FC02567}" destId="{582B6D13-113F-4267-B9D3-5818E2D4EF4A}" srcOrd="1" destOrd="0" presId="urn:microsoft.com/office/officeart/2018/5/layout/IconCircleLabelList"/>
-    <dgm:cxn modelId="{72CA360A-1CF8-4C14-80F1-797B759B402F}" type="presParOf" srcId="{9AAFE6A1-6C3B-4D37-A085-856D7FC02567}" destId="{65A95556-9EC7-4928-BFAC-64D103F8E5E8}" srcOrd="2" destOrd="0" presId="urn:microsoft.com/office/officeart/2018/5/layout/IconCircleLabelList"/>
-    <dgm:cxn modelId="{A7A193E5-318E-4D9D-85B5-7FCF087B58B3}" type="presParOf" srcId="{65A95556-9EC7-4928-BFAC-64D103F8E5E8}" destId="{447B4303-A014-4513-B772-3CEBB6A55163}" srcOrd="0" destOrd="0" presId="urn:microsoft.com/office/officeart/2018/5/layout/IconCircleLabelList"/>
-    <dgm:cxn modelId="{467AF1B8-A9F5-4C8C-9FEA-51955F22A711}" type="presParOf" srcId="{65A95556-9EC7-4928-BFAC-64D103F8E5E8}" destId="{E6B372C6-9A55-4C7D-9867-C3FADAE10DEA}" srcOrd="1" destOrd="0" presId="urn:microsoft.com/office/officeart/2018/5/layout/IconCircleLabelList"/>
-    <dgm:cxn modelId="{1E12D573-912C-4E1E-8E9D-CB6079127527}" type="presParOf" srcId="{65A95556-9EC7-4928-BFAC-64D103F8E5E8}" destId="{4424B280-61AE-48ED-9674-E8DC8E29927E}" srcOrd="2" destOrd="0" presId="urn:microsoft.com/office/officeart/2018/5/layout/IconCircleLabelList"/>
-    <dgm:cxn modelId="{527BADE3-4729-45DD-9C5D-6C90BF159379}" type="presParOf" srcId="{65A95556-9EC7-4928-BFAC-64D103F8E5E8}" destId="{5B4D6BF4-B0CD-4E20-90B2-3365988150D3}" srcOrd="3" destOrd="0" presId="urn:microsoft.com/office/officeart/2018/5/layout/IconCircleLabelList"/>
-    <dgm:cxn modelId="{A4A8371C-EB75-43A9-BB2D-40FD97282F95}" type="presParOf" srcId="{9AAFE6A1-6C3B-4D37-A085-856D7FC02567}" destId="{358B4BB7-BB4C-41A6-AF63-E17094D021DC}" srcOrd="3" destOrd="0" presId="urn:microsoft.com/office/officeart/2018/5/layout/IconCircleLabelList"/>
-    <dgm:cxn modelId="{27A0F01F-08A6-41AA-80E2-23960BC034D6}" type="presParOf" srcId="{9AAFE6A1-6C3B-4D37-A085-856D7FC02567}" destId="{CD02D60E-48FE-41A9-BB99-45DD21990773}" srcOrd="4" destOrd="0" presId="urn:microsoft.com/office/officeart/2018/5/layout/IconCircleLabelList"/>
-    <dgm:cxn modelId="{ADF52797-6F1C-494C-A6E0-B4B0D3FB6DB8}" type="presParOf" srcId="{CD02D60E-48FE-41A9-BB99-45DD21990773}" destId="{D131B22B-34C5-4BC3-B666-5510AD37B97D}" srcOrd="0" destOrd="0" presId="urn:microsoft.com/office/officeart/2018/5/layout/IconCircleLabelList"/>
-    <dgm:cxn modelId="{70A4E186-4130-463A-B6C7-D8CF12680B8E}" type="presParOf" srcId="{CD02D60E-48FE-41A9-BB99-45DD21990773}" destId="{06B643F7-99F9-4D35-8154-E07D3438E4B2}" srcOrd="1" destOrd="0" presId="urn:microsoft.com/office/officeart/2018/5/layout/IconCircleLabelList"/>
-    <dgm:cxn modelId="{A50986FF-62CC-4DED-89F7-AFFD78FC68B3}" type="presParOf" srcId="{CD02D60E-48FE-41A9-BB99-45DD21990773}" destId="{7B881DB7-0053-43CD-AEFA-896B977410A7}" srcOrd="2" destOrd="0" presId="urn:microsoft.com/office/officeart/2018/5/layout/IconCircleLabelList"/>
-    <dgm:cxn modelId="{ECF22E84-364B-4AB8-ACF6-2FCA13C95CDC}" type="presParOf" srcId="{CD02D60E-48FE-41A9-BB99-45DD21990773}" destId="{826F9300-E13D-42B1-9B2F-3F24B1598902}" srcOrd="3" destOrd="0" presId="urn:microsoft.com/office/officeart/2018/5/layout/IconCircleLabelList"/>
-    <dgm:cxn modelId="{965F5885-D97E-4D70-9AD8-8CBC78437FD9}" type="presParOf" srcId="{9AAFE6A1-6C3B-4D37-A085-856D7FC02567}" destId="{F6AB281E-A6FB-4136-9023-33B1EB14D357}" srcOrd="5" destOrd="0" presId="urn:microsoft.com/office/officeart/2018/5/layout/IconCircleLabelList"/>
-    <dgm:cxn modelId="{EA29072E-EDBD-408F-B0B6-56F8CD7A3390}" type="presParOf" srcId="{9AAFE6A1-6C3B-4D37-A085-856D7FC02567}" destId="{6780E69C-0860-47DE-B396-29189CE3E0B3}" srcOrd="6" destOrd="0" presId="urn:microsoft.com/office/officeart/2018/5/layout/IconCircleLabelList"/>
-    <dgm:cxn modelId="{34DF954B-9D8B-4381-A901-027C79B074A5}" type="presParOf" srcId="{6780E69C-0860-47DE-B396-29189CE3E0B3}" destId="{4E0135BC-ED3B-422D-AC5A-A53EE6B423B1}" srcOrd="0" destOrd="0" presId="urn:microsoft.com/office/officeart/2018/5/layout/IconCircleLabelList"/>
-    <dgm:cxn modelId="{8F6927C1-A9FA-4183-8E13-53B36949D78A}" type="presParOf" srcId="{6780E69C-0860-47DE-B396-29189CE3E0B3}" destId="{6B17AD27-FB49-4550-A2D2-3951A209B89E}" srcOrd="1" destOrd="0" presId="urn:microsoft.com/office/officeart/2018/5/layout/IconCircleLabelList"/>
-    <dgm:cxn modelId="{B452C5A9-AC82-4531-9051-7F1FA39A2806}" type="presParOf" srcId="{6780E69C-0860-47DE-B396-29189CE3E0B3}" destId="{94F6A08E-F17D-4541-979F-9D6B519C17CA}" srcOrd="2" destOrd="0" presId="urn:microsoft.com/office/officeart/2018/5/layout/IconCircleLabelList"/>
-    <dgm:cxn modelId="{792E4C65-AEEE-47C5-8929-F9CA6C90C06C}" type="presParOf" srcId="{6780E69C-0860-47DE-B396-29189CE3E0B3}" destId="{77949F9E-0D9C-4CCF-9FD7-C60A5BB6F787}" srcOrd="3" destOrd="0" presId="urn:microsoft.com/office/officeart/2018/5/layout/IconCircleLabelList"/>
+    <dgm:cxn modelId="{345610D9-AD0E-419E-9760-C6ADCF6BE443}" type="presOf" srcId="{D5A23640-46BF-4391-9191-ED9CF0F7B4C4}" destId="{8EEC54BC-4CA1-4145-8B81-B38B471B3BCA}" srcOrd="0" destOrd="0" presId="urn:microsoft.com/office/officeart/2018/5/layout/IconCircleLabelList"/>
+    <dgm:cxn modelId="{D777E001-10ED-431F-97D5-8152438654C7}" type="presParOf" srcId="{9AAFE6A1-6C3B-4D37-A085-856D7FC02567}" destId="{444582B5-8A58-4DDB-A8F3-E7AEB89347E6}" srcOrd="0" destOrd="0" presId="urn:microsoft.com/office/officeart/2018/5/layout/IconCircleLabelList"/>
+    <dgm:cxn modelId="{D8B9264E-12BB-4CDC-A0A2-0677563CB6B1}" type="presParOf" srcId="{444582B5-8A58-4DDB-A8F3-E7AEB89347E6}" destId="{29F5D29F-4E5C-4A20-8FFF-135807CAF664}" srcOrd="0" destOrd="0" presId="urn:microsoft.com/office/officeart/2018/5/layout/IconCircleLabelList"/>
+    <dgm:cxn modelId="{9212CF3F-EABB-44D6-9175-56B11A28AFA5}" type="presParOf" srcId="{444582B5-8A58-4DDB-A8F3-E7AEB89347E6}" destId="{E86BB8B3-C152-46F1-A003-90B89C2B8838}" srcOrd="1" destOrd="0" presId="urn:microsoft.com/office/officeart/2018/5/layout/IconCircleLabelList"/>
+    <dgm:cxn modelId="{C0376CEF-72C2-4186-8B32-1F79717362CA}" type="presParOf" srcId="{444582B5-8A58-4DDB-A8F3-E7AEB89347E6}" destId="{A3526650-2E3F-435F-A4E9-37E6FC6768D0}" srcOrd="2" destOrd="0" presId="urn:microsoft.com/office/officeart/2018/5/layout/IconCircleLabelList"/>
+    <dgm:cxn modelId="{66073A6C-A09F-475F-870C-AB91F807B264}" type="presParOf" srcId="{444582B5-8A58-4DDB-A8F3-E7AEB89347E6}" destId="{8EEC54BC-4CA1-4145-8B81-B38B471B3BCA}" srcOrd="3" destOrd="0" presId="urn:microsoft.com/office/officeart/2018/5/layout/IconCircleLabelList"/>
+    <dgm:cxn modelId="{9ABEFF62-EE3B-4113-96EB-85E7BE04E869}" type="presParOf" srcId="{9AAFE6A1-6C3B-4D37-A085-856D7FC02567}" destId="{582B6D13-113F-4267-B9D3-5818E2D4EF4A}" srcOrd="1" destOrd="0" presId="urn:microsoft.com/office/officeart/2018/5/layout/IconCircleLabelList"/>
+    <dgm:cxn modelId="{A7F82069-C536-49CD-B3FC-A2C287ED831E}" type="presParOf" srcId="{9AAFE6A1-6C3B-4D37-A085-856D7FC02567}" destId="{65A95556-9EC7-4928-BFAC-64D103F8E5E8}" srcOrd="2" destOrd="0" presId="urn:microsoft.com/office/officeart/2018/5/layout/IconCircleLabelList"/>
+    <dgm:cxn modelId="{22726B97-A9A9-4025-BB9F-A8E4E833C31E}" type="presParOf" srcId="{65A95556-9EC7-4928-BFAC-64D103F8E5E8}" destId="{447B4303-A014-4513-B772-3CEBB6A55163}" srcOrd="0" destOrd="0" presId="urn:microsoft.com/office/officeart/2018/5/layout/IconCircleLabelList"/>
+    <dgm:cxn modelId="{B49F9475-A151-4D8C-B0BE-50BECCEB08E3}" type="presParOf" srcId="{65A95556-9EC7-4928-BFAC-64D103F8E5E8}" destId="{E6B372C6-9A55-4C7D-9867-C3FADAE10DEA}" srcOrd="1" destOrd="0" presId="urn:microsoft.com/office/officeart/2018/5/layout/IconCircleLabelList"/>
+    <dgm:cxn modelId="{5B34071D-4885-4541-80E9-69FE0F2D4F30}" type="presParOf" srcId="{65A95556-9EC7-4928-BFAC-64D103F8E5E8}" destId="{4424B280-61AE-48ED-9674-E8DC8E29927E}" srcOrd="2" destOrd="0" presId="urn:microsoft.com/office/officeart/2018/5/layout/IconCircleLabelList"/>
+    <dgm:cxn modelId="{3D2EF340-1A78-4F2E-9C07-06E14188ED04}" type="presParOf" srcId="{65A95556-9EC7-4928-BFAC-64D103F8E5E8}" destId="{5B4D6BF4-B0CD-4E20-90B2-3365988150D3}" srcOrd="3" destOrd="0" presId="urn:microsoft.com/office/officeart/2018/5/layout/IconCircleLabelList"/>
+    <dgm:cxn modelId="{6AC6E672-3F32-408F-82B8-3D1F7AD0FB7B}" type="presParOf" srcId="{9AAFE6A1-6C3B-4D37-A085-856D7FC02567}" destId="{358B4BB7-BB4C-41A6-AF63-E17094D021DC}" srcOrd="3" destOrd="0" presId="urn:microsoft.com/office/officeart/2018/5/layout/IconCircleLabelList"/>
+    <dgm:cxn modelId="{AA3C12D3-BD12-401D-982B-122896A02DFE}" type="presParOf" srcId="{9AAFE6A1-6C3B-4D37-A085-856D7FC02567}" destId="{CD02D60E-48FE-41A9-BB99-45DD21990773}" srcOrd="4" destOrd="0" presId="urn:microsoft.com/office/officeart/2018/5/layout/IconCircleLabelList"/>
+    <dgm:cxn modelId="{27CFDC81-60A7-4A24-99E7-349BA31824B3}" type="presParOf" srcId="{CD02D60E-48FE-41A9-BB99-45DD21990773}" destId="{D131B22B-34C5-4BC3-B666-5510AD37B97D}" srcOrd="0" destOrd="0" presId="urn:microsoft.com/office/officeart/2018/5/layout/IconCircleLabelList"/>
+    <dgm:cxn modelId="{05FD289A-935D-43E3-9279-CC6B3AFC60C9}" type="presParOf" srcId="{CD02D60E-48FE-41A9-BB99-45DD21990773}" destId="{06B643F7-99F9-4D35-8154-E07D3438E4B2}" srcOrd="1" destOrd="0" presId="urn:microsoft.com/office/officeart/2018/5/layout/IconCircleLabelList"/>
+    <dgm:cxn modelId="{9F822515-5B41-4522-9E58-B87013A542B2}" type="presParOf" srcId="{CD02D60E-48FE-41A9-BB99-45DD21990773}" destId="{7B881DB7-0053-43CD-AEFA-896B977410A7}" srcOrd="2" destOrd="0" presId="urn:microsoft.com/office/officeart/2018/5/layout/IconCircleLabelList"/>
+    <dgm:cxn modelId="{F8C06456-C118-4B2D-871D-3F7635BC1139}" type="presParOf" srcId="{CD02D60E-48FE-41A9-BB99-45DD21990773}" destId="{826F9300-E13D-42B1-9B2F-3F24B1598902}" srcOrd="3" destOrd="0" presId="urn:microsoft.com/office/officeart/2018/5/layout/IconCircleLabelList"/>
+    <dgm:cxn modelId="{31820153-08C8-410A-9BFE-C8D3CAE3B8E8}" type="presParOf" srcId="{9AAFE6A1-6C3B-4D37-A085-856D7FC02567}" destId="{F6AB281E-A6FB-4136-9023-33B1EB14D357}" srcOrd="5" destOrd="0" presId="urn:microsoft.com/office/officeart/2018/5/layout/IconCircleLabelList"/>
+    <dgm:cxn modelId="{AF02E7D4-A00F-4877-BE9B-0873F9D2F558}" type="presParOf" srcId="{9AAFE6A1-6C3B-4D37-A085-856D7FC02567}" destId="{6780E69C-0860-47DE-B396-29189CE3E0B3}" srcOrd="6" destOrd="0" presId="urn:microsoft.com/office/officeart/2018/5/layout/IconCircleLabelList"/>
+    <dgm:cxn modelId="{9F65E6C5-FBFB-4FC9-8611-0AA82AF39F52}" type="presParOf" srcId="{6780E69C-0860-47DE-B396-29189CE3E0B3}" destId="{4E0135BC-ED3B-422D-AC5A-A53EE6B423B1}" srcOrd="0" destOrd="0" presId="urn:microsoft.com/office/officeart/2018/5/layout/IconCircleLabelList"/>
+    <dgm:cxn modelId="{D064D58E-830E-4CA6-81FF-0985F2AB105F}" type="presParOf" srcId="{6780E69C-0860-47DE-B396-29189CE3E0B3}" destId="{6B17AD27-FB49-4550-A2D2-3951A209B89E}" srcOrd="1" destOrd="0" presId="urn:microsoft.com/office/officeart/2018/5/layout/IconCircleLabelList"/>
+    <dgm:cxn modelId="{B4A75AC5-8E82-49D9-97D6-4EACDBE5137B}" type="presParOf" srcId="{6780E69C-0860-47DE-B396-29189CE3E0B3}" destId="{94F6A08E-F17D-4541-979F-9D6B519C17CA}" srcOrd="2" destOrd="0" presId="urn:microsoft.com/office/officeart/2018/5/layout/IconCircleLabelList"/>
+    <dgm:cxn modelId="{828BD6F2-44CC-43B4-9FD2-EC75761C32D2}" type="presParOf" srcId="{6780E69C-0860-47DE-B396-29189CE3E0B3}" destId="{77949F9E-0D9C-4CCF-9FD7-C60A5BB6F787}" srcOrd="3" destOrd="0" presId="urn:microsoft.com/office/officeart/2018/5/layout/IconCircleLabelList"/>
   </dgm:cxnLst>
   <dgm:bg/>
   <dgm:whole/>
@@ -1950,14 +2577,14 @@
       </dsp:nvSpPr>
       <dsp:spPr>
         <a:xfrm>
-          <a:off x="562927" y="788206"/>
-          <a:ext cx="1445998" cy="1445998"/>
+          <a:off x="800672" y="698685"/>
+          <a:ext cx="1256587" cy="1256587"/>
         </a:xfrm>
         <a:prstGeom prst="ellipse">
           <a:avLst/>
         </a:prstGeom>
         <a:solidFill>
-          <a:schemeClr val="dk2">
+          <a:schemeClr val="accent2">
             <a:hueOff val="0"/>
             <a:satOff val="0"/>
             <a:lumOff val="0"/>
@@ -1989,8 +2616,8 @@
       </dsp:nvSpPr>
       <dsp:spPr>
         <a:xfrm>
-          <a:off x="871091" y="1096370"/>
-          <a:ext cx="829671" cy="829671"/>
+          <a:off x="1068469" y="966482"/>
+          <a:ext cx="720993" cy="720993"/>
         </a:xfrm>
         <a:prstGeom prst="rect">
           <a:avLst/>
@@ -2010,10 +2637,9 @@
             <a:fillRect/>
           </a:stretch>
         </a:blipFill>
-        <a:ln w="12700" cap="flat" cmpd="sng" algn="ctr">
+        <a:ln w="15875" cap="flat" cmpd="sng" algn="ctr">
           <a:noFill/>
           <a:prstDash val="solid"/>
-          <a:miter lim="800000"/>
         </a:ln>
         <a:effectLst/>
       </dsp:spPr>
@@ -2039,8 +2665,8 @@
       </dsp:nvSpPr>
       <dsp:spPr>
         <a:xfrm>
-          <a:off x="100682" y="2684598"/>
-          <a:ext cx="2370489" cy="720000"/>
+          <a:off x="398976" y="2346669"/>
+          <a:ext cx="2059980" cy="720000"/>
         </a:xfrm>
         <a:prstGeom prst="rect">
           <a:avLst/>
@@ -2069,7 +2695,7 @@
         </a:bodyPr>
         <a:lstStyle/>
         <a:p>
-          <a:pPr marL="0" lvl="0" indent="0" algn="ctr" defTabSz="1022350">
+          <a:pPr marL="0" lvl="0" indent="0" algn="ctr" defTabSz="889000">
             <a:lnSpc>
               <a:spcPct val="90000"/>
             </a:lnSpc>
@@ -2083,14 +2709,14 @@
             <a:defRPr cap="all"/>
           </a:pPr>
           <a:r>
-            <a:rPr lang="en-US" sz="2300" kern="1200"/>
+            <a:rPr lang="en-US" sz="2000" kern="1200"/>
             <a:t>Elevator Pitch</a:t>
           </a:r>
         </a:p>
       </dsp:txBody>
       <dsp:txXfrm>
-        <a:off x="100682" y="2684598"/>
-        <a:ext cx="2370489" cy="720000"/>
+        <a:off x="398976" y="2346669"/>
+        <a:ext cx="2059980" cy="720000"/>
       </dsp:txXfrm>
     </dsp:sp>
     <dsp:sp modelId="{447B4303-A014-4513-B772-3CEBB6A55163}">
@@ -2100,14 +2726,14 @@
       </dsp:nvSpPr>
       <dsp:spPr>
         <a:xfrm>
-          <a:off x="3348252" y="788206"/>
-          <a:ext cx="1445998" cy="1445998"/>
+          <a:off x="3221148" y="698685"/>
+          <a:ext cx="1256587" cy="1256587"/>
         </a:xfrm>
         <a:prstGeom prst="ellipse">
           <a:avLst/>
         </a:prstGeom>
         <a:solidFill>
-          <a:schemeClr val="dk2">
+          <a:schemeClr val="accent2">
             <a:hueOff val="0"/>
             <a:satOff val="0"/>
             <a:lumOff val="0"/>
@@ -2139,8 +2765,8 @@
       </dsp:nvSpPr>
       <dsp:spPr>
         <a:xfrm>
-          <a:off x="3656416" y="1096370"/>
-          <a:ext cx="829671" cy="829671"/>
+          <a:off x="3488946" y="966482"/>
+          <a:ext cx="720993" cy="720993"/>
         </a:xfrm>
         <a:prstGeom prst="rect">
           <a:avLst/>
@@ -2160,10 +2786,9 @@
             <a:fillRect/>
           </a:stretch>
         </a:blipFill>
-        <a:ln w="12700" cap="flat" cmpd="sng" algn="ctr">
+        <a:ln w="15875" cap="flat" cmpd="sng" algn="ctr">
           <a:noFill/>
           <a:prstDash val="solid"/>
-          <a:miter lim="800000"/>
         </a:ln>
         <a:effectLst/>
       </dsp:spPr>
@@ -2189,8 +2814,8 @@
       </dsp:nvSpPr>
       <dsp:spPr>
         <a:xfrm>
-          <a:off x="2886007" y="2684598"/>
-          <a:ext cx="2370489" cy="720000"/>
+          <a:off x="2819452" y="2346669"/>
+          <a:ext cx="2059980" cy="720000"/>
         </a:xfrm>
         <a:prstGeom prst="rect">
           <a:avLst/>
@@ -2219,7 +2844,7 @@
         </a:bodyPr>
         <a:lstStyle/>
         <a:p>
-          <a:pPr marL="0" lvl="0" indent="0" algn="ctr" defTabSz="1022350">
+          <a:pPr marL="0" lvl="0" indent="0" algn="ctr" defTabSz="889000">
             <a:lnSpc>
               <a:spcPct val="90000"/>
             </a:lnSpc>
@@ -2233,14 +2858,14 @@
             <a:defRPr cap="all"/>
           </a:pPr>
           <a:r>
-            <a:rPr lang="en-US" sz="2300" kern="1200"/>
+            <a:rPr lang="en-US" sz="2000" kern="1200"/>
             <a:t>Research Proposal Review</a:t>
           </a:r>
         </a:p>
       </dsp:txBody>
       <dsp:txXfrm>
-        <a:off x="2886007" y="2684598"/>
-        <a:ext cx="2370489" cy="720000"/>
+        <a:off x="2819452" y="2346669"/>
+        <a:ext cx="2059980" cy="720000"/>
       </dsp:txXfrm>
     </dsp:sp>
     <dsp:sp modelId="{D131B22B-34C5-4BC3-B666-5510AD37B97D}">
@@ -2250,14 +2875,14 @@
       </dsp:nvSpPr>
       <dsp:spPr>
         <a:xfrm>
-          <a:off x="6133577" y="788206"/>
-          <a:ext cx="1445998" cy="1445998"/>
+          <a:off x="5641625" y="698685"/>
+          <a:ext cx="1256587" cy="1256587"/>
         </a:xfrm>
         <a:prstGeom prst="ellipse">
           <a:avLst/>
         </a:prstGeom>
         <a:solidFill>
-          <a:schemeClr val="dk2">
+          <a:schemeClr val="accent2">
             <a:hueOff val="0"/>
             <a:satOff val="0"/>
             <a:lumOff val="0"/>
@@ -2289,8 +2914,8 @@
       </dsp:nvSpPr>
       <dsp:spPr>
         <a:xfrm>
-          <a:off x="6441741" y="1096370"/>
-          <a:ext cx="829671" cy="829671"/>
+          <a:off x="5909422" y="966482"/>
+          <a:ext cx="720993" cy="720993"/>
         </a:xfrm>
         <a:prstGeom prst="rect">
           <a:avLst/>
@@ -2310,10 +2935,9 @@
             <a:fillRect/>
           </a:stretch>
         </a:blipFill>
-        <a:ln w="12700" cap="flat" cmpd="sng" algn="ctr">
+        <a:ln w="15875" cap="flat" cmpd="sng" algn="ctr">
           <a:noFill/>
           <a:prstDash val="solid"/>
-          <a:miter lim="800000"/>
         </a:ln>
         <a:effectLst/>
       </dsp:spPr>
@@ -2339,8 +2963,8 @@
       </dsp:nvSpPr>
       <dsp:spPr>
         <a:xfrm>
-          <a:off x="5671332" y="2684598"/>
-          <a:ext cx="2370489" cy="720000"/>
+          <a:off x="5239929" y="2346669"/>
+          <a:ext cx="2059980" cy="720000"/>
         </a:xfrm>
         <a:prstGeom prst="rect">
           <a:avLst/>
@@ -2369,7 +2993,7 @@
         </a:bodyPr>
         <a:lstStyle/>
         <a:p>
-          <a:pPr marL="0" lvl="0" indent="0" algn="ctr" defTabSz="1022350">
+          <a:pPr marL="0" lvl="0" indent="0" algn="ctr" defTabSz="889000">
             <a:lnSpc>
               <a:spcPct val="90000"/>
             </a:lnSpc>
@@ -2383,15 +3007,15 @@
             <a:defRPr cap="all"/>
           </a:pPr>
           <a:r>
-            <a:rPr lang="en-GB" sz="2300" kern="1200"/>
+            <a:rPr lang="en-GB" sz="2000" kern="1200"/>
             <a:t>Keywords Search</a:t>
           </a:r>
-          <a:endParaRPr lang="en-US" sz="2300" kern="1200"/>
+          <a:endParaRPr lang="en-US" sz="2000" kern="1200"/>
         </a:p>
       </dsp:txBody>
       <dsp:txXfrm>
-        <a:off x="5671332" y="2684598"/>
-        <a:ext cx="2370489" cy="720000"/>
+        <a:off x="5239929" y="2346669"/>
+        <a:ext cx="2059980" cy="720000"/>
       </dsp:txXfrm>
     </dsp:sp>
     <dsp:sp modelId="{4E0135BC-ED3B-422D-AC5A-A53EE6B423B1}">
@@ -2401,14 +3025,14 @@
       </dsp:nvSpPr>
       <dsp:spPr>
         <a:xfrm>
-          <a:off x="8918902" y="788206"/>
-          <a:ext cx="1445998" cy="1445998"/>
+          <a:off x="8062101" y="698685"/>
+          <a:ext cx="1256587" cy="1256587"/>
         </a:xfrm>
         <a:prstGeom prst="ellipse">
           <a:avLst/>
         </a:prstGeom>
         <a:solidFill>
-          <a:schemeClr val="dk2">
+          <a:schemeClr val="accent2">
             <a:hueOff val="0"/>
             <a:satOff val="0"/>
             <a:lumOff val="0"/>
@@ -2440,8 +3064,8 @@
       </dsp:nvSpPr>
       <dsp:spPr>
         <a:xfrm>
-          <a:off x="9227066" y="1096370"/>
-          <a:ext cx="829671" cy="829671"/>
+          <a:off x="8329899" y="966482"/>
+          <a:ext cx="720993" cy="720993"/>
         </a:xfrm>
         <a:prstGeom prst="rect">
           <a:avLst/>
@@ -2461,10 +3085,9 @@
             <a:fillRect/>
           </a:stretch>
         </a:blipFill>
-        <a:ln w="12700" cap="flat" cmpd="sng" algn="ctr">
+        <a:ln w="15875" cap="flat" cmpd="sng" algn="ctr">
           <a:noFill/>
           <a:prstDash val="solid"/>
-          <a:miter lim="800000"/>
         </a:ln>
         <a:effectLst/>
       </dsp:spPr>
@@ -2490,8 +3113,8 @@
       </dsp:nvSpPr>
       <dsp:spPr>
         <a:xfrm>
-          <a:off x="8456657" y="2684598"/>
-          <a:ext cx="2370489" cy="720000"/>
+          <a:off x="7660405" y="2346669"/>
+          <a:ext cx="2059980" cy="720000"/>
         </a:xfrm>
         <a:prstGeom prst="rect">
           <a:avLst/>
@@ -2520,7 +3143,7 @@
         </a:bodyPr>
         <a:lstStyle/>
         <a:p>
-          <a:pPr marL="0" lvl="0" indent="0" algn="ctr" defTabSz="1022350">
+          <a:pPr marL="0" lvl="0" indent="0" algn="ctr" defTabSz="889000">
             <a:lnSpc>
               <a:spcPct val="90000"/>
             </a:lnSpc>
@@ -2534,15 +3157,15 @@
             <a:defRPr cap="all"/>
           </a:pPr>
           <a:r>
-            <a:rPr lang="en-GB" sz="2300" kern="1200"/>
+            <a:rPr lang="en-GB" sz="2000" kern="1200"/>
             <a:t>Search Results	</a:t>
           </a:r>
-          <a:endParaRPr lang="en-US" sz="2300" kern="1200"/>
+          <a:endParaRPr lang="en-US" sz="2000" kern="1200"/>
         </a:p>
       </dsp:txBody>
       <dsp:txXfrm>
-        <a:off x="8456657" y="2684598"/>
-        <a:ext cx="2370489" cy="720000"/>
+        <a:off x="7660405" y="2346669"/>
+        <a:ext cx="2059980" cy="720000"/>
       </dsp:txXfrm>
     </dsp:sp>
   </dsp:spTree>
@@ -3799,7 +4422,7 @@
 </file>
 
 <file path=ppt/slideLayouts/slideLayout1.xml><?xml version="1.0" encoding="utf-8"?>
-<p:sldLayout xmlns:a="http://schemas.openxmlformats.org/drawingml/2006/main" xmlns:r="http://schemas.openxmlformats.org/officeDocument/2006/relationships" xmlns:p="http://schemas.openxmlformats.org/presentationml/2006/main" type="title" preserve="1">
+<p:sldLayout xmlns:a="http://schemas.openxmlformats.org/drawingml/2006/main" xmlns:r="http://schemas.openxmlformats.org/officeDocument/2006/relationships" xmlns:p="http://schemas.openxmlformats.org/presentationml/2006/main" showMasterSp="0" type="title" preserve="1">
   <p:cSld name="Title Slide">
     <p:spTree>
       <p:nvGrpSpPr>
@@ -3817,13 +4440,85 @@
       </p:grpSpPr>
       <p:sp>
         <p:nvSpPr>
-          <p:cNvPr id="2" name="Title 1">
-            <a:extLst>
-              <a:ext uri="{FF2B5EF4-FFF2-40B4-BE49-F238E27FC236}">
-                <a16:creationId xmlns:a16="http://schemas.microsoft.com/office/drawing/2014/main" id="{46A87F2C-7A16-456B-906A-E09277316666}"/>
-              </a:ext>
-            </a:extLst>
-          </p:cNvPr>
+          <p:cNvPr id="7" name="Rectangle 6"/>
+          <p:cNvSpPr/>
+          <p:nvPr/>
+        </p:nvSpPr>
+        <p:spPr>
+          <a:xfrm>
+            <a:off x="3175" y="6400800"/>
+            <a:ext cx="12188825" cy="457200"/>
+          </a:xfrm>
+          <a:prstGeom prst="rect">
+            <a:avLst/>
+          </a:prstGeom>
+          <a:solidFill>
+            <a:schemeClr val="accent4">
+              <a:lumMod val="75000"/>
+            </a:schemeClr>
+          </a:solidFill>
+          <a:ln>
+            <a:noFill/>
+          </a:ln>
+        </p:spPr>
+        <p:style>
+          <a:lnRef idx="2">
+            <a:schemeClr val="accent1">
+              <a:shade val="50000"/>
+            </a:schemeClr>
+          </a:lnRef>
+          <a:fillRef idx="1">
+            <a:schemeClr val="accent1"/>
+          </a:fillRef>
+          <a:effectRef idx="0">
+            <a:schemeClr val="accent1"/>
+          </a:effectRef>
+          <a:fontRef idx="minor">
+            <a:schemeClr val="lt1"/>
+          </a:fontRef>
+        </p:style>
+      </p:sp>
+      <p:sp>
+        <p:nvSpPr>
+          <p:cNvPr id="8" name="Rectangle 7"/>
+          <p:cNvSpPr/>
+          <p:nvPr/>
+        </p:nvSpPr>
+        <p:spPr>
+          <a:xfrm>
+            <a:off x="15" y="6334316"/>
+            <a:ext cx="12188825" cy="64008"/>
+          </a:xfrm>
+          <a:prstGeom prst="rect">
+            <a:avLst/>
+          </a:prstGeom>
+          <a:solidFill>
+            <a:schemeClr val="accent4"/>
+          </a:solidFill>
+          <a:ln>
+            <a:noFill/>
+          </a:ln>
+        </p:spPr>
+        <p:style>
+          <a:lnRef idx="2">
+            <a:schemeClr val="accent1">
+              <a:shade val="50000"/>
+            </a:schemeClr>
+          </a:lnRef>
+          <a:fillRef idx="1">
+            <a:schemeClr val="accent1"/>
+          </a:fillRef>
+          <a:effectRef idx="0">
+            <a:schemeClr val="accent1"/>
+          </a:effectRef>
+          <a:fontRef idx="minor">
+            <a:schemeClr val="lt1"/>
+          </a:fontRef>
+        </p:style>
+      </p:sp>
+      <p:sp>
+        <p:nvSpPr>
+          <p:cNvPr id="2" name="Title 1"/>
           <p:cNvSpPr>
             <a:spLocks noGrp="1"/>
           </p:cNvSpPr>
@@ -3833,15 +4528,27 @@
         </p:nvSpPr>
         <p:spPr>
           <a:xfrm>
-            <a:off x="1524000" y="1122363"/>
-            <a:ext cx="9144000" cy="2387600"/>
+            <a:off x="1097280" y="758952"/>
+            <a:ext cx="10058400" cy="3566160"/>
           </a:xfrm>
         </p:spPr>
         <p:txBody>
-          <a:bodyPr anchor="b"/>
+          <a:bodyPr anchor="b">
+            <a:normAutofit/>
+          </a:bodyPr>
           <a:lstStyle>
-            <a:lvl1pPr algn="ctr">
-              <a:defRPr sz="6000"/>
+            <a:lvl1pPr algn="l">
+              <a:lnSpc>
+                <a:spcPct val="85000"/>
+              </a:lnSpc>
+              <a:defRPr sz="8000" spc="-50" baseline="0">
+                <a:solidFill>
+                  <a:schemeClr val="tx1">
+                    <a:lumMod val="85000"/>
+                    <a:lumOff val="15000"/>
+                  </a:schemeClr>
+                </a:solidFill>
+              </a:defRPr>
             </a:lvl1pPr>
           </a:lstStyle>
           <a:p>
@@ -3849,19 +4556,13 @@
               <a:rPr lang="en-US"/>
               <a:t>Click to edit Master title style</a:t>
             </a:r>
-            <a:endParaRPr lang="en-GB"/>
+            <a:endParaRPr lang="en-US" dirty="0"/>
           </a:p>
         </p:txBody>
       </p:sp>
       <p:sp>
         <p:nvSpPr>
-          <p:cNvPr id="3" name="Subtitle 2">
-            <a:extLst>
-              <a:ext uri="{FF2B5EF4-FFF2-40B4-BE49-F238E27FC236}">
-                <a16:creationId xmlns:a16="http://schemas.microsoft.com/office/drawing/2014/main" id="{57938659-3CEF-441B-9F97-CC741E4F96F1}"/>
-              </a:ext>
-            </a:extLst>
-          </p:cNvPr>
+          <p:cNvPr id="3" name="Subtitle 2"/>
           <p:cNvSpPr>
             <a:spLocks noGrp="1"/>
           </p:cNvSpPr>
@@ -3871,48 +4572,55 @@
         </p:nvSpPr>
         <p:spPr>
           <a:xfrm>
-            <a:off x="1524000" y="3602038"/>
-            <a:ext cx="9144000" cy="1655762"/>
+            <a:off x="1100051" y="4455621"/>
+            <a:ext cx="10058400" cy="1143000"/>
           </a:xfrm>
         </p:spPr>
         <p:txBody>
-          <a:bodyPr/>
+          <a:bodyPr lIns="91440" rIns="91440">
+            <a:normAutofit/>
+          </a:bodyPr>
           <a:lstStyle>
-            <a:lvl1pPr marL="0" indent="0" algn="ctr">
+            <a:lvl1pPr marL="0" indent="0" algn="l">
               <a:buNone/>
-              <a:defRPr sz="2400"/>
+              <a:defRPr sz="2400" cap="all" spc="200" baseline="0">
+                <a:solidFill>
+                  <a:schemeClr val="tx2"/>
+                </a:solidFill>
+                <a:latin typeface="+mj-lt"/>
+              </a:defRPr>
             </a:lvl1pPr>
             <a:lvl2pPr marL="457200" indent="0" algn="ctr">
               <a:buNone/>
-              <a:defRPr sz="2000"/>
+              <a:defRPr sz="2400"/>
             </a:lvl2pPr>
             <a:lvl3pPr marL="914400" indent="0" algn="ctr">
               <a:buNone/>
-              <a:defRPr sz="1800"/>
+              <a:defRPr sz="2400"/>
             </a:lvl3pPr>
             <a:lvl4pPr marL="1371600" indent="0" algn="ctr">
               <a:buNone/>
-              <a:defRPr sz="1600"/>
+              <a:defRPr sz="2000"/>
             </a:lvl4pPr>
             <a:lvl5pPr marL="1828800" indent="0" algn="ctr">
               <a:buNone/>
-              <a:defRPr sz="1600"/>
+              <a:defRPr sz="2000"/>
             </a:lvl5pPr>
             <a:lvl6pPr marL="2286000" indent="0" algn="ctr">
               <a:buNone/>
-              <a:defRPr sz="1600"/>
+              <a:defRPr sz="2000"/>
             </a:lvl6pPr>
             <a:lvl7pPr marL="2743200" indent="0" algn="ctr">
               <a:buNone/>
-              <a:defRPr sz="1600"/>
+              <a:defRPr sz="2000"/>
             </a:lvl7pPr>
             <a:lvl8pPr marL="3200400" indent="0" algn="ctr">
               <a:buNone/>
-              <a:defRPr sz="1600"/>
+              <a:defRPr sz="2000"/>
             </a:lvl8pPr>
             <a:lvl9pPr marL="3657600" indent="0" algn="ctr">
               <a:buNone/>
-              <a:defRPr sz="1600"/>
+              <a:defRPr sz="2000"/>
             </a:lvl9pPr>
           </a:lstStyle>
           <a:p>
@@ -3920,19 +4628,13 @@
               <a:rPr lang="en-US"/>
               <a:t>Click to edit Master subtitle style</a:t>
             </a:r>
-            <a:endParaRPr lang="en-GB"/>
+            <a:endParaRPr lang="en-US" dirty="0"/>
           </a:p>
         </p:txBody>
       </p:sp>
       <p:sp>
         <p:nvSpPr>
-          <p:cNvPr id="4" name="Date Placeholder 3">
-            <a:extLst>
-              <a:ext uri="{FF2B5EF4-FFF2-40B4-BE49-F238E27FC236}">
-                <a16:creationId xmlns:a16="http://schemas.microsoft.com/office/drawing/2014/main" id="{0E05A3AA-14F8-406C-9137-33930B6021B9}"/>
-              </a:ext>
-            </a:extLst>
-          </p:cNvPr>
+          <p:cNvPr id="4" name="Date Placeholder 3"/>
           <p:cNvSpPr>
             <a:spLocks noGrp="1"/>
           </p:cNvSpPr>
@@ -3947,7 +4649,7 @@
           <a:p>
             <a:fld id="{0CD94E99-FA29-4EFF-88BE-3447E30E8C4D}" type="datetimeFigureOut">
               <a:rPr lang="en-GB" smtClean="0"/>
-              <a:t>05/02/2024</a:t>
+              <a:t>07/02/2024</a:t>
             </a:fld>
             <a:endParaRPr lang="en-GB"/>
           </a:p>
@@ -3955,13 +4657,7 @@
       </p:sp>
       <p:sp>
         <p:nvSpPr>
-          <p:cNvPr id="5" name="Footer Placeholder 4">
-            <a:extLst>
-              <a:ext uri="{FF2B5EF4-FFF2-40B4-BE49-F238E27FC236}">
-                <a16:creationId xmlns:a16="http://schemas.microsoft.com/office/drawing/2014/main" id="{9DABDA12-1CD4-4DF0-ACAF-A78874E04F80}"/>
-              </a:ext>
-            </a:extLst>
-          </p:cNvPr>
+          <p:cNvPr id="5" name="Footer Placeholder 4"/>
           <p:cNvSpPr>
             <a:spLocks noGrp="1"/>
           </p:cNvSpPr>
@@ -3980,13 +4676,7 @@
       </p:sp>
       <p:sp>
         <p:nvSpPr>
-          <p:cNvPr id="6" name="Slide Number Placeholder 5">
-            <a:extLst>
-              <a:ext uri="{FF2B5EF4-FFF2-40B4-BE49-F238E27FC236}">
-                <a16:creationId xmlns:a16="http://schemas.microsoft.com/office/drawing/2014/main" id="{B454024A-EB32-4B84-A2F6-F11D6BC2BE66}"/>
-              </a:ext>
-            </a:extLst>
-          </p:cNvPr>
+          <p:cNvPr id="6" name="Slide Number Placeholder 5"/>
           <p:cNvSpPr>
             <a:spLocks noGrp="1"/>
           </p:cNvSpPr>
@@ -4007,10 +4697,48 @@
           </a:p>
         </p:txBody>
       </p:sp>
+      <p:cxnSp>
+        <p:nvCxnSpPr>
+          <p:cNvPr id="9" name="Straight Connector 8"/>
+          <p:cNvCxnSpPr/>
+          <p:nvPr/>
+        </p:nvCxnSpPr>
+        <p:spPr>
+          <a:xfrm>
+            <a:off x="1207658" y="4343400"/>
+            <a:ext cx="9875520" cy="0"/>
+          </a:xfrm>
+          <a:prstGeom prst="line">
+            <a:avLst/>
+          </a:prstGeom>
+          <a:ln w="6350">
+            <a:solidFill>
+              <a:schemeClr val="tx1">
+                <a:lumMod val="50000"/>
+                <a:lumOff val="50000"/>
+              </a:schemeClr>
+            </a:solidFill>
+          </a:ln>
+        </p:spPr>
+        <p:style>
+          <a:lnRef idx="1">
+            <a:schemeClr val="accent1"/>
+          </a:lnRef>
+          <a:fillRef idx="0">
+            <a:schemeClr val="accent1"/>
+          </a:fillRef>
+          <a:effectRef idx="0">
+            <a:schemeClr val="accent1"/>
+          </a:effectRef>
+          <a:fontRef idx="minor">
+            <a:schemeClr val="tx1"/>
+          </a:fontRef>
+        </p:style>
+      </p:cxnSp>
     </p:spTree>
     <p:extLst>
       <p:ext uri="{BB962C8B-B14F-4D97-AF65-F5344CB8AC3E}">
-        <p14:creationId xmlns:p14="http://schemas.microsoft.com/office/powerpoint/2010/main" val="3556116819"/>
+        <p14:creationId xmlns:p14="http://schemas.microsoft.com/office/powerpoint/2010/main" val="3241991564"/>
       </p:ext>
     </p:extLst>
   </p:cSld>
@@ -4039,13 +4767,7 @@
       </p:grpSpPr>
       <p:sp>
         <p:nvSpPr>
-          <p:cNvPr id="2" name="Title 1">
-            <a:extLst>
-              <a:ext uri="{FF2B5EF4-FFF2-40B4-BE49-F238E27FC236}">
-                <a16:creationId xmlns:a16="http://schemas.microsoft.com/office/drawing/2014/main" id="{8E007F51-80A5-40F8-B071-E8B1E05AB1B4}"/>
-              </a:ext>
-            </a:extLst>
-          </p:cNvPr>
+          <p:cNvPr id="2" name="Title 1"/>
           <p:cNvSpPr>
             <a:spLocks noGrp="1"/>
           </p:cNvSpPr>
@@ -4062,19 +4784,13 @@
               <a:rPr lang="en-US"/>
               <a:t>Click to edit Master title style</a:t>
             </a:r>
-            <a:endParaRPr lang="en-GB"/>
+            <a:endParaRPr lang="en-US" dirty="0"/>
           </a:p>
         </p:txBody>
       </p:sp>
       <p:sp>
         <p:nvSpPr>
-          <p:cNvPr id="3" name="Vertical Text Placeholder 2">
-            <a:extLst>
-              <a:ext uri="{FF2B5EF4-FFF2-40B4-BE49-F238E27FC236}">
-                <a16:creationId xmlns:a16="http://schemas.microsoft.com/office/drawing/2014/main" id="{341B34C4-4143-4E49-9A0E-7E2B1EB2C604}"/>
-              </a:ext>
-            </a:extLst>
-          </p:cNvPr>
+          <p:cNvPr id="3" name="Vertical Text Placeholder 2"/>
           <p:cNvSpPr>
             <a:spLocks noGrp="1"/>
           </p:cNvSpPr>
@@ -4084,7 +4800,7 @@
         </p:nvSpPr>
         <p:spPr/>
         <p:txBody>
-          <a:bodyPr vert="eaVert"/>
+          <a:bodyPr vert="eaVert" lIns="45720" tIns="0" rIns="45720" bIns="0"/>
           <a:lstStyle/>
           <a:p>
             <a:pPr lvl="0"/>
@@ -4120,19 +4836,13 @@
               <a:rPr lang="en-US"/>
               <a:t>Fifth level</a:t>
             </a:r>
-            <a:endParaRPr lang="en-GB"/>
+            <a:endParaRPr lang="en-US" dirty="0"/>
           </a:p>
         </p:txBody>
       </p:sp>
       <p:sp>
         <p:nvSpPr>
-          <p:cNvPr id="4" name="Date Placeholder 3">
-            <a:extLst>
-              <a:ext uri="{FF2B5EF4-FFF2-40B4-BE49-F238E27FC236}">
-                <a16:creationId xmlns:a16="http://schemas.microsoft.com/office/drawing/2014/main" id="{F04DD100-6FDF-4291-B849-F6796CF5F1BA}"/>
-              </a:ext>
-            </a:extLst>
-          </p:cNvPr>
+          <p:cNvPr id="4" name="Date Placeholder 3"/>
           <p:cNvSpPr>
             <a:spLocks noGrp="1"/>
           </p:cNvSpPr>
@@ -4147,7 +4857,7 @@
           <a:p>
             <a:fld id="{0CD94E99-FA29-4EFF-88BE-3447E30E8C4D}" type="datetimeFigureOut">
               <a:rPr lang="en-GB" smtClean="0"/>
-              <a:t>05/02/2024</a:t>
+              <a:t>07/02/2024</a:t>
             </a:fld>
             <a:endParaRPr lang="en-GB"/>
           </a:p>
@@ -4155,13 +4865,7 @@
       </p:sp>
       <p:sp>
         <p:nvSpPr>
-          <p:cNvPr id="5" name="Footer Placeholder 4">
-            <a:extLst>
-              <a:ext uri="{FF2B5EF4-FFF2-40B4-BE49-F238E27FC236}">
-                <a16:creationId xmlns:a16="http://schemas.microsoft.com/office/drawing/2014/main" id="{A86E9FEE-BC94-4AEB-B58A-BF3DE7F39AFE}"/>
-              </a:ext>
-            </a:extLst>
-          </p:cNvPr>
+          <p:cNvPr id="5" name="Footer Placeholder 4"/>
           <p:cNvSpPr>
             <a:spLocks noGrp="1"/>
           </p:cNvSpPr>
@@ -4180,13 +4884,7 @@
       </p:sp>
       <p:sp>
         <p:nvSpPr>
-          <p:cNvPr id="6" name="Slide Number Placeholder 5">
-            <a:extLst>
-              <a:ext uri="{FF2B5EF4-FFF2-40B4-BE49-F238E27FC236}">
-                <a16:creationId xmlns:a16="http://schemas.microsoft.com/office/drawing/2014/main" id="{A5054A0D-C98D-405C-8FC0-707B2E561663}"/>
-              </a:ext>
-            </a:extLst>
-          </p:cNvPr>
+          <p:cNvPr id="6" name="Slide Number Placeholder 5"/>
           <p:cNvSpPr>
             <a:spLocks noGrp="1"/>
           </p:cNvSpPr>
@@ -4210,7 +4908,7 @@
     </p:spTree>
     <p:extLst>
       <p:ext uri="{BB962C8B-B14F-4D97-AF65-F5344CB8AC3E}">
-        <p14:creationId xmlns:p14="http://schemas.microsoft.com/office/powerpoint/2010/main" val="1248963405"/>
+        <p14:creationId xmlns:p14="http://schemas.microsoft.com/office/powerpoint/2010/main" val="2857607483"/>
       </p:ext>
     </p:extLst>
   </p:cSld>
@@ -4221,7 +4919,7 @@
 </file>
 
 <file path=ppt/slideLayouts/slideLayout11.xml><?xml version="1.0" encoding="utf-8"?>
-<p:sldLayout xmlns:a="http://schemas.openxmlformats.org/drawingml/2006/main" xmlns:r="http://schemas.openxmlformats.org/officeDocument/2006/relationships" xmlns:p="http://schemas.openxmlformats.org/presentationml/2006/main" type="vertTitleAndTx" preserve="1">
+<p:sldLayout xmlns:a="http://schemas.openxmlformats.org/drawingml/2006/main" xmlns:r="http://schemas.openxmlformats.org/officeDocument/2006/relationships" xmlns:p="http://schemas.openxmlformats.org/presentationml/2006/main" showMasterSp="0" type="vertTitleAndTx" preserve="1">
   <p:cSld name="Vertical Title and Text">
     <p:spTree>
       <p:nvGrpSpPr>
@@ -4239,13 +4937,85 @@
       </p:grpSpPr>
       <p:sp>
         <p:nvSpPr>
-          <p:cNvPr id="2" name="Vertical Title 1">
-            <a:extLst>
-              <a:ext uri="{FF2B5EF4-FFF2-40B4-BE49-F238E27FC236}">
-                <a16:creationId xmlns:a16="http://schemas.microsoft.com/office/drawing/2014/main" id="{5A8A2F26-61FF-4874-9AA1-410C9D5EBFCA}"/>
-              </a:ext>
-            </a:extLst>
-          </p:cNvPr>
+          <p:cNvPr id="7" name="Rectangle 6"/>
+          <p:cNvSpPr/>
+          <p:nvPr/>
+        </p:nvSpPr>
+        <p:spPr>
+          <a:xfrm>
+            <a:off x="3175" y="6400800"/>
+            <a:ext cx="12188825" cy="457200"/>
+          </a:xfrm>
+          <a:prstGeom prst="rect">
+            <a:avLst/>
+          </a:prstGeom>
+          <a:solidFill>
+            <a:schemeClr val="accent4">
+              <a:lumMod val="75000"/>
+            </a:schemeClr>
+          </a:solidFill>
+          <a:ln>
+            <a:noFill/>
+          </a:ln>
+        </p:spPr>
+        <p:style>
+          <a:lnRef idx="2">
+            <a:schemeClr val="accent1">
+              <a:shade val="50000"/>
+            </a:schemeClr>
+          </a:lnRef>
+          <a:fillRef idx="1">
+            <a:schemeClr val="accent1"/>
+          </a:fillRef>
+          <a:effectRef idx="0">
+            <a:schemeClr val="accent1"/>
+          </a:effectRef>
+          <a:fontRef idx="minor">
+            <a:schemeClr val="lt1"/>
+          </a:fontRef>
+        </p:style>
+      </p:sp>
+      <p:sp>
+        <p:nvSpPr>
+          <p:cNvPr id="8" name="Rectangle 7"/>
+          <p:cNvSpPr/>
+          <p:nvPr/>
+        </p:nvSpPr>
+        <p:spPr>
+          <a:xfrm>
+            <a:off x="15" y="6334316"/>
+            <a:ext cx="12188825" cy="64008"/>
+          </a:xfrm>
+          <a:prstGeom prst="rect">
+            <a:avLst/>
+          </a:prstGeom>
+          <a:solidFill>
+            <a:schemeClr val="accent4"/>
+          </a:solidFill>
+          <a:ln>
+            <a:noFill/>
+          </a:ln>
+        </p:spPr>
+        <p:style>
+          <a:lnRef idx="2">
+            <a:schemeClr val="accent1">
+              <a:shade val="50000"/>
+            </a:schemeClr>
+          </a:lnRef>
+          <a:fillRef idx="1">
+            <a:schemeClr val="accent1"/>
+          </a:fillRef>
+          <a:effectRef idx="0">
+            <a:schemeClr val="accent1"/>
+          </a:effectRef>
+          <a:fontRef idx="minor">
+            <a:schemeClr val="lt1"/>
+          </a:fontRef>
+        </p:style>
+      </p:sp>
+      <p:sp>
+        <p:nvSpPr>
+          <p:cNvPr id="2" name="Vertical Title 1"/>
           <p:cNvSpPr>
             <a:spLocks noGrp="1"/>
           </p:cNvSpPr>
@@ -4255,8 +5025,8 @@
         </p:nvSpPr>
         <p:spPr>
           <a:xfrm>
-            <a:off x="8724900" y="365125"/>
-            <a:ext cx="2628900" cy="5811838"/>
+            <a:off x="8724900" y="412302"/>
+            <a:ext cx="2628900" cy="5759898"/>
           </a:xfrm>
         </p:spPr>
         <p:txBody>
@@ -4267,19 +5037,13 @@
               <a:rPr lang="en-US"/>
               <a:t>Click to edit Master title style</a:t>
             </a:r>
-            <a:endParaRPr lang="en-GB"/>
+            <a:endParaRPr lang="en-US" dirty="0"/>
           </a:p>
         </p:txBody>
       </p:sp>
       <p:sp>
         <p:nvSpPr>
-          <p:cNvPr id="3" name="Vertical Text Placeholder 2">
-            <a:extLst>
-              <a:ext uri="{FF2B5EF4-FFF2-40B4-BE49-F238E27FC236}">
-                <a16:creationId xmlns:a16="http://schemas.microsoft.com/office/drawing/2014/main" id="{13AF1988-46C9-45D6-8095-CEA6F5042C06}"/>
-              </a:ext>
-            </a:extLst>
-          </p:cNvPr>
+          <p:cNvPr id="3" name="Vertical Text Placeholder 2"/>
           <p:cNvSpPr>
             <a:spLocks noGrp="1"/>
           </p:cNvSpPr>
@@ -4289,12 +5053,12 @@
         </p:nvSpPr>
         <p:spPr>
           <a:xfrm>
-            <a:off x="838200" y="365125"/>
-            <a:ext cx="7734300" cy="5811838"/>
+            <a:off x="838200" y="412302"/>
+            <a:ext cx="7734300" cy="5759898"/>
           </a:xfrm>
         </p:spPr>
         <p:txBody>
-          <a:bodyPr vert="eaVert"/>
+          <a:bodyPr vert="eaVert" lIns="45720" tIns="0" rIns="45720" bIns="0"/>
           <a:lstStyle/>
           <a:p>
             <a:pPr lvl="0"/>
@@ -4330,19 +5094,13 @@
               <a:rPr lang="en-US"/>
               <a:t>Fifth level</a:t>
             </a:r>
-            <a:endParaRPr lang="en-GB"/>
+            <a:endParaRPr lang="en-US" dirty="0"/>
           </a:p>
         </p:txBody>
       </p:sp>
       <p:sp>
         <p:nvSpPr>
-          <p:cNvPr id="4" name="Date Placeholder 3">
-            <a:extLst>
-              <a:ext uri="{FF2B5EF4-FFF2-40B4-BE49-F238E27FC236}">
-                <a16:creationId xmlns:a16="http://schemas.microsoft.com/office/drawing/2014/main" id="{B465AC0B-86BC-468A-9CBF-68E9457122A9}"/>
-              </a:ext>
-            </a:extLst>
-          </p:cNvPr>
+          <p:cNvPr id="4" name="Date Placeholder 3"/>
           <p:cNvSpPr>
             <a:spLocks noGrp="1"/>
           </p:cNvSpPr>
@@ -4357,7 +5115,7 @@
           <a:p>
             <a:fld id="{0CD94E99-FA29-4EFF-88BE-3447E30E8C4D}" type="datetimeFigureOut">
               <a:rPr lang="en-GB" smtClean="0"/>
-              <a:t>05/02/2024</a:t>
+              <a:t>07/02/2024</a:t>
             </a:fld>
             <a:endParaRPr lang="en-GB"/>
           </a:p>
@@ -4365,13 +5123,7 @@
       </p:sp>
       <p:sp>
         <p:nvSpPr>
-          <p:cNvPr id="5" name="Footer Placeholder 4">
-            <a:extLst>
-              <a:ext uri="{FF2B5EF4-FFF2-40B4-BE49-F238E27FC236}">
-                <a16:creationId xmlns:a16="http://schemas.microsoft.com/office/drawing/2014/main" id="{314C5625-7F9C-43FE-AFE4-C63C57A024A4}"/>
-              </a:ext>
-            </a:extLst>
-          </p:cNvPr>
+          <p:cNvPr id="5" name="Footer Placeholder 4"/>
           <p:cNvSpPr>
             <a:spLocks noGrp="1"/>
           </p:cNvSpPr>
@@ -4390,13 +5142,7 @@
       </p:sp>
       <p:sp>
         <p:nvSpPr>
-          <p:cNvPr id="6" name="Slide Number Placeholder 5">
-            <a:extLst>
-              <a:ext uri="{FF2B5EF4-FFF2-40B4-BE49-F238E27FC236}">
-                <a16:creationId xmlns:a16="http://schemas.microsoft.com/office/drawing/2014/main" id="{A82F1B4E-0D52-4D65-969D-361F237CE700}"/>
-              </a:ext>
-            </a:extLst>
-          </p:cNvPr>
+          <p:cNvPr id="6" name="Slide Number Placeholder 5"/>
           <p:cNvSpPr>
             <a:spLocks noGrp="1"/>
           </p:cNvSpPr>
@@ -4420,7 +5166,7 @@
     </p:spTree>
     <p:extLst>
       <p:ext uri="{BB962C8B-B14F-4D97-AF65-F5344CB8AC3E}">
-        <p14:creationId xmlns:p14="http://schemas.microsoft.com/office/powerpoint/2010/main" val="2131809592"/>
+        <p14:creationId xmlns:p14="http://schemas.microsoft.com/office/powerpoint/2010/main" val="1851286086"/>
       </p:ext>
     </p:extLst>
   </p:cSld>
@@ -4449,13 +5195,7 @@
       </p:grpSpPr>
       <p:sp>
         <p:nvSpPr>
-          <p:cNvPr id="2" name="Title 1">
-            <a:extLst>
-              <a:ext uri="{FF2B5EF4-FFF2-40B4-BE49-F238E27FC236}">
-                <a16:creationId xmlns:a16="http://schemas.microsoft.com/office/drawing/2014/main" id="{D549DA0C-C775-40C6-AE65-118F4C6686E1}"/>
-              </a:ext>
-            </a:extLst>
-          </p:cNvPr>
+          <p:cNvPr id="2" name="Title 1"/>
           <p:cNvSpPr>
             <a:spLocks noGrp="1"/>
           </p:cNvSpPr>
@@ -4472,19 +5212,13 @@
               <a:rPr lang="en-US"/>
               <a:t>Click to edit Master title style</a:t>
             </a:r>
-            <a:endParaRPr lang="en-GB"/>
+            <a:endParaRPr lang="en-US" dirty="0"/>
           </a:p>
         </p:txBody>
       </p:sp>
       <p:sp>
         <p:nvSpPr>
-          <p:cNvPr id="3" name="Content Placeholder 2">
-            <a:extLst>
-              <a:ext uri="{FF2B5EF4-FFF2-40B4-BE49-F238E27FC236}">
-                <a16:creationId xmlns:a16="http://schemas.microsoft.com/office/drawing/2014/main" id="{9F632C0F-3A38-45CB-A092-EBE478F47753}"/>
-              </a:ext>
-            </a:extLst>
-          </p:cNvPr>
+          <p:cNvPr id="3" name="Content Placeholder 2"/>
           <p:cNvSpPr>
             <a:spLocks noGrp="1"/>
           </p:cNvSpPr>
@@ -4530,19 +5264,13 @@
               <a:rPr lang="en-US"/>
               <a:t>Fifth level</a:t>
             </a:r>
-            <a:endParaRPr lang="en-GB"/>
+            <a:endParaRPr lang="en-US" dirty="0"/>
           </a:p>
         </p:txBody>
       </p:sp>
       <p:sp>
         <p:nvSpPr>
-          <p:cNvPr id="4" name="Date Placeholder 3">
-            <a:extLst>
-              <a:ext uri="{FF2B5EF4-FFF2-40B4-BE49-F238E27FC236}">
-                <a16:creationId xmlns:a16="http://schemas.microsoft.com/office/drawing/2014/main" id="{05013FF2-0A15-4E12-8FFA-AA344A901EE1}"/>
-              </a:ext>
-            </a:extLst>
-          </p:cNvPr>
+          <p:cNvPr id="4" name="Date Placeholder 3"/>
           <p:cNvSpPr>
             <a:spLocks noGrp="1"/>
           </p:cNvSpPr>
@@ -4557,7 +5285,7 @@
           <a:p>
             <a:fld id="{0CD94E99-FA29-4EFF-88BE-3447E30E8C4D}" type="datetimeFigureOut">
               <a:rPr lang="en-GB" smtClean="0"/>
-              <a:t>05/02/2024</a:t>
+              <a:t>07/02/2024</a:t>
             </a:fld>
             <a:endParaRPr lang="en-GB"/>
           </a:p>
@@ -4565,13 +5293,7 @@
       </p:sp>
       <p:sp>
         <p:nvSpPr>
-          <p:cNvPr id="5" name="Footer Placeholder 4">
-            <a:extLst>
-              <a:ext uri="{FF2B5EF4-FFF2-40B4-BE49-F238E27FC236}">
-                <a16:creationId xmlns:a16="http://schemas.microsoft.com/office/drawing/2014/main" id="{E5A631BF-3FE1-4D56-93CC-F556A9DA1AD3}"/>
-              </a:ext>
-            </a:extLst>
-          </p:cNvPr>
+          <p:cNvPr id="5" name="Footer Placeholder 4"/>
           <p:cNvSpPr>
             <a:spLocks noGrp="1"/>
           </p:cNvSpPr>
@@ -4590,13 +5312,7 @@
       </p:sp>
       <p:sp>
         <p:nvSpPr>
-          <p:cNvPr id="6" name="Slide Number Placeholder 5">
-            <a:extLst>
-              <a:ext uri="{FF2B5EF4-FFF2-40B4-BE49-F238E27FC236}">
-                <a16:creationId xmlns:a16="http://schemas.microsoft.com/office/drawing/2014/main" id="{0C7EBE31-DAB0-4434-9E71-4DDD26CCC468}"/>
-              </a:ext>
-            </a:extLst>
-          </p:cNvPr>
+          <p:cNvPr id="6" name="Slide Number Placeholder 5"/>
           <p:cNvSpPr>
             <a:spLocks noGrp="1"/>
           </p:cNvSpPr>
@@ -4620,7 +5336,7 @@
     </p:spTree>
     <p:extLst>
       <p:ext uri="{BB962C8B-B14F-4D97-AF65-F5344CB8AC3E}">
-        <p14:creationId xmlns:p14="http://schemas.microsoft.com/office/powerpoint/2010/main" val="573964148"/>
+        <p14:creationId xmlns:p14="http://schemas.microsoft.com/office/powerpoint/2010/main" val="3137031254"/>
       </p:ext>
     </p:extLst>
   </p:cSld>
@@ -4631,7 +5347,7 @@
 </file>
 
 <file path=ppt/slideLayouts/slideLayout3.xml><?xml version="1.0" encoding="utf-8"?>
-<p:sldLayout xmlns:a="http://schemas.openxmlformats.org/drawingml/2006/main" xmlns:r="http://schemas.openxmlformats.org/officeDocument/2006/relationships" xmlns:p="http://schemas.openxmlformats.org/presentationml/2006/main" type="secHead" preserve="1">
+<p:sldLayout xmlns:a="http://schemas.openxmlformats.org/drawingml/2006/main" xmlns:r="http://schemas.openxmlformats.org/officeDocument/2006/relationships" xmlns:p="http://schemas.openxmlformats.org/presentationml/2006/main" showMasterSp="0" type="secHead" preserve="1">
   <p:cSld name="Section Header">
     <p:spTree>
       <p:nvGrpSpPr>
@@ -4649,13 +5365,85 @@
       </p:grpSpPr>
       <p:sp>
         <p:nvSpPr>
-          <p:cNvPr id="2" name="Title 1">
-            <a:extLst>
-              <a:ext uri="{FF2B5EF4-FFF2-40B4-BE49-F238E27FC236}">
-                <a16:creationId xmlns:a16="http://schemas.microsoft.com/office/drawing/2014/main" id="{03321FB5-A604-4254-8D5F-B91B376F0AD7}"/>
-              </a:ext>
-            </a:extLst>
-          </p:cNvPr>
+          <p:cNvPr id="7" name="Rectangle 6"/>
+          <p:cNvSpPr/>
+          <p:nvPr/>
+        </p:nvSpPr>
+        <p:spPr>
+          <a:xfrm>
+            <a:off x="3175" y="6400800"/>
+            <a:ext cx="12188825" cy="457200"/>
+          </a:xfrm>
+          <a:prstGeom prst="rect">
+            <a:avLst/>
+          </a:prstGeom>
+          <a:solidFill>
+            <a:schemeClr val="accent4">
+              <a:lumMod val="75000"/>
+            </a:schemeClr>
+          </a:solidFill>
+          <a:ln>
+            <a:noFill/>
+          </a:ln>
+        </p:spPr>
+        <p:style>
+          <a:lnRef idx="2">
+            <a:schemeClr val="accent1">
+              <a:shade val="50000"/>
+            </a:schemeClr>
+          </a:lnRef>
+          <a:fillRef idx="1">
+            <a:schemeClr val="accent1"/>
+          </a:fillRef>
+          <a:effectRef idx="0">
+            <a:schemeClr val="accent1"/>
+          </a:effectRef>
+          <a:fontRef idx="minor">
+            <a:schemeClr val="lt1"/>
+          </a:fontRef>
+        </p:style>
+      </p:sp>
+      <p:sp>
+        <p:nvSpPr>
+          <p:cNvPr id="8" name="Rectangle 7"/>
+          <p:cNvSpPr/>
+          <p:nvPr/>
+        </p:nvSpPr>
+        <p:spPr>
+          <a:xfrm>
+            <a:off x="15" y="6334316"/>
+            <a:ext cx="12188825" cy="64008"/>
+          </a:xfrm>
+          <a:prstGeom prst="rect">
+            <a:avLst/>
+          </a:prstGeom>
+          <a:solidFill>
+            <a:schemeClr val="accent4"/>
+          </a:solidFill>
+          <a:ln>
+            <a:noFill/>
+          </a:ln>
+        </p:spPr>
+        <p:style>
+          <a:lnRef idx="2">
+            <a:schemeClr val="accent1">
+              <a:shade val="50000"/>
+            </a:schemeClr>
+          </a:lnRef>
+          <a:fillRef idx="1">
+            <a:schemeClr val="accent1"/>
+          </a:fillRef>
+          <a:effectRef idx="0">
+            <a:schemeClr val="accent1"/>
+          </a:effectRef>
+          <a:fontRef idx="minor">
+            <a:schemeClr val="lt1"/>
+          </a:fontRef>
+        </p:style>
+      </p:sp>
+      <p:sp>
+        <p:nvSpPr>
+          <p:cNvPr id="2" name="Title 1"/>
           <p:cNvSpPr>
             <a:spLocks noGrp="1"/>
           </p:cNvSpPr>
@@ -4665,15 +5453,27 @@
         </p:nvSpPr>
         <p:spPr>
           <a:xfrm>
-            <a:off x="831850" y="1709738"/>
-            <a:ext cx="10515600" cy="2852737"/>
+            <a:off x="1097280" y="758952"/>
+            <a:ext cx="10058400" cy="3566160"/>
           </a:xfrm>
         </p:spPr>
         <p:txBody>
-          <a:bodyPr anchor="b"/>
+          <a:bodyPr anchor="b" anchorCtr="0">
+            <a:normAutofit/>
+          </a:bodyPr>
           <a:lstStyle>
             <a:lvl1pPr>
-              <a:defRPr sz="6000"/>
+              <a:lnSpc>
+                <a:spcPct val="85000"/>
+              </a:lnSpc>
+              <a:defRPr sz="8000" b="0">
+                <a:solidFill>
+                  <a:schemeClr val="tx1">
+                    <a:lumMod val="85000"/>
+                    <a:lumOff val="15000"/>
+                  </a:schemeClr>
+                </a:solidFill>
+              </a:defRPr>
             </a:lvl1pPr>
           </a:lstStyle>
           <a:p>
@@ -4681,19 +5481,13 @@
               <a:rPr lang="en-US"/>
               <a:t>Click to edit Master title style</a:t>
             </a:r>
-            <a:endParaRPr lang="en-GB"/>
+            <a:endParaRPr lang="en-US" dirty="0"/>
           </a:p>
         </p:txBody>
       </p:sp>
       <p:sp>
         <p:nvSpPr>
-          <p:cNvPr id="3" name="Text Placeholder 2">
-            <a:extLst>
-              <a:ext uri="{FF2B5EF4-FFF2-40B4-BE49-F238E27FC236}">
-                <a16:creationId xmlns:a16="http://schemas.microsoft.com/office/drawing/2014/main" id="{97090B6C-C37D-45DB-9C4E-407BD778C338}"/>
-              </a:ext>
-            </a:extLst>
-          </p:cNvPr>
+          <p:cNvPr id="3" name="Text Placeholder 2"/>
           <p:cNvSpPr>
             <a:spLocks noGrp="1"/>
           </p:cNvSpPr>
@@ -4703,26 +5497,27 @@
         </p:nvSpPr>
         <p:spPr>
           <a:xfrm>
-            <a:off x="831850" y="4589463"/>
-            <a:ext cx="10515600" cy="1500187"/>
+            <a:off x="1097280" y="4453128"/>
+            <a:ext cx="10058400" cy="1143000"/>
           </a:xfrm>
         </p:spPr>
         <p:txBody>
-          <a:bodyPr/>
+          <a:bodyPr lIns="91440" rIns="91440" anchor="t" anchorCtr="0">
+            <a:normAutofit/>
+          </a:bodyPr>
           <a:lstStyle>
             <a:lvl1pPr marL="0" indent="0">
               <a:buNone/>
-              <a:defRPr sz="2400">
+              <a:defRPr sz="2400" cap="all" spc="200" baseline="0">
                 <a:solidFill>
-                  <a:schemeClr val="tx1">
-                    <a:tint val="75000"/>
-                  </a:schemeClr>
+                  <a:schemeClr val="tx2"/>
                 </a:solidFill>
+                <a:latin typeface="+mj-lt"/>
               </a:defRPr>
             </a:lvl1pPr>
             <a:lvl2pPr marL="457200" indent="0">
               <a:buNone/>
-              <a:defRPr sz="2000">
+              <a:defRPr sz="1800">
                 <a:solidFill>
                   <a:schemeClr val="tx1">
                     <a:tint val="75000"/>
@@ -4732,7 +5527,7 @@
             </a:lvl2pPr>
             <a:lvl3pPr marL="914400" indent="0">
               <a:buNone/>
-              <a:defRPr sz="1800">
+              <a:defRPr sz="1600">
                 <a:solidFill>
                   <a:schemeClr val="tx1">
                     <a:tint val="75000"/>
@@ -4742,7 +5537,7 @@
             </a:lvl3pPr>
             <a:lvl4pPr marL="1371600" indent="0">
               <a:buNone/>
-              <a:defRPr sz="1600">
+              <a:defRPr sz="1400">
                 <a:solidFill>
                   <a:schemeClr val="tx1">
                     <a:tint val="75000"/>
@@ -4752,7 +5547,7 @@
             </a:lvl4pPr>
             <a:lvl5pPr marL="1828800" indent="0">
               <a:buNone/>
-              <a:defRPr sz="1600">
+              <a:defRPr sz="1400">
                 <a:solidFill>
                   <a:schemeClr val="tx1">
                     <a:tint val="75000"/>
@@ -4762,7 +5557,7 @@
             </a:lvl5pPr>
             <a:lvl6pPr marL="2286000" indent="0">
               <a:buNone/>
-              <a:defRPr sz="1600">
+              <a:defRPr sz="1400">
                 <a:solidFill>
                   <a:schemeClr val="tx1">
                     <a:tint val="75000"/>
@@ -4772,7 +5567,7 @@
             </a:lvl6pPr>
             <a:lvl7pPr marL="2743200" indent="0">
               <a:buNone/>
-              <a:defRPr sz="1600">
+              <a:defRPr sz="1400">
                 <a:solidFill>
                   <a:schemeClr val="tx1">
                     <a:tint val="75000"/>
@@ -4782,7 +5577,7 @@
             </a:lvl7pPr>
             <a:lvl8pPr marL="3200400" indent="0">
               <a:buNone/>
-              <a:defRPr sz="1600">
+              <a:defRPr sz="1400">
                 <a:solidFill>
                   <a:schemeClr val="tx1">
                     <a:tint val="75000"/>
@@ -4792,7 +5587,7 @@
             </a:lvl8pPr>
             <a:lvl9pPr marL="3657600" indent="0">
               <a:buNone/>
-              <a:defRPr sz="1600">
+              <a:defRPr sz="1400">
                 <a:solidFill>
                   <a:schemeClr val="tx1">
                     <a:tint val="75000"/>
@@ -4812,13 +5607,7 @@
       </p:sp>
       <p:sp>
         <p:nvSpPr>
-          <p:cNvPr id="4" name="Date Placeholder 3">
-            <a:extLst>
-              <a:ext uri="{FF2B5EF4-FFF2-40B4-BE49-F238E27FC236}">
-                <a16:creationId xmlns:a16="http://schemas.microsoft.com/office/drawing/2014/main" id="{EB923A36-6F45-4F80-B758-C8C3EB55E9CB}"/>
-              </a:ext>
-            </a:extLst>
-          </p:cNvPr>
+          <p:cNvPr id="4" name="Date Placeholder 3"/>
           <p:cNvSpPr>
             <a:spLocks noGrp="1"/>
           </p:cNvSpPr>
@@ -4833,7 +5622,7 @@
           <a:p>
             <a:fld id="{0CD94E99-FA29-4EFF-88BE-3447E30E8C4D}" type="datetimeFigureOut">
               <a:rPr lang="en-GB" smtClean="0"/>
-              <a:t>05/02/2024</a:t>
+              <a:t>07/02/2024</a:t>
             </a:fld>
             <a:endParaRPr lang="en-GB"/>
           </a:p>
@@ -4841,13 +5630,7 @@
       </p:sp>
       <p:sp>
         <p:nvSpPr>
-          <p:cNvPr id="5" name="Footer Placeholder 4">
-            <a:extLst>
-              <a:ext uri="{FF2B5EF4-FFF2-40B4-BE49-F238E27FC236}">
-                <a16:creationId xmlns:a16="http://schemas.microsoft.com/office/drawing/2014/main" id="{F6F7FA64-EB3E-4FAD-B382-70397D7481BF}"/>
-              </a:ext>
-            </a:extLst>
-          </p:cNvPr>
+          <p:cNvPr id="5" name="Footer Placeholder 4"/>
           <p:cNvSpPr>
             <a:spLocks noGrp="1"/>
           </p:cNvSpPr>
@@ -4866,13 +5649,7 @@
       </p:sp>
       <p:sp>
         <p:nvSpPr>
-          <p:cNvPr id="6" name="Slide Number Placeholder 5">
-            <a:extLst>
-              <a:ext uri="{FF2B5EF4-FFF2-40B4-BE49-F238E27FC236}">
-                <a16:creationId xmlns:a16="http://schemas.microsoft.com/office/drawing/2014/main" id="{D80E8345-8283-4A56-9395-B6AB6054949C}"/>
-              </a:ext>
-            </a:extLst>
-          </p:cNvPr>
+          <p:cNvPr id="6" name="Slide Number Placeholder 5"/>
           <p:cNvSpPr>
             <a:spLocks noGrp="1"/>
           </p:cNvSpPr>
@@ -4893,10 +5670,48 @@
           </a:p>
         </p:txBody>
       </p:sp>
+      <p:cxnSp>
+        <p:nvCxnSpPr>
+          <p:cNvPr id="9" name="Straight Connector 8"/>
+          <p:cNvCxnSpPr/>
+          <p:nvPr/>
+        </p:nvCxnSpPr>
+        <p:spPr>
+          <a:xfrm>
+            <a:off x="1207658" y="4343400"/>
+            <a:ext cx="9875520" cy="0"/>
+          </a:xfrm>
+          <a:prstGeom prst="line">
+            <a:avLst/>
+          </a:prstGeom>
+          <a:ln w="6350">
+            <a:solidFill>
+              <a:schemeClr val="tx1">
+                <a:lumMod val="50000"/>
+                <a:lumOff val="50000"/>
+              </a:schemeClr>
+            </a:solidFill>
+          </a:ln>
+        </p:spPr>
+        <p:style>
+          <a:lnRef idx="1">
+            <a:schemeClr val="accent1"/>
+          </a:lnRef>
+          <a:fillRef idx="0">
+            <a:schemeClr val="accent1"/>
+          </a:fillRef>
+          <a:effectRef idx="0">
+            <a:schemeClr val="accent1"/>
+          </a:effectRef>
+          <a:fontRef idx="minor">
+            <a:schemeClr val="tx1"/>
+          </a:fontRef>
+        </p:style>
+      </p:cxnSp>
     </p:spTree>
     <p:extLst>
       <p:ext uri="{BB962C8B-B14F-4D97-AF65-F5344CB8AC3E}">
-        <p14:creationId xmlns:p14="http://schemas.microsoft.com/office/powerpoint/2010/main" val="3411050594"/>
+        <p14:creationId xmlns:p14="http://schemas.microsoft.com/office/powerpoint/2010/main" val="87194569"/>
       </p:ext>
     </p:extLst>
   </p:cSld>
@@ -4925,13 +5740,7 @@
       </p:grpSpPr>
       <p:sp>
         <p:nvSpPr>
-          <p:cNvPr id="2" name="Title 1">
-            <a:extLst>
-              <a:ext uri="{FF2B5EF4-FFF2-40B4-BE49-F238E27FC236}">
-                <a16:creationId xmlns:a16="http://schemas.microsoft.com/office/drawing/2014/main" id="{C94E624F-DF64-40FD-8750-4B98BD3B2C7C}"/>
-              </a:ext>
-            </a:extLst>
-          </p:cNvPr>
+          <p:cNvPr id="8" name="Title 7"/>
           <p:cNvSpPr>
             <a:spLocks noGrp="1"/>
           </p:cNvSpPr>
@@ -4939,7 +5748,12 @@
             <p:ph type="title"/>
           </p:nvPr>
         </p:nvSpPr>
-        <p:spPr/>
+        <p:spPr>
+          <a:xfrm>
+            <a:off x="1097280" y="286603"/>
+            <a:ext cx="10058400" cy="1450757"/>
+          </a:xfrm>
+        </p:spPr>
         <p:txBody>
           <a:bodyPr/>
           <a:lstStyle/>
@@ -4948,19 +5762,13 @@
               <a:rPr lang="en-US"/>
               <a:t>Click to edit Master title style</a:t>
             </a:r>
-            <a:endParaRPr lang="en-GB"/>
+            <a:endParaRPr lang="en-US" dirty="0"/>
           </a:p>
         </p:txBody>
       </p:sp>
       <p:sp>
         <p:nvSpPr>
-          <p:cNvPr id="3" name="Content Placeholder 2">
-            <a:extLst>
-              <a:ext uri="{FF2B5EF4-FFF2-40B4-BE49-F238E27FC236}">
-                <a16:creationId xmlns:a16="http://schemas.microsoft.com/office/drawing/2014/main" id="{DEB84CF9-C6E4-4831-BCED-62C5AB7972AE}"/>
-              </a:ext>
-            </a:extLst>
-          </p:cNvPr>
+          <p:cNvPr id="3" name="Content Placeholder 2"/>
           <p:cNvSpPr>
             <a:spLocks noGrp="1"/>
           </p:cNvSpPr>
@@ -4970,8 +5778,8 @@
         </p:nvSpPr>
         <p:spPr>
           <a:xfrm>
-            <a:off x="838200" y="1825625"/>
-            <a:ext cx="5181600" cy="4351338"/>
+            <a:off x="1097278" y="1845734"/>
+            <a:ext cx="4937760" cy="4023360"/>
           </a:xfrm>
         </p:spPr>
         <p:txBody>
@@ -5011,19 +5819,13 @@
               <a:rPr lang="en-US"/>
               <a:t>Fifth level</a:t>
             </a:r>
-            <a:endParaRPr lang="en-GB"/>
+            <a:endParaRPr lang="en-US" dirty="0"/>
           </a:p>
         </p:txBody>
       </p:sp>
       <p:sp>
         <p:nvSpPr>
-          <p:cNvPr id="4" name="Content Placeholder 3">
-            <a:extLst>
-              <a:ext uri="{FF2B5EF4-FFF2-40B4-BE49-F238E27FC236}">
-                <a16:creationId xmlns:a16="http://schemas.microsoft.com/office/drawing/2014/main" id="{BE3E32FC-3E13-4790-9C68-5A743680216F}"/>
-              </a:ext>
-            </a:extLst>
-          </p:cNvPr>
+          <p:cNvPr id="4" name="Content Placeholder 3"/>
           <p:cNvSpPr>
             <a:spLocks noGrp="1"/>
           </p:cNvSpPr>
@@ -5033,8 +5835,8 @@
         </p:nvSpPr>
         <p:spPr>
           <a:xfrm>
-            <a:off x="6172200" y="1825625"/>
-            <a:ext cx="5181600" cy="4351338"/>
+            <a:off x="6217920" y="1845735"/>
+            <a:ext cx="4937760" cy="4023360"/>
           </a:xfrm>
         </p:spPr>
         <p:txBody>
@@ -5074,19 +5876,13 @@
               <a:rPr lang="en-US"/>
               <a:t>Fifth level</a:t>
             </a:r>
-            <a:endParaRPr lang="en-GB"/>
+            <a:endParaRPr lang="en-US" dirty="0"/>
           </a:p>
         </p:txBody>
       </p:sp>
       <p:sp>
         <p:nvSpPr>
-          <p:cNvPr id="5" name="Date Placeholder 4">
-            <a:extLst>
-              <a:ext uri="{FF2B5EF4-FFF2-40B4-BE49-F238E27FC236}">
-                <a16:creationId xmlns:a16="http://schemas.microsoft.com/office/drawing/2014/main" id="{415B756A-EEBD-4CF9-8737-E114754818B0}"/>
-              </a:ext>
-            </a:extLst>
-          </p:cNvPr>
+          <p:cNvPr id="5" name="Date Placeholder 4"/>
           <p:cNvSpPr>
             <a:spLocks noGrp="1"/>
           </p:cNvSpPr>
@@ -5101,7 +5897,7 @@
           <a:p>
             <a:fld id="{0CD94E99-FA29-4EFF-88BE-3447E30E8C4D}" type="datetimeFigureOut">
               <a:rPr lang="en-GB" smtClean="0"/>
-              <a:t>05/02/2024</a:t>
+              <a:t>07/02/2024</a:t>
             </a:fld>
             <a:endParaRPr lang="en-GB"/>
           </a:p>
@@ -5109,13 +5905,7 @@
       </p:sp>
       <p:sp>
         <p:nvSpPr>
-          <p:cNvPr id="6" name="Footer Placeholder 5">
-            <a:extLst>
-              <a:ext uri="{FF2B5EF4-FFF2-40B4-BE49-F238E27FC236}">
-                <a16:creationId xmlns:a16="http://schemas.microsoft.com/office/drawing/2014/main" id="{9F8B4DD2-2CDE-45AC-824D-1B4723DE14F9}"/>
-              </a:ext>
-            </a:extLst>
-          </p:cNvPr>
+          <p:cNvPr id="6" name="Footer Placeholder 5"/>
           <p:cNvSpPr>
             <a:spLocks noGrp="1"/>
           </p:cNvSpPr>
@@ -5134,13 +5924,7 @@
       </p:sp>
       <p:sp>
         <p:nvSpPr>
-          <p:cNvPr id="7" name="Slide Number Placeholder 6">
-            <a:extLst>
-              <a:ext uri="{FF2B5EF4-FFF2-40B4-BE49-F238E27FC236}">
-                <a16:creationId xmlns:a16="http://schemas.microsoft.com/office/drawing/2014/main" id="{3F8E4552-5135-4D06-9BED-EFF3391E70D6}"/>
-              </a:ext>
-            </a:extLst>
-          </p:cNvPr>
+          <p:cNvPr id="7" name="Slide Number Placeholder 6"/>
           <p:cNvSpPr>
             <a:spLocks noGrp="1"/>
           </p:cNvSpPr>
@@ -5164,7 +5948,7 @@
     </p:spTree>
     <p:extLst>
       <p:ext uri="{BB962C8B-B14F-4D97-AF65-F5344CB8AC3E}">
-        <p14:creationId xmlns:p14="http://schemas.microsoft.com/office/powerpoint/2010/main" val="526117890"/>
+        <p14:creationId xmlns:p14="http://schemas.microsoft.com/office/powerpoint/2010/main" val="3829222606"/>
       </p:ext>
     </p:extLst>
   </p:cSld>
@@ -5193,13 +5977,7 @@
       </p:grpSpPr>
       <p:sp>
         <p:nvSpPr>
-          <p:cNvPr id="2" name="Title 1">
-            <a:extLst>
-              <a:ext uri="{FF2B5EF4-FFF2-40B4-BE49-F238E27FC236}">
-                <a16:creationId xmlns:a16="http://schemas.microsoft.com/office/drawing/2014/main" id="{52F75DFA-8551-4C93-AA50-07D1F61D2916}"/>
-              </a:ext>
-            </a:extLst>
-          </p:cNvPr>
+          <p:cNvPr id="10" name="Title 9"/>
           <p:cNvSpPr>
             <a:spLocks noGrp="1"/>
           </p:cNvSpPr>
@@ -5209,8 +5987,8 @@
         </p:nvSpPr>
         <p:spPr>
           <a:xfrm>
-            <a:off x="839788" y="365125"/>
-            <a:ext cx="10515600" cy="1325563"/>
+            <a:off x="1097280" y="286603"/>
+            <a:ext cx="10058400" cy="1450757"/>
           </a:xfrm>
         </p:spPr>
         <p:txBody>
@@ -5221,19 +5999,13 @@
               <a:rPr lang="en-US"/>
               <a:t>Click to edit Master title style</a:t>
             </a:r>
-            <a:endParaRPr lang="en-GB"/>
+            <a:endParaRPr lang="en-US" dirty="0"/>
           </a:p>
         </p:txBody>
       </p:sp>
       <p:sp>
         <p:nvSpPr>
-          <p:cNvPr id="3" name="Text Placeholder 2">
-            <a:extLst>
-              <a:ext uri="{FF2B5EF4-FFF2-40B4-BE49-F238E27FC236}">
-                <a16:creationId xmlns:a16="http://schemas.microsoft.com/office/drawing/2014/main" id="{902D7325-24F4-42C8-B9DB-91A786044FC9}"/>
-              </a:ext>
-            </a:extLst>
-          </p:cNvPr>
+          <p:cNvPr id="3" name="Text Placeholder 2"/>
           <p:cNvSpPr>
             <a:spLocks noGrp="1"/>
           </p:cNvSpPr>
@@ -5243,16 +6015,22 @@
         </p:nvSpPr>
         <p:spPr>
           <a:xfrm>
-            <a:off x="839788" y="1681163"/>
-            <a:ext cx="5157787" cy="823912"/>
+            <a:off x="1097280" y="1846052"/>
+            <a:ext cx="4937760" cy="736282"/>
           </a:xfrm>
         </p:spPr>
         <p:txBody>
-          <a:bodyPr anchor="b"/>
+          <a:bodyPr lIns="91440" rIns="91440" anchor="ctr">
+            <a:normAutofit/>
+          </a:bodyPr>
           <a:lstStyle>
             <a:lvl1pPr marL="0" indent="0">
               <a:buNone/>
-              <a:defRPr sz="2400" b="1"/>
+              <a:defRPr sz="2000" b="0" cap="all" baseline="0">
+                <a:solidFill>
+                  <a:schemeClr val="tx2"/>
+                </a:solidFill>
+              </a:defRPr>
             </a:lvl1pPr>
             <a:lvl2pPr marL="457200" indent="0">
               <a:buNone/>
@@ -5298,13 +6076,7 @@
       </p:sp>
       <p:sp>
         <p:nvSpPr>
-          <p:cNvPr id="4" name="Content Placeholder 3">
-            <a:extLst>
-              <a:ext uri="{FF2B5EF4-FFF2-40B4-BE49-F238E27FC236}">
-                <a16:creationId xmlns:a16="http://schemas.microsoft.com/office/drawing/2014/main" id="{D88C689F-DC8F-43CB-9BA9-D36EEBAAFC4F}"/>
-              </a:ext>
-            </a:extLst>
-          </p:cNvPr>
+          <p:cNvPr id="4" name="Content Placeholder 3"/>
           <p:cNvSpPr>
             <a:spLocks noGrp="1"/>
           </p:cNvSpPr>
@@ -5314,8 +6086,8 @@
         </p:nvSpPr>
         <p:spPr>
           <a:xfrm>
-            <a:off x="839788" y="2505075"/>
-            <a:ext cx="5157787" cy="3684588"/>
+            <a:off x="1097280" y="2582334"/>
+            <a:ext cx="4937760" cy="3378200"/>
           </a:xfrm>
         </p:spPr>
         <p:txBody>
@@ -5355,19 +6127,13 @@
               <a:rPr lang="en-US"/>
               <a:t>Fifth level</a:t>
             </a:r>
-            <a:endParaRPr lang="en-GB"/>
+            <a:endParaRPr lang="en-US" dirty="0"/>
           </a:p>
         </p:txBody>
       </p:sp>
       <p:sp>
         <p:nvSpPr>
-          <p:cNvPr id="5" name="Text Placeholder 4">
-            <a:extLst>
-              <a:ext uri="{FF2B5EF4-FFF2-40B4-BE49-F238E27FC236}">
-                <a16:creationId xmlns:a16="http://schemas.microsoft.com/office/drawing/2014/main" id="{3685D15D-6E79-459C-93DE-66B23ECABF89}"/>
-              </a:ext>
-            </a:extLst>
-          </p:cNvPr>
+          <p:cNvPr id="5" name="Text Placeholder 4"/>
           <p:cNvSpPr>
             <a:spLocks noGrp="1"/>
           </p:cNvSpPr>
@@ -5377,16 +6143,22 @@
         </p:nvSpPr>
         <p:spPr>
           <a:xfrm>
-            <a:off x="6172200" y="1681163"/>
-            <a:ext cx="5183188" cy="823912"/>
+            <a:off x="6217920" y="1846052"/>
+            <a:ext cx="4937760" cy="736282"/>
           </a:xfrm>
         </p:spPr>
         <p:txBody>
-          <a:bodyPr anchor="b"/>
+          <a:bodyPr lIns="91440" rIns="91440" anchor="ctr">
+            <a:normAutofit/>
+          </a:bodyPr>
           <a:lstStyle>
             <a:lvl1pPr marL="0" indent="0">
               <a:buNone/>
-              <a:defRPr sz="2400" b="1"/>
+              <a:defRPr sz="2000" b="0" cap="all" baseline="0">
+                <a:solidFill>
+                  <a:schemeClr val="tx2"/>
+                </a:solidFill>
+              </a:defRPr>
             </a:lvl1pPr>
             <a:lvl2pPr marL="457200" indent="0">
               <a:buNone/>
@@ -5432,13 +6204,7 @@
       </p:sp>
       <p:sp>
         <p:nvSpPr>
-          <p:cNvPr id="6" name="Content Placeholder 5">
-            <a:extLst>
-              <a:ext uri="{FF2B5EF4-FFF2-40B4-BE49-F238E27FC236}">
-                <a16:creationId xmlns:a16="http://schemas.microsoft.com/office/drawing/2014/main" id="{84B73721-AB08-4D42-A644-6C8FE514C6BC}"/>
-              </a:ext>
-            </a:extLst>
-          </p:cNvPr>
+          <p:cNvPr id="6" name="Content Placeholder 5"/>
           <p:cNvSpPr>
             <a:spLocks noGrp="1"/>
           </p:cNvSpPr>
@@ -5448,8 +6214,8 @@
         </p:nvSpPr>
         <p:spPr>
           <a:xfrm>
-            <a:off x="6172200" y="2505075"/>
-            <a:ext cx="5183188" cy="3684588"/>
+            <a:off x="6217920" y="2582334"/>
+            <a:ext cx="4937760" cy="3378200"/>
           </a:xfrm>
         </p:spPr>
         <p:txBody>
@@ -5489,19 +6255,13 @@
               <a:rPr lang="en-US"/>
               <a:t>Fifth level</a:t>
             </a:r>
-            <a:endParaRPr lang="en-GB"/>
+            <a:endParaRPr lang="en-US" dirty="0"/>
           </a:p>
         </p:txBody>
       </p:sp>
       <p:sp>
         <p:nvSpPr>
-          <p:cNvPr id="7" name="Date Placeholder 6">
-            <a:extLst>
-              <a:ext uri="{FF2B5EF4-FFF2-40B4-BE49-F238E27FC236}">
-                <a16:creationId xmlns:a16="http://schemas.microsoft.com/office/drawing/2014/main" id="{1DC620B3-EA31-4CB9-A8DF-95575F2DE6B4}"/>
-              </a:ext>
-            </a:extLst>
-          </p:cNvPr>
+          <p:cNvPr id="7" name="Date Placeholder 6"/>
           <p:cNvSpPr>
             <a:spLocks noGrp="1"/>
           </p:cNvSpPr>
@@ -5516,7 +6276,7 @@
           <a:p>
             <a:fld id="{0CD94E99-FA29-4EFF-88BE-3447E30E8C4D}" type="datetimeFigureOut">
               <a:rPr lang="en-GB" smtClean="0"/>
-              <a:t>05/02/2024</a:t>
+              <a:t>07/02/2024</a:t>
             </a:fld>
             <a:endParaRPr lang="en-GB"/>
           </a:p>
@@ -5524,13 +6284,7 @@
       </p:sp>
       <p:sp>
         <p:nvSpPr>
-          <p:cNvPr id="8" name="Footer Placeholder 7">
-            <a:extLst>
-              <a:ext uri="{FF2B5EF4-FFF2-40B4-BE49-F238E27FC236}">
-                <a16:creationId xmlns:a16="http://schemas.microsoft.com/office/drawing/2014/main" id="{D626A7D8-9BB5-4DA0-9D99-2E0B6E096DAD}"/>
-              </a:ext>
-            </a:extLst>
-          </p:cNvPr>
+          <p:cNvPr id="8" name="Footer Placeholder 7"/>
           <p:cNvSpPr>
             <a:spLocks noGrp="1"/>
           </p:cNvSpPr>
@@ -5549,13 +6303,7 @@
       </p:sp>
       <p:sp>
         <p:nvSpPr>
-          <p:cNvPr id="9" name="Slide Number Placeholder 8">
-            <a:extLst>
-              <a:ext uri="{FF2B5EF4-FFF2-40B4-BE49-F238E27FC236}">
-                <a16:creationId xmlns:a16="http://schemas.microsoft.com/office/drawing/2014/main" id="{E4FEA676-1CEA-4A9B-9940-F2738C6005BC}"/>
-              </a:ext>
-            </a:extLst>
-          </p:cNvPr>
+          <p:cNvPr id="9" name="Slide Number Placeholder 8"/>
           <p:cNvSpPr>
             <a:spLocks noGrp="1"/>
           </p:cNvSpPr>
@@ -5579,7 +6327,7 @@
     </p:spTree>
     <p:extLst>
       <p:ext uri="{BB962C8B-B14F-4D97-AF65-F5344CB8AC3E}">
-        <p14:creationId xmlns:p14="http://schemas.microsoft.com/office/powerpoint/2010/main" val="476705737"/>
+        <p14:creationId xmlns:p14="http://schemas.microsoft.com/office/powerpoint/2010/main" val="436610953"/>
       </p:ext>
     </p:extLst>
   </p:cSld>
@@ -5608,13 +6356,7 @@
       </p:grpSpPr>
       <p:sp>
         <p:nvSpPr>
-          <p:cNvPr id="2" name="Title 1">
-            <a:extLst>
-              <a:ext uri="{FF2B5EF4-FFF2-40B4-BE49-F238E27FC236}">
-                <a16:creationId xmlns:a16="http://schemas.microsoft.com/office/drawing/2014/main" id="{1BE81AD5-E3CA-4ABE-A24B-A6460546383A}"/>
-              </a:ext>
-            </a:extLst>
-          </p:cNvPr>
+          <p:cNvPr id="2" name="Title 1"/>
           <p:cNvSpPr>
             <a:spLocks noGrp="1"/>
           </p:cNvSpPr>
@@ -5631,19 +6373,13 @@
               <a:rPr lang="en-US"/>
               <a:t>Click to edit Master title style</a:t>
             </a:r>
-            <a:endParaRPr lang="en-GB"/>
+            <a:endParaRPr lang="en-US" dirty="0"/>
           </a:p>
         </p:txBody>
       </p:sp>
       <p:sp>
         <p:nvSpPr>
-          <p:cNvPr id="3" name="Date Placeholder 2">
-            <a:extLst>
-              <a:ext uri="{FF2B5EF4-FFF2-40B4-BE49-F238E27FC236}">
-                <a16:creationId xmlns:a16="http://schemas.microsoft.com/office/drawing/2014/main" id="{09AF2407-A531-4E76-865F-CE7B553BE5FB}"/>
-              </a:ext>
-            </a:extLst>
-          </p:cNvPr>
+          <p:cNvPr id="3" name="Date Placeholder 2"/>
           <p:cNvSpPr>
             <a:spLocks noGrp="1"/>
           </p:cNvSpPr>
@@ -5658,7 +6394,7 @@
           <a:p>
             <a:fld id="{0CD94E99-FA29-4EFF-88BE-3447E30E8C4D}" type="datetimeFigureOut">
               <a:rPr lang="en-GB" smtClean="0"/>
-              <a:t>05/02/2024</a:t>
+              <a:t>07/02/2024</a:t>
             </a:fld>
             <a:endParaRPr lang="en-GB"/>
           </a:p>
@@ -5666,13 +6402,7 @@
       </p:sp>
       <p:sp>
         <p:nvSpPr>
-          <p:cNvPr id="4" name="Footer Placeholder 3">
-            <a:extLst>
-              <a:ext uri="{FF2B5EF4-FFF2-40B4-BE49-F238E27FC236}">
-                <a16:creationId xmlns:a16="http://schemas.microsoft.com/office/drawing/2014/main" id="{85BAC4AC-E71C-45FB-95DF-8DF287E7C86D}"/>
-              </a:ext>
-            </a:extLst>
-          </p:cNvPr>
+          <p:cNvPr id="4" name="Footer Placeholder 3"/>
           <p:cNvSpPr>
             <a:spLocks noGrp="1"/>
           </p:cNvSpPr>
@@ -5691,13 +6421,7 @@
       </p:sp>
       <p:sp>
         <p:nvSpPr>
-          <p:cNvPr id="5" name="Slide Number Placeholder 4">
-            <a:extLst>
-              <a:ext uri="{FF2B5EF4-FFF2-40B4-BE49-F238E27FC236}">
-                <a16:creationId xmlns:a16="http://schemas.microsoft.com/office/drawing/2014/main" id="{5B65E0FA-3220-473D-B5A1-72661A0DC591}"/>
-              </a:ext>
-            </a:extLst>
-          </p:cNvPr>
+          <p:cNvPr id="5" name="Slide Number Placeholder 4"/>
           <p:cNvSpPr>
             <a:spLocks noGrp="1"/>
           </p:cNvSpPr>
@@ -5721,7 +6445,7 @@
     </p:spTree>
     <p:extLst>
       <p:ext uri="{BB962C8B-B14F-4D97-AF65-F5344CB8AC3E}">
-        <p14:creationId xmlns:p14="http://schemas.microsoft.com/office/powerpoint/2010/main" val="1143326095"/>
+        <p14:creationId xmlns:p14="http://schemas.microsoft.com/office/powerpoint/2010/main" val="1341179779"/>
       </p:ext>
     </p:extLst>
   </p:cSld>
@@ -5732,7 +6456,7 @@
 </file>
 
 <file path=ppt/slideLayouts/slideLayout7.xml><?xml version="1.0" encoding="utf-8"?>
-<p:sldLayout xmlns:a="http://schemas.openxmlformats.org/drawingml/2006/main" xmlns:r="http://schemas.openxmlformats.org/officeDocument/2006/relationships" xmlns:p="http://schemas.openxmlformats.org/presentationml/2006/main" type="blank" preserve="1">
+<p:sldLayout xmlns:a="http://schemas.openxmlformats.org/drawingml/2006/main" xmlns:r="http://schemas.openxmlformats.org/officeDocument/2006/relationships" xmlns:p="http://schemas.openxmlformats.org/presentationml/2006/main" showMasterSp="0" type="blank" preserve="1">
   <p:cSld name="Blank">
     <p:spTree>
       <p:nvGrpSpPr>
@@ -5750,13 +6474,85 @@
       </p:grpSpPr>
       <p:sp>
         <p:nvSpPr>
-          <p:cNvPr id="2" name="Date Placeholder 1">
-            <a:extLst>
-              <a:ext uri="{FF2B5EF4-FFF2-40B4-BE49-F238E27FC236}">
-                <a16:creationId xmlns:a16="http://schemas.microsoft.com/office/drawing/2014/main" id="{A24FCFD8-5D3B-451B-B38D-E2C5C3DBEA30}"/>
-              </a:ext>
-            </a:extLst>
-          </p:cNvPr>
+          <p:cNvPr id="5" name="Rectangle 4"/>
+          <p:cNvSpPr/>
+          <p:nvPr/>
+        </p:nvSpPr>
+        <p:spPr>
+          <a:xfrm>
+            <a:off x="3175" y="6400800"/>
+            <a:ext cx="12188825" cy="457200"/>
+          </a:xfrm>
+          <a:prstGeom prst="rect">
+            <a:avLst/>
+          </a:prstGeom>
+          <a:solidFill>
+            <a:schemeClr val="accent4">
+              <a:lumMod val="75000"/>
+            </a:schemeClr>
+          </a:solidFill>
+          <a:ln>
+            <a:noFill/>
+          </a:ln>
+        </p:spPr>
+        <p:style>
+          <a:lnRef idx="2">
+            <a:schemeClr val="accent1">
+              <a:shade val="50000"/>
+            </a:schemeClr>
+          </a:lnRef>
+          <a:fillRef idx="1">
+            <a:schemeClr val="accent1"/>
+          </a:fillRef>
+          <a:effectRef idx="0">
+            <a:schemeClr val="accent1"/>
+          </a:effectRef>
+          <a:fontRef idx="minor">
+            <a:schemeClr val="lt1"/>
+          </a:fontRef>
+        </p:style>
+      </p:sp>
+      <p:sp>
+        <p:nvSpPr>
+          <p:cNvPr id="6" name="Rectangle 5"/>
+          <p:cNvSpPr/>
+          <p:nvPr/>
+        </p:nvSpPr>
+        <p:spPr>
+          <a:xfrm>
+            <a:off x="15" y="6334316"/>
+            <a:ext cx="12188825" cy="64008"/>
+          </a:xfrm>
+          <a:prstGeom prst="rect">
+            <a:avLst/>
+          </a:prstGeom>
+          <a:solidFill>
+            <a:schemeClr val="accent4"/>
+          </a:solidFill>
+          <a:ln>
+            <a:noFill/>
+          </a:ln>
+        </p:spPr>
+        <p:style>
+          <a:lnRef idx="2">
+            <a:schemeClr val="accent1">
+              <a:shade val="50000"/>
+            </a:schemeClr>
+          </a:lnRef>
+          <a:fillRef idx="1">
+            <a:schemeClr val="accent1"/>
+          </a:fillRef>
+          <a:effectRef idx="0">
+            <a:schemeClr val="accent1"/>
+          </a:effectRef>
+          <a:fontRef idx="minor">
+            <a:schemeClr val="lt1"/>
+          </a:fontRef>
+        </p:style>
+      </p:sp>
+      <p:sp>
+        <p:nvSpPr>
+          <p:cNvPr id="7" name="Date Placeholder 6"/>
           <p:cNvSpPr>
             <a:spLocks noGrp="1"/>
           </p:cNvSpPr>
@@ -5771,7 +6567,7 @@
           <a:p>
             <a:fld id="{0CD94E99-FA29-4EFF-88BE-3447E30E8C4D}" type="datetimeFigureOut">
               <a:rPr lang="en-GB" smtClean="0"/>
-              <a:t>05/02/2024</a:t>
+              <a:t>07/02/2024</a:t>
             </a:fld>
             <a:endParaRPr lang="en-GB"/>
           </a:p>
@@ -5779,13 +6575,7 @@
       </p:sp>
       <p:sp>
         <p:nvSpPr>
-          <p:cNvPr id="3" name="Footer Placeholder 2">
-            <a:extLst>
-              <a:ext uri="{FF2B5EF4-FFF2-40B4-BE49-F238E27FC236}">
-                <a16:creationId xmlns:a16="http://schemas.microsoft.com/office/drawing/2014/main" id="{A0D9C30A-7425-455C-BEBB-DE6B5D4EA794}"/>
-              </a:ext>
-            </a:extLst>
-          </p:cNvPr>
+          <p:cNvPr id="8" name="Footer Placeholder 7"/>
           <p:cNvSpPr>
             <a:spLocks noGrp="1"/>
           </p:cNvSpPr>
@@ -5796,7 +6586,15 @@
         <p:spPr/>
         <p:txBody>
           <a:bodyPr/>
-          <a:lstStyle/>
+          <a:lstStyle>
+            <a:lvl1pPr>
+              <a:defRPr>
+                <a:solidFill>
+                  <a:srgbClr val="FFFFFF"/>
+                </a:solidFill>
+              </a:defRPr>
+            </a:lvl1pPr>
+          </a:lstStyle>
           <a:p>
             <a:endParaRPr lang="en-GB"/>
           </a:p>
@@ -5804,13 +6602,7 @@
       </p:sp>
       <p:sp>
         <p:nvSpPr>
-          <p:cNvPr id="4" name="Slide Number Placeholder 3">
-            <a:extLst>
-              <a:ext uri="{FF2B5EF4-FFF2-40B4-BE49-F238E27FC236}">
-                <a16:creationId xmlns:a16="http://schemas.microsoft.com/office/drawing/2014/main" id="{F139A28A-B5B4-4ADB-B933-CB3F2E649AD9}"/>
-              </a:ext>
-            </a:extLst>
-          </p:cNvPr>
+          <p:cNvPr id="9" name="Slide Number Placeholder 8"/>
           <p:cNvSpPr>
             <a:spLocks noGrp="1"/>
           </p:cNvSpPr>
@@ -5834,7 +6626,7 @@
     </p:spTree>
     <p:extLst>
       <p:ext uri="{BB962C8B-B14F-4D97-AF65-F5344CB8AC3E}">
-        <p14:creationId xmlns:p14="http://schemas.microsoft.com/office/powerpoint/2010/main" val="2543042453"/>
+        <p14:creationId xmlns:p14="http://schemas.microsoft.com/office/powerpoint/2010/main" val="3582148105"/>
       </p:ext>
     </p:extLst>
   </p:cSld>
@@ -5845,7 +6637,7 @@
 </file>
 
 <file path=ppt/slideLayouts/slideLayout8.xml><?xml version="1.0" encoding="utf-8"?>
-<p:sldLayout xmlns:a="http://schemas.openxmlformats.org/drawingml/2006/main" xmlns:r="http://schemas.openxmlformats.org/officeDocument/2006/relationships" xmlns:p="http://schemas.openxmlformats.org/presentationml/2006/main" type="objTx" preserve="1">
+<p:sldLayout xmlns:a="http://schemas.openxmlformats.org/drawingml/2006/main" xmlns:r="http://schemas.openxmlformats.org/officeDocument/2006/relationships" xmlns:p="http://schemas.openxmlformats.org/presentationml/2006/main" showMasterSp="0" type="objTx" preserve="1">
   <p:cSld name="Content with Caption">
     <p:spTree>
       <p:nvGrpSpPr>
@@ -5863,13 +6655,85 @@
       </p:grpSpPr>
       <p:sp>
         <p:nvSpPr>
-          <p:cNvPr id="2" name="Title 1">
-            <a:extLst>
-              <a:ext uri="{FF2B5EF4-FFF2-40B4-BE49-F238E27FC236}">
-                <a16:creationId xmlns:a16="http://schemas.microsoft.com/office/drawing/2014/main" id="{690C4D29-CBA0-495A-8F85-44D8C0729CD7}"/>
-              </a:ext>
-            </a:extLst>
-          </p:cNvPr>
+          <p:cNvPr id="8" name="Rectangle 7"/>
+          <p:cNvSpPr/>
+          <p:nvPr/>
+        </p:nvSpPr>
+        <p:spPr>
+          <a:xfrm>
+            <a:off x="16" y="0"/>
+            <a:ext cx="4050791" cy="6858000"/>
+          </a:xfrm>
+          <a:prstGeom prst="rect">
+            <a:avLst/>
+          </a:prstGeom>
+          <a:solidFill>
+            <a:schemeClr val="accent4">
+              <a:lumMod val="75000"/>
+            </a:schemeClr>
+          </a:solidFill>
+          <a:ln>
+            <a:noFill/>
+          </a:ln>
+        </p:spPr>
+        <p:style>
+          <a:lnRef idx="2">
+            <a:schemeClr val="accent1">
+              <a:shade val="50000"/>
+            </a:schemeClr>
+          </a:lnRef>
+          <a:fillRef idx="1">
+            <a:schemeClr val="accent1"/>
+          </a:fillRef>
+          <a:effectRef idx="0">
+            <a:schemeClr val="accent1"/>
+          </a:effectRef>
+          <a:fontRef idx="minor">
+            <a:schemeClr val="lt1"/>
+          </a:fontRef>
+        </p:style>
+      </p:sp>
+      <p:sp>
+        <p:nvSpPr>
+          <p:cNvPr id="9" name="Rectangle 8"/>
+          <p:cNvSpPr/>
+          <p:nvPr/>
+        </p:nvSpPr>
+        <p:spPr>
+          <a:xfrm>
+            <a:off x="4040071" y="0"/>
+            <a:ext cx="64008" cy="6858000"/>
+          </a:xfrm>
+          <a:prstGeom prst="rect">
+            <a:avLst/>
+          </a:prstGeom>
+          <a:solidFill>
+            <a:schemeClr val="accent4"/>
+          </a:solidFill>
+          <a:ln>
+            <a:noFill/>
+          </a:ln>
+        </p:spPr>
+        <p:style>
+          <a:lnRef idx="2">
+            <a:schemeClr val="accent1">
+              <a:shade val="50000"/>
+            </a:schemeClr>
+          </a:lnRef>
+          <a:fillRef idx="1">
+            <a:schemeClr val="accent1"/>
+          </a:fillRef>
+          <a:effectRef idx="0">
+            <a:schemeClr val="accent1"/>
+          </a:effectRef>
+          <a:fontRef idx="minor">
+            <a:schemeClr val="lt1"/>
+          </a:fontRef>
+        </p:style>
+      </p:sp>
+      <p:sp>
+        <p:nvSpPr>
+          <p:cNvPr id="2" name="Title 1"/>
           <p:cNvSpPr>
             <a:spLocks noGrp="1"/>
           </p:cNvSpPr>
@@ -5879,15 +6743,21 @@
         </p:nvSpPr>
         <p:spPr>
           <a:xfrm>
-            <a:off x="839788" y="457200"/>
-            <a:ext cx="3932237" cy="1600200"/>
+            <a:off x="457200" y="594359"/>
+            <a:ext cx="3200400" cy="2286000"/>
           </a:xfrm>
         </p:spPr>
         <p:txBody>
-          <a:bodyPr anchor="b"/>
+          <a:bodyPr anchor="b">
+            <a:normAutofit/>
+          </a:bodyPr>
           <a:lstStyle>
             <a:lvl1pPr>
-              <a:defRPr sz="3200"/>
+              <a:defRPr sz="3600" b="0">
+                <a:solidFill>
+                  <a:srgbClr val="FFFFFF"/>
+                </a:solidFill>
+              </a:defRPr>
             </a:lvl1pPr>
           </a:lstStyle>
           <a:p>
@@ -5895,19 +6765,13 @@
               <a:rPr lang="en-US"/>
               <a:t>Click to edit Master title style</a:t>
             </a:r>
-            <a:endParaRPr lang="en-GB"/>
+            <a:endParaRPr lang="en-US" dirty="0"/>
           </a:p>
         </p:txBody>
       </p:sp>
       <p:sp>
         <p:nvSpPr>
-          <p:cNvPr id="3" name="Content Placeholder 2">
-            <a:extLst>
-              <a:ext uri="{FF2B5EF4-FFF2-40B4-BE49-F238E27FC236}">
-                <a16:creationId xmlns:a16="http://schemas.microsoft.com/office/drawing/2014/main" id="{B1ED7612-7E7B-4A28-B174-620BA7DFB69A}"/>
-              </a:ext>
-            </a:extLst>
-          </p:cNvPr>
+          <p:cNvPr id="3" name="Content Placeholder 2"/>
           <p:cNvSpPr>
             <a:spLocks noGrp="1"/>
           </p:cNvSpPr>
@@ -5917,41 +6781,13 @@
         </p:nvSpPr>
         <p:spPr>
           <a:xfrm>
-            <a:off x="5183188" y="987425"/>
-            <a:ext cx="6172200" cy="4873625"/>
+            <a:off x="4800600" y="731520"/>
+            <a:ext cx="6492240" cy="5257800"/>
           </a:xfrm>
         </p:spPr>
         <p:txBody>
           <a:bodyPr/>
-          <a:lstStyle>
-            <a:lvl1pPr>
-              <a:defRPr sz="3200"/>
-            </a:lvl1pPr>
-            <a:lvl2pPr>
-              <a:defRPr sz="2800"/>
-            </a:lvl2pPr>
-            <a:lvl3pPr>
-              <a:defRPr sz="2400"/>
-            </a:lvl3pPr>
-            <a:lvl4pPr>
-              <a:defRPr sz="2000"/>
-            </a:lvl4pPr>
-            <a:lvl5pPr>
-              <a:defRPr sz="2000"/>
-            </a:lvl5pPr>
-            <a:lvl6pPr>
-              <a:defRPr sz="2000"/>
-            </a:lvl6pPr>
-            <a:lvl7pPr>
-              <a:defRPr sz="2000"/>
-            </a:lvl7pPr>
-            <a:lvl8pPr>
-              <a:defRPr sz="2000"/>
-            </a:lvl8pPr>
-            <a:lvl9pPr>
-              <a:defRPr sz="2000"/>
-            </a:lvl9pPr>
-          </a:lstStyle>
+          <a:lstStyle/>
           <a:p>
             <a:pPr lvl="0"/>
             <a:r>
@@ -5986,19 +6822,13 @@
               <a:rPr lang="en-US"/>
               <a:t>Fifth level</a:t>
             </a:r>
-            <a:endParaRPr lang="en-GB"/>
+            <a:endParaRPr lang="en-US" dirty="0"/>
           </a:p>
         </p:txBody>
       </p:sp>
       <p:sp>
         <p:nvSpPr>
-          <p:cNvPr id="4" name="Text Placeholder 3">
-            <a:extLst>
-              <a:ext uri="{FF2B5EF4-FFF2-40B4-BE49-F238E27FC236}">
-                <a16:creationId xmlns:a16="http://schemas.microsoft.com/office/drawing/2014/main" id="{D5006306-71E7-47A7-8872-05CE4973B7E2}"/>
-              </a:ext>
-            </a:extLst>
-          </p:cNvPr>
+          <p:cNvPr id="4" name="Text Placeholder 3"/>
           <p:cNvSpPr>
             <a:spLocks noGrp="1"/>
           </p:cNvSpPr>
@@ -6008,48 +6838,54 @@
         </p:nvSpPr>
         <p:spPr>
           <a:xfrm>
-            <a:off x="839788" y="2057400"/>
-            <a:ext cx="3932237" cy="3811588"/>
+            <a:off x="457200" y="2926080"/>
+            <a:ext cx="3200400" cy="3379124"/>
           </a:xfrm>
         </p:spPr>
         <p:txBody>
-          <a:bodyPr/>
+          <a:bodyPr lIns="91440" rIns="91440">
+            <a:normAutofit/>
+          </a:bodyPr>
           <a:lstStyle>
             <a:lvl1pPr marL="0" indent="0">
               <a:buNone/>
-              <a:defRPr sz="1600"/>
+              <a:defRPr sz="1500">
+                <a:solidFill>
+                  <a:srgbClr val="FFFFFF"/>
+                </a:solidFill>
+              </a:defRPr>
             </a:lvl1pPr>
             <a:lvl2pPr marL="457200" indent="0">
               <a:buNone/>
-              <a:defRPr sz="1400"/>
+              <a:defRPr sz="1200"/>
             </a:lvl2pPr>
             <a:lvl3pPr marL="914400" indent="0">
               <a:buNone/>
-              <a:defRPr sz="1200"/>
+              <a:defRPr sz="1000"/>
             </a:lvl3pPr>
             <a:lvl4pPr marL="1371600" indent="0">
               <a:buNone/>
-              <a:defRPr sz="1000"/>
+              <a:defRPr sz="900"/>
             </a:lvl4pPr>
             <a:lvl5pPr marL="1828800" indent="0">
               <a:buNone/>
-              <a:defRPr sz="1000"/>
+              <a:defRPr sz="900"/>
             </a:lvl5pPr>
             <a:lvl6pPr marL="2286000" indent="0">
               <a:buNone/>
-              <a:defRPr sz="1000"/>
+              <a:defRPr sz="900"/>
             </a:lvl6pPr>
             <a:lvl7pPr marL="2743200" indent="0">
               <a:buNone/>
-              <a:defRPr sz="1000"/>
+              <a:defRPr sz="900"/>
             </a:lvl7pPr>
             <a:lvl8pPr marL="3200400" indent="0">
               <a:buNone/>
-              <a:defRPr sz="1000"/>
+              <a:defRPr sz="900"/>
             </a:lvl8pPr>
             <a:lvl9pPr marL="3657600" indent="0">
               <a:buNone/>
-              <a:defRPr sz="1000"/>
+              <a:defRPr sz="900"/>
             </a:lvl9pPr>
           </a:lstStyle>
           <a:p>
@@ -6063,13 +6899,7 @@
       </p:sp>
       <p:sp>
         <p:nvSpPr>
-          <p:cNvPr id="5" name="Date Placeholder 4">
-            <a:extLst>
-              <a:ext uri="{FF2B5EF4-FFF2-40B4-BE49-F238E27FC236}">
-                <a16:creationId xmlns:a16="http://schemas.microsoft.com/office/drawing/2014/main" id="{AA6A26FC-9326-4660-9028-CEC31ED136CF}"/>
-              </a:ext>
-            </a:extLst>
-          </p:cNvPr>
+          <p:cNvPr id="5" name="Date Placeholder 4"/>
           <p:cNvSpPr>
             <a:spLocks noGrp="1"/>
           </p:cNvSpPr>
@@ -6077,14 +6907,23 @@
             <p:ph type="dt" sz="half" idx="10"/>
           </p:nvPr>
         </p:nvSpPr>
-        <p:spPr/>
+        <p:spPr>
+          <a:xfrm>
+            <a:off x="465512" y="6459785"/>
+            <a:ext cx="2618510" cy="365125"/>
+          </a:xfrm>
+        </p:spPr>
         <p:txBody>
           <a:bodyPr/>
-          <a:lstStyle/>
+          <a:lstStyle>
+            <a:lvl1pPr algn="l">
+              <a:defRPr/>
+            </a:lvl1pPr>
+          </a:lstStyle>
           <a:p>
             <a:fld id="{0CD94E99-FA29-4EFF-88BE-3447E30E8C4D}" type="datetimeFigureOut">
               <a:rPr lang="en-GB" smtClean="0"/>
-              <a:t>05/02/2024</a:t>
+              <a:t>07/02/2024</a:t>
             </a:fld>
             <a:endParaRPr lang="en-GB"/>
           </a:p>
@@ -6092,13 +6931,7 @@
       </p:sp>
       <p:sp>
         <p:nvSpPr>
-          <p:cNvPr id="6" name="Footer Placeholder 5">
-            <a:extLst>
-              <a:ext uri="{FF2B5EF4-FFF2-40B4-BE49-F238E27FC236}">
-                <a16:creationId xmlns:a16="http://schemas.microsoft.com/office/drawing/2014/main" id="{2B19CC52-958F-43BD-8A3B-C26314CD1DDA}"/>
-              </a:ext>
-            </a:extLst>
-          </p:cNvPr>
+          <p:cNvPr id="6" name="Footer Placeholder 5"/>
           <p:cNvSpPr>
             <a:spLocks noGrp="1"/>
           </p:cNvSpPr>
@@ -6106,10 +6939,23 @@
             <p:ph type="ftr" sz="quarter" idx="11"/>
           </p:nvPr>
         </p:nvSpPr>
-        <p:spPr/>
+        <p:spPr>
+          <a:xfrm>
+            <a:off x="4800600" y="6459785"/>
+            <a:ext cx="4648200" cy="365125"/>
+          </a:xfrm>
+        </p:spPr>
         <p:txBody>
           <a:bodyPr/>
-          <a:lstStyle/>
+          <a:lstStyle>
+            <a:lvl1pPr algn="l">
+              <a:defRPr>
+                <a:solidFill>
+                  <a:schemeClr val="tx2"/>
+                </a:solidFill>
+              </a:defRPr>
+            </a:lvl1pPr>
+          </a:lstStyle>
           <a:p>
             <a:endParaRPr lang="en-GB"/>
           </a:p>
@@ -6117,13 +6963,7 @@
       </p:sp>
       <p:sp>
         <p:nvSpPr>
-          <p:cNvPr id="7" name="Slide Number Placeholder 6">
-            <a:extLst>
-              <a:ext uri="{FF2B5EF4-FFF2-40B4-BE49-F238E27FC236}">
-                <a16:creationId xmlns:a16="http://schemas.microsoft.com/office/drawing/2014/main" id="{418DBBB9-7D0D-4F29-A593-EA291D765682}"/>
-              </a:ext>
-            </a:extLst>
-          </p:cNvPr>
+          <p:cNvPr id="7" name="Slide Number Placeholder 6"/>
           <p:cNvSpPr>
             <a:spLocks noGrp="1"/>
           </p:cNvSpPr>
@@ -6134,7 +6974,15 @@
         <p:spPr/>
         <p:txBody>
           <a:bodyPr/>
-          <a:lstStyle/>
+          <a:lstStyle>
+            <a:lvl1pPr>
+              <a:defRPr>
+                <a:solidFill>
+                  <a:schemeClr val="tx2"/>
+                </a:solidFill>
+              </a:defRPr>
+            </a:lvl1pPr>
+          </a:lstStyle>
           <a:p>
             <a:fld id="{D3726DCB-FEA5-4222-BB45-1CC90DF962E6}" type="slidenum">
               <a:rPr lang="en-GB" smtClean="0"/>
@@ -6147,7 +6995,7 @@
     </p:spTree>
     <p:extLst>
       <p:ext uri="{BB962C8B-B14F-4D97-AF65-F5344CB8AC3E}">
-        <p14:creationId xmlns:p14="http://schemas.microsoft.com/office/powerpoint/2010/main" val="1402336283"/>
+        <p14:creationId xmlns:p14="http://schemas.microsoft.com/office/powerpoint/2010/main" val="1510196390"/>
       </p:ext>
     </p:extLst>
   </p:cSld>
@@ -6158,7 +7006,7 @@
 </file>
 
 <file path=ppt/slideLayouts/slideLayout9.xml><?xml version="1.0" encoding="utf-8"?>
-<p:sldLayout xmlns:a="http://schemas.openxmlformats.org/drawingml/2006/main" xmlns:r="http://schemas.openxmlformats.org/officeDocument/2006/relationships" xmlns:p="http://schemas.openxmlformats.org/presentationml/2006/main" type="picTx" preserve="1">
+<p:sldLayout xmlns:a="http://schemas.openxmlformats.org/drawingml/2006/main" xmlns:r="http://schemas.openxmlformats.org/officeDocument/2006/relationships" xmlns:p="http://schemas.openxmlformats.org/presentationml/2006/main" showMasterSp="0" type="picTx" preserve="1">
   <p:cSld name="Picture with Caption">
     <p:spTree>
       <p:nvGrpSpPr>
@@ -6176,13 +7024,85 @@
       </p:grpSpPr>
       <p:sp>
         <p:nvSpPr>
-          <p:cNvPr id="2" name="Title 1">
-            <a:extLst>
-              <a:ext uri="{FF2B5EF4-FFF2-40B4-BE49-F238E27FC236}">
-                <a16:creationId xmlns:a16="http://schemas.microsoft.com/office/drawing/2014/main" id="{2B7858AC-99DB-4544-971F-BBECE2670DAF}"/>
-              </a:ext>
-            </a:extLst>
-          </p:cNvPr>
+          <p:cNvPr id="8" name="Rectangle 7"/>
+          <p:cNvSpPr/>
+          <p:nvPr/>
+        </p:nvSpPr>
+        <p:spPr>
+          <a:xfrm>
+            <a:off x="0" y="4953000"/>
+            <a:ext cx="12188825" cy="1905000"/>
+          </a:xfrm>
+          <a:prstGeom prst="rect">
+            <a:avLst/>
+          </a:prstGeom>
+          <a:solidFill>
+            <a:schemeClr val="accent4">
+              <a:lumMod val="75000"/>
+            </a:schemeClr>
+          </a:solidFill>
+          <a:ln>
+            <a:noFill/>
+          </a:ln>
+        </p:spPr>
+        <p:style>
+          <a:lnRef idx="2">
+            <a:schemeClr val="accent1">
+              <a:shade val="50000"/>
+            </a:schemeClr>
+          </a:lnRef>
+          <a:fillRef idx="1">
+            <a:schemeClr val="accent1"/>
+          </a:fillRef>
+          <a:effectRef idx="0">
+            <a:schemeClr val="accent1"/>
+          </a:effectRef>
+          <a:fontRef idx="minor">
+            <a:schemeClr val="lt1"/>
+          </a:fontRef>
+        </p:style>
+      </p:sp>
+      <p:sp>
+        <p:nvSpPr>
+          <p:cNvPr id="9" name="Rectangle 8"/>
+          <p:cNvSpPr/>
+          <p:nvPr/>
+        </p:nvSpPr>
+        <p:spPr>
+          <a:xfrm>
+            <a:off x="15" y="4915076"/>
+            <a:ext cx="12188825" cy="64008"/>
+          </a:xfrm>
+          <a:prstGeom prst="rect">
+            <a:avLst/>
+          </a:prstGeom>
+          <a:solidFill>
+            <a:schemeClr val="accent4"/>
+          </a:solidFill>
+          <a:ln>
+            <a:noFill/>
+          </a:ln>
+        </p:spPr>
+        <p:style>
+          <a:lnRef idx="2">
+            <a:schemeClr val="accent1">
+              <a:shade val="50000"/>
+            </a:schemeClr>
+          </a:lnRef>
+          <a:fillRef idx="1">
+            <a:schemeClr val="accent1"/>
+          </a:fillRef>
+          <a:effectRef idx="0">
+            <a:schemeClr val="accent1"/>
+          </a:effectRef>
+          <a:fontRef idx="minor">
+            <a:schemeClr val="lt1"/>
+          </a:fontRef>
+        </p:style>
+      </p:sp>
+      <p:sp>
+        <p:nvSpPr>
+          <p:cNvPr id="2" name="Title 1"/>
           <p:cNvSpPr>
             <a:spLocks noGrp="1"/>
           </p:cNvSpPr>
@@ -6192,15 +7112,21 @@
         </p:nvSpPr>
         <p:spPr>
           <a:xfrm>
-            <a:off x="839788" y="457200"/>
-            <a:ext cx="3932237" cy="1600200"/>
+            <a:off x="1097280" y="5074920"/>
+            <a:ext cx="10113645" cy="822960"/>
           </a:xfrm>
         </p:spPr>
         <p:txBody>
-          <a:bodyPr anchor="b"/>
+          <a:bodyPr lIns="91440" tIns="0" rIns="91440" bIns="0" anchor="b">
+            <a:noAutofit/>
+          </a:bodyPr>
           <a:lstStyle>
             <a:lvl1pPr>
-              <a:defRPr sz="3200"/>
+              <a:defRPr sz="3600" b="0">
+                <a:solidFill>
+                  <a:srgbClr val="FFFFFF"/>
+                </a:solidFill>
+              </a:defRPr>
             </a:lvl1pPr>
           </a:lstStyle>
           <a:p>
@@ -6208,21 +7134,15 @@
               <a:rPr lang="en-US"/>
               <a:t>Click to edit Master title style</a:t>
             </a:r>
-            <a:endParaRPr lang="en-GB"/>
+            <a:endParaRPr lang="en-US" dirty="0"/>
           </a:p>
         </p:txBody>
       </p:sp>
       <p:sp>
         <p:nvSpPr>
-          <p:cNvPr id="3" name="Picture Placeholder 2">
-            <a:extLst>
-              <a:ext uri="{FF2B5EF4-FFF2-40B4-BE49-F238E27FC236}">
-                <a16:creationId xmlns:a16="http://schemas.microsoft.com/office/drawing/2014/main" id="{77B7B8EE-AE20-4523-88C8-59A6071EBD82}"/>
-              </a:ext>
-            </a:extLst>
-          </p:cNvPr>
+          <p:cNvPr id="3" name="Picture Placeholder 2"/>
           <p:cNvSpPr>
-            <a:spLocks noGrp="1"/>
+            <a:spLocks noGrp="1" noChangeAspect="1"/>
           </p:cNvSpPr>
           <p:nvPr>
             <p:ph type="pic" idx="1"/>
@@ -6230,12 +7150,17 @@
         </p:nvSpPr>
         <p:spPr>
           <a:xfrm>
-            <a:off x="5183188" y="987425"/>
-            <a:ext cx="6172200" cy="4873625"/>
+            <a:off x="15" y="0"/>
+            <a:ext cx="12191985" cy="4915076"/>
           </a:xfrm>
+          <a:solidFill>
+            <a:schemeClr val="bg2">
+              <a:lumMod val="90000"/>
+            </a:schemeClr>
+          </a:solidFill>
         </p:spPr>
         <p:txBody>
-          <a:bodyPr/>
+          <a:bodyPr lIns="457200" tIns="457200" anchor="t"/>
           <a:lstStyle>
             <a:lvl1pPr marL="0" indent="0">
               <a:buNone/>
@@ -6275,19 +7200,17 @@
             </a:lvl9pPr>
           </a:lstStyle>
           <a:p>
-            <a:endParaRPr lang="en-GB"/>
+            <a:r>
+              <a:rPr lang="en-US"/>
+              <a:t>Click icon to add picture</a:t>
+            </a:r>
+            <a:endParaRPr lang="en-US" dirty="0"/>
           </a:p>
         </p:txBody>
       </p:sp>
       <p:sp>
         <p:nvSpPr>
-          <p:cNvPr id="4" name="Text Placeholder 3">
-            <a:extLst>
-              <a:ext uri="{FF2B5EF4-FFF2-40B4-BE49-F238E27FC236}">
-                <a16:creationId xmlns:a16="http://schemas.microsoft.com/office/drawing/2014/main" id="{49EFD60A-5CE5-4311-855C-0CFE6F68FC7B}"/>
-              </a:ext>
-            </a:extLst>
-          </p:cNvPr>
+          <p:cNvPr id="4" name="Text Placeholder 3"/>
           <p:cNvSpPr>
             <a:spLocks noGrp="1"/>
           </p:cNvSpPr>
@@ -6297,48 +7220,60 @@
         </p:nvSpPr>
         <p:spPr>
           <a:xfrm>
-            <a:off x="839788" y="2057400"/>
-            <a:ext cx="3932237" cy="3811588"/>
+            <a:off x="1097280" y="5907024"/>
+            <a:ext cx="10113264" cy="594360"/>
           </a:xfrm>
         </p:spPr>
         <p:txBody>
-          <a:bodyPr/>
+          <a:bodyPr lIns="91440" tIns="0" rIns="91440" bIns="0">
+            <a:normAutofit/>
+          </a:bodyPr>
           <a:lstStyle>
             <a:lvl1pPr marL="0" indent="0">
+              <a:spcBef>
+                <a:spcPts val="0"/>
+              </a:spcBef>
+              <a:spcAft>
+                <a:spcPts val="600"/>
+              </a:spcAft>
               <a:buNone/>
-              <a:defRPr sz="1600"/>
+              <a:defRPr sz="1500">
+                <a:solidFill>
+                  <a:srgbClr val="FFFFFF"/>
+                </a:solidFill>
+              </a:defRPr>
             </a:lvl1pPr>
             <a:lvl2pPr marL="457200" indent="0">
               <a:buNone/>
-              <a:defRPr sz="1400"/>
+              <a:defRPr sz="1200"/>
             </a:lvl2pPr>
             <a:lvl3pPr marL="914400" indent="0">
               <a:buNone/>
-              <a:defRPr sz="1200"/>
+              <a:defRPr sz="1000"/>
             </a:lvl3pPr>
             <a:lvl4pPr marL="1371600" indent="0">
               <a:buNone/>
-              <a:defRPr sz="1000"/>
+              <a:defRPr sz="900"/>
             </a:lvl4pPr>
             <a:lvl5pPr marL="1828800" indent="0">
               <a:buNone/>
-              <a:defRPr sz="1000"/>
+              <a:defRPr sz="900"/>
             </a:lvl5pPr>
             <a:lvl6pPr marL="2286000" indent="0">
               <a:buNone/>
-              <a:defRPr sz="1000"/>
+              <a:defRPr sz="900"/>
             </a:lvl6pPr>
             <a:lvl7pPr marL="2743200" indent="0">
               <a:buNone/>
-              <a:defRPr sz="1000"/>
+              <a:defRPr sz="900"/>
             </a:lvl7pPr>
             <a:lvl8pPr marL="3200400" indent="0">
               <a:buNone/>
-              <a:defRPr sz="1000"/>
+              <a:defRPr sz="900"/>
             </a:lvl8pPr>
             <a:lvl9pPr marL="3657600" indent="0">
               <a:buNone/>
-              <a:defRPr sz="1000"/>
+              <a:defRPr sz="900"/>
             </a:lvl9pPr>
           </a:lstStyle>
           <a:p>
@@ -6352,13 +7287,7 @@
       </p:sp>
       <p:sp>
         <p:nvSpPr>
-          <p:cNvPr id="5" name="Date Placeholder 4">
-            <a:extLst>
-              <a:ext uri="{FF2B5EF4-FFF2-40B4-BE49-F238E27FC236}">
-                <a16:creationId xmlns:a16="http://schemas.microsoft.com/office/drawing/2014/main" id="{0D672275-7780-47B7-8181-741D6A3FB66D}"/>
-              </a:ext>
-            </a:extLst>
-          </p:cNvPr>
+          <p:cNvPr id="5" name="Date Placeholder 4"/>
           <p:cNvSpPr>
             <a:spLocks noGrp="1"/>
           </p:cNvSpPr>
@@ -6373,7 +7302,7 @@
           <a:p>
             <a:fld id="{0CD94E99-FA29-4EFF-88BE-3447E30E8C4D}" type="datetimeFigureOut">
               <a:rPr lang="en-GB" smtClean="0"/>
-              <a:t>05/02/2024</a:t>
+              <a:t>07/02/2024</a:t>
             </a:fld>
             <a:endParaRPr lang="en-GB"/>
           </a:p>
@@ -6381,13 +7310,7 @@
       </p:sp>
       <p:sp>
         <p:nvSpPr>
-          <p:cNvPr id="6" name="Footer Placeholder 5">
-            <a:extLst>
-              <a:ext uri="{FF2B5EF4-FFF2-40B4-BE49-F238E27FC236}">
-                <a16:creationId xmlns:a16="http://schemas.microsoft.com/office/drawing/2014/main" id="{C7C6F95D-1FF2-43AB-9EAE-AD327FFC6674}"/>
-              </a:ext>
-            </a:extLst>
-          </p:cNvPr>
+          <p:cNvPr id="6" name="Footer Placeholder 5"/>
           <p:cNvSpPr>
             <a:spLocks noGrp="1"/>
           </p:cNvSpPr>
@@ -6406,13 +7329,7 @@
       </p:sp>
       <p:sp>
         <p:nvSpPr>
-          <p:cNvPr id="7" name="Slide Number Placeholder 6">
-            <a:extLst>
-              <a:ext uri="{FF2B5EF4-FFF2-40B4-BE49-F238E27FC236}">
-                <a16:creationId xmlns:a16="http://schemas.microsoft.com/office/drawing/2014/main" id="{BE623131-B701-4494-A65A-CFD77F069FBF}"/>
-              </a:ext>
-            </a:extLst>
-          </p:cNvPr>
+          <p:cNvPr id="7" name="Slide Number Placeholder 6"/>
           <p:cNvSpPr>
             <a:spLocks noGrp="1"/>
           </p:cNvSpPr>
@@ -6436,7 +7353,7 @@
     </p:spTree>
     <p:extLst>
       <p:ext uri="{BB962C8B-B14F-4D97-AF65-F5344CB8AC3E}">
-        <p14:creationId xmlns:p14="http://schemas.microsoft.com/office/powerpoint/2010/main" val="2865768295"/>
+        <p14:creationId xmlns:p14="http://schemas.microsoft.com/office/powerpoint/2010/main" val="2106726800"/>
       </p:ext>
     </p:extLst>
   </p:cSld>
@@ -6451,7 +7368,7 @@
   <p:cSld>
     <p:bg>
       <p:bgRef idx="1001">
-        <a:schemeClr val="bg1"/>
+        <a:schemeClr val="bg2"/>
       </p:bgRef>
     </p:bg>
     <p:spTree>
@@ -6470,13 +7387,85 @@
       </p:grpSpPr>
       <p:sp>
         <p:nvSpPr>
-          <p:cNvPr id="2" name="Title Placeholder 1">
-            <a:extLst>
-              <a:ext uri="{FF2B5EF4-FFF2-40B4-BE49-F238E27FC236}">
-                <a16:creationId xmlns:a16="http://schemas.microsoft.com/office/drawing/2014/main" id="{EBC87D77-4144-4103-B038-556F1B904CD5}"/>
-              </a:ext>
-            </a:extLst>
-          </p:cNvPr>
+          <p:cNvPr id="7" name="Rectangle 6"/>
+          <p:cNvSpPr/>
+          <p:nvPr/>
+        </p:nvSpPr>
+        <p:spPr>
+          <a:xfrm>
+            <a:off x="1" y="6400800"/>
+            <a:ext cx="12192000" cy="457200"/>
+          </a:xfrm>
+          <a:prstGeom prst="rect">
+            <a:avLst/>
+          </a:prstGeom>
+          <a:solidFill>
+            <a:schemeClr val="accent4">
+              <a:lumMod val="75000"/>
+            </a:schemeClr>
+          </a:solidFill>
+          <a:ln>
+            <a:noFill/>
+          </a:ln>
+        </p:spPr>
+        <p:style>
+          <a:lnRef idx="2">
+            <a:schemeClr val="accent1">
+              <a:shade val="50000"/>
+            </a:schemeClr>
+          </a:lnRef>
+          <a:fillRef idx="1">
+            <a:schemeClr val="accent1"/>
+          </a:fillRef>
+          <a:effectRef idx="0">
+            <a:schemeClr val="accent1"/>
+          </a:effectRef>
+          <a:fontRef idx="minor">
+            <a:schemeClr val="lt1"/>
+          </a:fontRef>
+        </p:style>
+      </p:sp>
+      <p:sp>
+        <p:nvSpPr>
+          <p:cNvPr id="9" name="Rectangle 8"/>
+          <p:cNvSpPr/>
+          <p:nvPr/>
+        </p:nvSpPr>
+        <p:spPr>
+          <a:xfrm>
+            <a:off x="15" y="6334316"/>
+            <a:ext cx="12191985" cy="66484"/>
+          </a:xfrm>
+          <a:prstGeom prst="rect">
+            <a:avLst/>
+          </a:prstGeom>
+          <a:solidFill>
+            <a:schemeClr val="accent4"/>
+          </a:solidFill>
+          <a:ln>
+            <a:noFill/>
+          </a:ln>
+        </p:spPr>
+        <p:style>
+          <a:lnRef idx="2">
+            <a:schemeClr val="accent1">
+              <a:shade val="50000"/>
+            </a:schemeClr>
+          </a:lnRef>
+          <a:fillRef idx="1">
+            <a:schemeClr val="accent1"/>
+          </a:fillRef>
+          <a:effectRef idx="0">
+            <a:schemeClr val="accent1"/>
+          </a:effectRef>
+          <a:fontRef idx="minor">
+            <a:schemeClr val="lt1"/>
+          </a:fontRef>
+        </p:style>
+      </p:sp>
+      <p:sp>
+        <p:nvSpPr>
+          <p:cNvPr id="2" name="Title Placeholder 1"/>
           <p:cNvSpPr>
             <a:spLocks noGrp="1"/>
           </p:cNvSpPr>
@@ -6486,15 +7475,15 @@
         </p:nvSpPr>
         <p:spPr>
           <a:xfrm>
-            <a:off x="838200" y="365125"/>
-            <a:ext cx="10515600" cy="1325563"/>
+            <a:off x="1097280" y="286603"/>
+            <a:ext cx="10058400" cy="1450757"/>
           </a:xfrm>
           <a:prstGeom prst="rect">
             <a:avLst/>
           </a:prstGeom>
         </p:spPr>
         <p:txBody>
-          <a:bodyPr vert="horz" lIns="91440" tIns="45720" rIns="91440" bIns="45720" rtlCol="0" anchor="ctr">
+          <a:bodyPr vert="horz" lIns="91440" tIns="45720" rIns="91440" bIns="45720" rtlCol="0" anchor="b">
             <a:normAutofit/>
           </a:bodyPr>
           <a:lstStyle/>
@@ -6503,19 +7492,13 @@
               <a:rPr lang="en-US"/>
               <a:t>Click to edit Master title style</a:t>
             </a:r>
-            <a:endParaRPr lang="en-GB"/>
+            <a:endParaRPr lang="en-US" dirty="0"/>
           </a:p>
         </p:txBody>
       </p:sp>
       <p:sp>
         <p:nvSpPr>
-          <p:cNvPr id="3" name="Text Placeholder 2">
-            <a:extLst>
-              <a:ext uri="{FF2B5EF4-FFF2-40B4-BE49-F238E27FC236}">
-                <a16:creationId xmlns:a16="http://schemas.microsoft.com/office/drawing/2014/main" id="{4D104E02-A687-4481-A6D7-47142C147A65}"/>
-              </a:ext>
-            </a:extLst>
-          </p:cNvPr>
+          <p:cNvPr id="3" name="Text Placeholder 2"/>
           <p:cNvSpPr>
             <a:spLocks noGrp="1"/>
           </p:cNvSpPr>
@@ -6525,15 +7508,15 @@
         </p:nvSpPr>
         <p:spPr>
           <a:xfrm>
-            <a:off x="838200" y="1825625"/>
-            <a:ext cx="10515600" cy="4351338"/>
+            <a:off x="1097280" y="1845734"/>
+            <a:ext cx="10058400" cy="4023360"/>
           </a:xfrm>
           <a:prstGeom prst="rect">
             <a:avLst/>
           </a:prstGeom>
         </p:spPr>
         <p:txBody>
-          <a:bodyPr vert="horz" lIns="91440" tIns="45720" rIns="91440" bIns="45720" rtlCol="0">
+          <a:bodyPr vert="horz" lIns="0" tIns="45720" rIns="0" bIns="45720" rtlCol="0">
             <a:normAutofit/>
           </a:bodyPr>
           <a:lstStyle/>
@@ -6571,19 +7554,13 @@
               <a:rPr lang="en-US"/>
               <a:t>Fifth level</a:t>
             </a:r>
-            <a:endParaRPr lang="en-GB"/>
+            <a:endParaRPr lang="en-US" dirty="0"/>
           </a:p>
         </p:txBody>
       </p:sp>
       <p:sp>
         <p:nvSpPr>
-          <p:cNvPr id="4" name="Date Placeholder 3">
-            <a:extLst>
-              <a:ext uri="{FF2B5EF4-FFF2-40B4-BE49-F238E27FC236}">
-                <a16:creationId xmlns:a16="http://schemas.microsoft.com/office/drawing/2014/main" id="{26214F20-20D2-48B9-89D2-BDF0CCC7CA70}"/>
-              </a:ext>
-            </a:extLst>
-          </p:cNvPr>
+          <p:cNvPr id="4" name="Date Placeholder 3"/>
           <p:cNvSpPr>
             <a:spLocks noGrp="1"/>
           </p:cNvSpPr>
@@ -6593,8 +7570,8 @@
         </p:nvSpPr>
         <p:spPr>
           <a:xfrm>
-            <a:off x="838200" y="6356350"/>
-            <a:ext cx="2743200" cy="365125"/>
+            <a:off x="1097280" y="6459785"/>
+            <a:ext cx="2472271" cy="365125"/>
           </a:xfrm>
           <a:prstGeom prst="rect">
             <a:avLst/>
@@ -6604,11 +7581,9 @@
           <a:bodyPr vert="horz" lIns="91440" tIns="45720" rIns="91440" bIns="45720" rtlCol="0" anchor="ctr"/>
           <a:lstStyle>
             <a:lvl1pPr algn="l">
-              <a:defRPr sz="1200">
+              <a:defRPr sz="900">
                 <a:solidFill>
-                  <a:schemeClr val="tx1">
-                    <a:tint val="75000"/>
-                  </a:schemeClr>
+                  <a:srgbClr val="FFFFFF"/>
                 </a:solidFill>
               </a:defRPr>
             </a:lvl1pPr>
@@ -6616,7 +7591,7 @@
           <a:p>
             <a:fld id="{0CD94E99-FA29-4EFF-88BE-3447E30E8C4D}" type="datetimeFigureOut">
               <a:rPr lang="en-GB" smtClean="0"/>
-              <a:t>05/02/2024</a:t>
+              <a:t>07/02/2024</a:t>
             </a:fld>
             <a:endParaRPr lang="en-GB"/>
           </a:p>
@@ -6624,13 +7599,7 @@
       </p:sp>
       <p:sp>
         <p:nvSpPr>
-          <p:cNvPr id="5" name="Footer Placeholder 4">
-            <a:extLst>
-              <a:ext uri="{FF2B5EF4-FFF2-40B4-BE49-F238E27FC236}">
-                <a16:creationId xmlns:a16="http://schemas.microsoft.com/office/drawing/2014/main" id="{02FFD347-DEF6-4222-84B2-16C3B4F15C13}"/>
-              </a:ext>
-            </a:extLst>
-          </p:cNvPr>
+          <p:cNvPr id="5" name="Footer Placeholder 4"/>
           <p:cNvSpPr>
             <a:spLocks noGrp="1"/>
           </p:cNvSpPr>
@@ -6640,8 +7609,8 @@
         </p:nvSpPr>
         <p:spPr>
           <a:xfrm>
-            <a:off x="4038600" y="6356350"/>
-            <a:ext cx="4114800" cy="365125"/>
+            <a:off x="3686185" y="6459785"/>
+            <a:ext cx="4822804" cy="365125"/>
           </a:xfrm>
           <a:prstGeom prst="rect">
             <a:avLst/>
@@ -6651,11 +7620,9 @@
           <a:bodyPr vert="horz" lIns="91440" tIns="45720" rIns="91440" bIns="45720" rtlCol="0" anchor="ctr"/>
           <a:lstStyle>
             <a:lvl1pPr algn="ctr">
-              <a:defRPr sz="1200">
+              <a:defRPr sz="900" cap="all" baseline="0">
                 <a:solidFill>
-                  <a:schemeClr val="tx1">
-                    <a:tint val="75000"/>
-                  </a:schemeClr>
+                  <a:srgbClr val="FFFFFF"/>
                 </a:solidFill>
               </a:defRPr>
             </a:lvl1pPr>
@@ -6667,13 +7634,7 @@
       </p:sp>
       <p:sp>
         <p:nvSpPr>
-          <p:cNvPr id="6" name="Slide Number Placeholder 5">
-            <a:extLst>
-              <a:ext uri="{FF2B5EF4-FFF2-40B4-BE49-F238E27FC236}">
-                <a16:creationId xmlns:a16="http://schemas.microsoft.com/office/drawing/2014/main" id="{77BA22FC-4E17-428A-9766-001BA5676C39}"/>
-              </a:ext>
-            </a:extLst>
-          </p:cNvPr>
+          <p:cNvPr id="6" name="Slide Number Placeholder 5"/>
           <p:cNvSpPr>
             <a:spLocks noGrp="1"/>
           </p:cNvSpPr>
@@ -6683,8 +7644,8 @@
         </p:nvSpPr>
         <p:spPr>
           <a:xfrm>
-            <a:off x="8610600" y="6356350"/>
-            <a:ext cx="2743200" cy="365125"/>
+            <a:off x="9900458" y="6459785"/>
+            <a:ext cx="1312025" cy="365125"/>
           </a:xfrm>
           <a:prstGeom prst="rect">
             <a:avLst/>
@@ -6694,11 +7655,9 @@
           <a:bodyPr vert="horz" lIns="91440" tIns="45720" rIns="91440" bIns="45720" rtlCol="0" anchor="ctr"/>
           <a:lstStyle>
             <a:lvl1pPr algn="r">
-              <a:defRPr sz="1200">
+              <a:defRPr sz="1050">
                 <a:solidFill>
-                  <a:schemeClr val="tx1">
-                    <a:tint val="75000"/>
-                  </a:schemeClr>
+                  <a:srgbClr val="FFFFFF"/>
                 </a:solidFill>
               </a:defRPr>
             </a:lvl1pPr>
@@ -6712,40 +7671,81 @@
           </a:p>
         </p:txBody>
       </p:sp>
+      <p:cxnSp>
+        <p:nvCxnSpPr>
+          <p:cNvPr id="10" name="Straight Connector 9"/>
+          <p:cNvCxnSpPr/>
+          <p:nvPr/>
+        </p:nvCxnSpPr>
+        <p:spPr>
+          <a:xfrm>
+            <a:off x="1193532" y="1737845"/>
+            <a:ext cx="9966960" cy="0"/>
+          </a:xfrm>
+          <a:prstGeom prst="line">
+            <a:avLst/>
+          </a:prstGeom>
+          <a:ln w="6350">
+            <a:solidFill>
+              <a:schemeClr val="tx1">
+                <a:lumMod val="50000"/>
+                <a:lumOff val="50000"/>
+              </a:schemeClr>
+            </a:solidFill>
+          </a:ln>
+        </p:spPr>
+        <p:style>
+          <a:lnRef idx="1">
+            <a:schemeClr val="accent1"/>
+          </a:lnRef>
+          <a:fillRef idx="0">
+            <a:schemeClr val="accent1"/>
+          </a:fillRef>
+          <a:effectRef idx="0">
+            <a:schemeClr val="accent1"/>
+          </a:effectRef>
+          <a:fontRef idx="minor">
+            <a:schemeClr val="tx1"/>
+          </a:fontRef>
+        </p:style>
+      </p:cxnSp>
     </p:spTree>
     <p:extLst>
       <p:ext uri="{BB962C8B-B14F-4D97-AF65-F5344CB8AC3E}">
-        <p14:creationId xmlns:p14="http://schemas.microsoft.com/office/powerpoint/2010/main" val="401512948"/>
+        <p14:creationId xmlns:p14="http://schemas.microsoft.com/office/powerpoint/2010/main" val="4265021884"/>
       </p:ext>
     </p:extLst>
   </p:cSld>
   <p:clrMap bg1="lt1" tx1="dk1" bg2="lt2" tx2="dk2" accent1="accent1" accent2="accent2" accent3="accent3" accent4="accent4" accent5="accent5" accent6="accent6" hlink="hlink" folHlink="folHlink"/>
   <p:sldLayoutIdLst>
-    <p:sldLayoutId id="2147483649" r:id="rId1"/>
-    <p:sldLayoutId id="2147483650" r:id="rId2"/>
-    <p:sldLayoutId id="2147483651" r:id="rId3"/>
-    <p:sldLayoutId id="2147483652" r:id="rId4"/>
-    <p:sldLayoutId id="2147483653" r:id="rId5"/>
-    <p:sldLayoutId id="2147483654" r:id="rId6"/>
-    <p:sldLayoutId id="2147483655" r:id="rId7"/>
-    <p:sldLayoutId id="2147483656" r:id="rId8"/>
-    <p:sldLayoutId id="2147483657" r:id="rId9"/>
-    <p:sldLayoutId id="2147483658" r:id="rId10"/>
-    <p:sldLayoutId id="2147483659" r:id="rId11"/>
+    <p:sldLayoutId id="2147483757" r:id="rId1"/>
+    <p:sldLayoutId id="2147483758" r:id="rId2"/>
+    <p:sldLayoutId id="2147483759" r:id="rId3"/>
+    <p:sldLayoutId id="2147483760" r:id="rId4"/>
+    <p:sldLayoutId id="2147483761" r:id="rId5"/>
+    <p:sldLayoutId id="2147483762" r:id="rId6"/>
+    <p:sldLayoutId id="2147483763" r:id="rId7"/>
+    <p:sldLayoutId id="2147483764" r:id="rId8"/>
+    <p:sldLayoutId id="2147483765" r:id="rId9"/>
+    <p:sldLayoutId id="2147483766" r:id="rId10"/>
+    <p:sldLayoutId id="2147483767" r:id="rId11"/>
   </p:sldLayoutIdLst>
   <p:txStyles>
     <p:titleStyle>
       <a:lvl1pPr algn="l" defTabSz="914400" rtl="0" eaLnBrk="1" latinLnBrk="0" hangingPunct="1">
         <a:lnSpc>
-          <a:spcPct val="90000"/>
+          <a:spcPct val="85000"/>
         </a:lnSpc>
         <a:spcBef>
           <a:spcPct val="0"/>
         </a:spcBef>
         <a:buNone/>
-        <a:defRPr sz="4400" kern="1200">
+        <a:defRPr sz="4800" kern="1200" spc="-50" baseline="0">
           <a:solidFill>
-            <a:schemeClr val="tx1"/>
+            <a:schemeClr val="tx1">
+              <a:lumMod val="75000"/>
+              <a:lumOff val="25000"/>
+            </a:schemeClr>
           </a:solidFill>
           <a:latin typeface="+mj-lt"/>
           <a:ea typeface="+mj-ea"/>
@@ -6754,162 +7754,244 @@
       </a:lvl1pPr>
     </p:titleStyle>
     <p:bodyStyle>
-      <a:lvl1pPr marL="228600" indent="-228600" algn="l" defTabSz="914400" rtl="0" eaLnBrk="1" latinLnBrk="0" hangingPunct="1">
+      <a:lvl1pPr marL="91440" indent="-91440" algn="l" defTabSz="914400" rtl="0" eaLnBrk="1" latinLnBrk="0" hangingPunct="1">
         <a:lnSpc>
           <a:spcPct val="90000"/>
         </a:lnSpc>
         <a:spcBef>
-          <a:spcPts val="1000"/>
+          <a:spcPts val="1200"/>
         </a:spcBef>
-        <a:buFont typeface="Arial" panose="020B0604020202020204" pitchFamily="34" charset="0"/>
-        <a:buChar char="•"/>
-        <a:defRPr sz="2800" kern="1200">
+        <a:spcAft>
+          <a:spcPts val="200"/>
+        </a:spcAft>
+        <a:buClr>
+          <a:schemeClr val="accent1"/>
+        </a:buClr>
+        <a:buSzPct val="100000"/>
+        <a:buFont typeface="Calibri" panose="020F0502020204030204" pitchFamily="34" charset="0"/>
+        <a:buChar char=" "/>
+        <a:defRPr sz="2000" kern="1200">
           <a:solidFill>
-            <a:schemeClr val="tx1"/>
+            <a:schemeClr val="tx1">
+              <a:lumMod val="75000"/>
+              <a:lumOff val="25000"/>
+            </a:schemeClr>
           </a:solidFill>
           <a:latin typeface="+mn-lt"/>
           <a:ea typeface="+mn-ea"/>
           <a:cs typeface="+mn-cs"/>
         </a:defRPr>
       </a:lvl1pPr>
-      <a:lvl2pPr marL="685800" indent="-228600" algn="l" defTabSz="914400" rtl="0" eaLnBrk="1" latinLnBrk="0" hangingPunct="1">
+      <a:lvl2pPr marL="384048" indent="-182880" algn="l" defTabSz="914400" rtl="0" eaLnBrk="1" latinLnBrk="0" hangingPunct="1">
         <a:lnSpc>
           <a:spcPct val="90000"/>
         </a:lnSpc>
         <a:spcBef>
-          <a:spcPts val="500"/>
+          <a:spcPts val="200"/>
         </a:spcBef>
-        <a:buFont typeface="Arial" panose="020B0604020202020204" pitchFamily="34" charset="0"/>
-        <a:buChar char="•"/>
-        <a:defRPr sz="2400" kern="1200">
+        <a:spcAft>
+          <a:spcPts val="400"/>
+        </a:spcAft>
+        <a:buClr>
+          <a:schemeClr val="accent1"/>
+        </a:buClr>
+        <a:buFont typeface="Calibri" pitchFamily="34" charset="0"/>
+        <a:buChar char="◦"/>
+        <a:defRPr sz="1800" kern="1200">
           <a:solidFill>
-            <a:schemeClr val="tx1"/>
+            <a:schemeClr val="tx1">
+              <a:lumMod val="75000"/>
+              <a:lumOff val="25000"/>
+            </a:schemeClr>
           </a:solidFill>
           <a:latin typeface="+mn-lt"/>
           <a:ea typeface="+mn-ea"/>
           <a:cs typeface="+mn-cs"/>
         </a:defRPr>
       </a:lvl2pPr>
-      <a:lvl3pPr marL="1143000" indent="-228600" algn="l" defTabSz="914400" rtl="0" eaLnBrk="1" latinLnBrk="0" hangingPunct="1">
+      <a:lvl3pPr marL="566928" indent="-182880" algn="l" defTabSz="914400" rtl="0" eaLnBrk="1" latinLnBrk="0" hangingPunct="1">
         <a:lnSpc>
           <a:spcPct val="90000"/>
         </a:lnSpc>
         <a:spcBef>
-          <a:spcPts val="500"/>
+          <a:spcPts val="200"/>
         </a:spcBef>
-        <a:buFont typeface="Arial" panose="020B0604020202020204" pitchFamily="34" charset="0"/>
-        <a:buChar char="•"/>
-        <a:defRPr sz="2000" kern="1200">
+        <a:spcAft>
+          <a:spcPts val="400"/>
+        </a:spcAft>
+        <a:buClr>
+          <a:schemeClr val="accent1"/>
+        </a:buClr>
+        <a:buFont typeface="Calibri" pitchFamily="34" charset="0"/>
+        <a:buChar char="◦"/>
+        <a:defRPr sz="1400" kern="1200">
           <a:solidFill>
-            <a:schemeClr val="tx1"/>
+            <a:schemeClr val="tx1">
+              <a:lumMod val="75000"/>
+              <a:lumOff val="25000"/>
+            </a:schemeClr>
           </a:solidFill>
           <a:latin typeface="+mn-lt"/>
           <a:ea typeface="+mn-ea"/>
           <a:cs typeface="+mn-cs"/>
         </a:defRPr>
       </a:lvl3pPr>
-      <a:lvl4pPr marL="1600200" indent="-228600" algn="l" defTabSz="914400" rtl="0" eaLnBrk="1" latinLnBrk="0" hangingPunct="1">
+      <a:lvl4pPr marL="749808" indent="-182880" algn="l" defTabSz="914400" rtl="0" eaLnBrk="1" latinLnBrk="0" hangingPunct="1">
         <a:lnSpc>
           <a:spcPct val="90000"/>
         </a:lnSpc>
         <a:spcBef>
-          <a:spcPts val="500"/>
+          <a:spcPts val="200"/>
         </a:spcBef>
-        <a:buFont typeface="Arial" panose="020B0604020202020204" pitchFamily="34" charset="0"/>
-        <a:buChar char="•"/>
-        <a:defRPr sz="1800" kern="1200">
+        <a:spcAft>
+          <a:spcPts val="400"/>
+        </a:spcAft>
+        <a:buClr>
+          <a:schemeClr val="accent1"/>
+        </a:buClr>
+        <a:buFont typeface="Calibri" pitchFamily="34" charset="0"/>
+        <a:buChar char="◦"/>
+        <a:defRPr sz="1400" kern="1200">
           <a:solidFill>
-            <a:schemeClr val="tx1"/>
+            <a:schemeClr val="tx1">
+              <a:lumMod val="75000"/>
+              <a:lumOff val="25000"/>
+            </a:schemeClr>
           </a:solidFill>
           <a:latin typeface="+mn-lt"/>
           <a:ea typeface="+mn-ea"/>
           <a:cs typeface="+mn-cs"/>
         </a:defRPr>
       </a:lvl4pPr>
-      <a:lvl5pPr marL="2057400" indent="-228600" algn="l" defTabSz="914400" rtl="0" eaLnBrk="1" latinLnBrk="0" hangingPunct="1">
+      <a:lvl5pPr marL="932688" indent="-182880" algn="l" defTabSz="914400" rtl="0" eaLnBrk="1" latinLnBrk="0" hangingPunct="1">
         <a:lnSpc>
           <a:spcPct val="90000"/>
         </a:lnSpc>
         <a:spcBef>
-          <a:spcPts val="500"/>
+          <a:spcPts val="200"/>
         </a:spcBef>
-        <a:buFont typeface="Arial" panose="020B0604020202020204" pitchFamily="34" charset="0"/>
-        <a:buChar char="•"/>
-        <a:defRPr sz="1800" kern="1200">
+        <a:spcAft>
+          <a:spcPts val="400"/>
+        </a:spcAft>
+        <a:buClr>
+          <a:schemeClr val="accent1"/>
+        </a:buClr>
+        <a:buFont typeface="Calibri" pitchFamily="34" charset="0"/>
+        <a:buChar char="◦"/>
+        <a:defRPr sz="1400" kern="1200">
           <a:solidFill>
-            <a:schemeClr val="tx1"/>
+            <a:schemeClr val="tx1">
+              <a:lumMod val="75000"/>
+              <a:lumOff val="25000"/>
+            </a:schemeClr>
           </a:solidFill>
           <a:latin typeface="+mn-lt"/>
           <a:ea typeface="+mn-ea"/>
           <a:cs typeface="+mn-cs"/>
         </a:defRPr>
       </a:lvl5pPr>
-      <a:lvl6pPr marL="2514600" indent="-228600" algn="l" defTabSz="914400" rtl="0" eaLnBrk="1" latinLnBrk="0" hangingPunct="1">
+      <a:lvl6pPr marL="1100000" indent="-228600" algn="l" defTabSz="914400" rtl="0" eaLnBrk="1" latinLnBrk="0" hangingPunct="1">
         <a:lnSpc>
           <a:spcPct val="90000"/>
         </a:lnSpc>
         <a:spcBef>
-          <a:spcPts val="500"/>
+          <a:spcPts val="200"/>
         </a:spcBef>
-        <a:buFont typeface="Arial" panose="020B0604020202020204" pitchFamily="34" charset="0"/>
-        <a:buChar char="•"/>
-        <a:defRPr sz="1800" kern="1200">
+        <a:spcAft>
+          <a:spcPts val="400"/>
+        </a:spcAft>
+        <a:buClr>
+          <a:schemeClr val="accent1"/>
+        </a:buClr>
+        <a:buFont typeface="Calibri" pitchFamily="34" charset="0"/>
+        <a:buChar char="◦"/>
+        <a:defRPr sz="1400" kern="1200">
           <a:solidFill>
-            <a:schemeClr val="tx1"/>
+            <a:schemeClr val="tx1">
+              <a:lumMod val="75000"/>
+              <a:lumOff val="25000"/>
+            </a:schemeClr>
           </a:solidFill>
           <a:latin typeface="+mn-lt"/>
           <a:ea typeface="+mn-ea"/>
           <a:cs typeface="+mn-cs"/>
         </a:defRPr>
       </a:lvl6pPr>
-      <a:lvl7pPr marL="2971800" indent="-228600" algn="l" defTabSz="914400" rtl="0" eaLnBrk="1" latinLnBrk="0" hangingPunct="1">
+      <a:lvl7pPr marL="1300000" indent="-228600" algn="l" defTabSz="914400" rtl="0" eaLnBrk="1" latinLnBrk="0" hangingPunct="1">
         <a:lnSpc>
           <a:spcPct val="90000"/>
         </a:lnSpc>
         <a:spcBef>
-          <a:spcPts val="500"/>
+          <a:spcPts val="200"/>
         </a:spcBef>
-        <a:buFont typeface="Arial" panose="020B0604020202020204" pitchFamily="34" charset="0"/>
-        <a:buChar char="•"/>
-        <a:defRPr sz="1800" kern="1200">
+        <a:spcAft>
+          <a:spcPts val="400"/>
+        </a:spcAft>
+        <a:buClr>
+          <a:schemeClr val="accent1"/>
+        </a:buClr>
+        <a:buFont typeface="Calibri" pitchFamily="34" charset="0"/>
+        <a:buChar char="◦"/>
+        <a:defRPr sz="1400" kern="1200">
           <a:solidFill>
-            <a:schemeClr val="tx1"/>
+            <a:schemeClr val="tx1">
+              <a:lumMod val="75000"/>
+              <a:lumOff val="25000"/>
+            </a:schemeClr>
           </a:solidFill>
           <a:latin typeface="+mn-lt"/>
           <a:ea typeface="+mn-ea"/>
           <a:cs typeface="+mn-cs"/>
         </a:defRPr>
       </a:lvl7pPr>
-      <a:lvl8pPr marL="3429000" indent="-228600" algn="l" defTabSz="914400" rtl="0" eaLnBrk="1" latinLnBrk="0" hangingPunct="1">
+      <a:lvl8pPr marL="1500000" indent="-228600" algn="l" defTabSz="914400" rtl="0" eaLnBrk="1" latinLnBrk="0" hangingPunct="1">
         <a:lnSpc>
           <a:spcPct val="90000"/>
         </a:lnSpc>
         <a:spcBef>
-          <a:spcPts val="500"/>
+          <a:spcPts val="200"/>
         </a:spcBef>
-        <a:buFont typeface="Arial" panose="020B0604020202020204" pitchFamily="34" charset="0"/>
-        <a:buChar char="•"/>
-        <a:defRPr sz="1800" kern="1200">
+        <a:spcAft>
+          <a:spcPts val="400"/>
+        </a:spcAft>
+        <a:buClr>
+          <a:schemeClr val="accent1"/>
+        </a:buClr>
+        <a:buFont typeface="Calibri" pitchFamily="34" charset="0"/>
+        <a:buChar char="◦"/>
+        <a:defRPr sz="1400" kern="1200">
           <a:solidFill>
-            <a:schemeClr val="tx1"/>
+            <a:schemeClr val="tx1">
+              <a:lumMod val="75000"/>
+              <a:lumOff val="25000"/>
+            </a:schemeClr>
           </a:solidFill>
           <a:latin typeface="+mn-lt"/>
           <a:ea typeface="+mn-ea"/>
           <a:cs typeface="+mn-cs"/>
         </a:defRPr>
       </a:lvl8pPr>
-      <a:lvl9pPr marL="3886200" indent="-228600" algn="l" defTabSz="914400" rtl="0" eaLnBrk="1" latinLnBrk="0" hangingPunct="1">
+      <a:lvl9pPr marL="1700000" indent="-228600" algn="l" defTabSz="914400" rtl="0" eaLnBrk="1" latinLnBrk="0" hangingPunct="1">
         <a:lnSpc>
           <a:spcPct val="90000"/>
         </a:lnSpc>
         <a:spcBef>
-          <a:spcPts val="500"/>
+          <a:spcPts val="200"/>
         </a:spcBef>
-        <a:buFont typeface="Arial" panose="020B0604020202020204" pitchFamily="34" charset="0"/>
-        <a:buChar char="•"/>
-        <a:defRPr sz="1800" kern="1200">
+        <a:spcAft>
+          <a:spcPts val="400"/>
+        </a:spcAft>
+        <a:buClr>
+          <a:schemeClr val="accent1"/>
+        </a:buClr>
+        <a:buFont typeface="Calibri" pitchFamily="34" charset="0"/>
+        <a:buChar char="◦"/>
+        <a:defRPr sz="1400" kern="1200">
           <a:solidFill>
-            <a:schemeClr val="tx1"/>
+            <a:schemeClr val="tx1">
+              <a:lumMod val="75000"/>
+              <a:lumOff val="25000"/>
+            </a:schemeClr>
           </a:solidFill>
           <a:latin typeface="+mn-lt"/>
           <a:ea typeface="+mn-ea"/>
@@ -7041,306 +8123,6 @@
           <a:chExt cx="0" cy="0"/>
         </a:xfrm>
       </p:grpSpPr>
-      <p:sp useBgFill="1">
-        <p:nvSpPr>
-          <p:cNvPr id="23" name="Rectangle 22">
-            <a:extLst>
-              <a:ext uri="{FF2B5EF4-FFF2-40B4-BE49-F238E27FC236}">
-                <a16:creationId xmlns:a16="http://schemas.microsoft.com/office/drawing/2014/main" id="{8555C5B3-193A-4749-9AFD-682E53CDDE8F}"/>
-              </a:ext>
-              <a:ext uri="{C183D7F6-B498-43B3-948B-1728B52AA6E4}">
-                <adec:decorative xmlns:adec="http://schemas.microsoft.com/office/drawing/2017/decorative" val="1"/>
-              </a:ext>
-            </a:extLst>
-          </p:cNvPr>
-          <p:cNvSpPr>
-            <a:spLocks noGrp="1" noRot="1" noChangeAspect="1" noMove="1" noResize="1" noEditPoints="1" noAdjustHandles="1" noChangeArrowheads="1" noChangeShapeType="1" noTextEdit="1"/>
-          </p:cNvSpPr>
-          <p:nvPr>
-            <p:extLst>
-              <p:ext uri="{386F3935-93C4-4BCD-93E2-E3B085C9AB24}">
-                <p16:designElem xmlns:p16="http://schemas.microsoft.com/office/powerpoint/2015/main" val="1"/>
-              </p:ext>
-            </p:extLst>
-          </p:nvPr>
-        </p:nvSpPr>
-        <p:spPr>
-          <a:xfrm>
-            <a:off x="0" y="0"/>
-            <a:ext cx="12192000" cy="6858000"/>
-          </a:xfrm>
-          <a:prstGeom prst="rect">
-            <a:avLst/>
-          </a:prstGeom>
-          <a:ln w="12700" cap="flat" cmpd="sng" algn="ctr">
-            <a:noFill/>
-            <a:prstDash val="solid"/>
-            <a:miter lim="800000"/>
-          </a:ln>
-          <a:effectLst/>
-          <a:extLst>
-            <a:ext uri="{91240B29-F687-4F45-9708-019B960494DF}">
-              <a14:hiddenLine xmlns:a14="http://schemas.microsoft.com/office/drawing/2010/main" w="12700" cap="flat" cmpd="sng" algn="ctr">
-                <a:solidFill>
-                  <a:schemeClr val="accent1">
-                    <a:shade val="50000"/>
-                  </a:schemeClr>
-                </a:solidFill>
-                <a:prstDash val="solid"/>
-                <a:miter lim="800000"/>
-              </a14:hiddenLine>
-            </a:ext>
-          </a:extLst>
-        </p:spPr>
-        <p:style>
-          <a:lnRef idx="2">
-            <a:schemeClr val="accent1">
-              <a:shade val="50000"/>
-            </a:schemeClr>
-          </a:lnRef>
-          <a:fillRef idx="1">
-            <a:schemeClr val="accent1"/>
-          </a:fillRef>
-          <a:effectRef idx="0">
-            <a:schemeClr val="accent1"/>
-          </a:effectRef>
-          <a:fontRef idx="minor">
-            <a:schemeClr val="lt1"/>
-          </a:fontRef>
-        </p:style>
-        <p:txBody>
-          <a:bodyPr rtlCol="0" anchor="ctr"/>
-          <a:lstStyle/>
-          <a:p>
-            <a:pPr algn="ctr"/>
-            <a:endParaRPr lang="en-US" dirty="0"/>
-          </a:p>
-        </p:txBody>
-      </p:sp>
-      <p:sp>
-        <p:nvSpPr>
-          <p:cNvPr id="25" name="Rectangle 24">
-            <a:extLst>
-              <a:ext uri="{FF2B5EF4-FFF2-40B4-BE49-F238E27FC236}">
-                <a16:creationId xmlns:a16="http://schemas.microsoft.com/office/drawing/2014/main" id="{2EAE06A6-F76A-41C9-827A-C561B004485C}"/>
-              </a:ext>
-              <a:ext uri="{C183D7F6-B498-43B3-948B-1728B52AA6E4}">
-                <adec:decorative xmlns:adec="http://schemas.microsoft.com/office/drawing/2017/decorative" val="1"/>
-              </a:ext>
-            </a:extLst>
-          </p:cNvPr>
-          <p:cNvSpPr>
-            <a:spLocks noGrp="1" noRot="1" noChangeAspect="1" noMove="1" noResize="1" noEditPoints="1" noAdjustHandles="1" noChangeArrowheads="1" noChangeShapeType="1" noTextEdit="1"/>
-          </p:cNvSpPr>
-          <p:nvPr>
-            <p:extLst>
-              <p:ext uri="{386F3935-93C4-4BCD-93E2-E3B085C9AB24}">
-                <p16:designElem xmlns:p16="http://schemas.microsoft.com/office/powerpoint/2015/main" val="1"/>
-              </p:ext>
-            </p:extLst>
-          </p:nvPr>
-        </p:nvSpPr>
-        <p:spPr>
-          <a:xfrm flipH="1">
-            <a:off x="0" y="-3"/>
-            <a:ext cx="12192000" cy="6858000"/>
-          </a:xfrm>
-          <a:prstGeom prst="rect">
-            <a:avLst/>
-          </a:prstGeom>
-          <a:gradFill>
-            <a:gsLst>
-              <a:gs pos="0">
-                <a:srgbClr val="000000"/>
-              </a:gs>
-              <a:gs pos="100000">
-                <a:schemeClr val="accent1">
-                  <a:lumMod val="75000"/>
-                </a:schemeClr>
-              </a:gs>
-            </a:gsLst>
-            <a:lin ang="6600000" scaled="0"/>
-          </a:gradFill>
-          <a:ln>
-            <a:noFill/>
-          </a:ln>
-        </p:spPr>
-        <p:style>
-          <a:lnRef idx="2">
-            <a:schemeClr val="accent1">
-              <a:shade val="50000"/>
-            </a:schemeClr>
-          </a:lnRef>
-          <a:fillRef idx="1">
-            <a:schemeClr val="accent1"/>
-          </a:fillRef>
-          <a:effectRef idx="0">
-            <a:schemeClr val="accent1"/>
-          </a:effectRef>
-          <a:fontRef idx="minor">
-            <a:schemeClr val="lt1"/>
-          </a:fontRef>
-        </p:style>
-        <p:txBody>
-          <a:bodyPr rtlCol="0" anchor="ctr"/>
-          <a:lstStyle/>
-          <a:p>
-            <a:pPr algn="ctr"/>
-            <a:endParaRPr lang="en-US" dirty="0"/>
-          </a:p>
-        </p:txBody>
-      </p:sp>
-      <p:sp>
-        <p:nvSpPr>
-          <p:cNvPr id="27" name="Rectangle 26">
-            <a:extLst>
-              <a:ext uri="{FF2B5EF4-FFF2-40B4-BE49-F238E27FC236}">
-                <a16:creationId xmlns:a16="http://schemas.microsoft.com/office/drawing/2014/main" id="{89F9D4E8-0639-444B-949B-9518585061AF}"/>
-              </a:ext>
-              <a:ext uri="{C183D7F6-B498-43B3-948B-1728B52AA6E4}">
-                <adec:decorative xmlns:adec="http://schemas.microsoft.com/office/drawing/2017/decorative" val="1"/>
-              </a:ext>
-            </a:extLst>
-          </p:cNvPr>
-          <p:cNvSpPr>
-            <a:spLocks noGrp="1" noRot="1" noChangeAspect="1" noMove="1" noResize="1" noEditPoints="1" noAdjustHandles="1" noChangeArrowheads="1" noChangeShapeType="1" noTextEdit="1"/>
-          </p:cNvSpPr>
-          <p:nvPr>
-            <p:extLst>
-              <p:ext uri="{386F3935-93C4-4BCD-93E2-E3B085C9AB24}">
-                <p16:designElem xmlns:p16="http://schemas.microsoft.com/office/powerpoint/2015/main" val="1"/>
-              </p:ext>
-            </p:extLst>
-          </p:nvPr>
-        </p:nvSpPr>
-        <p:spPr>
-          <a:xfrm flipH="1">
-            <a:off x="480861" y="0"/>
-            <a:ext cx="7661934" cy="6858000"/>
-          </a:xfrm>
-          <a:prstGeom prst="rect">
-            <a:avLst/>
-          </a:prstGeom>
-          <a:gradFill>
-            <a:gsLst>
-              <a:gs pos="0">
-                <a:schemeClr val="accent1">
-                  <a:lumMod val="75000"/>
-                  <a:alpha val="45000"/>
-                </a:schemeClr>
-              </a:gs>
-              <a:gs pos="100000">
-                <a:srgbClr val="000000">
-                  <a:alpha val="29000"/>
-                </a:srgbClr>
-              </a:gs>
-            </a:gsLst>
-            <a:lin ang="12000000" scaled="0"/>
-          </a:gradFill>
-          <a:ln>
-            <a:noFill/>
-          </a:ln>
-        </p:spPr>
-        <p:style>
-          <a:lnRef idx="2">
-            <a:schemeClr val="accent1">
-              <a:shade val="50000"/>
-            </a:schemeClr>
-          </a:lnRef>
-          <a:fillRef idx="1">
-            <a:schemeClr val="accent1"/>
-          </a:fillRef>
-          <a:effectRef idx="0">
-            <a:schemeClr val="accent1"/>
-          </a:effectRef>
-          <a:fontRef idx="minor">
-            <a:schemeClr val="lt1"/>
-          </a:fontRef>
-        </p:style>
-        <p:txBody>
-          <a:bodyPr rtlCol="0" anchor="ctr"/>
-          <a:lstStyle/>
-          <a:p>
-            <a:pPr algn="ctr"/>
-            <a:endParaRPr lang="en-US" dirty="0"/>
-          </a:p>
-        </p:txBody>
-      </p:sp>
-      <p:sp>
-        <p:nvSpPr>
-          <p:cNvPr id="29" name="Rectangle 28">
-            <a:extLst>
-              <a:ext uri="{FF2B5EF4-FFF2-40B4-BE49-F238E27FC236}">
-                <a16:creationId xmlns:a16="http://schemas.microsoft.com/office/drawing/2014/main" id="{7E3DA7A2-ED70-4BBA-AB72-00AD461FA405}"/>
-              </a:ext>
-              <a:ext uri="{C183D7F6-B498-43B3-948B-1728B52AA6E4}">
-                <adec:decorative xmlns:adec="http://schemas.microsoft.com/office/drawing/2017/decorative" val="1"/>
-              </a:ext>
-            </a:extLst>
-          </p:cNvPr>
-          <p:cNvSpPr>
-            <a:spLocks noGrp="1" noRot="1" noChangeAspect="1" noMove="1" noResize="1" noEditPoints="1" noAdjustHandles="1" noChangeArrowheads="1" noChangeShapeType="1" noTextEdit="1"/>
-          </p:cNvSpPr>
-          <p:nvPr>
-            <p:extLst>
-              <p:ext uri="{386F3935-93C4-4BCD-93E2-E3B085C9AB24}">
-                <p16:designElem xmlns:p16="http://schemas.microsoft.com/office/powerpoint/2015/main" val="1"/>
-              </p:ext>
-            </p:extLst>
-          </p:nvPr>
-        </p:nvSpPr>
-        <p:spPr>
-          <a:xfrm rot="10800000" flipH="1">
-            <a:off x="480862" y="-6"/>
-            <a:ext cx="11711138" cy="6410334"/>
-          </a:xfrm>
-          <a:prstGeom prst="rect">
-            <a:avLst/>
-          </a:prstGeom>
-          <a:gradFill>
-            <a:gsLst>
-              <a:gs pos="0">
-                <a:schemeClr val="accent1">
-                  <a:alpha val="0"/>
-                </a:schemeClr>
-              </a:gs>
-              <a:gs pos="100000">
-                <a:srgbClr val="000000">
-                  <a:alpha val="41000"/>
-                </a:srgbClr>
-              </a:gs>
-            </a:gsLst>
-            <a:lin ang="18000000" scaled="0"/>
-          </a:gradFill>
-          <a:ln>
-            <a:noFill/>
-          </a:ln>
-        </p:spPr>
-        <p:style>
-          <a:lnRef idx="2">
-            <a:schemeClr val="accent1">
-              <a:shade val="50000"/>
-            </a:schemeClr>
-          </a:lnRef>
-          <a:fillRef idx="1">
-            <a:schemeClr val="accent1"/>
-          </a:fillRef>
-          <a:effectRef idx="0">
-            <a:schemeClr val="accent1"/>
-          </a:effectRef>
-          <a:fontRef idx="minor">
-            <a:schemeClr val="lt1"/>
-          </a:fontRef>
-        </p:style>
-        <p:txBody>
-          <a:bodyPr rtlCol="0" anchor="ctr"/>
-          <a:lstStyle/>
-          <a:p>
-            <a:pPr algn="ctr"/>
-            <a:endParaRPr lang="en-US" dirty="0"/>
-          </a:p>
-        </p:txBody>
-      </p:sp>
       <p:sp>
         <p:nvSpPr>
           <p:cNvPr id="2" name="Title 1">
@@ -7359,106 +8141,30 @@
         </p:nvSpPr>
         <p:spPr>
           <a:xfrm>
-            <a:off x="1127208" y="857251"/>
-            <a:ext cx="4747280" cy="3098061"/>
+            <a:off x="804672" y="3121701"/>
+            <a:ext cx="3658053" cy="1786515"/>
           </a:xfrm>
         </p:spPr>
         <p:txBody>
-          <a:bodyPr anchor="b">
+          <a:bodyPr anchor="t">
             <a:normAutofit/>
           </a:bodyPr>
           <a:lstStyle/>
           <a:p>
             <a:pPr algn="l"/>
             <a:r>
-              <a:rPr lang="en-US" sz="4800">
+              <a:rPr lang="en-US" sz="4000">
                 <a:solidFill>
-                  <a:srgbClr val="FFFFFF"/>
+                  <a:schemeClr val="tx2"/>
                 </a:solidFill>
               </a:rPr>
               <a:t>Supervisory Meeting</a:t>
             </a:r>
-            <a:endParaRPr lang="en-GB" sz="4800">
+            <a:endParaRPr lang="en-GB" sz="4000">
               <a:solidFill>
-                <a:srgbClr val="FFFFFF"/>
+                <a:schemeClr val="tx2"/>
               </a:solidFill>
             </a:endParaRPr>
-          </a:p>
-        </p:txBody>
-      </p:sp>
-      <p:sp>
-        <p:nvSpPr>
-          <p:cNvPr id="31" name="Rectangle 30">
-            <a:extLst>
-              <a:ext uri="{FF2B5EF4-FFF2-40B4-BE49-F238E27FC236}">
-                <a16:creationId xmlns:a16="http://schemas.microsoft.com/office/drawing/2014/main" id="{FC485432-3647-4218-B5D3-15D3FA222B13}"/>
-              </a:ext>
-              <a:ext uri="{C183D7F6-B498-43B3-948B-1728B52AA6E4}">
-                <adec:decorative xmlns:adec="http://schemas.microsoft.com/office/drawing/2017/decorative" val="1"/>
-              </a:ext>
-            </a:extLst>
-          </p:cNvPr>
-          <p:cNvSpPr>
-            <a:spLocks noGrp="1" noRot="1" noChangeAspect="1" noMove="1" noResize="1" noEditPoints="1" noAdjustHandles="1" noChangeArrowheads="1" noChangeShapeType="1" noTextEdit="1"/>
-          </p:cNvSpPr>
-          <p:nvPr>
-            <p:extLst>
-              <p:ext uri="{386F3935-93C4-4BCD-93E2-E3B085C9AB24}">
-                <p16:designElem xmlns:p16="http://schemas.microsoft.com/office/powerpoint/2015/main" val="1"/>
-              </p:ext>
-            </p:extLst>
-          </p:nvPr>
-        </p:nvSpPr>
-        <p:spPr>
-          <a:xfrm rot="16200000">
-            <a:off x="4844797" y="-489206"/>
-            <a:ext cx="2502408" cy="12191998"/>
-          </a:xfrm>
-          <a:prstGeom prst="rect">
-            <a:avLst/>
-          </a:prstGeom>
-          <a:gradFill>
-            <a:gsLst>
-              <a:gs pos="0">
-                <a:schemeClr val="accent1">
-                  <a:alpha val="24000"/>
-                </a:schemeClr>
-              </a:gs>
-              <a:gs pos="78000">
-                <a:schemeClr val="accent1">
-                  <a:lumMod val="50000"/>
-                  <a:alpha val="0"/>
-                </a:schemeClr>
-              </a:gs>
-            </a:gsLst>
-            <a:lin ang="10200000" scaled="0"/>
-          </a:gradFill>
-          <a:ln>
-            <a:noFill/>
-          </a:ln>
-        </p:spPr>
-        <p:style>
-          <a:lnRef idx="2">
-            <a:schemeClr val="accent1">
-              <a:shade val="50000"/>
-            </a:schemeClr>
-          </a:lnRef>
-          <a:fillRef idx="1">
-            <a:schemeClr val="accent1"/>
-          </a:fillRef>
-          <a:effectRef idx="0">
-            <a:schemeClr val="accent1"/>
-          </a:effectRef>
-          <a:fontRef idx="minor">
-            <a:schemeClr val="lt1"/>
-          </a:fontRef>
-        </p:style>
-        <p:txBody>
-          <a:bodyPr rtlCol="0" anchor="ctr"/>
-          <a:lstStyle/>
-          <a:p>
-            <a:pPr algn="ctr"/>
-            <a:endParaRPr lang="en-US"/>
           </a:p>
         </p:txBody>
       </p:sp>
@@ -7480,93 +8186,30 @@
         </p:nvSpPr>
         <p:spPr>
           <a:xfrm>
-            <a:off x="1127208" y="4756265"/>
-            <a:ext cx="4393278" cy="1244483"/>
+            <a:off x="804672" y="2032347"/>
+            <a:ext cx="3658053" cy="955111"/>
           </a:xfrm>
         </p:spPr>
         <p:txBody>
-          <a:bodyPr anchor="t">
+          <a:bodyPr anchor="b">
             <a:normAutofit/>
           </a:bodyPr>
           <a:lstStyle/>
           <a:p>
             <a:pPr algn="l"/>
             <a:r>
-              <a:rPr lang="en-US">
+              <a:rPr lang="en-US" sz="2000">
                 <a:solidFill>
-                  <a:srgbClr val="FFFFFF"/>
+                  <a:schemeClr val="tx2"/>
                 </a:solidFill>
               </a:rPr>
               <a:t>09/02/24</a:t>
             </a:r>
-            <a:endParaRPr lang="en-GB">
+            <a:endParaRPr lang="en-GB" sz="2000">
               <a:solidFill>
-                <a:srgbClr val="FFFFFF"/>
+                <a:schemeClr val="tx2"/>
               </a:solidFill>
             </a:endParaRPr>
-          </a:p>
-        </p:txBody>
-      </p:sp>
-      <p:sp>
-        <p:nvSpPr>
-          <p:cNvPr id="33" name="Oval 32">
-            <a:extLst>
-              <a:ext uri="{FF2B5EF4-FFF2-40B4-BE49-F238E27FC236}">
-                <a16:creationId xmlns:a16="http://schemas.microsoft.com/office/drawing/2014/main" id="{F4AFDDCA-6ABA-4D23-8A5C-1BF0F4308148}"/>
-              </a:ext>
-              <a:ext uri="{C183D7F6-B498-43B3-948B-1728B52AA6E4}">
-                <adec:decorative xmlns:adec="http://schemas.microsoft.com/office/drawing/2017/decorative" val="1"/>
-              </a:ext>
-            </a:extLst>
-          </p:cNvPr>
-          <p:cNvSpPr>
-            <a:spLocks noGrp="1" noRot="1" noChangeAspect="1" noMove="1" noResize="1" noEditPoints="1" noAdjustHandles="1" noChangeArrowheads="1" noChangeShapeType="1" noTextEdit="1"/>
-          </p:cNvSpPr>
-          <p:nvPr>
-            <p:extLst>
-              <p:ext uri="{386F3935-93C4-4BCD-93E2-E3B085C9AB24}">
-                <p16:designElem xmlns:p16="http://schemas.microsoft.com/office/powerpoint/2015/main" val="1"/>
-              </p:ext>
-            </p:extLst>
-          </p:nvPr>
-        </p:nvSpPr>
-        <p:spPr>
-          <a:xfrm>
-            <a:off x="6390589" y="1062544"/>
-            <a:ext cx="4756162" cy="4756162"/>
-          </a:xfrm>
-          <a:prstGeom prst="ellipse">
-            <a:avLst/>
-          </a:prstGeom>
-          <a:solidFill>
-            <a:schemeClr val="bg1"/>
-          </a:solidFill>
-          <a:ln>
-            <a:noFill/>
-          </a:ln>
-        </p:spPr>
-        <p:style>
-          <a:lnRef idx="2">
-            <a:schemeClr val="accent1">
-              <a:shade val="50000"/>
-            </a:schemeClr>
-          </a:lnRef>
-          <a:fillRef idx="1">
-            <a:schemeClr val="accent1"/>
-          </a:fillRef>
-          <a:effectRef idx="0">
-            <a:schemeClr val="accent1"/>
-          </a:effectRef>
-          <a:fontRef idx="minor">
-            <a:schemeClr val="lt1"/>
-          </a:fontRef>
-        </p:style>
-        <p:txBody>
-          <a:bodyPr rtlCol="0" anchor="ctr"/>
-          <a:lstStyle/>
-          <a:p>
-            <a:pPr algn="ctr"/>
-            <a:endParaRPr lang="en-US"/>
           </a:p>
         </p:txBody>
       </p:sp>
@@ -7601,12 +8244,15 @@
         </p:blipFill>
         <p:spPr>
           <a:xfrm>
-            <a:off x="7461874" y="2108877"/>
-            <a:ext cx="2654533" cy="2654533"/>
+            <a:off x="6379341" y="910518"/>
+            <a:ext cx="5029200" cy="5029200"/>
           </a:xfrm>
           <a:prstGeom prst="rect">
             <a:avLst/>
           </a:prstGeom>
+          <a:ln w="9525">
+            <a:noFill/>
+          </a:ln>
         </p:spPr>
       </p:pic>
     </p:spTree>
@@ -7628,7 +8274,7 @@
     <p:bg>
       <p:bgPr>
         <a:solidFill>
-          <a:schemeClr val="bg1"/>
+          <a:schemeClr val="bg2"/>
         </a:solidFill>
         <a:effectLst/>
       </p:bgPr>
@@ -7647,308 +8293,6 @@
           <a:chExt cx="0" cy="0"/>
         </a:xfrm>
       </p:grpSpPr>
-      <p:sp useBgFill="1">
-        <p:nvSpPr>
-          <p:cNvPr id="6" name="Rectangle 8">
-            <a:extLst>
-              <a:ext uri="{FF2B5EF4-FFF2-40B4-BE49-F238E27FC236}">
-                <a16:creationId xmlns:a16="http://schemas.microsoft.com/office/drawing/2014/main" id="{BACC6370-2D7E-4714-9D71-7542949D7D5D}"/>
-              </a:ext>
-              <a:ext uri="{C183D7F6-B498-43B3-948B-1728B52AA6E4}">
-                <adec:decorative xmlns:adec="http://schemas.microsoft.com/office/drawing/2017/decorative" val="1"/>
-              </a:ext>
-            </a:extLst>
-          </p:cNvPr>
-          <p:cNvSpPr>
-            <a:spLocks noGrp="1" noRot="1" noChangeAspect="1" noMove="1" noResize="1" noEditPoints="1" noAdjustHandles="1" noChangeArrowheads="1" noChangeShapeType="1" noTextEdit="1"/>
-          </p:cNvSpPr>
-          <p:nvPr>
-            <p:extLst>
-              <p:ext uri="{386F3935-93C4-4BCD-93E2-E3B085C9AB24}">
-                <p16:designElem xmlns:p16="http://schemas.microsoft.com/office/powerpoint/2015/main" val="1"/>
-              </p:ext>
-            </p:extLst>
-          </p:nvPr>
-        </p:nvSpPr>
-        <p:spPr>
-          <a:xfrm>
-            <a:off x="0" y="0"/>
-            <a:ext cx="12192000" cy="6858000"/>
-          </a:xfrm>
-          <a:prstGeom prst="rect">
-            <a:avLst/>
-          </a:prstGeom>
-          <a:ln w="12700" cap="flat" cmpd="sng" algn="ctr">
-            <a:noFill/>
-            <a:prstDash val="solid"/>
-            <a:miter lim="800000"/>
-          </a:ln>
-          <a:effectLst/>
-          <a:extLst>
-            <a:ext uri="{91240B29-F687-4F45-9708-019B960494DF}">
-              <a14:hiddenLine xmlns:a14="http://schemas.microsoft.com/office/drawing/2010/main" w="12700" cap="flat" cmpd="sng" algn="ctr">
-                <a:solidFill>
-                  <a:schemeClr val="accent1">
-                    <a:shade val="50000"/>
-                  </a:schemeClr>
-                </a:solidFill>
-                <a:prstDash val="solid"/>
-                <a:miter lim="800000"/>
-              </a14:hiddenLine>
-            </a:ext>
-          </a:extLst>
-        </p:spPr>
-        <p:style>
-          <a:lnRef idx="2">
-            <a:schemeClr val="accent1">
-              <a:shade val="50000"/>
-            </a:schemeClr>
-          </a:lnRef>
-          <a:fillRef idx="1">
-            <a:schemeClr val="accent1"/>
-          </a:fillRef>
-          <a:effectRef idx="0">
-            <a:schemeClr val="accent1"/>
-          </a:effectRef>
-          <a:fontRef idx="minor">
-            <a:schemeClr val="lt1"/>
-          </a:fontRef>
-        </p:style>
-        <p:txBody>
-          <a:bodyPr rtlCol="0" anchor="ctr"/>
-          <a:lstStyle/>
-          <a:p>
-            <a:pPr algn="ctr"/>
-            <a:endParaRPr lang="en-US"/>
-          </a:p>
-        </p:txBody>
-      </p:sp>
-      <p:sp>
-        <p:nvSpPr>
-          <p:cNvPr id="7" name="Rectangle 10">
-            <a:extLst>
-              <a:ext uri="{FF2B5EF4-FFF2-40B4-BE49-F238E27FC236}">
-                <a16:creationId xmlns:a16="http://schemas.microsoft.com/office/drawing/2014/main" id="{F68B3F68-107C-434F-AA38-110D5EA91B85}"/>
-              </a:ext>
-              <a:ext uri="{C183D7F6-B498-43B3-948B-1728B52AA6E4}">
-                <adec:decorative xmlns:adec="http://schemas.microsoft.com/office/drawing/2017/decorative" val="1"/>
-              </a:ext>
-            </a:extLst>
-          </p:cNvPr>
-          <p:cNvSpPr>
-            <a:spLocks noGrp="1" noRot="1" noChangeAspect="1" noMove="1" noResize="1" noEditPoints="1" noAdjustHandles="1" noChangeArrowheads="1" noChangeShapeType="1" noTextEdit="1"/>
-          </p:cNvSpPr>
-          <p:nvPr>
-            <p:extLst>
-              <p:ext uri="{386F3935-93C4-4BCD-93E2-E3B085C9AB24}">
-                <p16:designElem xmlns:p16="http://schemas.microsoft.com/office/powerpoint/2015/main" val="1"/>
-              </p:ext>
-            </p:extLst>
-          </p:nvPr>
-        </p:nvSpPr>
-        <p:spPr>
-          <a:xfrm flipH="1">
-            <a:off x="2" y="0"/>
-            <a:ext cx="12191998" cy="1575955"/>
-          </a:xfrm>
-          <a:prstGeom prst="rect">
-            <a:avLst/>
-          </a:prstGeom>
-          <a:gradFill>
-            <a:gsLst>
-              <a:gs pos="0">
-                <a:srgbClr val="000000">
-                  <a:alpha val="96000"/>
-                </a:srgbClr>
-              </a:gs>
-              <a:gs pos="100000">
-                <a:schemeClr val="accent1">
-                  <a:lumMod val="75000"/>
-                </a:schemeClr>
-              </a:gs>
-            </a:gsLst>
-            <a:lin ang="8400000" scaled="0"/>
-          </a:gradFill>
-          <a:ln>
-            <a:noFill/>
-          </a:ln>
-        </p:spPr>
-        <p:style>
-          <a:lnRef idx="2">
-            <a:schemeClr val="accent1">
-              <a:shade val="50000"/>
-            </a:schemeClr>
-          </a:lnRef>
-          <a:fillRef idx="1">
-            <a:schemeClr val="accent1"/>
-          </a:fillRef>
-          <a:effectRef idx="0">
-            <a:schemeClr val="accent1"/>
-          </a:effectRef>
-          <a:fontRef idx="minor">
-            <a:schemeClr val="lt1"/>
-          </a:fontRef>
-        </p:style>
-        <p:txBody>
-          <a:bodyPr rtlCol="0" anchor="ctr"/>
-          <a:lstStyle/>
-          <a:p>
-            <a:pPr algn="ctr"/>
-            <a:endParaRPr lang="en-US"/>
-          </a:p>
-        </p:txBody>
-      </p:sp>
-      <p:sp>
-        <p:nvSpPr>
-          <p:cNvPr id="8" name="Rectangle 12">
-            <a:extLst>
-              <a:ext uri="{FF2B5EF4-FFF2-40B4-BE49-F238E27FC236}">
-                <a16:creationId xmlns:a16="http://schemas.microsoft.com/office/drawing/2014/main" id="{AAD0DBB9-1A4B-4391-81D4-CB19F9AB918A}"/>
-              </a:ext>
-              <a:ext uri="{C183D7F6-B498-43B3-948B-1728B52AA6E4}">
-                <adec:decorative xmlns:adec="http://schemas.microsoft.com/office/drawing/2017/decorative" val="1"/>
-              </a:ext>
-            </a:extLst>
-          </p:cNvPr>
-          <p:cNvSpPr>
-            <a:spLocks noGrp="1" noRot="1" noChangeAspect="1" noMove="1" noResize="1" noEditPoints="1" noAdjustHandles="1" noChangeArrowheads="1" noChangeShapeType="1" noTextEdit="1"/>
-          </p:cNvSpPr>
-          <p:nvPr>
-            <p:extLst>
-              <p:ext uri="{386F3935-93C4-4BCD-93E2-E3B085C9AB24}">
-                <p16:designElem xmlns:p16="http://schemas.microsoft.com/office/powerpoint/2015/main" val="1"/>
-              </p:ext>
-            </p:extLst>
-          </p:nvPr>
-        </p:nvSpPr>
-        <p:spPr>
-          <a:xfrm rot="10800000" flipH="1">
-            <a:off x="8128857" y="0"/>
-            <a:ext cx="4063143" cy="1576412"/>
-          </a:xfrm>
-          <a:prstGeom prst="rect">
-            <a:avLst/>
-          </a:prstGeom>
-          <a:gradFill>
-            <a:gsLst>
-              <a:gs pos="19000">
-                <a:schemeClr val="accent1">
-                  <a:lumMod val="50000"/>
-                  <a:alpha val="68000"/>
-                </a:schemeClr>
-              </a:gs>
-              <a:gs pos="100000">
-                <a:schemeClr val="accent1">
-                  <a:alpha val="79000"/>
-                </a:schemeClr>
-              </a:gs>
-            </a:gsLst>
-            <a:lin ang="19200000" scaled="0"/>
-          </a:gradFill>
-          <a:ln>
-            <a:noFill/>
-          </a:ln>
-        </p:spPr>
-        <p:style>
-          <a:lnRef idx="2">
-            <a:schemeClr val="accent1">
-              <a:shade val="50000"/>
-            </a:schemeClr>
-          </a:lnRef>
-          <a:fillRef idx="1">
-            <a:schemeClr val="accent1"/>
-          </a:fillRef>
-          <a:effectRef idx="0">
-            <a:schemeClr val="accent1"/>
-          </a:effectRef>
-          <a:fontRef idx="minor">
-            <a:schemeClr val="lt1"/>
-          </a:fontRef>
-        </p:style>
-        <p:txBody>
-          <a:bodyPr rtlCol="0" anchor="ctr"/>
-          <a:lstStyle/>
-          <a:p>
-            <a:pPr algn="ctr"/>
-            <a:endParaRPr lang="en-US"/>
-          </a:p>
-        </p:txBody>
-      </p:sp>
-      <p:sp>
-        <p:nvSpPr>
-          <p:cNvPr id="10" name="Rectangle 14">
-            <a:extLst>
-              <a:ext uri="{FF2B5EF4-FFF2-40B4-BE49-F238E27FC236}">
-                <a16:creationId xmlns:a16="http://schemas.microsoft.com/office/drawing/2014/main" id="{063BBA22-50EA-4C4D-BE05-F1CE4E63AA56}"/>
-              </a:ext>
-              <a:ext uri="{C183D7F6-B498-43B3-948B-1728B52AA6E4}">
-                <adec:decorative xmlns:adec="http://schemas.microsoft.com/office/drawing/2017/decorative" val="1"/>
-              </a:ext>
-            </a:extLst>
-          </p:cNvPr>
-          <p:cNvSpPr>
-            <a:spLocks noGrp="1" noRot="1" noChangeAspect="1" noMove="1" noResize="1" noEditPoints="1" noAdjustHandles="1" noChangeArrowheads="1" noChangeShapeType="1" noTextEdit="1"/>
-          </p:cNvSpPr>
-          <p:nvPr>
-            <p:extLst>
-              <p:ext uri="{386F3935-93C4-4BCD-93E2-E3B085C9AB24}">
-                <p16:designElem xmlns:p16="http://schemas.microsoft.com/office/powerpoint/2015/main" val="1"/>
-              </p:ext>
-            </p:extLst>
-          </p:nvPr>
-        </p:nvSpPr>
-        <p:spPr>
-          <a:xfrm rot="5400000">
-            <a:off x="5307777" y="-5307778"/>
-            <a:ext cx="1576446" cy="12192002"/>
-          </a:xfrm>
-          <a:prstGeom prst="rect">
-            <a:avLst/>
-          </a:prstGeom>
-          <a:gradFill>
-            <a:gsLst>
-              <a:gs pos="23000">
-                <a:schemeClr val="accent1">
-                  <a:alpha val="0"/>
-                </a:schemeClr>
-              </a:gs>
-              <a:gs pos="99000">
-                <a:srgbClr val="000000">
-                  <a:alpha val="74000"/>
-                </a:srgbClr>
-              </a:gs>
-            </a:gsLst>
-            <a:lin ang="20400000" scaled="0"/>
-          </a:gradFill>
-          <a:ln>
-            <a:noFill/>
-          </a:ln>
-        </p:spPr>
-        <p:style>
-          <a:lnRef idx="2">
-            <a:schemeClr val="accent1">
-              <a:shade val="50000"/>
-            </a:schemeClr>
-          </a:lnRef>
-          <a:fillRef idx="1">
-            <a:schemeClr val="accent1"/>
-          </a:fillRef>
-          <a:effectRef idx="0">
-            <a:schemeClr val="accent1"/>
-          </a:effectRef>
-          <a:fontRef idx="minor">
-            <a:schemeClr val="lt1"/>
-          </a:fontRef>
-        </p:style>
-        <p:txBody>
-          <a:bodyPr rtlCol="0" anchor="ctr"/>
-          <a:lstStyle/>
-          <a:p>
-            <a:pPr algn="ctr"/>
-            <a:endParaRPr lang="en-US" dirty="0"/>
-          </a:p>
-        </p:txBody>
-      </p:sp>
       <p:sp>
         <p:nvSpPr>
           <p:cNvPr id="2" name="Title 1">
@@ -7967,8 +8311,8 @@
         </p:nvSpPr>
         <p:spPr>
           <a:xfrm>
-            <a:off x="1371597" y="348865"/>
-            <a:ext cx="10044023" cy="877729"/>
+            <a:off x="1097280" y="4844374"/>
+            <a:ext cx="10058400" cy="1188995"/>
           </a:xfrm>
         </p:spPr>
         <p:txBody>
@@ -7977,19 +8321,12 @@
           </a:bodyPr>
           <a:lstStyle/>
           <a:p>
-            <a:r>
-              <a:rPr lang="en-US" sz="4000">
-                <a:solidFill>
-                  <a:srgbClr val="FFFFFF"/>
-                </a:solidFill>
-              </a:rPr>
+            <a:pPr algn="ctr"/>
+            <a:r>
+              <a:rPr lang="en-US"/>
               <a:t>Agenda	</a:t>
             </a:r>
-            <a:endParaRPr lang="en-GB" sz="4000">
-              <a:solidFill>
-                <a:srgbClr val="FFFFFF"/>
-              </a:solidFill>
-            </a:endParaRPr>
+            <a:endParaRPr lang="en-GB"/>
           </a:p>
         </p:txBody>
       </p:sp>
@@ -8009,14 +8346,14 @@
             <p:ph idx="1"/>
             <p:extLst>
               <p:ext uri="{D42A27DB-BD31-4B8C-83A1-F6EECF244321}">
-                <p14:modId xmlns:p14="http://schemas.microsoft.com/office/powerpoint/2010/main" val="2199332262"/>
+                <p14:modId xmlns:p14="http://schemas.microsoft.com/office/powerpoint/2010/main" val="813654728"/>
               </p:ext>
             </p:extLst>
           </p:nvPr>
         </p:nvGraphicFramePr>
         <p:xfrm>
-          <a:off x="644056" y="2112579"/>
-          <a:ext cx="10927829" cy="4192805"/>
+          <a:off x="1036319" y="680936"/>
+          <a:ext cx="10119362" cy="3765355"/>
         </p:xfrm>
         <a:graphic>
           <a:graphicData uri="http://schemas.openxmlformats.org/drawingml/2006/diagram">
@@ -8062,308 +8399,6 @@
           <a:chExt cx="0" cy="0"/>
         </a:xfrm>
       </p:grpSpPr>
-      <p:sp useBgFill="1">
-        <p:nvSpPr>
-          <p:cNvPr id="15" name="Rectangle 9">
-            <a:extLst>
-              <a:ext uri="{FF2B5EF4-FFF2-40B4-BE49-F238E27FC236}">
-                <a16:creationId xmlns:a16="http://schemas.microsoft.com/office/drawing/2014/main" id="{BACC6370-2D7E-4714-9D71-7542949D7D5D}"/>
-              </a:ext>
-              <a:ext uri="{C183D7F6-B498-43B3-948B-1728B52AA6E4}">
-                <adec:decorative xmlns:adec="http://schemas.microsoft.com/office/drawing/2017/decorative" val="1"/>
-              </a:ext>
-            </a:extLst>
-          </p:cNvPr>
-          <p:cNvSpPr>
-            <a:spLocks noGrp="1" noRot="1" noChangeAspect="1" noMove="1" noResize="1" noEditPoints="1" noAdjustHandles="1" noChangeArrowheads="1" noChangeShapeType="1" noTextEdit="1"/>
-          </p:cNvSpPr>
-          <p:nvPr>
-            <p:extLst>
-              <p:ext uri="{386F3935-93C4-4BCD-93E2-E3B085C9AB24}">
-                <p16:designElem xmlns:p16="http://schemas.microsoft.com/office/powerpoint/2015/main" val="1"/>
-              </p:ext>
-            </p:extLst>
-          </p:nvPr>
-        </p:nvSpPr>
-        <p:spPr>
-          <a:xfrm>
-            <a:off x="0" y="0"/>
-            <a:ext cx="12192000" cy="6858000"/>
-          </a:xfrm>
-          <a:prstGeom prst="rect">
-            <a:avLst/>
-          </a:prstGeom>
-          <a:ln w="12700" cap="flat" cmpd="sng" algn="ctr">
-            <a:noFill/>
-            <a:prstDash val="solid"/>
-            <a:miter lim="800000"/>
-          </a:ln>
-          <a:effectLst/>
-          <a:extLst>
-            <a:ext uri="{91240B29-F687-4F45-9708-019B960494DF}">
-              <a14:hiddenLine xmlns:a14="http://schemas.microsoft.com/office/drawing/2010/main" w="12700" cap="flat" cmpd="sng" algn="ctr">
-                <a:solidFill>
-                  <a:schemeClr val="accent1">
-                    <a:shade val="50000"/>
-                  </a:schemeClr>
-                </a:solidFill>
-                <a:prstDash val="solid"/>
-                <a:miter lim="800000"/>
-              </a14:hiddenLine>
-            </a:ext>
-          </a:extLst>
-        </p:spPr>
-        <p:style>
-          <a:lnRef idx="2">
-            <a:schemeClr val="accent1">
-              <a:shade val="50000"/>
-            </a:schemeClr>
-          </a:lnRef>
-          <a:fillRef idx="1">
-            <a:schemeClr val="accent1"/>
-          </a:fillRef>
-          <a:effectRef idx="0">
-            <a:schemeClr val="accent1"/>
-          </a:effectRef>
-          <a:fontRef idx="minor">
-            <a:schemeClr val="lt1"/>
-          </a:fontRef>
-        </p:style>
-        <p:txBody>
-          <a:bodyPr rtlCol="0" anchor="ctr"/>
-          <a:lstStyle/>
-          <a:p>
-            <a:pPr algn="ctr"/>
-            <a:endParaRPr lang="en-US"/>
-          </a:p>
-        </p:txBody>
-      </p:sp>
-      <p:sp>
-        <p:nvSpPr>
-          <p:cNvPr id="17" name="Rectangle 11">
-            <a:extLst>
-              <a:ext uri="{FF2B5EF4-FFF2-40B4-BE49-F238E27FC236}">
-                <a16:creationId xmlns:a16="http://schemas.microsoft.com/office/drawing/2014/main" id="{F68B3F68-107C-434F-AA38-110D5EA91B85}"/>
-              </a:ext>
-              <a:ext uri="{C183D7F6-B498-43B3-948B-1728B52AA6E4}">
-                <adec:decorative xmlns:adec="http://schemas.microsoft.com/office/drawing/2017/decorative" val="1"/>
-              </a:ext>
-            </a:extLst>
-          </p:cNvPr>
-          <p:cNvSpPr>
-            <a:spLocks noGrp="1" noRot="1" noChangeAspect="1" noMove="1" noResize="1" noEditPoints="1" noAdjustHandles="1" noChangeArrowheads="1" noChangeShapeType="1" noTextEdit="1"/>
-          </p:cNvSpPr>
-          <p:nvPr>
-            <p:extLst>
-              <p:ext uri="{386F3935-93C4-4BCD-93E2-E3B085C9AB24}">
-                <p16:designElem xmlns:p16="http://schemas.microsoft.com/office/powerpoint/2015/main" val="1"/>
-              </p:ext>
-            </p:extLst>
-          </p:nvPr>
-        </p:nvSpPr>
-        <p:spPr>
-          <a:xfrm flipH="1">
-            <a:off x="2" y="0"/>
-            <a:ext cx="12191998" cy="1575955"/>
-          </a:xfrm>
-          <a:prstGeom prst="rect">
-            <a:avLst/>
-          </a:prstGeom>
-          <a:gradFill>
-            <a:gsLst>
-              <a:gs pos="0">
-                <a:srgbClr val="000000">
-                  <a:alpha val="96000"/>
-                </a:srgbClr>
-              </a:gs>
-              <a:gs pos="100000">
-                <a:schemeClr val="accent1">
-                  <a:lumMod val="75000"/>
-                </a:schemeClr>
-              </a:gs>
-            </a:gsLst>
-            <a:lin ang="8400000" scaled="0"/>
-          </a:gradFill>
-          <a:ln>
-            <a:noFill/>
-          </a:ln>
-        </p:spPr>
-        <p:style>
-          <a:lnRef idx="2">
-            <a:schemeClr val="accent1">
-              <a:shade val="50000"/>
-            </a:schemeClr>
-          </a:lnRef>
-          <a:fillRef idx="1">
-            <a:schemeClr val="accent1"/>
-          </a:fillRef>
-          <a:effectRef idx="0">
-            <a:schemeClr val="accent1"/>
-          </a:effectRef>
-          <a:fontRef idx="minor">
-            <a:schemeClr val="lt1"/>
-          </a:fontRef>
-        </p:style>
-        <p:txBody>
-          <a:bodyPr rtlCol="0" anchor="ctr"/>
-          <a:lstStyle/>
-          <a:p>
-            <a:pPr algn="ctr"/>
-            <a:endParaRPr lang="en-US"/>
-          </a:p>
-        </p:txBody>
-      </p:sp>
-      <p:sp>
-        <p:nvSpPr>
-          <p:cNvPr id="18" name="Rectangle 13">
-            <a:extLst>
-              <a:ext uri="{FF2B5EF4-FFF2-40B4-BE49-F238E27FC236}">
-                <a16:creationId xmlns:a16="http://schemas.microsoft.com/office/drawing/2014/main" id="{AAD0DBB9-1A4B-4391-81D4-CB19F9AB918A}"/>
-              </a:ext>
-              <a:ext uri="{C183D7F6-B498-43B3-948B-1728B52AA6E4}">
-                <adec:decorative xmlns:adec="http://schemas.microsoft.com/office/drawing/2017/decorative" val="1"/>
-              </a:ext>
-            </a:extLst>
-          </p:cNvPr>
-          <p:cNvSpPr>
-            <a:spLocks noGrp="1" noRot="1" noChangeAspect="1" noMove="1" noResize="1" noEditPoints="1" noAdjustHandles="1" noChangeArrowheads="1" noChangeShapeType="1" noTextEdit="1"/>
-          </p:cNvSpPr>
-          <p:nvPr>
-            <p:extLst>
-              <p:ext uri="{386F3935-93C4-4BCD-93E2-E3B085C9AB24}">
-                <p16:designElem xmlns:p16="http://schemas.microsoft.com/office/powerpoint/2015/main" val="1"/>
-              </p:ext>
-            </p:extLst>
-          </p:nvPr>
-        </p:nvSpPr>
-        <p:spPr>
-          <a:xfrm rot="10800000" flipH="1">
-            <a:off x="8128857" y="0"/>
-            <a:ext cx="4063143" cy="1576412"/>
-          </a:xfrm>
-          <a:prstGeom prst="rect">
-            <a:avLst/>
-          </a:prstGeom>
-          <a:gradFill>
-            <a:gsLst>
-              <a:gs pos="19000">
-                <a:schemeClr val="accent1">
-                  <a:lumMod val="50000"/>
-                  <a:alpha val="68000"/>
-                </a:schemeClr>
-              </a:gs>
-              <a:gs pos="100000">
-                <a:schemeClr val="accent1">
-                  <a:alpha val="79000"/>
-                </a:schemeClr>
-              </a:gs>
-            </a:gsLst>
-            <a:lin ang="19200000" scaled="0"/>
-          </a:gradFill>
-          <a:ln>
-            <a:noFill/>
-          </a:ln>
-        </p:spPr>
-        <p:style>
-          <a:lnRef idx="2">
-            <a:schemeClr val="accent1">
-              <a:shade val="50000"/>
-            </a:schemeClr>
-          </a:lnRef>
-          <a:fillRef idx="1">
-            <a:schemeClr val="accent1"/>
-          </a:fillRef>
-          <a:effectRef idx="0">
-            <a:schemeClr val="accent1"/>
-          </a:effectRef>
-          <a:fontRef idx="minor">
-            <a:schemeClr val="lt1"/>
-          </a:fontRef>
-        </p:style>
-        <p:txBody>
-          <a:bodyPr rtlCol="0" anchor="ctr"/>
-          <a:lstStyle/>
-          <a:p>
-            <a:pPr algn="ctr"/>
-            <a:endParaRPr lang="en-US"/>
-          </a:p>
-        </p:txBody>
-      </p:sp>
-      <p:sp>
-        <p:nvSpPr>
-          <p:cNvPr id="16" name="Rectangle 15">
-            <a:extLst>
-              <a:ext uri="{FF2B5EF4-FFF2-40B4-BE49-F238E27FC236}">
-                <a16:creationId xmlns:a16="http://schemas.microsoft.com/office/drawing/2014/main" id="{063BBA22-50EA-4C4D-BE05-F1CE4E63AA56}"/>
-              </a:ext>
-              <a:ext uri="{C183D7F6-B498-43B3-948B-1728B52AA6E4}">
-                <adec:decorative xmlns:adec="http://schemas.microsoft.com/office/drawing/2017/decorative" val="1"/>
-              </a:ext>
-            </a:extLst>
-          </p:cNvPr>
-          <p:cNvSpPr>
-            <a:spLocks noGrp="1" noRot="1" noChangeAspect="1" noMove="1" noResize="1" noEditPoints="1" noAdjustHandles="1" noChangeArrowheads="1" noChangeShapeType="1" noTextEdit="1"/>
-          </p:cNvSpPr>
-          <p:nvPr>
-            <p:extLst>
-              <p:ext uri="{386F3935-93C4-4BCD-93E2-E3B085C9AB24}">
-                <p16:designElem xmlns:p16="http://schemas.microsoft.com/office/powerpoint/2015/main" val="1"/>
-              </p:ext>
-            </p:extLst>
-          </p:nvPr>
-        </p:nvSpPr>
-        <p:spPr>
-          <a:xfrm rot="5400000">
-            <a:off x="5307777" y="-5307778"/>
-            <a:ext cx="1576446" cy="12192002"/>
-          </a:xfrm>
-          <a:prstGeom prst="rect">
-            <a:avLst/>
-          </a:prstGeom>
-          <a:gradFill>
-            <a:gsLst>
-              <a:gs pos="23000">
-                <a:schemeClr val="accent1">
-                  <a:alpha val="0"/>
-                </a:schemeClr>
-              </a:gs>
-              <a:gs pos="99000">
-                <a:srgbClr val="000000">
-                  <a:alpha val="74000"/>
-                </a:srgbClr>
-              </a:gs>
-            </a:gsLst>
-            <a:lin ang="20400000" scaled="0"/>
-          </a:gradFill>
-          <a:ln>
-            <a:noFill/>
-          </a:ln>
-        </p:spPr>
-        <p:style>
-          <a:lnRef idx="2">
-            <a:schemeClr val="accent1">
-              <a:shade val="50000"/>
-            </a:schemeClr>
-          </a:lnRef>
-          <a:fillRef idx="1">
-            <a:schemeClr val="accent1"/>
-          </a:fillRef>
-          <a:effectRef idx="0">
-            <a:schemeClr val="accent1"/>
-          </a:effectRef>
-          <a:fontRef idx="minor">
-            <a:schemeClr val="lt1"/>
-          </a:fontRef>
-        </p:style>
-        <p:txBody>
-          <a:bodyPr rtlCol="0" anchor="ctr"/>
-          <a:lstStyle/>
-          <a:p>
-            <a:pPr algn="ctr"/>
-            <a:endParaRPr lang="en-US" dirty="0"/>
-          </a:p>
-        </p:txBody>
-      </p:sp>
       <p:sp>
         <p:nvSpPr>
           <p:cNvPr id="2" name="Title 1">
@@ -8393,16 +8428,16 @@
           <a:lstStyle/>
           <a:p>
             <a:r>
-              <a:rPr lang="en-US" sz="4000">
+              <a:rPr lang="en-US" sz="4000" dirty="0">
                 <a:solidFill>
-                  <a:srgbClr val="FFFFFF"/>
+                  <a:schemeClr val="tx1"/>
                 </a:solidFill>
               </a:rPr>
               <a:t>Research Proposal Review: Background</a:t>
             </a:r>
-            <a:endParaRPr lang="en-GB" sz="4000">
+            <a:endParaRPr lang="en-GB" sz="4000" dirty="0">
               <a:solidFill>
-                <a:srgbClr val="FFFFFF"/>
+                <a:schemeClr val="tx1"/>
               </a:solidFill>
             </a:endParaRPr>
           </a:p>
@@ -8645,552 +8680,6 @@
           <a:chExt cx="0" cy="0"/>
         </a:xfrm>
       </p:grpSpPr>
-      <p:sp useBgFill="1">
-        <p:nvSpPr>
-          <p:cNvPr id="17" name="Rectangle 11">
-            <a:extLst>
-              <a:ext uri="{FF2B5EF4-FFF2-40B4-BE49-F238E27FC236}">
-                <a16:creationId xmlns:a16="http://schemas.microsoft.com/office/drawing/2014/main" id="{BACC6370-2D7E-4714-9D71-7542949D7D5D}"/>
-              </a:ext>
-              <a:ext uri="{C183D7F6-B498-43B3-948B-1728B52AA6E4}">
-                <adec:decorative xmlns:adec="http://schemas.microsoft.com/office/drawing/2017/decorative" val="1"/>
-              </a:ext>
-            </a:extLst>
-          </p:cNvPr>
-          <p:cNvSpPr>
-            <a:spLocks noGrp="1" noRot="1" noChangeAspect="1" noMove="1" noResize="1" noEditPoints="1" noAdjustHandles="1" noChangeArrowheads="1" noChangeShapeType="1" noTextEdit="1"/>
-          </p:cNvSpPr>
-          <p:nvPr>
-            <p:extLst>
-              <p:ext uri="{386F3935-93C4-4BCD-93E2-E3B085C9AB24}">
-                <p16:designElem xmlns:p16="http://schemas.microsoft.com/office/powerpoint/2015/main" val="1"/>
-              </p:ext>
-            </p:extLst>
-          </p:nvPr>
-        </p:nvSpPr>
-        <p:spPr>
-          <a:xfrm>
-            <a:off x="0" y="0"/>
-            <a:ext cx="12192000" cy="6858000"/>
-          </a:xfrm>
-          <a:prstGeom prst="rect">
-            <a:avLst/>
-          </a:prstGeom>
-          <a:ln w="12700" cap="flat" cmpd="sng" algn="ctr">
-            <a:noFill/>
-            <a:prstDash val="solid"/>
-            <a:miter lim="800000"/>
-          </a:ln>
-          <a:effectLst/>
-          <a:extLst>
-            <a:ext uri="{91240B29-F687-4F45-9708-019B960494DF}">
-              <a14:hiddenLine xmlns:a14="http://schemas.microsoft.com/office/drawing/2010/main" w="12700" cap="flat" cmpd="sng" algn="ctr">
-                <a:solidFill>
-                  <a:schemeClr val="accent1">
-                    <a:shade val="50000"/>
-                  </a:schemeClr>
-                </a:solidFill>
-                <a:prstDash val="solid"/>
-                <a:miter lim="800000"/>
-              </a14:hiddenLine>
-            </a:ext>
-          </a:extLst>
-        </p:spPr>
-        <p:style>
-          <a:lnRef idx="2">
-            <a:schemeClr val="accent1">
-              <a:shade val="50000"/>
-            </a:schemeClr>
-          </a:lnRef>
-          <a:fillRef idx="1">
-            <a:schemeClr val="accent1"/>
-          </a:fillRef>
-          <a:effectRef idx="0">
-            <a:schemeClr val="accent1"/>
-          </a:effectRef>
-          <a:fontRef idx="minor">
-            <a:schemeClr val="lt1"/>
-          </a:fontRef>
-        </p:style>
-        <p:txBody>
-          <a:bodyPr rtlCol="0" anchor="ctr"/>
-          <a:lstStyle/>
-          <a:p>
-            <a:pPr algn="ctr"/>
-            <a:endParaRPr lang="en-US"/>
-          </a:p>
-        </p:txBody>
-      </p:sp>
-      <p:sp>
-        <p:nvSpPr>
-          <p:cNvPr id="19" name="Rectangle 13">
-            <a:extLst>
-              <a:ext uri="{FF2B5EF4-FFF2-40B4-BE49-F238E27FC236}">
-                <a16:creationId xmlns:a16="http://schemas.microsoft.com/office/drawing/2014/main" id="{256B2C21-A230-48C0-8DF1-C46611373C44}"/>
-              </a:ext>
-              <a:ext uri="{C183D7F6-B498-43B3-948B-1728B52AA6E4}">
-                <adec:decorative xmlns:adec="http://schemas.microsoft.com/office/drawing/2017/decorative" val="1"/>
-              </a:ext>
-            </a:extLst>
-          </p:cNvPr>
-          <p:cNvSpPr>
-            <a:spLocks noGrp="1" noRot="1" noChangeAspect="1" noMove="1" noResize="1" noEditPoints="1" noAdjustHandles="1" noChangeArrowheads="1" noChangeShapeType="1" noTextEdit="1"/>
-          </p:cNvSpPr>
-          <p:nvPr>
-            <p:extLst>
-              <p:ext uri="{386F3935-93C4-4BCD-93E2-E3B085C9AB24}">
-                <p16:designElem xmlns:p16="http://schemas.microsoft.com/office/powerpoint/2015/main" val="1"/>
-              </p:ext>
-            </p:extLst>
-          </p:nvPr>
-        </p:nvSpPr>
-        <p:spPr>
-          <a:xfrm rot="5400000" flipH="1">
-            <a:off x="-1410084" y="1410082"/>
-            <a:ext cx="6858000" cy="4037836"/>
-          </a:xfrm>
-          <a:prstGeom prst="rect">
-            <a:avLst/>
-          </a:prstGeom>
-          <a:gradFill>
-            <a:gsLst>
-              <a:gs pos="8000">
-                <a:srgbClr val="000000"/>
-              </a:gs>
-              <a:gs pos="100000">
-                <a:schemeClr val="accent1">
-                  <a:lumMod val="75000"/>
-                </a:schemeClr>
-              </a:gs>
-            </a:gsLst>
-            <a:lin ang="3000000" scaled="0"/>
-          </a:gradFill>
-          <a:ln>
-            <a:noFill/>
-          </a:ln>
-        </p:spPr>
-        <p:style>
-          <a:lnRef idx="2">
-            <a:schemeClr val="accent1">
-              <a:shade val="50000"/>
-            </a:schemeClr>
-          </a:lnRef>
-          <a:fillRef idx="1">
-            <a:schemeClr val="accent1"/>
-          </a:fillRef>
-          <a:effectRef idx="0">
-            <a:schemeClr val="accent1"/>
-          </a:effectRef>
-          <a:fontRef idx="minor">
-            <a:schemeClr val="lt1"/>
-          </a:fontRef>
-        </p:style>
-        <p:txBody>
-          <a:bodyPr rtlCol="0" anchor="ctr"/>
-          <a:lstStyle/>
-          <a:p>
-            <a:pPr algn="ctr"/>
-            <a:endParaRPr lang="en-US"/>
-          </a:p>
-        </p:txBody>
-      </p:sp>
-      <p:sp>
-        <p:nvSpPr>
-          <p:cNvPr id="16" name="Rectangle 15">
-            <a:extLst>
-              <a:ext uri="{FF2B5EF4-FFF2-40B4-BE49-F238E27FC236}">
-                <a16:creationId xmlns:a16="http://schemas.microsoft.com/office/drawing/2014/main" id="{3847E18C-932D-4C95-AABA-FEC7C9499AD7}"/>
-              </a:ext>
-              <a:ext uri="{C183D7F6-B498-43B3-948B-1728B52AA6E4}">
-                <adec:decorative xmlns:adec="http://schemas.microsoft.com/office/drawing/2017/decorative" val="1"/>
-              </a:ext>
-            </a:extLst>
-          </p:cNvPr>
-          <p:cNvSpPr>
-            <a:spLocks noGrp="1" noRot="1" noChangeAspect="1" noMove="1" noResize="1" noEditPoints="1" noAdjustHandles="1" noChangeArrowheads="1" noChangeShapeType="1" noTextEdit="1"/>
-          </p:cNvSpPr>
-          <p:nvPr>
-            <p:extLst>
-              <p:ext uri="{386F3935-93C4-4BCD-93E2-E3B085C9AB24}">
-                <p16:designElem xmlns:p16="http://schemas.microsoft.com/office/powerpoint/2015/main" val="1"/>
-              </p:ext>
-            </p:extLst>
-          </p:nvPr>
-        </p:nvSpPr>
-        <p:spPr>
-          <a:xfrm rot="5400000" flipH="1">
-            <a:off x="-1410085" y="1420219"/>
-            <a:ext cx="6857999" cy="4037839"/>
-          </a:xfrm>
-          <a:prstGeom prst="rect">
-            <a:avLst/>
-          </a:prstGeom>
-          <a:gradFill>
-            <a:gsLst>
-              <a:gs pos="0">
-                <a:srgbClr val="000000">
-                  <a:alpha val="0"/>
-                </a:srgbClr>
-              </a:gs>
-              <a:gs pos="99000">
-                <a:schemeClr val="accent1">
-                  <a:alpha val="46000"/>
-                </a:schemeClr>
-              </a:gs>
-            </a:gsLst>
-            <a:lin ang="1800000" scaled="0"/>
-          </a:gradFill>
-          <a:ln>
-            <a:noFill/>
-          </a:ln>
-        </p:spPr>
-        <p:style>
-          <a:lnRef idx="2">
-            <a:schemeClr val="accent1">
-              <a:shade val="50000"/>
-            </a:schemeClr>
-          </a:lnRef>
-          <a:fillRef idx="1">
-            <a:schemeClr val="accent1"/>
-          </a:fillRef>
-          <a:effectRef idx="0">
-            <a:schemeClr val="accent1"/>
-          </a:effectRef>
-          <a:fontRef idx="minor">
-            <a:schemeClr val="lt1"/>
-          </a:fontRef>
-        </p:style>
-        <p:txBody>
-          <a:bodyPr rtlCol="0" anchor="ctr"/>
-          <a:lstStyle/>
-          <a:p>
-            <a:pPr algn="ctr"/>
-            <a:endParaRPr lang="en-US"/>
-          </a:p>
-        </p:txBody>
-      </p:sp>
-      <p:sp>
-        <p:nvSpPr>
-          <p:cNvPr id="18" name="Rectangle 17">
-            <a:extLst>
-              <a:ext uri="{FF2B5EF4-FFF2-40B4-BE49-F238E27FC236}">
-                <a16:creationId xmlns:a16="http://schemas.microsoft.com/office/drawing/2014/main" id="{3150CB11-0C61-439E-910F-5787759E72A0}"/>
-              </a:ext>
-              <a:ext uri="{C183D7F6-B498-43B3-948B-1728B52AA6E4}">
-                <adec:decorative xmlns:adec="http://schemas.microsoft.com/office/drawing/2017/decorative" val="1"/>
-              </a:ext>
-            </a:extLst>
-          </p:cNvPr>
-          <p:cNvSpPr>
-            <a:spLocks noGrp="1" noRot="1" noChangeAspect="1" noMove="1" noResize="1" noEditPoints="1" noAdjustHandles="1" noChangeArrowheads="1" noChangeShapeType="1" noTextEdit="1"/>
-          </p:cNvSpPr>
-          <p:nvPr>
-            <p:extLst>
-              <p:ext uri="{386F3935-93C4-4BCD-93E2-E3B085C9AB24}">
-                <p16:designElem xmlns:p16="http://schemas.microsoft.com/office/powerpoint/2015/main" val="1"/>
-              </p:ext>
-            </p:extLst>
-          </p:nvPr>
-        </p:nvSpPr>
-        <p:spPr>
-          <a:xfrm rot="5400000" flipH="1">
-            <a:off x="767923" y="3588085"/>
-            <a:ext cx="2501979" cy="4037841"/>
-          </a:xfrm>
-          <a:prstGeom prst="rect">
-            <a:avLst/>
-          </a:prstGeom>
-          <a:gradFill>
-            <a:gsLst>
-              <a:gs pos="2000">
-                <a:schemeClr val="accent1">
-                  <a:alpha val="29000"/>
-                </a:schemeClr>
-              </a:gs>
-              <a:gs pos="100000">
-                <a:srgbClr val="000000">
-                  <a:alpha val="30000"/>
-                </a:srgbClr>
-              </a:gs>
-            </a:gsLst>
-            <a:lin ang="7800000" scaled="0"/>
-          </a:gradFill>
-          <a:ln>
-            <a:noFill/>
-          </a:ln>
-        </p:spPr>
-        <p:style>
-          <a:lnRef idx="2">
-            <a:schemeClr val="accent1">
-              <a:shade val="50000"/>
-            </a:schemeClr>
-          </a:lnRef>
-          <a:fillRef idx="1">
-            <a:schemeClr val="accent1"/>
-          </a:fillRef>
-          <a:effectRef idx="0">
-            <a:schemeClr val="accent1"/>
-          </a:effectRef>
-          <a:fontRef idx="minor">
-            <a:schemeClr val="lt1"/>
-          </a:fontRef>
-        </p:style>
-        <p:txBody>
-          <a:bodyPr rtlCol="0" anchor="ctr"/>
-          <a:lstStyle/>
-          <a:p>
-            <a:pPr algn="ctr"/>
-            <a:endParaRPr lang="en-US" dirty="0"/>
-          </a:p>
-        </p:txBody>
-      </p:sp>
-      <p:sp>
-        <p:nvSpPr>
-          <p:cNvPr id="20" name="Freeform: Shape 19">
-            <a:extLst>
-              <a:ext uri="{FF2B5EF4-FFF2-40B4-BE49-F238E27FC236}">
-                <a16:creationId xmlns:a16="http://schemas.microsoft.com/office/drawing/2014/main" id="{43F8A58B-5155-44CE-A5FF-7647B47D0A7A}"/>
-              </a:ext>
-              <a:ext uri="{C183D7F6-B498-43B3-948B-1728B52AA6E4}">
-                <adec:decorative xmlns:adec="http://schemas.microsoft.com/office/drawing/2017/decorative" val="1"/>
-              </a:ext>
-            </a:extLst>
-          </p:cNvPr>
-          <p:cNvSpPr>
-            <a:spLocks noGrp="1" noRot="1" noChangeAspect="1" noMove="1" noResize="1" noEditPoints="1" noAdjustHandles="1" noChangeArrowheads="1" noChangeShapeType="1" noTextEdit="1"/>
-          </p:cNvSpPr>
-          <p:nvPr>
-            <p:extLst>
-              <p:ext uri="{386F3935-93C4-4BCD-93E2-E3B085C9AB24}">
-                <p16:designElem xmlns:p16="http://schemas.microsoft.com/office/powerpoint/2015/main" val="1"/>
-              </p:ext>
-            </p:extLst>
-          </p:nvPr>
-        </p:nvSpPr>
-        <p:spPr>
-          <a:xfrm rot="20635413">
-            <a:off x="-501737" y="969718"/>
-            <a:ext cx="3900357" cy="4178958"/>
-          </a:xfrm>
-          <a:custGeom>
-            <a:avLst/>
-            <a:gdLst>
-              <a:gd name="connsiteX0" fmla="*/ 2432225 w 3900357"/>
-              <a:gd name="connsiteY0" fmla="*/ 93939 h 4178958"/>
-              <a:gd name="connsiteX1" fmla="*/ 3900357 w 3900357"/>
-              <a:gd name="connsiteY1" fmla="*/ 2089479 h 4178958"/>
-              <a:gd name="connsiteX2" fmla="*/ 1810878 w 3900357"/>
-              <a:gd name="connsiteY2" fmla="*/ 4178958 h 4178958"/>
-              <a:gd name="connsiteX3" fmla="*/ 78249 w 3900357"/>
-              <a:gd name="connsiteY3" fmla="*/ 3257727 h 4178958"/>
-              <a:gd name="connsiteX4" fmla="*/ 0 w 3900357"/>
-              <a:gd name="connsiteY4" fmla="*/ 3128923 h 4178958"/>
-              <a:gd name="connsiteX5" fmla="*/ 831324 w 3900357"/>
-              <a:gd name="connsiteY5" fmla="*/ 244281 h 4178958"/>
-              <a:gd name="connsiteX6" fmla="*/ 997559 w 3900357"/>
-              <a:gd name="connsiteY6" fmla="*/ 164202 h 4178958"/>
-              <a:gd name="connsiteX7" fmla="*/ 1810878 w 3900357"/>
-              <a:gd name="connsiteY7" fmla="*/ 0 h 4178958"/>
-              <a:gd name="connsiteX8" fmla="*/ 2432225 w 3900357"/>
-              <a:gd name="connsiteY8" fmla="*/ 93939 h 4178958"/>
-            </a:gdLst>
-            <a:ahLst/>
-            <a:cxnLst>
-              <a:cxn ang="0">
-                <a:pos x="connsiteX0" y="connsiteY0"/>
-              </a:cxn>
-              <a:cxn ang="0">
-                <a:pos x="connsiteX1" y="connsiteY1"/>
-              </a:cxn>
-              <a:cxn ang="0">
-                <a:pos x="connsiteX2" y="connsiteY2"/>
-              </a:cxn>
-              <a:cxn ang="0">
-                <a:pos x="connsiteX3" y="connsiteY3"/>
-              </a:cxn>
-              <a:cxn ang="0">
-                <a:pos x="connsiteX4" y="connsiteY4"/>
-              </a:cxn>
-              <a:cxn ang="0">
-                <a:pos x="connsiteX5" y="connsiteY5"/>
-              </a:cxn>
-              <a:cxn ang="0">
-                <a:pos x="connsiteX6" y="connsiteY6"/>
-              </a:cxn>
-              <a:cxn ang="0">
-                <a:pos x="connsiteX7" y="connsiteY7"/>
-              </a:cxn>
-              <a:cxn ang="0">
-                <a:pos x="connsiteX8" y="connsiteY8"/>
-              </a:cxn>
-            </a:cxnLst>
-            <a:rect l="l" t="t" r="r" b="b"/>
-            <a:pathLst>
-              <a:path w="3900357" h="4178958">
-                <a:moveTo>
-                  <a:pt x="2432225" y="93939"/>
-                </a:moveTo>
-                <a:cubicBezTo>
-                  <a:pt x="3282786" y="358491"/>
-                  <a:pt x="3900357" y="1151865"/>
-                  <a:pt x="3900357" y="2089479"/>
-                </a:cubicBezTo>
-                <a:cubicBezTo>
-                  <a:pt x="3900357" y="3243466"/>
-                  <a:pt x="2964865" y="4178958"/>
-                  <a:pt x="1810878" y="4178958"/>
-                </a:cubicBezTo>
-                <a:cubicBezTo>
-                  <a:pt x="1089636" y="4178958"/>
-                  <a:pt x="453744" y="3813531"/>
-                  <a:pt x="78249" y="3257727"/>
-                </a:cubicBezTo>
-                <a:lnTo>
-                  <a:pt x="0" y="3128923"/>
-                </a:lnTo>
-                <a:lnTo>
-                  <a:pt x="831324" y="244281"/>
-                </a:lnTo>
-                <a:lnTo>
-                  <a:pt x="997559" y="164202"/>
-                </a:lnTo>
-                <a:cubicBezTo>
-                  <a:pt x="1247540" y="58468"/>
-                  <a:pt x="1522381" y="0"/>
-                  <a:pt x="1810878" y="0"/>
-                </a:cubicBezTo>
-                <a:cubicBezTo>
-                  <a:pt x="2027251" y="0"/>
-                  <a:pt x="2235942" y="32888"/>
-                  <a:pt x="2432225" y="93939"/>
-                </a:cubicBezTo>
-                <a:close/>
-              </a:path>
-            </a:pathLst>
-          </a:custGeom>
-          <a:gradFill>
-            <a:gsLst>
-              <a:gs pos="29000">
-                <a:srgbClr val="000000">
-                  <a:alpha val="0"/>
-                </a:srgbClr>
-              </a:gs>
-              <a:gs pos="100000">
-                <a:schemeClr val="accent1">
-                  <a:alpha val="43000"/>
-                </a:schemeClr>
-              </a:gs>
-            </a:gsLst>
-            <a:lin ang="1800000" scaled="0"/>
-          </a:gradFill>
-          <a:ln>
-            <a:noFill/>
-          </a:ln>
-        </p:spPr>
-        <p:style>
-          <a:lnRef idx="2">
-            <a:schemeClr val="accent1">
-              <a:shade val="50000"/>
-            </a:schemeClr>
-          </a:lnRef>
-          <a:fillRef idx="1">
-            <a:schemeClr val="accent1"/>
-          </a:fillRef>
-          <a:effectRef idx="0">
-            <a:schemeClr val="accent1"/>
-          </a:effectRef>
-          <a:fontRef idx="minor">
-            <a:schemeClr val="lt1"/>
-          </a:fontRef>
-        </p:style>
-        <p:txBody>
-          <a:bodyPr wrap="square" rtlCol="0" anchor="ctr">
-            <a:noAutofit/>
-          </a:bodyPr>
-          <a:lstStyle/>
-          <a:p>
-            <a:pPr algn="ctr"/>
-            <a:endParaRPr lang="en-US" dirty="0"/>
-          </a:p>
-        </p:txBody>
-      </p:sp>
-      <p:sp>
-        <p:nvSpPr>
-          <p:cNvPr id="22" name="Rectangle 21">
-            <a:extLst>
-              <a:ext uri="{FF2B5EF4-FFF2-40B4-BE49-F238E27FC236}">
-                <a16:creationId xmlns:a16="http://schemas.microsoft.com/office/drawing/2014/main" id="{443F2ACA-E6D6-4028-82DD-F03C262D5DE6}"/>
-              </a:ext>
-              <a:ext uri="{C183D7F6-B498-43B3-948B-1728B52AA6E4}">
-                <adec:decorative xmlns:adec="http://schemas.microsoft.com/office/drawing/2017/decorative" val="1"/>
-              </a:ext>
-            </a:extLst>
-          </p:cNvPr>
-          <p:cNvSpPr>
-            <a:spLocks noGrp="1" noRot="1" noChangeAspect="1" noMove="1" noResize="1" noEditPoints="1" noAdjustHandles="1" noChangeArrowheads="1" noChangeShapeType="1" noTextEdit="1"/>
-          </p:cNvSpPr>
-          <p:nvPr>
-            <p:extLst>
-              <p:ext uri="{386F3935-93C4-4BCD-93E2-E3B085C9AB24}">
-                <p16:designElem xmlns:p16="http://schemas.microsoft.com/office/powerpoint/2015/main" val="1"/>
-              </p:ext>
-            </p:extLst>
-          </p:nvPr>
-        </p:nvSpPr>
-        <p:spPr>
-          <a:xfrm rot="5400000" flipH="1">
-            <a:off x="-1410095" y="1410079"/>
-            <a:ext cx="6858003" cy="4037835"/>
-          </a:xfrm>
-          <a:prstGeom prst="rect">
-            <a:avLst/>
-          </a:prstGeom>
-          <a:gradFill>
-            <a:gsLst>
-              <a:gs pos="0">
-                <a:srgbClr val="000000">
-                  <a:alpha val="0"/>
-                </a:srgbClr>
-              </a:gs>
-              <a:gs pos="99000">
-                <a:schemeClr val="accent1">
-                  <a:lumMod val="60000"/>
-                  <a:lumOff val="40000"/>
-                  <a:alpha val="11000"/>
-                </a:schemeClr>
-              </a:gs>
-            </a:gsLst>
-            <a:lin ang="7200000" scaled="0"/>
-          </a:gradFill>
-          <a:ln>
-            <a:noFill/>
-          </a:ln>
-        </p:spPr>
-        <p:style>
-          <a:lnRef idx="2">
-            <a:schemeClr val="accent1">
-              <a:shade val="50000"/>
-            </a:schemeClr>
-          </a:lnRef>
-          <a:fillRef idx="1">
-            <a:schemeClr val="accent1"/>
-          </a:fillRef>
-          <a:effectRef idx="0">
-            <a:schemeClr val="accent1"/>
-          </a:effectRef>
-          <a:fontRef idx="minor">
-            <a:schemeClr val="lt1"/>
-          </a:fontRef>
-        </p:style>
-        <p:txBody>
-          <a:bodyPr rtlCol="0" anchor="ctr"/>
-          <a:lstStyle/>
-          <a:p>
-            <a:pPr algn="ctr"/>
-            <a:endParaRPr lang="en-US"/>
-          </a:p>
-        </p:txBody>
-      </p:sp>
       <p:sp>
         <p:nvSpPr>
           <p:cNvPr id="2" name="Title 1">
@@ -9209,28 +8698,28 @@
         </p:nvSpPr>
         <p:spPr>
           <a:xfrm>
-            <a:off x="586478" y="1683756"/>
-            <a:ext cx="3115265" cy="2396359"/>
+            <a:off x="1530036" y="519558"/>
+            <a:ext cx="8944823" cy="1073851"/>
           </a:xfrm>
         </p:spPr>
         <p:txBody>
           <a:bodyPr anchor="b">
-            <a:normAutofit/>
+            <a:noAutofit/>
           </a:bodyPr>
           <a:lstStyle/>
           <a:p>
-            <a:pPr algn="r"/>
-            <a:r>
-              <a:rPr lang="en-US" sz="3100">
+            <a:pPr algn="ctr"/>
+            <a:r>
+              <a:rPr lang="en-US" sz="4000" dirty="0">
                 <a:solidFill>
-                  <a:srgbClr val="FFFFFF"/>
+                  <a:schemeClr val="tx1"/>
                 </a:solidFill>
               </a:rPr>
-              <a:t>Research Proposal Review: Aims &amp; Research Question</a:t>
-            </a:r>
-            <a:endParaRPr lang="en-GB" sz="3100">
+              <a:t>Research Proposal: Aim and Research Questions</a:t>
+            </a:r>
+            <a:endParaRPr lang="en-GB" sz="4000" dirty="0">
               <a:solidFill>
-                <a:srgbClr val="FFFFFF"/>
+                <a:schemeClr val="tx1"/>
               </a:solidFill>
             </a:endParaRPr>
           </a:p>
@@ -9252,8 +8741,8 @@
         </p:nvSpPr>
         <p:spPr>
           <a:xfrm>
-            <a:off x="4288221" y="1683756"/>
-            <a:ext cx="7283664" cy="1100541"/>
+            <a:off x="2860318" y="2217714"/>
+            <a:ext cx="8865479" cy="987213"/>
           </a:xfrm>
           <a:prstGeom prst="rect">
             <a:avLst/>
@@ -9327,8 +8816,8 @@
         </p:nvSpPr>
         <p:spPr>
           <a:xfrm>
-            <a:off x="4202130" y="3024996"/>
-            <a:ext cx="7695344" cy="2882644"/>
+            <a:off x="2679826" y="3453640"/>
+            <a:ext cx="9128871" cy="2689934"/>
           </a:xfrm>
           <a:prstGeom prst="rect">
             <a:avLst/>
@@ -9517,7 +9006,7 @@
                 <a:ea typeface="+mn-ea"/>
                 <a:cs typeface="+mn-cs"/>
               </a:rPr>
-              <a:t>RQ1: With the ever-increasing use of IoT devices, can FL algorithms or tools be designed to operate specifically on resource Edge devices to minimize computational and communication costs</a:t>
+              <a:t>RQ1: 	With the ever-increasing use of IoT devices, can FL algorithms or tools be designed to operate specifically on 	resource Edge devices to minimize computational and communication costs</a:t>
             </a:r>
           </a:p>
           <a:p>
@@ -9535,7 +9024,7 @@
                 <a:ea typeface="+mn-ea"/>
                 <a:cs typeface="+mn-cs"/>
               </a:rPr>
-              <a:t>RQ2: Real-world data will typically have elements of variability that can reduce the accuracy of any model. Can we develop FL algorithms that are adaptable to non IID data?</a:t>
+              <a:t>RQ2: 	Real-world data will typically have elements of variability that can reduce the accuracy of any model. Can we 	develop FL algorithms that are adaptable to non IID data?</a:t>
             </a:r>
           </a:p>
           <a:p>
@@ -9553,7 +9042,7 @@
                 <a:ea typeface="+mn-ea"/>
                 <a:cs typeface="+mn-cs"/>
               </a:rPr>
-              <a:t>RQ3: Can adaptive communication strategies for FL be developed that dynamically adjust their transmission frequency and allowable bandwidth based on factors such as model complexity, the type of data, and the transmission network condition?</a:t>
+              <a:t>RQ3: 	Can adaptive communication strategies for FL be developed that dynamically adjust their transmission frequency 	and allowable bandwidth based on factors such as model complexity, the type of data, and the transmission 	network condition?</a:t>
             </a:r>
           </a:p>
           <a:p>
@@ -9571,7 +9060,7 @@
                 <a:ea typeface="+mn-ea"/>
                 <a:cs typeface="+mn-cs"/>
               </a:rPr>
-              <a:t>Can FL be resilient to unreliable network conditions introducing latency and packet loss while ensuring that model training is reliable, and updates remain efficient and robust</a:t>
+              <a:t>RQ4: 	Can FL be resilient to unreliable network conditions introducing latency and packet loss while ensuring that model 	training is reliable, and updates remain efficient and robust</a:t>
             </a:r>
           </a:p>
           <a:p>
@@ -9589,11 +9078,203 @@
                 <a:ea typeface="+mn-ea"/>
                 <a:cs typeface="+mn-cs"/>
               </a:rPr>
-              <a:t>How can we design efficient aggregation algorithms for FL that minimize the data exchange between clients and servers while not reducing the model accuracy?</a:t>
+              <a:t>RQ5:	How can we design efficient aggregation algorithms for FL that minimize the data exchange between clients and 	servers while not reducing the model accuracy?</a:t>
             </a:r>
           </a:p>
           <a:p>
             <a:endParaRPr lang="en-US" sz="1400" dirty="0"/>
+          </a:p>
+        </p:txBody>
+      </p:sp>
+      <p:sp>
+        <p:nvSpPr>
+          <p:cNvPr id="5" name="Rectangle: Rounded Corners 4">
+            <a:extLst>
+              <a:ext uri="{FF2B5EF4-FFF2-40B4-BE49-F238E27FC236}">
+                <a16:creationId xmlns:a16="http://schemas.microsoft.com/office/drawing/2014/main" id="{98386D18-C179-44AB-9A0E-54B0136025BE}"/>
+              </a:ext>
+            </a:extLst>
+          </p:cNvPr>
+          <p:cNvSpPr/>
+          <p:nvPr/>
+        </p:nvSpPr>
+        <p:spPr>
+          <a:xfrm>
+            <a:off x="2679826" y="2030993"/>
+            <a:ext cx="8865479" cy="1173934"/>
+          </a:xfrm>
+          <a:prstGeom prst="roundRect">
+            <a:avLst/>
+          </a:prstGeom>
+          <a:noFill/>
+        </p:spPr>
+        <p:style>
+          <a:lnRef idx="2">
+            <a:schemeClr val="accent1">
+              <a:shade val="50000"/>
+            </a:schemeClr>
+          </a:lnRef>
+          <a:fillRef idx="1">
+            <a:schemeClr val="accent1"/>
+          </a:fillRef>
+          <a:effectRef idx="0">
+            <a:schemeClr val="accent1"/>
+          </a:effectRef>
+          <a:fontRef idx="minor">
+            <a:schemeClr val="lt1"/>
+          </a:fontRef>
+        </p:style>
+        <p:txBody>
+          <a:bodyPr rtlCol="0" anchor="ctr"/>
+          <a:lstStyle/>
+          <a:p>
+            <a:pPr algn="ctr"/>
+            <a:endParaRPr lang="en-GB"/>
+          </a:p>
+        </p:txBody>
+      </p:sp>
+      <p:sp>
+        <p:nvSpPr>
+          <p:cNvPr id="12" name="Title 1">
+            <a:extLst>
+              <a:ext uri="{FF2B5EF4-FFF2-40B4-BE49-F238E27FC236}">
+                <a16:creationId xmlns:a16="http://schemas.microsoft.com/office/drawing/2014/main" id="{B5E0D9F7-4059-4AC9-B6F0-FD0340F0BC27}"/>
+              </a:ext>
+            </a:extLst>
+          </p:cNvPr>
+          <p:cNvSpPr txBox="1">
+            <a:spLocks/>
+          </p:cNvSpPr>
+          <p:nvPr/>
+        </p:nvSpPr>
+        <p:spPr>
+          <a:xfrm>
+            <a:off x="1358020" y="2327592"/>
+            <a:ext cx="887239" cy="654454"/>
+          </a:xfrm>
+          <a:prstGeom prst="rect">
+            <a:avLst/>
+          </a:prstGeom>
+        </p:spPr>
+        <p:txBody>
+          <a:bodyPr vert="horz" lIns="91440" tIns="45720" rIns="91440" bIns="45720" rtlCol="0" anchor="b">
+            <a:normAutofit fontScale="97500"/>
+          </a:bodyPr>
+          <a:lstStyle>
+            <a:lvl1pPr algn="l" defTabSz="914400" rtl="0" eaLnBrk="1" latinLnBrk="0" hangingPunct="1">
+              <a:lnSpc>
+                <a:spcPct val="85000"/>
+              </a:lnSpc>
+              <a:spcBef>
+                <a:spcPct val="0"/>
+              </a:spcBef>
+              <a:buNone/>
+              <a:defRPr sz="4800" kern="1200" spc="-50" baseline="0">
+                <a:solidFill>
+                  <a:schemeClr val="tx1">
+                    <a:lumMod val="75000"/>
+                    <a:lumOff val="25000"/>
+                  </a:schemeClr>
+                </a:solidFill>
+                <a:latin typeface="+mj-lt"/>
+                <a:ea typeface="+mj-ea"/>
+                <a:cs typeface="+mj-cs"/>
+              </a:defRPr>
+            </a:lvl1pPr>
+          </a:lstStyle>
+          <a:p>
+            <a:pPr algn="r"/>
+            <a:r>
+              <a:rPr lang="en-US" sz="3100" dirty="0">
+                <a:solidFill>
+                  <a:schemeClr val="tx1"/>
+                </a:solidFill>
+              </a:rPr>
+              <a:t>AIM</a:t>
+            </a:r>
+            <a:endParaRPr lang="en-GB" sz="3100" dirty="0">
+              <a:solidFill>
+                <a:schemeClr val="tx1"/>
+              </a:solidFill>
+            </a:endParaRPr>
+          </a:p>
+        </p:txBody>
+      </p:sp>
+      <p:sp>
+        <p:nvSpPr>
+          <p:cNvPr id="13" name="Title 1">
+            <a:extLst>
+              <a:ext uri="{FF2B5EF4-FFF2-40B4-BE49-F238E27FC236}">
+                <a16:creationId xmlns:a16="http://schemas.microsoft.com/office/drawing/2014/main" id="{8243B285-2BD0-4E5C-A96C-518F8A18E67B}"/>
+              </a:ext>
+            </a:extLst>
+          </p:cNvPr>
+          <p:cNvSpPr txBox="1">
+            <a:spLocks/>
+          </p:cNvSpPr>
+          <p:nvPr/>
+        </p:nvSpPr>
+        <p:spPr>
+          <a:xfrm>
+            <a:off x="652454" y="4157893"/>
+            <a:ext cx="1592805" cy="654454"/>
+          </a:xfrm>
+          <a:prstGeom prst="rect">
+            <a:avLst/>
+          </a:prstGeom>
+        </p:spPr>
+        <p:txBody>
+          <a:bodyPr vert="horz" lIns="91440" tIns="45720" rIns="91440" bIns="45720" rtlCol="0" anchor="b">
+            <a:normAutofit fontScale="82500" lnSpcReduction="20000"/>
+          </a:bodyPr>
+          <a:lstStyle>
+            <a:lvl1pPr algn="l" defTabSz="914400" rtl="0" eaLnBrk="1" latinLnBrk="0" hangingPunct="1">
+              <a:lnSpc>
+                <a:spcPct val="85000"/>
+              </a:lnSpc>
+              <a:spcBef>
+                <a:spcPct val="0"/>
+              </a:spcBef>
+              <a:buNone/>
+              <a:defRPr sz="4800" kern="1200" spc="-50" baseline="0">
+                <a:solidFill>
+                  <a:schemeClr val="tx1">
+                    <a:lumMod val="75000"/>
+                    <a:lumOff val="25000"/>
+                  </a:schemeClr>
+                </a:solidFill>
+                <a:latin typeface="+mj-lt"/>
+                <a:ea typeface="+mj-ea"/>
+                <a:cs typeface="+mj-cs"/>
+              </a:defRPr>
+            </a:lvl1pPr>
+          </a:lstStyle>
+          <a:p>
+            <a:pPr algn="r"/>
+            <a:r>
+              <a:rPr lang="en-US" sz="3100" dirty="0">
+                <a:solidFill>
+                  <a:schemeClr val="tx1"/>
+                </a:solidFill>
+              </a:rPr>
+              <a:t>Research</a:t>
+            </a:r>
+          </a:p>
+          <a:p>
+            <a:pPr algn="r"/>
+            <a:r>
+              <a:rPr lang="en-US" sz="3100" dirty="0">
+                <a:solidFill>
+                  <a:schemeClr val="tx1"/>
+                </a:solidFill>
+              </a:rPr>
+              <a:t>Questions</a:t>
+            </a:r>
+            <a:endParaRPr lang="en-GB" sz="3100" dirty="0">
+              <a:solidFill>
+                <a:schemeClr val="tx1"/>
+              </a:solidFill>
+            </a:endParaRPr>
           </a:p>
         </p:txBody>
       </p:sp>
@@ -9610,55 +9291,717 @@
 </p:sld>
 </file>
 
+<file path=ppt/slides/slide5.xml><?xml version="1.0" encoding="utf-8"?>
+<p:sld xmlns:a="http://schemas.openxmlformats.org/drawingml/2006/main" xmlns:r="http://schemas.openxmlformats.org/officeDocument/2006/relationships" xmlns:p="http://schemas.openxmlformats.org/presentationml/2006/main">
+  <p:cSld>
+    <p:bg>
+      <p:bgPr>
+        <a:solidFill>
+          <a:schemeClr val="bg2"/>
+        </a:solidFill>
+        <a:effectLst/>
+      </p:bgPr>
+    </p:bg>
+    <p:spTree>
+      <p:nvGrpSpPr>
+        <p:cNvPr id="1" name=""/>
+        <p:cNvGrpSpPr/>
+        <p:nvPr/>
+      </p:nvGrpSpPr>
+      <p:grpSpPr>
+        <a:xfrm>
+          <a:off x="0" y="0"/>
+          <a:ext cx="0" cy="0"/>
+          <a:chOff x="0" y="0"/>
+          <a:chExt cx="0" cy="0"/>
+        </a:xfrm>
+      </p:grpSpPr>
+      <p:sp>
+        <p:nvSpPr>
+          <p:cNvPr id="2" name="Title 1">
+            <a:extLst>
+              <a:ext uri="{FF2B5EF4-FFF2-40B4-BE49-F238E27FC236}">
+                <a16:creationId xmlns:a16="http://schemas.microsoft.com/office/drawing/2014/main" id="{73222592-EF99-403F-9F40-ECBD63945B05}"/>
+              </a:ext>
+            </a:extLst>
+          </p:cNvPr>
+          <p:cNvSpPr>
+            <a:spLocks noGrp="1"/>
+          </p:cNvSpPr>
+          <p:nvPr>
+            <p:ph type="title"/>
+          </p:nvPr>
+        </p:nvSpPr>
+        <p:spPr>
+          <a:xfrm>
+            <a:off x="492370" y="516835"/>
+            <a:ext cx="3084844" cy="5772840"/>
+          </a:xfrm>
+        </p:spPr>
+        <p:txBody>
+          <a:bodyPr vert="horz" lIns="91440" tIns="45720" rIns="91440" bIns="45720" rtlCol="0" anchor="ctr">
+            <a:normAutofit/>
+          </a:bodyPr>
+          <a:lstStyle/>
+          <a:p>
+            <a:r>
+              <a:rPr lang="en-US" sz="3600">
+                <a:solidFill>
+                  <a:srgbClr val="FFFFFF"/>
+                </a:solidFill>
+              </a:rPr>
+              <a:t>Literature Review: Databases and Keywords</a:t>
+            </a:r>
+          </a:p>
+        </p:txBody>
+      </p:sp>
+      <p:sp>
+        <p:nvSpPr>
+          <p:cNvPr id="4" name="Content Placeholder 3">
+            <a:extLst>
+              <a:ext uri="{FF2B5EF4-FFF2-40B4-BE49-F238E27FC236}">
+                <a16:creationId xmlns:a16="http://schemas.microsoft.com/office/drawing/2014/main" id="{FF2D577E-CBD9-4A66-AB00-870654181764}"/>
+              </a:ext>
+            </a:extLst>
+          </p:cNvPr>
+          <p:cNvSpPr>
+            <a:spLocks/>
+          </p:cNvSpPr>
+          <p:nvPr/>
+        </p:nvSpPr>
+        <p:spPr>
+          <a:xfrm>
+            <a:off x="4594789" y="170628"/>
+            <a:ext cx="5118357" cy="2579509"/>
+          </a:xfrm>
+          <a:prstGeom prst="rect">
+            <a:avLst/>
+          </a:prstGeom>
+        </p:spPr>
+        <p:txBody>
+          <a:bodyPr>
+            <a:normAutofit/>
+          </a:bodyPr>
+          <a:lstStyle/>
+          <a:p>
+            <a:pPr defTabSz="461772">
+              <a:spcAft>
+                <a:spcPts val="600"/>
+              </a:spcAft>
+            </a:pPr>
+            <a:r>
+              <a:rPr lang="en-US" sz="2020" kern="1200" dirty="0">
+                <a:solidFill>
+                  <a:schemeClr val="tx1"/>
+                </a:solidFill>
+                <a:latin typeface="+mn-lt"/>
+                <a:ea typeface="+mn-ea"/>
+                <a:cs typeface="+mn-cs"/>
+              </a:rPr>
+              <a:t>The following are the main databases which will be used:</a:t>
+            </a:r>
+          </a:p>
+          <a:p>
+            <a:pPr marL="804672" lvl="1" indent="-342900" defTabSz="461772">
+              <a:spcAft>
+                <a:spcPts val="600"/>
+              </a:spcAft>
+              <a:buFont typeface="Arial" panose="020B0604020202020204" pitchFamily="34" charset="0"/>
+              <a:buChar char="•"/>
+            </a:pPr>
+            <a:r>
+              <a:rPr lang="en-US" sz="2020" kern="1200" dirty="0">
+                <a:solidFill>
+                  <a:schemeClr val="tx1"/>
+                </a:solidFill>
+                <a:latin typeface="+mn-lt"/>
+                <a:ea typeface="+mn-ea"/>
+                <a:cs typeface="+mn-cs"/>
+              </a:rPr>
+              <a:t>IEEE Xplore</a:t>
+            </a:r>
+          </a:p>
+          <a:p>
+            <a:pPr marL="804672" lvl="1" indent="-342900" defTabSz="461772">
+              <a:spcAft>
+                <a:spcPts val="600"/>
+              </a:spcAft>
+              <a:buFont typeface="Arial" panose="020B0604020202020204" pitchFamily="34" charset="0"/>
+              <a:buChar char="•"/>
+            </a:pPr>
+            <a:r>
+              <a:rPr lang="en-US" sz="2020" kern="1200" dirty="0">
+                <a:solidFill>
+                  <a:schemeClr val="tx1"/>
+                </a:solidFill>
+                <a:latin typeface="+mn-lt"/>
+                <a:ea typeface="+mn-ea"/>
+                <a:cs typeface="+mn-cs"/>
+              </a:rPr>
+              <a:t>Scopus</a:t>
+            </a:r>
+          </a:p>
+          <a:p>
+            <a:pPr marL="804672" lvl="1" indent="-342900" defTabSz="461772">
+              <a:spcAft>
+                <a:spcPts val="600"/>
+              </a:spcAft>
+              <a:buFont typeface="Arial" panose="020B0604020202020204" pitchFamily="34" charset="0"/>
+              <a:buChar char="•"/>
+            </a:pPr>
+            <a:r>
+              <a:rPr lang="en-US" sz="2020" kern="1200" dirty="0">
+                <a:solidFill>
+                  <a:schemeClr val="tx1"/>
+                </a:solidFill>
+                <a:latin typeface="+mn-lt"/>
+                <a:ea typeface="+mn-ea"/>
+                <a:cs typeface="+mn-cs"/>
+              </a:rPr>
+              <a:t>Science Direct</a:t>
+            </a:r>
+          </a:p>
+          <a:p>
+            <a:pPr marL="804672" lvl="1" indent="-342900" defTabSz="461772">
+              <a:spcAft>
+                <a:spcPts val="600"/>
+              </a:spcAft>
+              <a:buFont typeface="Arial" panose="020B0604020202020204" pitchFamily="34" charset="0"/>
+              <a:buChar char="•"/>
+            </a:pPr>
+            <a:r>
+              <a:rPr lang="en-US" sz="2020" kern="1200" dirty="0">
+                <a:solidFill>
+                  <a:schemeClr val="tx1"/>
+                </a:solidFill>
+                <a:latin typeface="+mn-lt"/>
+                <a:ea typeface="+mn-ea"/>
+                <a:cs typeface="+mn-cs"/>
+              </a:rPr>
+              <a:t>ACM Digital Library</a:t>
+            </a:r>
+            <a:endParaRPr lang="en-GB" sz="2000" dirty="0"/>
+          </a:p>
+        </p:txBody>
+      </p:sp>
+      <p:sp>
+        <p:nvSpPr>
+          <p:cNvPr id="5" name="Content Placeholder 4">
+            <a:extLst>
+              <a:ext uri="{FF2B5EF4-FFF2-40B4-BE49-F238E27FC236}">
+                <a16:creationId xmlns:a16="http://schemas.microsoft.com/office/drawing/2014/main" id="{55DC74A5-31C9-4AAD-A110-C2D6894BB4B8}"/>
+              </a:ext>
+            </a:extLst>
+          </p:cNvPr>
+          <p:cNvSpPr>
+            <a:spLocks/>
+          </p:cNvSpPr>
+          <p:nvPr/>
+        </p:nvSpPr>
+        <p:spPr>
+          <a:xfrm>
+            <a:off x="4594789" y="2681391"/>
+            <a:ext cx="5122745" cy="3779275"/>
+          </a:xfrm>
+          <a:prstGeom prst="rect">
+            <a:avLst/>
+          </a:prstGeom>
+        </p:spPr>
+        <p:txBody>
+          <a:bodyPr>
+            <a:normAutofit fontScale="25000" lnSpcReduction="20000"/>
+          </a:bodyPr>
+          <a:lstStyle/>
+          <a:p>
+            <a:pPr defTabSz="461772">
+              <a:lnSpc>
+                <a:spcPct val="90000"/>
+              </a:lnSpc>
+              <a:spcAft>
+                <a:spcPts val="600"/>
+              </a:spcAft>
+            </a:pPr>
+            <a:r>
+              <a:rPr lang="en-US" sz="7200" kern="1200" dirty="0">
+                <a:solidFill>
+                  <a:schemeClr val="tx1"/>
+                </a:solidFill>
+                <a:latin typeface="+mn-lt"/>
+                <a:ea typeface="+mn-ea"/>
+                <a:cs typeface="+mn-cs"/>
+              </a:rPr>
+              <a:t>The following keywords will be used in the searches</a:t>
+            </a:r>
+          </a:p>
+          <a:p>
+            <a:pPr marL="1319022" lvl="1" indent="-857250" defTabSz="461772">
+              <a:lnSpc>
+                <a:spcPct val="90000"/>
+              </a:lnSpc>
+              <a:spcAft>
+                <a:spcPts val="600"/>
+              </a:spcAft>
+              <a:buFont typeface="Arial" panose="020B0604020202020204" pitchFamily="34" charset="0"/>
+              <a:buChar char="•"/>
+            </a:pPr>
+            <a:r>
+              <a:rPr lang="en-US" sz="7200" kern="1200" dirty="0">
+                <a:solidFill>
+                  <a:schemeClr val="tx1"/>
+                </a:solidFill>
+                <a:latin typeface="+mn-lt"/>
+                <a:ea typeface="+mn-ea"/>
+                <a:cs typeface="+mn-cs"/>
+              </a:rPr>
+              <a:t>Artificial Intelligence</a:t>
+            </a:r>
+          </a:p>
+          <a:p>
+            <a:pPr marL="1319022" lvl="1" indent="-857250" defTabSz="461772">
+              <a:lnSpc>
+                <a:spcPct val="90000"/>
+              </a:lnSpc>
+              <a:spcAft>
+                <a:spcPts val="600"/>
+              </a:spcAft>
+              <a:buFont typeface="Arial" panose="020B0604020202020204" pitchFamily="34" charset="0"/>
+              <a:buChar char="•"/>
+            </a:pPr>
+            <a:r>
+              <a:rPr lang="en-US" sz="7200" kern="1200" dirty="0">
+                <a:solidFill>
+                  <a:schemeClr val="tx1"/>
+                </a:solidFill>
+                <a:latin typeface="+mn-lt"/>
+                <a:ea typeface="+mn-ea"/>
+                <a:cs typeface="+mn-cs"/>
+              </a:rPr>
+              <a:t>(</a:t>
+            </a:r>
+            <a:r>
+              <a:rPr lang="en-US" sz="7200" kern="1200" dirty="0" err="1">
+                <a:solidFill>
+                  <a:schemeClr val="tx1"/>
+                </a:solidFill>
+                <a:latin typeface="+mn-lt"/>
+                <a:ea typeface="+mn-ea"/>
+                <a:cs typeface="+mn-cs"/>
+              </a:rPr>
+              <a:t>Decentralised</a:t>
+            </a:r>
+            <a:r>
+              <a:rPr lang="en-US" sz="7200" kern="1200" dirty="0">
+                <a:solidFill>
+                  <a:schemeClr val="tx1"/>
+                </a:solidFill>
+                <a:latin typeface="+mn-lt"/>
+                <a:ea typeface="+mn-ea"/>
+                <a:cs typeface="+mn-cs"/>
+              </a:rPr>
+              <a:t>) Machine Learning</a:t>
+            </a:r>
+          </a:p>
+          <a:p>
+            <a:pPr marL="1319022" lvl="1" indent="-857250" defTabSz="461772">
+              <a:lnSpc>
+                <a:spcPct val="90000"/>
+              </a:lnSpc>
+              <a:spcAft>
+                <a:spcPts val="600"/>
+              </a:spcAft>
+              <a:buFont typeface="Arial" panose="020B0604020202020204" pitchFamily="34" charset="0"/>
+              <a:buChar char="•"/>
+            </a:pPr>
+            <a:r>
+              <a:rPr lang="en-GB" sz="7200" kern="1200" dirty="0">
+                <a:solidFill>
+                  <a:schemeClr val="tx1"/>
+                </a:solidFill>
+                <a:latin typeface="+mn-lt"/>
+                <a:ea typeface="+mn-ea"/>
+                <a:cs typeface="+mn-cs"/>
+              </a:rPr>
+              <a:t>Internet or Things OR IoT</a:t>
+            </a:r>
+          </a:p>
+          <a:p>
+            <a:pPr marL="1319022" lvl="1" indent="-857250" defTabSz="461772">
+              <a:lnSpc>
+                <a:spcPct val="90000"/>
+              </a:lnSpc>
+              <a:spcAft>
+                <a:spcPts val="600"/>
+              </a:spcAft>
+              <a:buFont typeface="Arial" panose="020B0604020202020204" pitchFamily="34" charset="0"/>
+              <a:buChar char="•"/>
+            </a:pPr>
+            <a:r>
+              <a:rPr lang="en-GB" sz="7200" kern="1200" dirty="0">
+                <a:solidFill>
+                  <a:schemeClr val="tx1"/>
+                </a:solidFill>
+                <a:latin typeface="+mn-lt"/>
+                <a:ea typeface="+mn-ea"/>
+                <a:cs typeface="+mn-cs"/>
+              </a:rPr>
+              <a:t>Data Heterogeneity</a:t>
+            </a:r>
+          </a:p>
+          <a:p>
+            <a:pPr marL="1319022" lvl="1" indent="-857250" defTabSz="461772">
+              <a:lnSpc>
+                <a:spcPct val="90000"/>
+              </a:lnSpc>
+              <a:spcAft>
+                <a:spcPts val="600"/>
+              </a:spcAft>
+              <a:buFont typeface="Arial" panose="020B0604020202020204" pitchFamily="34" charset="0"/>
+              <a:buChar char="•"/>
+            </a:pPr>
+            <a:r>
+              <a:rPr lang="en-GB" sz="7200" kern="1200" dirty="0">
+                <a:solidFill>
+                  <a:schemeClr val="tx1"/>
+                </a:solidFill>
+                <a:latin typeface="+mn-lt"/>
+                <a:ea typeface="+mn-ea"/>
+                <a:cs typeface="+mn-cs"/>
+              </a:rPr>
+              <a:t>Model Aggregation</a:t>
+            </a:r>
+          </a:p>
+          <a:p>
+            <a:pPr marL="1319022" lvl="1" indent="-857250" defTabSz="461772">
+              <a:lnSpc>
+                <a:spcPct val="90000"/>
+              </a:lnSpc>
+              <a:spcAft>
+                <a:spcPts val="600"/>
+              </a:spcAft>
+              <a:buFont typeface="Arial" panose="020B0604020202020204" pitchFamily="34" charset="0"/>
+              <a:buChar char="•"/>
+            </a:pPr>
+            <a:r>
+              <a:rPr lang="en-GB" sz="7200" kern="1200" dirty="0">
+                <a:solidFill>
+                  <a:schemeClr val="tx1"/>
+                </a:solidFill>
+                <a:latin typeface="+mn-lt"/>
+                <a:ea typeface="+mn-ea"/>
+                <a:cs typeface="+mn-cs"/>
+              </a:rPr>
+              <a:t>Communication</a:t>
+            </a:r>
+          </a:p>
+          <a:p>
+            <a:pPr marL="1319022" lvl="1" indent="-857250" defTabSz="461772">
+              <a:lnSpc>
+                <a:spcPct val="90000"/>
+              </a:lnSpc>
+              <a:spcAft>
+                <a:spcPts val="600"/>
+              </a:spcAft>
+              <a:buFont typeface="Arial" panose="020B0604020202020204" pitchFamily="34" charset="0"/>
+              <a:buChar char="•"/>
+            </a:pPr>
+            <a:r>
+              <a:rPr lang="en-GB" sz="7200" kern="1200" dirty="0">
+                <a:solidFill>
+                  <a:schemeClr val="tx1"/>
+                </a:solidFill>
+                <a:latin typeface="+mn-lt"/>
+                <a:ea typeface="+mn-ea"/>
+                <a:cs typeface="+mn-cs"/>
+              </a:rPr>
+              <a:t>Constrained Device</a:t>
+            </a:r>
+          </a:p>
+          <a:p>
+            <a:pPr marL="1319022" lvl="1" indent="-857250" defTabSz="461772">
+              <a:lnSpc>
+                <a:spcPct val="90000"/>
+              </a:lnSpc>
+              <a:spcAft>
+                <a:spcPts val="600"/>
+              </a:spcAft>
+              <a:buFont typeface="Arial" panose="020B0604020202020204" pitchFamily="34" charset="0"/>
+              <a:buChar char="•"/>
+            </a:pPr>
+            <a:r>
+              <a:rPr lang="en-GB" sz="7200" kern="1200" dirty="0">
+                <a:solidFill>
+                  <a:schemeClr val="tx1"/>
+                </a:solidFill>
+                <a:latin typeface="+mn-lt"/>
+                <a:ea typeface="+mn-ea"/>
+                <a:cs typeface="+mn-cs"/>
+              </a:rPr>
+              <a:t>Central Server</a:t>
+            </a:r>
+          </a:p>
+          <a:p>
+            <a:pPr marL="1319022" lvl="1" indent="-857250" defTabSz="461772">
+              <a:lnSpc>
+                <a:spcPct val="90000"/>
+              </a:lnSpc>
+              <a:spcAft>
+                <a:spcPts val="600"/>
+              </a:spcAft>
+              <a:buFont typeface="Arial" panose="020B0604020202020204" pitchFamily="34" charset="0"/>
+              <a:buChar char="•"/>
+            </a:pPr>
+            <a:r>
+              <a:rPr lang="en-GB" sz="7200" kern="1200" dirty="0" err="1">
+                <a:solidFill>
+                  <a:schemeClr val="tx1"/>
+                </a:solidFill>
+                <a:latin typeface="+mn-lt"/>
+                <a:ea typeface="+mn-ea"/>
+                <a:cs typeface="+mn-cs"/>
+              </a:rPr>
+              <a:t>EdgeAI</a:t>
+            </a:r>
+            <a:r>
+              <a:rPr lang="en-GB" sz="7200" kern="1200" dirty="0">
+                <a:solidFill>
+                  <a:schemeClr val="tx1"/>
+                </a:solidFill>
+                <a:latin typeface="+mn-lt"/>
+                <a:ea typeface="+mn-ea"/>
+                <a:cs typeface="+mn-cs"/>
+              </a:rPr>
+              <a:t> OR </a:t>
+            </a:r>
+            <a:r>
+              <a:rPr lang="en-GB" sz="7200" kern="1200" dirty="0" err="1">
+                <a:solidFill>
+                  <a:schemeClr val="tx1"/>
+                </a:solidFill>
+                <a:latin typeface="+mn-lt"/>
+                <a:ea typeface="+mn-ea"/>
+                <a:cs typeface="+mn-cs"/>
+              </a:rPr>
+              <a:t>EdgeML</a:t>
+            </a:r>
+            <a:r>
+              <a:rPr lang="en-GB" sz="7200" kern="1200" dirty="0">
+                <a:solidFill>
+                  <a:schemeClr val="tx1"/>
+                </a:solidFill>
+                <a:latin typeface="+mn-lt"/>
+                <a:ea typeface="+mn-ea"/>
+                <a:cs typeface="+mn-cs"/>
+              </a:rPr>
+              <a:t> OR </a:t>
+            </a:r>
+            <a:r>
+              <a:rPr lang="en-GB" sz="7200" kern="1200" dirty="0" err="1">
+                <a:solidFill>
+                  <a:schemeClr val="tx1"/>
+                </a:solidFill>
+                <a:latin typeface="+mn-lt"/>
+                <a:ea typeface="+mn-ea"/>
+                <a:cs typeface="+mn-cs"/>
+              </a:rPr>
+              <a:t>TinyML</a:t>
+            </a:r>
+            <a:endParaRPr lang="en-GB" sz="7200" kern="1200" dirty="0">
+              <a:solidFill>
+                <a:schemeClr val="tx1"/>
+              </a:solidFill>
+              <a:latin typeface="+mn-lt"/>
+              <a:ea typeface="+mn-ea"/>
+              <a:cs typeface="+mn-cs"/>
+            </a:endParaRPr>
+          </a:p>
+          <a:p>
+            <a:pPr marL="1319022" lvl="1" indent="-857250" defTabSz="461772">
+              <a:lnSpc>
+                <a:spcPct val="90000"/>
+              </a:lnSpc>
+              <a:spcAft>
+                <a:spcPts val="600"/>
+              </a:spcAft>
+              <a:buFont typeface="Arial" panose="020B0604020202020204" pitchFamily="34" charset="0"/>
+              <a:buChar char="•"/>
+            </a:pPr>
+            <a:r>
+              <a:rPr lang="en-GB" sz="7200" kern="1200" dirty="0">
+                <a:solidFill>
+                  <a:schemeClr val="tx1"/>
+                </a:solidFill>
+                <a:latin typeface="+mn-lt"/>
+                <a:ea typeface="+mn-ea"/>
+                <a:cs typeface="+mn-cs"/>
+              </a:rPr>
+              <a:t>Data Privacy</a:t>
+            </a:r>
+          </a:p>
+          <a:p>
+            <a:pPr marL="1319022" lvl="1" indent="-857250" defTabSz="461772">
+              <a:lnSpc>
+                <a:spcPct val="90000"/>
+              </a:lnSpc>
+              <a:spcAft>
+                <a:spcPts val="600"/>
+              </a:spcAft>
+              <a:buFont typeface="Arial" panose="020B0604020202020204" pitchFamily="34" charset="0"/>
+              <a:buChar char="•"/>
+            </a:pPr>
+            <a:r>
+              <a:rPr lang="en-GB" sz="7200" kern="1200" dirty="0">
+                <a:solidFill>
+                  <a:schemeClr val="tx1"/>
+                </a:solidFill>
+                <a:latin typeface="+mn-lt"/>
+                <a:ea typeface="+mn-ea"/>
+                <a:cs typeface="+mn-cs"/>
+              </a:rPr>
+              <a:t>Transfer Learning</a:t>
+            </a:r>
+          </a:p>
+          <a:p>
+            <a:pPr marL="1319022" lvl="1" indent="-857250" defTabSz="461772">
+              <a:lnSpc>
+                <a:spcPct val="90000"/>
+              </a:lnSpc>
+              <a:spcAft>
+                <a:spcPts val="600"/>
+              </a:spcAft>
+              <a:buFont typeface="Arial" panose="020B0604020202020204" pitchFamily="34" charset="0"/>
+              <a:buChar char="•"/>
+            </a:pPr>
+            <a:r>
+              <a:rPr lang="en-GB" sz="7200" kern="1200" dirty="0">
+                <a:solidFill>
+                  <a:schemeClr val="tx1"/>
+                </a:solidFill>
+                <a:latin typeface="+mn-lt"/>
+                <a:ea typeface="+mn-ea"/>
+                <a:cs typeface="+mn-cs"/>
+              </a:rPr>
+              <a:t>Federated Averaging</a:t>
+            </a:r>
+          </a:p>
+          <a:p>
+            <a:pPr marL="1319022" lvl="1" indent="-857250" defTabSz="461772">
+              <a:lnSpc>
+                <a:spcPct val="90000"/>
+              </a:lnSpc>
+              <a:spcAft>
+                <a:spcPts val="600"/>
+              </a:spcAft>
+              <a:buFont typeface="Arial" panose="020B0604020202020204" pitchFamily="34" charset="0"/>
+              <a:buChar char="•"/>
+            </a:pPr>
+            <a:r>
+              <a:rPr lang="en-GB" sz="7200" kern="1200" dirty="0">
+                <a:solidFill>
+                  <a:schemeClr val="tx1"/>
+                </a:solidFill>
+                <a:latin typeface="+mn-lt"/>
+                <a:ea typeface="+mn-ea"/>
+                <a:cs typeface="+mn-cs"/>
+              </a:rPr>
+              <a:t>Manufacturing</a:t>
+            </a:r>
+          </a:p>
+          <a:p>
+            <a:pPr marL="461772" lvl="1" defTabSz="461772">
+              <a:lnSpc>
+                <a:spcPct val="90000"/>
+              </a:lnSpc>
+              <a:spcAft>
+                <a:spcPts val="600"/>
+              </a:spcAft>
+            </a:pPr>
+            <a:r>
+              <a:rPr lang="en-GB" sz="1500" kern="1200" dirty="0">
+                <a:solidFill>
+                  <a:schemeClr val="tx1"/>
+                </a:solidFill>
+                <a:latin typeface="+mn-lt"/>
+                <a:ea typeface="+mn-ea"/>
+                <a:cs typeface="+mn-cs"/>
+              </a:rPr>
+              <a:t>Intrusion Detection</a:t>
+            </a:r>
+          </a:p>
+          <a:p>
+            <a:pPr lvl="1">
+              <a:lnSpc>
+                <a:spcPct val="90000"/>
+              </a:lnSpc>
+              <a:spcAft>
+                <a:spcPts val="600"/>
+              </a:spcAft>
+            </a:pPr>
+            <a:endParaRPr lang="en-GB" sz="1500" dirty="0"/>
+          </a:p>
+        </p:txBody>
+      </p:sp>
+    </p:spTree>
+    <p:extLst>
+      <p:ext uri="{BB962C8B-B14F-4D97-AF65-F5344CB8AC3E}">
+        <p14:creationId xmlns:p14="http://schemas.microsoft.com/office/powerpoint/2010/main" val="164553243"/>
+      </p:ext>
+    </p:extLst>
+  </p:cSld>
+  <p:clrMapOvr>
+    <a:masterClrMapping/>
+  </p:clrMapOvr>
+</p:sld>
+</file>
+
 <file path=ppt/theme/theme1.xml><?xml version="1.0" encoding="utf-8"?>
-<a:theme xmlns:a="http://schemas.openxmlformats.org/drawingml/2006/main" name="Office Theme">
+<a:theme xmlns:a="http://schemas.openxmlformats.org/drawingml/2006/main" name="Retrospect">
   <a:themeElements>
-    <a:clrScheme name="Office">
+    <a:clrScheme name="Retrospect">
       <a:dk1>
-        <a:sysClr val="windowText" lastClr="000000"/>
+        <a:srgbClr val="000000"/>
       </a:dk1>
       <a:lt1>
-        <a:sysClr val="window" lastClr="FFFFFF"/>
+        <a:srgbClr val="FFFFFF"/>
       </a:lt1>
       <a:dk2>
-        <a:srgbClr val="44546A"/>
+        <a:srgbClr val="46464A"/>
       </a:dk2>
       <a:lt2>
-        <a:srgbClr val="E7E6E6"/>
+        <a:srgbClr val="D1D9E1"/>
       </a:lt2>
       <a:accent1>
-        <a:srgbClr val="4472C4"/>
+        <a:srgbClr val="6F6F74"/>
       </a:accent1>
       <a:accent2>
-        <a:srgbClr val="ED7D31"/>
+        <a:srgbClr val="A7B789"/>
       </a:accent2>
       <a:accent3>
-        <a:srgbClr val="A5A5A5"/>
+        <a:srgbClr val="BEAE98"/>
       </a:accent3>
       <a:accent4>
-        <a:srgbClr val="FFC000"/>
+        <a:srgbClr val="92A9B9"/>
       </a:accent4>
       <a:accent5>
-        <a:srgbClr val="5B9BD5"/>
+        <a:srgbClr val="9C8265"/>
       </a:accent5>
       <a:accent6>
-        <a:srgbClr val="70AD47"/>
+        <a:srgbClr val="8D6974"/>
       </a:accent6>
       <a:hlink>
-        <a:srgbClr val="0563C1"/>
+        <a:srgbClr val="67AABF"/>
       </a:hlink>
       <a:folHlink>
-        <a:srgbClr val="954F72"/>
+        <a:srgbClr val="B1B5AB"/>
       </a:folHlink>
     </a:clrScheme>
-    <a:fontScheme name="Office">
+    <a:fontScheme name="Retrospect">
       <a:majorFont>
         <a:latin typeface="Calibri Light" panose="020F0302020204030204"/>
         <a:ea typeface=""/>
         <a:cs typeface=""/>
-        <a:font script="Jpan" typeface="游ゴシック Light"/>
+        <a:font script="Jpan" typeface="ＭＳ Ｐゴシック"/>
         <a:font script="Hang" typeface="맑은 고딕"/>
-        <a:font script="Hans" typeface="等线 Light"/>
+        <a:font script="Hans" typeface="宋体"/>
         <a:font script="Hant" typeface="新細明體"/>
         <a:font script="Arab" typeface="Times New Roman"/>
         <a:font script="Hebr" typeface="Times New Roman"/>
@@ -9686,31 +10029,14 @@
         <a:font script="Viet" typeface="Times New Roman"/>
         <a:font script="Uigh" typeface="Microsoft Uighur"/>
         <a:font script="Geor" typeface="Sylfaen"/>
-        <a:font script="Armn" typeface="Arial"/>
-        <a:font script="Bugi" typeface="Leelawadee UI"/>
-        <a:font script="Bopo" typeface="Microsoft JhengHei"/>
-        <a:font script="Java" typeface="Javanese Text"/>
-        <a:font script="Lisu" typeface="Segoe UI"/>
-        <a:font script="Mymr" typeface="Myanmar Text"/>
-        <a:font script="Nkoo" typeface="Ebrima"/>
-        <a:font script="Olck" typeface="Nirmala UI"/>
-        <a:font script="Osma" typeface="Ebrima"/>
-        <a:font script="Phag" typeface="Phagspa"/>
-        <a:font script="Syrn" typeface="Estrangelo Edessa"/>
-        <a:font script="Syrj" typeface="Estrangelo Edessa"/>
-        <a:font script="Syre" typeface="Estrangelo Edessa"/>
-        <a:font script="Sora" typeface="Nirmala UI"/>
-        <a:font script="Tale" typeface="Microsoft Tai Le"/>
-        <a:font script="Talu" typeface="Microsoft New Tai Lue"/>
-        <a:font script="Tfng" typeface="Ebrima"/>
       </a:majorFont>
       <a:minorFont>
         <a:latin typeface="Calibri" panose="020F0502020204030204"/>
         <a:ea typeface=""/>
         <a:cs typeface=""/>
-        <a:font script="Jpan" typeface="游ゴシック"/>
+        <a:font script="Jpan" typeface="ＭＳ Ｐゴシック"/>
         <a:font script="Hang" typeface="맑은 고딕"/>
-        <a:font script="Hans" typeface="等线"/>
+        <a:font script="Hans" typeface="宋体"/>
         <a:font script="Hant" typeface="新細明體"/>
         <a:font script="Arab" typeface="Arial"/>
         <a:font script="Hebr" typeface="Arial"/>
@@ -9738,26 +10064,9 @@
         <a:font script="Viet" typeface="Arial"/>
         <a:font script="Uigh" typeface="Microsoft Uighur"/>
         <a:font script="Geor" typeface="Sylfaen"/>
-        <a:font script="Armn" typeface="Arial"/>
-        <a:font script="Bugi" typeface="Leelawadee UI"/>
-        <a:font script="Bopo" typeface="Microsoft JhengHei"/>
-        <a:font script="Java" typeface="Javanese Text"/>
-        <a:font script="Lisu" typeface="Segoe UI"/>
-        <a:font script="Mymr" typeface="Myanmar Text"/>
-        <a:font script="Nkoo" typeface="Ebrima"/>
-        <a:font script="Olck" typeface="Nirmala UI"/>
-        <a:font script="Osma" typeface="Ebrima"/>
-        <a:font script="Phag" typeface="Phagspa"/>
-        <a:font script="Syrn" typeface="Estrangelo Edessa"/>
-        <a:font script="Syrj" typeface="Estrangelo Edessa"/>
-        <a:font script="Syre" typeface="Estrangelo Edessa"/>
-        <a:font script="Sora" typeface="Nirmala UI"/>
-        <a:font script="Tale" typeface="Microsoft Tai Le"/>
-        <a:font script="Talu" typeface="Microsoft New Tai Lue"/>
-        <a:font script="Tfng" typeface="Ebrima"/>
       </a:minorFont>
     </a:fontScheme>
-    <a:fmtScheme name="Office">
+    <a:fmtScheme name="Retrospect">
       <a:fillStyleLst>
         <a:solidFill>
           <a:schemeClr val="phClr"/>
@@ -9766,76 +10075,81 @@
           <a:gsLst>
             <a:gs pos="0">
               <a:schemeClr val="phClr">
-                <a:lumMod val="110000"/>
-                <a:satMod val="105000"/>
-                <a:tint val="67000"/>
+                <a:tint val="65000"/>
+                <a:shade val="92000"/>
+                <a:satMod val="130000"/>
               </a:schemeClr>
             </a:gs>
-            <a:gs pos="50000">
+            <a:gs pos="45000">
               <a:schemeClr val="phClr">
-                <a:lumMod val="105000"/>
-                <a:satMod val="103000"/>
-                <a:tint val="73000"/>
+                <a:tint val="60000"/>
+                <a:shade val="99000"/>
+                <a:satMod val="120000"/>
               </a:schemeClr>
             </a:gs>
             <a:gs pos="100000">
               <a:schemeClr val="phClr">
-                <a:lumMod val="105000"/>
-                <a:satMod val="109000"/>
-                <a:tint val="81000"/>
+                <a:tint val="55000"/>
+                <a:satMod val="140000"/>
               </a:schemeClr>
             </a:gs>
           </a:gsLst>
-          <a:lin ang="5400000" scaled="0"/>
+          <a:path path="circle">
+            <a:fillToRect l="100000" t="100000" r="100000" b="100000"/>
+          </a:path>
         </a:gradFill>
         <a:gradFill rotWithShape="1">
           <a:gsLst>
             <a:gs pos="0">
               <a:schemeClr val="phClr">
-                <a:satMod val="103000"/>
-                <a:lumMod val="102000"/>
-                <a:tint val="94000"/>
+                <a:shade val="85000"/>
+                <a:satMod val="130000"/>
               </a:schemeClr>
             </a:gs>
-            <a:gs pos="50000">
+            <a:gs pos="34000">
               <a:schemeClr val="phClr">
-                <a:satMod val="110000"/>
-                <a:lumMod val="100000"/>
-                <a:shade val="100000"/>
+                <a:shade val="87000"/>
+                <a:satMod val="125000"/>
+              </a:schemeClr>
+            </a:gs>
+            <a:gs pos="70000">
+              <a:schemeClr val="phClr">
+                <a:tint val="100000"/>
+                <a:shade val="90000"/>
+                <a:satMod val="130000"/>
               </a:schemeClr>
             </a:gs>
             <a:gs pos="100000">
               <a:schemeClr val="phClr">
-                <a:lumMod val="99000"/>
-                <a:satMod val="120000"/>
-                <a:shade val="78000"/>
+                <a:tint val="100000"/>
+                <a:shade val="100000"/>
+                <a:satMod val="110000"/>
               </a:schemeClr>
             </a:gs>
           </a:gsLst>
-          <a:lin ang="5400000" scaled="0"/>
+          <a:path path="circle">
+            <a:fillToRect l="100000" t="100000" r="100000" b="100000"/>
+          </a:path>
         </a:gradFill>
       </a:fillStyleLst>
       <a:lnStyleLst>
-        <a:ln w="6350" cap="flat" cmpd="sng" algn="ctr">
-          <a:solidFill>
-            <a:schemeClr val="phClr"/>
-          </a:solidFill>
-          <a:prstDash val="solid"/>
-          <a:miter lim="800000"/>
-        </a:ln>
         <a:ln w="12700" cap="flat" cmpd="sng" algn="ctr">
           <a:solidFill>
             <a:schemeClr val="phClr"/>
           </a:solidFill>
           <a:prstDash val="solid"/>
-          <a:miter lim="800000"/>
         </a:ln>
-        <a:ln w="19050" cap="flat" cmpd="sng" algn="ctr">
+        <a:ln w="15875" cap="flat" cmpd="sng" algn="ctr">
           <a:solidFill>
             <a:schemeClr val="phClr"/>
           </a:solidFill>
           <a:prstDash val="solid"/>
-          <a:miter lim="800000"/>
+        </a:ln>
+        <a:ln w="25400" cap="flat" cmpd="sng" algn="ctr">
+          <a:solidFill>
+            <a:schemeClr val="phClr"/>
+          </a:solidFill>
+          <a:prstDash val="solid"/>
         </a:ln>
       </a:lnStyleLst>
       <a:effectStyleLst>
@@ -9843,16 +10157,33 @@
           <a:effectLst/>
         </a:effectStyle>
         <a:effectStyle>
-          <a:effectLst/>
+          <a:effectLst>
+            <a:outerShdw blurRad="38100" dist="25400" dir="2700000" algn="br" rotWithShape="0">
+              <a:srgbClr val="000000">
+                <a:alpha val="60000"/>
+              </a:srgbClr>
+            </a:outerShdw>
+          </a:effectLst>
         </a:effectStyle>
         <a:effectStyle>
           <a:effectLst>
-            <a:outerShdw blurRad="57150" dist="19050" dir="5400000" algn="ctr" rotWithShape="0">
+            <a:outerShdw blurRad="44450" dist="25400" dir="2700000" algn="br" rotWithShape="0">
               <a:srgbClr val="000000">
-                <a:alpha val="63000"/>
+                <a:alpha val="60000"/>
               </a:srgbClr>
             </a:outerShdw>
           </a:effectLst>
+          <a:scene3d>
+            <a:camera prst="orthographicFront">
+              <a:rot lat="0" lon="0" rev="0"/>
+            </a:camera>
+            <a:lightRig rig="threePt" dir="t">
+              <a:rot lat="0" lon="0" rev="19800000"/>
+            </a:lightRig>
+          </a:scene3d>
+          <a:sp3d prstMaterial="flat">
+            <a:bevelT w="25400" h="31750"/>
+          </a:sp3d>
         </a:effectStyle>
       </a:effectStyleLst>
       <a:bgFillStyleLst>
@@ -9861,36 +10192,36 @@
         </a:solidFill>
         <a:solidFill>
           <a:schemeClr val="phClr">
-            <a:tint val="95000"/>
-            <a:satMod val="170000"/>
+            <a:tint val="90000"/>
+            <a:shade val="97000"/>
+            <a:satMod val="130000"/>
           </a:schemeClr>
         </a:solidFill>
         <a:gradFill rotWithShape="1">
           <a:gsLst>
             <a:gs pos="0">
               <a:schemeClr val="phClr">
-                <a:tint val="93000"/>
-                <a:satMod val="150000"/>
-                <a:shade val="98000"/>
-                <a:lumMod val="102000"/>
+                <a:tint val="96000"/>
+                <a:shade val="99000"/>
+                <a:satMod val="140000"/>
               </a:schemeClr>
             </a:gs>
-            <a:gs pos="50000">
+            <a:gs pos="65000">
               <a:schemeClr val="phClr">
-                <a:tint val="98000"/>
+                <a:tint val="100000"/>
+                <a:shade val="80000"/>
                 <a:satMod val="130000"/>
-                <a:shade val="90000"/>
-                <a:lumMod val="103000"/>
               </a:schemeClr>
             </a:gs>
             <a:gs pos="100000">
               <a:schemeClr val="phClr">
-                <a:shade val="63000"/>
+                <a:tint val="100000"/>
+                <a:shade val="48000"/>
                 <a:satMod val="120000"/>
               </a:schemeClr>
             </a:gs>
           </a:gsLst>
-          <a:lin ang="5400000" scaled="0"/>
+          <a:lin ang="16200000" scaled="0"/>
         </a:gradFill>
       </a:bgFillStyleLst>
     </a:fmtScheme>
@@ -9899,7 +10230,7 @@
   <a:extraClrSchemeLst/>
   <a:extLst>
     <a:ext uri="{05A4C25C-085E-4340-85A3-A5531E510DB2}">
-      <thm15:themeFamily xmlns:thm15="http://schemas.microsoft.com/office/thememl/2012/main" name="Office Theme" id="{62F939B6-93AF-4DB8-9C6B-D6C7DFDC589F}" vid="{4A3C46E8-61CC-4603-A589-7422A47A8E4A}"/>
+      <thm15:themeFamily xmlns:thm15="http://schemas.microsoft.com/office/thememl/2012/main" name="Retrospect" id="{5F128B03-DCCA-4EEB-AB3B-CF2899314A46}" vid="{BAB94BD4-5D6D-4148-AB57-A4CCF1FD4E0C}"/>
     </a:ext>
   </a:extLst>
 </a:theme>

--- a/Presentations/Supervisor Meetings/2024/20240209.pptx
+++ b/Presentations/Supervisor Meetings/2024/20240209.pptx
@@ -2,7 +2,7 @@
 <file path=ppt/presentation.xml><?xml version="1.0" encoding="utf-8"?>
 <p:presentation xmlns:a="http://schemas.openxmlformats.org/drawingml/2006/main" xmlns:r="http://schemas.openxmlformats.org/officeDocument/2006/relationships" xmlns:p="http://schemas.openxmlformats.org/presentationml/2006/main" saveSubsetFonts="1">
   <p:sldMasterIdLst>
-    <p:sldMasterId id="2147483756" r:id="rId1"/>
+    <p:sldMasterId id="2147483884" r:id="rId1"/>
   </p:sldMasterIdLst>
   <p:sldIdLst>
     <p:sldId id="256" r:id="rId2"/>
@@ -119,7 +119,7 @@
 <file path=ppt/revisionInfo.xml><?xml version="1.0" encoding="utf-8"?>
 <p1510:revInfo xmlns:a="http://schemas.openxmlformats.org/drawingml/2006/main" xmlns:r="http://schemas.openxmlformats.org/officeDocument/2006/relationships" xmlns:p1510="http://schemas.microsoft.com/office/powerpoint/2015/10/main">
   <p1510:revLst>
-    <p1510:client id="{CA64B30F-511C-45F5-B991-1BF90300E7E0}" v="71" dt="2024-02-07T16:36:06.983"/>
+    <p1510:client id="{CA64B30F-511C-45F5-B991-1BF90300E7E0}" v="82" dt="2024-02-08T19:50:07.829"/>
   </p1510:revLst>
 </p1510:revInfo>
 </file>
@@ -129,7 +129,7 @@
   <pc:docChgLst>
     <pc:chgData name="Sean O Fithcheallaigh" userId="47659c31-a575-4792-8be3-61268c4ee0d6" providerId="ADAL" clId="{CA64B30F-511C-45F5-B991-1BF90300E7E0}"/>
     <pc:docChg chg="undo custSel mod addSld delSld modSld">
-      <pc:chgData name="Sean O Fithcheallaigh" userId="47659c31-a575-4792-8be3-61268c4ee0d6" providerId="ADAL" clId="{CA64B30F-511C-45F5-B991-1BF90300E7E0}" dt="2024-02-07T16:35:59.230" v="3628"/>
+      <pc:chgData name="Sean O Fithcheallaigh" userId="47659c31-a575-4792-8be3-61268c4ee0d6" providerId="ADAL" clId="{CA64B30F-511C-45F5-B991-1BF90300E7E0}" dt="2024-02-08T19:53:59.945" v="3716" actId="20577"/>
       <pc:docMkLst>
         <pc:docMk/>
       </pc:docMkLst>
@@ -413,13 +413,13 @@
         </pc:picChg>
       </pc:sldChg>
       <pc:sldChg chg="addSp delSp modSp mod setBg delDesignElem">
-        <pc:chgData name="Sean O Fithcheallaigh" userId="47659c31-a575-4792-8be3-61268c4ee0d6" providerId="ADAL" clId="{CA64B30F-511C-45F5-B991-1BF90300E7E0}" dt="2024-02-07T16:24:58.287" v="3367"/>
+        <pc:chgData name="Sean O Fithcheallaigh" userId="47659c31-a575-4792-8be3-61268c4ee0d6" providerId="ADAL" clId="{CA64B30F-511C-45F5-B991-1BF90300E7E0}" dt="2024-02-08T19:49:37.778" v="3652" actId="26606"/>
         <pc:sldMkLst>
           <pc:docMk/>
           <pc:sldMk cId="3126834720" sldId="257"/>
         </pc:sldMkLst>
         <pc:spChg chg="mod">
-          <ac:chgData name="Sean O Fithcheallaigh" userId="47659c31-a575-4792-8be3-61268c4ee0d6" providerId="ADAL" clId="{CA64B30F-511C-45F5-B991-1BF90300E7E0}" dt="2024-02-07T16:24:47.747" v="3365" actId="26606"/>
+          <ac:chgData name="Sean O Fithcheallaigh" userId="47659c31-a575-4792-8be3-61268c4ee0d6" providerId="ADAL" clId="{CA64B30F-511C-45F5-B991-1BF90300E7E0}" dt="2024-02-08T19:49:37.778" v="3652" actId="26606"/>
           <ac:spMkLst>
             <pc:docMk/>
             <pc:sldMk cId="3126834720" sldId="257"/>
@@ -555,7 +555,7 @@
           </ac:graphicFrameMkLst>
         </pc:graphicFrameChg>
         <pc:graphicFrameChg chg="add mod modGraphic">
-          <ac:chgData name="Sean O Fithcheallaigh" userId="47659c31-a575-4792-8be3-61268c4ee0d6" providerId="ADAL" clId="{CA64B30F-511C-45F5-B991-1BF90300E7E0}" dt="2024-02-07T16:24:47.747" v="3365" actId="26606"/>
+          <ac:chgData name="Sean O Fithcheallaigh" userId="47659c31-a575-4792-8be3-61268c4ee0d6" providerId="ADAL" clId="{CA64B30F-511C-45F5-B991-1BF90300E7E0}" dt="2024-02-08T19:49:37.778" v="3652" actId="26606"/>
           <ac:graphicFrameMkLst>
             <pc:docMk/>
             <pc:sldMk cId="3126834720" sldId="257"/>
@@ -564,13 +564,13 @@
         </pc:graphicFrameChg>
       </pc:sldChg>
       <pc:sldChg chg="addSp delSp modSp new mod setBg delDesignElem">
-        <pc:chgData name="Sean O Fithcheallaigh" userId="47659c31-a575-4792-8be3-61268c4ee0d6" providerId="ADAL" clId="{CA64B30F-511C-45F5-B991-1BF90300E7E0}" dt="2024-02-07T16:25:38.534" v="3384" actId="313"/>
+        <pc:chgData name="Sean O Fithcheallaigh" userId="47659c31-a575-4792-8be3-61268c4ee0d6" providerId="ADAL" clId="{CA64B30F-511C-45F5-B991-1BF90300E7E0}" dt="2024-02-08T19:49:29.959" v="3650" actId="27636"/>
         <pc:sldMkLst>
           <pc:docMk/>
           <pc:sldMk cId="3874078205" sldId="258"/>
         </pc:sldMkLst>
         <pc:spChg chg="mod">
-          <ac:chgData name="Sean O Fithcheallaigh" userId="47659c31-a575-4792-8be3-61268c4ee0d6" providerId="ADAL" clId="{CA64B30F-511C-45F5-B991-1BF90300E7E0}" dt="2024-02-07T16:25:38.534" v="3384" actId="313"/>
+          <ac:chgData name="Sean O Fithcheallaigh" userId="47659c31-a575-4792-8be3-61268c4ee0d6" providerId="ADAL" clId="{CA64B30F-511C-45F5-B991-1BF90300E7E0}" dt="2024-02-08T19:49:29.959" v="3650" actId="27636"/>
           <ac:spMkLst>
             <pc:docMk/>
             <pc:sldMk cId="3874078205" sldId="258"/>
@@ -739,7 +739,7 @@
         </pc:graphicFrameChg>
       </pc:sldChg>
       <pc:sldChg chg="addSp delSp modSp add mod setBg delDesignElem">
-        <pc:chgData name="Sean O Fithcheallaigh" userId="47659c31-a575-4792-8be3-61268c4ee0d6" providerId="ADAL" clId="{CA64B30F-511C-45F5-B991-1BF90300E7E0}" dt="2024-02-07T16:33:12.352" v="3614" actId="14100"/>
+        <pc:chgData name="Sean O Fithcheallaigh" userId="47659c31-a575-4792-8be3-61268c4ee0d6" providerId="ADAL" clId="{CA64B30F-511C-45F5-B991-1BF90300E7E0}" dt="2024-02-08T19:49:15.119" v="3648" actId="27636"/>
         <pc:sldMkLst>
           <pc:docMk/>
           <pc:sldMk cId="2143467693" sldId="259"/>
@@ -753,7 +753,7 @@
           </ac:spMkLst>
         </pc:spChg>
         <pc:spChg chg="mod ord">
-          <ac:chgData name="Sean O Fithcheallaigh" userId="47659c31-a575-4792-8be3-61268c4ee0d6" providerId="ADAL" clId="{CA64B30F-511C-45F5-B991-1BF90300E7E0}" dt="2024-02-07T16:31:00.357" v="3545" actId="14100"/>
+          <ac:chgData name="Sean O Fithcheallaigh" userId="47659c31-a575-4792-8be3-61268c4ee0d6" providerId="ADAL" clId="{CA64B30F-511C-45F5-B991-1BF90300E7E0}" dt="2024-02-08T19:47:17.733" v="3632" actId="14100"/>
           <ac:spMkLst>
             <pc:docMk/>
             <pc:sldMk cId="2143467693" sldId="259"/>
@@ -817,7 +817,7 @@
           </ac:spMkLst>
         </pc:spChg>
         <pc:spChg chg="add mod">
-          <ac:chgData name="Sean O Fithcheallaigh" userId="47659c31-a575-4792-8be3-61268c4ee0d6" providerId="ADAL" clId="{CA64B30F-511C-45F5-B991-1BF90300E7E0}" dt="2024-02-07T16:32:40.785" v="3579" actId="688"/>
+          <ac:chgData name="Sean O Fithcheallaigh" userId="47659c31-a575-4792-8be3-61268c4ee0d6" providerId="ADAL" clId="{CA64B30F-511C-45F5-B991-1BF90300E7E0}" dt="2024-02-08T19:49:06.451" v="3646" actId="27636"/>
           <ac:spMkLst>
             <pc:docMk/>
             <pc:sldMk cId="2143467693" sldId="259"/>
@@ -825,7 +825,7 @@
           </ac:spMkLst>
         </pc:spChg>
         <pc:spChg chg="add mod">
-          <ac:chgData name="Sean O Fithcheallaigh" userId="47659c31-a575-4792-8be3-61268c4ee0d6" providerId="ADAL" clId="{CA64B30F-511C-45F5-B991-1BF90300E7E0}" dt="2024-02-07T16:32:37.164" v="3578" actId="688"/>
+          <ac:chgData name="Sean O Fithcheallaigh" userId="47659c31-a575-4792-8be3-61268c4ee0d6" providerId="ADAL" clId="{CA64B30F-511C-45F5-B991-1BF90300E7E0}" dt="2024-02-08T19:49:15.119" v="3648" actId="27636"/>
           <ac:spMkLst>
             <pc:docMk/>
             <pc:sldMk cId="2143467693" sldId="259"/>
@@ -970,13 +970,13 @@
         </pc:cxnChg>
       </pc:sldChg>
       <pc:sldChg chg="addSp delSp modSp new mod setBg setClrOvrMap delDesignElem chgLayout">
-        <pc:chgData name="Sean O Fithcheallaigh" userId="47659c31-a575-4792-8be3-61268c4ee0d6" providerId="ADAL" clId="{CA64B30F-511C-45F5-B991-1BF90300E7E0}" dt="2024-02-07T16:35:59.230" v="3628"/>
+        <pc:chgData name="Sean O Fithcheallaigh" userId="47659c31-a575-4792-8be3-61268c4ee0d6" providerId="ADAL" clId="{CA64B30F-511C-45F5-B991-1BF90300E7E0}" dt="2024-02-08T19:53:59.945" v="3716" actId="20577"/>
         <pc:sldMkLst>
           <pc:docMk/>
           <pc:sldMk cId="164553243" sldId="260"/>
         </pc:sldMkLst>
         <pc:spChg chg="mod ord">
-          <ac:chgData name="Sean O Fithcheallaigh" userId="47659c31-a575-4792-8be3-61268c4ee0d6" providerId="ADAL" clId="{CA64B30F-511C-45F5-B991-1BF90300E7E0}" dt="2024-02-07T16:34:32.741" v="3615" actId="26606"/>
+          <ac:chgData name="Sean O Fithcheallaigh" userId="47659c31-a575-4792-8be3-61268c4ee0d6" providerId="ADAL" clId="{CA64B30F-511C-45F5-B991-1BF90300E7E0}" dt="2024-02-08T19:51:13.715" v="3661" actId="14100"/>
           <ac:spMkLst>
             <pc:docMk/>
             <pc:sldMk cId="164553243" sldId="260"/>
@@ -992,7 +992,7 @@
           </ac:spMkLst>
         </pc:spChg>
         <pc:spChg chg="add mod ord">
-          <ac:chgData name="Sean O Fithcheallaigh" userId="47659c31-a575-4792-8be3-61268c4ee0d6" providerId="ADAL" clId="{CA64B30F-511C-45F5-B991-1BF90300E7E0}" dt="2024-02-07T16:35:19.574" v="3624" actId="12"/>
+          <ac:chgData name="Sean O Fithcheallaigh" userId="47659c31-a575-4792-8be3-61268c4ee0d6" providerId="ADAL" clId="{CA64B30F-511C-45F5-B991-1BF90300E7E0}" dt="2024-02-08T19:50:50.229" v="3657" actId="1076"/>
           <ac:spMkLst>
             <pc:docMk/>
             <pc:sldMk cId="164553243" sldId="260"/>
@@ -1000,7 +1000,7 @@
           </ac:spMkLst>
         </pc:spChg>
         <pc:spChg chg="add mod ord">
-          <ac:chgData name="Sean O Fithcheallaigh" userId="47659c31-a575-4792-8be3-61268c4ee0d6" providerId="ADAL" clId="{CA64B30F-511C-45F5-B991-1BF90300E7E0}" dt="2024-02-07T16:35:25.856" v="3626" actId="15"/>
+          <ac:chgData name="Sean O Fithcheallaigh" userId="47659c31-a575-4792-8be3-61268c4ee0d6" providerId="ADAL" clId="{CA64B30F-511C-45F5-B991-1BF90300E7E0}" dt="2024-02-08T19:53:59.945" v="3716" actId="20577"/>
           <ac:spMkLst>
             <pc:docMk/>
             <pc:sldMk cId="164553243" sldId="260"/>
@@ -1311,6 +1311,37 @@
             <ac:cxnSpMk id="37" creationId="{D7A4964E-33C0-4563-92BB-988B2C925F92}"/>
           </ac:cxnSpMkLst>
         </pc:cxnChg>
+      </pc:sldChg>
+      <pc:sldChg chg="modSp new del">
+        <pc:chgData name="Sean O Fithcheallaigh" userId="47659c31-a575-4792-8be3-61268c4ee0d6" providerId="ADAL" clId="{CA64B30F-511C-45F5-B991-1BF90300E7E0}" dt="2024-02-08T19:53:05.311" v="3706" actId="47"/>
+        <pc:sldMkLst>
+          <pc:docMk/>
+          <pc:sldMk cId="831234913" sldId="261"/>
+        </pc:sldMkLst>
+        <pc:spChg chg="mod">
+          <ac:chgData name="Sean O Fithcheallaigh" userId="47659c31-a575-4792-8be3-61268c4ee0d6" providerId="ADAL" clId="{CA64B30F-511C-45F5-B991-1BF90300E7E0}" dt="2024-02-08T19:49:31.985" v="3651"/>
+          <ac:spMkLst>
+            <pc:docMk/>
+            <pc:sldMk cId="831234913" sldId="261"/>
+            <ac:spMk id="2" creationId="{6198B2FE-4E86-48F0-99F1-21FC1DEFD170}"/>
+          </ac:spMkLst>
+        </pc:spChg>
+        <pc:spChg chg="mod">
+          <ac:chgData name="Sean O Fithcheallaigh" userId="47659c31-a575-4792-8be3-61268c4ee0d6" providerId="ADAL" clId="{CA64B30F-511C-45F5-B991-1BF90300E7E0}" dt="2024-02-08T19:49:31.985" v="3651"/>
+          <ac:spMkLst>
+            <pc:docMk/>
+            <pc:sldMk cId="831234913" sldId="261"/>
+            <ac:spMk id="3" creationId="{6FC8404B-FA27-4FF3-9B26-08EFAFC11512}"/>
+          </ac:spMkLst>
+        </pc:spChg>
+        <pc:spChg chg="mod">
+          <ac:chgData name="Sean O Fithcheallaigh" userId="47659c31-a575-4792-8be3-61268c4ee0d6" providerId="ADAL" clId="{CA64B30F-511C-45F5-B991-1BF90300E7E0}" dt="2024-02-08T19:49:31.985" v="3651"/>
+          <ac:spMkLst>
+            <pc:docMk/>
+            <pc:sldMk cId="831234913" sldId="261"/>
+            <ac:spMk id="4" creationId="{E20C7088-1876-44F1-B757-FA014A841354}"/>
+          </ac:spMkLst>
+        </pc:spChg>
       </pc:sldChg>
       <pc:sldChg chg="new del">
         <pc:chgData name="Sean O Fithcheallaigh" userId="47659c31-a575-4792-8be3-61268c4ee0d6" providerId="ADAL" clId="{CA64B30F-511C-45F5-B991-1BF90300E7E0}" dt="2024-02-07T15:40:14.241" v="3227" actId="680"/>
@@ -1380,15 +1411,15 @@
 </file>
 
 <file path=ppt/diagrams/colors1.xml><?xml version="1.0" encoding="utf-8"?>
-<dgm:colorsDef xmlns:dgm="http://schemas.openxmlformats.org/drawingml/2006/diagram" xmlns:a="http://schemas.openxmlformats.org/drawingml/2006/main" uniqueId="urn:microsoft.com/office/officeart/2018/5/colors/Iconchunking_neutralicon_accent2_2">
+<dgm:colorsDef xmlns:dgm="http://schemas.openxmlformats.org/drawingml/2006/diagram" xmlns:a="http://schemas.openxmlformats.org/drawingml/2006/main" uniqueId="urn:microsoft.com/office/officeart/2018/5/colors/Iconchunking_neutralbg_colorful5">
   <dgm:title val=""/>
   <dgm:desc val=""/>
   <dgm:catLst>
-    <dgm:cat type="accent2" pri="11200"/>
+    <dgm:cat type="colorful" pri="10500"/>
   </dgm:catLst>
   <dgm:styleLbl name="node0">
     <dgm:fillClrLst meth="repeat">
-      <a:schemeClr val="accent2"/>
+      <a:schemeClr val="accent4"/>
     </dgm:fillClrLst>
     <dgm:linClrLst meth="repeat">
       <a:schemeClr val="lt1"/>
@@ -1399,8 +1430,9 @@
     <dgm:txEffectClrLst/>
   </dgm:styleLbl>
   <dgm:styleLbl name="node1">
-    <dgm:fillClrLst meth="repeat">
-      <a:schemeClr val="bg1"/>
+    <dgm:fillClrLst>
+      <a:schemeClr val="accent5"/>
+      <a:schemeClr val="accent6"/>
     </dgm:fillClrLst>
     <dgm:linClrLst meth="repeat">
       <a:schemeClr val="lt1">
@@ -1409,17 +1441,17 @@
     </dgm:linClrLst>
     <dgm:effectClrLst/>
     <dgm:txLinClrLst/>
-    <dgm:txFillClrLst meth="repeat">
-      <a:schemeClr val="dk1"/>
-    </dgm:txFillClrLst>
+    <dgm:txFillClrLst/>
     <dgm:txEffectClrLst/>
   </dgm:styleLbl>
   <dgm:styleLbl name="alignNode1">
-    <dgm:fillClrLst meth="repeat">
-      <a:schemeClr val="accent2"/>
+    <dgm:fillClrLst>
+      <a:schemeClr val="accent5"/>
+      <a:schemeClr val="accent6"/>
     </dgm:fillClrLst>
-    <dgm:linClrLst meth="repeat">
-      <a:schemeClr val="accent2"/>
+    <dgm:linClrLst>
+      <a:schemeClr val="accent5"/>
+      <a:schemeClr val="accent6"/>
     </dgm:linClrLst>
     <dgm:effectClrLst/>
     <dgm:txLinClrLst/>
@@ -1427,8 +1459,9 @@
     <dgm:txEffectClrLst/>
   </dgm:styleLbl>
   <dgm:styleLbl name="lnNode1">
-    <dgm:fillClrLst meth="repeat">
-      <a:schemeClr val="accent2"/>
+    <dgm:fillClrLst>
+      <a:schemeClr val="accent5"/>
+      <a:schemeClr val="accent6"/>
     </dgm:fillClrLst>
     <dgm:linClrLst meth="repeat">
       <a:schemeClr val="lt1"/>
@@ -1439,8 +1472,11 @@
     <dgm:txEffectClrLst/>
   </dgm:styleLbl>
   <dgm:styleLbl name="vennNode1">
-    <dgm:fillClrLst meth="repeat">
-      <a:schemeClr val="accent2">
+    <dgm:fillClrLst>
+      <a:schemeClr val="accent5">
+        <a:alpha val="50000"/>
+      </a:schemeClr>
+      <a:schemeClr val="accent6">
         <a:alpha val="50000"/>
       </a:schemeClr>
     </dgm:fillClrLst>
@@ -1453,8 +1489,8 @@
     <dgm:txEffectClrLst/>
   </dgm:styleLbl>
   <dgm:styleLbl name="node2">
-    <dgm:fillClrLst meth="repeat">
-      <a:schemeClr val="accent2"/>
+    <dgm:fillClrLst>
+      <a:schemeClr val="accent6"/>
     </dgm:fillClrLst>
     <dgm:linClrLst meth="repeat">
       <a:schemeClr val="lt1"/>
@@ -1465,8 +1501,8 @@
     <dgm:txEffectClrLst/>
   </dgm:styleLbl>
   <dgm:styleLbl name="node3">
-    <dgm:fillClrLst meth="repeat">
-      <a:schemeClr val="accent2"/>
+    <dgm:fillClrLst>
+      <a:schemeClr val="accent1"/>
     </dgm:fillClrLst>
     <dgm:linClrLst meth="repeat">
       <a:schemeClr val="lt1"/>
@@ -1477,7 +1513,7 @@
     <dgm:txEffectClrLst/>
   </dgm:styleLbl>
   <dgm:styleLbl name="node4">
-    <dgm:fillClrLst meth="repeat">
+    <dgm:fillClrLst>
       <a:schemeClr val="accent2"/>
     </dgm:fillClrLst>
     <dgm:linClrLst meth="repeat">
@@ -1489,8 +1525,11 @@
     <dgm:txEffectClrLst/>
   </dgm:styleLbl>
   <dgm:styleLbl name="fgImgPlace1">
-    <dgm:fillClrLst meth="repeat">
-      <a:schemeClr val="accent2">
+    <dgm:fillClrLst>
+      <a:schemeClr val="accent5">
+        <a:tint val="50000"/>
+      </a:schemeClr>
+      <a:schemeClr val="accent6">
         <a:tint val="50000"/>
       </a:schemeClr>
     </dgm:fillClrLst>
@@ -1505,9 +1544,12 @@
     <dgm:txEffectClrLst/>
   </dgm:styleLbl>
   <dgm:styleLbl name="alignImgPlace1">
-    <dgm:fillClrLst meth="repeat">
-      <a:schemeClr val="accent2">
+    <dgm:fillClrLst>
+      <a:schemeClr val="accent5">
         <a:tint val="50000"/>
+      </a:schemeClr>
+      <a:schemeClr val="accent6">
+        <a:tint val="20000"/>
       </a:schemeClr>
     </dgm:fillClrLst>
     <dgm:linClrLst meth="repeat">
@@ -1521,9 +1563,12 @@
     <dgm:txEffectClrLst/>
   </dgm:styleLbl>
   <dgm:styleLbl name="bgImgPlace1">
-    <dgm:fillClrLst meth="repeat">
-      <a:schemeClr val="accent2">
+    <dgm:fillClrLst>
+      <a:schemeClr val="accent5">
         <a:tint val="50000"/>
+      </a:schemeClr>
+      <a:schemeClr val="accent6">
+        <a:tint val="20000"/>
       </a:schemeClr>
     </dgm:fillClrLst>
     <dgm:linClrLst meth="repeat">
@@ -1537,15 +1582,12 @@
     <dgm:txEffectClrLst/>
   </dgm:styleLbl>
   <dgm:styleLbl name="sibTrans2D1">
-    <dgm:fillClrLst meth="repeat">
-      <a:schemeClr val="accent2">
-        <a:tint val="60000"/>
-      </a:schemeClr>
+    <dgm:fillClrLst>
+      <a:schemeClr val="accent5"/>
+      <a:schemeClr val="accent6"/>
     </dgm:fillClrLst>
     <dgm:linClrLst meth="repeat">
-      <a:schemeClr val="accent2">
-        <a:tint val="60000"/>
-      </a:schemeClr>
+      <a:schemeClr val="lt1"/>
     </dgm:linClrLst>
     <dgm:effectClrLst/>
     <dgm:txLinClrLst/>
@@ -1553,43 +1595,40 @@
     <dgm:txEffectClrLst/>
   </dgm:styleLbl>
   <dgm:styleLbl name="fgSibTrans2D1">
-    <dgm:fillClrLst meth="repeat">
-      <a:schemeClr val="accent2">
-        <a:tint val="60000"/>
-      </a:schemeClr>
+    <dgm:fillClrLst>
+      <a:schemeClr val="accent5"/>
+      <a:schemeClr val="accent6"/>
     </dgm:fillClrLst>
     <dgm:linClrLst meth="repeat">
-      <a:schemeClr val="accent2">
-        <a:tint val="60000"/>
-      </a:schemeClr>
+      <a:schemeClr val="lt1"/>
     </dgm:linClrLst>
     <dgm:effectClrLst/>
     <dgm:txLinClrLst/>
-    <dgm:txFillClrLst/>
+    <dgm:txFillClrLst meth="repeat">
+      <a:schemeClr val="lt1"/>
+    </dgm:txFillClrLst>
     <dgm:txEffectClrLst/>
   </dgm:styleLbl>
   <dgm:styleLbl name="bgSibTrans2D1">
-    <dgm:fillClrLst meth="repeat">
-      <a:schemeClr val="accent2">
-        <a:tint val="60000"/>
-      </a:schemeClr>
+    <dgm:fillClrLst>
+      <a:schemeClr val="accent5"/>
+      <a:schemeClr val="accent6"/>
     </dgm:fillClrLst>
     <dgm:linClrLst meth="repeat">
-      <a:schemeClr val="accent2">
-        <a:tint val="60000"/>
-      </a:schemeClr>
+      <a:schemeClr val="lt1"/>
     </dgm:linClrLst>
     <dgm:effectClrLst/>
     <dgm:txLinClrLst/>
-    <dgm:txFillClrLst/>
+    <dgm:txFillClrLst meth="repeat">
+      <a:schemeClr val="lt1"/>
+    </dgm:txFillClrLst>
     <dgm:txEffectClrLst/>
   </dgm:styleLbl>
   <dgm:styleLbl name="sibTrans1D1">
-    <dgm:fillClrLst meth="repeat">
-      <a:schemeClr val="accent2"/>
-    </dgm:fillClrLst>
-    <dgm:linClrLst meth="repeat">
-      <a:schemeClr val="accent2"/>
+    <dgm:fillClrLst/>
+    <dgm:linClrLst>
+      <a:schemeClr val="accent5"/>
+      <a:schemeClr val="accent6"/>
     </dgm:linClrLst>
     <dgm:effectClrLst/>
     <dgm:txLinClrLst/>
@@ -1600,10 +1639,10 @@
   </dgm:styleLbl>
   <dgm:styleLbl name="callout">
     <dgm:fillClrLst meth="repeat">
-      <a:schemeClr val="accent2"/>
+      <a:schemeClr val="accent5"/>
     </dgm:fillClrLst>
     <dgm:linClrLst meth="repeat">
-      <a:schemeClr val="accent2">
+      <a:schemeClr val="accent5">
         <a:tint val="50000"/>
       </a:schemeClr>
     </dgm:linClrLst>
@@ -1616,10 +1655,12 @@
   </dgm:styleLbl>
   <dgm:styleLbl name="asst0">
     <dgm:fillClrLst meth="repeat">
-      <a:schemeClr val="accent2"/>
+      <a:schemeClr val="accent5"/>
     </dgm:fillClrLst>
     <dgm:linClrLst meth="repeat">
-      <a:schemeClr val="lt1"/>
+      <a:schemeClr val="lt1">
+        <a:shade val="80000"/>
+      </a:schemeClr>
     </dgm:linClrLst>
     <dgm:effectClrLst/>
     <dgm:txLinClrLst/>
@@ -1628,10 +1669,12 @@
   </dgm:styleLbl>
   <dgm:styleLbl name="asst1">
     <dgm:fillClrLst meth="repeat">
-      <a:schemeClr val="accent2"/>
+      <a:schemeClr val="accent6"/>
     </dgm:fillClrLst>
     <dgm:linClrLst meth="repeat">
-      <a:schemeClr val="lt1"/>
+      <a:schemeClr val="lt1">
+        <a:shade val="80000"/>
+      </a:schemeClr>
     </dgm:linClrLst>
     <dgm:effectClrLst/>
     <dgm:txLinClrLst/>
@@ -1639,8 +1682,8 @@
     <dgm:txEffectClrLst/>
   </dgm:styleLbl>
   <dgm:styleLbl name="asst2">
-    <dgm:fillClrLst meth="repeat">
-      <a:schemeClr val="accent2"/>
+    <dgm:fillClrLst>
+      <a:schemeClr val="accent1"/>
     </dgm:fillClrLst>
     <dgm:linClrLst meth="repeat">
       <a:schemeClr val="lt1"/>
@@ -1651,7 +1694,7 @@
     <dgm:txEffectClrLst/>
   </dgm:styleLbl>
   <dgm:styleLbl name="asst3">
-    <dgm:fillClrLst meth="repeat">
+    <dgm:fillClrLst>
       <a:schemeClr val="accent2"/>
     </dgm:fillClrLst>
     <dgm:linClrLst meth="repeat">
@@ -1663,8 +1706,8 @@
     <dgm:txEffectClrLst/>
   </dgm:styleLbl>
   <dgm:styleLbl name="asst4">
-    <dgm:fillClrLst meth="repeat">
-      <a:schemeClr val="accent2"/>
+    <dgm:fillClrLst>
+      <a:schemeClr val="accent3"/>
     </dgm:fillClrLst>
     <dgm:linClrLst meth="repeat">
       <a:schemeClr val="lt1"/>
@@ -1676,14 +1719,10 @@
   </dgm:styleLbl>
   <dgm:styleLbl name="parChTrans2D1">
     <dgm:fillClrLst meth="repeat">
-      <a:schemeClr val="accent2">
-        <a:tint val="60000"/>
-      </a:schemeClr>
+      <a:schemeClr val="accent5"/>
     </dgm:fillClrLst>
     <dgm:linClrLst meth="repeat">
-      <a:schemeClr val="accent2">
-        <a:tint val="60000"/>
-      </a:schemeClr>
+      <a:schemeClr val="lt1"/>
     </dgm:linClrLst>
     <dgm:effectClrLst/>
     <dgm:txLinClrLst/>
@@ -1694,38 +1733,34 @@
   </dgm:styleLbl>
   <dgm:styleLbl name="parChTrans2D2">
     <dgm:fillClrLst meth="repeat">
-      <a:schemeClr val="accent2"/>
+      <a:schemeClr val="accent6"/>
     </dgm:fillClrLst>
     <dgm:linClrLst meth="repeat">
-      <a:schemeClr val="accent2"/>
+      <a:schemeClr val="lt1"/>
     </dgm:linClrLst>
     <dgm:effectClrLst/>
     <dgm:txLinClrLst/>
-    <dgm:txFillClrLst meth="repeat">
-      <a:schemeClr val="lt1"/>
-    </dgm:txFillClrLst>
+    <dgm:txFillClrLst/>
     <dgm:txEffectClrLst/>
   </dgm:styleLbl>
   <dgm:styleLbl name="parChTrans2D3">
     <dgm:fillClrLst meth="repeat">
-      <a:schemeClr val="accent2"/>
+      <a:schemeClr val="accent6"/>
     </dgm:fillClrLst>
     <dgm:linClrLst meth="repeat">
-      <a:schemeClr val="accent2"/>
+      <a:schemeClr val="lt1"/>
     </dgm:linClrLst>
     <dgm:effectClrLst/>
     <dgm:txLinClrLst/>
-    <dgm:txFillClrLst meth="repeat">
-      <a:schemeClr val="lt1"/>
-    </dgm:txFillClrLst>
+    <dgm:txFillClrLst/>
     <dgm:txEffectClrLst/>
   </dgm:styleLbl>
   <dgm:styleLbl name="parChTrans2D4">
     <dgm:fillClrLst meth="repeat">
-      <a:schemeClr val="accent2"/>
+      <a:schemeClr val="accent1"/>
     </dgm:fillClrLst>
     <dgm:linClrLst meth="repeat">
-      <a:schemeClr val="accent2"/>
+      <a:schemeClr val="lt1"/>
     </dgm:linClrLst>
     <dgm:effectClrLst/>
     <dgm:txLinClrLst/>
@@ -1736,12 +1771,10 @@
   </dgm:styleLbl>
   <dgm:styleLbl name="parChTrans1D1">
     <dgm:fillClrLst meth="repeat">
-      <a:schemeClr val="accent2"/>
+      <a:schemeClr val="accent5"/>
     </dgm:fillClrLst>
     <dgm:linClrLst meth="repeat">
-      <a:schemeClr val="accent2">
-        <a:shade val="60000"/>
-      </a:schemeClr>
+      <a:schemeClr val="accent5"/>
     </dgm:linClrLst>
     <dgm:effectClrLst/>
     <dgm:txLinClrLst/>
@@ -1752,12 +1785,12 @@
   </dgm:styleLbl>
   <dgm:styleLbl name="parChTrans1D2">
     <dgm:fillClrLst meth="repeat">
-      <a:schemeClr val="accent2"/>
+      <a:schemeClr val="accent6">
+        <a:tint val="90000"/>
+      </a:schemeClr>
     </dgm:fillClrLst>
     <dgm:linClrLst meth="repeat">
-      <a:schemeClr val="accent2">
-        <a:shade val="60000"/>
-      </a:schemeClr>
+      <a:schemeClr val="accent6"/>
     </dgm:linClrLst>
     <dgm:effectClrLst/>
     <dgm:txLinClrLst/>
@@ -1768,12 +1801,12 @@
   </dgm:styleLbl>
   <dgm:styleLbl name="parChTrans1D3">
     <dgm:fillClrLst meth="repeat">
-      <a:schemeClr val="accent2"/>
+      <a:schemeClr val="accent6">
+        <a:tint val="70000"/>
+      </a:schemeClr>
     </dgm:fillClrLst>
     <dgm:linClrLst meth="repeat">
-      <a:schemeClr val="accent2">
-        <a:shade val="80000"/>
-      </a:schemeClr>
+      <a:schemeClr val="accent1"/>
     </dgm:linClrLst>
     <dgm:effectClrLst/>
     <dgm:txLinClrLst/>
@@ -1784,12 +1817,12 @@
   </dgm:styleLbl>
   <dgm:styleLbl name="parChTrans1D4">
     <dgm:fillClrLst meth="repeat">
-      <a:schemeClr val="accent2"/>
+      <a:schemeClr val="accent6">
+        <a:tint val="50000"/>
+      </a:schemeClr>
     </dgm:fillClrLst>
     <dgm:linClrLst meth="repeat">
-      <a:schemeClr val="accent2">
-        <a:shade val="80000"/>
-      </a:schemeClr>
+      <a:schemeClr val="accent2"/>
     </dgm:linClrLst>
     <dgm:effectClrLst/>
     <dgm:txLinClrLst/>
@@ -1804,8 +1837,9 @@
         <a:alpha val="90000"/>
       </a:schemeClr>
     </dgm:fillClrLst>
-    <dgm:linClrLst meth="repeat">
-      <a:schemeClr val="accent2"/>
+    <dgm:linClrLst>
+      <a:schemeClr val="accent5"/>
+      <a:schemeClr val="accent6"/>
     </dgm:linClrLst>
     <dgm:effectClrLst/>
     <dgm:txLinClrLst/>
@@ -1820,8 +1854,9 @@
         <a:alpha val="90000"/>
       </a:schemeClr>
     </dgm:fillClrLst>
-    <dgm:linClrLst meth="repeat">
-      <a:schemeClr val="accent2"/>
+    <dgm:linClrLst>
+      <a:schemeClr val="accent5"/>
+      <a:schemeClr val="accent6"/>
     </dgm:linClrLst>
     <dgm:effectClrLst/>
     <dgm:txLinClrLst/>
@@ -1836,8 +1871,9 @@
         <a:alpha val="90000"/>
       </a:schemeClr>
     </dgm:fillClrLst>
-    <dgm:linClrLst meth="repeat">
-      <a:schemeClr val="accent2"/>
+    <dgm:linClrLst>
+      <a:schemeClr val="accent5"/>
+      <a:schemeClr val="accent6"/>
     </dgm:linClrLst>
     <dgm:effectClrLst/>
     <dgm:txLinClrLst/>
@@ -1853,7 +1889,7 @@
       </a:schemeClr>
     </dgm:fillClrLst>
     <dgm:linClrLst meth="repeat">
-      <a:schemeClr val="accent2"/>
+      <a:schemeClr val="accent5"/>
     </dgm:linClrLst>
     <dgm:effectClrLst/>
     <dgm:txLinClrLst/>
@@ -1868,8 +1904,9 @@
         <a:alpha val="90000"/>
       </a:schemeClr>
     </dgm:fillClrLst>
-    <dgm:linClrLst meth="repeat">
-      <a:schemeClr val="accent2"/>
+    <dgm:linClrLst>
+      <a:schemeClr val="accent5"/>
+      <a:schemeClr val="accent6"/>
     </dgm:linClrLst>
     <dgm:effectClrLst/>
     <dgm:txLinClrLst/>
@@ -1882,8 +1919,9 @@
     <dgm:fillClrLst meth="repeat">
       <a:schemeClr val="lt1"/>
     </dgm:fillClrLst>
-    <dgm:linClrLst meth="repeat">
-      <a:schemeClr val="accent2"/>
+    <dgm:linClrLst>
+      <a:schemeClr val="accent5"/>
+      <a:schemeClr val="accent6"/>
     </dgm:linClrLst>
     <dgm:effectClrLst/>
     <dgm:txLinClrLst/>
@@ -1896,8 +1934,9 @@
     <dgm:fillClrLst meth="repeat">
       <a:schemeClr val="lt1"/>
     </dgm:fillClrLst>
-    <dgm:linClrLst meth="repeat">
-      <a:schemeClr val="accent2"/>
+    <dgm:linClrLst>
+      <a:schemeClr val="accent5"/>
+      <a:schemeClr val="accent6"/>
     </dgm:linClrLst>
     <dgm:effectClrLst/>
     <dgm:txLinClrLst/>
@@ -1910,8 +1949,9 @@
     <dgm:fillClrLst meth="repeat">
       <a:schemeClr val="lt1"/>
     </dgm:fillClrLst>
-    <dgm:linClrLst meth="repeat">
-      <a:schemeClr val="accent2"/>
+    <dgm:linClrLst>
+      <a:schemeClr val="accent5"/>
+      <a:schemeClr val="accent6"/>
     </dgm:linClrLst>
     <dgm:effectClrLst/>
     <dgm:txLinClrLst/>
@@ -1921,16 +1961,24 @@
     <dgm:txEffectClrLst/>
   </dgm:styleLbl>
   <dgm:styleLbl name="fgAccFollowNode1">
-    <dgm:fillClrLst meth="repeat">
-      <a:schemeClr val="accent2">
+    <dgm:fillClrLst>
+      <a:schemeClr val="accent5">
+        <a:tint val="40000"/>
         <a:alpha val="90000"/>
+      </a:schemeClr>
+      <a:schemeClr val="accent6">
         <a:tint val="40000"/>
+        <a:alpha val="90000"/>
       </a:schemeClr>
     </dgm:fillClrLst>
-    <dgm:linClrLst meth="repeat">
-      <a:schemeClr val="accent2">
+    <dgm:linClrLst>
+      <a:schemeClr val="accent5">
+        <a:tint val="40000"/>
         <a:alpha val="90000"/>
+      </a:schemeClr>
+      <a:schemeClr val="accent5">
         <a:tint val="40000"/>
+        <a:alpha val="90000"/>
       </a:schemeClr>
     </dgm:linClrLst>
     <dgm:effectClrLst/>
@@ -1941,16 +1989,24 @@
     <dgm:txEffectClrLst/>
   </dgm:styleLbl>
   <dgm:styleLbl name="alignAccFollowNode1">
-    <dgm:fillClrLst meth="repeat">
-      <a:schemeClr val="accent2">
+    <dgm:fillClrLst>
+      <a:schemeClr val="accent5">
+        <a:tint val="40000"/>
         <a:alpha val="90000"/>
+      </a:schemeClr>
+      <a:schemeClr val="accent6">
         <a:tint val="40000"/>
+        <a:alpha val="90000"/>
       </a:schemeClr>
     </dgm:fillClrLst>
-    <dgm:linClrLst meth="repeat">
-      <a:schemeClr val="accent2">
+    <dgm:linClrLst>
+      <a:schemeClr val="accent5">
+        <a:tint val="40000"/>
         <a:alpha val="90000"/>
+      </a:schemeClr>
+      <a:schemeClr val="accent6">
         <a:tint val="40000"/>
+        <a:alpha val="90000"/>
       </a:schemeClr>
     </dgm:linClrLst>
     <dgm:effectClrLst/>
@@ -1961,16 +2017,24 @@
     <dgm:txEffectClrLst/>
   </dgm:styleLbl>
   <dgm:styleLbl name="bgAccFollowNode1">
-    <dgm:fillClrLst meth="repeat">
-      <a:schemeClr val="accent2">
+    <dgm:fillClrLst>
+      <a:schemeClr val="accent5">
+        <a:tint val="40000"/>
         <a:alpha val="90000"/>
+      </a:schemeClr>
+      <a:schemeClr val="accent6">
         <a:tint val="40000"/>
+        <a:alpha val="90000"/>
       </a:schemeClr>
     </dgm:fillClrLst>
-    <dgm:linClrLst meth="repeat">
-      <a:schemeClr val="accent2">
+    <dgm:linClrLst>
+      <a:schemeClr val="accent5">
+        <a:tint val="40000"/>
         <a:alpha val="90000"/>
+      </a:schemeClr>
+      <a:schemeClr val="accent6">
         <a:tint val="40000"/>
+        <a:alpha val="90000"/>
       </a:schemeClr>
     </dgm:linClrLst>
     <dgm:effectClrLst/>
@@ -1986,8 +2050,8 @@
         <a:alpha val="90000"/>
       </a:schemeClr>
     </dgm:fillClrLst>
-    <dgm:linClrLst meth="repeat">
-      <a:schemeClr val="accent2"/>
+    <dgm:linClrLst>
+      <a:schemeClr val="accent4"/>
     </dgm:linClrLst>
     <dgm:effectClrLst/>
     <dgm:txLinClrLst/>
@@ -2002,8 +2066,8 @@
         <a:alpha val="90000"/>
       </a:schemeClr>
     </dgm:fillClrLst>
-    <dgm:linClrLst meth="repeat">
-      <a:schemeClr val="accent2"/>
+    <dgm:linClrLst>
+      <a:schemeClr val="accent6"/>
     </dgm:linClrLst>
     <dgm:effectClrLst/>
     <dgm:txLinClrLst/>
@@ -2018,8 +2082,8 @@
         <a:alpha val="90000"/>
       </a:schemeClr>
     </dgm:fillClrLst>
-    <dgm:linClrLst meth="repeat">
-      <a:schemeClr val="accent2"/>
+    <dgm:linClrLst>
+      <a:schemeClr val="accent1"/>
     </dgm:linClrLst>
     <dgm:effectClrLst/>
     <dgm:txLinClrLst/>
@@ -2034,7 +2098,7 @@
         <a:alpha val="90000"/>
       </a:schemeClr>
     </dgm:fillClrLst>
-    <dgm:linClrLst meth="repeat">
+    <dgm:linClrLst>
       <a:schemeClr val="accent2"/>
     </dgm:linClrLst>
     <dgm:effectClrLst/>
@@ -2046,26 +2110,28 @@
   </dgm:styleLbl>
   <dgm:styleLbl name="bgShp">
     <dgm:fillClrLst meth="repeat">
-      <a:schemeClr val="accent2"/>
+      <a:schemeClr val="bg1">
+        <a:lumMod val="95000"/>
+      </a:schemeClr>
     </dgm:fillClrLst>
     <dgm:linClrLst meth="repeat">
-      <a:schemeClr val="lt1">
-        <a:alpha val="0"/>
-      </a:schemeClr>
+      <a:schemeClr val="dk1"/>
     </dgm:linClrLst>
     <dgm:effectClrLst/>
     <dgm:txLinClrLst/>
-    <dgm:txFillClrLst/>
+    <dgm:txFillClrLst meth="repeat">
+      <a:schemeClr val="dk1"/>
+    </dgm:txFillClrLst>
     <dgm:txEffectClrLst/>
   </dgm:styleLbl>
   <dgm:styleLbl name="dkBgShp">
     <dgm:fillClrLst meth="repeat">
-      <a:schemeClr val="accent2">
-        <a:shade val="80000"/>
+      <a:schemeClr val="accent5">
+        <a:shade val="90000"/>
       </a:schemeClr>
     </dgm:fillClrLst>
     <dgm:linClrLst meth="repeat">
-      <a:schemeClr val="accent2"/>
+      <a:schemeClr val="dk1"/>
     </dgm:linClrLst>
     <dgm:effectClrLst/>
     <dgm:txLinClrLst/>
@@ -2076,13 +2142,13 @@
   </dgm:styleLbl>
   <dgm:styleLbl name="trBgShp">
     <dgm:fillClrLst meth="repeat">
-      <a:schemeClr val="accent2">
+      <a:schemeClr val="accent5">
         <a:tint val="50000"/>
         <a:alpha val="40000"/>
       </a:schemeClr>
     </dgm:fillClrLst>
     <dgm:linClrLst meth="repeat">
-      <a:schemeClr val="accent2"/>
+      <a:schemeClr val="accent5"/>
     </dgm:linClrLst>
     <dgm:effectClrLst/>
     <dgm:txLinClrLst/>
@@ -2093,8 +2159,8 @@
   </dgm:styleLbl>
   <dgm:styleLbl name="fgShp">
     <dgm:fillClrLst meth="repeat">
-      <a:schemeClr val="accent2">
-        <a:tint val="60000"/>
+      <a:schemeClr val="accent5">
+        <a:tint val="40000"/>
       </a:schemeClr>
     </dgm:fillClrLst>
     <dgm:linClrLst meth="repeat">
@@ -2132,7 +2198,7 @@
 <dgm:dataModel xmlns:dgm="http://schemas.openxmlformats.org/drawingml/2006/diagram" xmlns:a="http://schemas.openxmlformats.org/drawingml/2006/main">
   <dgm:ptLst>
     <dgm:pt modelId="{76711620-EBD7-470A-B364-1E2EC967F01A}" type="doc">
-      <dgm:prSet loTypeId="urn:microsoft.com/office/officeart/2018/5/layout/IconCircleLabelList" loCatId="icon" qsTypeId="urn:microsoft.com/office/officeart/2005/8/quickstyle/simple1" qsCatId="simple" csTypeId="urn:microsoft.com/office/officeart/2018/5/colors/Iconchunking_neutralicon_accent2_2" csCatId="accent2" phldr="1"/>
+      <dgm:prSet loTypeId="urn:microsoft.com/office/officeart/2018/5/layout/IconCircleLabelList" loCatId="icon" qsTypeId="urn:microsoft.com/office/officeart/2005/8/quickstyle/simple1" qsCatId="simple" csTypeId="urn:microsoft.com/office/officeart/2018/5/colors/Iconchunking_neutralbg_colorful5" csCatId="colorful" phldr="1"/>
       <dgm:spPr/>
       <dgm:t>
         <a:bodyPr/>
@@ -2150,6 +2216,9 @@
         <a:lstStyle/>
         <a:p>
           <a:pPr>
+            <a:lnSpc>
+              <a:spcPct val="100000"/>
+            </a:lnSpc>
             <a:defRPr cap="all"/>
           </a:pPr>
           <a:r>
@@ -2189,6 +2258,9 @@
         <a:lstStyle/>
         <a:p>
           <a:pPr>
+            <a:lnSpc>
+              <a:spcPct val="100000"/>
+            </a:lnSpc>
             <a:defRPr cap="all"/>
           </a:pPr>
           <a:r>
@@ -2228,6 +2300,9 @@
         <a:lstStyle/>
         <a:p>
           <a:pPr>
+            <a:lnSpc>
+              <a:spcPct val="100000"/>
+            </a:lnSpc>
             <a:defRPr cap="all"/>
           </a:pPr>
           <a:r>
@@ -2268,6 +2343,9 @@
         <a:lstStyle/>
         <a:p>
           <a:pPr>
+            <a:lnSpc>
+              <a:spcPct val="100000"/>
+            </a:lnSpc>
             <a:defRPr cap="all"/>
           </a:pPr>
           <a:r>
@@ -2577,14 +2655,15 @@
       </dsp:nvSpPr>
       <dsp:spPr>
         <a:xfrm>
-          <a:off x="800672" y="698685"/>
-          <a:ext cx="1256587" cy="1256587"/>
+          <a:off x="774129" y="709809"/>
+          <a:ext cx="1255425" cy="1255425"/>
         </a:xfrm>
         <a:prstGeom prst="ellipse">
           <a:avLst/>
         </a:prstGeom>
         <a:solidFill>
-          <a:schemeClr val="accent2">
+          <a:schemeClr val="bg1">
+            <a:lumMod val="95000"/>
             <a:hueOff val="0"/>
             <a:satOff val="0"/>
             <a:lumOff val="0"/>
@@ -2616,8 +2695,8 @@
       </dsp:nvSpPr>
       <dsp:spPr>
         <a:xfrm>
-          <a:off x="1068469" y="966482"/>
-          <a:ext cx="720993" cy="720993"/>
+          <a:off x="1041679" y="977359"/>
+          <a:ext cx="720326" cy="720326"/>
         </a:xfrm>
         <a:prstGeom prst="rect">
           <a:avLst/>
@@ -2665,8 +2744,8 @@
       </dsp:nvSpPr>
       <dsp:spPr>
         <a:xfrm>
-          <a:off x="398976" y="2346669"/>
-          <a:ext cx="2059980" cy="720000"/>
+          <a:off x="372805" y="2356270"/>
+          <a:ext cx="2058075" cy="720000"/>
         </a:xfrm>
         <a:prstGeom prst="rect">
           <a:avLst/>
@@ -2697,7 +2776,7 @@
         <a:p>
           <a:pPr marL="0" lvl="0" indent="0" algn="ctr" defTabSz="889000">
             <a:lnSpc>
-              <a:spcPct val="90000"/>
+              <a:spcPct val="100000"/>
             </a:lnSpc>
             <a:spcBef>
               <a:spcPct val="0"/>
@@ -2715,8 +2794,8 @@
         </a:p>
       </dsp:txBody>
       <dsp:txXfrm>
-        <a:off x="398976" y="2346669"/>
-        <a:ext cx="2059980" cy="720000"/>
+        <a:off x="372805" y="2356270"/>
+        <a:ext cx="2058075" cy="720000"/>
       </dsp:txXfrm>
     </dsp:sp>
     <dsp:sp modelId="{447B4303-A014-4513-B772-3CEBB6A55163}">
@@ -2726,14 +2805,15 @@
       </dsp:nvSpPr>
       <dsp:spPr>
         <a:xfrm>
-          <a:off x="3221148" y="698685"/>
-          <a:ext cx="1256587" cy="1256587"/>
+          <a:off x="3192368" y="709809"/>
+          <a:ext cx="1255425" cy="1255425"/>
         </a:xfrm>
         <a:prstGeom prst="ellipse">
           <a:avLst/>
         </a:prstGeom>
         <a:solidFill>
-          <a:schemeClr val="accent2">
+          <a:schemeClr val="bg1">
+            <a:lumMod val="95000"/>
             <a:hueOff val="0"/>
             <a:satOff val="0"/>
             <a:lumOff val="0"/>
@@ -2765,8 +2845,8 @@
       </dsp:nvSpPr>
       <dsp:spPr>
         <a:xfrm>
-          <a:off x="3488946" y="966482"/>
-          <a:ext cx="720993" cy="720993"/>
+          <a:off x="3459917" y="977359"/>
+          <a:ext cx="720326" cy="720326"/>
         </a:xfrm>
         <a:prstGeom prst="rect">
           <a:avLst/>
@@ -2814,8 +2894,8 @@
       </dsp:nvSpPr>
       <dsp:spPr>
         <a:xfrm>
-          <a:off x="2819452" y="2346669"/>
-          <a:ext cx="2059980" cy="720000"/>
+          <a:off x="2791043" y="2356270"/>
+          <a:ext cx="2058075" cy="720000"/>
         </a:xfrm>
         <a:prstGeom prst="rect">
           <a:avLst/>
@@ -2846,7 +2926,7 @@
         <a:p>
           <a:pPr marL="0" lvl="0" indent="0" algn="ctr" defTabSz="889000">
             <a:lnSpc>
-              <a:spcPct val="90000"/>
+              <a:spcPct val="100000"/>
             </a:lnSpc>
             <a:spcBef>
               <a:spcPct val="0"/>
@@ -2864,8 +2944,8 @@
         </a:p>
       </dsp:txBody>
       <dsp:txXfrm>
-        <a:off x="2819452" y="2346669"/>
-        <a:ext cx="2059980" cy="720000"/>
+        <a:off x="2791043" y="2356270"/>
+        <a:ext cx="2058075" cy="720000"/>
       </dsp:txXfrm>
     </dsp:sp>
     <dsp:sp modelId="{D131B22B-34C5-4BC3-B666-5510AD37B97D}">
@@ -2875,14 +2955,15 @@
       </dsp:nvSpPr>
       <dsp:spPr>
         <a:xfrm>
-          <a:off x="5641625" y="698685"/>
-          <a:ext cx="1256587" cy="1256587"/>
+          <a:off x="5610606" y="709809"/>
+          <a:ext cx="1255425" cy="1255425"/>
         </a:xfrm>
         <a:prstGeom prst="ellipse">
           <a:avLst/>
         </a:prstGeom>
         <a:solidFill>
-          <a:schemeClr val="accent2">
+          <a:schemeClr val="bg1">
+            <a:lumMod val="95000"/>
             <a:hueOff val="0"/>
             <a:satOff val="0"/>
             <a:lumOff val="0"/>
@@ -2914,8 +2995,8 @@
       </dsp:nvSpPr>
       <dsp:spPr>
         <a:xfrm>
-          <a:off x="5909422" y="966482"/>
-          <a:ext cx="720993" cy="720993"/>
+          <a:off x="5878155" y="977359"/>
+          <a:ext cx="720326" cy="720326"/>
         </a:xfrm>
         <a:prstGeom prst="rect">
           <a:avLst/>
@@ -2963,8 +3044,8 @@
       </dsp:nvSpPr>
       <dsp:spPr>
         <a:xfrm>
-          <a:off x="5239929" y="2346669"/>
-          <a:ext cx="2059980" cy="720000"/>
+          <a:off x="5209281" y="2356270"/>
+          <a:ext cx="2058075" cy="720000"/>
         </a:xfrm>
         <a:prstGeom prst="rect">
           <a:avLst/>
@@ -2995,7 +3076,7 @@
         <a:p>
           <a:pPr marL="0" lvl="0" indent="0" algn="ctr" defTabSz="889000">
             <a:lnSpc>
-              <a:spcPct val="90000"/>
+              <a:spcPct val="100000"/>
             </a:lnSpc>
             <a:spcBef>
               <a:spcPct val="0"/>
@@ -3014,8 +3095,8 @@
         </a:p>
       </dsp:txBody>
       <dsp:txXfrm>
-        <a:off x="5239929" y="2346669"/>
-        <a:ext cx="2059980" cy="720000"/>
+        <a:off x="5209281" y="2356270"/>
+        <a:ext cx="2058075" cy="720000"/>
       </dsp:txXfrm>
     </dsp:sp>
     <dsp:sp modelId="{4E0135BC-ED3B-422D-AC5A-A53EE6B423B1}">
@@ -3025,14 +3106,15 @@
       </dsp:nvSpPr>
       <dsp:spPr>
         <a:xfrm>
-          <a:off x="8062101" y="698685"/>
-          <a:ext cx="1256587" cy="1256587"/>
+          <a:off x="8028844" y="709809"/>
+          <a:ext cx="1255425" cy="1255425"/>
         </a:xfrm>
         <a:prstGeom prst="ellipse">
           <a:avLst/>
         </a:prstGeom>
         <a:solidFill>
-          <a:schemeClr val="accent2">
+          <a:schemeClr val="bg1">
+            <a:lumMod val="95000"/>
             <a:hueOff val="0"/>
             <a:satOff val="0"/>
             <a:lumOff val="0"/>
@@ -3064,8 +3146,8 @@
       </dsp:nvSpPr>
       <dsp:spPr>
         <a:xfrm>
-          <a:off x="8329899" y="966482"/>
-          <a:ext cx="720993" cy="720993"/>
+          <a:off x="8296394" y="977359"/>
+          <a:ext cx="720326" cy="720326"/>
         </a:xfrm>
         <a:prstGeom prst="rect">
           <a:avLst/>
@@ -3113,8 +3195,8 @@
       </dsp:nvSpPr>
       <dsp:spPr>
         <a:xfrm>
-          <a:off x="7660405" y="2346669"/>
-          <a:ext cx="2059980" cy="720000"/>
+          <a:off x="7627519" y="2356270"/>
+          <a:ext cx="2058075" cy="720000"/>
         </a:xfrm>
         <a:prstGeom prst="rect">
           <a:avLst/>
@@ -3145,7 +3227,7 @@
         <a:p>
           <a:pPr marL="0" lvl="0" indent="0" algn="ctr" defTabSz="889000">
             <a:lnSpc>
-              <a:spcPct val="90000"/>
+              <a:spcPct val="100000"/>
             </a:lnSpc>
             <a:spcBef>
               <a:spcPct val="0"/>
@@ -3164,8 +3246,8 @@
         </a:p>
       </dsp:txBody>
       <dsp:txXfrm>
-        <a:off x="7660405" y="2346669"/>
-        <a:ext cx="2059980" cy="720000"/>
+        <a:off x="7627519" y="2356270"/>
+        <a:ext cx="2058075" cy="720000"/>
       </dsp:txXfrm>
     </dsp:sp>
   </dsp:spTree>
@@ -4649,7 +4731,7 @@
           <a:p>
             <a:fld id="{0CD94E99-FA29-4EFF-88BE-3447E30E8C4D}" type="datetimeFigureOut">
               <a:rPr lang="en-GB" smtClean="0"/>
-              <a:t>07/02/2024</a:t>
+              <a:t>08/02/2024</a:t>
             </a:fld>
             <a:endParaRPr lang="en-GB"/>
           </a:p>
@@ -4738,7 +4820,7 @@
     </p:spTree>
     <p:extLst>
       <p:ext uri="{BB962C8B-B14F-4D97-AF65-F5344CB8AC3E}">
-        <p14:creationId xmlns:p14="http://schemas.microsoft.com/office/powerpoint/2010/main" val="3241991564"/>
+        <p14:creationId xmlns:p14="http://schemas.microsoft.com/office/powerpoint/2010/main" val="1032340772"/>
       </p:ext>
     </p:extLst>
   </p:cSld>
@@ -4857,7 +4939,7 @@
           <a:p>
             <a:fld id="{0CD94E99-FA29-4EFF-88BE-3447E30E8C4D}" type="datetimeFigureOut">
               <a:rPr lang="en-GB" smtClean="0"/>
-              <a:t>07/02/2024</a:t>
+              <a:t>08/02/2024</a:t>
             </a:fld>
             <a:endParaRPr lang="en-GB"/>
           </a:p>
@@ -4908,7 +4990,7 @@
     </p:spTree>
     <p:extLst>
       <p:ext uri="{BB962C8B-B14F-4D97-AF65-F5344CB8AC3E}">
-        <p14:creationId xmlns:p14="http://schemas.microsoft.com/office/powerpoint/2010/main" val="2857607483"/>
+        <p14:creationId xmlns:p14="http://schemas.microsoft.com/office/powerpoint/2010/main" val="508955739"/>
       </p:ext>
     </p:extLst>
   </p:cSld>
@@ -5115,7 +5197,7 @@
           <a:p>
             <a:fld id="{0CD94E99-FA29-4EFF-88BE-3447E30E8C4D}" type="datetimeFigureOut">
               <a:rPr lang="en-GB" smtClean="0"/>
-              <a:t>07/02/2024</a:t>
+              <a:t>08/02/2024</a:t>
             </a:fld>
             <a:endParaRPr lang="en-GB"/>
           </a:p>
@@ -5166,7 +5248,7 @@
     </p:spTree>
     <p:extLst>
       <p:ext uri="{BB962C8B-B14F-4D97-AF65-F5344CB8AC3E}">
-        <p14:creationId xmlns:p14="http://schemas.microsoft.com/office/powerpoint/2010/main" val="1851286086"/>
+        <p14:creationId xmlns:p14="http://schemas.microsoft.com/office/powerpoint/2010/main" val="4079772589"/>
       </p:ext>
     </p:extLst>
   </p:cSld>
@@ -5285,7 +5367,7 @@
           <a:p>
             <a:fld id="{0CD94E99-FA29-4EFF-88BE-3447E30E8C4D}" type="datetimeFigureOut">
               <a:rPr lang="en-GB" smtClean="0"/>
-              <a:t>07/02/2024</a:t>
+              <a:t>08/02/2024</a:t>
             </a:fld>
             <a:endParaRPr lang="en-GB"/>
           </a:p>
@@ -5336,7 +5418,7 @@
     </p:spTree>
     <p:extLst>
       <p:ext uri="{BB962C8B-B14F-4D97-AF65-F5344CB8AC3E}">
-        <p14:creationId xmlns:p14="http://schemas.microsoft.com/office/powerpoint/2010/main" val="3137031254"/>
+        <p14:creationId xmlns:p14="http://schemas.microsoft.com/office/powerpoint/2010/main" val="2634379243"/>
       </p:ext>
     </p:extLst>
   </p:cSld>
@@ -5622,7 +5704,7 @@
           <a:p>
             <a:fld id="{0CD94E99-FA29-4EFF-88BE-3447E30E8C4D}" type="datetimeFigureOut">
               <a:rPr lang="en-GB" smtClean="0"/>
-              <a:t>07/02/2024</a:t>
+              <a:t>08/02/2024</a:t>
             </a:fld>
             <a:endParaRPr lang="en-GB"/>
           </a:p>
@@ -5711,7 +5793,7 @@
     </p:spTree>
     <p:extLst>
       <p:ext uri="{BB962C8B-B14F-4D97-AF65-F5344CB8AC3E}">
-        <p14:creationId xmlns:p14="http://schemas.microsoft.com/office/powerpoint/2010/main" val="87194569"/>
+        <p14:creationId xmlns:p14="http://schemas.microsoft.com/office/powerpoint/2010/main" val="2601701279"/>
       </p:ext>
     </p:extLst>
   </p:cSld>
@@ -5897,7 +5979,7 @@
           <a:p>
             <a:fld id="{0CD94E99-FA29-4EFF-88BE-3447E30E8C4D}" type="datetimeFigureOut">
               <a:rPr lang="en-GB" smtClean="0"/>
-              <a:t>07/02/2024</a:t>
+              <a:t>08/02/2024</a:t>
             </a:fld>
             <a:endParaRPr lang="en-GB"/>
           </a:p>
@@ -5948,7 +6030,7 @@
     </p:spTree>
     <p:extLst>
       <p:ext uri="{BB962C8B-B14F-4D97-AF65-F5344CB8AC3E}">
-        <p14:creationId xmlns:p14="http://schemas.microsoft.com/office/powerpoint/2010/main" val="3829222606"/>
+        <p14:creationId xmlns:p14="http://schemas.microsoft.com/office/powerpoint/2010/main" val="2006694186"/>
       </p:ext>
     </p:extLst>
   </p:cSld>
@@ -6276,7 +6358,7 @@
           <a:p>
             <a:fld id="{0CD94E99-FA29-4EFF-88BE-3447E30E8C4D}" type="datetimeFigureOut">
               <a:rPr lang="en-GB" smtClean="0"/>
-              <a:t>07/02/2024</a:t>
+              <a:t>08/02/2024</a:t>
             </a:fld>
             <a:endParaRPr lang="en-GB"/>
           </a:p>
@@ -6327,7 +6409,7 @@
     </p:spTree>
     <p:extLst>
       <p:ext uri="{BB962C8B-B14F-4D97-AF65-F5344CB8AC3E}">
-        <p14:creationId xmlns:p14="http://schemas.microsoft.com/office/powerpoint/2010/main" val="436610953"/>
+        <p14:creationId xmlns:p14="http://schemas.microsoft.com/office/powerpoint/2010/main" val="2349671932"/>
       </p:ext>
     </p:extLst>
   </p:cSld>
@@ -6394,7 +6476,7 @@
           <a:p>
             <a:fld id="{0CD94E99-FA29-4EFF-88BE-3447E30E8C4D}" type="datetimeFigureOut">
               <a:rPr lang="en-GB" smtClean="0"/>
-              <a:t>07/02/2024</a:t>
+              <a:t>08/02/2024</a:t>
             </a:fld>
             <a:endParaRPr lang="en-GB"/>
           </a:p>
@@ -6445,7 +6527,7 @@
     </p:spTree>
     <p:extLst>
       <p:ext uri="{BB962C8B-B14F-4D97-AF65-F5344CB8AC3E}">
-        <p14:creationId xmlns:p14="http://schemas.microsoft.com/office/powerpoint/2010/main" val="1341179779"/>
+        <p14:creationId xmlns:p14="http://schemas.microsoft.com/office/powerpoint/2010/main" val="2885172000"/>
       </p:ext>
     </p:extLst>
   </p:cSld>
@@ -6567,7 +6649,7 @@
           <a:p>
             <a:fld id="{0CD94E99-FA29-4EFF-88BE-3447E30E8C4D}" type="datetimeFigureOut">
               <a:rPr lang="en-GB" smtClean="0"/>
-              <a:t>07/02/2024</a:t>
+              <a:t>08/02/2024</a:t>
             </a:fld>
             <a:endParaRPr lang="en-GB"/>
           </a:p>
@@ -6626,7 +6708,7 @@
     </p:spTree>
     <p:extLst>
       <p:ext uri="{BB962C8B-B14F-4D97-AF65-F5344CB8AC3E}">
-        <p14:creationId xmlns:p14="http://schemas.microsoft.com/office/powerpoint/2010/main" val="3582148105"/>
+        <p14:creationId xmlns:p14="http://schemas.microsoft.com/office/powerpoint/2010/main" val="873411810"/>
       </p:ext>
     </p:extLst>
   </p:cSld>
@@ -6923,7 +7005,7 @@
           <a:p>
             <a:fld id="{0CD94E99-FA29-4EFF-88BE-3447E30E8C4D}" type="datetimeFigureOut">
               <a:rPr lang="en-GB" smtClean="0"/>
-              <a:t>07/02/2024</a:t>
+              <a:t>08/02/2024</a:t>
             </a:fld>
             <a:endParaRPr lang="en-GB"/>
           </a:p>
@@ -6995,7 +7077,7 @@
     </p:spTree>
     <p:extLst>
       <p:ext uri="{BB962C8B-B14F-4D97-AF65-F5344CB8AC3E}">
-        <p14:creationId xmlns:p14="http://schemas.microsoft.com/office/powerpoint/2010/main" val="1510196390"/>
+        <p14:creationId xmlns:p14="http://schemas.microsoft.com/office/powerpoint/2010/main" val="1387623995"/>
       </p:ext>
     </p:extLst>
   </p:cSld>
@@ -7302,7 +7384,7 @@
           <a:p>
             <a:fld id="{0CD94E99-FA29-4EFF-88BE-3447E30E8C4D}" type="datetimeFigureOut">
               <a:rPr lang="en-GB" smtClean="0"/>
-              <a:t>07/02/2024</a:t>
+              <a:t>08/02/2024</a:t>
             </a:fld>
             <a:endParaRPr lang="en-GB"/>
           </a:p>
@@ -7353,7 +7435,7 @@
     </p:spTree>
     <p:extLst>
       <p:ext uri="{BB962C8B-B14F-4D97-AF65-F5344CB8AC3E}">
-        <p14:creationId xmlns:p14="http://schemas.microsoft.com/office/powerpoint/2010/main" val="2106726800"/>
+        <p14:creationId xmlns:p14="http://schemas.microsoft.com/office/powerpoint/2010/main" val="4025620083"/>
       </p:ext>
     </p:extLst>
   </p:cSld>
@@ -7591,7 +7673,7 @@
           <a:p>
             <a:fld id="{0CD94E99-FA29-4EFF-88BE-3447E30E8C4D}" type="datetimeFigureOut">
               <a:rPr lang="en-GB" smtClean="0"/>
-              <a:t>07/02/2024</a:t>
+              <a:t>08/02/2024</a:t>
             </a:fld>
             <a:endParaRPr lang="en-GB"/>
           </a:p>
@@ -7712,23 +7794,23 @@
     </p:spTree>
     <p:extLst>
       <p:ext uri="{BB962C8B-B14F-4D97-AF65-F5344CB8AC3E}">
-        <p14:creationId xmlns:p14="http://schemas.microsoft.com/office/powerpoint/2010/main" val="4265021884"/>
+        <p14:creationId xmlns:p14="http://schemas.microsoft.com/office/powerpoint/2010/main" val="2989193502"/>
       </p:ext>
     </p:extLst>
   </p:cSld>
   <p:clrMap bg1="lt1" tx1="dk1" bg2="lt2" tx2="dk2" accent1="accent1" accent2="accent2" accent3="accent3" accent4="accent4" accent5="accent5" accent6="accent6" hlink="hlink" folHlink="folHlink"/>
   <p:sldLayoutIdLst>
-    <p:sldLayoutId id="2147483757" r:id="rId1"/>
-    <p:sldLayoutId id="2147483758" r:id="rId2"/>
-    <p:sldLayoutId id="2147483759" r:id="rId3"/>
-    <p:sldLayoutId id="2147483760" r:id="rId4"/>
-    <p:sldLayoutId id="2147483761" r:id="rId5"/>
-    <p:sldLayoutId id="2147483762" r:id="rId6"/>
-    <p:sldLayoutId id="2147483763" r:id="rId7"/>
-    <p:sldLayoutId id="2147483764" r:id="rId8"/>
-    <p:sldLayoutId id="2147483765" r:id="rId9"/>
-    <p:sldLayoutId id="2147483766" r:id="rId10"/>
-    <p:sldLayoutId id="2147483767" r:id="rId11"/>
+    <p:sldLayoutId id="2147483885" r:id="rId1"/>
+    <p:sldLayoutId id="2147483886" r:id="rId2"/>
+    <p:sldLayoutId id="2147483887" r:id="rId3"/>
+    <p:sldLayoutId id="2147483888" r:id="rId4"/>
+    <p:sldLayoutId id="2147483889" r:id="rId5"/>
+    <p:sldLayoutId id="2147483890" r:id="rId6"/>
+    <p:sldLayoutId id="2147483891" r:id="rId7"/>
+    <p:sldLayoutId id="2147483892" r:id="rId8"/>
+    <p:sldLayoutId id="2147483893" r:id="rId9"/>
+    <p:sldLayoutId id="2147483894" r:id="rId10"/>
+    <p:sldLayoutId id="2147483895" r:id="rId11"/>
   </p:sldLayoutIdLst>
   <p:txStyles>
     <p:titleStyle>
@@ -8274,7 +8356,7 @@
     <p:bg>
       <p:bgPr>
         <a:solidFill>
-          <a:schemeClr val="bg2"/>
+          <a:schemeClr val="bg1"/>
         </a:solidFill>
         <a:effectLst/>
       </p:bgPr>
@@ -8311,17 +8393,16 @@
         </p:nvSpPr>
         <p:spPr>
           <a:xfrm>
-            <a:off x="1097280" y="4844374"/>
-            <a:ext cx="10058400" cy="1188995"/>
+            <a:off x="1097280" y="286603"/>
+            <a:ext cx="10058400" cy="1450757"/>
           </a:xfrm>
         </p:spPr>
         <p:txBody>
-          <a:bodyPr anchor="ctr">
+          <a:bodyPr>
             <a:normAutofit/>
           </a:bodyPr>
           <a:lstStyle/>
           <a:p>
-            <a:pPr algn="ctr"/>
             <a:r>
               <a:rPr lang="en-US"/>
               <a:t>Agenda	</a:t>
@@ -8346,14 +8427,14 @@
             <p:ph idx="1"/>
             <p:extLst>
               <p:ext uri="{D42A27DB-BD31-4B8C-83A1-F6EECF244321}">
-                <p14:modId xmlns:p14="http://schemas.microsoft.com/office/powerpoint/2010/main" val="813654728"/>
+                <p14:modId xmlns:p14="http://schemas.microsoft.com/office/powerpoint/2010/main" val="3477687710"/>
               </p:ext>
             </p:extLst>
           </p:nvPr>
         </p:nvGraphicFramePr>
         <p:xfrm>
-          <a:off x="1036319" y="680936"/>
-          <a:ext cx="10119362" cy="3765355"/>
+          <a:off x="1096963" y="2098515"/>
+          <a:ext cx="10058400" cy="3786080"/>
         </p:xfrm>
         <a:graphic>
           <a:graphicData uri="http://schemas.openxmlformats.org/drawingml/2006/diagram">
@@ -8741,8 +8822,8 @@
         </p:nvSpPr>
         <p:spPr>
           <a:xfrm>
-            <a:off x="2860318" y="2217714"/>
-            <a:ext cx="8865479" cy="987213"/>
+            <a:off x="2679826" y="2219218"/>
+            <a:ext cx="8865479" cy="985709"/>
           </a:xfrm>
           <a:prstGeom prst="rect">
             <a:avLst/>
@@ -9297,7 +9378,7 @@
     <p:bg>
       <p:bgPr>
         <a:solidFill>
-          <a:schemeClr val="bg2"/>
+          <a:schemeClr val="bg1"/>
         </a:solidFill>
         <a:effectLst/>
       </p:bgPr>
@@ -9334,8 +9415,8 @@
         </p:nvSpPr>
         <p:spPr>
           <a:xfrm>
-            <a:off x="492370" y="516835"/>
-            <a:ext cx="3084844" cy="5772840"/>
+            <a:off x="492369" y="523981"/>
+            <a:ext cx="9874255" cy="1099335"/>
           </a:xfrm>
         </p:spPr>
         <p:txBody>
@@ -9345,9 +9426,9 @@
           <a:lstStyle/>
           <a:p>
             <a:r>
-              <a:rPr lang="en-US" sz="3600">
+              <a:rPr lang="en-US" sz="3600" dirty="0">
                 <a:solidFill>
-                  <a:srgbClr val="FFFFFF"/>
+                  <a:schemeClr val="tx1"/>
                 </a:solidFill>
               </a:rPr>
               <a:t>Literature Review: Databases and Keywords</a:t>
@@ -9371,7 +9452,7 @@
         </p:nvSpPr>
         <p:spPr>
           <a:xfrm>
-            <a:off x="4594789" y="170628"/>
+            <a:off x="341288" y="2554232"/>
             <a:ext cx="5118357" cy="2579509"/>
           </a:xfrm>
           <a:prstGeom prst="rect">
@@ -9500,8 +9581,8 @@
         </p:nvSpPr>
         <p:spPr>
           <a:xfrm>
-            <a:off x="4594789" y="2681391"/>
-            <a:ext cx="5122745" cy="3779275"/>
+            <a:off x="6290025" y="2034119"/>
+            <a:ext cx="5122745" cy="4034172"/>
           </a:xfrm>
           <a:prstGeom prst="rect">
             <a:avLst/>
@@ -9762,15 +9843,8 @@
               <a:t>EdgeAI</a:t>
             </a:r>
             <a:r>
-              <a:rPr lang="en-GB" sz="7200" kern="1200" dirty="0">
-                <a:solidFill>
-                  <a:schemeClr val="tx1"/>
-                </a:solidFill>
-                <a:latin typeface="+mn-lt"/>
-                <a:ea typeface="+mn-ea"/>
-                <a:cs typeface="+mn-cs"/>
-              </a:rPr>
-              <a:t> OR </a:t>
+              <a:rPr lang="en-GB" sz="7200" dirty="0"/>
+              <a:t>/</a:t>
             </a:r>
             <a:r>
               <a:rPr lang="en-GB" sz="7200" kern="1200" dirty="0" err="1">
@@ -9784,15 +9858,8 @@
               <a:t>EdgeML</a:t>
             </a:r>
             <a:r>
-              <a:rPr lang="en-GB" sz="7200" kern="1200" dirty="0">
-                <a:solidFill>
-                  <a:schemeClr val="tx1"/>
-                </a:solidFill>
-                <a:latin typeface="+mn-lt"/>
-                <a:ea typeface="+mn-ea"/>
-                <a:cs typeface="+mn-cs"/>
-              </a:rPr>
-              <a:t> OR </a:t>
+              <a:rPr lang="en-GB" sz="7200" dirty="0"/>
+              <a:t>/</a:t>
             </a:r>
             <a:r>
               <a:rPr lang="en-GB" sz="7200" kern="1200" dirty="0" err="1">
@@ -9907,25 +9974,28 @@
             </a:r>
           </a:p>
           <a:p>
-            <a:pPr marL="461772" lvl="1" defTabSz="461772">
+            <a:pPr marL="1319022" lvl="1" indent="-857250" defTabSz="461772">
               <a:lnSpc>
                 <a:spcPct val="90000"/>
               </a:lnSpc>
               <a:spcAft>
                 <a:spcPts val="600"/>
               </a:spcAft>
+              <a:buFont typeface="Arial" panose="020B0604020202020204" pitchFamily="34" charset="0"/>
+              <a:buChar char="•"/>
             </a:pPr>
             <a:r>
-              <a:rPr lang="en-GB" sz="1500" kern="1200" dirty="0">
-                <a:solidFill>
-                  <a:schemeClr val="tx1"/>
-                </a:solidFill>
-                <a:latin typeface="+mn-lt"/>
-                <a:ea typeface="+mn-ea"/>
-                <a:cs typeface="+mn-cs"/>
-              </a:rPr>
+              <a:rPr lang="en-GB" sz="7200" dirty="0"/>
               <a:t>Intrusion Detection</a:t>
             </a:r>
+            <a:endParaRPr lang="en-GB" sz="7200" kern="1200" dirty="0">
+              <a:solidFill>
+                <a:schemeClr val="tx1"/>
+              </a:solidFill>
+              <a:latin typeface="+mn-lt"/>
+              <a:ea typeface="+mn-ea"/>
+              <a:cs typeface="+mn-cs"/>
+            </a:endParaRPr>
           </a:p>
           <a:p>
             <a:pPr lvl="1">
@@ -9958,40 +10028,40 @@
   <a:themeElements>
     <a:clrScheme name="Retrospect">
       <a:dk1>
-        <a:srgbClr val="000000"/>
+        <a:sysClr val="windowText" lastClr="000000"/>
       </a:dk1>
       <a:lt1>
-        <a:srgbClr val="FFFFFF"/>
+        <a:sysClr val="window" lastClr="FFFFFF"/>
       </a:lt1>
       <a:dk2>
-        <a:srgbClr val="46464A"/>
+        <a:srgbClr val="514949"/>
       </a:dk2>
       <a:lt2>
-        <a:srgbClr val="D1D9E1"/>
+        <a:srgbClr val="E1E1DB"/>
       </a:lt2>
       <a:accent1>
-        <a:srgbClr val="6F6F74"/>
+        <a:srgbClr val="9DBFBE"/>
       </a:accent1>
       <a:accent2>
-        <a:srgbClr val="A7B789"/>
+        <a:srgbClr val="DB8631"/>
       </a:accent2>
       <a:accent3>
-        <a:srgbClr val="BEAE98"/>
+        <a:srgbClr val="E3CC5A"/>
       </a:accent3>
       <a:accent4>
-        <a:srgbClr val="92A9B9"/>
+        <a:srgbClr val="ACADA8"/>
       </a:accent4>
       <a:accent5>
-        <a:srgbClr val="9C8265"/>
+        <a:srgbClr val="927C61"/>
       </a:accent5>
       <a:accent6>
-        <a:srgbClr val="8D6974"/>
+        <a:srgbClr val="B3B435"/>
       </a:accent6>
       <a:hlink>
-        <a:srgbClr val="67AABF"/>
+        <a:srgbClr val="0000FF"/>
       </a:hlink>
       <a:folHlink>
-        <a:srgbClr val="B1B5AB"/>
+        <a:srgbClr val="800080"/>
       </a:folHlink>
     </a:clrScheme>
     <a:fontScheme name="Retrospect">
@@ -10230,7 +10300,7 @@
   <a:extraClrSchemeLst/>
   <a:extLst>
     <a:ext uri="{05A4C25C-085E-4340-85A3-A5531E510DB2}">
-      <thm15:themeFamily xmlns:thm15="http://schemas.microsoft.com/office/thememl/2012/main" name="Retrospect" id="{5F128B03-DCCA-4EEB-AB3B-CF2899314A46}" vid="{BAB94BD4-5D6D-4148-AB57-A4CCF1FD4E0C}"/>
+      <thm15:themeFamily xmlns:thm15="http://schemas.microsoft.com/office/thememl/2012/main" name="Retrospect" id="{5F128B03-DCCA-4EEB-AB3B-CF2899314A46}" vid="{243AF7DC-D15B-41C0-AE81-23980D1B9FC4}"/>
     </a:ext>
   </a:extLst>
 </a:theme>

--- a/Presentations/Supervisor Meetings/2024/20240209.pptx
+++ b/Presentations/Supervisor Meetings/2024/20240209.pptx
@@ -119,7 +119,7 @@
 <file path=ppt/revisionInfo.xml><?xml version="1.0" encoding="utf-8"?>
 <p1510:revInfo xmlns:a="http://schemas.openxmlformats.org/drawingml/2006/main" xmlns:r="http://schemas.openxmlformats.org/officeDocument/2006/relationships" xmlns:p1510="http://schemas.microsoft.com/office/powerpoint/2015/10/main">
   <p1510:revLst>
-    <p1510:client id="{CA64B30F-511C-45F5-B991-1BF90300E7E0}" v="82" dt="2024-02-08T19:50:07.829"/>
+    <p1510:client id="{CA64B30F-511C-45F5-B991-1BF90300E7E0}" v="83" dt="2024-02-08T22:51:00.012"/>
   </p1510:revLst>
 </p1510:revInfo>
 </file>
@@ -129,7 +129,7 @@
   <pc:docChgLst>
     <pc:chgData name="Sean O Fithcheallaigh" userId="47659c31-a575-4792-8be3-61268c4ee0d6" providerId="ADAL" clId="{CA64B30F-511C-45F5-B991-1BF90300E7E0}"/>
     <pc:docChg chg="undo custSel mod addSld delSld modSld">
-      <pc:chgData name="Sean O Fithcheallaigh" userId="47659c31-a575-4792-8be3-61268c4ee0d6" providerId="ADAL" clId="{CA64B30F-511C-45F5-B991-1BF90300E7E0}" dt="2024-02-08T19:53:59.945" v="3716" actId="20577"/>
+      <pc:chgData name="Sean O Fithcheallaigh" userId="47659c31-a575-4792-8be3-61268c4ee0d6" providerId="ADAL" clId="{CA64B30F-511C-45F5-B991-1BF90300E7E0}" dt="2024-02-08T22:55:41.508" v="3946" actId="20577"/>
       <pc:docMkLst>
         <pc:docMk/>
       </pc:docMkLst>
@@ -739,7 +739,7 @@
         </pc:graphicFrameChg>
       </pc:sldChg>
       <pc:sldChg chg="addSp delSp modSp add mod setBg delDesignElem">
-        <pc:chgData name="Sean O Fithcheallaigh" userId="47659c31-a575-4792-8be3-61268c4ee0d6" providerId="ADAL" clId="{CA64B30F-511C-45F5-B991-1BF90300E7E0}" dt="2024-02-08T19:49:15.119" v="3648" actId="27636"/>
+        <pc:chgData name="Sean O Fithcheallaigh" userId="47659c31-a575-4792-8be3-61268c4ee0d6" providerId="ADAL" clId="{CA64B30F-511C-45F5-B991-1BF90300E7E0}" dt="2024-02-08T22:47:56.173" v="3731" actId="20577"/>
         <pc:sldMkLst>
           <pc:docMk/>
           <pc:sldMk cId="2143467693" sldId="259"/>
@@ -753,7 +753,7 @@
           </ac:spMkLst>
         </pc:spChg>
         <pc:spChg chg="mod ord">
-          <ac:chgData name="Sean O Fithcheallaigh" userId="47659c31-a575-4792-8be3-61268c4ee0d6" providerId="ADAL" clId="{CA64B30F-511C-45F5-B991-1BF90300E7E0}" dt="2024-02-08T19:47:17.733" v="3632" actId="14100"/>
+          <ac:chgData name="Sean O Fithcheallaigh" userId="47659c31-a575-4792-8be3-61268c4ee0d6" providerId="ADAL" clId="{CA64B30F-511C-45F5-B991-1BF90300E7E0}" dt="2024-02-08T22:47:56.173" v="3731" actId="20577"/>
           <ac:spMkLst>
             <pc:docMk/>
             <pc:sldMk cId="2143467693" sldId="259"/>
@@ -970,7 +970,7 @@
         </pc:cxnChg>
       </pc:sldChg>
       <pc:sldChg chg="addSp delSp modSp new mod setBg setClrOvrMap delDesignElem chgLayout">
-        <pc:chgData name="Sean O Fithcheallaigh" userId="47659c31-a575-4792-8be3-61268c4ee0d6" providerId="ADAL" clId="{CA64B30F-511C-45F5-B991-1BF90300E7E0}" dt="2024-02-08T19:53:59.945" v="3716" actId="20577"/>
+        <pc:chgData name="Sean O Fithcheallaigh" userId="47659c31-a575-4792-8be3-61268c4ee0d6" providerId="ADAL" clId="{CA64B30F-511C-45F5-B991-1BF90300E7E0}" dt="2024-02-08T22:55:41.508" v="3946" actId="20577"/>
         <pc:sldMkLst>
           <pc:docMk/>
           <pc:sldMk cId="164553243" sldId="260"/>
@@ -992,7 +992,7 @@
           </ac:spMkLst>
         </pc:spChg>
         <pc:spChg chg="add mod ord">
-          <ac:chgData name="Sean O Fithcheallaigh" userId="47659c31-a575-4792-8be3-61268c4ee0d6" providerId="ADAL" clId="{CA64B30F-511C-45F5-B991-1BF90300E7E0}" dt="2024-02-08T19:50:50.229" v="3657" actId="1076"/>
+          <ac:chgData name="Sean O Fithcheallaigh" userId="47659c31-a575-4792-8be3-61268c4ee0d6" providerId="ADAL" clId="{CA64B30F-511C-45F5-B991-1BF90300E7E0}" dt="2024-02-08T22:55:11.750" v="3937" actId="14100"/>
           <ac:spMkLst>
             <pc:docMk/>
             <pc:sldMk cId="164553243" sldId="260"/>
@@ -1000,11 +1000,19 @@
           </ac:spMkLst>
         </pc:spChg>
         <pc:spChg chg="add mod ord">
-          <ac:chgData name="Sean O Fithcheallaigh" userId="47659c31-a575-4792-8be3-61268c4ee0d6" providerId="ADAL" clId="{CA64B30F-511C-45F5-B991-1BF90300E7E0}" dt="2024-02-08T19:53:59.945" v="3716" actId="20577"/>
+          <ac:chgData name="Sean O Fithcheallaigh" userId="47659c31-a575-4792-8be3-61268c4ee0d6" providerId="ADAL" clId="{CA64B30F-511C-45F5-B991-1BF90300E7E0}" dt="2024-02-08T22:55:41.508" v="3946" actId="20577"/>
           <ac:spMkLst>
             <pc:docMk/>
             <pc:sldMk cId="164553243" sldId="260"/>
             <ac:spMk id="5" creationId="{55DC74A5-31C9-4AAD-A110-C2D6894BB4B8}"/>
+          </ac:spMkLst>
+        </pc:spChg>
+        <pc:spChg chg="add del mod">
+          <ac:chgData name="Sean O Fithcheallaigh" userId="47659c31-a575-4792-8be3-61268c4ee0d6" providerId="ADAL" clId="{CA64B30F-511C-45F5-B991-1BF90300E7E0}" dt="2024-02-08T22:54:57.741" v="3932" actId="478"/>
+          <ac:spMkLst>
+            <pc:docMk/>
+            <pc:sldMk cId="164553243" sldId="260"/>
+            <ac:spMk id="6" creationId="{3FC73A06-AA8C-4D7C-ADC8-6126E4B683C3}"/>
           </ac:spMkLst>
         </pc:spChg>
         <pc:spChg chg="add del mod">
@@ -8849,7 +8857,7 @@
                 <a:ea typeface="+mn-ea"/>
                 <a:cs typeface="+mn-cs"/>
               </a:rPr>
-              <a:t>The overreaching aim of this project will be to advance the understanding and application of federated learning in distributed environments, focusing on model efficiency, overall system security, and communication efficiency </a:t>
+              <a:t>The overreaching aim of this project will be to advance the understanding and application of federated learning in distributed environments, focusing on model efficiency, overall system security, and communication efficiency.</a:t>
             </a:r>
             <a:endParaRPr lang="en-GB" sz="1400" kern="1200" dirty="0">
               <a:solidFill>
@@ -8875,7 +8883,7 @@
                 <a:ea typeface="+mn-ea"/>
                 <a:cs typeface="+mn-cs"/>
               </a:rPr>
-              <a:t>Focusing on these area, we have some research questions as a starting point</a:t>
+              <a:t>Focusing on these area, we have some research questions as a starting point.</a:t>
             </a:r>
             <a:endParaRPr lang="en-US" sz="1400" dirty="0"/>
           </a:p>
@@ -9452,8 +9460,8 @@
         </p:nvSpPr>
         <p:spPr>
           <a:xfrm>
-            <a:off x="341288" y="2554232"/>
-            <a:ext cx="5118357" cy="2579509"/>
+            <a:off x="968011" y="2034119"/>
+            <a:ext cx="4169068" cy="2599526"/>
           </a:xfrm>
           <a:prstGeom prst="rect">
             <a:avLst/>
@@ -9581,8 +9589,8 @@
         </p:nvSpPr>
         <p:spPr>
           <a:xfrm>
-            <a:off x="6290025" y="2034119"/>
-            <a:ext cx="5122745" cy="4034172"/>
+            <a:off x="5794625" y="2034119"/>
+            <a:ext cx="5661060" cy="4459148"/>
           </a:xfrm>
           <a:prstGeom prst="rect">
             <a:avLst/>
@@ -9615,7 +9623,7 @@
             </a:r>
           </a:p>
           <a:p>
-            <a:pPr marL="1319022" lvl="1" indent="-857250" defTabSz="461772">
+            <a:pPr marL="861822" indent="-432000" defTabSz="461772">
               <a:lnSpc>
                 <a:spcPct val="90000"/>
               </a:lnSpc>
@@ -9638,7 +9646,7 @@
             </a:r>
           </a:p>
           <a:p>
-            <a:pPr marL="1319022" lvl="1" indent="-857250" defTabSz="461772">
+            <a:pPr marL="861822" indent="-432000" defTabSz="461772">
               <a:lnSpc>
                 <a:spcPct val="90000"/>
               </a:lnSpc>
@@ -9683,7 +9691,7 @@
             </a:r>
           </a:p>
           <a:p>
-            <a:pPr marL="1319022" lvl="1" indent="-857250" defTabSz="461772">
+            <a:pPr marL="861822" indent="-432000" defTabSz="461772">
               <a:lnSpc>
                 <a:spcPct val="90000"/>
               </a:lnSpc>
@@ -9702,11 +9710,30 @@
                 <a:ea typeface="+mn-ea"/>
                 <a:cs typeface="+mn-cs"/>
               </a:rPr>
-              <a:t>Internet or Things OR IoT</a:t>
-            </a:r>
-          </a:p>
-          <a:p>
-            <a:pPr marL="1319022" lvl="1" indent="-857250" defTabSz="461772">
+              <a:t>Internet </a:t>
+            </a:r>
+            <a:r>
+              <a:rPr lang="en-GB" sz="7200" kern="1200">
+                <a:solidFill>
+                  <a:schemeClr val="tx1"/>
+                </a:solidFill>
+                <a:latin typeface="+mn-lt"/>
+                <a:ea typeface="+mn-ea"/>
+                <a:cs typeface="+mn-cs"/>
+              </a:rPr>
+              <a:t>of Things/IoT</a:t>
+            </a:r>
+            <a:endParaRPr lang="en-GB" sz="7200" kern="1200" dirty="0">
+              <a:solidFill>
+                <a:schemeClr val="tx1"/>
+              </a:solidFill>
+              <a:latin typeface="+mn-lt"/>
+              <a:ea typeface="+mn-ea"/>
+              <a:cs typeface="+mn-cs"/>
+            </a:endParaRPr>
+          </a:p>
+          <a:p>
+            <a:pPr marL="861822" indent="-432000" defTabSz="461772">
               <a:lnSpc>
                 <a:spcPct val="90000"/>
               </a:lnSpc>
@@ -9729,7 +9756,7 @@
             </a:r>
           </a:p>
           <a:p>
-            <a:pPr marL="1319022" lvl="1" indent="-857250" defTabSz="461772">
+            <a:pPr marL="861822" indent="-432000" defTabSz="461772">
               <a:lnSpc>
                 <a:spcPct val="90000"/>
               </a:lnSpc>
@@ -9752,7 +9779,7 @@
             </a:r>
           </a:p>
           <a:p>
-            <a:pPr marL="1319022" lvl="1" indent="-857250" defTabSz="461772">
+            <a:pPr marL="861822" indent="-432000" defTabSz="461772">
               <a:lnSpc>
                 <a:spcPct val="90000"/>
               </a:lnSpc>
@@ -9775,7 +9802,7 @@
             </a:r>
           </a:p>
           <a:p>
-            <a:pPr marL="1319022" lvl="1" indent="-857250" defTabSz="461772">
+            <a:pPr marL="861822" indent="-432000" defTabSz="461772">
               <a:lnSpc>
                 <a:spcPct val="90000"/>
               </a:lnSpc>
@@ -9786,7 +9813,7 @@
               <a:buChar char="•"/>
             </a:pPr>
             <a:r>
-              <a:rPr lang="en-GB" sz="7200" kern="1200" dirty="0">
+              <a:rPr lang="en-GB" sz="7200" strike="sngStrike" kern="1200" dirty="0">
                 <a:solidFill>
                   <a:schemeClr val="tx1"/>
                 </a:solidFill>
@@ -9798,7 +9825,7 @@
             </a:r>
           </a:p>
           <a:p>
-            <a:pPr marL="1319022" lvl="1" indent="-857250" defTabSz="461772">
+            <a:pPr marL="861822" indent="-432000" defTabSz="461772">
               <a:lnSpc>
                 <a:spcPct val="90000"/>
               </a:lnSpc>
@@ -9809,7 +9836,7 @@
               <a:buChar char="•"/>
             </a:pPr>
             <a:r>
-              <a:rPr lang="en-GB" sz="7200" kern="1200" dirty="0">
+              <a:rPr lang="en-GB" sz="7200" strike="sngStrike" kern="1200" dirty="0">
                 <a:solidFill>
                   <a:schemeClr val="tx1"/>
                 </a:solidFill>
@@ -9821,7 +9848,7 @@
             </a:r>
           </a:p>
           <a:p>
-            <a:pPr marL="1319022" lvl="1" indent="-857250" defTabSz="461772">
+            <a:pPr marL="861822" indent="-432000" defTabSz="461772">
               <a:lnSpc>
                 <a:spcPct val="90000"/>
               </a:lnSpc>
@@ -9882,7 +9909,7 @@
             </a:endParaRPr>
           </a:p>
           <a:p>
-            <a:pPr marL="1319022" lvl="1" indent="-857250" defTabSz="461772">
+            <a:pPr marL="861822" indent="-432000" defTabSz="461772">
               <a:lnSpc>
                 <a:spcPct val="90000"/>
               </a:lnSpc>
@@ -9905,7 +9932,7 @@
             </a:r>
           </a:p>
           <a:p>
-            <a:pPr marL="1319022" lvl="1" indent="-857250" defTabSz="461772">
+            <a:pPr marL="861822" indent="-432000" defTabSz="461772">
               <a:lnSpc>
                 <a:spcPct val="90000"/>
               </a:lnSpc>
@@ -9916,7 +9943,7 @@
               <a:buChar char="•"/>
             </a:pPr>
             <a:r>
-              <a:rPr lang="en-GB" sz="7200" kern="1200" dirty="0">
+              <a:rPr lang="en-GB" sz="7200" strike="sngStrike" kern="1200" dirty="0">
                 <a:solidFill>
                   <a:schemeClr val="tx1"/>
                 </a:solidFill>
@@ -9928,7 +9955,7 @@
             </a:r>
           </a:p>
           <a:p>
-            <a:pPr marL="1319022" lvl="1" indent="-857250" defTabSz="461772">
+            <a:pPr marL="861822" indent="-432000" defTabSz="461772">
               <a:lnSpc>
                 <a:spcPct val="90000"/>
               </a:lnSpc>
@@ -9951,7 +9978,7 @@
             </a:r>
           </a:p>
           <a:p>
-            <a:pPr marL="1319022" lvl="1" indent="-857250" defTabSz="461772">
+            <a:pPr marL="861822" indent="-432000" defTabSz="461772">
               <a:lnSpc>
                 <a:spcPct val="90000"/>
               </a:lnSpc>
@@ -9974,7 +10001,7 @@
             </a:r>
           </a:p>
           <a:p>
-            <a:pPr marL="1319022" lvl="1" indent="-857250" defTabSz="461772">
+            <a:pPr marL="861822" indent="-432000" defTabSz="461772">
               <a:lnSpc>
                 <a:spcPct val="90000"/>
               </a:lnSpc>

--- a/Presentations/Supervisor Meetings/2024/20240209.pptx
+++ b/Presentations/Supervisor Meetings/2024/20240209.pptx
@@ -10,6 +10,7 @@
     <p:sldId id="258" r:id="rId4"/>
     <p:sldId id="259" r:id="rId5"/>
     <p:sldId id="260" r:id="rId6"/>
+    <p:sldId id="261" r:id="rId7"/>
   </p:sldIdLst>
   <p:sldSz cx="12192000" cy="6858000"/>
   <p:notesSz cx="6858000" cy="9144000"/>
@@ -119,7 +120,7 @@
 <file path=ppt/revisionInfo.xml><?xml version="1.0" encoding="utf-8"?>
 <p1510:revInfo xmlns:a="http://schemas.openxmlformats.org/drawingml/2006/main" xmlns:r="http://schemas.openxmlformats.org/officeDocument/2006/relationships" xmlns:p1510="http://schemas.microsoft.com/office/powerpoint/2015/10/main">
   <p1510:revLst>
-    <p1510:client id="{CA64B30F-511C-45F5-B991-1BF90300E7E0}" v="83" dt="2024-02-08T22:51:00.012"/>
+    <p1510:client id="{CA64B30F-511C-45F5-B991-1BF90300E7E0}" v="88" dt="2024-02-10T16:34:53.639"/>
   </p1510:revLst>
 </p1510:revInfo>
 </file>
@@ -128,19 +129,19 @@
 <pc:chgInfo xmlns:a="http://schemas.openxmlformats.org/drawingml/2006/main" xmlns:r="http://schemas.openxmlformats.org/officeDocument/2006/relationships" xmlns:ac="http://schemas.microsoft.com/office/drawing/2013/main/command" xmlns:pc="http://schemas.microsoft.com/office/powerpoint/2013/main/command">
   <pc:docChgLst>
     <pc:chgData name="Sean O Fithcheallaigh" userId="47659c31-a575-4792-8be3-61268c4ee0d6" providerId="ADAL" clId="{CA64B30F-511C-45F5-B991-1BF90300E7E0}"/>
-    <pc:docChg chg="undo custSel mod addSld delSld modSld">
-      <pc:chgData name="Sean O Fithcheallaigh" userId="47659c31-a575-4792-8be3-61268c4ee0d6" providerId="ADAL" clId="{CA64B30F-511C-45F5-B991-1BF90300E7E0}" dt="2024-02-08T22:55:41.508" v="3946" actId="20577"/>
+    <pc:docChg chg="undo custSel mod addSld delSld modSld modMainMaster">
+      <pc:chgData name="Sean O Fithcheallaigh" userId="47659c31-a575-4792-8be3-61268c4ee0d6" providerId="ADAL" clId="{CA64B30F-511C-45F5-B991-1BF90300E7E0}" dt="2024-02-10T18:12:13.138" v="4429" actId="47"/>
       <pc:docMkLst>
         <pc:docMk/>
       </pc:docMkLst>
       <pc:sldChg chg="addSp delSp modSp mod setBg delDesignElem">
-        <pc:chgData name="Sean O Fithcheallaigh" userId="47659c31-a575-4792-8be3-61268c4ee0d6" providerId="ADAL" clId="{CA64B30F-511C-45F5-B991-1BF90300E7E0}" dt="2024-02-07T16:24:25.963" v="3360"/>
+        <pc:chgData name="Sean O Fithcheallaigh" userId="47659c31-a575-4792-8be3-61268c4ee0d6" providerId="ADAL" clId="{CA64B30F-511C-45F5-B991-1BF90300E7E0}" dt="2024-02-09T11:53:29.718" v="3964" actId="20577"/>
         <pc:sldMkLst>
           <pc:docMk/>
           <pc:sldMk cId="905190482" sldId="256"/>
         </pc:sldMkLst>
         <pc:spChg chg="mod">
-          <ac:chgData name="Sean O Fithcheallaigh" userId="47659c31-a575-4792-8be3-61268c4ee0d6" providerId="ADAL" clId="{CA64B30F-511C-45F5-B991-1BF90300E7E0}" dt="2024-02-07T16:23:34.024" v="3354" actId="26606"/>
+          <ac:chgData name="Sean O Fithcheallaigh" userId="47659c31-a575-4792-8be3-61268c4ee0d6" providerId="ADAL" clId="{CA64B30F-511C-45F5-B991-1BF90300E7E0}" dt="2024-02-09T11:53:29.718" v="3964" actId="20577"/>
           <ac:spMkLst>
             <pc:docMk/>
             <pc:sldMk cId="905190482" sldId="256"/>
@@ -739,7 +740,7 @@
         </pc:graphicFrameChg>
       </pc:sldChg>
       <pc:sldChg chg="addSp delSp modSp add mod setBg delDesignElem">
-        <pc:chgData name="Sean O Fithcheallaigh" userId="47659c31-a575-4792-8be3-61268c4ee0d6" providerId="ADAL" clId="{CA64B30F-511C-45F5-B991-1BF90300E7E0}" dt="2024-02-08T22:47:56.173" v="3731" actId="20577"/>
+        <pc:chgData name="Sean O Fithcheallaigh" userId="47659c31-a575-4792-8be3-61268c4ee0d6" providerId="ADAL" clId="{CA64B30F-511C-45F5-B991-1BF90300E7E0}" dt="2024-02-10T16:01:33.893" v="4041" actId="20577"/>
         <pc:sldMkLst>
           <pc:docMk/>
           <pc:sldMk cId="2143467693" sldId="259"/>
@@ -873,7 +874,7 @@
           </ac:spMkLst>
         </pc:spChg>
         <pc:spChg chg="add del mod">
-          <ac:chgData name="Sean O Fithcheallaigh" userId="47659c31-a575-4792-8be3-61268c4ee0d6" providerId="ADAL" clId="{CA64B30F-511C-45F5-B991-1BF90300E7E0}" dt="2024-02-07T16:32:17.150" v="3574" actId="115"/>
+          <ac:chgData name="Sean O Fithcheallaigh" userId="47659c31-a575-4792-8be3-61268c4ee0d6" providerId="ADAL" clId="{CA64B30F-511C-45F5-B991-1BF90300E7E0}" dt="2024-02-10T16:01:33.893" v="4041" actId="20577"/>
           <ac:spMkLst>
             <pc:docMk/>
             <pc:sldMk cId="2143467693" sldId="259"/>
@@ -970,7 +971,7 @@
         </pc:cxnChg>
       </pc:sldChg>
       <pc:sldChg chg="addSp delSp modSp new mod setBg setClrOvrMap delDesignElem chgLayout">
-        <pc:chgData name="Sean O Fithcheallaigh" userId="47659c31-a575-4792-8be3-61268c4ee0d6" providerId="ADAL" clId="{CA64B30F-511C-45F5-B991-1BF90300E7E0}" dt="2024-02-08T22:55:41.508" v="3946" actId="20577"/>
+        <pc:chgData name="Sean O Fithcheallaigh" userId="47659c31-a575-4792-8be3-61268c4ee0d6" providerId="ADAL" clId="{CA64B30F-511C-45F5-B991-1BF90300E7E0}" dt="2024-02-09T12:34:21.458" v="3993" actId="20577"/>
         <pc:sldMkLst>
           <pc:docMk/>
           <pc:sldMk cId="164553243" sldId="260"/>
@@ -1000,7 +1001,7 @@
           </ac:spMkLst>
         </pc:spChg>
         <pc:spChg chg="add mod ord">
-          <ac:chgData name="Sean O Fithcheallaigh" userId="47659c31-a575-4792-8be3-61268c4ee0d6" providerId="ADAL" clId="{CA64B30F-511C-45F5-B991-1BF90300E7E0}" dt="2024-02-08T22:55:41.508" v="3946" actId="20577"/>
+          <ac:chgData name="Sean O Fithcheallaigh" userId="47659c31-a575-4792-8be3-61268c4ee0d6" providerId="ADAL" clId="{CA64B30F-511C-45F5-B991-1BF90300E7E0}" dt="2024-02-09T12:34:21.458" v="3993" actId="20577"/>
           <ac:spMkLst>
             <pc:docMk/>
             <pc:sldMk cId="164553243" sldId="260"/>
@@ -1319,6 +1320,101 @@
             <ac:cxnSpMk id="37" creationId="{D7A4964E-33C0-4563-92BB-988B2C925F92}"/>
           </ac:cxnSpMkLst>
         </pc:cxnChg>
+      </pc:sldChg>
+      <pc:sldChg chg="addSp delSp modSp new mod">
+        <pc:chgData name="Sean O Fithcheallaigh" userId="47659c31-a575-4792-8be3-61268c4ee0d6" providerId="ADAL" clId="{CA64B30F-511C-45F5-B991-1BF90300E7E0}" dt="2024-02-10T16:38:05.164" v="4428" actId="20577"/>
+        <pc:sldMkLst>
+          <pc:docMk/>
+          <pc:sldMk cId="317938089" sldId="261"/>
+        </pc:sldMkLst>
+        <pc:spChg chg="del">
+          <ac:chgData name="Sean O Fithcheallaigh" userId="47659c31-a575-4792-8be3-61268c4ee0d6" providerId="ADAL" clId="{CA64B30F-511C-45F5-B991-1BF90300E7E0}" dt="2024-02-10T16:02:30.889" v="4043"/>
+          <ac:spMkLst>
+            <pc:docMk/>
+            <pc:sldMk cId="317938089" sldId="261"/>
+            <ac:spMk id="2" creationId="{FFB23F71-B1D6-4E1B-8EEE-6ED3CF418B6E}"/>
+          </ac:spMkLst>
+        </pc:spChg>
+        <pc:spChg chg="del">
+          <ac:chgData name="Sean O Fithcheallaigh" userId="47659c31-a575-4792-8be3-61268c4ee0d6" providerId="ADAL" clId="{CA64B30F-511C-45F5-B991-1BF90300E7E0}" dt="2024-02-10T16:02:30.889" v="4043"/>
+          <ac:spMkLst>
+            <pc:docMk/>
+            <pc:sldMk cId="317938089" sldId="261"/>
+            <ac:spMk id="3" creationId="{A5F74851-9BD3-4163-A927-4E2D4F657B9C}"/>
+          </ac:spMkLst>
+        </pc:spChg>
+        <pc:spChg chg="del">
+          <ac:chgData name="Sean O Fithcheallaigh" userId="47659c31-a575-4792-8be3-61268c4ee0d6" providerId="ADAL" clId="{CA64B30F-511C-45F5-B991-1BF90300E7E0}" dt="2024-02-10T16:02:30.889" v="4043"/>
+          <ac:spMkLst>
+            <pc:docMk/>
+            <pc:sldMk cId="317938089" sldId="261"/>
+            <ac:spMk id="4" creationId="{367E2130-BA56-4108-A47E-7B6BCF523B0B}"/>
+          </ac:spMkLst>
+        </pc:spChg>
+        <pc:spChg chg="add del mod">
+          <ac:chgData name="Sean O Fithcheallaigh" userId="47659c31-a575-4792-8be3-61268c4ee0d6" providerId="ADAL" clId="{CA64B30F-511C-45F5-B991-1BF90300E7E0}" dt="2024-02-10T16:02:35.662" v="4044"/>
+          <ac:spMkLst>
+            <pc:docMk/>
+            <pc:sldMk cId="317938089" sldId="261"/>
+            <ac:spMk id="5" creationId="{61E6F48B-6FB9-4BAD-A3B0-4F263E3BFBD0}"/>
+          </ac:spMkLst>
+        </pc:spChg>
+        <pc:spChg chg="add del mod">
+          <ac:chgData name="Sean O Fithcheallaigh" userId="47659c31-a575-4792-8be3-61268c4ee0d6" providerId="ADAL" clId="{CA64B30F-511C-45F5-B991-1BF90300E7E0}" dt="2024-02-10T16:02:35.662" v="4044"/>
+          <ac:spMkLst>
+            <pc:docMk/>
+            <pc:sldMk cId="317938089" sldId="261"/>
+            <ac:spMk id="6" creationId="{CDFAF422-3FB5-4D40-8A35-98C914435C71}"/>
+          </ac:spMkLst>
+        </pc:spChg>
+        <pc:spChg chg="add mod">
+          <ac:chgData name="Sean O Fithcheallaigh" userId="47659c31-a575-4792-8be3-61268c4ee0d6" providerId="ADAL" clId="{CA64B30F-511C-45F5-B991-1BF90300E7E0}" dt="2024-02-10T16:03:02.703" v="4060"/>
+          <ac:spMkLst>
+            <pc:docMk/>
+            <pc:sldMk cId="317938089" sldId="261"/>
+            <ac:spMk id="7" creationId="{CEFD8811-F419-4DA0-B54C-032290F3EFA7}"/>
+          </ac:spMkLst>
+        </pc:spChg>
+        <pc:spChg chg="add del mod">
+          <ac:chgData name="Sean O Fithcheallaigh" userId="47659c31-a575-4792-8be3-61268c4ee0d6" providerId="ADAL" clId="{CA64B30F-511C-45F5-B991-1BF90300E7E0}" dt="2024-02-10T16:03:02.703" v="4060"/>
+          <ac:spMkLst>
+            <pc:docMk/>
+            <pc:sldMk cId="317938089" sldId="261"/>
+            <ac:spMk id="8" creationId="{B84F75C2-BD68-460C-A0D4-E798B26F52D5}"/>
+          </ac:spMkLst>
+        </pc:spChg>
+        <pc:spChg chg="add del mod">
+          <ac:chgData name="Sean O Fithcheallaigh" userId="47659c31-a575-4792-8be3-61268c4ee0d6" providerId="ADAL" clId="{CA64B30F-511C-45F5-B991-1BF90300E7E0}" dt="2024-02-10T16:35:10.555" v="4208" actId="478"/>
+          <ac:spMkLst>
+            <pc:docMk/>
+            <pc:sldMk cId="317938089" sldId="261"/>
+            <ac:spMk id="9" creationId="{576D6860-3D8A-4070-AD59-0D1512BF29A8}"/>
+          </ac:spMkLst>
+        </pc:spChg>
+        <pc:spChg chg="add del mod">
+          <ac:chgData name="Sean O Fithcheallaigh" userId="47659c31-a575-4792-8be3-61268c4ee0d6" providerId="ADAL" clId="{CA64B30F-511C-45F5-B991-1BF90300E7E0}" dt="2024-02-10T16:34:18.300" v="4169" actId="478"/>
+          <ac:spMkLst>
+            <pc:docMk/>
+            <pc:sldMk cId="317938089" sldId="261"/>
+            <ac:spMk id="10" creationId="{F024AE2D-400A-4717-BDB4-F2BC70A8F75D}"/>
+          </ac:spMkLst>
+        </pc:spChg>
+        <pc:spChg chg="add del mod">
+          <ac:chgData name="Sean O Fithcheallaigh" userId="47659c31-a575-4792-8be3-61268c4ee0d6" providerId="ADAL" clId="{CA64B30F-511C-45F5-B991-1BF90300E7E0}" dt="2024-02-10T16:35:12.940" v="4209" actId="478"/>
+          <ac:spMkLst>
+            <pc:docMk/>
+            <pc:sldMk cId="317938089" sldId="261"/>
+            <ac:spMk id="13" creationId="{F756BF20-4056-40CF-9175-FA1180DBE3FE}"/>
+          </ac:spMkLst>
+        </pc:spChg>
+        <pc:graphicFrameChg chg="add mod modGraphic">
+          <ac:chgData name="Sean O Fithcheallaigh" userId="47659c31-a575-4792-8be3-61268c4ee0d6" providerId="ADAL" clId="{CA64B30F-511C-45F5-B991-1BF90300E7E0}" dt="2024-02-10T16:38:05.164" v="4428" actId="20577"/>
+          <ac:graphicFrameMkLst>
+            <pc:docMk/>
+            <pc:sldMk cId="317938089" sldId="261"/>
+            <ac:graphicFrameMk id="11" creationId="{315749BC-1665-4742-86E2-0FB66CDF8C7A}"/>
+          </ac:graphicFrameMkLst>
+        </pc:graphicFrameChg>
       </pc:sldChg>
       <pc:sldChg chg="modSp new del">
         <pc:chgData name="Sean O Fithcheallaigh" userId="47659c31-a575-4792-8be3-61268c4ee0d6" providerId="ADAL" clId="{CA64B30F-511C-45F5-B991-1BF90300E7E0}" dt="2024-02-08T19:53:05.311" v="3706" actId="47"/>
@@ -1358,6 +1454,28 @@
           <pc:sldMk cId="3489575995" sldId="261"/>
         </pc:sldMkLst>
       </pc:sldChg>
+      <pc:sldChg chg="new del">
+        <pc:chgData name="Sean O Fithcheallaigh" userId="47659c31-a575-4792-8be3-61268c4ee0d6" providerId="ADAL" clId="{CA64B30F-511C-45F5-B991-1BF90300E7E0}" dt="2024-02-10T18:12:13.138" v="4429" actId="47"/>
+        <pc:sldMkLst>
+          <pc:docMk/>
+          <pc:sldMk cId="3733149357" sldId="262"/>
+        </pc:sldMkLst>
+      </pc:sldChg>
+      <pc:sldMasterChg chg="modSldLayout">
+        <pc:chgData name="Sean O Fithcheallaigh" userId="47659c31-a575-4792-8be3-61268c4ee0d6" providerId="ADAL" clId="{CA64B30F-511C-45F5-B991-1BF90300E7E0}" dt="2024-02-10T16:04:56.053" v="4110"/>
+        <pc:sldMasterMkLst>
+          <pc:docMk/>
+          <pc:sldMasterMk cId="2989193502" sldId="2147483884"/>
+        </pc:sldMasterMkLst>
+        <pc:sldLayoutChg chg="setBg">
+          <pc:chgData name="Sean O Fithcheallaigh" userId="47659c31-a575-4792-8be3-61268c4ee0d6" providerId="ADAL" clId="{CA64B30F-511C-45F5-B991-1BF90300E7E0}" dt="2024-02-10T16:04:56.053" v="4110"/>
+          <pc:sldLayoutMkLst>
+            <pc:docMk/>
+            <pc:sldMasterMk cId="2989193502" sldId="2147483884"/>
+            <pc:sldLayoutMk cId="2006694186" sldId="2147483888"/>
+          </pc:sldLayoutMkLst>
+        </pc:sldLayoutChg>
+      </pc:sldMasterChg>
     </pc:docChg>
   </pc:docChgLst>
   <pc:docChgLst>
@@ -4739,7 +4857,7 @@
           <a:p>
             <a:fld id="{0CD94E99-FA29-4EFF-88BE-3447E30E8C4D}" type="datetimeFigureOut">
               <a:rPr lang="en-GB" smtClean="0"/>
-              <a:t>08/02/2024</a:t>
+              <a:t>10/02/2024</a:t>
             </a:fld>
             <a:endParaRPr lang="en-GB"/>
           </a:p>
@@ -4947,7 +5065,7 @@
           <a:p>
             <a:fld id="{0CD94E99-FA29-4EFF-88BE-3447E30E8C4D}" type="datetimeFigureOut">
               <a:rPr lang="en-GB" smtClean="0"/>
-              <a:t>08/02/2024</a:t>
+              <a:t>10/02/2024</a:t>
             </a:fld>
             <a:endParaRPr lang="en-GB"/>
           </a:p>
@@ -5205,7 +5323,7 @@
           <a:p>
             <a:fld id="{0CD94E99-FA29-4EFF-88BE-3447E30E8C4D}" type="datetimeFigureOut">
               <a:rPr lang="en-GB" smtClean="0"/>
-              <a:t>08/02/2024</a:t>
+              <a:t>10/02/2024</a:t>
             </a:fld>
             <a:endParaRPr lang="en-GB"/>
           </a:p>
@@ -5375,7 +5493,7 @@
           <a:p>
             <a:fld id="{0CD94E99-FA29-4EFF-88BE-3447E30E8C4D}" type="datetimeFigureOut">
               <a:rPr lang="en-GB" smtClean="0"/>
-              <a:t>08/02/2024</a:t>
+              <a:t>10/02/2024</a:t>
             </a:fld>
             <a:endParaRPr lang="en-GB"/>
           </a:p>
@@ -5712,7 +5830,7 @@
           <a:p>
             <a:fld id="{0CD94E99-FA29-4EFF-88BE-3447E30E8C4D}" type="datetimeFigureOut">
               <a:rPr lang="en-GB" smtClean="0"/>
-              <a:t>08/02/2024</a:t>
+              <a:t>10/02/2024</a:t>
             </a:fld>
             <a:endParaRPr lang="en-GB"/>
           </a:p>
@@ -5814,6 +5932,11 @@
 <file path=ppt/slideLayouts/slideLayout4.xml><?xml version="1.0" encoding="utf-8"?>
 <p:sldLayout xmlns:a="http://schemas.openxmlformats.org/drawingml/2006/main" xmlns:r="http://schemas.openxmlformats.org/officeDocument/2006/relationships" xmlns:p="http://schemas.openxmlformats.org/presentationml/2006/main" type="twoObj" preserve="1">
   <p:cSld name="Two Content">
+    <p:bg>
+      <p:bgRef idx="1002">
+        <a:schemeClr val="bg1"/>
+      </p:bgRef>
+    </p:bg>
     <p:spTree>
       <p:nvGrpSpPr>
         <p:cNvPr id="1" name=""/>
@@ -5987,7 +6110,7 @@
           <a:p>
             <a:fld id="{0CD94E99-FA29-4EFF-88BE-3447E30E8C4D}" type="datetimeFigureOut">
               <a:rPr lang="en-GB" smtClean="0"/>
-              <a:t>08/02/2024</a:t>
+              <a:t>10/02/2024</a:t>
             </a:fld>
             <a:endParaRPr lang="en-GB"/>
           </a:p>
@@ -6043,7 +6166,7 @@
     </p:extLst>
   </p:cSld>
   <p:clrMapOvr>
-    <a:masterClrMapping/>
+    <a:overrideClrMapping bg1="lt1" tx1="dk1" bg2="lt2" tx2="dk2" accent1="accent1" accent2="accent2" accent3="accent3" accent4="accent4" accent5="accent5" accent6="accent6" hlink="hlink" folHlink="folHlink"/>
   </p:clrMapOvr>
 </p:sldLayout>
 </file>
@@ -6366,7 +6489,7 @@
           <a:p>
             <a:fld id="{0CD94E99-FA29-4EFF-88BE-3447E30E8C4D}" type="datetimeFigureOut">
               <a:rPr lang="en-GB" smtClean="0"/>
-              <a:t>08/02/2024</a:t>
+              <a:t>10/02/2024</a:t>
             </a:fld>
             <a:endParaRPr lang="en-GB"/>
           </a:p>
@@ -6484,7 +6607,7 @@
           <a:p>
             <a:fld id="{0CD94E99-FA29-4EFF-88BE-3447E30E8C4D}" type="datetimeFigureOut">
               <a:rPr lang="en-GB" smtClean="0"/>
-              <a:t>08/02/2024</a:t>
+              <a:t>10/02/2024</a:t>
             </a:fld>
             <a:endParaRPr lang="en-GB"/>
           </a:p>
@@ -6657,7 +6780,7 @@
           <a:p>
             <a:fld id="{0CD94E99-FA29-4EFF-88BE-3447E30E8C4D}" type="datetimeFigureOut">
               <a:rPr lang="en-GB" smtClean="0"/>
-              <a:t>08/02/2024</a:t>
+              <a:t>10/02/2024</a:t>
             </a:fld>
             <a:endParaRPr lang="en-GB"/>
           </a:p>
@@ -7013,7 +7136,7 @@
           <a:p>
             <a:fld id="{0CD94E99-FA29-4EFF-88BE-3447E30E8C4D}" type="datetimeFigureOut">
               <a:rPr lang="en-GB" smtClean="0"/>
-              <a:t>08/02/2024</a:t>
+              <a:t>10/02/2024</a:t>
             </a:fld>
             <a:endParaRPr lang="en-GB"/>
           </a:p>
@@ -7392,7 +7515,7 @@
           <a:p>
             <a:fld id="{0CD94E99-FA29-4EFF-88BE-3447E30E8C4D}" type="datetimeFigureOut">
               <a:rPr lang="en-GB" smtClean="0"/>
-              <a:t>08/02/2024</a:t>
+              <a:t>10/02/2024</a:t>
             </a:fld>
             <a:endParaRPr lang="en-GB"/>
           </a:p>
@@ -7681,7 +7804,7 @@
           <a:p>
             <a:fld id="{0CD94E99-FA29-4EFF-88BE-3447E30E8C4D}" type="datetimeFigureOut">
               <a:rPr lang="en-GB" smtClean="0"/>
-              <a:t>08/02/2024</a:t>
+              <a:t>10/02/2024</a:t>
             </a:fld>
             <a:endParaRPr lang="en-GB"/>
           </a:p>
@@ -8243,14 +8366,14 @@
           <a:p>
             <a:pPr algn="l"/>
             <a:r>
-              <a:rPr lang="en-US" sz="4000">
+              <a:rPr lang="en-US" sz="4000" dirty="0">
                 <a:solidFill>
                   <a:schemeClr val="tx2"/>
                 </a:solidFill>
               </a:rPr>
-              <a:t>Supervisory Meeting</a:t>
-            </a:r>
-            <a:endParaRPr lang="en-GB" sz="4000">
+              <a:t>PhD Supervisors Meeting</a:t>
+            </a:r>
+            <a:endParaRPr lang="en-GB" sz="4000" dirty="0">
               <a:solidFill>
                 <a:schemeClr val="tx2"/>
               </a:solidFill>
@@ -9095,15 +9218,19 @@
                 <a:ea typeface="+mn-ea"/>
                 <a:cs typeface="+mn-cs"/>
               </a:rPr>
-              <a:t>RQ1: 	With the ever-increasing use of IoT devices, can FL algorithms or tools be designed to operate specifically on 	resource Edge devices to minimize computational and communication costs</a:t>
-            </a:r>
-          </a:p>
-          <a:p>
-            <a:pPr marL="139446" indent="-139446" defTabSz="557784">
-              <a:spcBef>
-                <a:spcPts val="610"/>
-              </a:spcBef>
-            </a:pPr>
+              <a:t>RQ1: 	With the ever-increasing use of IoT devices, </a:t>
+            </a:r>
+            <a:r>
+              <a:rPr lang="en-US" sz="1400" b="1" kern="1200" dirty="0">
+                <a:solidFill>
+                  <a:schemeClr val="tx1"/>
+                </a:solidFill>
+                <a:latin typeface="+mn-lt"/>
+                <a:ea typeface="+mn-ea"/>
+                <a:cs typeface="+mn-cs"/>
+              </a:rPr>
+              <a:t>can</a:t>
+            </a:r>
             <a:r>
               <a:rPr lang="en-US" sz="1400" kern="1200" dirty="0">
                 <a:solidFill>
@@ -9113,15 +9240,19 @@
                 <a:ea typeface="+mn-ea"/>
                 <a:cs typeface="+mn-cs"/>
               </a:rPr>
-              <a:t>RQ2: 	Real-world data will typically have elements of variability that can reduce the accuracy of any model. Can we 	develop FL algorithms that are adaptable to non IID data?</a:t>
-            </a:r>
-          </a:p>
-          <a:p>
-            <a:pPr marL="139446" indent="-139446" defTabSz="557784">
-              <a:spcBef>
-                <a:spcPts val="610"/>
-              </a:spcBef>
-            </a:pPr>
+              <a:t> </a:t>
+            </a:r>
+            <a:r>
+              <a:rPr lang="en-US" sz="1400" b="1" kern="1200" dirty="0">
+                <a:solidFill>
+                  <a:schemeClr val="tx1"/>
+                </a:solidFill>
+                <a:latin typeface="+mn-lt"/>
+                <a:ea typeface="+mn-ea"/>
+                <a:cs typeface="+mn-cs"/>
+              </a:rPr>
+              <a:t>FL algorithms or tools be designed to operate specifically on 	resource Edge devices</a:t>
+            </a:r>
             <a:r>
               <a:rPr lang="en-US" sz="1400" kern="1200" dirty="0">
                 <a:solidFill>
@@ -9131,7 +9262,7 @@
                 <a:ea typeface="+mn-ea"/>
                 <a:cs typeface="+mn-cs"/>
               </a:rPr>
-              <a:t>RQ3: 	Can adaptive communication strategies for FL be developed that dynamically adjust their transmission frequency 	and allowable bandwidth based on factors such as model complexity, the type of data, and the transmission 	network condition?</a:t>
+              <a:t> to minimize computational and communication costs</a:t>
             </a:r>
           </a:p>
           <a:p>
@@ -9149,7 +9280,33 @@
                 <a:ea typeface="+mn-ea"/>
                 <a:cs typeface="+mn-cs"/>
               </a:rPr>
-              <a:t>RQ4: 	Can FL be resilient to unreliable network conditions introducing latency and packet loss while ensuring that model 	training is reliable, and updates remain efficient and robust</a:t>
+              <a:t>RQ2: 	Real-world data will typically have elements of variability that can reduce the accuracy of any model. </a:t>
+            </a:r>
+            <a:r>
+              <a:rPr lang="en-US" sz="1400" b="1" kern="1200" dirty="0">
+                <a:solidFill>
+                  <a:schemeClr val="tx1"/>
+                </a:solidFill>
+                <a:latin typeface="+mn-lt"/>
+                <a:ea typeface="+mn-ea"/>
+                <a:cs typeface="+mn-cs"/>
+              </a:rPr>
+              <a:t>Can we 	develop FL algorithms that are adaptable to non IID (Independently and Identically Distributed </a:t>
+            </a:r>
+            <a:r>
+              <a:rPr lang="en-US" sz="1400" b="1" dirty="0"/>
+              <a:t>D</a:t>
+            </a:r>
+            <a:r>
+              <a:rPr lang="en-US" sz="1400" b="1" kern="1200" dirty="0">
+                <a:solidFill>
+                  <a:schemeClr val="tx1"/>
+                </a:solidFill>
+                <a:latin typeface="+mn-lt"/>
+                <a:ea typeface="+mn-ea"/>
+                <a:cs typeface="+mn-cs"/>
+              </a:rPr>
+              <a:t>ata)?</a:t>
             </a:r>
           </a:p>
           <a:p>
@@ -9167,7 +9324,109 @@
                 <a:ea typeface="+mn-ea"/>
                 <a:cs typeface="+mn-cs"/>
               </a:rPr>
-              <a:t>RQ5:	How can we design efficient aggregation algorithms for FL that minimize the data exchange between clients and 	servers while not reducing the model accuracy?</a:t>
+              <a:t>RQ3: 	</a:t>
+            </a:r>
+            <a:r>
+              <a:rPr lang="en-US" sz="1400" b="1" kern="1200" dirty="0">
+                <a:solidFill>
+                  <a:schemeClr val="tx1"/>
+                </a:solidFill>
+                <a:latin typeface="+mn-lt"/>
+                <a:ea typeface="+mn-ea"/>
+                <a:cs typeface="+mn-cs"/>
+              </a:rPr>
+              <a:t>Can adaptive communication strategies for FL be developed that dynamically adjust their transmission frequency 	and allowable bandwidth </a:t>
+            </a:r>
+            <a:r>
+              <a:rPr lang="en-US" sz="1400" kern="1200" dirty="0">
+                <a:solidFill>
+                  <a:schemeClr val="tx1"/>
+                </a:solidFill>
+                <a:latin typeface="+mn-lt"/>
+                <a:ea typeface="+mn-ea"/>
+                <a:cs typeface="+mn-cs"/>
+              </a:rPr>
+              <a:t>based on factors such as model complexity, the type of data, and the transmission 	network condition?</a:t>
+            </a:r>
+          </a:p>
+          <a:p>
+            <a:pPr marL="139446" indent="-139446" defTabSz="557784">
+              <a:spcBef>
+                <a:spcPts val="610"/>
+              </a:spcBef>
+            </a:pPr>
+            <a:r>
+              <a:rPr lang="en-US" sz="1400" kern="1200" dirty="0">
+                <a:solidFill>
+                  <a:schemeClr val="tx1"/>
+                </a:solidFill>
+                <a:latin typeface="+mn-lt"/>
+                <a:ea typeface="+mn-ea"/>
+                <a:cs typeface="+mn-cs"/>
+              </a:rPr>
+              <a:t>RQ4: 	</a:t>
+            </a:r>
+            <a:r>
+              <a:rPr lang="en-US" sz="1400" b="1" kern="1200" dirty="0">
+                <a:solidFill>
+                  <a:schemeClr val="tx1"/>
+                </a:solidFill>
+                <a:latin typeface="+mn-lt"/>
+                <a:ea typeface="+mn-ea"/>
+                <a:cs typeface="+mn-cs"/>
+              </a:rPr>
+              <a:t>Can FL be resilient to unreliable network conditions </a:t>
+            </a:r>
+            <a:r>
+              <a:rPr lang="en-US" sz="1400" kern="1200" dirty="0">
+                <a:solidFill>
+                  <a:schemeClr val="tx1"/>
+                </a:solidFill>
+                <a:latin typeface="+mn-lt"/>
+                <a:ea typeface="+mn-ea"/>
+                <a:cs typeface="+mn-cs"/>
+              </a:rPr>
+              <a:t>introducing latency and packet loss while ensuring that model 	training is reliable, and updates remain efficient and robust</a:t>
+            </a:r>
+          </a:p>
+          <a:p>
+            <a:pPr marL="139446" indent="-139446" defTabSz="557784">
+              <a:spcBef>
+                <a:spcPts val="610"/>
+              </a:spcBef>
+            </a:pPr>
+            <a:r>
+              <a:rPr lang="en-US" sz="1400" kern="1200" dirty="0">
+                <a:solidFill>
+                  <a:schemeClr val="tx1"/>
+                </a:solidFill>
+                <a:latin typeface="+mn-lt"/>
+                <a:ea typeface="+mn-ea"/>
+                <a:cs typeface="+mn-cs"/>
+              </a:rPr>
+              <a:t>RQ5:	</a:t>
+            </a:r>
+            <a:r>
+              <a:rPr lang="en-US" sz="1400" b="1" kern="1200" dirty="0">
+                <a:solidFill>
+                  <a:schemeClr val="tx1"/>
+                </a:solidFill>
+                <a:latin typeface="+mn-lt"/>
+                <a:ea typeface="+mn-ea"/>
+                <a:cs typeface="+mn-cs"/>
+              </a:rPr>
+              <a:t>How can we design efficient aggregation algorithms for FL </a:t>
+            </a:r>
+            <a:r>
+              <a:rPr lang="en-US" sz="1400" kern="1200" dirty="0">
+                <a:solidFill>
+                  <a:schemeClr val="tx1"/>
+                </a:solidFill>
+                <a:latin typeface="+mn-lt"/>
+                <a:ea typeface="+mn-ea"/>
+                <a:cs typeface="+mn-cs"/>
+              </a:rPr>
+              <a:t>that minimize the data exchange between clients and 	servers while not reducing the model accuracy?</a:t>
             </a:r>
           </a:p>
           <a:p>
@@ -9710,27 +9969,8 @@
                 <a:ea typeface="+mn-ea"/>
                 <a:cs typeface="+mn-cs"/>
               </a:rPr>
-              <a:t>Internet </a:t>
-            </a:r>
-            <a:r>
-              <a:rPr lang="en-GB" sz="7200" kern="1200">
-                <a:solidFill>
-                  <a:schemeClr val="tx1"/>
-                </a:solidFill>
-                <a:latin typeface="+mn-lt"/>
-                <a:ea typeface="+mn-ea"/>
-                <a:cs typeface="+mn-cs"/>
-              </a:rPr>
-              <a:t>of Things/IoT</a:t>
-            </a:r>
-            <a:endParaRPr lang="en-GB" sz="7200" kern="1200" dirty="0">
-              <a:solidFill>
-                <a:schemeClr val="tx1"/>
-              </a:solidFill>
-              <a:latin typeface="+mn-lt"/>
-              <a:ea typeface="+mn-ea"/>
-              <a:cs typeface="+mn-cs"/>
-            </a:endParaRPr>
+              <a:t>Internet of Things/IoT</a:t>
+            </a:r>
           </a:p>
           <a:p>
             <a:pPr marL="861822" indent="-432000" defTabSz="461772">
@@ -9813,7 +10053,7 @@
               <a:buChar char="•"/>
             </a:pPr>
             <a:r>
-              <a:rPr lang="en-GB" sz="7200" strike="sngStrike" kern="1200" dirty="0">
+              <a:rPr lang="en-GB" sz="7200" kern="1200" dirty="0" err="1">
                 <a:solidFill>
                   <a:schemeClr val="tx1"/>
                 </a:solidFill>
@@ -9821,8 +10061,46 @@
                 <a:ea typeface="+mn-ea"/>
                 <a:cs typeface="+mn-cs"/>
               </a:rPr>
-              <a:t>Constrained Device</a:t>
-            </a:r>
+              <a:t>EdgeAI</a:t>
+            </a:r>
+            <a:r>
+              <a:rPr lang="en-GB" sz="7200" dirty="0"/>
+              <a:t>/</a:t>
+            </a:r>
+            <a:r>
+              <a:rPr lang="en-GB" sz="7200" kern="1200" dirty="0" err="1">
+                <a:solidFill>
+                  <a:schemeClr val="tx1"/>
+                </a:solidFill>
+                <a:latin typeface="+mn-lt"/>
+                <a:ea typeface="+mn-ea"/>
+                <a:cs typeface="+mn-cs"/>
+              </a:rPr>
+              <a:t>EdgeML</a:t>
+            </a:r>
+            <a:r>
+              <a:rPr lang="en-GB" sz="7200" dirty="0"/>
+              <a:t>/</a:t>
+            </a:r>
+            <a:r>
+              <a:rPr lang="en-GB" sz="7200" kern="1200" dirty="0" err="1">
+                <a:solidFill>
+                  <a:schemeClr val="tx1"/>
+                </a:solidFill>
+                <a:latin typeface="+mn-lt"/>
+                <a:ea typeface="+mn-ea"/>
+                <a:cs typeface="+mn-cs"/>
+              </a:rPr>
+              <a:t>TinyML</a:t>
+            </a:r>
+            <a:endParaRPr lang="en-GB" sz="7200" kern="1200" dirty="0">
+              <a:solidFill>
+                <a:schemeClr val="tx1"/>
+              </a:solidFill>
+              <a:latin typeface="+mn-lt"/>
+              <a:ea typeface="+mn-ea"/>
+              <a:cs typeface="+mn-cs"/>
+            </a:endParaRPr>
           </a:p>
           <a:p>
             <a:pPr marL="861822" indent="-432000" defTabSz="461772">
@@ -9836,7 +10114,7 @@
               <a:buChar char="•"/>
             </a:pPr>
             <a:r>
-              <a:rPr lang="en-GB" sz="7200" strike="sngStrike" kern="1200" dirty="0">
+              <a:rPr lang="en-GB" sz="7200" kern="1200" dirty="0">
                 <a:solidFill>
                   <a:schemeClr val="tx1"/>
                 </a:solidFill>
@@ -9844,7 +10122,7 @@
                 <a:ea typeface="+mn-ea"/>
                 <a:cs typeface="+mn-cs"/>
               </a:rPr>
-              <a:t>Central Server</a:t>
+              <a:t>Data Privacy</a:t>
             </a:r>
           </a:p>
           <a:p>
@@ -9859,7 +10137,7 @@
               <a:buChar char="•"/>
             </a:pPr>
             <a:r>
-              <a:rPr lang="en-GB" sz="7200" kern="1200" dirty="0" err="1">
+              <a:rPr lang="en-GB" sz="7200" kern="1200" dirty="0">
                 <a:solidFill>
                   <a:schemeClr val="tx1"/>
                 </a:solidFill>
@@ -9867,46 +10145,8 @@
                 <a:ea typeface="+mn-ea"/>
                 <a:cs typeface="+mn-cs"/>
               </a:rPr>
-              <a:t>EdgeAI</a:t>
-            </a:r>
-            <a:r>
-              <a:rPr lang="en-GB" sz="7200" dirty="0"/>
-              <a:t>/</a:t>
-            </a:r>
-            <a:r>
-              <a:rPr lang="en-GB" sz="7200" kern="1200" dirty="0" err="1">
-                <a:solidFill>
-                  <a:schemeClr val="tx1"/>
-                </a:solidFill>
-                <a:latin typeface="+mn-lt"/>
-                <a:ea typeface="+mn-ea"/>
-                <a:cs typeface="+mn-cs"/>
-              </a:rPr>
-              <a:t>EdgeML</a:t>
-            </a:r>
-            <a:r>
-              <a:rPr lang="en-GB" sz="7200" dirty="0"/>
-              <a:t>/</a:t>
-            </a:r>
-            <a:r>
-              <a:rPr lang="en-GB" sz="7200" kern="1200" dirty="0" err="1">
-                <a:solidFill>
-                  <a:schemeClr val="tx1"/>
-                </a:solidFill>
-                <a:latin typeface="+mn-lt"/>
-                <a:ea typeface="+mn-ea"/>
-                <a:cs typeface="+mn-cs"/>
-              </a:rPr>
-              <a:t>TinyML</a:t>
-            </a:r>
-            <a:endParaRPr lang="en-GB" sz="7200" kern="1200" dirty="0">
-              <a:solidFill>
-                <a:schemeClr val="tx1"/>
-              </a:solidFill>
-              <a:latin typeface="+mn-lt"/>
-              <a:ea typeface="+mn-ea"/>
-              <a:cs typeface="+mn-cs"/>
-            </a:endParaRPr>
+              <a:t>Transfer Learning</a:t>
+            </a:r>
           </a:p>
           <a:p>
             <a:pPr marL="861822" indent="-432000" defTabSz="461772">
@@ -9928,7 +10168,7 @@
                 <a:ea typeface="+mn-ea"/>
                 <a:cs typeface="+mn-cs"/>
               </a:rPr>
-              <a:t>Data Privacy</a:t>
+              <a:t>Federated Averaging</a:t>
             </a:r>
           </a:p>
           <a:p>
@@ -9943,7 +10183,7 @@
               <a:buChar char="•"/>
             </a:pPr>
             <a:r>
-              <a:rPr lang="en-GB" sz="7200" strike="sngStrike" kern="1200" dirty="0">
+              <a:rPr lang="en-GB" sz="7200" kern="1200" dirty="0">
                 <a:solidFill>
                   <a:schemeClr val="tx1"/>
                 </a:solidFill>
@@ -9951,7 +10191,7 @@
                 <a:ea typeface="+mn-ea"/>
                 <a:cs typeface="+mn-cs"/>
               </a:rPr>
-              <a:t>Transfer Learning</a:t>
+              <a:t>Manufacturing</a:t>
             </a:r>
           </a:p>
           <a:p>
@@ -9966,15 +10206,8 @@
               <a:buChar char="•"/>
             </a:pPr>
             <a:r>
-              <a:rPr lang="en-GB" sz="7200" kern="1200" dirty="0">
-                <a:solidFill>
-                  <a:schemeClr val="tx1"/>
-                </a:solidFill>
-                <a:latin typeface="+mn-lt"/>
-                <a:ea typeface="+mn-ea"/>
-                <a:cs typeface="+mn-cs"/>
-              </a:rPr>
-              <a:t>Federated Averaging</a:t>
+              <a:rPr lang="en-GB" sz="7200" dirty="0"/>
+              <a:t>Intrusion Detection</a:t>
             </a:r>
           </a:p>
           <a:p>
@@ -9997,7 +10230,7 @@
                 <a:ea typeface="+mn-ea"/>
                 <a:cs typeface="+mn-cs"/>
               </a:rPr>
-              <a:t>Manufacturing</a:t>
+              <a:t>Constrained device</a:t>
             </a:r>
           </a:p>
           <a:p>
@@ -10012,8 +10245,8 @@
               <a:buChar char="•"/>
             </a:pPr>
             <a:r>
-              <a:rPr lang="en-GB" sz="7200" dirty="0"/>
-              <a:t>Intrusion Detection</a:t>
+              <a:rPr lang="en-GB" sz="7200"/>
+              <a:t>Efficient</a:t>
             </a:r>
             <a:endParaRPr lang="en-GB" sz="7200" kern="1200" dirty="0">
               <a:solidFill>
@@ -10041,6 +10274,271 @@
     <p:extLst>
       <p:ext uri="{BB962C8B-B14F-4D97-AF65-F5344CB8AC3E}">
         <p14:creationId xmlns:p14="http://schemas.microsoft.com/office/powerpoint/2010/main" val="164553243"/>
+      </p:ext>
+    </p:extLst>
+  </p:cSld>
+  <p:clrMapOvr>
+    <a:masterClrMapping/>
+  </p:clrMapOvr>
+</p:sld>
+</file>
+
+<file path=ppt/slides/slide6.xml><?xml version="1.0" encoding="utf-8"?>
+<p:sld xmlns:a="http://schemas.openxmlformats.org/drawingml/2006/main" xmlns:r="http://schemas.openxmlformats.org/officeDocument/2006/relationships" xmlns:p="http://schemas.openxmlformats.org/presentationml/2006/main">
+  <p:cSld>
+    <p:spTree>
+      <p:nvGrpSpPr>
+        <p:cNvPr id="1" name=""/>
+        <p:cNvGrpSpPr/>
+        <p:nvPr/>
+      </p:nvGrpSpPr>
+      <p:grpSpPr>
+        <a:xfrm>
+          <a:off x="0" y="0"/>
+          <a:ext cx="0" cy="0"/>
+          <a:chOff x="0" y="0"/>
+          <a:chExt cx="0" cy="0"/>
+        </a:xfrm>
+      </p:grpSpPr>
+      <p:sp>
+        <p:nvSpPr>
+          <p:cNvPr id="7" name="Title 6">
+            <a:extLst>
+              <a:ext uri="{FF2B5EF4-FFF2-40B4-BE49-F238E27FC236}">
+                <a16:creationId xmlns:a16="http://schemas.microsoft.com/office/drawing/2014/main" id="{CEFD8811-F419-4DA0-B54C-032290F3EFA7}"/>
+              </a:ext>
+            </a:extLst>
+          </p:cNvPr>
+          <p:cNvSpPr>
+            <a:spLocks noGrp="1"/>
+          </p:cNvSpPr>
+          <p:nvPr>
+            <p:ph type="title"/>
+          </p:nvPr>
+        </p:nvSpPr>
+        <p:spPr/>
+        <p:txBody>
+          <a:bodyPr/>
+          <a:lstStyle/>
+          <a:p>
+            <a:r>
+              <a:rPr lang="en-US" dirty="0"/>
+              <a:t>Abbreviations</a:t>
+            </a:r>
+            <a:endParaRPr lang="en-GB" dirty="0"/>
+          </a:p>
+        </p:txBody>
+      </p:sp>
+      <p:graphicFrame>
+        <p:nvGraphicFramePr>
+          <p:cNvPr id="11" name="Table 11">
+            <a:extLst>
+              <a:ext uri="{FF2B5EF4-FFF2-40B4-BE49-F238E27FC236}">
+                <a16:creationId xmlns:a16="http://schemas.microsoft.com/office/drawing/2014/main" id="{315749BC-1665-4742-86E2-0FB66CDF8C7A}"/>
+              </a:ext>
+            </a:extLst>
+          </p:cNvPr>
+          <p:cNvGraphicFramePr>
+            <a:graphicFrameLocks noGrp="1"/>
+          </p:cNvGraphicFramePr>
+          <p:nvPr>
+            <p:extLst>
+              <p:ext uri="{D42A27DB-BD31-4B8C-83A1-F6EECF244321}">
+                <p14:modId xmlns:p14="http://schemas.microsoft.com/office/powerpoint/2010/main" val="783079961"/>
+              </p:ext>
+            </p:extLst>
+          </p:nvPr>
+        </p:nvGraphicFramePr>
+        <p:xfrm>
+          <a:off x="1097280" y="1980295"/>
+          <a:ext cx="10058400" cy="1198880"/>
+        </p:xfrm>
+        <a:graphic>
+          <a:graphicData uri="http://schemas.openxmlformats.org/drawingml/2006/table">
+            <a:tbl>
+              <a:tblPr firstRow="1" bandRow="1">
+                <a:tableStyleId>{5C22544A-7EE6-4342-B048-85BDC9FD1C3A}</a:tableStyleId>
+              </a:tblPr>
+              <a:tblGrid>
+                <a:gridCol w="1059994">
+                  <a:extLst>
+                    <a:ext uri="{9D8B030D-6E8A-4147-A177-3AD203B41FA5}">
+                      <a16:colId xmlns:a16="http://schemas.microsoft.com/office/drawing/2014/main" val="1528090214"/>
+                    </a:ext>
+                  </a:extLst>
+                </a:gridCol>
+                <a:gridCol w="3195961">
+                  <a:extLst>
+                    <a:ext uri="{9D8B030D-6E8A-4147-A177-3AD203B41FA5}">
+                      <a16:colId xmlns:a16="http://schemas.microsoft.com/office/drawing/2014/main" val="226333329"/>
+                    </a:ext>
+                  </a:extLst>
+                </a:gridCol>
+                <a:gridCol w="5802445">
+                  <a:extLst>
+                    <a:ext uri="{9D8B030D-6E8A-4147-A177-3AD203B41FA5}">
+                      <a16:colId xmlns:a16="http://schemas.microsoft.com/office/drawing/2014/main" val="3333155880"/>
+                    </a:ext>
+                  </a:extLst>
+                </a:gridCol>
+              </a:tblGrid>
+              <a:tr h="370840">
+                <a:tc>
+                  <a:txBody>
+                    <a:bodyPr/>
+                    <a:lstStyle/>
+                    <a:p>
+                      <a:r>
+                        <a:rPr lang="en-US" sz="1200" dirty="0"/>
+                        <a:t>Abbreviation</a:t>
+                      </a:r>
+                      <a:endParaRPr lang="en-GB" sz="1200" dirty="0"/>
+                    </a:p>
+                  </a:txBody>
+                  <a:tcPr/>
+                </a:tc>
+                <a:tc>
+                  <a:txBody>
+                    <a:bodyPr/>
+                    <a:lstStyle/>
+                    <a:p>
+                      <a:r>
+                        <a:rPr lang="en-US" sz="1200" dirty="0"/>
+                        <a:t>Meaning</a:t>
+                      </a:r>
+                      <a:endParaRPr lang="en-GB" sz="1200" dirty="0"/>
+                    </a:p>
+                  </a:txBody>
+                  <a:tcPr/>
+                </a:tc>
+                <a:tc>
+                  <a:txBody>
+                    <a:bodyPr/>
+                    <a:lstStyle/>
+                    <a:p>
+                      <a:r>
+                        <a:rPr lang="en-US" sz="1200" dirty="0"/>
+                        <a:t>Comment</a:t>
+                      </a:r>
+                      <a:endParaRPr lang="en-GB" sz="1200" dirty="0"/>
+                    </a:p>
+                  </a:txBody>
+                  <a:tcPr/>
+                </a:tc>
+                <a:extLst>
+                  <a:ext uri="{0D108BD9-81ED-4DB2-BD59-A6C34878D82A}">
+                    <a16:rowId xmlns:a16="http://schemas.microsoft.com/office/drawing/2014/main" val="3121710554"/>
+                  </a:ext>
+                </a:extLst>
+              </a:tr>
+              <a:tr h="370840">
+                <a:tc>
+                  <a:txBody>
+                    <a:bodyPr/>
+                    <a:lstStyle/>
+                    <a:p>
+                      <a:r>
+                        <a:rPr lang="en-US" sz="1200" dirty="0"/>
+                        <a:t>FL</a:t>
+                      </a:r>
+                      <a:endParaRPr lang="en-GB" sz="1200" dirty="0"/>
+                    </a:p>
+                  </a:txBody>
+                  <a:tcPr/>
+                </a:tc>
+                <a:tc>
+                  <a:txBody>
+                    <a:bodyPr/>
+                    <a:lstStyle/>
+                    <a:p>
+                      <a:r>
+                        <a:rPr lang="en-US" sz="1200" dirty="0"/>
+                        <a:t>Federated Learning</a:t>
+                      </a:r>
+                      <a:endParaRPr lang="en-GB" sz="1200" dirty="0"/>
+                    </a:p>
+                  </a:txBody>
+                  <a:tcPr/>
+                </a:tc>
+                <a:tc>
+                  <a:txBody>
+                    <a:bodyPr/>
+                    <a:lstStyle/>
+                    <a:p>
+                      <a:endParaRPr lang="en-GB" sz="1200" dirty="0"/>
+                    </a:p>
+                  </a:txBody>
+                  <a:tcPr/>
+                </a:tc>
+                <a:extLst>
+                  <a:ext uri="{0D108BD9-81ED-4DB2-BD59-A6C34878D82A}">
+                    <a16:rowId xmlns:a16="http://schemas.microsoft.com/office/drawing/2014/main" val="789339868"/>
+                  </a:ext>
+                </a:extLst>
+              </a:tr>
+              <a:tr h="370840">
+                <a:tc>
+                  <a:txBody>
+                    <a:bodyPr/>
+                    <a:lstStyle/>
+                    <a:p>
+                      <a:r>
+                        <a:rPr lang="en-US" sz="1200" dirty="0"/>
+                        <a:t>IID</a:t>
+                      </a:r>
+                      <a:endParaRPr lang="en-GB" sz="1200" dirty="0"/>
+                    </a:p>
+                  </a:txBody>
+                  <a:tcPr/>
+                </a:tc>
+                <a:tc>
+                  <a:txBody>
+                    <a:bodyPr/>
+                    <a:lstStyle/>
+                    <a:p>
+                      <a:r>
+                        <a:rPr lang="en-US" sz="1200" dirty="0"/>
+                        <a:t>Independently and Identically Distributed Data</a:t>
+                      </a:r>
+                      <a:endParaRPr lang="en-GB" sz="1200" dirty="0"/>
+                    </a:p>
+                  </a:txBody>
+                  <a:tcPr/>
+                </a:tc>
+                <a:tc>
+                  <a:txBody>
+                    <a:bodyPr/>
+                    <a:lstStyle/>
+                    <a:p>
+                      <a:r>
+                        <a:rPr lang="en-US" sz="1200" dirty="0"/>
+                        <a:t>Independent: data is not influenced by data on another device</a:t>
+                      </a:r>
+                    </a:p>
+                    <a:p>
+                      <a:r>
+                        <a:rPr lang="en-US" sz="1200" dirty="0"/>
+                        <a:t>Identically distributed: data on each device has the same overall probability distribution</a:t>
+                      </a:r>
+                      <a:endParaRPr lang="en-GB" sz="1200" dirty="0"/>
+                    </a:p>
+                  </a:txBody>
+                  <a:tcPr/>
+                </a:tc>
+                <a:extLst>
+                  <a:ext uri="{0D108BD9-81ED-4DB2-BD59-A6C34878D82A}">
+                    <a16:rowId xmlns:a16="http://schemas.microsoft.com/office/drawing/2014/main" val="3737137955"/>
+                  </a:ext>
+                </a:extLst>
+              </a:tr>
+            </a:tbl>
+          </a:graphicData>
+        </a:graphic>
+      </p:graphicFrame>
+    </p:spTree>
+    <p:extLst>
+      <p:ext uri="{BB962C8B-B14F-4D97-AF65-F5344CB8AC3E}">
+        <p14:creationId xmlns:p14="http://schemas.microsoft.com/office/powerpoint/2010/main" val="317938089"/>
       </p:ext>
     </p:extLst>
   </p:cSld>

--- a/Presentations/Supervisor Meetings/2024/20240209.pptx
+++ b/Presentations/Supervisor Meetings/2024/20240209.pptx
@@ -117,14 +117,6 @@
 </p:presentation>
 </file>
 
-<file path=ppt/revisionInfo.xml><?xml version="1.0" encoding="utf-8"?>
-<p1510:revInfo xmlns:a="http://schemas.openxmlformats.org/drawingml/2006/main" xmlns:r="http://schemas.openxmlformats.org/officeDocument/2006/relationships" xmlns:p1510="http://schemas.microsoft.com/office/powerpoint/2015/10/main">
-  <p1510:revLst>
-    <p1510:client id="{CA64B30F-511C-45F5-B991-1BF90300E7E0}" v="88" dt="2024-02-10T16:34:53.639"/>
-  </p1510:revLst>
-</p1510:revInfo>
-</file>
-
 <file path=ppt/changesInfos/changesInfo1.xml><?xml version="1.0" encoding="utf-8"?>
 <pc:chgInfo xmlns:a="http://schemas.openxmlformats.org/drawingml/2006/main" xmlns:r="http://schemas.openxmlformats.org/officeDocument/2006/relationships" xmlns:ac="http://schemas.microsoft.com/office/drawing/2013/main/command" xmlns:pc="http://schemas.microsoft.com/office/powerpoint/2013/main/command">
   <pc:docChgLst>
@@ -1476,6 +1468,30 @@
           </pc:sldLayoutMkLst>
         </pc:sldLayoutChg>
       </pc:sldMasterChg>
+    </pc:docChg>
+  </pc:docChgLst>
+  <pc:docChgLst>
+    <pc:chgData name="Sean O Fithcheallaigh" userId="47659c31-a575-4792-8be3-61268c4ee0d6" providerId="ADAL" clId="{F0BCD894-50B2-4D23-A82D-5E52D8436338}"/>
+    <pc:docChg chg="undo custSel modSld">
+      <pc:chgData name="Sean O Fithcheallaigh" userId="47659c31-a575-4792-8be3-61268c4ee0d6" providerId="ADAL" clId="{F0BCD894-50B2-4D23-A82D-5E52D8436338}" dt="2024-02-16T15:06:47.683" v="4" actId="400"/>
+      <pc:docMkLst>
+        <pc:docMk/>
+      </pc:docMkLst>
+      <pc:sldChg chg="modSp mod">
+        <pc:chgData name="Sean O Fithcheallaigh" userId="47659c31-a575-4792-8be3-61268c4ee0d6" providerId="ADAL" clId="{F0BCD894-50B2-4D23-A82D-5E52D8436338}" dt="2024-02-16T15:06:47.683" v="4" actId="400"/>
+        <pc:sldMkLst>
+          <pc:docMk/>
+          <pc:sldMk cId="2143467693" sldId="259"/>
+        </pc:sldMkLst>
+        <pc:spChg chg="mod">
+          <ac:chgData name="Sean O Fithcheallaigh" userId="47659c31-a575-4792-8be3-61268c4ee0d6" providerId="ADAL" clId="{F0BCD894-50B2-4D23-A82D-5E52D8436338}" dt="2024-02-16T15:06:47.683" v="4" actId="400"/>
+          <ac:spMkLst>
+            <pc:docMk/>
+            <pc:sldMk cId="2143467693" sldId="259"/>
+            <ac:spMk id="21" creationId="{B1BF8FF0-C5F9-44EC-AB52-3D3EA590CDC6}"/>
+          </ac:spMkLst>
+        </pc:spChg>
+      </pc:sldChg>
     </pc:docChg>
   </pc:docChgLst>
   <pc:docChgLst>
@@ -4857,7 +4873,7 @@
           <a:p>
             <a:fld id="{0CD94E99-FA29-4EFF-88BE-3447E30E8C4D}" type="datetimeFigureOut">
               <a:rPr lang="en-GB" smtClean="0"/>
-              <a:t>10/02/2024</a:t>
+              <a:t>16/02/2024</a:t>
             </a:fld>
             <a:endParaRPr lang="en-GB"/>
           </a:p>
@@ -5065,7 +5081,7 @@
           <a:p>
             <a:fld id="{0CD94E99-FA29-4EFF-88BE-3447E30E8C4D}" type="datetimeFigureOut">
               <a:rPr lang="en-GB" smtClean="0"/>
-              <a:t>10/02/2024</a:t>
+              <a:t>16/02/2024</a:t>
             </a:fld>
             <a:endParaRPr lang="en-GB"/>
           </a:p>
@@ -5323,7 +5339,7 @@
           <a:p>
             <a:fld id="{0CD94E99-FA29-4EFF-88BE-3447E30E8C4D}" type="datetimeFigureOut">
               <a:rPr lang="en-GB" smtClean="0"/>
-              <a:t>10/02/2024</a:t>
+              <a:t>16/02/2024</a:t>
             </a:fld>
             <a:endParaRPr lang="en-GB"/>
           </a:p>
@@ -5493,7 +5509,7 @@
           <a:p>
             <a:fld id="{0CD94E99-FA29-4EFF-88BE-3447E30E8C4D}" type="datetimeFigureOut">
               <a:rPr lang="en-GB" smtClean="0"/>
-              <a:t>10/02/2024</a:t>
+              <a:t>16/02/2024</a:t>
             </a:fld>
             <a:endParaRPr lang="en-GB"/>
           </a:p>
@@ -5830,7 +5846,7 @@
           <a:p>
             <a:fld id="{0CD94E99-FA29-4EFF-88BE-3447E30E8C4D}" type="datetimeFigureOut">
               <a:rPr lang="en-GB" smtClean="0"/>
-              <a:t>10/02/2024</a:t>
+              <a:t>16/02/2024</a:t>
             </a:fld>
             <a:endParaRPr lang="en-GB"/>
           </a:p>
@@ -6110,7 +6126,7 @@
           <a:p>
             <a:fld id="{0CD94E99-FA29-4EFF-88BE-3447E30E8C4D}" type="datetimeFigureOut">
               <a:rPr lang="en-GB" smtClean="0"/>
-              <a:t>10/02/2024</a:t>
+              <a:t>16/02/2024</a:t>
             </a:fld>
             <a:endParaRPr lang="en-GB"/>
           </a:p>
@@ -6489,7 +6505,7 @@
           <a:p>
             <a:fld id="{0CD94E99-FA29-4EFF-88BE-3447E30E8C4D}" type="datetimeFigureOut">
               <a:rPr lang="en-GB" smtClean="0"/>
-              <a:t>10/02/2024</a:t>
+              <a:t>16/02/2024</a:t>
             </a:fld>
             <a:endParaRPr lang="en-GB"/>
           </a:p>
@@ -6607,7 +6623,7 @@
           <a:p>
             <a:fld id="{0CD94E99-FA29-4EFF-88BE-3447E30E8C4D}" type="datetimeFigureOut">
               <a:rPr lang="en-GB" smtClean="0"/>
-              <a:t>10/02/2024</a:t>
+              <a:t>16/02/2024</a:t>
             </a:fld>
             <a:endParaRPr lang="en-GB"/>
           </a:p>
@@ -6780,7 +6796,7 @@
           <a:p>
             <a:fld id="{0CD94E99-FA29-4EFF-88BE-3447E30E8C4D}" type="datetimeFigureOut">
               <a:rPr lang="en-GB" smtClean="0"/>
-              <a:t>10/02/2024</a:t>
+              <a:t>16/02/2024</a:t>
             </a:fld>
             <a:endParaRPr lang="en-GB"/>
           </a:p>
@@ -7136,7 +7152,7 @@
           <a:p>
             <a:fld id="{0CD94E99-FA29-4EFF-88BE-3447E30E8C4D}" type="datetimeFigureOut">
               <a:rPr lang="en-GB" smtClean="0"/>
-              <a:t>10/02/2024</a:t>
+              <a:t>16/02/2024</a:t>
             </a:fld>
             <a:endParaRPr lang="en-GB"/>
           </a:p>
@@ -7515,7 +7531,7 @@
           <a:p>
             <a:fld id="{0CD94E99-FA29-4EFF-88BE-3447E30E8C4D}" type="datetimeFigureOut">
               <a:rPr lang="en-GB" smtClean="0"/>
-              <a:t>10/02/2024</a:t>
+              <a:t>16/02/2024</a:t>
             </a:fld>
             <a:endParaRPr lang="en-GB"/>
           </a:p>
@@ -7804,7 +7820,7 @@
           <a:p>
             <a:fld id="{0CD94E99-FA29-4EFF-88BE-3447E30E8C4D}" type="datetimeFigureOut">
               <a:rPr lang="en-GB" smtClean="0"/>
-              <a:t>10/02/2024</a:t>
+              <a:t>16/02/2024</a:t>
             </a:fld>
             <a:endParaRPr lang="en-GB"/>
           </a:p>
@@ -9210,7 +9226,7 @@
               </a:spcBef>
             </a:pPr>
             <a:r>
-              <a:rPr lang="en-US" sz="1400" kern="1200" dirty="0">
+              <a:rPr lang="en-US" sz="1400" strike="sngStrike" kern="1200" dirty="0">
                 <a:solidFill>
                   <a:schemeClr val="tx1"/>
                 </a:solidFill>
@@ -9221,7 +9237,7 @@
               <a:t>RQ1: 	With the ever-increasing use of IoT devices, </a:t>
             </a:r>
             <a:r>
-              <a:rPr lang="en-US" sz="1400" b="1" kern="1200" dirty="0">
+              <a:rPr lang="en-US" sz="1400" b="1" strike="sngStrike" kern="1200" dirty="0">
                 <a:solidFill>
                   <a:schemeClr val="tx1"/>
                 </a:solidFill>
@@ -9232,7 +9248,7 @@
               <a:t>can</a:t>
             </a:r>
             <a:r>
-              <a:rPr lang="en-US" sz="1400" kern="1200" dirty="0">
+              <a:rPr lang="en-US" sz="1400" strike="sngStrike" kern="1200" dirty="0">
                 <a:solidFill>
                   <a:schemeClr val="tx1"/>
                 </a:solidFill>
@@ -9243,7 +9259,7 @@
               <a:t> </a:t>
             </a:r>
             <a:r>
-              <a:rPr lang="en-US" sz="1400" b="1" kern="1200" dirty="0">
+              <a:rPr lang="en-US" sz="1400" b="1" strike="sngStrike" kern="1200" dirty="0">
                 <a:solidFill>
                   <a:schemeClr val="tx1"/>
                 </a:solidFill>
@@ -9254,7 +9270,7 @@
               <a:t>FL algorithms or tools be designed to operate specifically on 	resource Edge devices</a:t>
             </a:r>
             <a:r>
-              <a:rPr lang="en-US" sz="1400" kern="1200" dirty="0">
+              <a:rPr lang="en-US" sz="1400" strike="sngStrike" kern="1200" dirty="0">
                 <a:solidFill>
                   <a:schemeClr val="tx1"/>
                 </a:solidFill>
@@ -9272,7 +9288,7 @@
               </a:spcBef>
             </a:pPr>
             <a:r>
-              <a:rPr lang="en-US" sz="1400" kern="1200" dirty="0">
+              <a:rPr lang="en-US" sz="1400" strike="sngStrike" kern="1200" dirty="0">
                 <a:solidFill>
                   <a:schemeClr val="tx1"/>
                 </a:solidFill>
@@ -9283,7 +9299,7 @@
               <a:t>RQ2: 	Real-world data will typically have elements of variability that can reduce the accuracy of any model. </a:t>
             </a:r>
             <a:r>
-              <a:rPr lang="en-US" sz="1400" b="1" kern="1200" dirty="0">
+              <a:rPr lang="en-US" sz="1400" b="1" strike="sngStrike" kern="1200" dirty="0">
                 <a:solidFill>
                   <a:schemeClr val="tx1"/>
                 </a:solidFill>
@@ -9294,11 +9310,11 @@
               <a:t>Can we 	develop FL algorithms that are adaptable to non IID (Independently and Identically Distributed </a:t>
             </a:r>
             <a:r>
-              <a:rPr lang="en-US" sz="1400" b="1" dirty="0"/>
+              <a:rPr lang="en-US" sz="1400" b="1" strike="sngStrike" dirty="0"/>
               <a:t>D</a:t>
             </a:r>
             <a:r>
-              <a:rPr lang="en-US" sz="1400" b="1" kern="1200" dirty="0">
+              <a:rPr lang="en-US" sz="1400" b="1" strike="sngStrike" kern="1200" dirty="0">
                 <a:solidFill>
                   <a:schemeClr val="tx1"/>
                 </a:solidFill>
@@ -9356,7 +9372,7 @@
               </a:spcBef>
             </a:pPr>
             <a:r>
-              <a:rPr lang="en-US" sz="1400" kern="1200" dirty="0">
+              <a:rPr lang="en-US" sz="1400" strike="sngStrike" kern="1200" dirty="0">
                 <a:solidFill>
                   <a:schemeClr val="tx1"/>
                 </a:solidFill>
@@ -9367,7 +9383,7 @@
               <a:t>RQ4: 	</a:t>
             </a:r>
             <a:r>
-              <a:rPr lang="en-US" sz="1400" b="1" kern="1200" dirty="0">
+              <a:rPr lang="en-US" sz="1400" b="1" strike="sngStrike" kern="1200" dirty="0">
                 <a:solidFill>
                   <a:schemeClr val="tx1"/>
                 </a:solidFill>
@@ -9378,7 +9394,7 @@
               <a:t>Can FL be resilient to unreliable network conditions </a:t>
             </a:r>
             <a:r>
-              <a:rPr lang="en-US" sz="1400" kern="1200" dirty="0">
+              <a:rPr lang="en-US" sz="1400" strike="sngStrike" kern="1200" dirty="0">
                 <a:solidFill>
                   <a:schemeClr val="tx1"/>
                 </a:solidFill>

--- a/Presentations/Supervisor Meetings/2024/20240209.pptx
+++ b/Presentations/Supervisor Meetings/2024/20240209.pptx
@@ -1473,18 +1473,18 @@
   <pc:docChgLst>
     <pc:chgData name="Sean O Fithcheallaigh" userId="47659c31-a575-4792-8be3-61268c4ee0d6" providerId="ADAL" clId="{F0BCD894-50B2-4D23-A82D-5E52D8436338}"/>
     <pc:docChg chg="undo custSel modSld">
-      <pc:chgData name="Sean O Fithcheallaigh" userId="47659c31-a575-4792-8be3-61268c4ee0d6" providerId="ADAL" clId="{F0BCD894-50B2-4D23-A82D-5E52D8436338}" dt="2024-02-16T15:06:47.683" v="4" actId="400"/>
+      <pc:chgData name="Sean O Fithcheallaigh" userId="47659c31-a575-4792-8be3-61268c4ee0d6" providerId="ADAL" clId="{F0BCD894-50B2-4D23-A82D-5E52D8436338}" dt="2024-02-18T22:50:59.547" v="5" actId="400"/>
       <pc:docMkLst>
         <pc:docMk/>
       </pc:docMkLst>
       <pc:sldChg chg="modSp mod">
-        <pc:chgData name="Sean O Fithcheallaigh" userId="47659c31-a575-4792-8be3-61268c4ee0d6" providerId="ADAL" clId="{F0BCD894-50B2-4D23-A82D-5E52D8436338}" dt="2024-02-16T15:06:47.683" v="4" actId="400"/>
+        <pc:chgData name="Sean O Fithcheallaigh" userId="47659c31-a575-4792-8be3-61268c4ee0d6" providerId="ADAL" clId="{F0BCD894-50B2-4D23-A82D-5E52D8436338}" dt="2024-02-18T22:50:59.547" v="5" actId="400"/>
         <pc:sldMkLst>
           <pc:docMk/>
           <pc:sldMk cId="2143467693" sldId="259"/>
         </pc:sldMkLst>
         <pc:spChg chg="mod">
-          <ac:chgData name="Sean O Fithcheallaigh" userId="47659c31-a575-4792-8be3-61268c4ee0d6" providerId="ADAL" clId="{F0BCD894-50B2-4D23-A82D-5E52D8436338}" dt="2024-02-16T15:06:47.683" v="4" actId="400"/>
+          <ac:chgData name="Sean O Fithcheallaigh" userId="47659c31-a575-4792-8be3-61268c4ee0d6" providerId="ADAL" clId="{F0BCD894-50B2-4D23-A82D-5E52D8436338}" dt="2024-02-18T22:50:59.547" v="5" actId="400"/>
           <ac:spMkLst>
             <pc:docMk/>
             <pc:sldMk cId="2143467693" sldId="259"/>
@@ -4873,7 +4873,7 @@
           <a:p>
             <a:fld id="{0CD94E99-FA29-4EFF-88BE-3447E30E8C4D}" type="datetimeFigureOut">
               <a:rPr lang="en-GB" smtClean="0"/>
-              <a:t>16/02/2024</a:t>
+              <a:t>18/02/2024</a:t>
             </a:fld>
             <a:endParaRPr lang="en-GB"/>
           </a:p>
@@ -5081,7 +5081,7 @@
           <a:p>
             <a:fld id="{0CD94E99-FA29-4EFF-88BE-3447E30E8C4D}" type="datetimeFigureOut">
               <a:rPr lang="en-GB" smtClean="0"/>
-              <a:t>16/02/2024</a:t>
+              <a:t>18/02/2024</a:t>
             </a:fld>
             <a:endParaRPr lang="en-GB"/>
           </a:p>
@@ -5339,7 +5339,7 @@
           <a:p>
             <a:fld id="{0CD94E99-FA29-4EFF-88BE-3447E30E8C4D}" type="datetimeFigureOut">
               <a:rPr lang="en-GB" smtClean="0"/>
-              <a:t>16/02/2024</a:t>
+              <a:t>18/02/2024</a:t>
             </a:fld>
             <a:endParaRPr lang="en-GB"/>
           </a:p>
@@ -5509,7 +5509,7 @@
           <a:p>
             <a:fld id="{0CD94E99-FA29-4EFF-88BE-3447E30E8C4D}" type="datetimeFigureOut">
               <a:rPr lang="en-GB" smtClean="0"/>
-              <a:t>16/02/2024</a:t>
+              <a:t>18/02/2024</a:t>
             </a:fld>
             <a:endParaRPr lang="en-GB"/>
           </a:p>
@@ -5846,7 +5846,7 @@
           <a:p>
             <a:fld id="{0CD94E99-FA29-4EFF-88BE-3447E30E8C4D}" type="datetimeFigureOut">
               <a:rPr lang="en-GB" smtClean="0"/>
-              <a:t>16/02/2024</a:t>
+              <a:t>18/02/2024</a:t>
             </a:fld>
             <a:endParaRPr lang="en-GB"/>
           </a:p>
@@ -6126,7 +6126,7 @@
           <a:p>
             <a:fld id="{0CD94E99-FA29-4EFF-88BE-3447E30E8C4D}" type="datetimeFigureOut">
               <a:rPr lang="en-GB" smtClean="0"/>
-              <a:t>16/02/2024</a:t>
+              <a:t>18/02/2024</a:t>
             </a:fld>
             <a:endParaRPr lang="en-GB"/>
           </a:p>
@@ -6505,7 +6505,7 @@
           <a:p>
             <a:fld id="{0CD94E99-FA29-4EFF-88BE-3447E30E8C4D}" type="datetimeFigureOut">
               <a:rPr lang="en-GB" smtClean="0"/>
-              <a:t>16/02/2024</a:t>
+              <a:t>18/02/2024</a:t>
             </a:fld>
             <a:endParaRPr lang="en-GB"/>
           </a:p>
@@ -6623,7 +6623,7 @@
           <a:p>
             <a:fld id="{0CD94E99-FA29-4EFF-88BE-3447E30E8C4D}" type="datetimeFigureOut">
               <a:rPr lang="en-GB" smtClean="0"/>
-              <a:t>16/02/2024</a:t>
+              <a:t>18/02/2024</a:t>
             </a:fld>
             <a:endParaRPr lang="en-GB"/>
           </a:p>
@@ -6796,7 +6796,7 @@
           <a:p>
             <a:fld id="{0CD94E99-FA29-4EFF-88BE-3447E30E8C4D}" type="datetimeFigureOut">
               <a:rPr lang="en-GB" smtClean="0"/>
-              <a:t>16/02/2024</a:t>
+              <a:t>18/02/2024</a:t>
             </a:fld>
             <a:endParaRPr lang="en-GB"/>
           </a:p>
@@ -7152,7 +7152,7 @@
           <a:p>
             <a:fld id="{0CD94E99-FA29-4EFF-88BE-3447E30E8C4D}" type="datetimeFigureOut">
               <a:rPr lang="en-GB" smtClean="0"/>
-              <a:t>16/02/2024</a:t>
+              <a:t>18/02/2024</a:t>
             </a:fld>
             <a:endParaRPr lang="en-GB"/>
           </a:p>
@@ -7531,7 +7531,7 @@
           <a:p>
             <a:fld id="{0CD94E99-FA29-4EFF-88BE-3447E30E8C4D}" type="datetimeFigureOut">
               <a:rPr lang="en-GB" smtClean="0"/>
-              <a:t>16/02/2024</a:t>
+              <a:t>18/02/2024</a:t>
             </a:fld>
             <a:endParaRPr lang="en-GB"/>
           </a:p>
@@ -7820,7 +7820,7 @@
           <a:p>
             <a:fld id="{0CD94E99-FA29-4EFF-88BE-3447E30E8C4D}" type="datetimeFigureOut">
               <a:rPr lang="en-GB" smtClean="0"/>
-              <a:t>16/02/2024</a:t>
+              <a:t>18/02/2024</a:t>
             </a:fld>
             <a:endParaRPr lang="en-GB"/>
           </a:p>
@@ -9412,7 +9412,7 @@
               </a:spcBef>
             </a:pPr>
             <a:r>
-              <a:rPr lang="en-US" sz="1400" kern="1200" dirty="0">
+              <a:rPr lang="en-US" sz="1400" strike="sngStrike" kern="1200" dirty="0">
                 <a:solidFill>
                   <a:schemeClr val="tx1"/>
                 </a:solidFill>
@@ -9423,7 +9423,7 @@
               <a:t>RQ5:	</a:t>
             </a:r>
             <a:r>
-              <a:rPr lang="en-US" sz="1400" b="1" kern="1200" dirty="0">
+              <a:rPr lang="en-US" sz="1400" b="1" strike="sngStrike" kern="1200" dirty="0">
                 <a:solidFill>
                   <a:schemeClr val="tx1"/>
                 </a:solidFill>
@@ -9434,7 +9434,7 @@
               <a:t>How can we design efficient aggregation algorithms for FL </a:t>
             </a:r>
             <a:r>
-              <a:rPr lang="en-US" sz="1400" kern="1200" dirty="0">
+              <a:rPr lang="en-US" sz="1400" strike="sngStrike" kern="1200" dirty="0">
                 <a:solidFill>
                   <a:schemeClr val="tx1"/>
                 </a:solidFill>
